--- a/P3_soussand_yoan/P3_02_architecture/P3_02_architecture.pptx
+++ b/P3_soussand_yoan/P3_02_architecture/P3_02_architecture.pptx
@@ -2,19 +2,20 @@
 <file path=ppt/presentation.xml><?xml version="1.0" encoding="utf-8"?>
 <p:presentation xmlns:a="http://schemas.openxmlformats.org/drawingml/2006/main" xmlns:r="http://schemas.openxmlformats.org/officeDocument/2006/relationships" xmlns:p="http://schemas.openxmlformats.org/presentationml/2006/main" saveSubsetFonts="1" autoCompressPictures="0">
   <p:sldMasterIdLst>
-    <p:sldMasterId id="2147483648" r:id="rId1"/>
+    <p:sldMasterId id="2147484032" r:id="rId1"/>
   </p:sldMasterIdLst>
   <p:sldIdLst>
     <p:sldId id="256" r:id="rId2"/>
     <p:sldId id="257" r:id="rId3"/>
+    <p:sldId id="258" r:id="rId4"/>
   </p:sldIdLst>
   <p:sldSz cx="12192000" cy="6858000"/>
   <p:notesSz cx="6858000" cy="9144000"/>
   <p:defaultTextStyle>
     <a:defPPr>
-      <a:defRPr lang="fr-FR"/>
+      <a:defRPr lang="en-US"/>
     </a:defPPr>
-    <a:lvl1pPr marL="0" algn="l" defTabSz="914400" rtl="0" eaLnBrk="1" latinLnBrk="0" hangingPunct="1">
+    <a:lvl1pPr marL="0" algn="l" defTabSz="457200" rtl="0" eaLnBrk="1" latinLnBrk="0" hangingPunct="1">
       <a:defRPr sz="1800" kern="1200">
         <a:solidFill>
           <a:schemeClr val="tx1"/>
@@ -24,7 +25,7 @@
         <a:cs typeface="+mn-cs"/>
       </a:defRPr>
     </a:lvl1pPr>
-    <a:lvl2pPr marL="457200" algn="l" defTabSz="914400" rtl="0" eaLnBrk="1" latinLnBrk="0" hangingPunct="1">
+    <a:lvl2pPr marL="457200" algn="l" defTabSz="457200" rtl="0" eaLnBrk="1" latinLnBrk="0" hangingPunct="1">
       <a:defRPr sz="1800" kern="1200">
         <a:solidFill>
           <a:schemeClr val="tx1"/>
@@ -34,7 +35,7 @@
         <a:cs typeface="+mn-cs"/>
       </a:defRPr>
     </a:lvl2pPr>
-    <a:lvl3pPr marL="914400" algn="l" defTabSz="914400" rtl="0" eaLnBrk="1" latinLnBrk="0" hangingPunct="1">
+    <a:lvl3pPr marL="914400" algn="l" defTabSz="457200" rtl="0" eaLnBrk="1" latinLnBrk="0" hangingPunct="1">
       <a:defRPr sz="1800" kern="1200">
         <a:solidFill>
           <a:schemeClr val="tx1"/>
@@ -44,7 +45,7 @@
         <a:cs typeface="+mn-cs"/>
       </a:defRPr>
     </a:lvl3pPr>
-    <a:lvl4pPr marL="1371600" algn="l" defTabSz="914400" rtl="0" eaLnBrk="1" latinLnBrk="0" hangingPunct="1">
+    <a:lvl4pPr marL="1371600" algn="l" defTabSz="457200" rtl="0" eaLnBrk="1" latinLnBrk="0" hangingPunct="1">
       <a:defRPr sz="1800" kern="1200">
         <a:solidFill>
           <a:schemeClr val="tx1"/>
@@ -54,7 +55,7 @@
         <a:cs typeface="+mn-cs"/>
       </a:defRPr>
     </a:lvl4pPr>
-    <a:lvl5pPr marL="1828800" algn="l" defTabSz="914400" rtl="0" eaLnBrk="1" latinLnBrk="0" hangingPunct="1">
+    <a:lvl5pPr marL="1828800" algn="l" defTabSz="457200" rtl="0" eaLnBrk="1" latinLnBrk="0" hangingPunct="1">
       <a:defRPr sz="1800" kern="1200">
         <a:solidFill>
           <a:schemeClr val="tx1"/>
@@ -64,7 +65,7 @@
         <a:cs typeface="+mn-cs"/>
       </a:defRPr>
     </a:lvl5pPr>
-    <a:lvl6pPr marL="2286000" algn="l" defTabSz="914400" rtl="0" eaLnBrk="1" latinLnBrk="0" hangingPunct="1">
+    <a:lvl6pPr marL="2286000" algn="l" defTabSz="457200" rtl="0" eaLnBrk="1" latinLnBrk="0" hangingPunct="1">
       <a:defRPr sz="1800" kern="1200">
         <a:solidFill>
           <a:schemeClr val="tx1"/>
@@ -74,7 +75,7 @@
         <a:cs typeface="+mn-cs"/>
       </a:defRPr>
     </a:lvl6pPr>
-    <a:lvl7pPr marL="2743200" algn="l" defTabSz="914400" rtl="0" eaLnBrk="1" latinLnBrk="0" hangingPunct="1">
+    <a:lvl7pPr marL="2743200" algn="l" defTabSz="457200" rtl="0" eaLnBrk="1" latinLnBrk="0" hangingPunct="1">
       <a:defRPr sz="1800" kern="1200">
         <a:solidFill>
           <a:schemeClr val="tx1"/>
@@ -84,7 +85,7 @@
         <a:cs typeface="+mn-cs"/>
       </a:defRPr>
     </a:lvl7pPr>
-    <a:lvl8pPr marL="3200400" algn="l" defTabSz="914400" rtl="0" eaLnBrk="1" latinLnBrk="0" hangingPunct="1">
+    <a:lvl8pPr marL="3200400" algn="l" defTabSz="457200" rtl="0" eaLnBrk="1" latinLnBrk="0" hangingPunct="1">
       <a:defRPr sz="1800" kern="1200">
         <a:solidFill>
           <a:schemeClr val="tx1"/>
@@ -94,7 +95,7 @@
         <a:cs typeface="+mn-cs"/>
       </a:defRPr>
     </a:lvl8pPr>
-    <a:lvl9pPr marL="3657600" algn="l" defTabSz="914400" rtl="0" eaLnBrk="1" latinLnBrk="0" hangingPunct="1">
+    <a:lvl9pPr marL="3657600" algn="l" defTabSz="457200" rtl="0" eaLnBrk="1" latinLnBrk="0" hangingPunct="1">
       <a:defRPr sz="1800" kern="1200">
         <a:solidFill>
           <a:schemeClr val="tx1"/>
@@ -105,11 +106,827 @@
       </a:defRPr>
     </a:lvl9pPr>
   </p:defaultTextStyle>
+  <p:extLst>
+    <p:ext uri="{EFAFB233-063F-42B5-8137-9DF3F51BA10A}">
+      <p15:sldGuideLst xmlns:p15="http://schemas.microsoft.com/office/powerpoint/2012/main"/>
+    </p:ext>
+  </p:extLst>
 </p:presentation>
 </file>
 
+<file path=ppt/revisionInfo.xml><?xml version="1.0" encoding="utf-8"?>
+<p1510:revInfo xmlns:a="http://schemas.openxmlformats.org/drawingml/2006/main" xmlns:r="http://schemas.openxmlformats.org/officeDocument/2006/relationships" xmlns:p1510="http://schemas.microsoft.com/office/powerpoint/2015/10/main">
+  <p1510:revLst>
+    <p1510:client id="{ED4E84CA-539B-F14D-8B36-AC637F884A74}" v="43" dt="2021-08-16T21:09:39.402"/>
+  </p1510:revLst>
+</p1510:revInfo>
+</file>
+
+<file path=ppt/changesInfos/changesInfo1.xml><?xml version="1.0" encoding="utf-8"?>
+<pc:chgInfo xmlns:a="http://schemas.openxmlformats.org/drawingml/2006/main" xmlns:r="http://schemas.openxmlformats.org/officeDocument/2006/relationships" xmlns:ac="http://schemas.microsoft.com/office/drawing/2013/main/command" xmlns:pc="http://schemas.microsoft.com/office/powerpoint/2013/main/command">
+  <pc:docChgLst>
+    <pc:chgData name="Soussand, Yoan" userId="6c304db6-38ce-44e5-ba9b-3778b08966c2" providerId="ADAL" clId="{ED4E84CA-539B-F14D-8B36-AC637F884A74}"/>
+    <pc:docChg chg="undo custSel addSld modSld">
+      <pc:chgData name="Soussand, Yoan" userId="6c304db6-38ce-44e5-ba9b-3778b08966c2" providerId="ADAL" clId="{ED4E84CA-539B-F14D-8B36-AC637F884A74}" dt="2021-08-16T21:10:35.658" v="1101" actId="20577"/>
+      <pc:docMkLst>
+        <pc:docMk/>
+      </pc:docMkLst>
+      <pc:sldChg chg="addSp delSp modSp mod setBg modAnim setClrOvrMap delDesignElem">
+        <pc:chgData name="Soussand, Yoan" userId="6c304db6-38ce-44e5-ba9b-3778b08966c2" providerId="ADAL" clId="{ED4E84CA-539B-F14D-8B36-AC637F884A74}" dt="2021-08-16T20:50:41.938" v="119" actId="26606"/>
+        <pc:sldMkLst>
+          <pc:docMk/>
+          <pc:sldMk cId="2226278669" sldId="256"/>
+        </pc:sldMkLst>
+        <pc:spChg chg="mod">
+          <ac:chgData name="Soussand, Yoan" userId="6c304db6-38ce-44e5-ba9b-3778b08966c2" providerId="ADAL" clId="{ED4E84CA-539B-F14D-8B36-AC637F884A74}" dt="2021-08-16T20:50:41.938" v="119" actId="26606"/>
+          <ac:spMkLst>
+            <pc:docMk/>
+            <pc:sldMk cId="2226278669" sldId="256"/>
+            <ac:spMk id="2" creationId="{C9D1A607-9714-694C-8C6D-4C5C5C89B36A}"/>
+          </ac:spMkLst>
+        </pc:spChg>
+        <pc:spChg chg="mod">
+          <ac:chgData name="Soussand, Yoan" userId="6c304db6-38ce-44e5-ba9b-3778b08966c2" providerId="ADAL" clId="{ED4E84CA-539B-F14D-8B36-AC637F884A74}" dt="2021-08-16T20:50:41.938" v="119" actId="26606"/>
+          <ac:spMkLst>
+            <pc:docMk/>
+            <pc:sldMk cId="2226278669" sldId="256"/>
+            <ac:spMk id="3" creationId="{72DEA436-D149-384F-A768-FDA2F0443997}"/>
+          </ac:spMkLst>
+        </pc:spChg>
+        <pc:spChg chg="add del">
+          <ac:chgData name="Soussand, Yoan" userId="6c304db6-38ce-44e5-ba9b-3778b08966c2" providerId="ADAL" clId="{ED4E84CA-539B-F14D-8B36-AC637F884A74}" dt="2021-08-16T20:50:41.825" v="118" actId="26606"/>
+          <ac:spMkLst>
+            <pc:docMk/>
+            <pc:sldMk cId="2226278669" sldId="256"/>
+            <ac:spMk id="12" creationId="{0E1EC02D-0083-41E1-BA4D-520B9407910E}"/>
+          </ac:spMkLst>
+        </pc:spChg>
+        <pc:spChg chg="add del">
+          <ac:chgData name="Soussand, Yoan" userId="6c304db6-38ce-44e5-ba9b-3778b08966c2" providerId="ADAL" clId="{ED4E84CA-539B-F14D-8B36-AC637F884A74}" dt="2021-08-16T20:50:41.825" v="118" actId="26606"/>
+          <ac:spMkLst>
+            <pc:docMk/>
+            <pc:sldMk cId="2226278669" sldId="256"/>
+            <ac:spMk id="14" creationId="{05C80F73-7ED6-43AE-9852-0A1FA05F60DC}"/>
+          </ac:spMkLst>
+        </pc:spChg>
+        <pc:spChg chg="add del">
+          <ac:chgData name="Soussand, Yoan" userId="6c304db6-38ce-44e5-ba9b-3778b08966c2" providerId="ADAL" clId="{ED4E84CA-539B-F14D-8B36-AC637F884A74}" dt="2021-08-16T20:50:41.825" v="118" actId="26606"/>
+          <ac:spMkLst>
+            <pc:docMk/>
+            <pc:sldMk cId="2226278669" sldId="256"/>
+            <ac:spMk id="16" creationId="{3A43EBFE-9D7B-4102-912D-F0BF7BE05AC7}"/>
+          </ac:spMkLst>
+        </pc:spChg>
+        <pc:spChg chg="add">
+          <ac:chgData name="Soussand, Yoan" userId="6c304db6-38ce-44e5-ba9b-3778b08966c2" providerId="ADAL" clId="{ED4E84CA-539B-F14D-8B36-AC637F884A74}" dt="2021-08-16T20:50:41.938" v="119" actId="26606"/>
+          <ac:spMkLst>
+            <pc:docMk/>
+            <pc:sldMk cId="2226278669" sldId="256"/>
+            <ac:spMk id="18" creationId="{B4B35B17-18BF-4D26-96DC-290B6F57FABD}"/>
+          </ac:spMkLst>
+        </pc:spChg>
+        <pc:spChg chg="add">
+          <ac:chgData name="Soussand, Yoan" userId="6c304db6-38ce-44e5-ba9b-3778b08966c2" providerId="ADAL" clId="{ED4E84CA-539B-F14D-8B36-AC637F884A74}" dt="2021-08-16T20:50:41.938" v="119" actId="26606"/>
+          <ac:spMkLst>
+            <pc:docMk/>
+            <pc:sldMk cId="2226278669" sldId="256"/>
+            <ac:spMk id="20" creationId="{D625A454-7C47-49CE-8425-3EC9800E44E4}"/>
+          </ac:spMkLst>
+        </pc:spChg>
+        <pc:spChg chg="add">
+          <ac:chgData name="Soussand, Yoan" userId="6c304db6-38ce-44e5-ba9b-3778b08966c2" providerId="ADAL" clId="{ED4E84CA-539B-F14D-8B36-AC637F884A74}" dt="2021-08-16T20:50:41.938" v="119" actId="26606"/>
+          <ac:spMkLst>
+            <pc:docMk/>
+            <pc:sldMk cId="2226278669" sldId="256"/>
+            <ac:spMk id="21" creationId="{ADEF8846-2D6D-405C-ACE3-3E8D2E451FB2}"/>
+          </ac:spMkLst>
+        </pc:spChg>
+        <pc:spChg chg="add">
+          <ac:chgData name="Soussand, Yoan" userId="6c304db6-38ce-44e5-ba9b-3778b08966c2" providerId="ADAL" clId="{ED4E84CA-539B-F14D-8B36-AC637F884A74}" dt="2021-08-16T20:50:41.938" v="119" actId="26606"/>
+          <ac:spMkLst>
+            <pc:docMk/>
+            <pc:sldMk cId="2226278669" sldId="256"/>
+            <ac:spMk id="22" creationId="{994BAC77-5C15-4467-AF87-602186CE3B75}"/>
+          </ac:spMkLst>
+        </pc:spChg>
+        <pc:spChg chg="add">
+          <ac:chgData name="Soussand, Yoan" userId="6c304db6-38ce-44e5-ba9b-3778b08966c2" providerId="ADAL" clId="{ED4E84CA-539B-F14D-8B36-AC637F884A74}" dt="2021-08-16T20:50:41.938" v="119" actId="26606"/>
+          <ac:spMkLst>
+            <pc:docMk/>
+            <pc:sldMk cId="2226278669" sldId="256"/>
+            <ac:spMk id="23" creationId="{52AF70D7-58F1-42CD-B0AB-BEB0ADDC5497}"/>
+          </ac:spMkLst>
+        </pc:spChg>
+        <pc:spChg chg="add del">
+          <ac:chgData name="Soussand, Yoan" userId="6c304db6-38ce-44e5-ba9b-3778b08966c2" providerId="ADAL" clId="{ED4E84CA-539B-F14D-8B36-AC637F884A74}" dt="2021-08-16T20:45:35.921" v="78" actId="26606"/>
+          <ac:spMkLst>
+            <pc:docMk/>
+            <pc:sldMk cId="2226278669" sldId="256"/>
+            <ac:spMk id="102" creationId="{C1A1C5D3-C053-4EE9-BE1A-419B6E27CCAE}"/>
+          </ac:spMkLst>
+        </pc:spChg>
+        <pc:spChg chg="add del">
+          <ac:chgData name="Soussand, Yoan" userId="6c304db6-38ce-44e5-ba9b-3778b08966c2" providerId="ADAL" clId="{ED4E84CA-539B-F14D-8B36-AC637F884A74}" dt="2021-08-16T20:45:35.921" v="78" actId="26606"/>
+          <ac:spMkLst>
+            <pc:docMk/>
+            <pc:sldMk cId="2226278669" sldId="256"/>
+            <ac:spMk id="104" creationId="{A3473CF9-37EB-43E7-89EF-D2D1C53D1DAC}"/>
+          </ac:spMkLst>
+        </pc:spChg>
+        <pc:spChg chg="add del">
+          <ac:chgData name="Soussand, Yoan" userId="6c304db6-38ce-44e5-ba9b-3778b08966c2" providerId="ADAL" clId="{ED4E84CA-539B-F14D-8B36-AC637F884A74}" dt="2021-08-16T20:45:35.921" v="78" actId="26606"/>
+          <ac:spMkLst>
+            <pc:docMk/>
+            <pc:sldMk cId="2226278669" sldId="256"/>
+            <ac:spMk id="106" creationId="{586B4EF9-43BA-4655-A6FF-1D8E21574C95}"/>
+          </ac:spMkLst>
+        </pc:spChg>
+        <pc:spChg chg="add del">
+          <ac:chgData name="Soussand, Yoan" userId="6c304db6-38ce-44e5-ba9b-3778b08966c2" providerId="ADAL" clId="{ED4E84CA-539B-F14D-8B36-AC637F884A74}" dt="2021-08-16T20:48:21.060" v="92" actId="26606"/>
+          <ac:spMkLst>
+            <pc:docMk/>
+            <pc:sldMk cId="2226278669" sldId="256"/>
+            <ac:spMk id="117" creationId="{65219498-D544-41AC-98FE-8F956EF66A62}"/>
+          </ac:spMkLst>
+        </pc:spChg>
+        <pc:spChg chg="add del">
+          <ac:chgData name="Soussand, Yoan" userId="6c304db6-38ce-44e5-ba9b-3778b08966c2" providerId="ADAL" clId="{ED4E84CA-539B-F14D-8B36-AC637F884A74}" dt="2021-08-16T20:48:21.060" v="92" actId="26606"/>
+          <ac:spMkLst>
+            <pc:docMk/>
+            <pc:sldMk cId="2226278669" sldId="256"/>
+            <ac:spMk id="119" creationId="{F500DBFC-17A9-4E0A-AEE2-A49F9AEEF0FD}"/>
+          </ac:spMkLst>
+        </pc:spChg>
+        <pc:spChg chg="add del">
+          <ac:chgData name="Soussand, Yoan" userId="6c304db6-38ce-44e5-ba9b-3778b08966c2" providerId="ADAL" clId="{ED4E84CA-539B-F14D-8B36-AC637F884A74}" dt="2021-08-16T20:48:32.083" v="98" actId="26606"/>
+          <ac:spMkLst>
+            <pc:docMk/>
+            <pc:sldMk cId="2226278669" sldId="256"/>
+            <ac:spMk id="123" creationId="{508BEF50-7B1E-49A4-BC19-5F4F1D755E64}"/>
+          </ac:spMkLst>
+        </pc:spChg>
+        <pc:spChg chg="add del">
+          <ac:chgData name="Soussand, Yoan" userId="6c304db6-38ce-44e5-ba9b-3778b08966c2" providerId="ADAL" clId="{ED4E84CA-539B-F14D-8B36-AC637F884A74}" dt="2021-08-16T20:48:32.083" v="98" actId="26606"/>
+          <ac:spMkLst>
+            <pc:docMk/>
+            <pc:sldMk cId="2226278669" sldId="256"/>
+            <ac:spMk id="125" creationId="{3FBAD350-5664-4811-A208-657FB882D350}"/>
+          </ac:spMkLst>
+        </pc:spChg>
+        <pc:spChg chg="add del">
+          <ac:chgData name="Soussand, Yoan" userId="6c304db6-38ce-44e5-ba9b-3778b08966c2" providerId="ADAL" clId="{ED4E84CA-539B-F14D-8B36-AC637F884A74}" dt="2021-08-16T20:48:32.083" v="98" actId="26606"/>
+          <ac:spMkLst>
+            <pc:docMk/>
+            <pc:sldMk cId="2226278669" sldId="256"/>
+            <ac:spMk id="127" creationId="{C39ADB8F-D187-49D7-BDCF-C1B6DC727068}"/>
+          </ac:spMkLst>
+        </pc:spChg>
+        <pc:spChg chg="del">
+          <ac:chgData name="Soussand, Yoan" userId="6c304db6-38ce-44e5-ba9b-3778b08966c2" providerId="ADAL" clId="{ED4E84CA-539B-F14D-8B36-AC637F884A74}" dt="2021-08-16T20:02:10.105" v="63"/>
+          <ac:spMkLst>
+            <pc:docMk/>
+            <pc:sldMk cId="2226278669" sldId="256"/>
+            <ac:spMk id="167" creationId="{6F40FBDA-CEB1-40F0-9AB9-BD9C402D70FE}"/>
+          </ac:spMkLst>
+        </pc:spChg>
+        <pc:spChg chg="del">
+          <ac:chgData name="Soussand, Yoan" userId="6c304db6-38ce-44e5-ba9b-3778b08966c2" providerId="ADAL" clId="{ED4E84CA-539B-F14D-8B36-AC637F884A74}" dt="2021-08-16T20:02:10.105" v="63"/>
+          <ac:spMkLst>
+            <pc:docMk/>
+            <pc:sldMk cId="2226278669" sldId="256"/>
+            <ac:spMk id="171" creationId="{9325F979-D3F9-4926-81B7-7ACCB31A501B}"/>
+          </ac:spMkLst>
+        </pc:spChg>
+        <pc:spChg chg="add del">
+          <ac:chgData name="Soussand, Yoan" userId="6c304db6-38ce-44e5-ba9b-3778b08966c2" providerId="ADAL" clId="{ED4E84CA-539B-F14D-8B36-AC637F884A74}" dt="2021-08-16T20:45:48.933" v="80" actId="26606"/>
+          <ac:spMkLst>
+            <pc:docMk/>
+            <pc:sldMk cId="2226278669" sldId="256"/>
+            <ac:spMk id="291" creationId="{0DE6A193-4755-479A-BC6F-A7EBCA73BE1A}"/>
+          </ac:spMkLst>
+        </pc:spChg>
+        <pc:spChg chg="add del">
+          <ac:chgData name="Soussand, Yoan" userId="6c304db6-38ce-44e5-ba9b-3778b08966c2" providerId="ADAL" clId="{ED4E84CA-539B-F14D-8B36-AC637F884A74}" dt="2021-08-16T20:45:48.933" v="80" actId="26606"/>
+          <ac:spMkLst>
+            <pc:docMk/>
+            <pc:sldMk cId="2226278669" sldId="256"/>
+            <ac:spMk id="292" creationId="{5A55B759-31A7-423C-9BC2-A8BC09FE98B9}"/>
+          </ac:spMkLst>
+        </pc:spChg>
+        <pc:spChg chg="add del">
+          <ac:chgData name="Soussand, Yoan" userId="6c304db6-38ce-44e5-ba9b-3778b08966c2" providerId="ADAL" clId="{ED4E84CA-539B-F14D-8B36-AC637F884A74}" dt="2021-08-16T20:45:48.933" v="80" actId="26606"/>
+          <ac:spMkLst>
+            <pc:docMk/>
+            <pc:sldMk cId="2226278669" sldId="256"/>
+            <ac:spMk id="293" creationId="{F78796AF-79A0-47AC-BEFD-BFFC00F968C4}"/>
+          </ac:spMkLst>
+        </pc:spChg>
+        <pc:spChg chg="del">
+          <ac:chgData name="Soussand, Yoan" userId="6c304db6-38ce-44e5-ba9b-3778b08966c2" providerId="ADAL" clId="{ED4E84CA-539B-F14D-8B36-AC637F884A74}" dt="2021-08-16T20:02:10.105" v="63"/>
+          <ac:spMkLst>
+            <pc:docMk/>
+            <pc:sldMk cId="2226278669" sldId="256"/>
+            <ac:spMk id="294" creationId="{0344D4FE-ABEF-4230-9E4E-AD5782FC78AC}"/>
+          </ac:spMkLst>
+        </pc:spChg>
+        <pc:spChg chg="add del">
+          <ac:chgData name="Soussand, Yoan" userId="6c304db6-38ce-44e5-ba9b-3778b08966c2" providerId="ADAL" clId="{ED4E84CA-539B-F14D-8B36-AC637F884A74}" dt="2021-08-16T20:46:00.800" v="82" actId="26606"/>
+          <ac:spMkLst>
+            <pc:docMk/>
+            <pc:sldMk cId="2226278669" sldId="256"/>
+            <ac:spMk id="295" creationId="{1ED8053C-AF28-403A-90F2-67A100EDECE4}"/>
+          </ac:spMkLst>
+        </pc:spChg>
+        <pc:spChg chg="add del">
+          <ac:chgData name="Soussand, Yoan" userId="6c304db6-38ce-44e5-ba9b-3778b08966c2" providerId="ADAL" clId="{ED4E84CA-539B-F14D-8B36-AC637F884A74}" dt="2021-08-16T20:46:00.800" v="82" actId="26606"/>
+          <ac:spMkLst>
+            <pc:docMk/>
+            <pc:sldMk cId="2226278669" sldId="256"/>
+            <ac:spMk id="296" creationId="{10BCDCE7-03A4-438B-9B4A-0F5E37C4C1AF}"/>
+          </ac:spMkLst>
+        </pc:spChg>
+        <pc:spChg chg="add del">
+          <ac:chgData name="Soussand, Yoan" userId="6c304db6-38ce-44e5-ba9b-3778b08966c2" providerId="ADAL" clId="{ED4E84CA-539B-F14D-8B36-AC637F884A74}" dt="2021-08-16T20:50:02.969" v="109" actId="26606"/>
+          <ac:spMkLst>
+            <pc:docMk/>
+            <pc:sldMk cId="2226278669" sldId="256"/>
+            <ac:spMk id="297" creationId="{0DE6A193-4755-479A-BC6F-A7EBCA73BE1A}"/>
+          </ac:spMkLst>
+        </pc:spChg>
+        <pc:spChg chg="add del">
+          <ac:chgData name="Soussand, Yoan" userId="6c304db6-38ce-44e5-ba9b-3778b08966c2" providerId="ADAL" clId="{ED4E84CA-539B-F14D-8B36-AC637F884A74}" dt="2021-08-16T20:46:03.333" v="84" actId="26606"/>
+          <ac:spMkLst>
+            <pc:docMk/>
+            <pc:sldMk cId="2226278669" sldId="256"/>
+            <ac:spMk id="298" creationId="{41F18803-BE79-4916-AE6B-5DE238B367F0}"/>
+          </ac:spMkLst>
+        </pc:spChg>
+        <pc:spChg chg="add del">
+          <ac:chgData name="Soussand, Yoan" userId="6c304db6-38ce-44e5-ba9b-3778b08966c2" providerId="ADAL" clId="{ED4E84CA-539B-F14D-8B36-AC637F884A74}" dt="2021-08-16T20:46:03.333" v="84" actId="26606"/>
+          <ac:spMkLst>
+            <pc:docMk/>
+            <pc:sldMk cId="2226278669" sldId="256"/>
+            <ac:spMk id="299" creationId="{C15229F3-7A2E-4558-98FE-7A5F69409DCE}"/>
+          </ac:spMkLst>
+        </pc:spChg>
+        <pc:spChg chg="add del">
+          <ac:chgData name="Soussand, Yoan" userId="6c304db6-38ce-44e5-ba9b-3778b08966c2" providerId="ADAL" clId="{ED4E84CA-539B-F14D-8B36-AC637F884A74}" dt="2021-08-16T20:50:02.969" v="109" actId="26606"/>
+          <ac:spMkLst>
+            <pc:docMk/>
+            <pc:sldMk cId="2226278669" sldId="256"/>
+            <ac:spMk id="300" creationId="{5A55B759-31A7-423C-9BC2-A8BC09FE98B9}"/>
+          </ac:spMkLst>
+        </pc:spChg>
+        <pc:spChg chg="add del">
+          <ac:chgData name="Soussand, Yoan" userId="6c304db6-38ce-44e5-ba9b-3778b08966c2" providerId="ADAL" clId="{ED4E84CA-539B-F14D-8B36-AC637F884A74}" dt="2021-08-16T20:46:08.295" v="88"/>
+          <ac:spMkLst>
+            <pc:docMk/>
+            <pc:sldMk cId="2226278669" sldId="256"/>
+            <ac:spMk id="301" creationId="{0700D48D-C9AA-4000-A912-29A4FEA98A9F}"/>
+          </ac:spMkLst>
+        </pc:spChg>
+        <pc:spChg chg="add del">
+          <ac:chgData name="Soussand, Yoan" userId="6c304db6-38ce-44e5-ba9b-3778b08966c2" providerId="ADAL" clId="{ED4E84CA-539B-F14D-8B36-AC637F884A74}" dt="2021-08-16T20:50:02.969" v="109" actId="26606"/>
+          <ac:spMkLst>
+            <pc:docMk/>
+            <pc:sldMk cId="2226278669" sldId="256"/>
+            <ac:spMk id="304" creationId="{617D17FB-975C-487E-8519-38E547609E33}"/>
+          </ac:spMkLst>
+        </pc:spChg>
+        <pc:spChg chg="add del">
+          <ac:chgData name="Soussand, Yoan" userId="6c304db6-38ce-44e5-ba9b-3778b08966c2" providerId="ADAL" clId="{ED4E84CA-539B-F14D-8B36-AC637F884A74}" dt="2021-08-16T20:48:22.437" v="94" actId="26606"/>
+          <ac:spMkLst>
+            <pc:docMk/>
+            <pc:sldMk cId="2226278669" sldId="256"/>
+            <ac:spMk id="306" creationId="{A8384FB5-9ADC-4DDC-881B-597D56F5B15D}"/>
+          </ac:spMkLst>
+        </pc:spChg>
+        <pc:spChg chg="add del">
+          <ac:chgData name="Soussand, Yoan" userId="6c304db6-38ce-44e5-ba9b-3778b08966c2" providerId="ADAL" clId="{ED4E84CA-539B-F14D-8B36-AC637F884A74}" dt="2021-08-16T20:48:22.437" v="94" actId="26606"/>
+          <ac:spMkLst>
+            <pc:docMk/>
+            <pc:sldMk cId="2226278669" sldId="256"/>
+            <ac:spMk id="307" creationId="{BC05CA36-AD6A-4ABF-9A05-52E5A143D2BB}"/>
+          </ac:spMkLst>
+        </pc:spChg>
+        <pc:spChg chg="add del">
+          <ac:chgData name="Soussand, Yoan" userId="6c304db6-38ce-44e5-ba9b-3778b08966c2" providerId="ADAL" clId="{ED4E84CA-539B-F14D-8B36-AC637F884A74}" dt="2021-08-16T20:48:22.437" v="94" actId="26606"/>
+          <ac:spMkLst>
+            <pc:docMk/>
+            <pc:sldMk cId="2226278669" sldId="256"/>
+            <ac:spMk id="308" creationId="{D4331EE8-85A4-4588-8D9E-70E534D477DB}"/>
+          </ac:spMkLst>
+        </pc:spChg>
+        <pc:spChg chg="add del">
+          <ac:chgData name="Soussand, Yoan" userId="6c304db6-38ce-44e5-ba9b-3778b08966c2" providerId="ADAL" clId="{ED4E84CA-539B-F14D-8B36-AC637F884A74}" dt="2021-08-16T20:48:22.437" v="94" actId="26606"/>
+          <ac:spMkLst>
+            <pc:docMk/>
+            <pc:sldMk cId="2226278669" sldId="256"/>
+            <ac:spMk id="309" creationId="{49D6C862-61CC-4B46-8080-96583D653BAB}"/>
+          </ac:spMkLst>
+        </pc:spChg>
+        <pc:spChg chg="add del">
+          <ac:chgData name="Soussand, Yoan" userId="6c304db6-38ce-44e5-ba9b-3778b08966c2" providerId="ADAL" clId="{ED4E84CA-539B-F14D-8B36-AC637F884A74}" dt="2021-08-16T20:48:22.437" v="94" actId="26606"/>
+          <ac:spMkLst>
+            <pc:docMk/>
+            <pc:sldMk cId="2226278669" sldId="256"/>
+            <ac:spMk id="310" creationId="{E37EECFC-A684-4391-AE85-4CDAF5565F61}"/>
+          </ac:spMkLst>
+        </pc:spChg>
+        <pc:spChg chg="add del">
+          <ac:chgData name="Soussand, Yoan" userId="6c304db6-38ce-44e5-ba9b-3778b08966c2" providerId="ADAL" clId="{ED4E84CA-539B-F14D-8B36-AC637F884A74}" dt="2021-08-16T20:48:26.616" v="96" actId="26606"/>
+          <ac:spMkLst>
+            <pc:docMk/>
+            <pc:sldMk cId="2226278669" sldId="256"/>
+            <ac:spMk id="312" creationId="{ACBE1851-2230-47A9-B000-CE9046EA61B9}"/>
+          </ac:spMkLst>
+        </pc:spChg>
+        <pc:spChg chg="add del">
+          <ac:chgData name="Soussand, Yoan" userId="6c304db6-38ce-44e5-ba9b-3778b08966c2" providerId="ADAL" clId="{ED4E84CA-539B-F14D-8B36-AC637F884A74}" dt="2021-08-16T20:48:32.083" v="98" actId="26606"/>
+          <ac:spMkLst>
+            <pc:docMk/>
+            <pc:sldMk cId="2226278669" sldId="256"/>
+            <ac:spMk id="315" creationId="{8538EBC2-0B11-4732-8715-799409C4A914}"/>
+          </ac:spMkLst>
+        </pc:spChg>
+        <pc:spChg chg="add del">
+          <ac:chgData name="Soussand, Yoan" userId="6c304db6-38ce-44e5-ba9b-3778b08966c2" providerId="ADAL" clId="{ED4E84CA-539B-F14D-8B36-AC637F884A74}" dt="2021-08-16T20:48:32.083" v="98" actId="26606"/>
+          <ac:spMkLst>
+            <pc:docMk/>
+            <pc:sldMk cId="2226278669" sldId="256"/>
+            <ac:spMk id="316" creationId="{CE3C5560-7A9C-489F-9148-18C5E1D0F0B2}"/>
+          </ac:spMkLst>
+        </pc:spChg>
+        <pc:spChg chg="add del">
+          <ac:chgData name="Soussand, Yoan" userId="6c304db6-38ce-44e5-ba9b-3778b08966c2" providerId="ADAL" clId="{ED4E84CA-539B-F14D-8B36-AC637F884A74}" dt="2021-08-16T20:48:53.548" v="100" actId="26606"/>
+          <ac:spMkLst>
+            <pc:docMk/>
+            <pc:sldMk cId="2226278669" sldId="256"/>
+            <ac:spMk id="319" creationId="{19D32F93-50AC-4C46-A5DB-291C60DDB7BD}"/>
+          </ac:spMkLst>
+        </pc:spChg>
+        <pc:spChg chg="add del">
+          <ac:chgData name="Soussand, Yoan" userId="6c304db6-38ce-44e5-ba9b-3778b08966c2" providerId="ADAL" clId="{ED4E84CA-539B-F14D-8B36-AC637F884A74}" dt="2021-08-16T20:48:53.548" v="100" actId="26606"/>
+          <ac:spMkLst>
+            <pc:docMk/>
+            <pc:sldMk cId="2226278669" sldId="256"/>
+            <ac:spMk id="320" creationId="{B9A1D9BC-1455-4308-9ABD-A3F8EDB67AAF}"/>
+          </ac:spMkLst>
+        </pc:spChg>
+        <pc:spChg chg="add del">
+          <ac:chgData name="Soussand, Yoan" userId="6c304db6-38ce-44e5-ba9b-3778b08966c2" providerId="ADAL" clId="{ED4E84CA-539B-F14D-8B36-AC637F884A74}" dt="2021-08-16T20:48:53.548" v="100" actId="26606"/>
+          <ac:spMkLst>
+            <pc:docMk/>
+            <pc:sldMk cId="2226278669" sldId="256"/>
+            <ac:spMk id="321" creationId="{827DC2C4-B485-428A-BF4A-472D2967F47F}"/>
+          </ac:spMkLst>
+        </pc:spChg>
+        <pc:spChg chg="add del">
+          <ac:chgData name="Soussand, Yoan" userId="6c304db6-38ce-44e5-ba9b-3778b08966c2" providerId="ADAL" clId="{ED4E84CA-539B-F14D-8B36-AC637F884A74}" dt="2021-08-16T20:48:53.548" v="100" actId="26606"/>
+          <ac:spMkLst>
+            <pc:docMk/>
+            <pc:sldMk cId="2226278669" sldId="256"/>
+            <ac:spMk id="322" creationId="{4A62647B-1222-407C-8740-5A497612B1F5}"/>
+          </ac:spMkLst>
+        </pc:spChg>
+        <pc:spChg chg="add del">
+          <ac:chgData name="Soussand, Yoan" userId="6c304db6-38ce-44e5-ba9b-3778b08966c2" providerId="ADAL" clId="{ED4E84CA-539B-F14D-8B36-AC637F884A74}" dt="2021-08-16T20:49:00.712" v="102" actId="26606"/>
+          <ac:spMkLst>
+            <pc:docMk/>
+            <pc:sldMk cId="2226278669" sldId="256"/>
+            <ac:spMk id="324" creationId="{337940BB-FBC4-492E-BD92-3B7B914D0EAE}"/>
+          </ac:spMkLst>
+        </pc:spChg>
+        <pc:spChg chg="add del">
+          <ac:chgData name="Soussand, Yoan" userId="6c304db6-38ce-44e5-ba9b-3778b08966c2" providerId="ADAL" clId="{ED4E84CA-539B-F14D-8B36-AC637F884A74}" dt="2021-08-16T20:49:00.712" v="102" actId="26606"/>
+          <ac:spMkLst>
+            <pc:docMk/>
+            <pc:sldMk cId="2226278669" sldId="256"/>
+            <ac:spMk id="325" creationId="{3FCFB1DE-0B7E-48CC-BA90-B2AB0889F9D6}"/>
+          </ac:spMkLst>
+        </pc:spChg>
+        <pc:spChg chg="add del">
+          <ac:chgData name="Soussand, Yoan" userId="6c304db6-38ce-44e5-ba9b-3778b08966c2" providerId="ADAL" clId="{ED4E84CA-539B-F14D-8B36-AC637F884A74}" dt="2021-08-16T20:49:50.318" v="104" actId="26606"/>
+          <ac:spMkLst>
+            <pc:docMk/>
+            <pc:sldMk cId="2226278669" sldId="256"/>
+            <ac:spMk id="327" creationId="{B9D7E975-9161-4F2D-AC53-69E1912F6B5D}"/>
+          </ac:spMkLst>
+        </pc:spChg>
+        <pc:spChg chg="add del">
+          <ac:chgData name="Soussand, Yoan" userId="6c304db6-38ce-44e5-ba9b-3778b08966c2" providerId="ADAL" clId="{ED4E84CA-539B-F14D-8B36-AC637F884A74}" dt="2021-08-16T20:49:50.318" v="104" actId="26606"/>
+          <ac:spMkLst>
+            <pc:docMk/>
+            <pc:sldMk cId="2226278669" sldId="256"/>
+            <ac:spMk id="328" creationId="{827DC2C4-B485-428A-BF4A-472D2967F47F}"/>
+          </ac:spMkLst>
+        </pc:spChg>
+        <pc:spChg chg="add del">
+          <ac:chgData name="Soussand, Yoan" userId="6c304db6-38ce-44e5-ba9b-3778b08966c2" providerId="ADAL" clId="{ED4E84CA-539B-F14D-8B36-AC637F884A74}" dt="2021-08-16T20:49:50.318" v="104" actId="26606"/>
+          <ac:spMkLst>
+            <pc:docMk/>
+            <pc:sldMk cId="2226278669" sldId="256"/>
+            <ac:spMk id="329" creationId="{463E6235-1649-4B47-9862-4026FC473B6F}"/>
+          </ac:spMkLst>
+        </pc:spChg>
+        <pc:spChg chg="add del">
+          <ac:chgData name="Soussand, Yoan" userId="6c304db6-38ce-44e5-ba9b-3778b08966c2" providerId="ADAL" clId="{ED4E84CA-539B-F14D-8B36-AC637F884A74}" dt="2021-08-16T20:49:52.494" v="106" actId="26606"/>
+          <ac:spMkLst>
+            <pc:docMk/>
+            <pc:sldMk cId="2226278669" sldId="256"/>
+            <ac:spMk id="331" creationId="{79EF0AA8-4D64-4C53-B384-57D2EF38220C}"/>
+          </ac:spMkLst>
+        </pc:spChg>
+        <pc:spChg chg="add del">
+          <ac:chgData name="Soussand, Yoan" userId="6c304db6-38ce-44e5-ba9b-3778b08966c2" providerId="ADAL" clId="{ED4E84CA-539B-F14D-8B36-AC637F884A74}" dt="2021-08-16T20:50:02.945" v="108" actId="26606"/>
+          <ac:spMkLst>
+            <pc:docMk/>
+            <pc:sldMk cId="2226278669" sldId="256"/>
+            <ac:spMk id="335" creationId="{8A94871E-96FC-4ADE-815B-41A636E34F1A}"/>
+          </ac:spMkLst>
+        </pc:spChg>
+        <pc:spChg chg="add del">
+          <ac:chgData name="Soussand, Yoan" userId="6c304db6-38ce-44e5-ba9b-3778b08966c2" providerId="ADAL" clId="{ED4E84CA-539B-F14D-8B36-AC637F884A74}" dt="2021-08-16T20:50:02.945" v="108" actId="26606"/>
+          <ac:spMkLst>
+            <pc:docMk/>
+            <pc:sldMk cId="2226278669" sldId="256"/>
+            <ac:spMk id="336" creationId="{3FCFB1DE-0B7E-48CC-BA90-B2AB0889F9D6}"/>
+          </ac:spMkLst>
+        </pc:spChg>
+        <pc:spChg chg="add del">
+          <ac:chgData name="Soussand, Yoan" userId="6c304db6-38ce-44e5-ba9b-3778b08966c2" providerId="ADAL" clId="{ED4E84CA-539B-F14D-8B36-AC637F884A74}" dt="2021-08-16T20:50:13.035" v="111"/>
+          <ac:spMkLst>
+            <pc:docMk/>
+            <pc:sldMk cId="2226278669" sldId="256"/>
+            <ac:spMk id="338" creationId="{23D09407-53BC-485E-B4CE-BC5E4FC4B25B}"/>
+          </ac:spMkLst>
+        </pc:spChg>
+        <pc:spChg chg="add del">
+          <ac:chgData name="Soussand, Yoan" userId="6c304db6-38ce-44e5-ba9b-3778b08966c2" providerId="ADAL" clId="{ED4E84CA-539B-F14D-8B36-AC637F884A74}" dt="2021-08-16T20:50:13.035" v="111"/>
+          <ac:spMkLst>
+            <pc:docMk/>
+            <pc:sldMk cId="2226278669" sldId="256"/>
+            <ac:spMk id="339" creationId="{921DB988-49FC-4608-B0A2-E2F3A4019041}"/>
+          </ac:spMkLst>
+        </pc:spChg>
+        <pc:grpChg chg="add del">
+          <ac:chgData name="Soussand, Yoan" userId="6c304db6-38ce-44e5-ba9b-3778b08966c2" providerId="ADAL" clId="{ED4E84CA-539B-F14D-8B36-AC637F884A74}" dt="2021-08-16T20:48:21.060" v="92" actId="26606"/>
+          <ac:grpSpMkLst>
+            <pc:docMk/>
+            <pc:sldMk cId="2226278669" sldId="256"/>
+            <ac:grpSpMk id="121" creationId="{D74613BB-817C-4C4F-8A24-4936F2F064C0}"/>
+          </ac:grpSpMkLst>
+        </pc:grpChg>
+        <pc:grpChg chg="add del">
+          <ac:chgData name="Soussand, Yoan" userId="6c304db6-38ce-44e5-ba9b-3778b08966c2" providerId="ADAL" clId="{ED4E84CA-539B-F14D-8B36-AC637F884A74}" dt="2021-08-16T20:49:52.494" v="106" actId="26606"/>
+          <ac:grpSpMkLst>
+            <pc:docMk/>
+            <pc:sldMk cId="2226278669" sldId="256"/>
+            <ac:grpSpMk id="332" creationId="{CAD19E66-9A79-42B6-9AA2-CC264BEC83C0}"/>
+          </ac:grpSpMkLst>
+        </pc:grpChg>
+        <pc:grpChg chg="add del">
+          <ac:chgData name="Soussand, Yoan" userId="6c304db6-38ce-44e5-ba9b-3778b08966c2" providerId="ADAL" clId="{ED4E84CA-539B-F14D-8B36-AC637F884A74}" dt="2021-08-16T20:50:13.035" v="111"/>
+          <ac:grpSpMkLst>
+            <pc:docMk/>
+            <pc:sldMk cId="2226278669" sldId="256"/>
+            <ac:grpSpMk id="340" creationId="{E9B930FD-8671-4C4C-ADCF-73AC1D0CD417}"/>
+          </ac:grpSpMkLst>
+        </pc:grpChg>
+        <pc:grpChg chg="add del">
+          <ac:chgData name="Soussand, Yoan" userId="6c304db6-38ce-44e5-ba9b-3778b08966c2" providerId="ADAL" clId="{ED4E84CA-539B-F14D-8B36-AC637F884A74}" dt="2021-08-16T20:50:13.035" v="111"/>
+          <ac:grpSpMkLst>
+            <pc:docMk/>
+            <pc:sldMk cId="2226278669" sldId="256"/>
+            <ac:grpSpMk id="343" creationId="{383C2651-AE0C-4AE4-8725-E2F9414FE219}"/>
+          </ac:grpSpMkLst>
+        </pc:grpChg>
+        <pc:picChg chg="add mod ord">
+          <ac:chgData name="Soussand, Yoan" userId="6c304db6-38ce-44e5-ba9b-3778b08966c2" providerId="ADAL" clId="{ED4E84CA-539B-F14D-8B36-AC637F884A74}" dt="2021-08-16T20:50:41.938" v="119" actId="26606"/>
+          <ac:picMkLst>
+            <pc:docMk/>
+            <pc:sldMk cId="2226278669" sldId="256"/>
+            <ac:picMk id="5" creationId="{7062B213-83A1-744F-891F-9D1734E7B8E5}"/>
+          </ac:picMkLst>
+        </pc:picChg>
+        <pc:picChg chg="add del">
+          <ac:chgData name="Soussand, Yoan" userId="6c304db6-38ce-44e5-ba9b-3778b08966c2" providerId="ADAL" clId="{ED4E84CA-539B-F14D-8B36-AC637F884A74}" dt="2021-08-16T20:50:41.825" v="118" actId="26606"/>
+          <ac:picMkLst>
+            <pc:docMk/>
+            <pc:sldMk cId="2226278669" sldId="256"/>
+            <ac:picMk id="10" creationId="{2006663E-E7C6-4740-91EF-F49426E3E65F}"/>
+          </ac:picMkLst>
+        </pc:picChg>
+        <pc:picChg chg="add">
+          <ac:chgData name="Soussand, Yoan" userId="6c304db6-38ce-44e5-ba9b-3778b08966c2" providerId="ADAL" clId="{ED4E84CA-539B-F14D-8B36-AC637F884A74}" dt="2021-08-16T20:50:41.938" v="119" actId="26606"/>
+          <ac:picMkLst>
+            <pc:docMk/>
+            <pc:sldMk cId="2226278669" sldId="256"/>
+            <ac:picMk id="19" creationId="{0A1BA0EF-0E2A-47B6-9E7E-68949890F8D9}"/>
+          </ac:picMkLst>
+        </pc:picChg>
+        <pc:picChg chg="del mod ord">
+          <ac:chgData name="Soussand, Yoan" userId="6c304db6-38ce-44e5-ba9b-3778b08966c2" providerId="ADAL" clId="{ED4E84CA-539B-F14D-8B36-AC637F884A74}" dt="2021-08-16T20:47:45.380" v="90" actId="478"/>
+          <ac:picMkLst>
+            <pc:docMk/>
+            <pc:sldMk cId="2226278669" sldId="256"/>
+            <ac:picMk id="289" creationId="{1CCEB5BD-C1C1-8D49-8357-7EA3EC9ED380}"/>
+          </ac:picMkLst>
+        </pc:picChg>
+        <pc:cxnChg chg="add del">
+          <ac:chgData name="Soussand, Yoan" userId="6c304db6-38ce-44e5-ba9b-3778b08966c2" providerId="ADAL" clId="{ED4E84CA-539B-F14D-8B36-AC637F884A74}" dt="2021-08-16T20:46:08.295" v="88"/>
+          <ac:cxnSpMkLst>
+            <pc:docMk/>
+            <pc:sldMk cId="2226278669" sldId="256"/>
+            <ac:cxnSpMk id="302" creationId="{805E69BC-D844-4AB5-9E35-ED458EE29655}"/>
+          </ac:cxnSpMkLst>
+        </pc:cxnChg>
+        <pc:cxnChg chg="add del">
+          <ac:chgData name="Soussand, Yoan" userId="6c304db6-38ce-44e5-ba9b-3778b08966c2" providerId="ADAL" clId="{ED4E84CA-539B-F14D-8B36-AC637F884A74}" dt="2021-08-16T20:46:08.295" v="88"/>
+          <ac:cxnSpMkLst>
+            <pc:docMk/>
+            <pc:sldMk cId="2226278669" sldId="256"/>
+            <ac:cxnSpMk id="303" creationId="{4312C673-8179-457E-AD2A-D1FAE4CC961A}"/>
+          </ac:cxnSpMkLst>
+        </pc:cxnChg>
+        <pc:cxnChg chg="add del">
+          <ac:chgData name="Soussand, Yoan" userId="6c304db6-38ce-44e5-ba9b-3778b08966c2" providerId="ADAL" clId="{ED4E84CA-539B-F14D-8B36-AC637F884A74}" dt="2021-08-16T20:48:26.616" v="96" actId="26606"/>
+          <ac:cxnSpMkLst>
+            <pc:docMk/>
+            <pc:sldMk cId="2226278669" sldId="256"/>
+            <ac:cxnSpMk id="313" creationId="{23B93832-6514-44F4-849B-5EE2C8A2337D}"/>
+          </ac:cxnSpMkLst>
+        </pc:cxnChg>
+        <pc:cxnChg chg="add del">
+          <ac:chgData name="Soussand, Yoan" userId="6c304db6-38ce-44e5-ba9b-3778b08966c2" providerId="ADAL" clId="{ED4E84CA-539B-F14D-8B36-AC637F884A74}" dt="2021-08-16T20:48:32.083" v="98" actId="26606"/>
+          <ac:cxnSpMkLst>
+            <pc:docMk/>
+            <pc:sldMk cId="2226278669" sldId="256"/>
+            <ac:cxnSpMk id="317" creationId="{56020367-4FD5-4596-8E10-C5F095CD8DBF}"/>
+          </ac:cxnSpMkLst>
+        </pc:cxnChg>
+      </pc:sldChg>
+      <pc:sldChg chg="addSp delSp modSp mod setBg addAnim delAnim delDesignElem">
+        <pc:chgData name="Soussand, Yoan" userId="6c304db6-38ce-44e5-ba9b-3778b08966c2" providerId="ADAL" clId="{ED4E84CA-539B-F14D-8B36-AC637F884A74}" dt="2021-08-16T20:53:51.472" v="153" actId="108"/>
+        <pc:sldMkLst>
+          <pc:docMk/>
+          <pc:sldMk cId="2796943302" sldId="257"/>
+        </pc:sldMkLst>
+        <pc:spChg chg="del">
+          <ac:chgData name="Soussand, Yoan" userId="6c304db6-38ce-44e5-ba9b-3778b08966c2" providerId="ADAL" clId="{ED4E84CA-539B-F14D-8B36-AC637F884A74}" dt="2021-08-16T19:44:01.538" v="0" actId="478"/>
+          <ac:spMkLst>
+            <pc:docMk/>
+            <pc:sldMk cId="2796943302" sldId="257"/>
+            <ac:spMk id="2" creationId="{F944DE2A-C059-A247-9EEB-51242C66A61C}"/>
+          </ac:spMkLst>
+        </pc:spChg>
+        <pc:spChg chg="del">
+          <ac:chgData name="Soussand, Yoan" userId="6c304db6-38ce-44e5-ba9b-3778b08966c2" providerId="ADAL" clId="{ED4E84CA-539B-F14D-8B36-AC637F884A74}" dt="2021-08-16T19:44:04.395" v="1" actId="478"/>
+          <ac:spMkLst>
+            <pc:docMk/>
+            <pc:sldMk cId="2796943302" sldId="257"/>
+            <ac:spMk id="3" creationId="{3D36D578-1B56-B748-8AB8-8E9718BC9065}"/>
+          </ac:spMkLst>
+        </pc:spChg>
+        <pc:spChg chg="add mod">
+          <ac:chgData name="Soussand, Yoan" userId="6c304db6-38ce-44e5-ba9b-3778b08966c2" providerId="ADAL" clId="{ED4E84CA-539B-F14D-8B36-AC637F884A74}" dt="2021-08-16T20:53:51.472" v="153" actId="108"/>
+          <ac:spMkLst>
+            <pc:docMk/>
+            <pc:sldMk cId="2796943302" sldId="257"/>
+            <ac:spMk id="6" creationId="{F9B53B18-97D3-8346-B305-74093F434F7C}"/>
+          </ac:spMkLst>
+        </pc:spChg>
+        <pc:spChg chg="add del">
+          <ac:chgData name="Soussand, Yoan" userId="6c304db6-38ce-44e5-ba9b-3778b08966c2" providerId="ADAL" clId="{ED4E84CA-539B-F14D-8B36-AC637F884A74}" dt="2021-08-16T19:46:02.275" v="6" actId="26606"/>
+          <ac:spMkLst>
+            <pc:docMk/>
+            <pc:sldMk cId="2796943302" sldId="257"/>
+            <ac:spMk id="10" creationId="{F3060C83-F051-4F0E-ABAD-AA0DFC48B218}"/>
+          </ac:spMkLst>
+        </pc:spChg>
+        <pc:spChg chg="add del">
+          <ac:chgData name="Soussand, Yoan" userId="6c304db6-38ce-44e5-ba9b-3778b08966c2" providerId="ADAL" clId="{ED4E84CA-539B-F14D-8B36-AC637F884A74}" dt="2021-08-16T19:46:02.275" v="6" actId="26606"/>
+          <ac:spMkLst>
+            <pc:docMk/>
+            <pc:sldMk cId="2796943302" sldId="257"/>
+            <ac:spMk id="12" creationId="{83C98ABE-055B-441F-B07E-44F97F083C39}"/>
+          </ac:spMkLst>
+        </pc:spChg>
+        <pc:spChg chg="add del">
+          <ac:chgData name="Soussand, Yoan" userId="6c304db6-38ce-44e5-ba9b-3778b08966c2" providerId="ADAL" clId="{ED4E84CA-539B-F14D-8B36-AC637F884A74}" dt="2021-08-16T20:44:54.142" v="74"/>
+          <ac:spMkLst>
+            <pc:docMk/>
+            <pc:sldMk cId="2796943302" sldId="257"/>
+            <ac:spMk id="13" creationId="{A3363022-C969-41E9-8EB2-E4C94908C1FA}"/>
+          </ac:spMkLst>
+        </pc:spChg>
+        <pc:spChg chg="add del">
+          <ac:chgData name="Soussand, Yoan" userId="6c304db6-38ce-44e5-ba9b-3778b08966c2" providerId="ADAL" clId="{ED4E84CA-539B-F14D-8B36-AC637F884A74}" dt="2021-08-16T19:46:02.275" v="6" actId="26606"/>
+          <ac:spMkLst>
+            <pc:docMk/>
+            <pc:sldMk cId="2796943302" sldId="257"/>
+            <ac:spMk id="14" creationId="{29FDB030-9B49-4CED-8CCD-4D99382388AC}"/>
+          </ac:spMkLst>
+        </pc:spChg>
+        <pc:spChg chg="add del">
+          <ac:chgData name="Soussand, Yoan" userId="6c304db6-38ce-44e5-ba9b-3778b08966c2" providerId="ADAL" clId="{ED4E84CA-539B-F14D-8B36-AC637F884A74}" dt="2021-08-16T20:44:54.142" v="74"/>
+          <ac:spMkLst>
+            <pc:docMk/>
+            <pc:sldMk cId="2796943302" sldId="257"/>
+            <ac:spMk id="15" creationId="{8D1AD6B3-BE88-4CEB-BA17-790657CC4729}"/>
+          </ac:spMkLst>
+        </pc:spChg>
+        <pc:spChg chg="add del">
+          <ac:chgData name="Soussand, Yoan" userId="6c304db6-38ce-44e5-ba9b-3778b08966c2" providerId="ADAL" clId="{ED4E84CA-539B-F14D-8B36-AC637F884A74}" dt="2021-08-16T19:46:02.275" v="6" actId="26606"/>
+          <ac:spMkLst>
+            <pc:docMk/>
+            <pc:sldMk cId="2796943302" sldId="257"/>
+            <ac:spMk id="16" creationId="{3783CA14-24A1-485C-8B30-D6A5D87987AD}"/>
+          </ac:spMkLst>
+        </pc:spChg>
+        <pc:spChg chg="add del">
+          <ac:chgData name="Soussand, Yoan" userId="6c304db6-38ce-44e5-ba9b-3778b08966c2" providerId="ADAL" clId="{ED4E84CA-539B-F14D-8B36-AC637F884A74}" dt="2021-08-16T19:46:02.275" v="6" actId="26606"/>
+          <ac:spMkLst>
+            <pc:docMk/>
+            <pc:sldMk cId="2796943302" sldId="257"/>
+            <ac:spMk id="18" creationId="{9A97C86A-04D6-40F7-AE84-31AB43E6A846}"/>
+          </ac:spMkLst>
+        </pc:spChg>
+        <pc:spChg chg="add del">
+          <ac:chgData name="Soussand, Yoan" userId="6c304db6-38ce-44e5-ba9b-3778b08966c2" providerId="ADAL" clId="{ED4E84CA-539B-F14D-8B36-AC637F884A74}" dt="2021-08-16T19:46:02.275" v="6" actId="26606"/>
+          <ac:spMkLst>
+            <pc:docMk/>
+            <pc:sldMk cId="2796943302" sldId="257"/>
+            <ac:spMk id="20" creationId="{FF9F2414-84E8-453E-B1F3-389FDE8192D9}"/>
+          </ac:spMkLst>
+        </pc:spChg>
+        <pc:spChg chg="add del">
+          <ac:chgData name="Soussand, Yoan" userId="6c304db6-38ce-44e5-ba9b-3778b08966c2" providerId="ADAL" clId="{ED4E84CA-539B-F14D-8B36-AC637F884A74}" dt="2021-08-16T20:46:08.295" v="88"/>
+          <ac:spMkLst>
+            <pc:docMk/>
+            <pc:sldMk cId="2796943302" sldId="257"/>
+            <ac:spMk id="21" creationId="{C8D58395-74AF-401A-AF2F-76B6FCF71DFE}"/>
+          </ac:spMkLst>
+        </pc:spChg>
+        <pc:spChg chg="add del">
+          <ac:chgData name="Soussand, Yoan" userId="6c304db6-38ce-44e5-ba9b-3778b08966c2" providerId="ADAL" clId="{ED4E84CA-539B-F14D-8B36-AC637F884A74}" dt="2021-08-16T19:46:02.275" v="6" actId="26606"/>
+          <ac:spMkLst>
+            <pc:docMk/>
+            <pc:sldMk cId="2796943302" sldId="257"/>
+            <ac:spMk id="22" creationId="{3ECA69A1-7536-43AC-85EF-C7106179F5ED}"/>
+          </ac:spMkLst>
+        </pc:spChg>
+        <pc:spChg chg="add del">
+          <ac:chgData name="Soussand, Yoan" userId="6c304db6-38ce-44e5-ba9b-3778b08966c2" providerId="ADAL" clId="{ED4E84CA-539B-F14D-8B36-AC637F884A74}" dt="2021-08-16T20:46:08.295" v="88"/>
+          <ac:spMkLst>
+            <pc:docMk/>
+            <pc:sldMk cId="2796943302" sldId="257"/>
+            <ac:spMk id="23" creationId="{2F003F3F-F118-41D2-AA3F-74DB0D1970BB}"/>
+          </ac:spMkLst>
+        </pc:spChg>
+        <pc:spChg chg="add del">
+          <ac:chgData name="Soussand, Yoan" userId="6c304db6-38ce-44e5-ba9b-3778b08966c2" providerId="ADAL" clId="{ED4E84CA-539B-F14D-8B36-AC637F884A74}" dt="2021-08-16T20:02:10.105" v="63"/>
+          <ac:spMkLst>
+            <pc:docMk/>
+            <pc:sldMk cId="2796943302" sldId="257"/>
+            <ac:spMk id="24" creationId="{AB8C311F-7253-4AED-9701-7FC0708C41C7}"/>
+          </ac:spMkLst>
+        </pc:spChg>
+        <pc:spChg chg="add del">
+          <ac:chgData name="Soussand, Yoan" userId="6c304db6-38ce-44e5-ba9b-3778b08966c2" providerId="ADAL" clId="{ED4E84CA-539B-F14D-8B36-AC637F884A74}" dt="2021-08-16T20:02:10.105" v="63"/>
+          <ac:spMkLst>
+            <pc:docMk/>
+            <pc:sldMk cId="2796943302" sldId="257"/>
+            <ac:spMk id="25" creationId="{E2384209-CB15-4CDF-9D31-C44FD9A3F20D}"/>
+          </ac:spMkLst>
+        </pc:spChg>
+        <pc:spChg chg="add del">
+          <ac:chgData name="Soussand, Yoan" userId="6c304db6-38ce-44e5-ba9b-3778b08966c2" providerId="ADAL" clId="{ED4E84CA-539B-F14D-8B36-AC637F884A74}" dt="2021-08-16T20:02:10.105" v="63"/>
+          <ac:spMkLst>
+            <pc:docMk/>
+            <pc:sldMk cId="2796943302" sldId="257"/>
+            <ac:spMk id="26" creationId="{2633B3B5-CC90-43F0-8714-D31D1F3F0209}"/>
+          </ac:spMkLst>
+        </pc:spChg>
+        <pc:spChg chg="add del">
+          <ac:chgData name="Soussand, Yoan" userId="6c304db6-38ce-44e5-ba9b-3778b08966c2" providerId="ADAL" clId="{ED4E84CA-539B-F14D-8B36-AC637F884A74}" dt="2021-08-16T20:02:10.105" v="63"/>
+          <ac:spMkLst>
+            <pc:docMk/>
+            <pc:sldMk cId="2796943302" sldId="257"/>
+            <ac:spMk id="27" creationId="{A8D57A06-A426-446D-B02C-A2DC6B62E45E}"/>
+          </ac:spMkLst>
+        </pc:spChg>
+        <pc:spChg chg="add del">
+          <ac:chgData name="Soussand, Yoan" userId="6c304db6-38ce-44e5-ba9b-3778b08966c2" providerId="ADAL" clId="{ED4E84CA-539B-F14D-8B36-AC637F884A74}" dt="2021-08-16T20:46:08.295" v="88"/>
+          <ac:spMkLst>
+            <pc:docMk/>
+            <pc:sldMk cId="2796943302" sldId="257"/>
+            <ac:spMk id="28" creationId="{B712E947-0734-45F9-9C4F-41114EC3A33E}"/>
+          </ac:spMkLst>
+        </pc:spChg>
+        <pc:spChg chg="add del">
+          <ac:chgData name="Soussand, Yoan" userId="6c304db6-38ce-44e5-ba9b-3778b08966c2" providerId="ADAL" clId="{ED4E84CA-539B-F14D-8B36-AC637F884A74}" dt="2021-08-16T20:46:08.295" v="88"/>
+          <ac:spMkLst>
+            <pc:docMk/>
+            <pc:sldMk cId="2796943302" sldId="257"/>
+            <ac:spMk id="29" creationId="{4C6B5652-C661-4C58-B937-F0F490F7FCB2}"/>
+          </ac:spMkLst>
+        </pc:spChg>
+        <pc:spChg chg="add del">
+          <ac:chgData name="Soussand, Yoan" userId="6c304db6-38ce-44e5-ba9b-3778b08966c2" providerId="ADAL" clId="{ED4E84CA-539B-F14D-8B36-AC637F884A74}" dt="2021-08-16T20:46:08.295" v="88"/>
+          <ac:spMkLst>
+            <pc:docMk/>
+            <pc:sldMk cId="2796943302" sldId="257"/>
+            <ac:spMk id="30" creationId="{0B936867-6407-43FB-9DE6-1B0879D0CB31}"/>
+          </ac:spMkLst>
+        </pc:spChg>
+        <pc:spChg chg="add del">
+          <ac:chgData name="Soussand, Yoan" userId="6c304db6-38ce-44e5-ba9b-3778b08966c2" providerId="ADAL" clId="{ED4E84CA-539B-F14D-8B36-AC637F884A74}" dt="2021-08-16T20:46:08.295" v="88"/>
+          <ac:spMkLst>
+            <pc:docMk/>
+            <pc:sldMk cId="2796943302" sldId="257"/>
+            <ac:spMk id="31" creationId="{ACD0B258-678B-4A8C-894F-848AF24A1922}"/>
+          </ac:spMkLst>
+        </pc:spChg>
+        <pc:grpChg chg="add del">
+          <ac:chgData name="Soussand, Yoan" userId="6c304db6-38ce-44e5-ba9b-3778b08966c2" providerId="ADAL" clId="{ED4E84CA-539B-F14D-8B36-AC637F884A74}" dt="2021-08-16T20:44:54.142" v="74"/>
+          <ac:grpSpMkLst>
+            <pc:docMk/>
+            <pc:sldMk cId="2796943302" sldId="257"/>
+            <ac:grpSpMk id="17" creationId="{89D1390B-7E13-4B4F-9CB2-391063412E54}"/>
+          </ac:grpSpMkLst>
+        </pc:grpChg>
+        <pc:picChg chg="add mod modCrop">
+          <ac:chgData name="Soussand, Yoan" userId="6c304db6-38ce-44e5-ba9b-3778b08966c2" providerId="ADAL" clId="{ED4E84CA-539B-F14D-8B36-AC637F884A74}" dt="2021-08-16T20:52:51.197" v="151" actId="14100"/>
+          <ac:picMkLst>
+            <pc:docMk/>
+            <pc:sldMk cId="2796943302" sldId="257"/>
+            <ac:picMk id="3" creationId="{5BE19488-34E2-7A47-B04D-78B9F83336BE}"/>
+          </ac:picMkLst>
+        </pc:picChg>
+        <pc:picChg chg="add del mod modCrop">
+          <ac:chgData name="Soussand, Yoan" userId="6c304db6-38ce-44e5-ba9b-3778b08966c2" providerId="ADAL" clId="{ED4E84CA-539B-F14D-8B36-AC637F884A74}" dt="2021-08-16T19:51:26.578" v="60" actId="478"/>
+          <ac:picMkLst>
+            <pc:docMk/>
+            <pc:sldMk cId="2796943302" sldId="257"/>
+            <ac:picMk id="5" creationId="{6BC04A5B-FCF3-0047-995A-49728E3748D9}"/>
+          </ac:picMkLst>
+        </pc:picChg>
+        <pc:picChg chg="add del mod">
+          <ac:chgData name="Soussand, Yoan" userId="6c304db6-38ce-44e5-ba9b-3778b08966c2" providerId="ADAL" clId="{ED4E84CA-539B-F14D-8B36-AC637F884A74}" dt="2021-08-16T20:51:02.834" v="120" actId="478"/>
+          <ac:picMkLst>
+            <pc:docMk/>
+            <pc:sldMk cId="2796943302" sldId="257"/>
+            <ac:picMk id="8" creationId="{A5EB4FD7-AB5D-48CE-BE37-D33C78E9A4CD}"/>
+          </ac:picMkLst>
+        </pc:picChg>
+      </pc:sldChg>
+      <pc:sldChg chg="addSp delSp modSp new mod">
+        <pc:chgData name="Soussand, Yoan" userId="6c304db6-38ce-44e5-ba9b-3778b08966c2" providerId="ADAL" clId="{ED4E84CA-539B-F14D-8B36-AC637F884A74}" dt="2021-08-16T21:10:35.658" v="1101" actId="20577"/>
+        <pc:sldMkLst>
+          <pc:docMk/>
+          <pc:sldMk cId="891734803" sldId="258"/>
+        </pc:sldMkLst>
+        <pc:spChg chg="del mod">
+          <ac:chgData name="Soussand, Yoan" userId="6c304db6-38ce-44e5-ba9b-3778b08966c2" providerId="ADAL" clId="{ED4E84CA-539B-F14D-8B36-AC637F884A74}" dt="2021-08-16T20:55:32.398" v="183" actId="478"/>
+          <ac:spMkLst>
+            <pc:docMk/>
+            <pc:sldMk cId="891734803" sldId="258"/>
+            <ac:spMk id="2" creationId="{25B42FB7-1A14-9446-A95B-131ACC644E22}"/>
+          </ac:spMkLst>
+        </pc:spChg>
+        <pc:spChg chg="mod">
+          <ac:chgData name="Soussand, Yoan" userId="6c304db6-38ce-44e5-ba9b-3778b08966c2" providerId="ADAL" clId="{ED4E84CA-539B-F14D-8B36-AC637F884A74}" dt="2021-08-16T21:10:35.658" v="1101" actId="20577"/>
+          <ac:spMkLst>
+            <pc:docMk/>
+            <pc:sldMk cId="891734803" sldId="258"/>
+            <ac:spMk id="3" creationId="{ABE01BE0-2103-7245-97EB-A3083DFAF553}"/>
+          </ac:spMkLst>
+        </pc:spChg>
+        <pc:spChg chg="add mod">
+          <ac:chgData name="Soussand, Yoan" userId="6c304db6-38ce-44e5-ba9b-3778b08966c2" providerId="ADAL" clId="{ED4E84CA-539B-F14D-8B36-AC637F884A74}" dt="2021-08-16T20:56:03.948" v="220" actId="1076"/>
+          <ac:spMkLst>
+            <pc:docMk/>
+            <pc:sldMk cId="891734803" sldId="258"/>
+            <ac:spMk id="4" creationId="{27631B3A-07BD-E545-932F-7FD862ABD4A0}"/>
+          </ac:spMkLst>
+        </pc:spChg>
+        <pc:spChg chg="add del mod">
+          <ac:chgData name="Soussand, Yoan" userId="6c304db6-38ce-44e5-ba9b-3778b08966c2" providerId="ADAL" clId="{ED4E84CA-539B-F14D-8B36-AC637F884A74}" dt="2021-08-16T20:56:07.600" v="221" actId="478"/>
+          <ac:spMkLst>
+            <pc:docMk/>
+            <pc:sldMk cId="891734803" sldId="258"/>
+            <ac:spMk id="6" creationId="{8B9B73EE-82FB-E94C-84FB-68A72303A0CB}"/>
+          </ac:spMkLst>
+        </pc:spChg>
+      </pc:sldChg>
+    </pc:docChg>
+  </pc:docChgLst>
+</pc:chgInfo>
+</file>
+
 <file path=ppt/slideLayouts/slideLayout1.xml><?xml version="1.0" encoding="utf-8"?>
-<p:sldLayout xmlns:a="http://schemas.openxmlformats.org/drawingml/2006/main" xmlns:r="http://schemas.openxmlformats.org/officeDocument/2006/relationships" xmlns:p="http://schemas.openxmlformats.org/presentationml/2006/main" type="title" preserve="1">
+<p:sldLayout xmlns:a="http://schemas.openxmlformats.org/drawingml/2006/main" xmlns:r="http://schemas.openxmlformats.org/officeDocument/2006/relationships" xmlns:p="http://schemas.openxmlformats.org/presentationml/2006/main" showMasterSp="0" type="title" preserve="1">
   <p:cSld name="Diapositive de titre">
     <p:spTree>
       <p:nvGrpSpPr>
@@ -125,33 +942,326 @@
           <a:chExt cx="0" cy="0"/>
         </a:xfrm>
       </p:grpSpPr>
-      <p:sp>
-        <p:nvSpPr>
-          <p:cNvPr id="2" name="Titre 1">
+      <p:pic>
+        <p:nvPicPr>
+          <p:cNvPr id="7" name="Picture 6" descr="Brickwork-HD-R1a.jpg"/>
+          <p:cNvPicPr>
+            <a:picLocks noChangeAspect="1"/>
+          </p:cNvPicPr>
+          <p:nvPr/>
+        </p:nvPicPr>
+        <p:blipFill>
+          <a:blip r:embed="rId2">
             <a:extLst>
-              <a:ext uri="{FF2B5EF4-FFF2-40B4-BE49-F238E27FC236}">
-                <a16:creationId xmlns:a16="http://schemas.microsoft.com/office/drawing/2014/main" id="{6C9DAB0C-5A79-B54A-91FE-A65363784632}"/>
+              <a:ext uri="{28A0092B-C50C-407E-A947-70E740481C1C}">
+                <a14:useLocalDpi xmlns:a14="http://schemas.microsoft.com/office/drawing/2010/main" val="0"/>
               </a:ext>
             </a:extLst>
-          </p:cNvPr>
-          <p:cNvSpPr>
-            <a:spLocks noGrp="1"/>
-          </p:cNvSpPr>
-          <p:nvPr>
-            <p:ph type="ctrTitle"/>
-          </p:nvPr>
-        </p:nvSpPr>
+          </a:blip>
+          <a:stretch>
+            <a:fillRect/>
+          </a:stretch>
+        </p:blipFill>
         <p:spPr>
           <a:xfrm>
-            <a:off x="1524000" y="1122363"/>
-            <a:ext cx="9144000" cy="2387600"/>
+            <a:off x="0" y="0"/>
+            <a:ext cx="12192000" cy="6858000"/>
+          </a:xfrm>
+          <a:prstGeom prst="rect">
+            <a:avLst/>
+          </a:prstGeom>
+        </p:spPr>
+      </p:pic>
+      <p:sp useBgFill="1">
+        <p:nvSpPr>
+          <p:cNvPr id="12" name="Freeform 11"/>
+          <p:cNvSpPr/>
+          <p:nvPr/>
+        </p:nvSpPr>
+        <p:spPr>
+          <a:xfrm>
+            <a:off x="-15875" y="0"/>
+            <a:ext cx="11683810" cy="6588125"/>
+          </a:xfrm>
+          <a:custGeom>
+            <a:avLst/>
+            <a:gdLst/>
+            <a:ahLst/>
+            <a:cxnLst/>
+            <a:rect l="l" t="t" r="r" b="b"/>
+            <a:pathLst>
+              <a:path w="11683810" h="6588125">
+                <a:moveTo>
+                  <a:pt x="0" y="0"/>
+                </a:moveTo>
+                <a:lnTo>
+                  <a:pt x="11318691" y="0"/>
+                </a:lnTo>
+                <a:lnTo>
+                  <a:pt x="11683810" y="5976938"/>
+                </a:lnTo>
+                <a:lnTo>
+                  <a:pt x="15875" y="6588125"/>
+                </a:lnTo>
+                <a:cubicBezTo>
+                  <a:pt x="10583" y="4386792"/>
+                  <a:pt x="5292" y="2185458"/>
+                  <a:pt x="0" y="0"/>
+                </a:cubicBezTo>
+                <a:close/>
+              </a:path>
+            </a:pathLst>
+          </a:custGeom>
+          <a:ln>
+            <a:noFill/>
+          </a:ln>
+          <a:effectLst>
+            <a:outerShdw blurRad="101600" dist="152400" dir="4380000" algn="tl" rotWithShape="0">
+              <a:srgbClr val="000000">
+                <a:alpha val="43000"/>
+              </a:srgbClr>
+            </a:outerShdw>
+          </a:effectLst>
+        </p:spPr>
+        <p:style>
+          <a:lnRef idx="1">
+            <a:schemeClr val="accent1"/>
+          </a:lnRef>
+          <a:fillRef idx="3">
+            <a:schemeClr val="accent1"/>
+          </a:fillRef>
+          <a:effectRef idx="2">
+            <a:schemeClr val="accent1"/>
+          </a:effectRef>
+          <a:fontRef idx="minor">
+            <a:schemeClr val="lt1"/>
+          </a:fontRef>
+        </p:style>
+      </p:sp>
+      <p:sp>
+        <p:nvSpPr>
+          <p:cNvPr id="14" name="Freeform 13"/>
+          <p:cNvSpPr/>
+          <p:nvPr/>
+        </p:nvSpPr>
+        <p:spPr>
+          <a:xfrm>
+            <a:off x="0" y="4282257"/>
+            <a:ext cx="11329257" cy="2028845"/>
+          </a:xfrm>
+          <a:custGeom>
+            <a:avLst/>
+            <a:gdLst/>
+            <a:ahLst/>
+            <a:cxnLst/>
+            <a:rect l="l" t="t" r="r" b="b"/>
+            <a:pathLst>
+              <a:path w="11329257" h="2028845">
+                <a:moveTo>
+                  <a:pt x="0" y="588520"/>
+                </a:moveTo>
+                <a:lnTo>
+                  <a:pt x="11244075" y="0"/>
+                </a:lnTo>
+                <a:lnTo>
+                  <a:pt x="11329257" y="1424838"/>
+                </a:lnTo>
+                <a:lnTo>
+                  <a:pt x="0" y="2028845"/>
+                </a:lnTo>
+                <a:lnTo>
+                  <a:pt x="0" y="588520"/>
+                </a:lnTo>
+                <a:close/>
+              </a:path>
+            </a:pathLst>
+          </a:custGeom>
+          <a:gradFill flip="none" rotWithShape="1">
+            <a:gsLst>
+              <a:gs pos="34000">
+                <a:schemeClr val="accent1"/>
+              </a:gs>
+              <a:gs pos="100000">
+                <a:schemeClr val="accent1">
+                  <a:lumMod val="50000"/>
+                </a:schemeClr>
+              </a:gs>
+            </a:gsLst>
+            <a:path path="circle">
+              <a:fillToRect l="50000" t="50000" r="50000" b="50000"/>
+            </a:path>
+            <a:tileRect/>
+          </a:gradFill>
+          <a:ln>
+            <a:noFill/>
+          </a:ln>
+        </p:spPr>
+        <p:style>
+          <a:lnRef idx="1">
+            <a:schemeClr val="accent1"/>
+          </a:lnRef>
+          <a:fillRef idx="3">
+            <a:schemeClr val="accent1"/>
+          </a:fillRef>
+          <a:effectRef idx="2">
+            <a:schemeClr val="accent1"/>
+          </a:effectRef>
+          <a:fontRef idx="minor">
+            <a:schemeClr val="lt1"/>
+          </a:fontRef>
+        </p:style>
+      </p:sp>
+      <p:sp>
+        <p:nvSpPr>
+          <p:cNvPr id="26" name="Freeform 25"/>
+          <p:cNvSpPr/>
+          <p:nvPr/>
+        </p:nvSpPr>
+        <p:spPr>
+          <a:xfrm>
+            <a:off x="0" y="0"/>
+            <a:ext cx="8719579" cy="456877"/>
+          </a:xfrm>
+          <a:custGeom>
+            <a:avLst/>
+            <a:gdLst/>
+            <a:ahLst/>
+            <a:cxnLst/>
+            <a:rect l="l" t="t" r="r" b="b"/>
+            <a:pathLst>
+              <a:path w="8719579" h="456877">
+                <a:moveTo>
+                  <a:pt x="0" y="0"/>
+                </a:moveTo>
+                <a:lnTo>
+                  <a:pt x="8719579" y="0"/>
+                </a:lnTo>
+                <a:lnTo>
+                  <a:pt x="0" y="456877"/>
+                </a:lnTo>
+                <a:lnTo>
+                  <a:pt x="0" y="0"/>
+                </a:lnTo>
+                <a:close/>
+              </a:path>
+            </a:pathLst>
+          </a:custGeom>
+          <a:gradFill flip="none" rotWithShape="1">
+            <a:gsLst>
+              <a:gs pos="34000">
+                <a:schemeClr val="accent1"/>
+              </a:gs>
+              <a:gs pos="100000">
+                <a:schemeClr val="accent1">
+                  <a:lumMod val="50000"/>
+                </a:schemeClr>
+              </a:gs>
+            </a:gsLst>
+            <a:path path="circle">
+              <a:fillToRect l="50000" t="50000" r="50000" b="50000"/>
+            </a:path>
+            <a:tileRect/>
+          </a:gradFill>
+          <a:ln>
+            <a:noFill/>
+          </a:ln>
+        </p:spPr>
+        <p:style>
+          <a:lnRef idx="1">
+            <a:schemeClr val="accent1"/>
+          </a:lnRef>
+          <a:fillRef idx="3">
+            <a:schemeClr val="accent1"/>
+          </a:fillRef>
+          <a:effectRef idx="2">
+            <a:schemeClr val="accent1"/>
+          </a:effectRef>
+          <a:fontRef idx="minor">
+            <a:schemeClr val="lt1"/>
+          </a:fontRef>
+        </p:style>
+      </p:sp>
+      <p:sp>
+        <p:nvSpPr>
+          <p:cNvPr id="15" name="Freeform 14"/>
+          <p:cNvSpPr/>
+          <p:nvPr/>
+        </p:nvSpPr>
+        <p:spPr>
+          <a:xfrm rot="21420000">
+            <a:off x="-161800" y="293317"/>
+            <a:ext cx="11367116" cy="5751804"/>
+          </a:xfrm>
+          <a:custGeom>
+            <a:avLst/>
+            <a:gdLst/>
+            <a:ahLst/>
+            <a:cxnLst/>
+            <a:rect l="l" t="t" r="r" b="b"/>
+            <a:pathLst>
+              <a:path w="11367116" h="5751804">
+                <a:moveTo>
+                  <a:pt x="11346705" y="0"/>
+                </a:moveTo>
+                <a:cubicBezTo>
+                  <a:pt x="11353509" y="1915114"/>
+                  <a:pt x="11360312" y="3830229"/>
+                  <a:pt x="11367116" y="5745343"/>
+                </a:cubicBezTo>
+                <a:lnTo>
+                  <a:pt x="0" y="5751804"/>
+                </a:lnTo>
+              </a:path>
+            </a:pathLst>
+          </a:custGeom>
+          <a:ln w="82550">
+            <a:solidFill>
+              <a:schemeClr val="tx1">
+                <a:lumMod val="50000"/>
+                <a:lumOff val="50000"/>
+              </a:schemeClr>
+            </a:solidFill>
+            <a:miter lim="800000"/>
+          </a:ln>
+        </p:spPr>
+        <p:style>
+          <a:lnRef idx="2">
+            <a:schemeClr val="accent1"/>
+          </a:lnRef>
+          <a:fillRef idx="0">
+            <a:schemeClr val="accent1"/>
+          </a:fillRef>
+          <a:effectRef idx="1">
+            <a:schemeClr val="accent1"/>
+          </a:effectRef>
+          <a:fontRef idx="minor">
+            <a:schemeClr val="tx1"/>
+          </a:fontRef>
+        </p:style>
+      </p:sp>
+      <p:sp>
+        <p:nvSpPr>
+          <p:cNvPr id="2" name="Title 1"/>
+          <p:cNvSpPr>
+            <a:spLocks noGrp="1"/>
+          </p:cNvSpPr>
+          <p:nvPr>
+            <p:ph type="ctrTitle"/>
+          </p:nvPr>
+        </p:nvSpPr>
+        <p:spPr>
+          <a:xfrm rot="21420000">
+            <a:off x="891201" y="662656"/>
+            <a:ext cx="9755187" cy="2766528"/>
           </a:xfrm>
         </p:spPr>
         <p:txBody>
-          <a:bodyPr anchor="b"/>
+          <a:bodyPr anchor="b">
+            <a:normAutofit/>
+          </a:bodyPr>
           <a:lstStyle>
-            <a:lvl1pPr algn="ctr">
-              <a:defRPr sz="6000"/>
+            <a:lvl1pPr algn="r">
+              <a:defRPr sz="8000"/>
             </a:lvl1pPr>
           </a:lstStyle>
           <a:p>
@@ -159,18 +1269,13 @@
               <a:rPr lang="fr-FR"/>
               <a:t>Modifiez le style du titre</a:t>
             </a:r>
-          </a:p>
-        </p:txBody>
-      </p:sp>
-      <p:sp>
-        <p:nvSpPr>
-          <p:cNvPr id="3" name="Sous-titre 2">
-            <a:extLst>
-              <a:ext uri="{FF2B5EF4-FFF2-40B4-BE49-F238E27FC236}">
-                <a16:creationId xmlns:a16="http://schemas.microsoft.com/office/drawing/2014/main" id="{E4817190-24C7-EE4C-930F-40CA869DBDCA}"/>
-              </a:ext>
-            </a:extLst>
-          </p:cNvPr>
+            <a:endParaRPr lang="en-US" dirty="0"/>
+          </a:p>
+        </p:txBody>
+      </p:sp>
+      <p:sp>
+        <p:nvSpPr>
+          <p:cNvPr id="3" name="Subtitle 2"/>
           <p:cNvSpPr>
             <a:spLocks noGrp="1"/>
           </p:cNvSpPr>
@@ -179,17 +1284,25 @@
           </p:nvPr>
         </p:nvSpPr>
         <p:spPr>
-          <a:xfrm>
-            <a:off x="1524000" y="3602038"/>
-            <a:ext cx="9144000" cy="1655762"/>
+          <a:xfrm rot="21420000">
+            <a:off x="983062" y="3505209"/>
+            <a:ext cx="9755187" cy="550333"/>
           </a:xfrm>
         </p:spPr>
         <p:txBody>
-          <a:bodyPr/>
+          <a:bodyPr anchor="t">
+            <a:noAutofit/>
+          </a:bodyPr>
           <a:lstStyle>
-            <a:lvl1pPr marL="0" indent="0" algn="ctr">
-              <a:buNone/>
-              <a:defRPr sz="2400"/>
+            <a:lvl1pPr marL="0" indent="0" algn="r">
+              <a:buNone/>
+              <a:defRPr sz="2800">
+                <a:solidFill>
+                  <a:schemeClr val="bg1">
+                    <a:lumMod val="50000"/>
+                  </a:schemeClr>
+                </a:solidFill>
+              </a:defRPr>
             </a:lvl1pPr>
             <a:lvl2pPr marL="457200" indent="0" algn="ctr">
               <a:buNone/>
@@ -229,18 +1342,13 @@
               <a:rPr lang="fr-FR"/>
               <a:t>Modifiez le style des sous-titres du masque</a:t>
             </a:r>
-          </a:p>
-        </p:txBody>
-      </p:sp>
-      <p:sp>
-        <p:nvSpPr>
-          <p:cNvPr id="4" name="Espace réservé de la date 3">
-            <a:extLst>
-              <a:ext uri="{FF2B5EF4-FFF2-40B4-BE49-F238E27FC236}">
-                <a16:creationId xmlns:a16="http://schemas.microsoft.com/office/drawing/2014/main" id="{9D55613F-D00C-D04A-AE9E-0534308722FD}"/>
-              </a:ext>
-            </a:extLst>
-          </p:cNvPr>
+            <a:endParaRPr lang="en-US" dirty="0"/>
+          </a:p>
+        </p:txBody>
+      </p:sp>
+      <p:sp>
+        <p:nvSpPr>
+          <p:cNvPr id="4" name="Date Placeholder 3"/>
           <p:cNvSpPr>
             <a:spLocks noGrp="1"/>
           </p:cNvSpPr>
@@ -248,14 +1356,29 @@
             <p:ph type="dt" sz="half" idx="10"/>
           </p:nvPr>
         </p:nvSpPr>
-        <p:spPr/>
+        <p:spPr>
+          <a:xfrm rot="21420000">
+            <a:off x="4948541" y="4578463"/>
+            <a:ext cx="6143653" cy="1163112"/>
+          </a:xfrm>
+        </p:spPr>
         <p:txBody>
           <a:bodyPr/>
-          <a:lstStyle/>
+          <a:lstStyle>
+            <a:lvl1pPr algn="ctr">
+              <a:defRPr sz="5400">
+                <a:solidFill>
+                  <a:schemeClr val="accent1">
+                    <a:lumMod val="50000"/>
+                  </a:schemeClr>
+                </a:solidFill>
+              </a:defRPr>
+            </a:lvl1pPr>
+          </a:lstStyle>
           <a:p>
             <a:fld id="{35D442AB-6860-B042-B086-2F1716AA4299}" type="datetimeFigureOut">
               <a:rPr lang="fr-FR" smtClean="0"/>
-              <a:t>13/08/2021</a:t>
+              <a:t>16/08/2021</a:t>
             </a:fld>
             <a:endParaRPr lang="fr-FR"/>
           </a:p>
@@ -263,13 +1386,7 @@
       </p:sp>
       <p:sp>
         <p:nvSpPr>
-          <p:cNvPr id="5" name="Espace réservé du pied de page 4">
-            <a:extLst>
-              <a:ext uri="{FF2B5EF4-FFF2-40B4-BE49-F238E27FC236}">
-                <a16:creationId xmlns:a16="http://schemas.microsoft.com/office/drawing/2014/main" id="{1BC2D7B5-E56C-A14F-9111-6F42B2FCA5F4}"/>
-              </a:ext>
-            </a:extLst>
-          </p:cNvPr>
+          <p:cNvPr id="5" name="Footer Placeholder 4"/>
           <p:cNvSpPr>
             <a:spLocks noGrp="1"/>
           </p:cNvSpPr>
@@ -277,35 +1394,54 @@
             <p:ph type="ftr" sz="quarter" idx="11"/>
           </p:nvPr>
         </p:nvSpPr>
-        <p:spPr/>
+        <p:spPr>
+          <a:xfrm rot="21420000">
+            <a:off x="-5560" y="4883024"/>
+            <a:ext cx="4047239" cy="1195538"/>
+          </a:xfrm>
+        </p:spPr>
+        <p:txBody>
+          <a:bodyPr vert="horz" lIns="91440" tIns="45720" rIns="91440" bIns="45720" rtlCol="0" anchor="ctr"/>
+          <a:lstStyle>
+            <a:lvl1pPr algn="r">
+              <a:defRPr lang="en-US" sz="5400" dirty="0"/>
+            </a:lvl1pPr>
+          </a:lstStyle>
+          <a:p>
+            <a:endParaRPr lang="fr-FR"/>
+          </a:p>
+        </p:txBody>
+      </p:sp>
+      <p:sp>
+        <p:nvSpPr>
+          <p:cNvPr id="6" name="Slide Number Placeholder 5"/>
+          <p:cNvSpPr>
+            <a:spLocks noGrp="1"/>
+          </p:cNvSpPr>
+          <p:nvPr>
+            <p:ph type="sldNum" sz="quarter" idx="12"/>
+          </p:nvPr>
+        </p:nvSpPr>
+        <p:spPr>
+          <a:xfrm rot="21420000">
+            <a:off x="9851758" y="3832648"/>
+            <a:ext cx="907186" cy="498470"/>
+          </a:xfrm>
+        </p:spPr>
         <p:txBody>
           <a:bodyPr/>
-          <a:lstStyle/>
-          <a:p>
-            <a:endParaRPr lang="fr-FR"/>
-          </a:p>
-        </p:txBody>
-      </p:sp>
-      <p:sp>
-        <p:nvSpPr>
-          <p:cNvPr id="6" name="Espace réservé du numéro de diapositive 5">
-            <a:extLst>
-              <a:ext uri="{FF2B5EF4-FFF2-40B4-BE49-F238E27FC236}">
-                <a16:creationId xmlns:a16="http://schemas.microsoft.com/office/drawing/2014/main" id="{743446DA-F85A-6C4B-B59E-438F0C0980C7}"/>
-              </a:ext>
-            </a:extLst>
-          </p:cNvPr>
-          <p:cNvSpPr>
-            <a:spLocks noGrp="1"/>
-          </p:cNvSpPr>
-          <p:nvPr>
-            <p:ph type="sldNum" sz="quarter" idx="12"/>
-          </p:nvPr>
-        </p:nvSpPr>
-        <p:spPr/>
-        <p:txBody>
-          <a:bodyPr/>
-          <a:lstStyle/>
+          <a:lstStyle>
+            <a:lvl1pPr>
+              <a:defRPr sz="2400">
+                <a:solidFill>
+                  <a:schemeClr val="tx1">
+                    <a:lumMod val="75000"/>
+                    <a:lumOff val="25000"/>
+                  </a:schemeClr>
+                </a:solidFill>
+              </a:defRPr>
+            </a:lvl1pPr>
+          </a:lstStyle>
           <a:p>
             <a:fld id="{DD0A95D0-21AC-FC4F-B23B-8B8CC8E16049}" type="slidenum">
               <a:rPr lang="fr-FR" smtClean="0"/>
@@ -315,10 +1451,52 @@
           </a:p>
         </p:txBody>
       </p:sp>
+      <p:sp>
+        <p:nvSpPr>
+          <p:cNvPr id="25" name="5-Point Star 24"/>
+          <p:cNvSpPr/>
+          <p:nvPr/>
+        </p:nvSpPr>
+        <p:spPr>
+          <a:xfrm rot="21420000">
+            <a:off x="4221385" y="5111356"/>
+            <a:ext cx="515386" cy="515386"/>
+          </a:xfrm>
+          <a:prstGeom prst="star5">
+            <a:avLst>
+              <a:gd name="adj" fmla="val 26693"/>
+              <a:gd name="hf" fmla="val 105146"/>
+              <a:gd name="vf" fmla="val 110557"/>
+            </a:avLst>
+          </a:prstGeom>
+          <a:solidFill>
+            <a:schemeClr val="tx1">
+              <a:alpha val="40000"/>
+            </a:schemeClr>
+          </a:solidFill>
+          <a:ln>
+            <a:noFill/>
+          </a:ln>
+        </p:spPr>
+        <p:style>
+          <a:lnRef idx="1">
+            <a:schemeClr val="accent1"/>
+          </a:lnRef>
+          <a:fillRef idx="3">
+            <a:schemeClr val="accent1"/>
+          </a:fillRef>
+          <a:effectRef idx="2">
+            <a:schemeClr val="accent1"/>
+          </a:effectRef>
+          <a:fontRef idx="minor">
+            <a:schemeClr val="lt1"/>
+          </a:fontRef>
+        </p:style>
+      </p:sp>
     </p:spTree>
     <p:extLst>
       <p:ext uri="{BB962C8B-B14F-4D97-AF65-F5344CB8AC3E}">
-        <p14:creationId xmlns:p14="http://schemas.microsoft.com/office/powerpoint/2010/main" val="1643207315"/>
+        <p14:creationId xmlns:p14="http://schemas.microsoft.com/office/powerpoint/2010/main" val="2477820266"/>
       </p:ext>
     </p:extLst>
   </p:cSld>
@@ -329,6 +1507,2505 @@
 </file>
 
 <file path=ppt/slideLayouts/slideLayout10.xml><?xml version="1.0" encoding="utf-8"?>
+<p:sldLayout xmlns:a="http://schemas.openxmlformats.org/drawingml/2006/main" xmlns:r="http://schemas.openxmlformats.org/officeDocument/2006/relationships" xmlns:p="http://schemas.openxmlformats.org/presentationml/2006/main" preserve="1">
+  <p:cSld name="Image panoramique avec légende">
+    <p:spTree>
+      <p:nvGrpSpPr>
+        <p:cNvPr id="1" name=""/>
+        <p:cNvGrpSpPr/>
+        <p:nvPr/>
+      </p:nvGrpSpPr>
+      <p:grpSpPr>
+        <a:xfrm>
+          <a:off x="0" y="0"/>
+          <a:ext cx="0" cy="0"/>
+          <a:chOff x="0" y="0"/>
+          <a:chExt cx="0" cy="0"/>
+        </a:xfrm>
+      </p:grpSpPr>
+      <p:sp>
+        <p:nvSpPr>
+          <p:cNvPr id="2" name="Title 1"/>
+          <p:cNvSpPr>
+            <a:spLocks noGrp="1"/>
+          </p:cNvSpPr>
+          <p:nvPr>
+            <p:ph type="title"/>
+          </p:nvPr>
+        </p:nvSpPr>
+        <p:spPr>
+          <a:xfrm>
+            <a:off x="685800" y="4106333"/>
+            <a:ext cx="10394708" cy="588846"/>
+          </a:xfrm>
+        </p:spPr>
+        <p:txBody>
+          <a:bodyPr anchor="b"/>
+          <a:lstStyle>
+            <a:lvl1pPr>
+              <a:defRPr sz="3200"/>
+            </a:lvl1pPr>
+          </a:lstStyle>
+          <a:p>
+            <a:r>
+              <a:rPr lang="fr-FR"/>
+              <a:t>Modifiez le style du titre</a:t>
+            </a:r>
+            <a:endParaRPr lang="en-US" dirty="0"/>
+          </a:p>
+        </p:txBody>
+      </p:sp>
+      <p:sp>
+        <p:nvSpPr>
+          <p:cNvPr id="3" name="Picture Placeholder 2"/>
+          <p:cNvSpPr>
+            <a:spLocks noGrp="1" noChangeAspect="1"/>
+          </p:cNvSpPr>
+          <p:nvPr>
+            <p:ph type="pic" idx="1"/>
+          </p:nvPr>
+        </p:nvSpPr>
+        <p:spPr>
+          <a:xfrm>
+            <a:off x="685801" y="685799"/>
+            <a:ext cx="10392513" cy="3194903"/>
+          </a:xfrm>
+          <a:ln w="57150" cmpd="thinThick">
+            <a:solidFill>
+              <a:schemeClr val="bg1">
+                <a:lumMod val="50000"/>
+              </a:schemeClr>
+            </a:solidFill>
+            <a:miter lim="800000"/>
+          </a:ln>
+        </p:spPr>
+        <p:txBody>
+          <a:bodyPr anchor="t"/>
+          <a:lstStyle>
+            <a:lvl1pPr marL="0" indent="0" algn="ctr">
+              <a:buNone/>
+              <a:defRPr sz="3200"/>
+            </a:lvl1pPr>
+            <a:lvl2pPr marL="457200" indent="0">
+              <a:buNone/>
+              <a:defRPr sz="2800"/>
+            </a:lvl2pPr>
+            <a:lvl3pPr marL="914400" indent="0">
+              <a:buNone/>
+              <a:defRPr sz="2400"/>
+            </a:lvl3pPr>
+            <a:lvl4pPr marL="1371600" indent="0">
+              <a:buNone/>
+              <a:defRPr sz="2000"/>
+            </a:lvl4pPr>
+            <a:lvl5pPr marL="1828800" indent="0">
+              <a:buNone/>
+              <a:defRPr sz="2000"/>
+            </a:lvl5pPr>
+            <a:lvl6pPr marL="2286000" indent="0">
+              <a:buNone/>
+              <a:defRPr sz="2000"/>
+            </a:lvl6pPr>
+            <a:lvl7pPr marL="2743200" indent="0">
+              <a:buNone/>
+              <a:defRPr sz="2000"/>
+            </a:lvl7pPr>
+            <a:lvl8pPr marL="3200400" indent="0">
+              <a:buNone/>
+              <a:defRPr sz="2000"/>
+            </a:lvl8pPr>
+            <a:lvl9pPr marL="3657600" indent="0">
+              <a:buNone/>
+              <a:defRPr sz="2000"/>
+            </a:lvl9pPr>
+          </a:lstStyle>
+          <a:p>
+            <a:r>
+              <a:rPr lang="fr-FR"/>
+              <a:t>Cliquez sur l'icône pour ajouter une image</a:t>
+            </a:r>
+            <a:endParaRPr lang="en-US" dirty="0"/>
+          </a:p>
+        </p:txBody>
+      </p:sp>
+      <p:sp>
+        <p:nvSpPr>
+          <p:cNvPr id="4" name="Text Placeholder 3"/>
+          <p:cNvSpPr>
+            <a:spLocks noGrp="1"/>
+          </p:cNvSpPr>
+          <p:nvPr>
+            <p:ph type="body" sz="half" idx="2"/>
+          </p:nvPr>
+        </p:nvSpPr>
+        <p:spPr>
+          <a:xfrm>
+            <a:off x="685780" y="4702923"/>
+            <a:ext cx="10394728" cy="682472"/>
+          </a:xfrm>
+        </p:spPr>
+        <p:txBody>
+          <a:bodyPr anchor="t"/>
+          <a:lstStyle>
+            <a:lvl1pPr marL="0" indent="0" algn="l">
+              <a:buNone/>
+              <a:defRPr sz="1600"/>
+            </a:lvl1pPr>
+            <a:lvl2pPr marL="457200" indent="0">
+              <a:buNone/>
+              <a:defRPr sz="1400"/>
+            </a:lvl2pPr>
+            <a:lvl3pPr marL="914400" indent="0">
+              <a:buNone/>
+              <a:defRPr sz="1200"/>
+            </a:lvl3pPr>
+            <a:lvl4pPr marL="1371600" indent="0">
+              <a:buNone/>
+              <a:defRPr sz="1000"/>
+            </a:lvl4pPr>
+            <a:lvl5pPr marL="1828800" indent="0">
+              <a:buNone/>
+              <a:defRPr sz="1000"/>
+            </a:lvl5pPr>
+            <a:lvl6pPr marL="2286000" indent="0">
+              <a:buNone/>
+              <a:defRPr sz="1000"/>
+            </a:lvl6pPr>
+            <a:lvl7pPr marL="2743200" indent="0">
+              <a:buNone/>
+              <a:defRPr sz="1000"/>
+            </a:lvl7pPr>
+            <a:lvl8pPr marL="3200400" indent="0">
+              <a:buNone/>
+              <a:defRPr sz="1000"/>
+            </a:lvl8pPr>
+            <a:lvl9pPr marL="3657600" indent="0">
+              <a:buNone/>
+              <a:defRPr sz="1000"/>
+            </a:lvl9pPr>
+          </a:lstStyle>
+          <a:p>
+            <a:pPr lvl="0"/>
+            <a:r>
+              <a:rPr lang="fr-FR"/>
+              <a:t>Cliquez pour modifier les styles du texte du masque</a:t>
+            </a:r>
+          </a:p>
+        </p:txBody>
+      </p:sp>
+      <p:sp>
+        <p:nvSpPr>
+          <p:cNvPr id="5" name="Date Placeholder 4"/>
+          <p:cNvSpPr>
+            <a:spLocks noGrp="1"/>
+          </p:cNvSpPr>
+          <p:nvPr>
+            <p:ph type="dt" sz="half" idx="10"/>
+          </p:nvPr>
+        </p:nvSpPr>
+        <p:spPr/>
+        <p:txBody>
+          <a:bodyPr/>
+          <a:lstStyle/>
+          <a:p>
+            <a:fld id="{35D442AB-6860-B042-B086-2F1716AA4299}" type="datetimeFigureOut">
+              <a:rPr lang="fr-FR" smtClean="0"/>
+              <a:t>16/08/2021</a:t>
+            </a:fld>
+            <a:endParaRPr lang="fr-FR"/>
+          </a:p>
+        </p:txBody>
+      </p:sp>
+      <p:sp>
+        <p:nvSpPr>
+          <p:cNvPr id="6" name="Footer Placeholder 5"/>
+          <p:cNvSpPr>
+            <a:spLocks noGrp="1"/>
+          </p:cNvSpPr>
+          <p:nvPr>
+            <p:ph type="ftr" sz="quarter" idx="11"/>
+          </p:nvPr>
+        </p:nvSpPr>
+        <p:spPr/>
+        <p:txBody>
+          <a:bodyPr/>
+          <a:lstStyle/>
+          <a:p>
+            <a:endParaRPr lang="fr-FR"/>
+          </a:p>
+        </p:txBody>
+      </p:sp>
+      <p:sp>
+        <p:nvSpPr>
+          <p:cNvPr id="7" name="Slide Number Placeholder 6"/>
+          <p:cNvSpPr>
+            <a:spLocks noGrp="1"/>
+          </p:cNvSpPr>
+          <p:nvPr>
+            <p:ph type="sldNum" sz="quarter" idx="12"/>
+          </p:nvPr>
+        </p:nvSpPr>
+        <p:spPr/>
+        <p:txBody>
+          <a:bodyPr/>
+          <a:lstStyle/>
+          <a:p>
+            <a:fld id="{DD0A95D0-21AC-FC4F-B23B-8B8CC8E16049}" type="slidenum">
+              <a:rPr lang="fr-FR" smtClean="0"/>
+              <a:t>‹N°›</a:t>
+            </a:fld>
+            <a:endParaRPr lang="fr-FR"/>
+          </a:p>
+        </p:txBody>
+      </p:sp>
+    </p:spTree>
+    <p:extLst>
+      <p:ext uri="{BB962C8B-B14F-4D97-AF65-F5344CB8AC3E}">
+        <p14:creationId xmlns:p14="http://schemas.microsoft.com/office/powerpoint/2010/main" val="4016465851"/>
+      </p:ext>
+    </p:extLst>
+  </p:cSld>
+  <p:clrMapOvr>
+    <a:masterClrMapping/>
+  </p:clrMapOvr>
+</p:sldLayout>
+</file>
+
+<file path=ppt/slideLayouts/slideLayout11.xml><?xml version="1.0" encoding="utf-8"?>
+<p:sldLayout xmlns:a="http://schemas.openxmlformats.org/drawingml/2006/main" xmlns:r="http://schemas.openxmlformats.org/officeDocument/2006/relationships" xmlns:p="http://schemas.openxmlformats.org/presentationml/2006/main" preserve="1">
+  <p:cSld name="Titre et légende">
+    <p:spTree>
+      <p:nvGrpSpPr>
+        <p:cNvPr id="1" name=""/>
+        <p:cNvGrpSpPr/>
+        <p:nvPr/>
+      </p:nvGrpSpPr>
+      <p:grpSpPr>
+        <a:xfrm>
+          <a:off x="0" y="0"/>
+          <a:ext cx="0" cy="0"/>
+          <a:chOff x="0" y="0"/>
+          <a:chExt cx="0" cy="0"/>
+        </a:xfrm>
+      </p:grpSpPr>
+      <p:sp>
+        <p:nvSpPr>
+          <p:cNvPr id="2" name="Title 1"/>
+          <p:cNvSpPr>
+            <a:spLocks noGrp="1"/>
+          </p:cNvSpPr>
+          <p:nvPr>
+            <p:ph type="title"/>
+          </p:nvPr>
+        </p:nvSpPr>
+        <p:spPr>
+          <a:xfrm>
+            <a:off x="685801" y="685800"/>
+            <a:ext cx="10396902" cy="3194903"/>
+          </a:xfrm>
+        </p:spPr>
+        <p:txBody>
+          <a:bodyPr anchor="ctr">
+            <a:normAutofit/>
+          </a:bodyPr>
+          <a:lstStyle>
+            <a:lvl1pPr algn="ctr">
+              <a:defRPr sz="4800"/>
+            </a:lvl1pPr>
+          </a:lstStyle>
+          <a:p>
+            <a:r>
+              <a:rPr lang="fr-FR"/>
+              <a:t>Modifiez le style du titre</a:t>
+            </a:r>
+            <a:endParaRPr lang="en-US" dirty="0"/>
+          </a:p>
+        </p:txBody>
+      </p:sp>
+      <p:sp>
+        <p:nvSpPr>
+          <p:cNvPr id="4" name="Text Placeholder 3"/>
+          <p:cNvSpPr>
+            <a:spLocks noGrp="1"/>
+          </p:cNvSpPr>
+          <p:nvPr>
+            <p:ph type="body" sz="half" idx="2"/>
+          </p:nvPr>
+        </p:nvSpPr>
+        <p:spPr>
+          <a:xfrm>
+            <a:off x="685779" y="4106333"/>
+            <a:ext cx="10394729" cy="1273606"/>
+          </a:xfrm>
+        </p:spPr>
+        <p:txBody>
+          <a:bodyPr anchor="ctr">
+            <a:normAutofit/>
+          </a:bodyPr>
+          <a:lstStyle>
+            <a:lvl1pPr marL="0" indent="0" algn="ctr">
+              <a:buNone/>
+              <a:defRPr sz="1800"/>
+            </a:lvl1pPr>
+            <a:lvl2pPr marL="457200" indent="0">
+              <a:buNone/>
+              <a:defRPr sz="1400"/>
+            </a:lvl2pPr>
+            <a:lvl3pPr marL="914400" indent="0">
+              <a:buNone/>
+              <a:defRPr sz="1200"/>
+            </a:lvl3pPr>
+            <a:lvl4pPr marL="1371600" indent="0">
+              <a:buNone/>
+              <a:defRPr sz="1000"/>
+            </a:lvl4pPr>
+            <a:lvl5pPr marL="1828800" indent="0">
+              <a:buNone/>
+              <a:defRPr sz="1000"/>
+            </a:lvl5pPr>
+            <a:lvl6pPr marL="2286000" indent="0">
+              <a:buNone/>
+              <a:defRPr sz="1000"/>
+            </a:lvl6pPr>
+            <a:lvl7pPr marL="2743200" indent="0">
+              <a:buNone/>
+              <a:defRPr sz="1000"/>
+            </a:lvl7pPr>
+            <a:lvl8pPr marL="3200400" indent="0">
+              <a:buNone/>
+              <a:defRPr sz="1000"/>
+            </a:lvl8pPr>
+            <a:lvl9pPr marL="3657600" indent="0">
+              <a:buNone/>
+              <a:defRPr sz="1000"/>
+            </a:lvl9pPr>
+          </a:lstStyle>
+          <a:p>
+            <a:pPr lvl="0"/>
+            <a:r>
+              <a:rPr lang="fr-FR"/>
+              <a:t>Cliquez pour modifier les styles du texte du masque</a:t>
+            </a:r>
+          </a:p>
+        </p:txBody>
+      </p:sp>
+      <p:sp>
+        <p:nvSpPr>
+          <p:cNvPr id="5" name="Date Placeholder 4"/>
+          <p:cNvSpPr>
+            <a:spLocks noGrp="1"/>
+          </p:cNvSpPr>
+          <p:nvPr>
+            <p:ph type="dt" sz="half" idx="10"/>
+          </p:nvPr>
+        </p:nvSpPr>
+        <p:spPr/>
+        <p:txBody>
+          <a:bodyPr/>
+          <a:lstStyle/>
+          <a:p>
+            <a:fld id="{35D442AB-6860-B042-B086-2F1716AA4299}" type="datetimeFigureOut">
+              <a:rPr lang="fr-FR" smtClean="0"/>
+              <a:t>16/08/2021</a:t>
+            </a:fld>
+            <a:endParaRPr lang="fr-FR"/>
+          </a:p>
+        </p:txBody>
+      </p:sp>
+      <p:sp>
+        <p:nvSpPr>
+          <p:cNvPr id="6" name="Footer Placeholder 5"/>
+          <p:cNvSpPr>
+            <a:spLocks noGrp="1"/>
+          </p:cNvSpPr>
+          <p:nvPr>
+            <p:ph type="ftr" sz="quarter" idx="11"/>
+          </p:nvPr>
+        </p:nvSpPr>
+        <p:spPr/>
+        <p:txBody>
+          <a:bodyPr/>
+          <a:lstStyle/>
+          <a:p>
+            <a:endParaRPr lang="fr-FR"/>
+          </a:p>
+        </p:txBody>
+      </p:sp>
+      <p:sp>
+        <p:nvSpPr>
+          <p:cNvPr id="7" name="Slide Number Placeholder 6"/>
+          <p:cNvSpPr>
+            <a:spLocks noGrp="1"/>
+          </p:cNvSpPr>
+          <p:nvPr>
+            <p:ph type="sldNum" sz="quarter" idx="12"/>
+          </p:nvPr>
+        </p:nvSpPr>
+        <p:spPr/>
+        <p:txBody>
+          <a:bodyPr/>
+          <a:lstStyle/>
+          <a:p>
+            <a:fld id="{DD0A95D0-21AC-FC4F-B23B-8B8CC8E16049}" type="slidenum">
+              <a:rPr lang="fr-FR" smtClean="0"/>
+              <a:t>‹N°›</a:t>
+            </a:fld>
+            <a:endParaRPr lang="fr-FR"/>
+          </a:p>
+        </p:txBody>
+      </p:sp>
+    </p:spTree>
+    <p:extLst>
+      <p:ext uri="{BB962C8B-B14F-4D97-AF65-F5344CB8AC3E}">
+        <p14:creationId xmlns:p14="http://schemas.microsoft.com/office/powerpoint/2010/main" val="4025887707"/>
+      </p:ext>
+    </p:extLst>
+  </p:cSld>
+  <p:clrMapOvr>
+    <a:masterClrMapping/>
+  </p:clrMapOvr>
+</p:sldLayout>
+</file>
+
+<file path=ppt/slideLayouts/slideLayout12.xml><?xml version="1.0" encoding="utf-8"?>
+<p:sldLayout xmlns:a="http://schemas.openxmlformats.org/drawingml/2006/main" xmlns:r="http://schemas.openxmlformats.org/officeDocument/2006/relationships" xmlns:p="http://schemas.openxmlformats.org/presentationml/2006/main" preserve="1">
+  <p:cSld name="Citation avec légende">
+    <p:spTree>
+      <p:nvGrpSpPr>
+        <p:cNvPr id="1" name=""/>
+        <p:cNvGrpSpPr/>
+        <p:nvPr/>
+      </p:nvGrpSpPr>
+      <p:grpSpPr>
+        <a:xfrm>
+          <a:off x="0" y="0"/>
+          <a:ext cx="0" cy="0"/>
+          <a:chOff x="0" y="0"/>
+          <a:chExt cx="0" cy="0"/>
+        </a:xfrm>
+      </p:grpSpPr>
+      <p:sp>
+        <p:nvSpPr>
+          <p:cNvPr id="2" name="Title 1"/>
+          <p:cNvSpPr>
+            <a:spLocks noGrp="1"/>
+          </p:cNvSpPr>
+          <p:nvPr>
+            <p:ph type="title"/>
+          </p:nvPr>
+        </p:nvSpPr>
+        <p:spPr>
+          <a:xfrm>
+            <a:off x="1121732" y="685800"/>
+            <a:ext cx="9525020" cy="2916704"/>
+          </a:xfrm>
+        </p:spPr>
+        <p:txBody>
+          <a:bodyPr anchor="ctr">
+            <a:normAutofit/>
+          </a:bodyPr>
+          <a:lstStyle>
+            <a:lvl1pPr algn="ctr">
+              <a:defRPr sz="4800"/>
+            </a:lvl1pPr>
+          </a:lstStyle>
+          <a:p>
+            <a:r>
+              <a:rPr lang="fr-FR"/>
+              <a:t>Modifiez le style du titre</a:t>
+            </a:r>
+            <a:endParaRPr lang="en-US" dirty="0"/>
+          </a:p>
+        </p:txBody>
+      </p:sp>
+      <p:sp>
+        <p:nvSpPr>
+          <p:cNvPr id="12" name="Text Placeholder 3"/>
+          <p:cNvSpPr>
+            <a:spLocks noGrp="1"/>
+          </p:cNvSpPr>
+          <p:nvPr>
+            <p:ph type="body" sz="half" idx="13"/>
+          </p:nvPr>
+        </p:nvSpPr>
+        <p:spPr>
+          <a:xfrm>
+            <a:off x="1550264" y="3610032"/>
+            <a:ext cx="8667956" cy="377768"/>
+          </a:xfrm>
+        </p:spPr>
+        <p:txBody>
+          <a:bodyPr anchor="t">
+            <a:normAutofit/>
+          </a:bodyPr>
+          <a:lstStyle>
+            <a:lvl1pPr marL="0" indent="0" algn="r">
+              <a:buNone/>
+              <a:defRPr sz="1400">
+                <a:solidFill>
+                  <a:schemeClr val="tx1">
+                    <a:lumMod val="50000"/>
+                    <a:lumOff val="50000"/>
+                  </a:schemeClr>
+                </a:solidFill>
+              </a:defRPr>
+            </a:lvl1pPr>
+            <a:lvl2pPr marL="457200" indent="0">
+              <a:buNone/>
+              <a:defRPr sz="1400"/>
+            </a:lvl2pPr>
+            <a:lvl3pPr marL="914400" indent="0">
+              <a:buNone/>
+              <a:defRPr sz="1200"/>
+            </a:lvl3pPr>
+            <a:lvl4pPr marL="1371600" indent="0">
+              <a:buNone/>
+              <a:defRPr sz="1000"/>
+            </a:lvl4pPr>
+            <a:lvl5pPr marL="1828800" indent="0">
+              <a:buNone/>
+              <a:defRPr sz="1000"/>
+            </a:lvl5pPr>
+            <a:lvl6pPr marL="2286000" indent="0">
+              <a:buNone/>
+              <a:defRPr sz="1000"/>
+            </a:lvl6pPr>
+            <a:lvl7pPr marL="2743200" indent="0">
+              <a:buNone/>
+              <a:defRPr sz="1000"/>
+            </a:lvl7pPr>
+            <a:lvl8pPr marL="3200400" indent="0">
+              <a:buNone/>
+              <a:defRPr sz="1000"/>
+            </a:lvl8pPr>
+            <a:lvl9pPr marL="3657600" indent="0">
+              <a:buNone/>
+              <a:defRPr sz="1000"/>
+            </a:lvl9pPr>
+          </a:lstStyle>
+          <a:p>
+            <a:pPr lvl="0"/>
+            <a:r>
+              <a:rPr lang="fr-FR"/>
+              <a:t>Cliquez pour modifier les styles du texte du masque</a:t>
+            </a:r>
+          </a:p>
+        </p:txBody>
+      </p:sp>
+      <p:sp>
+        <p:nvSpPr>
+          <p:cNvPr id="4" name="Text Placeholder 3"/>
+          <p:cNvSpPr>
+            <a:spLocks noGrp="1"/>
+          </p:cNvSpPr>
+          <p:nvPr>
+            <p:ph type="body" sz="half" idx="2"/>
+          </p:nvPr>
+        </p:nvSpPr>
+        <p:spPr>
+          <a:xfrm>
+            <a:off x="685801" y="4106334"/>
+            <a:ext cx="10396882" cy="1268252"/>
+          </a:xfrm>
+        </p:spPr>
+        <p:txBody>
+          <a:bodyPr anchor="ctr">
+            <a:normAutofit/>
+          </a:bodyPr>
+          <a:lstStyle>
+            <a:lvl1pPr marL="0" indent="0" algn="ctr">
+              <a:buNone/>
+              <a:defRPr sz="1800"/>
+            </a:lvl1pPr>
+            <a:lvl2pPr marL="457200" indent="0">
+              <a:buNone/>
+              <a:defRPr sz="1400"/>
+            </a:lvl2pPr>
+            <a:lvl3pPr marL="914400" indent="0">
+              <a:buNone/>
+              <a:defRPr sz="1200"/>
+            </a:lvl3pPr>
+            <a:lvl4pPr marL="1371600" indent="0">
+              <a:buNone/>
+              <a:defRPr sz="1000"/>
+            </a:lvl4pPr>
+            <a:lvl5pPr marL="1828800" indent="0">
+              <a:buNone/>
+              <a:defRPr sz="1000"/>
+            </a:lvl5pPr>
+            <a:lvl6pPr marL="2286000" indent="0">
+              <a:buNone/>
+              <a:defRPr sz="1000"/>
+            </a:lvl6pPr>
+            <a:lvl7pPr marL="2743200" indent="0">
+              <a:buNone/>
+              <a:defRPr sz="1000"/>
+            </a:lvl7pPr>
+            <a:lvl8pPr marL="3200400" indent="0">
+              <a:buNone/>
+              <a:defRPr sz="1000"/>
+            </a:lvl8pPr>
+            <a:lvl9pPr marL="3657600" indent="0">
+              <a:buNone/>
+              <a:defRPr sz="1000"/>
+            </a:lvl9pPr>
+          </a:lstStyle>
+          <a:p>
+            <a:pPr lvl="0"/>
+            <a:r>
+              <a:rPr lang="fr-FR"/>
+              <a:t>Cliquez pour modifier les styles du texte du masque</a:t>
+            </a:r>
+          </a:p>
+        </p:txBody>
+      </p:sp>
+      <p:sp>
+        <p:nvSpPr>
+          <p:cNvPr id="5" name="Date Placeholder 4"/>
+          <p:cNvSpPr>
+            <a:spLocks noGrp="1"/>
+          </p:cNvSpPr>
+          <p:nvPr>
+            <p:ph type="dt" sz="half" idx="10"/>
+          </p:nvPr>
+        </p:nvSpPr>
+        <p:spPr/>
+        <p:txBody>
+          <a:bodyPr/>
+          <a:lstStyle/>
+          <a:p>
+            <a:fld id="{35D442AB-6860-B042-B086-2F1716AA4299}" type="datetimeFigureOut">
+              <a:rPr lang="fr-FR" smtClean="0"/>
+              <a:t>16/08/2021</a:t>
+            </a:fld>
+            <a:endParaRPr lang="fr-FR"/>
+          </a:p>
+        </p:txBody>
+      </p:sp>
+      <p:sp>
+        <p:nvSpPr>
+          <p:cNvPr id="6" name="Footer Placeholder 5"/>
+          <p:cNvSpPr>
+            <a:spLocks noGrp="1"/>
+          </p:cNvSpPr>
+          <p:nvPr>
+            <p:ph type="ftr" sz="quarter" idx="11"/>
+          </p:nvPr>
+        </p:nvSpPr>
+        <p:spPr/>
+        <p:txBody>
+          <a:bodyPr/>
+          <a:lstStyle/>
+          <a:p>
+            <a:endParaRPr lang="fr-FR"/>
+          </a:p>
+        </p:txBody>
+      </p:sp>
+      <p:sp>
+        <p:nvSpPr>
+          <p:cNvPr id="7" name="Slide Number Placeholder 6"/>
+          <p:cNvSpPr>
+            <a:spLocks noGrp="1"/>
+          </p:cNvSpPr>
+          <p:nvPr>
+            <p:ph type="sldNum" sz="quarter" idx="12"/>
+          </p:nvPr>
+        </p:nvSpPr>
+        <p:spPr/>
+        <p:txBody>
+          <a:bodyPr/>
+          <a:lstStyle/>
+          <a:p>
+            <a:fld id="{DD0A95D0-21AC-FC4F-B23B-8B8CC8E16049}" type="slidenum">
+              <a:rPr lang="fr-FR" smtClean="0"/>
+              <a:t>‹N°›</a:t>
+            </a:fld>
+            <a:endParaRPr lang="fr-FR"/>
+          </a:p>
+        </p:txBody>
+      </p:sp>
+      <p:sp>
+        <p:nvSpPr>
+          <p:cNvPr id="13" name="TextBox 12"/>
+          <p:cNvSpPr txBox="1"/>
+          <p:nvPr/>
+        </p:nvSpPr>
+        <p:spPr>
+          <a:xfrm>
+            <a:off x="685801" y="892628"/>
+            <a:ext cx="609600" cy="584776"/>
+          </a:xfrm>
+          <a:prstGeom prst="rect">
+            <a:avLst/>
+          </a:prstGeom>
+        </p:spPr>
+        <p:txBody>
+          <a:bodyPr vert="horz" lIns="91440" tIns="45720" rIns="91440" bIns="45720" rtlCol="0" anchor="ctr">
+            <a:noAutofit/>
+          </a:bodyPr>
+          <a:lstStyle>
+            <a:lvl1pPr>
+              <a:spcBef>
+                <a:spcPct val="0"/>
+              </a:spcBef>
+              <a:buNone/>
+              <a:defRPr sz="3200" b="0" cap="all">
+                <a:ln w="3175" cmpd="sng">
+                  <a:noFill/>
+                </a:ln>
+                <a:effectLst>
+                  <a:glow rad="38100">
+                    <a:schemeClr val="bg1">
+                      <a:lumMod val="65000"/>
+                      <a:lumOff val="35000"/>
+                      <a:alpha val="40000"/>
+                    </a:schemeClr>
+                  </a:glow>
+                  <a:outerShdw blurRad="28575" dist="38100" dir="14040000" algn="tl" rotWithShape="0">
+                    <a:srgbClr val="000000">
+                      <a:alpha val="25000"/>
+                    </a:srgbClr>
+                  </a:outerShdw>
+                </a:effectLst>
+              </a:defRPr>
+            </a:lvl1pPr>
+            <a:lvl2pPr>
+              <a:defRPr>
+                <a:solidFill>
+                  <a:schemeClr val="tx2"/>
+                </a:solidFill>
+              </a:defRPr>
+            </a:lvl2pPr>
+            <a:lvl3pPr>
+              <a:defRPr>
+                <a:solidFill>
+                  <a:schemeClr val="tx2"/>
+                </a:solidFill>
+              </a:defRPr>
+            </a:lvl3pPr>
+            <a:lvl4pPr>
+              <a:defRPr>
+                <a:solidFill>
+                  <a:schemeClr val="tx2"/>
+                </a:solidFill>
+              </a:defRPr>
+            </a:lvl4pPr>
+            <a:lvl5pPr>
+              <a:defRPr>
+                <a:solidFill>
+                  <a:schemeClr val="tx2"/>
+                </a:solidFill>
+              </a:defRPr>
+            </a:lvl5pPr>
+            <a:lvl6pPr>
+              <a:defRPr>
+                <a:solidFill>
+                  <a:schemeClr val="tx2"/>
+                </a:solidFill>
+              </a:defRPr>
+            </a:lvl6pPr>
+            <a:lvl7pPr>
+              <a:defRPr>
+                <a:solidFill>
+                  <a:schemeClr val="tx2"/>
+                </a:solidFill>
+              </a:defRPr>
+            </a:lvl7pPr>
+            <a:lvl8pPr>
+              <a:defRPr>
+                <a:solidFill>
+                  <a:schemeClr val="tx2"/>
+                </a:solidFill>
+              </a:defRPr>
+            </a:lvl8pPr>
+            <a:lvl9pPr>
+              <a:defRPr>
+                <a:solidFill>
+                  <a:schemeClr val="tx2"/>
+                </a:solidFill>
+              </a:defRPr>
+            </a:lvl9pPr>
+          </a:lstStyle>
+          <a:p>
+            <a:pPr lvl="0"/>
+            <a:r>
+              <a:rPr lang="en-US" sz="8000" dirty="0">
+                <a:solidFill>
+                  <a:schemeClr val="tx1"/>
+                </a:solidFill>
+                <a:effectLst/>
+              </a:rPr>
+              <a:t>“</a:t>
+            </a:r>
+          </a:p>
+        </p:txBody>
+      </p:sp>
+      <p:sp>
+        <p:nvSpPr>
+          <p:cNvPr id="14" name="TextBox 13"/>
+          <p:cNvSpPr txBox="1"/>
+          <p:nvPr/>
+        </p:nvSpPr>
+        <p:spPr>
+          <a:xfrm>
+            <a:off x="10473083" y="2922827"/>
+            <a:ext cx="609600" cy="584776"/>
+          </a:xfrm>
+          <a:prstGeom prst="rect">
+            <a:avLst/>
+          </a:prstGeom>
+        </p:spPr>
+        <p:txBody>
+          <a:bodyPr vert="horz" lIns="91440" tIns="45720" rIns="91440" bIns="45720" rtlCol="0" anchor="ctr">
+            <a:noAutofit/>
+          </a:bodyPr>
+          <a:lstStyle>
+            <a:lvl1pPr>
+              <a:spcBef>
+                <a:spcPct val="0"/>
+              </a:spcBef>
+              <a:buNone/>
+              <a:defRPr sz="3200" b="0" cap="all">
+                <a:ln w="3175" cmpd="sng">
+                  <a:noFill/>
+                </a:ln>
+                <a:effectLst>
+                  <a:glow rad="38100">
+                    <a:schemeClr val="bg1">
+                      <a:lumMod val="65000"/>
+                      <a:lumOff val="35000"/>
+                      <a:alpha val="40000"/>
+                    </a:schemeClr>
+                  </a:glow>
+                  <a:outerShdw blurRad="28575" dist="38100" dir="14040000" algn="tl" rotWithShape="0">
+                    <a:srgbClr val="000000">
+                      <a:alpha val="25000"/>
+                    </a:srgbClr>
+                  </a:outerShdw>
+                </a:effectLst>
+              </a:defRPr>
+            </a:lvl1pPr>
+            <a:lvl2pPr>
+              <a:defRPr>
+                <a:solidFill>
+                  <a:schemeClr val="tx2"/>
+                </a:solidFill>
+              </a:defRPr>
+            </a:lvl2pPr>
+            <a:lvl3pPr>
+              <a:defRPr>
+                <a:solidFill>
+                  <a:schemeClr val="tx2"/>
+                </a:solidFill>
+              </a:defRPr>
+            </a:lvl3pPr>
+            <a:lvl4pPr>
+              <a:defRPr>
+                <a:solidFill>
+                  <a:schemeClr val="tx2"/>
+                </a:solidFill>
+              </a:defRPr>
+            </a:lvl4pPr>
+            <a:lvl5pPr>
+              <a:defRPr>
+                <a:solidFill>
+                  <a:schemeClr val="tx2"/>
+                </a:solidFill>
+              </a:defRPr>
+            </a:lvl5pPr>
+            <a:lvl6pPr>
+              <a:defRPr>
+                <a:solidFill>
+                  <a:schemeClr val="tx2"/>
+                </a:solidFill>
+              </a:defRPr>
+            </a:lvl6pPr>
+            <a:lvl7pPr>
+              <a:defRPr>
+                <a:solidFill>
+                  <a:schemeClr val="tx2"/>
+                </a:solidFill>
+              </a:defRPr>
+            </a:lvl7pPr>
+            <a:lvl8pPr>
+              <a:defRPr>
+                <a:solidFill>
+                  <a:schemeClr val="tx2"/>
+                </a:solidFill>
+              </a:defRPr>
+            </a:lvl8pPr>
+            <a:lvl9pPr>
+              <a:defRPr>
+                <a:solidFill>
+                  <a:schemeClr val="tx2"/>
+                </a:solidFill>
+              </a:defRPr>
+            </a:lvl9pPr>
+          </a:lstStyle>
+          <a:p>
+            <a:pPr lvl="0" algn="r"/>
+            <a:r>
+              <a:rPr lang="en-US" sz="8000" dirty="0">
+                <a:solidFill>
+                  <a:schemeClr val="tx1"/>
+                </a:solidFill>
+                <a:effectLst/>
+              </a:rPr>
+              <a:t>”</a:t>
+            </a:r>
+          </a:p>
+        </p:txBody>
+      </p:sp>
+    </p:spTree>
+    <p:extLst>
+      <p:ext uri="{BB962C8B-B14F-4D97-AF65-F5344CB8AC3E}">
+        <p14:creationId xmlns:p14="http://schemas.microsoft.com/office/powerpoint/2010/main" val="4156216722"/>
+      </p:ext>
+    </p:extLst>
+  </p:cSld>
+  <p:clrMapOvr>
+    <a:masterClrMapping/>
+  </p:clrMapOvr>
+</p:sldLayout>
+</file>
+
+<file path=ppt/slideLayouts/slideLayout13.xml><?xml version="1.0" encoding="utf-8"?>
+<p:sldLayout xmlns:a="http://schemas.openxmlformats.org/drawingml/2006/main" xmlns:r="http://schemas.openxmlformats.org/officeDocument/2006/relationships" xmlns:p="http://schemas.openxmlformats.org/presentationml/2006/main" preserve="1">
+  <p:cSld name="Carte nom">
+    <p:spTree>
+      <p:nvGrpSpPr>
+        <p:cNvPr id="1" name=""/>
+        <p:cNvGrpSpPr/>
+        <p:nvPr/>
+      </p:nvGrpSpPr>
+      <p:grpSpPr>
+        <a:xfrm>
+          <a:off x="0" y="0"/>
+          <a:ext cx="0" cy="0"/>
+          <a:chOff x="0" y="0"/>
+          <a:chExt cx="0" cy="0"/>
+        </a:xfrm>
+      </p:grpSpPr>
+      <p:sp>
+        <p:nvSpPr>
+          <p:cNvPr id="2" name="Title 1"/>
+          <p:cNvSpPr>
+            <a:spLocks noGrp="1"/>
+          </p:cNvSpPr>
+          <p:nvPr>
+            <p:ph type="title"/>
+          </p:nvPr>
+        </p:nvSpPr>
+        <p:spPr>
+          <a:xfrm>
+            <a:off x="685800" y="1723854"/>
+            <a:ext cx="10394707" cy="2511835"/>
+          </a:xfrm>
+        </p:spPr>
+        <p:txBody>
+          <a:bodyPr anchor="b">
+            <a:normAutofit/>
+          </a:bodyPr>
+          <a:lstStyle>
+            <a:lvl1pPr algn="l">
+              <a:defRPr sz="4800"/>
+            </a:lvl1pPr>
+          </a:lstStyle>
+          <a:p>
+            <a:r>
+              <a:rPr lang="fr-FR"/>
+              <a:t>Modifiez le style du titre</a:t>
+            </a:r>
+            <a:endParaRPr lang="en-US" dirty="0"/>
+          </a:p>
+        </p:txBody>
+      </p:sp>
+      <p:sp>
+        <p:nvSpPr>
+          <p:cNvPr id="4" name="Text Placeholder 3"/>
+          <p:cNvSpPr>
+            <a:spLocks noGrp="1"/>
+          </p:cNvSpPr>
+          <p:nvPr>
+            <p:ph type="body" sz="half" idx="2"/>
+          </p:nvPr>
+        </p:nvSpPr>
+        <p:spPr>
+          <a:xfrm>
+            <a:off x="685800" y="4247468"/>
+            <a:ext cx="10394707" cy="1140644"/>
+          </a:xfrm>
+        </p:spPr>
+        <p:txBody>
+          <a:bodyPr anchor="t">
+            <a:normAutofit/>
+          </a:bodyPr>
+          <a:lstStyle>
+            <a:lvl1pPr marL="0" indent="0" algn="l">
+              <a:buNone/>
+              <a:defRPr sz="1800"/>
+            </a:lvl1pPr>
+            <a:lvl2pPr marL="457200" indent="0">
+              <a:buNone/>
+              <a:defRPr sz="1400"/>
+            </a:lvl2pPr>
+            <a:lvl3pPr marL="914400" indent="0">
+              <a:buNone/>
+              <a:defRPr sz="1200"/>
+            </a:lvl3pPr>
+            <a:lvl4pPr marL="1371600" indent="0">
+              <a:buNone/>
+              <a:defRPr sz="1000"/>
+            </a:lvl4pPr>
+            <a:lvl5pPr marL="1828800" indent="0">
+              <a:buNone/>
+              <a:defRPr sz="1000"/>
+            </a:lvl5pPr>
+            <a:lvl6pPr marL="2286000" indent="0">
+              <a:buNone/>
+              <a:defRPr sz="1000"/>
+            </a:lvl6pPr>
+            <a:lvl7pPr marL="2743200" indent="0">
+              <a:buNone/>
+              <a:defRPr sz="1000"/>
+            </a:lvl7pPr>
+            <a:lvl8pPr marL="3200400" indent="0">
+              <a:buNone/>
+              <a:defRPr sz="1000"/>
+            </a:lvl8pPr>
+            <a:lvl9pPr marL="3657600" indent="0">
+              <a:buNone/>
+              <a:defRPr sz="1000"/>
+            </a:lvl9pPr>
+          </a:lstStyle>
+          <a:p>
+            <a:pPr lvl="0"/>
+            <a:r>
+              <a:rPr lang="fr-FR"/>
+              <a:t>Cliquez pour modifier les styles du texte du masque</a:t>
+            </a:r>
+          </a:p>
+        </p:txBody>
+      </p:sp>
+      <p:sp>
+        <p:nvSpPr>
+          <p:cNvPr id="5" name="Date Placeholder 4"/>
+          <p:cNvSpPr>
+            <a:spLocks noGrp="1"/>
+          </p:cNvSpPr>
+          <p:nvPr>
+            <p:ph type="dt" sz="half" idx="10"/>
+          </p:nvPr>
+        </p:nvSpPr>
+        <p:spPr/>
+        <p:txBody>
+          <a:bodyPr/>
+          <a:lstStyle/>
+          <a:p>
+            <a:fld id="{35D442AB-6860-B042-B086-2F1716AA4299}" type="datetimeFigureOut">
+              <a:rPr lang="fr-FR" smtClean="0"/>
+              <a:t>16/08/2021</a:t>
+            </a:fld>
+            <a:endParaRPr lang="fr-FR"/>
+          </a:p>
+        </p:txBody>
+      </p:sp>
+      <p:sp>
+        <p:nvSpPr>
+          <p:cNvPr id="6" name="Footer Placeholder 5"/>
+          <p:cNvSpPr>
+            <a:spLocks noGrp="1"/>
+          </p:cNvSpPr>
+          <p:nvPr>
+            <p:ph type="ftr" sz="quarter" idx="11"/>
+          </p:nvPr>
+        </p:nvSpPr>
+        <p:spPr/>
+        <p:txBody>
+          <a:bodyPr/>
+          <a:lstStyle/>
+          <a:p>
+            <a:endParaRPr lang="fr-FR"/>
+          </a:p>
+        </p:txBody>
+      </p:sp>
+      <p:sp>
+        <p:nvSpPr>
+          <p:cNvPr id="7" name="Slide Number Placeholder 6"/>
+          <p:cNvSpPr>
+            <a:spLocks noGrp="1"/>
+          </p:cNvSpPr>
+          <p:nvPr>
+            <p:ph type="sldNum" sz="quarter" idx="12"/>
+          </p:nvPr>
+        </p:nvSpPr>
+        <p:spPr/>
+        <p:txBody>
+          <a:bodyPr/>
+          <a:lstStyle/>
+          <a:p>
+            <a:fld id="{DD0A95D0-21AC-FC4F-B23B-8B8CC8E16049}" type="slidenum">
+              <a:rPr lang="fr-FR" smtClean="0"/>
+              <a:t>‹N°›</a:t>
+            </a:fld>
+            <a:endParaRPr lang="fr-FR"/>
+          </a:p>
+        </p:txBody>
+      </p:sp>
+    </p:spTree>
+    <p:extLst>
+      <p:ext uri="{BB962C8B-B14F-4D97-AF65-F5344CB8AC3E}">
+        <p14:creationId xmlns:p14="http://schemas.microsoft.com/office/powerpoint/2010/main" val="3731484393"/>
+      </p:ext>
+    </p:extLst>
+  </p:cSld>
+  <p:clrMapOvr>
+    <a:masterClrMapping/>
+  </p:clrMapOvr>
+</p:sldLayout>
+</file>
+
+<file path=ppt/slideLayouts/slideLayout14.xml><?xml version="1.0" encoding="utf-8"?>
+<p:sldLayout xmlns:a="http://schemas.openxmlformats.org/drawingml/2006/main" xmlns:r="http://schemas.openxmlformats.org/officeDocument/2006/relationships" xmlns:p="http://schemas.openxmlformats.org/presentationml/2006/main" preserve="1">
+  <p:cSld name="3 colonnes">
+    <p:spTree>
+      <p:nvGrpSpPr>
+        <p:cNvPr id="1" name=""/>
+        <p:cNvGrpSpPr/>
+        <p:nvPr/>
+      </p:nvGrpSpPr>
+      <p:grpSpPr>
+        <a:xfrm>
+          <a:off x="0" y="0"/>
+          <a:ext cx="0" cy="0"/>
+          <a:chOff x="0" y="0"/>
+          <a:chExt cx="0" cy="0"/>
+        </a:xfrm>
+      </p:grpSpPr>
+      <p:sp>
+        <p:nvSpPr>
+          <p:cNvPr id="15" name="Title 1"/>
+          <p:cNvSpPr>
+            <a:spLocks noGrp="1"/>
+          </p:cNvSpPr>
+          <p:nvPr>
+            <p:ph type="title"/>
+          </p:nvPr>
+        </p:nvSpPr>
+        <p:spPr>
+          <a:xfrm>
+            <a:off x="685802" y="685800"/>
+            <a:ext cx="10394706" cy="1151965"/>
+          </a:xfrm>
+        </p:spPr>
+        <p:txBody>
+          <a:bodyPr/>
+          <a:lstStyle>
+            <a:lvl1pPr algn="ctr">
+              <a:defRPr/>
+            </a:lvl1pPr>
+          </a:lstStyle>
+          <a:p>
+            <a:r>
+              <a:rPr lang="fr-FR"/>
+              <a:t>Modifiez le style du titre</a:t>
+            </a:r>
+            <a:endParaRPr lang="en-US" dirty="0"/>
+          </a:p>
+        </p:txBody>
+      </p:sp>
+      <p:sp>
+        <p:nvSpPr>
+          <p:cNvPr id="7" name="Text Placeholder 2"/>
+          <p:cNvSpPr>
+            <a:spLocks noGrp="1"/>
+          </p:cNvSpPr>
+          <p:nvPr>
+            <p:ph type="body" idx="1"/>
+          </p:nvPr>
+        </p:nvSpPr>
+        <p:spPr>
+          <a:xfrm>
+            <a:off x="685802" y="2063395"/>
+            <a:ext cx="3310128" cy="576262"/>
+          </a:xfrm>
+        </p:spPr>
+        <p:txBody>
+          <a:bodyPr anchor="b">
+            <a:noAutofit/>
+          </a:bodyPr>
+          <a:lstStyle>
+            <a:lvl1pPr marL="0" indent="0" algn="ctr">
+              <a:lnSpc>
+                <a:spcPct val="90000"/>
+              </a:lnSpc>
+              <a:buNone/>
+              <a:defRPr sz="2400" b="0">
+                <a:solidFill>
+                  <a:schemeClr val="accent1"/>
+                </a:solidFill>
+              </a:defRPr>
+            </a:lvl1pPr>
+            <a:lvl2pPr marL="457200" indent="0">
+              <a:buNone/>
+              <a:defRPr sz="2000" b="1"/>
+            </a:lvl2pPr>
+            <a:lvl3pPr marL="914400" indent="0">
+              <a:buNone/>
+              <a:defRPr sz="1800" b="1"/>
+            </a:lvl3pPr>
+            <a:lvl4pPr marL="1371600" indent="0">
+              <a:buNone/>
+              <a:defRPr sz="1600" b="1"/>
+            </a:lvl4pPr>
+            <a:lvl5pPr marL="1828800" indent="0">
+              <a:buNone/>
+              <a:defRPr sz="1600" b="1"/>
+            </a:lvl5pPr>
+            <a:lvl6pPr marL="2286000" indent="0">
+              <a:buNone/>
+              <a:defRPr sz="1600" b="1"/>
+            </a:lvl6pPr>
+            <a:lvl7pPr marL="2743200" indent="0">
+              <a:buNone/>
+              <a:defRPr sz="1600" b="1"/>
+            </a:lvl7pPr>
+            <a:lvl8pPr marL="3200400" indent="0">
+              <a:buNone/>
+              <a:defRPr sz="1600" b="1"/>
+            </a:lvl8pPr>
+            <a:lvl9pPr marL="3657600" indent="0">
+              <a:buNone/>
+              <a:defRPr sz="1600" b="1"/>
+            </a:lvl9pPr>
+          </a:lstStyle>
+          <a:p>
+            <a:pPr lvl="0"/>
+            <a:r>
+              <a:rPr lang="fr-FR"/>
+              <a:t>Cliquez pour modifier les styles du texte du masque</a:t>
+            </a:r>
+          </a:p>
+        </p:txBody>
+      </p:sp>
+      <p:sp>
+        <p:nvSpPr>
+          <p:cNvPr id="8" name="Text Placeholder 3"/>
+          <p:cNvSpPr>
+            <a:spLocks noGrp="1"/>
+          </p:cNvSpPr>
+          <p:nvPr>
+            <p:ph type="body" sz="half" idx="15"/>
+          </p:nvPr>
+        </p:nvSpPr>
+        <p:spPr>
+          <a:xfrm>
+            <a:off x="685802" y="2639658"/>
+            <a:ext cx="3310128" cy="2734928"/>
+          </a:xfrm>
+        </p:spPr>
+        <p:txBody>
+          <a:bodyPr anchor="t">
+            <a:normAutofit/>
+          </a:bodyPr>
+          <a:lstStyle>
+            <a:lvl1pPr marL="0" indent="0" algn="ctr">
+              <a:buNone/>
+              <a:defRPr sz="1400"/>
+            </a:lvl1pPr>
+            <a:lvl2pPr marL="457200" indent="0">
+              <a:buNone/>
+              <a:defRPr sz="1200"/>
+            </a:lvl2pPr>
+            <a:lvl3pPr marL="914400" indent="0">
+              <a:buNone/>
+              <a:defRPr sz="1000"/>
+            </a:lvl3pPr>
+            <a:lvl4pPr marL="1371600" indent="0">
+              <a:buNone/>
+              <a:defRPr sz="900"/>
+            </a:lvl4pPr>
+            <a:lvl5pPr marL="1828800" indent="0">
+              <a:buNone/>
+              <a:defRPr sz="900"/>
+            </a:lvl5pPr>
+            <a:lvl6pPr marL="2286000" indent="0">
+              <a:buNone/>
+              <a:defRPr sz="900"/>
+            </a:lvl6pPr>
+            <a:lvl7pPr marL="2743200" indent="0">
+              <a:buNone/>
+              <a:defRPr sz="900"/>
+            </a:lvl7pPr>
+            <a:lvl8pPr marL="3200400" indent="0">
+              <a:buNone/>
+              <a:defRPr sz="900"/>
+            </a:lvl8pPr>
+            <a:lvl9pPr marL="3657600" indent="0">
+              <a:buNone/>
+              <a:defRPr sz="900"/>
+            </a:lvl9pPr>
+          </a:lstStyle>
+          <a:p>
+            <a:pPr lvl="0"/>
+            <a:r>
+              <a:rPr lang="fr-FR"/>
+              <a:t>Cliquez pour modifier les styles du texte du masque</a:t>
+            </a:r>
+          </a:p>
+        </p:txBody>
+      </p:sp>
+      <p:sp>
+        <p:nvSpPr>
+          <p:cNvPr id="9" name="Text Placeholder 4"/>
+          <p:cNvSpPr>
+            <a:spLocks noGrp="1"/>
+          </p:cNvSpPr>
+          <p:nvPr>
+            <p:ph type="body" sz="quarter" idx="3"/>
+          </p:nvPr>
+        </p:nvSpPr>
+        <p:spPr>
+          <a:xfrm>
+            <a:off x="4234622" y="2063395"/>
+            <a:ext cx="3310128" cy="576262"/>
+          </a:xfrm>
+        </p:spPr>
+        <p:txBody>
+          <a:bodyPr anchor="b">
+            <a:noAutofit/>
+          </a:bodyPr>
+          <a:lstStyle>
+            <a:lvl1pPr marL="0" indent="0" algn="ctr">
+              <a:lnSpc>
+                <a:spcPct val="90000"/>
+              </a:lnSpc>
+              <a:buNone/>
+              <a:defRPr sz="2400" b="0">
+                <a:solidFill>
+                  <a:schemeClr val="accent1"/>
+                </a:solidFill>
+              </a:defRPr>
+            </a:lvl1pPr>
+            <a:lvl2pPr marL="457200" indent="0">
+              <a:buNone/>
+              <a:defRPr sz="2000" b="1"/>
+            </a:lvl2pPr>
+            <a:lvl3pPr marL="914400" indent="0">
+              <a:buNone/>
+              <a:defRPr sz="1800" b="1"/>
+            </a:lvl3pPr>
+            <a:lvl4pPr marL="1371600" indent="0">
+              <a:buNone/>
+              <a:defRPr sz="1600" b="1"/>
+            </a:lvl4pPr>
+            <a:lvl5pPr marL="1828800" indent="0">
+              <a:buNone/>
+              <a:defRPr sz="1600" b="1"/>
+            </a:lvl5pPr>
+            <a:lvl6pPr marL="2286000" indent="0">
+              <a:buNone/>
+              <a:defRPr sz="1600" b="1"/>
+            </a:lvl6pPr>
+            <a:lvl7pPr marL="2743200" indent="0">
+              <a:buNone/>
+              <a:defRPr sz="1600" b="1"/>
+            </a:lvl7pPr>
+            <a:lvl8pPr marL="3200400" indent="0">
+              <a:buNone/>
+              <a:defRPr sz="1600" b="1"/>
+            </a:lvl8pPr>
+            <a:lvl9pPr marL="3657600" indent="0">
+              <a:buNone/>
+              <a:defRPr sz="1600" b="1"/>
+            </a:lvl9pPr>
+          </a:lstStyle>
+          <a:p>
+            <a:pPr lvl="0"/>
+            <a:r>
+              <a:rPr lang="fr-FR"/>
+              <a:t>Cliquez pour modifier les styles du texte du masque</a:t>
+            </a:r>
+          </a:p>
+        </p:txBody>
+      </p:sp>
+      <p:sp>
+        <p:nvSpPr>
+          <p:cNvPr id="10" name="Text Placeholder 3"/>
+          <p:cNvSpPr>
+            <a:spLocks noGrp="1"/>
+          </p:cNvSpPr>
+          <p:nvPr>
+            <p:ph type="body" sz="half" idx="16"/>
+          </p:nvPr>
+        </p:nvSpPr>
+        <p:spPr>
+          <a:xfrm>
+            <a:off x="4234621" y="2639658"/>
+            <a:ext cx="3310128" cy="2734928"/>
+          </a:xfrm>
+        </p:spPr>
+        <p:txBody>
+          <a:bodyPr anchor="t">
+            <a:normAutofit/>
+          </a:bodyPr>
+          <a:lstStyle>
+            <a:lvl1pPr marL="0" indent="0" algn="ctr">
+              <a:buNone/>
+              <a:defRPr sz="1400"/>
+            </a:lvl1pPr>
+            <a:lvl2pPr marL="457200" indent="0">
+              <a:buNone/>
+              <a:defRPr sz="1200"/>
+            </a:lvl2pPr>
+            <a:lvl3pPr marL="914400" indent="0">
+              <a:buNone/>
+              <a:defRPr sz="1000"/>
+            </a:lvl3pPr>
+            <a:lvl4pPr marL="1371600" indent="0">
+              <a:buNone/>
+              <a:defRPr sz="900"/>
+            </a:lvl4pPr>
+            <a:lvl5pPr marL="1828800" indent="0">
+              <a:buNone/>
+              <a:defRPr sz="900"/>
+            </a:lvl5pPr>
+            <a:lvl6pPr marL="2286000" indent="0">
+              <a:buNone/>
+              <a:defRPr sz="900"/>
+            </a:lvl6pPr>
+            <a:lvl7pPr marL="2743200" indent="0">
+              <a:buNone/>
+              <a:defRPr sz="900"/>
+            </a:lvl7pPr>
+            <a:lvl8pPr marL="3200400" indent="0">
+              <a:buNone/>
+              <a:defRPr sz="900"/>
+            </a:lvl8pPr>
+            <a:lvl9pPr marL="3657600" indent="0">
+              <a:buNone/>
+              <a:defRPr sz="900"/>
+            </a:lvl9pPr>
+          </a:lstStyle>
+          <a:p>
+            <a:pPr lvl="0"/>
+            <a:r>
+              <a:rPr lang="fr-FR"/>
+              <a:t>Cliquez pour modifier les styles du texte du masque</a:t>
+            </a:r>
+          </a:p>
+        </p:txBody>
+      </p:sp>
+      <p:sp>
+        <p:nvSpPr>
+          <p:cNvPr id="11" name="Text Placeholder 4"/>
+          <p:cNvSpPr>
+            <a:spLocks noGrp="1"/>
+          </p:cNvSpPr>
+          <p:nvPr>
+            <p:ph type="body" sz="quarter" idx="13"/>
+          </p:nvPr>
+        </p:nvSpPr>
+        <p:spPr>
+          <a:xfrm>
+            <a:off x="7770380" y="2063395"/>
+            <a:ext cx="3310128" cy="576262"/>
+          </a:xfrm>
+        </p:spPr>
+        <p:txBody>
+          <a:bodyPr anchor="b">
+            <a:noAutofit/>
+          </a:bodyPr>
+          <a:lstStyle>
+            <a:lvl1pPr marL="0" indent="0" algn="ctr">
+              <a:lnSpc>
+                <a:spcPct val="90000"/>
+              </a:lnSpc>
+              <a:buNone/>
+              <a:defRPr sz="2400" b="0">
+                <a:solidFill>
+                  <a:schemeClr val="accent1"/>
+                </a:solidFill>
+              </a:defRPr>
+            </a:lvl1pPr>
+            <a:lvl2pPr marL="457200" indent="0">
+              <a:buNone/>
+              <a:defRPr sz="2000" b="1"/>
+            </a:lvl2pPr>
+            <a:lvl3pPr marL="914400" indent="0">
+              <a:buNone/>
+              <a:defRPr sz="1800" b="1"/>
+            </a:lvl3pPr>
+            <a:lvl4pPr marL="1371600" indent="0">
+              <a:buNone/>
+              <a:defRPr sz="1600" b="1"/>
+            </a:lvl4pPr>
+            <a:lvl5pPr marL="1828800" indent="0">
+              <a:buNone/>
+              <a:defRPr sz="1600" b="1"/>
+            </a:lvl5pPr>
+            <a:lvl6pPr marL="2286000" indent="0">
+              <a:buNone/>
+              <a:defRPr sz="1600" b="1"/>
+            </a:lvl6pPr>
+            <a:lvl7pPr marL="2743200" indent="0">
+              <a:buNone/>
+              <a:defRPr sz="1600" b="1"/>
+            </a:lvl7pPr>
+            <a:lvl8pPr marL="3200400" indent="0">
+              <a:buNone/>
+              <a:defRPr sz="1600" b="1"/>
+            </a:lvl8pPr>
+            <a:lvl9pPr marL="3657600" indent="0">
+              <a:buNone/>
+              <a:defRPr sz="1600" b="1"/>
+            </a:lvl9pPr>
+          </a:lstStyle>
+          <a:p>
+            <a:pPr lvl="0"/>
+            <a:r>
+              <a:rPr lang="fr-FR"/>
+              <a:t>Cliquez pour modifier les styles du texte du masque</a:t>
+            </a:r>
+          </a:p>
+        </p:txBody>
+      </p:sp>
+      <p:sp>
+        <p:nvSpPr>
+          <p:cNvPr id="12" name="Text Placeholder 3"/>
+          <p:cNvSpPr>
+            <a:spLocks noGrp="1"/>
+          </p:cNvSpPr>
+          <p:nvPr>
+            <p:ph type="body" sz="half" idx="17"/>
+          </p:nvPr>
+        </p:nvSpPr>
+        <p:spPr>
+          <a:xfrm>
+            <a:off x="7770380" y="2639658"/>
+            <a:ext cx="3310128" cy="2734928"/>
+          </a:xfrm>
+        </p:spPr>
+        <p:txBody>
+          <a:bodyPr anchor="t">
+            <a:normAutofit/>
+          </a:bodyPr>
+          <a:lstStyle>
+            <a:lvl1pPr marL="0" indent="0" algn="ctr">
+              <a:buNone/>
+              <a:defRPr sz="1400"/>
+            </a:lvl1pPr>
+            <a:lvl2pPr marL="457200" indent="0">
+              <a:buNone/>
+              <a:defRPr sz="1200"/>
+            </a:lvl2pPr>
+            <a:lvl3pPr marL="914400" indent="0">
+              <a:buNone/>
+              <a:defRPr sz="1000"/>
+            </a:lvl3pPr>
+            <a:lvl4pPr marL="1371600" indent="0">
+              <a:buNone/>
+              <a:defRPr sz="900"/>
+            </a:lvl4pPr>
+            <a:lvl5pPr marL="1828800" indent="0">
+              <a:buNone/>
+              <a:defRPr sz="900"/>
+            </a:lvl5pPr>
+            <a:lvl6pPr marL="2286000" indent="0">
+              <a:buNone/>
+              <a:defRPr sz="900"/>
+            </a:lvl6pPr>
+            <a:lvl7pPr marL="2743200" indent="0">
+              <a:buNone/>
+              <a:defRPr sz="900"/>
+            </a:lvl7pPr>
+            <a:lvl8pPr marL="3200400" indent="0">
+              <a:buNone/>
+              <a:defRPr sz="900"/>
+            </a:lvl8pPr>
+            <a:lvl9pPr marL="3657600" indent="0">
+              <a:buNone/>
+              <a:defRPr sz="900"/>
+            </a:lvl9pPr>
+          </a:lstStyle>
+          <a:p>
+            <a:pPr lvl="0"/>
+            <a:r>
+              <a:rPr lang="fr-FR"/>
+              <a:t>Cliquez pour modifier les styles du texte du masque</a:t>
+            </a:r>
+          </a:p>
+        </p:txBody>
+      </p:sp>
+      <p:sp>
+        <p:nvSpPr>
+          <p:cNvPr id="3" name="Date Placeholder 2"/>
+          <p:cNvSpPr>
+            <a:spLocks noGrp="1"/>
+          </p:cNvSpPr>
+          <p:nvPr>
+            <p:ph type="dt" sz="half" idx="10"/>
+          </p:nvPr>
+        </p:nvSpPr>
+        <p:spPr/>
+        <p:txBody>
+          <a:bodyPr/>
+          <a:lstStyle/>
+          <a:p>
+            <a:fld id="{35D442AB-6860-B042-B086-2F1716AA4299}" type="datetimeFigureOut">
+              <a:rPr lang="fr-FR" smtClean="0"/>
+              <a:t>16/08/2021</a:t>
+            </a:fld>
+            <a:endParaRPr lang="fr-FR"/>
+          </a:p>
+        </p:txBody>
+      </p:sp>
+      <p:sp>
+        <p:nvSpPr>
+          <p:cNvPr id="4" name="Footer Placeholder 3"/>
+          <p:cNvSpPr>
+            <a:spLocks noGrp="1"/>
+          </p:cNvSpPr>
+          <p:nvPr>
+            <p:ph type="ftr" sz="quarter" idx="11"/>
+          </p:nvPr>
+        </p:nvSpPr>
+        <p:spPr/>
+        <p:txBody>
+          <a:bodyPr/>
+          <a:lstStyle/>
+          <a:p>
+            <a:endParaRPr lang="fr-FR"/>
+          </a:p>
+        </p:txBody>
+      </p:sp>
+      <p:sp>
+        <p:nvSpPr>
+          <p:cNvPr id="5" name="Slide Number Placeholder 4"/>
+          <p:cNvSpPr>
+            <a:spLocks noGrp="1"/>
+          </p:cNvSpPr>
+          <p:nvPr>
+            <p:ph type="sldNum" sz="quarter" idx="12"/>
+          </p:nvPr>
+        </p:nvSpPr>
+        <p:spPr/>
+        <p:txBody>
+          <a:bodyPr/>
+          <a:lstStyle/>
+          <a:p>
+            <a:fld id="{DD0A95D0-21AC-FC4F-B23B-8B8CC8E16049}" type="slidenum">
+              <a:rPr lang="fr-FR" smtClean="0"/>
+              <a:t>‹N°›</a:t>
+            </a:fld>
+            <a:endParaRPr lang="fr-FR"/>
+          </a:p>
+        </p:txBody>
+      </p:sp>
+    </p:spTree>
+    <p:extLst>
+      <p:ext uri="{BB962C8B-B14F-4D97-AF65-F5344CB8AC3E}">
+        <p14:creationId xmlns:p14="http://schemas.microsoft.com/office/powerpoint/2010/main" val="1290684330"/>
+      </p:ext>
+    </p:extLst>
+  </p:cSld>
+  <p:clrMapOvr>
+    <a:masterClrMapping/>
+  </p:clrMapOvr>
+</p:sldLayout>
+</file>
+
+<file path=ppt/slideLayouts/slideLayout15.xml><?xml version="1.0" encoding="utf-8"?>
+<p:sldLayout xmlns:a="http://schemas.openxmlformats.org/drawingml/2006/main" xmlns:r="http://schemas.openxmlformats.org/officeDocument/2006/relationships" xmlns:p="http://schemas.openxmlformats.org/presentationml/2006/main" preserve="1">
+  <p:cSld name="3 colonnes d’image">
+    <p:spTree>
+      <p:nvGrpSpPr>
+        <p:cNvPr id="1" name=""/>
+        <p:cNvGrpSpPr/>
+        <p:nvPr/>
+      </p:nvGrpSpPr>
+      <p:grpSpPr>
+        <a:xfrm>
+          <a:off x="0" y="0"/>
+          <a:ext cx="0" cy="0"/>
+          <a:chOff x="0" y="0"/>
+          <a:chExt cx="0" cy="0"/>
+        </a:xfrm>
+      </p:grpSpPr>
+      <p:sp>
+        <p:nvSpPr>
+          <p:cNvPr id="30" name="Title 1"/>
+          <p:cNvSpPr>
+            <a:spLocks noGrp="1"/>
+          </p:cNvSpPr>
+          <p:nvPr>
+            <p:ph type="title"/>
+          </p:nvPr>
+        </p:nvSpPr>
+        <p:spPr>
+          <a:xfrm>
+            <a:off x="685801" y="685800"/>
+            <a:ext cx="10396882" cy="1151965"/>
+          </a:xfrm>
+        </p:spPr>
+        <p:txBody>
+          <a:bodyPr/>
+          <a:lstStyle>
+            <a:lvl1pPr algn="ctr">
+              <a:defRPr/>
+            </a:lvl1pPr>
+          </a:lstStyle>
+          <a:p>
+            <a:r>
+              <a:rPr lang="fr-FR"/>
+              <a:t>Modifiez le style du titre</a:t>
+            </a:r>
+            <a:endParaRPr lang="en-US" dirty="0"/>
+          </a:p>
+        </p:txBody>
+      </p:sp>
+      <p:sp>
+        <p:nvSpPr>
+          <p:cNvPr id="19" name="Text Placeholder 2"/>
+          <p:cNvSpPr>
+            <a:spLocks noGrp="1"/>
+          </p:cNvSpPr>
+          <p:nvPr>
+            <p:ph type="body" idx="1"/>
+          </p:nvPr>
+        </p:nvSpPr>
+        <p:spPr>
+          <a:xfrm>
+            <a:off x="691840" y="3813025"/>
+            <a:ext cx="3310128" cy="576262"/>
+          </a:xfrm>
+        </p:spPr>
+        <p:txBody>
+          <a:bodyPr anchor="b">
+            <a:noAutofit/>
+          </a:bodyPr>
+          <a:lstStyle>
+            <a:lvl1pPr marL="0" indent="0" algn="ctr">
+              <a:lnSpc>
+                <a:spcPct val="90000"/>
+              </a:lnSpc>
+              <a:buNone/>
+              <a:defRPr sz="2200" b="0">
+                <a:solidFill>
+                  <a:schemeClr val="accent1"/>
+                </a:solidFill>
+              </a:defRPr>
+            </a:lvl1pPr>
+            <a:lvl2pPr marL="457200" indent="0">
+              <a:buNone/>
+              <a:defRPr sz="2000" b="1"/>
+            </a:lvl2pPr>
+            <a:lvl3pPr marL="914400" indent="0">
+              <a:buNone/>
+              <a:defRPr sz="1800" b="1"/>
+            </a:lvl3pPr>
+            <a:lvl4pPr marL="1371600" indent="0">
+              <a:buNone/>
+              <a:defRPr sz="1600" b="1"/>
+            </a:lvl4pPr>
+            <a:lvl5pPr marL="1828800" indent="0">
+              <a:buNone/>
+              <a:defRPr sz="1600" b="1"/>
+            </a:lvl5pPr>
+            <a:lvl6pPr marL="2286000" indent="0">
+              <a:buNone/>
+              <a:defRPr sz="1600" b="1"/>
+            </a:lvl6pPr>
+            <a:lvl7pPr marL="2743200" indent="0">
+              <a:buNone/>
+              <a:defRPr sz="1600" b="1"/>
+            </a:lvl7pPr>
+            <a:lvl8pPr marL="3200400" indent="0">
+              <a:buNone/>
+              <a:defRPr sz="1600" b="1"/>
+            </a:lvl8pPr>
+            <a:lvl9pPr marL="3657600" indent="0">
+              <a:buNone/>
+              <a:defRPr sz="1600" b="1"/>
+            </a:lvl9pPr>
+          </a:lstStyle>
+          <a:p>
+            <a:pPr lvl="0"/>
+            <a:r>
+              <a:rPr lang="fr-FR"/>
+              <a:t>Cliquez pour modifier les styles du texte du masque</a:t>
+            </a:r>
+          </a:p>
+        </p:txBody>
+      </p:sp>
+      <p:sp>
+        <p:nvSpPr>
+          <p:cNvPr id="20" name="Picture Placeholder 2"/>
+          <p:cNvSpPr>
+            <a:spLocks noGrp="1" noChangeAspect="1"/>
+          </p:cNvSpPr>
+          <p:nvPr>
+            <p:ph type="pic" idx="15"/>
+          </p:nvPr>
+        </p:nvSpPr>
+        <p:spPr>
+          <a:xfrm>
+            <a:off x="685780" y="2063395"/>
+            <a:ext cx="3310128" cy="1536725"/>
+          </a:xfrm>
+          <a:prstGeom prst="roundRect">
+            <a:avLst>
+              <a:gd name="adj" fmla="val 0"/>
+            </a:avLst>
+          </a:prstGeom>
+          <a:ln w="57150" cmpd="thinThick">
+            <a:solidFill>
+              <a:schemeClr val="bg1">
+                <a:lumMod val="50000"/>
+              </a:schemeClr>
+            </a:solidFill>
+            <a:miter lim="800000"/>
+          </a:ln>
+        </p:spPr>
+        <p:txBody>
+          <a:bodyPr anchor="t">
+            <a:normAutofit/>
+          </a:bodyPr>
+          <a:lstStyle>
+            <a:lvl1pPr marL="0" indent="0" algn="ctr">
+              <a:buNone/>
+              <a:defRPr sz="1600"/>
+            </a:lvl1pPr>
+            <a:lvl2pPr marL="457200" indent="0">
+              <a:buNone/>
+              <a:defRPr sz="1600"/>
+            </a:lvl2pPr>
+            <a:lvl3pPr marL="914400" indent="0">
+              <a:buNone/>
+              <a:defRPr sz="1600"/>
+            </a:lvl3pPr>
+            <a:lvl4pPr marL="1371600" indent="0">
+              <a:buNone/>
+              <a:defRPr sz="1600"/>
+            </a:lvl4pPr>
+            <a:lvl5pPr marL="1828800" indent="0">
+              <a:buNone/>
+              <a:defRPr sz="1600"/>
+            </a:lvl5pPr>
+            <a:lvl6pPr marL="2286000" indent="0">
+              <a:buNone/>
+              <a:defRPr sz="1600"/>
+            </a:lvl6pPr>
+            <a:lvl7pPr marL="2743200" indent="0">
+              <a:buNone/>
+              <a:defRPr sz="1600"/>
+            </a:lvl7pPr>
+            <a:lvl8pPr marL="3200400" indent="0">
+              <a:buNone/>
+              <a:defRPr sz="1600"/>
+            </a:lvl8pPr>
+            <a:lvl9pPr marL="3657600" indent="0">
+              <a:buNone/>
+              <a:defRPr sz="1600"/>
+            </a:lvl9pPr>
+          </a:lstStyle>
+          <a:p>
+            <a:r>
+              <a:rPr lang="fr-FR"/>
+              <a:t>Cliquez sur l'icône pour ajouter une image</a:t>
+            </a:r>
+            <a:endParaRPr lang="en-US" dirty="0"/>
+          </a:p>
+        </p:txBody>
+      </p:sp>
+      <p:sp>
+        <p:nvSpPr>
+          <p:cNvPr id="21" name="Text Placeholder 3"/>
+          <p:cNvSpPr>
+            <a:spLocks noGrp="1"/>
+          </p:cNvSpPr>
+          <p:nvPr>
+            <p:ph type="body" sz="half" idx="18"/>
+          </p:nvPr>
+        </p:nvSpPr>
+        <p:spPr>
+          <a:xfrm>
+            <a:off x="691840" y="4389287"/>
+            <a:ext cx="3310128" cy="985299"/>
+          </a:xfrm>
+        </p:spPr>
+        <p:txBody>
+          <a:bodyPr anchor="t">
+            <a:normAutofit/>
+          </a:bodyPr>
+          <a:lstStyle>
+            <a:lvl1pPr marL="0" indent="0" algn="ctr">
+              <a:buNone/>
+              <a:defRPr sz="1400"/>
+            </a:lvl1pPr>
+            <a:lvl2pPr marL="457200" indent="0">
+              <a:buNone/>
+              <a:defRPr sz="1200"/>
+            </a:lvl2pPr>
+            <a:lvl3pPr marL="914400" indent="0">
+              <a:buNone/>
+              <a:defRPr sz="1000"/>
+            </a:lvl3pPr>
+            <a:lvl4pPr marL="1371600" indent="0">
+              <a:buNone/>
+              <a:defRPr sz="900"/>
+            </a:lvl4pPr>
+            <a:lvl5pPr marL="1828800" indent="0">
+              <a:buNone/>
+              <a:defRPr sz="900"/>
+            </a:lvl5pPr>
+            <a:lvl6pPr marL="2286000" indent="0">
+              <a:buNone/>
+              <a:defRPr sz="900"/>
+            </a:lvl6pPr>
+            <a:lvl7pPr marL="2743200" indent="0">
+              <a:buNone/>
+              <a:defRPr sz="900"/>
+            </a:lvl7pPr>
+            <a:lvl8pPr marL="3200400" indent="0">
+              <a:buNone/>
+              <a:defRPr sz="900"/>
+            </a:lvl8pPr>
+            <a:lvl9pPr marL="3657600" indent="0">
+              <a:buNone/>
+              <a:defRPr sz="900"/>
+            </a:lvl9pPr>
+          </a:lstStyle>
+          <a:p>
+            <a:pPr lvl="0"/>
+            <a:r>
+              <a:rPr lang="fr-FR"/>
+              <a:t>Cliquez pour modifier les styles du texte du masque</a:t>
+            </a:r>
+          </a:p>
+        </p:txBody>
+      </p:sp>
+      <p:sp>
+        <p:nvSpPr>
+          <p:cNvPr id="22" name="Text Placeholder 4"/>
+          <p:cNvSpPr>
+            <a:spLocks noGrp="1"/>
+          </p:cNvSpPr>
+          <p:nvPr>
+            <p:ph type="body" sz="quarter" idx="3"/>
+          </p:nvPr>
+        </p:nvSpPr>
+        <p:spPr>
+          <a:xfrm>
+            <a:off x="4237410" y="3813025"/>
+            <a:ext cx="3310128" cy="576262"/>
+          </a:xfrm>
+        </p:spPr>
+        <p:txBody>
+          <a:bodyPr anchor="b">
+            <a:noAutofit/>
+          </a:bodyPr>
+          <a:lstStyle>
+            <a:lvl1pPr marL="0" indent="0" algn="ctr">
+              <a:lnSpc>
+                <a:spcPct val="90000"/>
+              </a:lnSpc>
+              <a:buNone/>
+              <a:defRPr sz="2200" b="0">
+                <a:solidFill>
+                  <a:schemeClr val="accent1"/>
+                </a:solidFill>
+              </a:defRPr>
+            </a:lvl1pPr>
+            <a:lvl2pPr marL="457200" indent="0">
+              <a:buNone/>
+              <a:defRPr sz="2000" b="1"/>
+            </a:lvl2pPr>
+            <a:lvl3pPr marL="914400" indent="0">
+              <a:buNone/>
+              <a:defRPr sz="1800" b="1"/>
+            </a:lvl3pPr>
+            <a:lvl4pPr marL="1371600" indent="0">
+              <a:buNone/>
+              <a:defRPr sz="1600" b="1"/>
+            </a:lvl4pPr>
+            <a:lvl5pPr marL="1828800" indent="0">
+              <a:buNone/>
+              <a:defRPr sz="1600" b="1"/>
+            </a:lvl5pPr>
+            <a:lvl6pPr marL="2286000" indent="0">
+              <a:buNone/>
+              <a:defRPr sz="1600" b="1"/>
+            </a:lvl6pPr>
+            <a:lvl7pPr marL="2743200" indent="0">
+              <a:buNone/>
+              <a:defRPr sz="1600" b="1"/>
+            </a:lvl7pPr>
+            <a:lvl8pPr marL="3200400" indent="0">
+              <a:buNone/>
+              <a:defRPr sz="1600" b="1"/>
+            </a:lvl8pPr>
+            <a:lvl9pPr marL="3657600" indent="0">
+              <a:buNone/>
+              <a:defRPr sz="1600" b="1"/>
+            </a:lvl9pPr>
+          </a:lstStyle>
+          <a:p>
+            <a:pPr lvl="0"/>
+            <a:r>
+              <a:rPr lang="fr-FR"/>
+              <a:t>Cliquez pour modifier les styles du texte du masque</a:t>
+            </a:r>
+          </a:p>
+        </p:txBody>
+      </p:sp>
+      <p:sp>
+        <p:nvSpPr>
+          <p:cNvPr id="23" name="Picture Placeholder 2"/>
+          <p:cNvSpPr>
+            <a:spLocks noGrp="1" noChangeAspect="1"/>
+          </p:cNvSpPr>
+          <p:nvPr>
+            <p:ph type="pic" idx="21"/>
+          </p:nvPr>
+        </p:nvSpPr>
+        <p:spPr>
+          <a:xfrm>
+            <a:off x="4235999" y="2063395"/>
+            <a:ext cx="3310128" cy="1535237"/>
+          </a:xfrm>
+          <a:prstGeom prst="roundRect">
+            <a:avLst>
+              <a:gd name="adj" fmla="val 0"/>
+            </a:avLst>
+          </a:prstGeom>
+          <a:ln w="57150" cmpd="thinThick">
+            <a:solidFill>
+              <a:schemeClr val="bg1">
+                <a:lumMod val="50000"/>
+              </a:schemeClr>
+            </a:solidFill>
+            <a:miter lim="800000"/>
+          </a:ln>
+        </p:spPr>
+        <p:txBody>
+          <a:bodyPr anchor="t">
+            <a:normAutofit/>
+          </a:bodyPr>
+          <a:lstStyle>
+            <a:lvl1pPr marL="0" indent="0" algn="ctr">
+              <a:buNone/>
+              <a:defRPr sz="1600"/>
+            </a:lvl1pPr>
+            <a:lvl2pPr marL="457200" indent="0">
+              <a:buNone/>
+              <a:defRPr sz="1600"/>
+            </a:lvl2pPr>
+            <a:lvl3pPr marL="914400" indent="0">
+              <a:buNone/>
+              <a:defRPr sz="1600"/>
+            </a:lvl3pPr>
+            <a:lvl4pPr marL="1371600" indent="0">
+              <a:buNone/>
+              <a:defRPr sz="1600"/>
+            </a:lvl4pPr>
+            <a:lvl5pPr marL="1828800" indent="0">
+              <a:buNone/>
+              <a:defRPr sz="1600"/>
+            </a:lvl5pPr>
+            <a:lvl6pPr marL="2286000" indent="0">
+              <a:buNone/>
+              <a:defRPr sz="1600"/>
+            </a:lvl6pPr>
+            <a:lvl7pPr marL="2743200" indent="0">
+              <a:buNone/>
+              <a:defRPr sz="1600"/>
+            </a:lvl7pPr>
+            <a:lvl8pPr marL="3200400" indent="0">
+              <a:buNone/>
+              <a:defRPr sz="1600"/>
+            </a:lvl8pPr>
+            <a:lvl9pPr marL="3657600" indent="0">
+              <a:buNone/>
+              <a:defRPr sz="1600"/>
+            </a:lvl9pPr>
+          </a:lstStyle>
+          <a:p>
+            <a:r>
+              <a:rPr lang="fr-FR"/>
+              <a:t>Cliquez sur l'icône pour ajouter une image</a:t>
+            </a:r>
+            <a:endParaRPr lang="en-US" dirty="0"/>
+          </a:p>
+        </p:txBody>
+      </p:sp>
+      <p:sp>
+        <p:nvSpPr>
+          <p:cNvPr id="24" name="Text Placeholder 3"/>
+          <p:cNvSpPr>
+            <a:spLocks noGrp="1"/>
+          </p:cNvSpPr>
+          <p:nvPr>
+            <p:ph type="body" sz="half" idx="19"/>
+          </p:nvPr>
+        </p:nvSpPr>
+        <p:spPr>
+          <a:xfrm>
+            <a:off x="4235999" y="4389286"/>
+            <a:ext cx="3310128" cy="985300"/>
+          </a:xfrm>
+        </p:spPr>
+        <p:txBody>
+          <a:bodyPr anchor="t">
+            <a:normAutofit/>
+          </a:bodyPr>
+          <a:lstStyle>
+            <a:lvl1pPr marL="0" indent="0" algn="ctr">
+              <a:buNone/>
+              <a:defRPr sz="1400"/>
+            </a:lvl1pPr>
+            <a:lvl2pPr marL="457200" indent="0">
+              <a:buNone/>
+              <a:defRPr sz="1200"/>
+            </a:lvl2pPr>
+            <a:lvl3pPr marL="914400" indent="0">
+              <a:buNone/>
+              <a:defRPr sz="1000"/>
+            </a:lvl3pPr>
+            <a:lvl4pPr marL="1371600" indent="0">
+              <a:buNone/>
+              <a:defRPr sz="900"/>
+            </a:lvl4pPr>
+            <a:lvl5pPr marL="1828800" indent="0">
+              <a:buNone/>
+              <a:defRPr sz="900"/>
+            </a:lvl5pPr>
+            <a:lvl6pPr marL="2286000" indent="0">
+              <a:buNone/>
+              <a:defRPr sz="900"/>
+            </a:lvl6pPr>
+            <a:lvl7pPr marL="2743200" indent="0">
+              <a:buNone/>
+              <a:defRPr sz="900"/>
+            </a:lvl7pPr>
+            <a:lvl8pPr marL="3200400" indent="0">
+              <a:buNone/>
+              <a:defRPr sz="900"/>
+            </a:lvl8pPr>
+            <a:lvl9pPr marL="3657600" indent="0">
+              <a:buNone/>
+              <a:defRPr sz="900"/>
+            </a:lvl9pPr>
+          </a:lstStyle>
+          <a:p>
+            <a:pPr lvl="0"/>
+            <a:r>
+              <a:rPr lang="fr-FR"/>
+              <a:t>Cliquez pour modifier les styles du texte du masque</a:t>
+            </a:r>
+          </a:p>
+        </p:txBody>
+      </p:sp>
+      <p:sp>
+        <p:nvSpPr>
+          <p:cNvPr id="25" name="Text Placeholder 4"/>
+          <p:cNvSpPr>
+            <a:spLocks noGrp="1"/>
+          </p:cNvSpPr>
+          <p:nvPr>
+            <p:ph type="body" sz="quarter" idx="13"/>
+          </p:nvPr>
+        </p:nvSpPr>
+        <p:spPr>
+          <a:xfrm>
+            <a:off x="7768944" y="3813025"/>
+            <a:ext cx="3310128" cy="576262"/>
+          </a:xfrm>
+        </p:spPr>
+        <p:txBody>
+          <a:bodyPr anchor="b">
+            <a:noAutofit/>
+          </a:bodyPr>
+          <a:lstStyle>
+            <a:lvl1pPr marL="0" indent="0" algn="ctr">
+              <a:lnSpc>
+                <a:spcPct val="90000"/>
+              </a:lnSpc>
+              <a:buNone/>
+              <a:defRPr sz="2200" b="0">
+                <a:solidFill>
+                  <a:schemeClr val="accent1"/>
+                </a:solidFill>
+              </a:defRPr>
+            </a:lvl1pPr>
+            <a:lvl2pPr marL="457200" indent="0">
+              <a:buNone/>
+              <a:defRPr sz="2000" b="1"/>
+            </a:lvl2pPr>
+            <a:lvl3pPr marL="914400" indent="0">
+              <a:buNone/>
+              <a:defRPr sz="1800" b="1"/>
+            </a:lvl3pPr>
+            <a:lvl4pPr marL="1371600" indent="0">
+              <a:buNone/>
+              <a:defRPr sz="1600" b="1"/>
+            </a:lvl4pPr>
+            <a:lvl5pPr marL="1828800" indent="0">
+              <a:buNone/>
+              <a:defRPr sz="1600" b="1"/>
+            </a:lvl5pPr>
+            <a:lvl6pPr marL="2286000" indent="0">
+              <a:buNone/>
+              <a:defRPr sz="1600" b="1"/>
+            </a:lvl6pPr>
+            <a:lvl7pPr marL="2743200" indent="0">
+              <a:buNone/>
+              <a:defRPr sz="1600" b="1"/>
+            </a:lvl7pPr>
+            <a:lvl8pPr marL="3200400" indent="0">
+              <a:buNone/>
+              <a:defRPr sz="1600" b="1"/>
+            </a:lvl8pPr>
+            <a:lvl9pPr marL="3657600" indent="0">
+              <a:buNone/>
+              <a:defRPr sz="1600" b="1"/>
+            </a:lvl9pPr>
+          </a:lstStyle>
+          <a:p>
+            <a:pPr lvl="0"/>
+            <a:r>
+              <a:rPr lang="fr-FR"/>
+              <a:t>Cliquez pour modifier les styles du texte du masque</a:t>
+            </a:r>
+          </a:p>
+        </p:txBody>
+      </p:sp>
+      <p:sp>
+        <p:nvSpPr>
+          <p:cNvPr id="26" name="Picture Placeholder 2"/>
+          <p:cNvSpPr>
+            <a:spLocks noGrp="1" noChangeAspect="1"/>
+          </p:cNvSpPr>
+          <p:nvPr>
+            <p:ph type="pic" idx="22"/>
+          </p:nvPr>
+        </p:nvSpPr>
+        <p:spPr>
+          <a:xfrm>
+            <a:off x="7768819" y="2063394"/>
+            <a:ext cx="3310128" cy="1537196"/>
+          </a:xfrm>
+          <a:prstGeom prst="roundRect">
+            <a:avLst>
+              <a:gd name="adj" fmla="val 0"/>
+            </a:avLst>
+          </a:prstGeom>
+          <a:ln w="57150" cmpd="thinThick">
+            <a:solidFill>
+              <a:schemeClr val="bg1">
+                <a:lumMod val="50000"/>
+              </a:schemeClr>
+            </a:solidFill>
+            <a:miter lim="800000"/>
+          </a:ln>
+        </p:spPr>
+        <p:txBody>
+          <a:bodyPr anchor="t">
+            <a:normAutofit/>
+          </a:bodyPr>
+          <a:lstStyle>
+            <a:lvl1pPr marL="0" indent="0" algn="ctr">
+              <a:buNone/>
+              <a:defRPr sz="1600"/>
+            </a:lvl1pPr>
+            <a:lvl2pPr marL="457200" indent="0">
+              <a:buNone/>
+              <a:defRPr sz="1600"/>
+            </a:lvl2pPr>
+            <a:lvl3pPr marL="914400" indent="0">
+              <a:buNone/>
+              <a:defRPr sz="1600"/>
+            </a:lvl3pPr>
+            <a:lvl4pPr marL="1371600" indent="0">
+              <a:buNone/>
+              <a:defRPr sz="1600"/>
+            </a:lvl4pPr>
+            <a:lvl5pPr marL="1828800" indent="0">
+              <a:buNone/>
+              <a:defRPr sz="1600"/>
+            </a:lvl5pPr>
+            <a:lvl6pPr marL="2286000" indent="0">
+              <a:buNone/>
+              <a:defRPr sz="1600"/>
+            </a:lvl6pPr>
+            <a:lvl7pPr marL="2743200" indent="0">
+              <a:buNone/>
+              <a:defRPr sz="1600"/>
+            </a:lvl7pPr>
+            <a:lvl8pPr marL="3200400" indent="0">
+              <a:buNone/>
+              <a:defRPr sz="1600"/>
+            </a:lvl8pPr>
+            <a:lvl9pPr marL="3657600" indent="0">
+              <a:buNone/>
+              <a:defRPr sz="1600"/>
+            </a:lvl9pPr>
+          </a:lstStyle>
+          <a:p>
+            <a:r>
+              <a:rPr lang="fr-FR"/>
+              <a:t>Cliquez sur l'icône pour ajouter une image</a:t>
+            </a:r>
+            <a:endParaRPr lang="en-US" dirty="0"/>
+          </a:p>
+        </p:txBody>
+      </p:sp>
+      <p:sp>
+        <p:nvSpPr>
+          <p:cNvPr id="27" name="Text Placeholder 3"/>
+          <p:cNvSpPr>
+            <a:spLocks noGrp="1"/>
+          </p:cNvSpPr>
+          <p:nvPr>
+            <p:ph type="body" sz="half" idx="20"/>
+          </p:nvPr>
+        </p:nvSpPr>
+        <p:spPr>
+          <a:xfrm>
+            <a:off x="7768819" y="4389284"/>
+            <a:ext cx="3310128" cy="985302"/>
+          </a:xfrm>
+        </p:spPr>
+        <p:txBody>
+          <a:bodyPr anchor="t">
+            <a:normAutofit/>
+          </a:bodyPr>
+          <a:lstStyle>
+            <a:lvl1pPr marL="0" indent="0" algn="ctr">
+              <a:buNone/>
+              <a:defRPr sz="1400"/>
+            </a:lvl1pPr>
+            <a:lvl2pPr marL="457200" indent="0">
+              <a:buNone/>
+              <a:defRPr sz="1200"/>
+            </a:lvl2pPr>
+            <a:lvl3pPr marL="914400" indent="0">
+              <a:buNone/>
+              <a:defRPr sz="1000"/>
+            </a:lvl3pPr>
+            <a:lvl4pPr marL="1371600" indent="0">
+              <a:buNone/>
+              <a:defRPr sz="900"/>
+            </a:lvl4pPr>
+            <a:lvl5pPr marL="1828800" indent="0">
+              <a:buNone/>
+              <a:defRPr sz="900"/>
+            </a:lvl5pPr>
+            <a:lvl6pPr marL="2286000" indent="0">
+              <a:buNone/>
+              <a:defRPr sz="900"/>
+            </a:lvl6pPr>
+            <a:lvl7pPr marL="2743200" indent="0">
+              <a:buNone/>
+              <a:defRPr sz="900"/>
+            </a:lvl7pPr>
+            <a:lvl8pPr marL="3200400" indent="0">
+              <a:buNone/>
+              <a:defRPr sz="900"/>
+            </a:lvl8pPr>
+            <a:lvl9pPr marL="3657600" indent="0">
+              <a:buNone/>
+              <a:defRPr sz="900"/>
+            </a:lvl9pPr>
+          </a:lstStyle>
+          <a:p>
+            <a:pPr lvl="0"/>
+            <a:r>
+              <a:rPr lang="fr-FR"/>
+              <a:t>Cliquez pour modifier les styles du texte du masque</a:t>
+            </a:r>
+          </a:p>
+        </p:txBody>
+      </p:sp>
+      <p:sp>
+        <p:nvSpPr>
+          <p:cNvPr id="3" name="Date Placeholder 2"/>
+          <p:cNvSpPr>
+            <a:spLocks noGrp="1"/>
+          </p:cNvSpPr>
+          <p:nvPr>
+            <p:ph type="dt" sz="half" idx="10"/>
+          </p:nvPr>
+        </p:nvSpPr>
+        <p:spPr/>
+        <p:txBody>
+          <a:bodyPr/>
+          <a:lstStyle/>
+          <a:p>
+            <a:fld id="{35D442AB-6860-B042-B086-2F1716AA4299}" type="datetimeFigureOut">
+              <a:rPr lang="fr-FR" smtClean="0"/>
+              <a:t>16/08/2021</a:t>
+            </a:fld>
+            <a:endParaRPr lang="fr-FR"/>
+          </a:p>
+        </p:txBody>
+      </p:sp>
+      <p:sp>
+        <p:nvSpPr>
+          <p:cNvPr id="4" name="Footer Placeholder 3"/>
+          <p:cNvSpPr>
+            <a:spLocks noGrp="1"/>
+          </p:cNvSpPr>
+          <p:nvPr>
+            <p:ph type="ftr" sz="quarter" idx="11"/>
+          </p:nvPr>
+        </p:nvSpPr>
+        <p:spPr/>
+        <p:txBody>
+          <a:bodyPr/>
+          <a:lstStyle/>
+          <a:p>
+            <a:endParaRPr lang="fr-FR"/>
+          </a:p>
+        </p:txBody>
+      </p:sp>
+      <p:sp>
+        <p:nvSpPr>
+          <p:cNvPr id="5" name="Slide Number Placeholder 4"/>
+          <p:cNvSpPr>
+            <a:spLocks noGrp="1"/>
+          </p:cNvSpPr>
+          <p:nvPr>
+            <p:ph type="sldNum" sz="quarter" idx="12"/>
+          </p:nvPr>
+        </p:nvSpPr>
+        <p:spPr/>
+        <p:txBody>
+          <a:bodyPr/>
+          <a:lstStyle/>
+          <a:p>
+            <a:fld id="{DD0A95D0-21AC-FC4F-B23B-8B8CC8E16049}" type="slidenum">
+              <a:rPr lang="fr-FR" smtClean="0"/>
+              <a:t>‹N°›</a:t>
+            </a:fld>
+            <a:endParaRPr lang="fr-FR"/>
+          </a:p>
+        </p:txBody>
+      </p:sp>
+    </p:spTree>
+    <p:extLst>
+      <p:ext uri="{BB962C8B-B14F-4D97-AF65-F5344CB8AC3E}">
+        <p14:creationId xmlns:p14="http://schemas.microsoft.com/office/powerpoint/2010/main" val="3322616760"/>
+      </p:ext>
+    </p:extLst>
+  </p:cSld>
+  <p:clrMapOvr>
+    <a:masterClrMapping/>
+  </p:clrMapOvr>
+</p:sldLayout>
+</file>
+
+<file path=ppt/slideLayouts/slideLayout16.xml><?xml version="1.0" encoding="utf-8"?>
 <p:sldLayout xmlns:a="http://schemas.openxmlformats.org/drawingml/2006/main" xmlns:r="http://schemas.openxmlformats.org/officeDocument/2006/relationships" xmlns:p="http://schemas.openxmlformats.org/presentationml/2006/main" type="vertTx" preserve="1">
   <p:cSld name="Titre et texte vertical">
     <p:spTree>
@@ -347,18 +4024,96 @@
       </p:grpSpPr>
       <p:sp>
         <p:nvSpPr>
-          <p:cNvPr id="2" name="Titre 1">
-            <a:extLst>
-              <a:ext uri="{FF2B5EF4-FFF2-40B4-BE49-F238E27FC236}">
-                <a16:creationId xmlns:a16="http://schemas.microsoft.com/office/drawing/2014/main" id="{508F0555-273C-1349-B319-E544378290C2}"/>
-              </a:ext>
-            </a:extLst>
-          </p:cNvPr>
+          <p:cNvPr id="2" name="Title 1"/>
           <p:cNvSpPr>
             <a:spLocks noGrp="1"/>
           </p:cNvSpPr>
           <p:nvPr>
             <p:ph type="title"/>
+          </p:nvPr>
+        </p:nvSpPr>
+        <p:spPr/>
+        <p:txBody>
+          <a:bodyPr/>
+          <a:lstStyle>
+            <a:lvl1pPr algn="r">
+              <a:defRPr/>
+            </a:lvl1pPr>
+          </a:lstStyle>
+          <a:p>
+            <a:r>
+              <a:rPr lang="fr-FR"/>
+              <a:t>Modifiez le style du titre</a:t>
+            </a:r>
+            <a:endParaRPr lang="en-US" dirty="0"/>
+          </a:p>
+        </p:txBody>
+      </p:sp>
+      <p:sp>
+        <p:nvSpPr>
+          <p:cNvPr id="11" name="Vertical Text Placeholder 2"/>
+          <p:cNvSpPr>
+            <a:spLocks noGrp="1"/>
+          </p:cNvSpPr>
+          <p:nvPr>
+            <p:ph type="body" orient="vert" sz="quarter" idx="13"/>
+          </p:nvPr>
+        </p:nvSpPr>
+        <p:spPr>
+          <a:xfrm>
+            <a:off x="685800" y="2063396"/>
+            <a:ext cx="10394707" cy="3311190"/>
+          </a:xfrm>
+        </p:spPr>
+        <p:txBody>
+          <a:bodyPr vert="eaVert" anchor="t"/>
+          <a:lstStyle/>
+          <a:p>
+            <a:pPr lvl="0"/>
+            <a:r>
+              <a:rPr lang="fr-FR"/>
+              <a:t>Cliquez pour modifier les styles du texte du masque</a:t>
+            </a:r>
+          </a:p>
+          <a:p>
+            <a:pPr lvl="1"/>
+            <a:r>
+              <a:rPr lang="fr-FR"/>
+              <a:t>Deuxième niveau</a:t>
+            </a:r>
+          </a:p>
+          <a:p>
+            <a:pPr lvl="2"/>
+            <a:r>
+              <a:rPr lang="fr-FR"/>
+              <a:t>Troisième niveau</a:t>
+            </a:r>
+          </a:p>
+          <a:p>
+            <a:pPr lvl="3"/>
+            <a:r>
+              <a:rPr lang="fr-FR"/>
+              <a:t>Quatrième niveau</a:t>
+            </a:r>
+          </a:p>
+          <a:p>
+            <a:pPr lvl="4"/>
+            <a:r>
+              <a:rPr lang="fr-FR"/>
+              <a:t>Cinquième niveau</a:t>
+            </a:r>
+            <a:endParaRPr lang="en-US" dirty="0"/>
+          </a:p>
+        </p:txBody>
+      </p:sp>
+      <p:sp>
+        <p:nvSpPr>
+          <p:cNvPr id="4" name="Date Placeholder 3"/>
+          <p:cNvSpPr>
+            <a:spLocks noGrp="1"/>
+          </p:cNvSpPr>
+          <p:nvPr>
+            <p:ph type="dt" sz="half" idx="10"/>
           </p:nvPr>
         </p:nvSpPr>
         <p:spPr/>
@@ -366,84 +4121,22 @@
           <a:bodyPr/>
           <a:lstStyle/>
           <a:p>
-            <a:r>
-              <a:rPr lang="fr-FR"/>
-              <a:t>Modifiez le style du titre</a:t>
-            </a:r>
-          </a:p>
-        </p:txBody>
-      </p:sp>
-      <p:sp>
-        <p:nvSpPr>
-          <p:cNvPr id="3" name="Espace réservé du texte vertical 2">
-            <a:extLst>
-              <a:ext uri="{FF2B5EF4-FFF2-40B4-BE49-F238E27FC236}">
-                <a16:creationId xmlns:a16="http://schemas.microsoft.com/office/drawing/2014/main" id="{1197250B-FBA2-2842-98E7-490EA41C906E}"/>
-              </a:ext>
-            </a:extLst>
-          </p:cNvPr>
-          <p:cNvSpPr>
-            <a:spLocks noGrp="1"/>
-          </p:cNvSpPr>
-          <p:nvPr>
-            <p:ph type="body" orient="vert" idx="1"/>
-          </p:nvPr>
-        </p:nvSpPr>
-        <p:spPr/>
-        <p:txBody>
-          <a:bodyPr vert="eaVert"/>
-          <a:lstStyle/>
-          <a:p>
-            <a:pPr lvl="0"/>
-            <a:r>
-              <a:rPr lang="fr-FR"/>
-              <a:t>Cliquez pour modifier les styles du texte du masque</a:t>
-            </a:r>
-          </a:p>
-          <a:p>
-            <a:pPr lvl="1"/>
-            <a:r>
-              <a:rPr lang="fr-FR"/>
-              <a:t>Deuxième niveau</a:t>
-            </a:r>
-          </a:p>
-          <a:p>
-            <a:pPr lvl="2"/>
-            <a:r>
-              <a:rPr lang="fr-FR"/>
-              <a:t>Troisième niveau</a:t>
-            </a:r>
-          </a:p>
-          <a:p>
-            <a:pPr lvl="3"/>
-            <a:r>
-              <a:rPr lang="fr-FR"/>
-              <a:t>Quatrième niveau</a:t>
-            </a:r>
-          </a:p>
-          <a:p>
-            <a:pPr lvl="4"/>
-            <a:r>
-              <a:rPr lang="fr-FR"/>
-              <a:t>Cinquième niveau</a:t>
-            </a:r>
-          </a:p>
-        </p:txBody>
-      </p:sp>
-      <p:sp>
-        <p:nvSpPr>
-          <p:cNvPr id="4" name="Espace réservé de la date 3">
-            <a:extLst>
-              <a:ext uri="{FF2B5EF4-FFF2-40B4-BE49-F238E27FC236}">
-                <a16:creationId xmlns:a16="http://schemas.microsoft.com/office/drawing/2014/main" id="{C6C1A2F0-FEFE-9F4A-A126-E1819C86C6C9}"/>
-              </a:ext>
-            </a:extLst>
-          </p:cNvPr>
-          <p:cNvSpPr>
-            <a:spLocks noGrp="1"/>
-          </p:cNvSpPr>
-          <p:nvPr>
-            <p:ph type="dt" sz="half" idx="10"/>
+            <a:fld id="{35D442AB-6860-B042-B086-2F1716AA4299}" type="datetimeFigureOut">
+              <a:rPr lang="fr-FR" smtClean="0"/>
+              <a:t>16/08/2021</a:t>
+            </a:fld>
+            <a:endParaRPr lang="fr-FR"/>
+          </a:p>
+        </p:txBody>
+      </p:sp>
+      <p:sp>
+        <p:nvSpPr>
+          <p:cNvPr id="5" name="Footer Placeholder 4"/>
+          <p:cNvSpPr>
+            <a:spLocks noGrp="1"/>
+          </p:cNvSpPr>
+          <p:nvPr>
+            <p:ph type="ftr" sz="quarter" idx="11"/>
           </p:nvPr>
         </p:nvSpPr>
         <p:spPr/>
@@ -451,48 +4144,13 @@
           <a:bodyPr/>
           <a:lstStyle/>
           <a:p>
-            <a:fld id="{35D442AB-6860-B042-B086-2F1716AA4299}" type="datetimeFigureOut">
-              <a:rPr lang="fr-FR" smtClean="0"/>
-              <a:t>13/08/2021</a:t>
-            </a:fld>
             <a:endParaRPr lang="fr-FR"/>
           </a:p>
         </p:txBody>
       </p:sp>
       <p:sp>
         <p:nvSpPr>
-          <p:cNvPr id="5" name="Espace réservé du pied de page 4">
-            <a:extLst>
-              <a:ext uri="{FF2B5EF4-FFF2-40B4-BE49-F238E27FC236}">
-                <a16:creationId xmlns:a16="http://schemas.microsoft.com/office/drawing/2014/main" id="{3B2028F4-98F4-4C4D-8096-78CA1ECA220F}"/>
-              </a:ext>
-            </a:extLst>
-          </p:cNvPr>
-          <p:cNvSpPr>
-            <a:spLocks noGrp="1"/>
-          </p:cNvSpPr>
-          <p:nvPr>
-            <p:ph type="ftr" sz="quarter" idx="11"/>
-          </p:nvPr>
-        </p:nvSpPr>
-        <p:spPr/>
-        <p:txBody>
-          <a:bodyPr/>
-          <a:lstStyle/>
-          <a:p>
-            <a:endParaRPr lang="fr-FR"/>
-          </a:p>
-        </p:txBody>
-      </p:sp>
-      <p:sp>
-        <p:nvSpPr>
-          <p:cNvPr id="6" name="Espace réservé du numéro de diapositive 5">
-            <a:extLst>
-              <a:ext uri="{FF2B5EF4-FFF2-40B4-BE49-F238E27FC236}">
-                <a16:creationId xmlns:a16="http://schemas.microsoft.com/office/drawing/2014/main" id="{956BACDF-185D-D642-BF4F-B2F0665B38F1}"/>
-              </a:ext>
-            </a:extLst>
-          </p:cNvPr>
+          <p:cNvPr id="6" name="Slide Number Placeholder 5"/>
           <p:cNvSpPr>
             <a:spLocks noGrp="1"/>
           </p:cNvSpPr>
@@ -516,7 +4174,7 @@
     </p:spTree>
     <p:extLst>
       <p:ext uri="{BB962C8B-B14F-4D97-AF65-F5344CB8AC3E}">
-        <p14:creationId xmlns:p14="http://schemas.microsoft.com/office/powerpoint/2010/main" val="2023957502"/>
+        <p14:creationId xmlns:p14="http://schemas.microsoft.com/office/powerpoint/2010/main" val="331452301"/>
       </p:ext>
     </p:extLst>
   </p:cSld>
@@ -526,7 +4184,7 @@
 </p:sldLayout>
 </file>
 
-<file path=ppt/slideLayouts/slideLayout11.xml><?xml version="1.0" encoding="utf-8"?>
+<file path=ppt/slideLayouts/slideLayout17.xml><?xml version="1.0" encoding="utf-8"?>
 <p:sldLayout xmlns:a="http://schemas.openxmlformats.org/drawingml/2006/main" xmlns:r="http://schemas.openxmlformats.org/officeDocument/2006/relationships" xmlns:p="http://schemas.openxmlformats.org/presentationml/2006/main" type="vertTitleAndTx" preserve="1">
   <p:cSld name="Titre vertical et texte">
     <p:spTree>
@@ -545,13 +4203,7 @@
       </p:grpSpPr>
       <p:sp>
         <p:nvSpPr>
-          <p:cNvPr id="2" name="Titre vertical 1">
-            <a:extLst>
-              <a:ext uri="{FF2B5EF4-FFF2-40B4-BE49-F238E27FC236}">
-                <a16:creationId xmlns:a16="http://schemas.microsoft.com/office/drawing/2014/main" id="{FACCC44B-D25A-D44A-B407-C09FDB77BAAA}"/>
-              </a:ext>
-            </a:extLst>
-          </p:cNvPr>
+          <p:cNvPr id="2" name="Vertical Title 1"/>
           <p:cNvSpPr>
             <a:spLocks noGrp="1"/>
           </p:cNvSpPr>
@@ -561,45 +4213,44 @@
         </p:nvSpPr>
         <p:spPr>
           <a:xfrm>
-            <a:off x="8724900" y="365125"/>
-            <a:ext cx="2628900" cy="5811838"/>
+            <a:off x="8815862" y="685800"/>
+            <a:ext cx="2264646" cy="4688785"/>
           </a:xfrm>
         </p:spPr>
         <p:txBody>
           <a:bodyPr vert="eaVert"/>
-          <a:lstStyle/>
+          <a:lstStyle>
+            <a:lvl1pPr algn="l">
+              <a:defRPr/>
+            </a:lvl1pPr>
+          </a:lstStyle>
           <a:p>
             <a:r>
               <a:rPr lang="fr-FR"/>
               <a:t>Modifiez le style du titre</a:t>
             </a:r>
-          </a:p>
-        </p:txBody>
-      </p:sp>
-      <p:sp>
-        <p:nvSpPr>
-          <p:cNvPr id="3" name="Espace réservé du texte vertical 2">
-            <a:extLst>
-              <a:ext uri="{FF2B5EF4-FFF2-40B4-BE49-F238E27FC236}">
-                <a16:creationId xmlns:a16="http://schemas.microsoft.com/office/drawing/2014/main" id="{423E59C3-D643-1746-9A87-42606839F80F}"/>
-              </a:ext>
-            </a:extLst>
-          </p:cNvPr>
-          <p:cNvSpPr>
-            <a:spLocks noGrp="1"/>
-          </p:cNvSpPr>
-          <p:nvPr>
-            <p:ph type="body" orient="vert" idx="1"/>
+            <a:endParaRPr lang="en-US" dirty="0"/>
+          </a:p>
+        </p:txBody>
+      </p:sp>
+      <p:sp>
+        <p:nvSpPr>
+          <p:cNvPr id="8" name="Vertical Text Placeholder 2"/>
+          <p:cNvSpPr>
+            <a:spLocks noGrp="1"/>
+          </p:cNvSpPr>
+          <p:nvPr>
+            <p:ph type="body" orient="vert" sz="quarter" idx="13"/>
           </p:nvPr>
         </p:nvSpPr>
         <p:spPr>
           <a:xfrm>
-            <a:off x="838200" y="365125"/>
-            <a:ext cx="7734300" cy="5811838"/>
+            <a:off x="685800" y="685800"/>
+            <a:ext cx="7904431" cy="4688785"/>
           </a:xfrm>
         </p:spPr>
         <p:txBody>
-          <a:bodyPr vert="eaVert"/>
+          <a:bodyPr vert="eaVert" anchor="t"/>
           <a:lstStyle/>
           <a:p>
             <a:pPr lvl="0"/>
@@ -635,18 +4286,13 @@
               <a:rPr lang="fr-FR"/>
               <a:t>Cinquième niveau</a:t>
             </a:r>
-          </a:p>
-        </p:txBody>
-      </p:sp>
-      <p:sp>
-        <p:nvSpPr>
-          <p:cNvPr id="4" name="Espace réservé de la date 3">
-            <a:extLst>
-              <a:ext uri="{FF2B5EF4-FFF2-40B4-BE49-F238E27FC236}">
-                <a16:creationId xmlns:a16="http://schemas.microsoft.com/office/drawing/2014/main" id="{0F9A9E57-6075-184E-9FE0-D149D3289070}"/>
-              </a:ext>
-            </a:extLst>
-          </p:cNvPr>
+            <a:endParaRPr lang="en-US" dirty="0"/>
+          </a:p>
+        </p:txBody>
+      </p:sp>
+      <p:sp>
+        <p:nvSpPr>
+          <p:cNvPr id="4" name="Date Placeholder 3"/>
           <p:cNvSpPr>
             <a:spLocks noGrp="1"/>
           </p:cNvSpPr>
@@ -661,7 +4307,7 @@
           <a:p>
             <a:fld id="{35D442AB-6860-B042-B086-2F1716AA4299}" type="datetimeFigureOut">
               <a:rPr lang="fr-FR" smtClean="0"/>
-              <a:t>13/08/2021</a:t>
+              <a:t>16/08/2021</a:t>
             </a:fld>
             <a:endParaRPr lang="fr-FR"/>
           </a:p>
@@ -669,13 +4315,7 @@
       </p:sp>
       <p:sp>
         <p:nvSpPr>
-          <p:cNvPr id="5" name="Espace réservé du pied de page 4">
-            <a:extLst>
-              <a:ext uri="{FF2B5EF4-FFF2-40B4-BE49-F238E27FC236}">
-                <a16:creationId xmlns:a16="http://schemas.microsoft.com/office/drawing/2014/main" id="{77B6AAD6-4DC0-7448-A2A4-BBDCDA5AE059}"/>
-              </a:ext>
-            </a:extLst>
-          </p:cNvPr>
+          <p:cNvPr id="5" name="Footer Placeholder 4"/>
           <p:cNvSpPr>
             <a:spLocks noGrp="1"/>
           </p:cNvSpPr>
@@ -694,13 +4334,7 @@
       </p:sp>
       <p:sp>
         <p:nvSpPr>
-          <p:cNvPr id="6" name="Espace réservé du numéro de diapositive 5">
-            <a:extLst>
-              <a:ext uri="{FF2B5EF4-FFF2-40B4-BE49-F238E27FC236}">
-                <a16:creationId xmlns:a16="http://schemas.microsoft.com/office/drawing/2014/main" id="{A7990B9C-8D6D-4D47-9273-421249464DE8}"/>
-              </a:ext>
-            </a:extLst>
-          </p:cNvPr>
+          <p:cNvPr id="6" name="Slide Number Placeholder 5"/>
           <p:cNvSpPr>
             <a:spLocks noGrp="1"/>
           </p:cNvSpPr>
@@ -724,7 +4358,177 @@
     </p:spTree>
     <p:extLst>
       <p:ext uri="{BB962C8B-B14F-4D97-AF65-F5344CB8AC3E}">
-        <p14:creationId xmlns:p14="http://schemas.microsoft.com/office/powerpoint/2010/main" val="2018777515"/>
+        <p14:creationId xmlns:p14="http://schemas.microsoft.com/office/powerpoint/2010/main" val="3770953670"/>
+      </p:ext>
+    </p:extLst>
+  </p:cSld>
+  <p:clrMapOvr>
+    <a:masterClrMapping/>
+  </p:clrMapOvr>
+</p:sldLayout>
+</file>
+
+<file path=ppt/slideLayouts/slideLayout18.xml><?xml version="1.0" encoding="utf-8"?>
+<p:sldLayout xmlns:a="http://schemas.openxmlformats.org/drawingml/2006/main" xmlns:r="http://schemas.openxmlformats.org/officeDocument/2006/relationships" xmlns:p="http://schemas.openxmlformats.org/presentationml/2006/main" type="obj">
+  <p:cSld name="1_Titre et contenu">
+    <p:spTree>
+      <p:nvGrpSpPr>
+        <p:cNvPr id="1" name=""/>
+        <p:cNvGrpSpPr/>
+        <p:nvPr/>
+      </p:nvGrpSpPr>
+      <p:grpSpPr>
+        <a:xfrm>
+          <a:off x="0" y="0"/>
+          <a:ext cx="0" cy="0"/>
+          <a:chOff x="0" y="0"/>
+          <a:chExt cx="0" cy="0"/>
+        </a:xfrm>
+      </p:grpSpPr>
+      <p:sp>
+        <p:nvSpPr>
+          <p:cNvPr id="2" name="Title 1"/>
+          <p:cNvSpPr>
+            <a:spLocks noGrp="1"/>
+          </p:cNvSpPr>
+          <p:nvPr>
+            <p:ph type="title"/>
+          </p:nvPr>
+        </p:nvSpPr>
+        <p:spPr/>
+        <p:txBody>
+          <a:bodyPr/>
+          <a:lstStyle/>
+          <a:p>
+            <a:r>
+              <a:rPr lang="fr-FR"/>
+              <a:t>Modifiez le style du titre</a:t>
+            </a:r>
+            <a:endParaRPr lang="en-US" dirty="0"/>
+          </a:p>
+        </p:txBody>
+      </p:sp>
+      <p:sp>
+        <p:nvSpPr>
+          <p:cNvPr id="3" name="Content Placeholder 2"/>
+          <p:cNvSpPr>
+            <a:spLocks noGrp="1"/>
+          </p:cNvSpPr>
+          <p:nvPr>
+            <p:ph idx="1"/>
+          </p:nvPr>
+        </p:nvSpPr>
+        <p:spPr/>
+        <p:txBody>
+          <a:bodyPr/>
+          <a:lstStyle/>
+          <a:p>
+            <a:pPr lvl="0"/>
+            <a:r>
+              <a:rPr lang="fr-FR"/>
+              <a:t>Cliquez pour modifier les styles du texte du masque</a:t>
+            </a:r>
+          </a:p>
+          <a:p>
+            <a:pPr lvl="1"/>
+            <a:r>
+              <a:rPr lang="fr-FR"/>
+              <a:t>Deuxième niveau</a:t>
+            </a:r>
+          </a:p>
+          <a:p>
+            <a:pPr lvl="2"/>
+            <a:r>
+              <a:rPr lang="fr-FR"/>
+              <a:t>Troisième niveau</a:t>
+            </a:r>
+          </a:p>
+          <a:p>
+            <a:pPr lvl="3"/>
+            <a:r>
+              <a:rPr lang="fr-FR"/>
+              <a:t>Quatrième niveau</a:t>
+            </a:r>
+          </a:p>
+          <a:p>
+            <a:pPr lvl="4"/>
+            <a:r>
+              <a:rPr lang="fr-FR"/>
+              <a:t>Cinquième niveau</a:t>
+            </a:r>
+            <a:endParaRPr lang="en-US" dirty="0"/>
+          </a:p>
+        </p:txBody>
+      </p:sp>
+      <p:sp>
+        <p:nvSpPr>
+          <p:cNvPr id="7" name="Date Placeholder 6"/>
+          <p:cNvSpPr>
+            <a:spLocks noGrp="1"/>
+          </p:cNvSpPr>
+          <p:nvPr>
+            <p:ph type="dt" sz="half" idx="10"/>
+          </p:nvPr>
+        </p:nvSpPr>
+        <p:spPr/>
+        <p:txBody>
+          <a:bodyPr/>
+          <a:lstStyle/>
+          <a:p>
+            <a:fld id="{35D442AB-6860-B042-B086-2F1716AA4299}" type="datetimeFigureOut">
+              <a:rPr lang="fr-FR" smtClean="0"/>
+              <a:t>16/08/2021</a:t>
+            </a:fld>
+            <a:endParaRPr lang="fr-FR"/>
+          </a:p>
+        </p:txBody>
+      </p:sp>
+      <p:sp>
+        <p:nvSpPr>
+          <p:cNvPr id="8" name="Footer Placeholder 7"/>
+          <p:cNvSpPr>
+            <a:spLocks noGrp="1"/>
+          </p:cNvSpPr>
+          <p:nvPr>
+            <p:ph type="ftr" sz="quarter" idx="11"/>
+          </p:nvPr>
+        </p:nvSpPr>
+        <p:spPr/>
+        <p:txBody>
+          <a:bodyPr/>
+          <a:lstStyle/>
+          <a:p>
+            <a:endParaRPr lang="fr-FR"/>
+          </a:p>
+        </p:txBody>
+      </p:sp>
+      <p:sp>
+        <p:nvSpPr>
+          <p:cNvPr id="9" name="Slide Number Placeholder 8"/>
+          <p:cNvSpPr>
+            <a:spLocks noGrp="1"/>
+          </p:cNvSpPr>
+          <p:nvPr>
+            <p:ph type="sldNum" sz="quarter" idx="12"/>
+          </p:nvPr>
+        </p:nvSpPr>
+        <p:spPr/>
+        <p:txBody>
+          <a:bodyPr/>
+          <a:lstStyle/>
+          <a:p>
+            <a:fld id="{DD0A95D0-21AC-FC4F-B23B-8B8CC8E16049}" type="slidenum">
+              <a:rPr lang="fr-FR" smtClean="0"/>
+              <a:t>‹N°›</a:t>
+            </a:fld>
+            <a:endParaRPr lang="fr-FR"/>
+          </a:p>
+        </p:txBody>
+      </p:sp>
+    </p:spTree>
+    <p:extLst>
+      <p:ext uri="{BB962C8B-B14F-4D97-AF65-F5344CB8AC3E}">
+        <p14:creationId xmlns:p14="http://schemas.microsoft.com/office/powerpoint/2010/main" val="2285008460"/>
       </p:ext>
     </p:extLst>
   </p:cSld>
@@ -753,13 +4557,7 @@
       </p:grpSpPr>
       <p:sp>
         <p:nvSpPr>
-          <p:cNvPr id="2" name="Titre 1">
-            <a:extLst>
-              <a:ext uri="{FF2B5EF4-FFF2-40B4-BE49-F238E27FC236}">
-                <a16:creationId xmlns:a16="http://schemas.microsoft.com/office/drawing/2014/main" id="{C7698D0D-7AE6-CD41-93B8-0912C0A9BCCD}"/>
-              </a:ext>
-            </a:extLst>
-          </p:cNvPr>
+          <p:cNvPr id="2" name="Title 1"/>
           <p:cNvSpPr>
             <a:spLocks noGrp="1"/>
           </p:cNvSpPr>
@@ -776,26 +4574,26 @@
               <a:rPr lang="fr-FR"/>
               <a:t>Modifiez le style du titre</a:t>
             </a:r>
-          </a:p>
-        </p:txBody>
-      </p:sp>
-      <p:sp>
-        <p:nvSpPr>
-          <p:cNvPr id="3" name="Espace réservé du contenu 2">
-            <a:extLst>
-              <a:ext uri="{FF2B5EF4-FFF2-40B4-BE49-F238E27FC236}">
-                <a16:creationId xmlns:a16="http://schemas.microsoft.com/office/drawing/2014/main" id="{BC04FDD2-1641-3648-A61E-047DEB14D149}"/>
-              </a:ext>
-            </a:extLst>
-          </p:cNvPr>
-          <p:cNvSpPr>
-            <a:spLocks noGrp="1"/>
-          </p:cNvSpPr>
-          <p:nvPr>
-            <p:ph idx="1"/>
-          </p:nvPr>
-        </p:nvSpPr>
-        <p:spPr/>
+            <a:endParaRPr lang="en-US" dirty="0"/>
+          </a:p>
+        </p:txBody>
+      </p:sp>
+      <p:sp>
+        <p:nvSpPr>
+          <p:cNvPr id="12" name="Content Placeholder 2"/>
+          <p:cNvSpPr>
+            <a:spLocks noGrp="1"/>
+          </p:cNvSpPr>
+          <p:nvPr>
+            <p:ph sz="quarter" idx="13"/>
+          </p:nvPr>
+        </p:nvSpPr>
+        <p:spPr>
+          <a:xfrm>
+            <a:off x="685800" y="2063396"/>
+            <a:ext cx="10394707" cy="3311189"/>
+          </a:xfrm>
+        </p:spPr>
         <p:txBody>
           <a:bodyPr/>
           <a:lstStyle/>
@@ -833,18 +4631,13 @@
               <a:rPr lang="fr-FR"/>
               <a:t>Cinquième niveau</a:t>
             </a:r>
-          </a:p>
-        </p:txBody>
-      </p:sp>
-      <p:sp>
-        <p:nvSpPr>
-          <p:cNvPr id="4" name="Espace réservé de la date 3">
-            <a:extLst>
-              <a:ext uri="{FF2B5EF4-FFF2-40B4-BE49-F238E27FC236}">
-                <a16:creationId xmlns:a16="http://schemas.microsoft.com/office/drawing/2014/main" id="{57130D29-1DF4-D14C-9AC9-915A701053EA}"/>
-              </a:ext>
-            </a:extLst>
-          </p:cNvPr>
+            <a:endParaRPr lang="en-US" dirty="0"/>
+          </a:p>
+        </p:txBody>
+      </p:sp>
+      <p:sp>
+        <p:nvSpPr>
+          <p:cNvPr id="4" name="Date Placeholder 3"/>
           <p:cNvSpPr>
             <a:spLocks noGrp="1"/>
           </p:cNvSpPr>
@@ -859,7 +4652,7 @@
           <a:p>
             <a:fld id="{35D442AB-6860-B042-B086-2F1716AA4299}" type="datetimeFigureOut">
               <a:rPr lang="fr-FR" smtClean="0"/>
-              <a:t>13/08/2021</a:t>
+              <a:t>16/08/2021</a:t>
             </a:fld>
             <a:endParaRPr lang="fr-FR"/>
           </a:p>
@@ -867,13 +4660,7 @@
       </p:sp>
       <p:sp>
         <p:nvSpPr>
-          <p:cNvPr id="5" name="Espace réservé du pied de page 4">
-            <a:extLst>
-              <a:ext uri="{FF2B5EF4-FFF2-40B4-BE49-F238E27FC236}">
-                <a16:creationId xmlns:a16="http://schemas.microsoft.com/office/drawing/2014/main" id="{96AF7DAC-405A-CE48-8BEC-EB08E08C0776}"/>
-              </a:ext>
-            </a:extLst>
-          </p:cNvPr>
+          <p:cNvPr id="5" name="Footer Placeholder 4"/>
           <p:cNvSpPr>
             <a:spLocks noGrp="1"/>
           </p:cNvSpPr>
@@ -892,13 +4679,7 @@
       </p:sp>
       <p:sp>
         <p:nvSpPr>
-          <p:cNvPr id="6" name="Espace réservé du numéro de diapositive 5">
-            <a:extLst>
-              <a:ext uri="{FF2B5EF4-FFF2-40B4-BE49-F238E27FC236}">
-                <a16:creationId xmlns:a16="http://schemas.microsoft.com/office/drawing/2014/main" id="{B56E77E7-E8E5-854F-A891-EC36C8C5E42D}"/>
-              </a:ext>
-            </a:extLst>
-          </p:cNvPr>
+          <p:cNvPr id="6" name="Slide Number Placeholder 5"/>
           <p:cNvSpPr>
             <a:spLocks noGrp="1"/>
           </p:cNvSpPr>
@@ -922,7 +4703,7 @@
     </p:spTree>
     <p:extLst>
       <p:ext uri="{BB962C8B-B14F-4D97-AF65-F5344CB8AC3E}">
-        <p14:creationId xmlns:p14="http://schemas.microsoft.com/office/powerpoint/2010/main" val="1444990150"/>
+        <p14:creationId xmlns:p14="http://schemas.microsoft.com/office/powerpoint/2010/main" val="1589247568"/>
       </p:ext>
     </p:extLst>
   </p:cSld>
@@ -951,13 +4732,7 @@
       </p:grpSpPr>
       <p:sp>
         <p:nvSpPr>
-          <p:cNvPr id="2" name="Titre 1">
-            <a:extLst>
-              <a:ext uri="{FF2B5EF4-FFF2-40B4-BE49-F238E27FC236}">
-                <a16:creationId xmlns:a16="http://schemas.microsoft.com/office/drawing/2014/main" id="{7B859897-CEE7-1D4B-BFB9-4AD3A406BC00}"/>
-              </a:ext>
-            </a:extLst>
-          </p:cNvPr>
+          <p:cNvPr id="2" name="Title 1"/>
           <p:cNvSpPr>
             <a:spLocks noGrp="1"/>
           </p:cNvSpPr>
@@ -967,15 +4742,17 @@
         </p:nvSpPr>
         <p:spPr>
           <a:xfrm>
-            <a:off x="831850" y="1709738"/>
-            <a:ext cx="10515600" cy="2852737"/>
+            <a:off x="685801" y="685800"/>
+            <a:ext cx="10394707" cy="3193487"/>
           </a:xfrm>
         </p:spPr>
         <p:txBody>
-          <a:bodyPr anchor="b"/>
+          <a:bodyPr anchor="b">
+            <a:normAutofit/>
+          </a:bodyPr>
           <a:lstStyle>
-            <a:lvl1pPr>
-              <a:defRPr sz="6000"/>
+            <a:lvl1pPr algn="l">
+              <a:defRPr sz="5400"/>
             </a:lvl1pPr>
           </a:lstStyle>
           <a:p>
@@ -983,18 +4760,13 @@
               <a:rPr lang="fr-FR"/>
               <a:t>Modifiez le style du titre</a:t>
             </a:r>
-          </a:p>
-        </p:txBody>
-      </p:sp>
-      <p:sp>
-        <p:nvSpPr>
-          <p:cNvPr id="3" name="Espace réservé du texte 2">
-            <a:extLst>
-              <a:ext uri="{FF2B5EF4-FFF2-40B4-BE49-F238E27FC236}">
-                <a16:creationId xmlns:a16="http://schemas.microsoft.com/office/drawing/2014/main" id="{C5D50A60-E5B3-0046-BBE1-90C8FF6B2171}"/>
-              </a:ext>
-            </a:extLst>
-          </p:cNvPr>
+            <a:endParaRPr lang="en-US" dirty="0"/>
+          </a:p>
+        </p:txBody>
+      </p:sp>
+      <p:sp>
+        <p:nvSpPr>
+          <p:cNvPr id="3" name="Text Placeholder 2"/>
           <p:cNvSpPr>
             <a:spLocks noGrp="1"/>
           </p:cNvSpPr>
@@ -1004,19 +4776,21 @@
         </p:nvSpPr>
         <p:spPr>
           <a:xfrm>
-            <a:off x="831850" y="4589463"/>
-            <a:ext cx="10515600" cy="1500187"/>
+            <a:off x="685801" y="3742267"/>
+            <a:ext cx="10394707" cy="1639614"/>
           </a:xfrm>
         </p:spPr>
         <p:txBody>
-          <a:bodyPr/>
+          <a:bodyPr anchor="t">
+            <a:normAutofit/>
+          </a:bodyPr>
           <a:lstStyle>
-            <a:lvl1pPr marL="0" indent="0">
-              <a:buNone/>
-              <a:defRPr sz="2400">
+            <a:lvl1pPr marL="0" indent="0" algn="l">
+              <a:buNone/>
+              <a:defRPr sz="2000">
                 <a:solidFill>
-                  <a:schemeClr val="tx1">
-                    <a:tint val="75000"/>
+                  <a:schemeClr val="bg1">
+                    <a:lumMod val="50000"/>
                   </a:schemeClr>
                 </a:solidFill>
               </a:defRPr>
@@ -1113,13 +4887,7 @@
       </p:sp>
       <p:sp>
         <p:nvSpPr>
-          <p:cNvPr id="4" name="Espace réservé de la date 3">
-            <a:extLst>
-              <a:ext uri="{FF2B5EF4-FFF2-40B4-BE49-F238E27FC236}">
-                <a16:creationId xmlns:a16="http://schemas.microsoft.com/office/drawing/2014/main" id="{58594A2F-AB30-0149-AB69-2612B1D50F6F}"/>
-              </a:ext>
-            </a:extLst>
-          </p:cNvPr>
+          <p:cNvPr id="4" name="Date Placeholder 3"/>
           <p:cNvSpPr>
             <a:spLocks noGrp="1"/>
           </p:cNvSpPr>
@@ -1134,7 +4902,7 @@
           <a:p>
             <a:fld id="{35D442AB-6860-B042-B086-2F1716AA4299}" type="datetimeFigureOut">
               <a:rPr lang="fr-FR" smtClean="0"/>
-              <a:t>13/08/2021</a:t>
+              <a:t>16/08/2021</a:t>
             </a:fld>
             <a:endParaRPr lang="fr-FR"/>
           </a:p>
@@ -1142,13 +4910,7 @@
       </p:sp>
       <p:sp>
         <p:nvSpPr>
-          <p:cNvPr id="5" name="Espace réservé du pied de page 4">
-            <a:extLst>
-              <a:ext uri="{FF2B5EF4-FFF2-40B4-BE49-F238E27FC236}">
-                <a16:creationId xmlns:a16="http://schemas.microsoft.com/office/drawing/2014/main" id="{EDF55F9A-5CA4-1A45-BDA6-77EEA0FCEF50}"/>
-              </a:ext>
-            </a:extLst>
-          </p:cNvPr>
+          <p:cNvPr id="5" name="Footer Placeholder 4"/>
           <p:cNvSpPr>
             <a:spLocks noGrp="1"/>
           </p:cNvSpPr>
@@ -1167,13 +4929,7 @@
       </p:sp>
       <p:sp>
         <p:nvSpPr>
-          <p:cNvPr id="6" name="Espace réservé du numéro de diapositive 5">
-            <a:extLst>
-              <a:ext uri="{FF2B5EF4-FFF2-40B4-BE49-F238E27FC236}">
-                <a16:creationId xmlns:a16="http://schemas.microsoft.com/office/drawing/2014/main" id="{91BC92B0-6721-CE4A-AEB4-0AA2F92F6EF9}"/>
-              </a:ext>
-            </a:extLst>
-          </p:cNvPr>
+          <p:cNvPr id="6" name="Slide Number Placeholder 5"/>
           <p:cNvSpPr>
             <a:spLocks noGrp="1"/>
           </p:cNvSpPr>
@@ -1197,7 +4953,7 @@
     </p:spTree>
     <p:extLst>
       <p:ext uri="{BB962C8B-B14F-4D97-AF65-F5344CB8AC3E}">
-        <p14:creationId xmlns:p14="http://schemas.microsoft.com/office/powerpoint/2010/main" val="2087326432"/>
+        <p14:creationId xmlns:p14="http://schemas.microsoft.com/office/powerpoint/2010/main" val="2993900042"/>
       </p:ext>
     </p:extLst>
   </p:cSld>
@@ -1226,13 +4982,7 @@
       </p:grpSpPr>
       <p:sp>
         <p:nvSpPr>
-          <p:cNvPr id="2" name="Titre 1">
-            <a:extLst>
-              <a:ext uri="{FF2B5EF4-FFF2-40B4-BE49-F238E27FC236}">
-                <a16:creationId xmlns:a16="http://schemas.microsoft.com/office/drawing/2014/main" id="{FBA7770F-6DA5-6544-AD02-4440AD7711C4}"/>
-              </a:ext>
-            </a:extLst>
-          </p:cNvPr>
+          <p:cNvPr id="14" name="Title 1"/>
           <p:cNvSpPr>
             <a:spLocks noGrp="1"/>
           </p:cNvSpPr>
@@ -1240,7 +4990,12 @@
             <p:ph type="title"/>
           </p:nvPr>
         </p:nvSpPr>
-        <p:spPr/>
+        <p:spPr>
+          <a:xfrm>
+            <a:off x="685801" y="685800"/>
+            <a:ext cx="10396882" cy="1158140"/>
+          </a:xfrm>
+        </p:spPr>
         <p:txBody>
           <a:bodyPr/>
           <a:lstStyle/>
@@ -1249,196 +5004,169 @@
               <a:rPr lang="fr-FR"/>
               <a:t>Modifiez le style du titre</a:t>
             </a:r>
-          </a:p>
-        </p:txBody>
-      </p:sp>
-      <p:sp>
-        <p:nvSpPr>
-          <p:cNvPr id="3" name="Espace réservé du contenu 2">
-            <a:extLst>
-              <a:ext uri="{FF2B5EF4-FFF2-40B4-BE49-F238E27FC236}">
-                <a16:creationId xmlns:a16="http://schemas.microsoft.com/office/drawing/2014/main" id="{48B7B05C-5EE8-B94C-AD5D-B7340B676BC6}"/>
-              </a:ext>
-            </a:extLst>
-          </p:cNvPr>
-          <p:cNvSpPr>
-            <a:spLocks noGrp="1"/>
-          </p:cNvSpPr>
-          <p:nvPr>
-            <p:ph sz="half" idx="1"/>
+            <a:endParaRPr lang="en-US" dirty="0"/>
+          </a:p>
+        </p:txBody>
+      </p:sp>
+      <p:sp>
+        <p:nvSpPr>
+          <p:cNvPr id="12" name="Content Placeholder 2"/>
+          <p:cNvSpPr>
+            <a:spLocks noGrp="1"/>
+          </p:cNvSpPr>
+          <p:nvPr>
+            <p:ph sz="quarter" idx="13"/>
           </p:nvPr>
         </p:nvSpPr>
         <p:spPr>
           <a:xfrm>
-            <a:off x="838200" y="1825625"/>
-            <a:ext cx="5181600" cy="4351338"/>
+            <a:off x="685800" y="2063396"/>
+            <a:ext cx="5088714" cy="3311189"/>
           </a:xfrm>
         </p:spPr>
         <p:txBody>
+          <a:bodyPr anchor="t"/>
+          <a:lstStyle/>
+          <a:p>
+            <a:pPr lvl="0"/>
+            <a:r>
+              <a:rPr lang="fr-FR"/>
+              <a:t>Cliquez pour modifier les styles du texte du masque</a:t>
+            </a:r>
+          </a:p>
+          <a:p>
+            <a:pPr lvl="1"/>
+            <a:r>
+              <a:rPr lang="fr-FR"/>
+              <a:t>Deuxième niveau</a:t>
+            </a:r>
+          </a:p>
+          <a:p>
+            <a:pPr lvl="2"/>
+            <a:r>
+              <a:rPr lang="fr-FR"/>
+              <a:t>Troisième niveau</a:t>
+            </a:r>
+          </a:p>
+          <a:p>
+            <a:pPr lvl="3"/>
+            <a:r>
+              <a:rPr lang="fr-FR"/>
+              <a:t>Quatrième niveau</a:t>
+            </a:r>
+          </a:p>
+          <a:p>
+            <a:pPr lvl="4"/>
+            <a:r>
+              <a:rPr lang="fr-FR"/>
+              <a:t>Cinquième niveau</a:t>
+            </a:r>
+            <a:endParaRPr lang="en-US" dirty="0"/>
+          </a:p>
+        </p:txBody>
+      </p:sp>
+      <p:sp>
+        <p:nvSpPr>
+          <p:cNvPr id="13" name="Content Placeholder 3"/>
+          <p:cNvSpPr>
+            <a:spLocks noGrp="1"/>
+          </p:cNvSpPr>
+          <p:nvPr>
+            <p:ph sz="quarter" idx="14"/>
+          </p:nvPr>
+        </p:nvSpPr>
+        <p:spPr>
+          <a:xfrm>
+            <a:off x="5993971" y="2063396"/>
+            <a:ext cx="5086538" cy="3311189"/>
+          </a:xfrm>
+        </p:spPr>
+        <p:txBody>
+          <a:bodyPr anchor="t"/>
+          <a:lstStyle/>
+          <a:p>
+            <a:pPr lvl="0"/>
+            <a:r>
+              <a:rPr lang="fr-FR"/>
+              <a:t>Cliquez pour modifier les styles du texte du masque</a:t>
+            </a:r>
+          </a:p>
+          <a:p>
+            <a:pPr lvl="1"/>
+            <a:r>
+              <a:rPr lang="fr-FR"/>
+              <a:t>Deuxième niveau</a:t>
+            </a:r>
+          </a:p>
+          <a:p>
+            <a:pPr lvl="2"/>
+            <a:r>
+              <a:rPr lang="fr-FR"/>
+              <a:t>Troisième niveau</a:t>
+            </a:r>
+          </a:p>
+          <a:p>
+            <a:pPr lvl="3"/>
+            <a:r>
+              <a:rPr lang="fr-FR"/>
+              <a:t>Quatrième niveau</a:t>
+            </a:r>
+          </a:p>
+          <a:p>
+            <a:pPr lvl="4"/>
+            <a:r>
+              <a:rPr lang="fr-FR"/>
+              <a:t>Cinquième niveau</a:t>
+            </a:r>
+            <a:endParaRPr lang="en-US" dirty="0"/>
+          </a:p>
+        </p:txBody>
+      </p:sp>
+      <p:sp>
+        <p:nvSpPr>
+          <p:cNvPr id="5" name="Date Placeholder 4"/>
+          <p:cNvSpPr>
+            <a:spLocks noGrp="1"/>
+          </p:cNvSpPr>
+          <p:nvPr>
+            <p:ph type="dt" sz="half" idx="10"/>
+          </p:nvPr>
+        </p:nvSpPr>
+        <p:spPr/>
+        <p:txBody>
           <a:bodyPr/>
           <a:lstStyle/>
           <a:p>
-            <a:pPr lvl="0"/>
-            <a:r>
-              <a:rPr lang="fr-FR"/>
-              <a:t>Cliquez pour modifier les styles du texte du masque</a:t>
-            </a:r>
-          </a:p>
-          <a:p>
-            <a:pPr lvl="1"/>
-            <a:r>
-              <a:rPr lang="fr-FR"/>
-              <a:t>Deuxième niveau</a:t>
-            </a:r>
-          </a:p>
-          <a:p>
-            <a:pPr lvl="2"/>
-            <a:r>
-              <a:rPr lang="fr-FR"/>
-              <a:t>Troisième niveau</a:t>
-            </a:r>
-          </a:p>
-          <a:p>
-            <a:pPr lvl="3"/>
-            <a:r>
-              <a:rPr lang="fr-FR"/>
-              <a:t>Quatrième niveau</a:t>
-            </a:r>
-          </a:p>
-          <a:p>
-            <a:pPr lvl="4"/>
-            <a:r>
-              <a:rPr lang="fr-FR"/>
-              <a:t>Cinquième niveau</a:t>
-            </a:r>
-          </a:p>
-        </p:txBody>
-      </p:sp>
-      <p:sp>
-        <p:nvSpPr>
-          <p:cNvPr id="4" name="Espace réservé du contenu 3">
-            <a:extLst>
-              <a:ext uri="{FF2B5EF4-FFF2-40B4-BE49-F238E27FC236}">
-                <a16:creationId xmlns:a16="http://schemas.microsoft.com/office/drawing/2014/main" id="{A525942D-A943-1B45-B297-D003C6873B58}"/>
-              </a:ext>
-            </a:extLst>
-          </p:cNvPr>
-          <p:cNvSpPr>
-            <a:spLocks noGrp="1"/>
-          </p:cNvSpPr>
-          <p:nvPr>
-            <p:ph sz="half" idx="2"/>
-          </p:nvPr>
-        </p:nvSpPr>
-        <p:spPr>
-          <a:xfrm>
-            <a:off x="6172200" y="1825625"/>
-            <a:ext cx="5181600" cy="4351338"/>
-          </a:xfrm>
-        </p:spPr>
+            <a:fld id="{35D442AB-6860-B042-B086-2F1716AA4299}" type="datetimeFigureOut">
+              <a:rPr lang="fr-FR" smtClean="0"/>
+              <a:t>16/08/2021</a:t>
+            </a:fld>
+            <a:endParaRPr lang="fr-FR"/>
+          </a:p>
+        </p:txBody>
+      </p:sp>
+      <p:sp>
+        <p:nvSpPr>
+          <p:cNvPr id="6" name="Footer Placeholder 5"/>
+          <p:cNvSpPr>
+            <a:spLocks noGrp="1"/>
+          </p:cNvSpPr>
+          <p:nvPr>
+            <p:ph type="ftr" sz="quarter" idx="11"/>
+          </p:nvPr>
+        </p:nvSpPr>
+        <p:spPr/>
         <p:txBody>
           <a:bodyPr/>
           <a:lstStyle/>
           <a:p>
-            <a:pPr lvl="0"/>
-            <a:r>
-              <a:rPr lang="fr-FR"/>
-              <a:t>Cliquez pour modifier les styles du texte du masque</a:t>
-            </a:r>
-          </a:p>
-          <a:p>
-            <a:pPr lvl="1"/>
-            <a:r>
-              <a:rPr lang="fr-FR"/>
-              <a:t>Deuxième niveau</a:t>
-            </a:r>
-          </a:p>
-          <a:p>
-            <a:pPr lvl="2"/>
-            <a:r>
-              <a:rPr lang="fr-FR"/>
-              <a:t>Troisième niveau</a:t>
-            </a:r>
-          </a:p>
-          <a:p>
-            <a:pPr lvl="3"/>
-            <a:r>
-              <a:rPr lang="fr-FR"/>
-              <a:t>Quatrième niveau</a:t>
-            </a:r>
-          </a:p>
-          <a:p>
-            <a:pPr lvl="4"/>
-            <a:r>
-              <a:rPr lang="fr-FR"/>
-              <a:t>Cinquième niveau</a:t>
-            </a:r>
-          </a:p>
-        </p:txBody>
-      </p:sp>
-      <p:sp>
-        <p:nvSpPr>
-          <p:cNvPr id="5" name="Espace réservé de la date 4">
-            <a:extLst>
-              <a:ext uri="{FF2B5EF4-FFF2-40B4-BE49-F238E27FC236}">
-                <a16:creationId xmlns:a16="http://schemas.microsoft.com/office/drawing/2014/main" id="{72D38709-C48B-4C4B-B385-ACDE0AB5B7CA}"/>
-              </a:ext>
-            </a:extLst>
-          </p:cNvPr>
-          <p:cNvSpPr>
-            <a:spLocks noGrp="1"/>
-          </p:cNvSpPr>
-          <p:nvPr>
-            <p:ph type="dt" sz="half" idx="10"/>
-          </p:nvPr>
-        </p:nvSpPr>
-        <p:spPr/>
-        <p:txBody>
-          <a:bodyPr/>
-          <a:lstStyle/>
-          <a:p>
-            <a:fld id="{35D442AB-6860-B042-B086-2F1716AA4299}" type="datetimeFigureOut">
-              <a:rPr lang="fr-FR" smtClean="0"/>
-              <a:t>13/08/2021</a:t>
-            </a:fld>
             <a:endParaRPr lang="fr-FR"/>
           </a:p>
         </p:txBody>
       </p:sp>
       <p:sp>
         <p:nvSpPr>
-          <p:cNvPr id="6" name="Espace réservé du pied de page 5">
-            <a:extLst>
-              <a:ext uri="{FF2B5EF4-FFF2-40B4-BE49-F238E27FC236}">
-                <a16:creationId xmlns:a16="http://schemas.microsoft.com/office/drawing/2014/main" id="{CD8C9556-01E7-8A4E-94D9-A2DE64AA9D8B}"/>
-              </a:ext>
-            </a:extLst>
-          </p:cNvPr>
-          <p:cNvSpPr>
-            <a:spLocks noGrp="1"/>
-          </p:cNvSpPr>
-          <p:nvPr>
-            <p:ph type="ftr" sz="quarter" idx="11"/>
-          </p:nvPr>
-        </p:nvSpPr>
-        <p:spPr/>
-        <p:txBody>
-          <a:bodyPr/>
-          <a:lstStyle/>
-          <a:p>
-            <a:endParaRPr lang="fr-FR"/>
-          </a:p>
-        </p:txBody>
-      </p:sp>
-      <p:sp>
-        <p:nvSpPr>
-          <p:cNvPr id="7" name="Espace réservé du numéro de diapositive 6">
-            <a:extLst>
-              <a:ext uri="{FF2B5EF4-FFF2-40B4-BE49-F238E27FC236}">
-                <a16:creationId xmlns:a16="http://schemas.microsoft.com/office/drawing/2014/main" id="{28DB52CB-BCDA-6A4F-9DE3-8AE46AB9BAC5}"/>
-              </a:ext>
-            </a:extLst>
-          </p:cNvPr>
+          <p:cNvPr id="7" name="Slide Number Placeholder 6"/>
           <p:cNvSpPr>
             <a:spLocks noGrp="1"/>
           </p:cNvSpPr>
@@ -1462,7 +5190,7 @@
     </p:spTree>
     <p:extLst>
       <p:ext uri="{BB962C8B-B14F-4D97-AF65-F5344CB8AC3E}">
-        <p14:creationId xmlns:p14="http://schemas.microsoft.com/office/powerpoint/2010/main" val="2104981575"/>
+        <p14:creationId xmlns:p14="http://schemas.microsoft.com/office/powerpoint/2010/main" val="1203921792"/>
       </p:ext>
     </p:extLst>
   </p:cSld>
@@ -1491,13 +5219,7 @@
       </p:grpSpPr>
       <p:sp>
         <p:nvSpPr>
-          <p:cNvPr id="2" name="Titre 1">
-            <a:extLst>
-              <a:ext uri="{FF2B5EF4-FFF2-40B4-BE49-F238E27FC236}">
-                <a16:creationId xmlns:a16="http://schemas.microsoft.com/office/drawing/2014/main" id="{4AD67CD0-55F0-6249-A7C3-E56FF9A7CC0C}"/>
-              </a:ext>
-            </a:extLst>
-          </p:cNvPr>
+          <p:cNvPr id="14" name="Title 1"/>
           <p:cNvSpPr>
             <a:spLocks noGrp="1"/>
           </p:cNvSpPr>
@@ -1507,8 +5229,8 @@
         </p:nvSpPr>
         <p:spPr>
           <a:xfrm>
-            <a:off x="839788" y="365125"/>
-            <a:ext cx="10515600" cy="1325563"/>
+            <a:off x="685801" y="685800"/>
+            <a:ext cx="10394707" cy="1158140"/>
           </a:xfrm>
         </p:spPr>
         <p:txBody>
@@ -1519,18 +5241,13 @@
               <a:rPr lang="fr-FR"/>
               <a:t>Modifiez le style du titre</a:t>
             </a:r>
-          </a:p>
-        </p:txBody>
-      </p:sp>
-      <p:sp>
-        <p:nvSpPr>
-          <p:cNvPr id="3" name="Espace réservé du texte 2">
-            <a:extLst>
-              <a:ext uri="{FF2B5EF4-FFF2-40B4-BE49-F238E27FC236}">
-                <a16:creationId xmlns:a16="http://schemas.microsoft.com/office/drawing/2014/main" id="{202626C6-768E-534C-9CC3-EE90D1C565E7}"/>
-              </a:ext>
-            </a:extLst>
-          </p:cNvPr>
+            <a:endParaRPr lang="en-US" dirty="0"/>
+          </a:p>
+        </p:txBody>
+      </p:sp>
+      <p:sp>
+        <p:nvSpPr>
+          <p:cNvPr id="3" name="Text Placeholder 2"/>
           <p:cNvSpPr>
             <a:spLocks noGrp="1"/>
           </p:cNvSpPr>
@@ -1540,16 +5257,25 @@
         </p:nvSpPr>
         <p:spPr>
           <a:xfrm>
-            <a:off x="839788" y="1681163"/>
-            <a:ext cx="5157787" cy="823912"/>
+            <a:off x="918356" y="2063396"/>
+            <a:ext cx="4856158" cy="679994"/>
           </a:xfrm>
         </p:spPr>
         <p:txBody>
-          <a:bodyPr anchor="b"/>
+          <a:bodyPr anchor="b">
+            <a:noAutofit/>
+          </a:bodyPr>
           <a:lstStyle>
             <a:lvl1pPr marL="0" indent="0">
-              <a:buNone/>
-              <a:defRPr sz="2400" b="1"/>
+              <a:lnSpc>
+                <a:spcPct val="90000"/>
+              </a:lnSpc>
+              <a:buNone/>
+              <a:defRPr sz="2600" b="0">
+                <a:solidFill>
+                  <a:schemeClr val="accent1"/>
+                </a:solidFill>
+              </a:defRPr>
             </a:lvl1pPr>
             <a:lvl2pPr marL="457200" indent="0">
               <a:buNone/>
@@ -1595,28 +5321,22 @@
       </p:sp>
       <p:sp>
         <p:nvSpPr>
-          <p:cNvPr id="4" name="Espace réservé du contenu 3">
-            <a:extLst>
-              <a:ext uri="{FF2B5EF4-FFF2-40B4-BE49-F238E27FC236}">
-                <a16:creationId xmlns:a16="http://schemas.microsoft.com/office/drawing/2014/main" id="{6E8BEE38-BDD5-194C-AB95-DE009F5C1E22}"/>
-              </a:ext>
-            </a:extLst>
-          </p:cNvPr>
-          <p:cNvSpPr>
-            <a:spLocks noGrp="1"/>
-          </p:cNvSpPr>
-          <p:nvPr>
-            <p:ph sz="half" idx="2"/>
+          <p:cNvPr id="12" name="Content Placeholder 3"/>
+          <p:cNvSpPr>
+            <a:spLocks noGrp="1"/>
+          </p:cNvSpPr>
+          <p:nvPr>
+            <p:ph sz="quarter" idx="13"/>
           </p:nvPr>
         </p:nvSpPr>
         <p:spPr>
           <a:xfrm>
-            <a:off x="839788" y="2505075"/>
-            <a:ext cx="5157787" cy="3684588"/>
+            <a:off x="685802" y="2861733"/>
+            <a:ext cx="5088712" cy="2512852"/>
           </a:xfrm>
         </p:spPr>
         <p:txBody>
-          <a:bodyPr/>
+          <a:bodyPr anchor="t"/>
           <a:lstStyle/>
           <a:p>
             <a:pPr lvl="0"/>
@@ -1652,18 +5372,13 @@
               <a:rPr lang="fr-FR"/>
               <a:t>Cinquième niveau</a:t>
             </a:r>
-          </a:p>
-        </p:txBody>
-      </p:sp>
-      <p:sp>
-        <p:nvSpPr>
-          <p:cNvPr id="5" name="Espace réservé du texte 4">
-            <a:extLst>
-              <a:ext uri="{FF2B5EF4-FFF2-40B4-BE49-F238E27FC236}">
-                <a16:creationId xmlns:a16="http://schemas.microsoft.com/office/drawing/2014/main" id="{66CE60E6-35CB-BF4C-B67A-0C37EF7EF84D}"/>
-              </a:ext>
-            </a:extLst>
-          </p:cNvPr>
+            <a:endParaRPr lang="en-US" dirty="0"/>
+          </a:p>
+        </p:txBody>
+      </p:sp>
+      <p:sp>
+        <p:nvSpPr>
+          <p:cNvPr id="5" name="Text Placeholder 4"/>
           <p:cNvSpPr>
             <a:spLocks noGrp="1"/>
           </p:cNvSpPr>
@@ -1673,16 +5388,25 @@
         </p:nvSpPr>
         <p:spPr>
           <a:xfrm>
-            <a:off x="6172200" y="1681163"/>
-            <a:ext cx="5183188" cy="823912"/>
+            <a:off x="6218191" y="2063396"/>
+            <a:ext cx="4864491" cy="679994"/>
           </a:xfrm>
         </p:spPr>
         <p:txBody>
-          <a:bodyPr anchor="b"/>
+          <a:bodyPr anchor="b">
+            <a:noAutofit/>
+          </a:bodyPr>
           <a:lstStyle>
             <a:lvl1pPr marL="0" indent="0">
-              <a:buNone/>
-              <a:defRPr sz="2400" b="1"/>
+              <a:lnSpc>
+                <a:spcPct val="90000"/>
+              </a:lnSpc>
+              <a:buNone/>
+              <a:defRPr sz="2600" b="0">
+                <a:solidFill>
+                  <a:schemeClr val="accent1"/>
+                </a:solidFill>
+              </a:defRPr>
             </a:lvl1pPr>
             <a:lvl2pPr marL="457200" indent="0">
               <a:buNone/>
@@ -1728,80 +5452,92 @@
       </p:sp>
       <p:sp>
         <p:nvSpPr>
-          <p:cNvPr id="6" name="Espace réservé du contenu 5">
-            <a:extLst>
-              <a:ext uri="{FF2B5EF4-FFF2-40B4-BE49-F238E27FC236}">
-                <a16:creationId xmlns:a16="http://schemas.microsoft.com/office/drawing/2014/main" id="{35566654-5C54-DB47-A7CA-DF0C6FE8513D}"/>
-              </a:ext>
-            </a:extLst>
-          </p:cNvPr>
-          <p:cNvSpPr>
-            <a:spLocks noGrp="1"/>
-          </p:cNvSpPr>
-          <p:nvPr>
-            <p:ph sz="quarter" idx="4"/>
+          <p:cNvPr id="13" name="Content Placeholder 5"/>
+          <p:cNvSpPr>
+            <a:spLocks noGrp="1"/>
+          </p:cNvSpPr>
+          <p:nvPr>
+            <p:ph sz="quarter" idx="14"/>
           </p:nvPr>
         </p:nvSpPr>
         <p:spPr>
           <a:xfrm>
-            <a:off x="6172200" y="2505075"/>
-            <a:ext cx="5183188" cy="3684588"/>
+            <a:off x="5993969" y="2861733"/>
+            <a:ext cx="5088713" cy="2512852"/>
           </a:xfrm>
         </p:spPr>
         <p:txBody>
+          <a:bodyPr anchor="t"/>
+          <a:lstStyle/>
+          <a:p>
+            <a:pPr lvl="0"/>
+            <a:r>
+              <a:rPr lang="fr-FR"/>
+              <a:t>Cliquez pour modifier les styles du texte du masque</a:t>
+            </a:r>
+          </a:p>
+          <a:p>
+            <a:pPr lvl="1"/>
+            <a:r>
+              <a:rPr lang="fr-FR"/>
+              <a:t>Deuxième niveau</a:t>
+            </a:r>
+          </a:p>
+          <a:p>
+            <a:pPr lvl="2"/>
+            <a:r>
+              <a:rPr lang="fr-FR"/>
+              <a:t>Troisième niveau</a:t>
+            </a:r>
+          </a:p>
+          <a:p>
+            <a:pPr lvl="3"/>
+            <a:r>
+              <a:rPr lang="fr-FR"/>
+              <a:t>Quatrième niveau</a:t>
+            </a:r>
+          </a:p>
+          <a:p>
+            <a:pPr lvl="4"/>
+            <a:r>
+              <a:rPr lang="fr-FR"/>
+              <a:t>Cinquième niveau</a:t>
+            </a:r>
+            <a:endParaRPr lang="en-US" dirty="0"/>
+          </a:p>
+        </p:txBody>
+      </p:sp>
+      <p:sp>
+        <p:nvSpPr>
+          <p:cNvPr id="7" name="Date Placeholder 6"/>
+          <p:cNvSpPr>
+            <a:spLocks noGrp="1"/>
+          </p:cNvSpPr>
+          <p:nvPr>
+            <p:ph type="dt" sz="half" idx="10"/>
+          </p:nvPr>
+        </p:nvSpPr>
+        <p:spPr/>
+        <p:txBody>
           <a:bodyPr/>
           <a:lstStyle/>
           <a:p>
-            <a:pPr lvl="0"/>
-            <a:r>
-              <a:rPr lang="fr-FR"/>
-              <a:t>Cliquez pour modifier les styles du texte du masque</a:t>
-            </a:r>
-          </a:p>
-          <a:p>
-            <a:pPr lvl="1"/>
-            <a:r>
-              <a:rPr lang="fr-FR"/>
-              <a:t>Deuxième niveau</a:t>
-            </a:r>
-          </a:p>
-          <a:p>
-            <a:pPr lvl="2"/>
-            <a:r>
-              <a:rPr lang="fr-FR"/>
-              <a:t>Troisième niveau</a:t>
-            </a:r>
-          </a:p>
-          <a:p>
-            <a:pPr lvl="3"/>
-            <a:r>
-              <a:rPr lang="fr-FR"/>
-              <a:t>Quatrième niveau</a:t>
-            </a:r>
-          </a:p>
-          <a:p>
-            <a:pPr lvl="4"/>
-            <a:r>
-              <a:rPr lang="fr-FR"/>
-              <a:t>Cinquième niveau</a:t>
-            </a:r>
-          </a:p>
-        </p:txBody>
-      </p:sp>
-      <p:sp>
-        <p:nvSpPr>
-          <p:cNvPr id="7" name="Espace réservé de la date 6">
-            <a:extLst>
-              <a:ext uri="{FF2B5EF4-FFF2-40B4-BE49-F238E27FC236}">
-                <a16:creationId xmlns:a16="http://schemas.microsoft.com/office/drawing/2014/main" id="{1411CA91-677E-BC48-A4FC-849673278224}"/>
-              </a:ext>
-            </a:extLst>
-          </p:cNvPr>
-          <p:cNvSpPr>
-            <a:spLocks noGrp="1"/>
-          </p:cNvSpPr>
-          <p:nvPr>
-            <p:ph type="dt" sz="half" idx="10"/>
+            <a:fld id="{35D442AB-6860-B042-B086-2F1716AA4299}" type="datetimeFigureOut">
+              <a:rPr lang="fr-FR" smtClean="0"/>
+              <a:t>16/08/2021</a:t>
+            </a:fld>
+            <a:endParaRPr lang="fr-FR"/>
+          </a:p>
+        </p:txBody>
+      </p:sp>
+      <p:sp>
+        <p:nvSpPr>
+          <p:cNvPr id="8" name="Footer Placeholder 7"/>
+          <p:cNvSpPr>
+            <a:spLocks noGrp="1"/>
+          </p:cNvSpPr>
+          <p:nvPr>
+            <p:ph type="ftr" sz="quarter" idx="11"/>
           </p:nvPr>
         </p:nvSpPr>
         <p:spPr/>
@@ -1809,48 +5545,13 @@
           <a:bodyPr/>
           <a:lstStyle/>
           <a:p>
-            <a:fld id="{35D442AB-6860-B042-B086-2F1716AA4299}" type="datetimeFigureOut">
-              <a:rPr lang="fr-FR" smtClean="0"/>
-              <a:t>13/08/2021</a:t>
-            </a:fld>
             <a:endParaRPr lang="fr-FR"/>
           </a:p>
         </p:txBody>
       </p:sp>
       <p:sp>
         <p:nvSpPr>
-          <p:cNvPr id="8" name="Espace réservé du pied de page 7">
-            <a:extLst>
-              <a:ext uri="{FF2B5EF4-FFF2-40B4-BE49-F238E27FC236}">
-                <a16:creationId xmlns:a16="http://schemas.microsoft.com/office/drawing/2014/main" id="{7C53D89A-31B2-A04D-879C-B57AC9DAE366}"/>
-              </a:ext>
-            </a:extLst>
-          </p:cNvPr>
-          <p:cNvSpPr>
-            <a:spLocks noGrp="1"/>
-          </p:cNvSpPr>
-          <p:nvPr>
-            <p:ph type="ftr" sz="quarter" idx="11"/>
-          </p:nvPr>
-        </p:nvSpPr>
-        <p:spPr/>
-        <p:txBody>
-          <a:bodyPr/>
-          <a:lstStyle/>
-          <a:p>
-            <a:endParaRPr lang="fr-FR"/>
-          </a:p>
-        </p:txBody>
-      </p:sp>
-      <p:sp>
-        <p:nvSpPr>
-          <p:cNvPr id="9" name="Espace réservé du numéro de diapositive 8">
-            <a:extLst>
-              <a:ext uri="{FF2B5EF4-FFF2-40B4-BE49-F238E27FC236}">
-                <a16:creationId xmlns:a16="http://schemas.microsoft.com/office/drawing/2014/main" id="{7F9B6EB7-D972-2645-B984-4749A4712902}"/>
-              </a:ext>
-            </a:extLst>
-          </p:cNvPr>
+          <p:cNvPr id="9" name="Slide Number Placeholder 8"/>
           <p:cNvSpPr>
             <a:spLocks noGrp="1"/>
           </p:cNvSpPr>
@@ -1874,7 +5575,7 @@
     </p:spTree>
     <p:extLst>
       <p:ext uri="{BB962C8B-B14F-4D97-AF65-F5344CB8AC3E}">
-        <p14:creationId xmlns:p14="http://schemas.microsoft.com/office/powerpoint/2010/main" val="1048313789"/>
+        <p14:creationId xmlns:p14="http://schemas.microsoft.com/office/powerpoint/2010/main" val="915858379"/>
       </p:ext>
     </p:extLst>
   </p:cSld>
@@ -1903,13 +5604,7 @@
       </p:grpSpPr>
       <p:sp>
         <p:nvSpPr>
-          <p:cNvPr id="2" name="Titre 1">
-            <a:extLst>
-              <a:ext uri="{FF2B5EF4-FFF2-40B4-BE49-F238E27FC236}">
-                <a16:creationId xmlns:a16="http://schemas.microsoft.com/office/drawing/2014/main" id="{5E4B921D-DA3A-9442-B0C7-BA8D9F19657D}"/>
-              </a:ext>
-            </a:extLst>
-          </p:cNvPr>
+          <p:cNvPr id="2" name="Title 1"/>
           <p:cNvSpPr>
             <a:spLocks noGrp="1"/>
           </p:cNvSpPr>
@@ -1926,18 +5621,13 @@
               <a:rPr lang="fr-FR"/>
               <a:t>Modifiez le style du titre</a:t>
             </a:r>
-          </a:p>
-        </p:txBody>
-      </p:sp>
-      <p:sp>
-        <p:nvSpPr>
-          <p:cNvPr id="3" name="Espace réservé de la date 2">
-            <a:extLst>
-              <a:ext uri="{FF2B5EF4-FFF2-40B4-BE49-F238E27FC236}">
-                <a16:creationId xmlns:a16="http://schemas.microsoft.com/office/drawing/2014/main" id="{3D89E765-8D91-EA4D-B439-A3E2C0BF6F12}"/>
-              </a:ext>
-            </a:extLst>
-          </p:cNvPr>
+            <a:endParaRPr lang="en-US" dirty="0"/>
+          </a:p>
+        </p:txBody>
+      </p:sp>
+      <p:sp>
+        <p:nvSpPr>
+          <p:cNvPr id="3" name="Date Placeholder 2"/>
           <p:cNvSpPr>
             <a:spLocks noGrp="1"/>
           </p:cNvSpPr>
@@ -1952,7 +5642,7 @@
           <a:p>
             <a:fld id="{35D442AB-6860-B042-B086-2F1716AA4299}" type="datetimeFigureOut">
               <a:rPr lang="fr-FR" smtClean="0"/>
-              <a:t>13/08/2021</a:t>
+              <a:t>16/08/2021</a:t>
             </a:fld>
             <a:endParaRPr lang="fr-FR"/>
           </a:p>
@@ -1960,13 +5650,7 @@
       </p:sp>
       <p:sp>
         <p:nvSpPr>
-          <p:cNvPr id="4" name="Espace réservé du pied de page 3">
-            <a:extLst>
-              <a:ext uri="{FF2B5EF4-FFF2-40B4-BE49-F238E27FC236}">
-                <a16:creationId xmlns:a16="http://schemas.microsoft.com/office/drawing/2014/main" id="{EECC04E5-187B-674E-846B-FA7CFE13FCE6}"/>
-              </a:ext>
-            </a:extLst>
-          </p:cNvPr>
+          <p:cNvPr id="4" name="Footer Placeholder 3"/>
           <p:cNvSpPr>
             <a:spLocks noGrp="1"/>
           </p:cNvSpPr>
@@ -1985,13 +5669,7 @@
       </p:sp>
       <p:sp>
         <p:nvSpPr>
-          <p:cNvPr id="5" name="Espace réservé du numéro de diapositive 4">
-            <a:extLst>
-              <a:ext uri="{FF2B5EF4-FFF2-40B4-BE49-F238E27FC236}">
-                <a16:creationId xmlns:a16="http://schemas.microsoft.com/office/drawing/2014/main" id="{CD532E15-67B2-0D45-BCA3-8634D00AA99C}"/>
-              </a:ext>
-            </a:extLst>
-          </p:cNvPr>
+          <p:cNvPr id="5" name="Slide Number Placeholder 4"/>
           <p:cNvSpPr>
             <a:spLocks noGrp="1"/>
           </p:cNvSpPr>
@@ -2015,7 +5693,7 @@
     </p:spTree>
     <p:extLst>
       <p:ext uri="{BB962C8B-B14F-4D97-AF65-F5344CB8AC3E}">
-        <p14:creationId xmlns:p14="http://schemas.microsoft.com/office/powerpoint/2010/main" val="981295934"/>
+        <p14:creationId xmlns:p14="http://schemas.microsoft.com/office/powerpoint/2010/main" val="462214407"/>
       </p:ext>
     </p:extLst>
   </p:cSld>
@@ -2044,13 +5722,7 @@
       </p:grpSpPr>
       <p:sp>
         <p:nvSpPr>
-          <p:cNvPr id="2" name="Espace réservé de la date 1">
-            <a:extLst>
-              <a:ext uri="{FF2B5EF4-FFF2-40B4-BE49-F238E27FC236}">
-                <a16:creationId xmlns:a16="http://schemas.microsoft.com/office/drawing/2014/main" id="{0FBAA43E-CF2B-BB47-B7CF-0C2A2B98A079}"/>
-              </a:ext>
-            </a:extLst>
-          </p:cNvPr>
+          <p:cNvPr id="2" name="Date Placeholder 1"/>
           <p:cNvSpPr>
             <a:spLocks noGrp="1"/>
           </p:cNvSpPr>
@@ -2065,7 +5737,7 @@
           <a:p>
             <a:fld id="{35D442AB-6860-B042-B086-2F1716AA4299}" type="datetimeFigureOut">
               <a:rPr lang="fr-FR" smtClean="0"/>
-              <a:t>13/08/2021</a:t>
+              <a:t>16/08/2021</a:t>
             </a:fld>
             <a:endParaRPr lang="fr-FR"/>
           </a:p>
@@ -2073,13 +5745,7 @@
       </p:sp>
       <p:sp>
         <p:nvSpPr>
-          <p:cNvPr id="3" name="Espace réservé du pied de page 2">
-            <a:extLst>
-              <a:ext uri="{FF2B5EF4-FFF2-40B4-BE49-F238E27FC236}">
-                <a16:creationId xmlns:a16="http://schemas.microsoft.com/office/drawing/2014/main" id="{5417FEE3-79D9-4A46-9A12-6BABC11689C9}"/>
-              </a:ext>
-            </a:extLst>
-          </p:cNvPr>
+          <p:cNvPr id="3" name="Footer Placeholder 2"/>
           <p:cNvSpPr>
             <a:spLocks noGrp="1"/>
           </p:cNvSpPr>
@@ -2098,13 +5764,7 @@
       </p:sp>
       <p:sp>
         <p:nvSpPr>
-          <p:cNvPr id="4" name="Espace réservé du numéro de diapositive 3">
-            <a:extLst>
-              <a:ext uri="{FF2B5EF4-FFF2-40B4-BE49-F238E27FC236}">
-                <a16:creationId xmlns:a16="http://schemas.microsoft.com/office/drawing/2014/main" id="{FF901B9F-B898-7245-9638-8331D8B2B9EE}"/>
-              </a:ext>
-            </a:extLst>
-          </p:cNvPr>
+          <p:cNvPr id="4" name="Slide Number Placeholder 3"/>
           <p:cNvSpPr>
             <a:spLocks noGrp="1"/>
           </p:cNvSpPr>
@@ -2128,7 +5788,7 @@
     </p:spTree>
     <p:extLst>
       <p:ext uri="{BB962C8B-B14F-4D97-AF65-F5344CB8AC3E}">
-        <p14:creationId xmlns:p14="http://schemas.microsoft.com/office/powerpoint/2010/main" val="3478448643"/>
+        <p14:creationId xmlns:p14="http://schemas.microsoft.com/office/powerpoint/2010/main" val="3896195627"/>
       </p:ext>
     </p:extLst>
   </p:cSld>
@@ -2157,13 +5817,7 @@
       </p:grpSpPr>
       <p:sp>
         <p:nvSpPr>
-          <p:cNvPr id="2" name="Titre 1">
-            <a:extLst>
-              <a:ext uri="{FF2B5EF4-FFF2-40B4-BE49-F238E27FC236}">
-                <a16:creationId xmlns:a16="http://schemas.microsoft.com/office/drawing/2014/main" id="{CD4D2B6D-A3DB-0245-89EA-5344E807FB39}"/>
-              </a:ext>
-            </a:extLst>
-          </p:cNvPr>
+          <p:cNvPr id="2" name="Title 1"/>
           <p:cNvSpPr>
             <a:spLocks noGrp="1"/>
           </p:cNvSpPr>
@@ -2173,15 +5827,17 @@
         </p:nvSpPr>
         <p:spPr>
           <a:xfrm>
-            <a:off x="839788" y="457200"/>
-            <a:ext cx="3932237" cy="1600200"/>
+            <a:off x="693643" y="685800"/>
+            <a:ext cx="4126860" cy="2023252"/>
           </a:xfrm>
         </p:spPr>
         <p:txBody>
-          <a:bodyPr anchor="b"/>
+          <a:bodyPr anchor="b">
+            <a:normAutofit/>
+          </a:bodyPr>
           <a:lstStyle>
-            <a:lvl1pPr>
-              <a:defRPr sz="3200"/>
+            <a:lvl1pPr algn="ctr">
+              <a:defRPr sz="3600"/>
             </a:lvl1pPr>
           </a:lstStyle>
           <a:p>
@@ -2189,62 +5845,29 @@
               <a:rPr lang="fr-FR"/>
               <a:t>Modifiez le style du titre</a:t>
             </a:r>
-          </a:p>
-        </p:txBody>
-      </p:sp>
-      <p:sp>
-        <p:nvSpPr>
-          <p:cNvPr id="3" name="Espace réservé du contenu 2">
-            <a:extLst>
-              <a:ext uri="{FF2B5EF4-FFF2-40B4-BE49-F238E27FC236}">
-                <a16:creationId xmlns:a16="http://schemas.microsoft.com/office/drawing/2014/main" id="{12075809-B5E7-E948-BC79-97F801F5F45C}"/>
-              </a:ext>
-            </a:extLst>
-          </p:cNvPr>
-          <p:cNvSpPr>
-            <a:spLocks noGrp="1"/>
-          </p:cNvSpPr>
-          <p:nvPr>
-            <p:ph idx="1"/>
+            <a:endParaRPr lang="en-US" dirty="0"/>
+          </a:p>
+        </p:txBody>
+      </p:sp>
+      <p:sp>
+        <p:nvSpPr>
+          <p:cNvPr id="10" name="Content Placeholder 2"/>
+          <p:cNvSpPr>
+            <a:spLocks noGrp="1"/>
+          </p:cNvSpPr>
+          <p:nvPr>
+            <p:ph sz="quarter" idx="13"/>
           </p:nvPr>
         </p:nvSpPr>
         <p:spPr>
           <a:xfrm>
-            <a:off x="5183188" y="987425"/>
-            <a:ext cx="6172200" cy="4873625"/>
+            <a:off x="5046132" y="685800"/>
+            <a:ext cx="6034375" cy="4688785"/>
           </a:xfrm>
         </p:spPr>
         <p:txBody>
           <a:bodyPr/>
-          <a:lstStyle>
-            <a:lvl1pPr>
-              <a:defRPr sz="3200"/>
-            </a:lvl1pPr>
-            <a:lvl2pPr>
-              <a:defRPr sz="2800"/>
-            </a:lvl2pPr>
-            <a:lvl3pPr>
-              <a:defRPr sz="2400"/>
-            </a:lvl3pPr>
-            <a:lvl4pPr>
-              <a:defRPr sz="2000"/>
-            </a:lvl4pPr>
-            <a:lvl5pPr>
-              <a:defRPr sz="2000"/>
-            </a:lvl5pPr>
-            <a:lvl6pPr>
-              <a:defRPr sz="2000"/>
-            </a:lvl6pPr>
-            <a:lvl7pPr>
-              <a:defRPr sz="2000"/>
-            </a:lvl7pPr>
-            <a:lvl8pPr>
-              <a:defRPr sz="2000"/>
-            </a:lvl8pPr>
-            <a:lvl9pPr>
-              <a:defRPr sz="2000"/>
-            </a:lvl9pPr>
-          </a:lstStyle>
+          <a:lstStyle/>
           <a:p>
             <a:pPr lvl="0"/>
             <a:r>
@@ -2279,18 +5902,13 @@
               <a:rPr lang="fr-FR"/>
               <a:t>Cinquième niveau</a:t>
             </a:r>
-          </a:p>
-        </p:txBody>
-      </p:sp>
-      <p:sp>
-        <p:nvSpPr>
-          <p:cNvPr id="4" name="Espace réservé du texte 3">
-            <a:extLst>
-              <a:ext uri="{FF2B5EF4-FFF2-40B4-BE49-F238E27FC236}">
-                <a16:creationId xmlns:a16="http://schemas.microsoft.com/office/drawing/2014/main" id="{37374B9C-1B70-6046-9F31-A27B106AD7B0}"/>
-              </a:ext>
-            </a:extLst>
-          </p:cNvPr>
+            <a:endParaRPr lang="en-US" dirty="0"/>
+          </a:p>
+        </p:txBody>
+      </p:sp>
+      <p:sp>
+        <p:nvSpPr>
+          <p:cNvPr id="4" name="Text Placeholder 3"/>
           <p:cNvSpPr>
             <a:spLocks noGrp="1"/>
           </p:cNvSpPr>
@@ -2300,16 +5918,18 @@
         </p:nvSpPr>
         <p:spPr>
           <a:xfrm>
-            <a:off x="839788" y="2057400"/>
-            <a:ext cx="3932237" cy="3811588"/>
+            <a:off x="693642" y="2709052"/>
+            <a:ext cx="4126861" cy="2665533"/>
           </a:xfrm>
         </p:spPr>
         <p:txBody>
-          <a:bodyPr/>
+          <a:bodyPr anchor="t">
+            <a:normAutofit/>
+          </a:bodyPr>
           <a:lstStyle>
-            <a:lvl1pPr marL="0" indent="0">
-              <a:buNone/>
-              <a:defRPr sz="1600"/>
+            <a:lvl1pPr marL="0" indent="0" algn="ctr">
+              <a:buNone/>
+              <a:defRPr sz="1800"/>
             </a:lvl1pPr>
             <a:lvl2pPr marL="457200" indent="0">
               <a:buNone/>
@@ -2355,13 +5975,7 @@
       </p:sp>
       <p:sp>
         <p:nvSpPr>
-          <p:cNvPr id="5" name="Espace réservé de la date 4">
-            <a:extLst>
-              <a:ext uri="{FF2B5EF4-FFF2-40B4-BE49-F238E27FC236}">
-                <a16:creationId xmlns:a16="http://schemas.microsoft.com/office/drawing/2014/main" id="{D7AB7318-DA03-8942-8B49-13553C4E8974}"/>
-              </a:ext>
-            </a:extLst>
-          </p:cNvPr>
+          <p:cNvPr id="5" name="Date Placeholder 4"/>
           <p:cNvSpPr>
             <a:spLocks noGrp="1"/>
           </p:cNvSpPr>
@@ -2376,7 +5990,7 @@
           <a:p>
             <a:fld id="{35D442AB-6860-B042-B086-2F1716AA4299}" type="datetimeFigureOut">
               <a:rPr lang="fr-FR" smtClean="0"/>
-              <a:t>13/08/2021</a:t>
+              <a:t>16/08/2021</a:t>
             </a:fld>
             <a:endParaRPr lang="fr-FR"/>
           </a:p>
@@ -2384,13 +5998,7 @@
       </p:sp>
       <p:sp>
         <p:nvSpPr>
-          <p:cNvPr id="6" name="Espace réservé du pied de page 5">
-            <a:extLst>
-              <a:ext uri="{FF2B5EF4-FFF2-40B4-BE49-F238E27FC236}">
-                <a16:creationId xmlns:a16="http://schemas.microsoft.com/office/drawing/2014/main" id="{8B0CDD39-C493-2F45-AA76-349C7BEC6A97}"/>
-              </a:ext>
-            </a:extLst>
-          </p:cNvPr>
+          <p:cNvPr id="6" name="Footer Placeholder 5"/>
           <p:cNvSpPr>
             <a:spLocks noGrp="1"/>
           </p:cNvSpPr>
@@ -2409,13 +6017,7 @@
       </p:sp>
       <p:sp>
         <p:nvSpPr>
-          <p:cNvPr id="7" name="Espace réservé du numéro de diapositive 6">
-            <a:extLst>
-              <a:ext uri="{FF2B5EF4-FFF2-40B4-BE49-F238E27FC236}">
-                <a16:creationId xmlns:a16="http://schemas.microsoft.com/office/drawing/2014/main" id="{5804FF85-8A29-FB4E-B270-A413894AFB2C}"/>
-              </a:ext>
-            </a:extLst>
-          </p:cNvPr>
+          <p:cNvPr id="7" name="Slide Number Placeholder 6"/>
           <p:cNvSpPr>
             <a:spLocks noGrp="1"/>
           </p:cNvSpPr>
@@ -2439,7 +6041,7 @@
     </p:spTree>
     <p:extLst>
       <p:ext uri="{BB962C8B-B14F-4D97-AF65-F5344CB8AC3E}">
-        <p14:creationId xmlns:p14="http://schemas.microsoft.com/office/powerpoint/2010/main" val="1553193237"/>
+        <p14:creationId xmlns:p14="http://schemas.microsoft.com/office/powerpoint/2010/main" val="1660930847"/>
       </p:ext>
     </p:extLst>
   </p:cSld>
@@ -2468,13 +6070,7 @@
       </p:grpSpPr>
       <p:sp>
         <p:nvSpPr>
-          <p:cNvPr id="2" name="Titre 1">
-            <a:extLst>
-              <a:ext uri="{FF2B5EF4-FFF2-40B4-BE49-F238E27FC236}">
-                <a16:creationId xmlns:a16="http://schemas.microsoft.com/office/drawing/2014/main" id="{C6E00C41-84A1-B84E-ACA3-B71778554DAF}"/>
-              </a:ext>
-            </a:extLst>
-          </p:cNvPr>
+          <p:cNvPr id="2" name="Title 1"/>
           <p:cNvSpPr>
             <a:spLocks noGrp="1"/>
           </p:cNvSpPr>
@@ -2484,15 +6080,17 @@
         </p:nvSpPr>
         <p:spPr>
           <a:xfrm>
-            <a:off x="839788" y="457200"/>
-            <a:ext cx="3932237" cy="1600200"/>
+            <a:off x="685800" y="685800"/>
+            <a:ext cx="6345302" cy="2023252"/>
           </a:xfrm>
         </p:spPr>
         <p:txBody>
-          <a:bodyPr anchor="b"/>
+          <a:bodyPr anchor="b">
+            <a:normAutofit/>
+          </a:bodyPr>
           <a:lstStyle>
-            <a:lvl1pPr>
-              <a:defRPr sz="3200"/>
+            <a:lvl1pPr algn="ctr">
+              <a:defRPr sz="3600"/>
             </a:lvl1pPr>
           </a:lstStyle>
           <a:p>
@@ -2500,20 +6098,15 @@
               <a:rPr lang="fr-FR"/>
               <a:t>Modifiez le style du titre</a:t>
             </a:r>
-          </a:p>
-        </p:txBody>
-      </p:sp>
-      <p:sp>
-        <p:nvSpPr>
-          <p:cNvPr id="3" name="Espace réservé pour une image  2">
-            <a:extLst>
-              <a:ext uri="{FF2B5EF4-FFF2-40B4-BE49-F238E27FC236}">
-                <a16:creationId xmlns:a16="http://schemas.microsoft.com/office/drawing/2014/main" id="{69931FD6-EA90-B243-B3EF-FA1894C3ABCF}"/>
-              </a:ext>
-            </a:extLst>
-          </p:cNvPr>
-          <p:cNvSpPr>
-            <a:spLocks noGrp="1"/>
+            <a:endParaRPr lang="en-US" dirty="0"/>
+          </a:p>
+        </p:txBody>
+      </p:sp>
+      <p:sp>
+        <p:nvSpPr>
+          <p:cNvPr id="3" name="Picture Placeholder 2"/>
+          <p:cNvSpPr>
+            <a:spLocks noGrp="1" noChangeAspect="1"/>
           </p:cNvSpPr>
           <p:nvPr>
             <p:ph type="pic" idx="1"/>
@@ -2521,14 +6114,22 @@
         </p:nvSpPr>
         <p:spPr>
           <a:xfrm>
-            <a:off x="5183188" y="987425"/>
-            <a:ext cx="6172200" cy="4873625"/>
+            <a:off x="7482362" y="0"/>
+            <a:ext cx="3598146" cy="5071533"/>
           </a:xfrm>
+          <a:ln w="57150" cmpd="thinThick">
+            <a:solidFill>
+              <a:schemeClr val="bg1">
+                <a:lumMod val="50000"/>
+              </a:schemeClr>
+            </a:solidFill>
+            <a:miter lim="800000"/>
+          </a:ln>
         </p:spPr>
         <p:txBody>
-          <a:bodyPr/>
+          <a:bodyPr anchor="t"/>
           <a:lstStyle>
-            <a:lvl1pPr marL="0" indent="0">
+            <a:lvl1pPr marL="0" indent="0" algn="ctr">
               <a:buNone/>
               <a:defRPr sz="3200"/>
             </a:lvl1pPr>
@@ -2566,19 +6167,17 @@
             </a:lvl9pPr>
           </a:lstStyle>
           <a:p>
-            <a:endParaRPr lang="fr-FR"/>
-          </a:p>
-        </p:txBody>
-      </p:sp>
-      <p:sp>
-        <p:nvSpPr>
-          <p:cNvPr id="4" name="Espace réservé du texte 3">
-            <a:extLst>
-              <a:ext uri="{FF2B5EF4-FFF2-40B4-BE49-F238E27FC236}">
-                <a16:creationId xmlns:a16="http://schemas.microsoft.com/office/drawing/2014/main" id="{EBF5B60D-577D-1B41-B2A8-57A724490B9B}"/>
-              </a:ext>
-            </a:extLst>
-          </p:cNvPr>
+            <a:r>
+              <a:rPr lang="fr-FR"/>
+              <a:t>Cliquez sur l'icône pour ajouter une image</a:t>
+            </a:r>
+            <a:endParaRPr lang="en-US" dirty="0"/>
+          </a:p>
+        </p:txBody>
+      </p:sp>
+      <p:sp>
+        <p:nvSpPr>
+          <p:cNvPr id="4" name="Text Placeholder 3"/>
           <p:cNvSpPr>
             <a:spLocks noGrp="1"/>
           </p:cNvSpPr>
@@ -2588,16 +6187,18 @@
         </p:nvSpPr>
         <p:spPr>
           <a:xfrm>
-            <a:off x="839788" y="2057400"/>
-            <a:ext cx="3932237" cy="3811588"/>
+            <a:off x="685801" y="2709052"/>
+            <a:ext cx="6345301" cy="2362481"/>
           </a:xfrm>
         </p:spPr>
         <p:txBody>
-          <a:bodyPr/>
+          <a:bodyPr anchor="t">
+            <a:normAutofit/>
+          </a:bodyPr>
           <a:lstStyle>
-            <a:lvl1pPr marL="0" indent="0">
-              <a:buNone/>
-              <a:defRPr sz="1600"/>
+            <a:lvl1pPr marL="0" indent="0" algn="ctr">
+              <a:buNone/>
+              <a:defRPr sz="1800"/>
             </a:lvl1pPr>
             <a:lvl2pPr marL="457200" indent="0">
               <a:buNone/>
@@ -2643,13 +6244,7 @@
       </p:sp>
       <p:sp>
         <p:nvSpPr>
-          <p:cNvPr id="5" name="Espace réservé de la date 4">
-            <a:extLst>
-              <a:ext uri="{FF2B5EF4-FFF2-40B4-BE49-F238E27FC236}">
-                <a16:creationId xmlns:a16="http://schemas.microsoft.com/office/drawing/2014/main" id="{D4F94B65-0ACF-CA4D-8CEB-7E982659D6B7}"/>
-              </a:ext>
-            </a:extLst>
-          </p:cNvPr>
+          <p:cNvPr id="5" name="Date Placeholder 4"/>
           <p:cNvSpPr>
             <a:spLocks noGrp="1"/>
           </p:cNvSpPr>
@@ -2664,7 +6259,7 @@
           <a:p>
             <a:fld id="{35D442AB-6860-B042-B086-2F1716AA4299}" type="datetimeFigureOut">
               <a:rPr lang="fr-FR" smtClean="0"/>
-              <a:t>13/08/2021</a:t>
+              <a:t>16/08/2021</a:t>
             </a:fld>
             <a:endParaRPr lang="fr-FR"/>
           </a:p>
@@ -2672,13 +6267,7 @@
       </p:sp>
       <p:sp>
         <p:nvSpPr>
-          <p:cNvPr id="6" name="Espace réservé du pied de page 5">
-            <a:extLst>
-              <a:ext uri="{FF2B5EF4-FFF2-40B4-BE49-F238E27FC236}">
-                <a16:creationId xmlns:a16="http://schemas.microsoft.com/office/drawing/2014/main" id="{021B8CA8-A0A5-D84A-B4B9-451404467B84}"/>
-              </a:ext>
-            </a:extLst>
-          </p:cNvPr>
+          <p:cNvPr id="6" name="Footer Placeholder 5"/>
           <p:cNvSpPr>
             <a:spLocks noGrp="1"/>
           </p:cNvSpPr>
@@ -2697,13 +6286,7 @@
       </p:sp>
       <p:sp>
         <p:nvSpPr>
-          <p:cNvPr id="7" name="Espace réservé du numéro de diapositive 6">
-            <a:extLst>
-              <a:ext uri="{FF2B5EF4-FFF2-40B4-BE49-F238E27FC236}">
-                <a16:creationId xmlns:a16="http://schemas.microsoft.com/office/drawing/2014/main" id="{1C257D04-F164-8F41-B609-C88AAC0F242C}"/>
-              </a:ext>
-            </a:extLst>
-          </p:cNvPr>
+          <p:cNvPr id="7" name="Slide Number Placeholder 6"/>
           <p:cNvSpPr>
             <a:spLocks noGrp="1"/>
           </p:cNvSpPr>
@@ -2727,7 +6310,7 @@
     </p:spTree>
     <p:extLst>
       <p:ext uri="{BB962C8B-B14F-4D97-AF65-F5344CB8AC3E}">
-        <p14:creationId xmlns:p14="http://schemas.microsoft.com/office/powerpoint/2010/main" val="1452578845"/>
+        <p14:creationId xmlns:p14="http://schemas.microsoft.com/office/powerpoint/2010/main" val="2594313509"/>
       </p:ext>
     </p:extLst>
   </p:cSld>
@@ -2741,7 +6324,7 @@
 <p:sldMaster xmlns:a="http://schemas.openxmlformats.org/drawingml/2006/main" xmlns:r="http://schemas.openxmlformats.org/officeDocument/2006/relationships" xmlns:p="http://schemas.openxmlformats.org/presentationml/2006/main">
   <p:cSld>
     <p:bg>
-      <p:bgRef idx="1001">
+      <p:bgRef idx="1003">
         <a:schemeClr val="bg1"/>
       </p:bgRef>
     </p:bg>
@@ -2759,144 +6342,318 @@
           <a:chExt cx="0" cy="0"/>
         </a:xfrm>
       </p:grpSpPr>
-      <p:sp>
-        <p:nvSpPr>
-          <p:cNvPr id="2" name="Espace réservé du titre 1">
+      <p:pic>
+        <p:nvPicPr>
+          <p:cNvPr id="7" name="Picture 6" descr="Brickwork-HD-R1a.jpg"/>
+          <p:cNvPicPr>
+            <a:picLocks noChangeAspect="1"/>
+          </p:cNvPicPr>
+          <p:nvPr/>
+        </p:nvPicPr>
+        <p:blipFill>
+          <a:blip r:embed="rId20">
             <a:extLst>
-              <a:ext uri="{FF2B5EF4-FFF2-40B4-BE49-F238E27FC236}">
-                <a16:creationId xmlns:a16="http://schemas.microsoft.com/office/drawing/2014/main" id="{3DAD3DCE-3656-7249-BB61-38E547BA0423}"/>
+              <a:ext uri="{28A0092B-C50C-407E-A947-70E740481C1C}">
+                <a14:useLocalDpi xmlns:a14="http://schemas.microsoft.com/office/drawing/2010/main" val="0"/>
               </a:ext>
             </a:extLst>
-          </p:cNvPr>
-          <p:cNvSpPr>
-            <a:spLocks noGrp="1"/>
-          </p:cNvSpPr>
-          <p:nvPr>
-            <p:ph type="title"/>
-          </p:nvPr>
-        </p:nvSpPr>
+          </a:blip>
+          <a:stretch>
+            <a:fillRect/>
+          </a:stretch>
+        </p:blipFill>
         <p:spPr>
           <a:xfrm>
-            <a:off x="838200" y="365125"/>
-            <a:ext cx="10515600" cy="1325563"/>
+            <a:off x="0" y="0"/>
+            <a:ext cx="12192000" cy="6858000"/>
           </a:xfrm>
           <a:prstGeom prst="rect">
             <a:avLst/>
           </a:prstGeom>
         </p:spPr>
-        <p:txBody>
-          <a:bodyPr vert="horz" lIns="91440" tIns="45720" rIns="91440" bIns="45720" rtlCol="0" anchor="ctr">
-            <a:normAutofit/>
-          </a:bodyPr>
-          <a:lstStyle/>
-          <a:p>
-            <a:r>
-              <a:rPr lang="fr-FR"/>
-              <a:t>Modifiez le style du titre</a:t>
-            </a:r>
-          </a:p>
-        </p:txBody>
-      </p:sp>
-      <p:sp>
-        <p:nvSpPr>
-          <p:cNvPr id="3" name="Espace réservé du texte 2">
-            <a:extLst>
-              <a:ext uri="{FF2B5EF4-FFF2-40B4-BE49-F238E27FC236}">
-                <a16:creationId xmlns:a16="http://schemas.microsoft.com/office/drawing/2014/main" id="{673F0D55-79A8-574A-A1E7-FC8C7EA95563}"/>
-              </a:ext>
-            </a:extLst>
-          </p:cNvPr>
-          <p:cNvSpPr>
-            <a:spLocks noGrp="1"/>
-          </p:cNvSpPr>
-          <p:nvPr>
-            <p:ph type="body" idx="1"/>
+      </p:pic>
+      <p:grpSp>
+        <p:nvGrpSpPr>
+          <p:cNvPr id="10" name="Group 9"/>
+          <p:cNvGrpSpPr/>
+          <p:nvPr/>
+        </p:nvGrpSpPr>
+        <p:grpSpPr>
+          <a:xfrm>
+            <a:off x="-25397" y="0"/>
+            <a:ext cx="12005350" cy="6644081"/>
+            <a:chOff x="-25397" y="0"/>
+            <a:chExt cx="12005350" cy="6644081"/>
+          </a:xfrm>
+        </p:grpSpPr>
+        <p:sp useBgFill="1">
+          <p:nvSpPr>
+            <p:cNvPr id="11" name="Rectangle 10"/>
+            <p:cNvSpPr/>
+            <p:nvPr/>
+          </p:nvSpPr>
+          <p:spPr>
+            <a:xfrm>
+              <a:off x="1" y="0"/>
+              <a:ext cx="11979952" cy="6644081"/>
+            </a:xfrm>
+            <a:prstGeom prst="rect">
+              <a:avLst/>
+            </a:prstGeom>
+            <a:ln>
+              <a:noFill/>
+            </a:ln>
+            <a:effectLst>
+              <a:outerShdw blurRad="98425" dist="76200" dir="4380000" algn="tl" rotWithShape="0">
+                <a:srgbClr val="000000">
+                  <a:alpha val="68000"/>
+                </a:srgbClr>
+              </a:outerShdw>
+            </a:effectLst>
+          </p:spPr>
+          <p:style>
+            <a:lnRef idx="1">
+              <a:schemeClr val="accent1"/>
+            </a:lnRef>
+            <a:fillRef idx="3">
+              <a:schemeClr val="accent1"/>
+            </a:fillRef>
+            <a:effectRef idx="2">
+              <a:schemeClr val="accent1"/>
+            </a:effectRef>
+            <a:fontRef idx="minor">
+              <a:schemeClr val="lt1"/>
+            </a:fontRef>
+          </p:style>
+        </p:sp>
+        <p:sp>
+          <p:nvSpPr>
+            <p:cNvPr id="12" name="Freeform 11"/>
+            <p:cNvSpPr/>
+            <p:nvPr/>
+          </p:nvSpPr>
+          <p:spPr>
+            <a:xfrm>
+              <a:off x="-25397" y="0"/>
+              <a:ext cx="11773291" cy="6419514"/>
+            </a:xfrm>
+            <a:custGeom>
+              <a:avLst/>
+              <a:gdLst/>
+              <a:ahLst/>
+              <a:cxnLst/>
+              <a:rect l="l" t="t" r="r" b="b"/>
+              <a:pathLst>
+                <a:path w="11773291" h="6419514">
+                  <a:moveTo>
+                    <a:pt x="11750059" y="0"/>
+                  </a:moveTo>
+                  <a:lnTo>
+                    <a:pt x="11773291" y="6419514"/>
+                  </a:lnTo>
+                  <a:lnTo>
+                    <a:pt x="0" y="6411047"/>
+                  </a:lnTo>
+                </a:path>
+              </a:pathLst>
+            </a:custGeom>
+            <a:ln w="82550">
+              <a:solidFill>
+                <a:schemeClr val="tx1">
+                  <a:lumMod val="50000"/>
+                  <a:lumOff val="50000"/>
+                </a:schemeClr>
+              </a:solidFill>
+              <a:miter lim="800000"/>
+            </a:ln>
+          </p:spPr>
+          <p:style>
+            <a:lnRef idx="2">
+              <a:schemeClr val="accent1"/>
+            </a:lnRef>
+            <a:fillRef idx="0">
+              <a:schemeClr val="accent1"/>
+            </a:fillRef>
+            <a:effectRef idx="1">
+              <a:schemeClr val="accent1"/>
+            </a:effectRef>
+            <a:fontRef idx="minor">
+              <a:schemeClr val="tx1"/>
+            </a:fontRef>
+          </p:style>
+        </p:sp>
+        <p:sp>
+          <p:nvSpPr>
+            <p:cNvPr id="13" name="Rectangle 12"/>
+            <p:cNvSpPr/>
+            <p:nvPr/>
+          </p:nvSpPr>
+          <p:spPr>
+            <a:xfrm>
+              <a:off x="1" y="5600215"/>
+              <a:ext cx="11706512" cy="780581"/>
+            </a:xfrm>
+            <a:prstGeom prst="rect">
+              <a:avLst/>
+            </a:prstGeom>
+            <a:gradFill flip="none" rotWithShape="1">
+              <a:gsLst>
+                <a:gs pos="34000">
+                  <a:schemeClr val="accent1"/>
+                </a:gs>
+                <a:gs pos="100000">
+                  <a:schemeClr val="accent1">
+                    <a:lumMod val="50000"/>
+                  </a:schemeClr>
+                </a:gs>
+              </a:gsLst>
+              <a:path path="circle">
+                <a:fillToRect l="50000" t="50000" r="50000" b="50000"/>
+              </a:path>
+              <a:tileRect/>
+            </a:gradFill>
+            <a:ln>
+              <a:noFill/>
+            </a:ln>
+          </p:spPr>
+          <p:style>
+            <a:lnRef idx="1">
+              <a:schemeClr val="accent1"/>
+            </a:lnRef>
+            <a:fillRef idx="3">
+              <a:schemeClr val="accent1"/>
+            </a:fillRef>
+            <a:effectRef idx="2">
+              <a:schemeClr val="accent1"/>
+            </a:effectRef>
+            <a:fontRef idx="minor">
+              <a:schemeClr val="lt1"/>
+            </a:fontRef>
+          </p:style>
+        </p:sp>
+      </p:grpSp>
+      <p:sp>
+        <p:nvSpPr>
+          <p:cNvPr id="2" name="Title Placeholder 1"/>
+          <p:cNvSpPr>
+            <a:spLocks noGrp="1"/>
+          </p:cNvSpPr>
+          <p:nvPr>
+            <p:ph type="title"/>
           </p:nvPr>
         </p:nvSpPr>
         <p:spPr>
           <a:xfrm>
-            <a:off x="838200" y="1825625"/>
-            <a:ext cx="10515600" cy="4351338"/>
+            <a:off x="685801" y="685800"/>
+            <a:ext cx="10396882" cy="1151965"/>
           </a:xfrm>
           <a:prstGeom prst="rect">
             <a:avLst/>
           </a:prstGeom>
         </p:spPr>
         <p:txBody>
-          <a:bodyPr vert="horz" lIns="91440" tIns="45720" rIns="91440" bIns="45720" rtlCol="0">
+          <a:bodyPr vert="horz" lIns="91440" tIns="45720" rIns="91440" bIns="45720" rtlCol="0" anchor="ctr">
             <a:normAutofit/>
           </a:bodyPr>
           <a:lstStyle/>
           <a:p>
-            <a:pPr lvl="0"/>
-            <a:r>
-              <a:rPr lang="fr-FR"/>
-              <a:t>Cliquez pour modifier les styles du texte du masque</a:t>
-            </a:r>
-          </a:p>
-          <a:p>
-            <a:pPr lvl="1"/>
-            <a:r>
-              <a:rPr lang="fr-FR"/>
-              <a:t>Deuxième niveau</a:t>
-            </a:r>
-          </a:p>
-          <a:p>
-            <a:pPr lvl="2"/>
-            <a:r>
-              <a:rPr lang="fr-FR"/>
-              <a:t>Troisième niveau</a:t>
-            </a:r>
-          </a:p>
-          <a:p>
-            <a:pPr lvl="3"/>
-            <a:r>
-              <a:rPr lang="fr-FR"/>
-              <a:t>Quatrième niveau</a:t>
-            </a:r>
-          </a:p>
-          <a:p>
-            <a:pPr lvl="4"/>
-            <a:r>
-              <a:rPr lang="fr-FR"/>
-              <a:t>Cinquième niveau</a:t>
-            </a:r>
-          </a:p>
-        </p:txBody>
-      </p:sp>
-      <p:sp>
-        <p:nvSpPr>
-          <p:cNvPr id="4" name="Espace réservé de la date 3">
-            <a:extLst>
-              <a:ext uri="{FF2B5EF4-FFF2-40B4-BE49-F238E27FC236}">
-                <a16:creationId xmlns:a16="http://schemas.microsoft.com/office/drawing/2014/main" id="{DD740C96-5BFA-D74F-864D-B51A338DF111}"/>
-              </a:ext>
-            </a:extLst>
-          </p:cNvPr>
-          <p:cNvSpPr>
-            <a:spLocks noGrp="1"/>
-          </p:cNvSpPr>
-          <p:nvPr>
-            <p:ph type="dt" sz="half" idx="2"/>
+            <a:r>
+              <a:rPr lang="fr-FR"/>
+              <a:t>Modifiez le style du titre</a:t>
+            </a:r>
+            <a:endParaRPr lang="en-US" dirty="0"/>
+          </a:p>
+        </p:txBody>
+      </p:sp>
+      <p:sp>
+        <p:nvSpPr>
+          <p:cNvPr id="3" name="Text Placeholder 2"/>
+          <p:cNvSpPr>
+            <a:spLocks noGrp="1"/>
+          </p:cNvSpPr>
+          <p:nvPr>
+            <p:ph type="body" idx="1"/>
           </p:nvPr>
         </p:nvSpPr>
         <p:spPr>
           <a:xfrm>
-            <a:off x="838200" y="6356350"/>
-            <a:ext cx="2743200" cy="365125"/>
+            <a:off x="685800" y="2063396"/>
+            <a:ext cx="10396883" cy="3311189"/>
           </a:xfrm>
           <a:prstGeom prst="rect">
             <a:avLst/>
           </a:prstGeom>
         </p:spPr>
         <p:txBody>
+          <a:bodyPr vert="horz" lIns="91440" tIns="45720" rIns="91440" bIns="45720" rtlCol="0" anchor="ctr">
+            <a:normAutofit/>
+          </a:bodyPr>
+          <a:lstStyle/>
+          <a:p>
+            <a:pPr lvl="0"/>
+            <a:r>
+              <a:rPr lang="fr-FR"/>
+              <a:t>Cliquez pour modifier les styles du texte du masque</a:t>
+            </a:r>
+          </a:p>
+          <a:p>
+            <a:pPr lvl="1"/>
+            <a:r>
+              <a:rPr lang="fr-FR"/>
+              <a:t>Deuxième niveau</a:t>
+            </a:r>
+          </a:p>
+          <a:p>
+            <a:pPr lvl="2"/>
+            <a:r>
+              <a:rPr lang="fr-FR"/>
+              <a:t>Troisième niveau</a:t>
+            </a:r>
+          </a:p>
+          <a:p>
+            <a:pPr lvl="3"/>
+            <a:r>
+              <a:rPr lang="fr-FR"/>
+              <a:t>Quatrième niveau</a:t>
+            </a:r>
+          </a:p>
+          <a:p>
+            <a:pPr lvl="4"/>
+            <a:r>
+              <a:rPr lang="fr-FR"/>
+              <a:t>Cinquième niveau</a:t>
+            </a:r>
+            <a:endParaRPr lang="en-US" dirty="0"/>
+          </a:p>
+        </p:txBody>
+      </p:sp>
+      <p:sp>
+        <p:nvSpPr>
+          <p:cNvPr id="4" name="Date Placeholder 3"/>
+          <p:cNvSpPr>
+            <a:spLocks noGrp="1"/>
+          </p:cNvSpPr>
+          <p:nvPr>
+            <p:ph type="dt" sz="half" idx="2"/>
+          </p:nvPr>
+        </p:nvSpPr>
+        <p:spPr>
+          <a:xfrm>
+            <a:off x="7298083" y="5757334"/>
+            <a:ext cx="3784600" cy="498470"/>
+          </a:xfrm>
+          <a:prstGeom prst="rect">
+            <a:avLst/>
+          </a:prstGeom>
+        </p:spPr>
+        <p:txBody>
           <a:bodyPr vert="horz" lIns="91440" tIns="45720" rIns="91440" bIns="45720" rtlCol="0" anchor="ctr"/>
           <a:lstStyle>
-            <a:lvl1pPr algn="l">
-              <a:defRPr sz="1200">
+            <a:lvl1pPr algn="r">
+              <a:defRPr sz="3200" cap="all" baseline="0">
                 <a:solidFill>
-                  <a:schemeClr val="tx1">
-                    <a:tint val="75000"/>
+                  <a:schemeClr val="accent1">
+                    <a:lumMod val="50000"/>
                   </a:schemeClr>
                 </a:solidFill>
               </a:defRPr>
@@ -2905,7 +6662,7 @@
           <a:p>
             <a:fld id="{35D442AB-6860-B042-B086-2F1716AA4299}" type="datetimeFigureOut">
               <a:rPr lang="fr-FR" smtClean="0"/>
-              <a:t>13/08/2021</a:t>
+              <a:t>16/08/2021</a:t>
             </a:fld>
             <a:endParaRPr lang="fr-FR"/>
           </a:p>
@@ -2913,13 +6670,7 @@
       </p:sp>
       <p:sp>
         <p:nvSpPr>
-          <p:cNvPr id="5" name="Espace réservé du pied de page 4">
-            <a:extLst>
-              <a:ext uri="{FF2B5EF4-FFF2-40B4-BE49-F238E27FC236}">
-                <a16:creationId xmlns:a16="http://schemas.microsoft.com/office/drawing/2014/main" id="{579FACA8-CE05-6943-8FB8-CC0D06763154}"/>
-              </a:ext>
-            </a:extLst>
-          </p:cNvPr>
+          <p:cNvPr id="5" name="Footer Placeholder 4"/>
           <p:cNvSpPr>
             <a:spLocks noGrp="1"/>
           </p:cNvSpPr>
@@ -2929,8 +6680,8 @@
         </p:nvSpPr>
         <p:spPr>
           <a:xfrm>
-            <a:off x="4038600" y="6356350"/>
-            <a:ext cx="4114800" cy="365125"/>
+            <a:off x="685801" y="5757334"/>
+            <a:ext cx="5499719" cy="498470"/>
           </a:xfrm>
           <a:prstGeom prst="rect">
             <a:avLst/>
@@ -2939,11 +6690,11 @@
         <p:txBody>
           <a:bodyPr vert="horz" lIns="91440" tIns="45720" rIns="91440" bIns="45720" rtlCol="0" anchor="ctr"/>
           <a:lstStyle>
-            <a:lvl1pPr algn="ctr">
-              <a:defRPr sz="1200">
+            <a:lvl1pPr algn="l">
+              <a:defRPr sz="3200" cap="all" baseline="0">
                 <a:solidFill>
-                  <a:schemeClr val="tx1">
-                    <a:tint val="75000"/>
+                  <a:schemeClr val="accent1">
+                    <a:lumMod val="50000"/>
                   </a:schemeClr>
                 </a:solidFill>
               </a:defRPr>
@@ -2956,13 +6707,7 @@
       </p:sp>
       <p:sp>
         <p:nvSpPr>
-          <p:cNvPr id="6" name="Espace réservé du numéro de diapositive 5">
-            <a:extLst>
-              <a:ext uri="{FF2B5EF4-FFF2-40B4-BE49-F238E27FC236}">
-                <a16:creationId xmlns:a16="http://schemas.microsoft.com/office/drawing/2014/main" id="{DCE434F2-34D1-FF4F-9F38-687177F206C9}"/>
-              </a:ext>
-            </a:extLst>
-          </p:cNvPr>
+          <p:cNvPr id="6" name="Slide Number Placeholder 5"/>
           <p:cNvSpPr>
             <a:spLocks noGrp="1"/>
           </p:cNvSpPr>
@@ -2972,8 +6717,8 @@
         </p:nvSpPr>
         <p:spPr>
           <a:xfrm>
-            <a:off x="8610600" y="6356350"/>
-            <a:ext cx="2743200" cy="365125"/>
+            <a:off x="6287121" y="5757334"/>
+            <a:ext cx="907186" cy="498470"/>
           </a:xfrm>
           <a:prstGeom prst="rect">
             <a:avLst/>
@@ -2982,11 +6727,11 @@
         <p:txBody>
           <a:bodyPr vert="horz" lIns="91440" tIns="45720" rIns="91440" bIns="45720" rtlCol="0" anchor="ctr"/>
           <a:lstStyle>
-            <a:lvl1pPr algn="r">
-              <a:defRPr sz="1200">
+            <a:lvl1pPr algn="ctr">
+              <a:defRPr sz="3200" cap="all" baseline="0">
                 <a:solidFill>
-                  <a:schemeClr val="tx1">
-                    <a:tint val="75000"/>
+                  <a:schemeClr val="accent1">
+                    <a:lumMod val="50000"/>
                   </a:schemeClr>
                 </a:solidFill>
               </a:defRPr>
@@ -3004,23 +6749,30 @@
     </p:spTree>
     <p:extLst>
       <p:ext uri="{BB962C8B-B14F-4D97-AF65-F5344CB8AC3E}">
-        <p14:creationId xmlns:p14="http://schemas.microsoft.com/office/powerpoint/2010/main" val="3170483439"/>
+        <p14:creationId xmlns:p14="http://schemas.microsoft.com/office/powerpoint/2010/main" val="168012239"/>
       </p:ext>
     </p:extLst>
   </p:cSld>
   <p:clrMap bg1="lt1" tx1="dk1" bg2="lt2" tx2="dk2" accent1="accent1" accent2="accent2" accent3="accent3" accent4="accent4" accent5="accent5" accent6="accent6" hlink="hlink" folHlink="folHlink"/>
   <p:sldLayoutIdLst>
-    <p:sldLayoutId id="2147483649" r:id="rId1"/>
-    <p:sldLayoutId id="2147483650" r:id="rId2"/>
-    <p:sldLayoutId id="2147483651" r:id="rId3"/>
-    <p:sldLayoutId id="2147483652" r:id="rId4"/>
-    <p:sldLayoutId id="2147483653" r:id="rId5"/>
-    <p:sldLayoutId id="2147483654" r:id="rId6"/>
-    <p:sldLayoutId id="2147483655" r:id="rId7"/>
-    <p:sldLayoutId id="2147483656" r:id="rId8"/>
-    <p:sldLayoutId id="2147483657" r:id="rId9"/>
-    <p:sldLayoutId id="2147483658" r:id="rId10"/>
-    <p:sldLayoutId id="2147483659" r:id="rId11"/>
+    <p:sldLayoutId id="2147484033" r:id="rId1"/>
+    <p:sldLayoutId id="2147484034" r:id="rId2"/>
+    <p:sldLayoutId id="2147484035" r:id="rId3"/>
+    <p:sldLayoutId id="2147484036" r:id="rId4"/>
+    <p:sldLayoutId id="2147484037" r:id="rId5"/>
+    <p:sldLayoutId id="2147484038" r:id="rId6"/>
+    <p:sldLayoutId id="2147484039" r:id="rId7"/>
+    <p:sldLayoutId id="2147484040" r:id="rId8"/>
+    <p:sldLayoutId id="2147484041" r:id="rId9"/>
+    <p:sldLayoutId id="2147484042" r:id="rId10"/>
+    <p:sldLayoutId id="2147484043" r:id="rId11"/>
+    <p:sldLayoutId id="2147484044" r:id="rId12"/>
+    <p:sldLayoutId id="2147484045" r:id="rId13"/>
+    <p:sldLayoutId id="2147484046" r:id="rId14"/>
+    <p:sldLayoutId id="2147484047" r:id="rId15"/>
+    <p:sldLayoutId id="2147484048" r:id="rId16"/>
+    <p:sldLayoutId id="2147484049" r:id="rId17"/>
+    <p:sldLayoutId id="2147484050" r:id="rId18"/>
   </p:sldLayoutIdLst>
   <p:txStyles>
     <p:titleStyle>
@@ -3032,10 +6784,11 @@
           <a:spcPct val="0"/>
         </a:spcBef>
         <a:buNone/>
-        <a:defRPr sz="4400" kern="1200">
+        <a:defRPr sz="5400" kern="1200" cap="all" baseline="0">
           <a:solidFill>
-            <a:schemeClr val="tx1"/>
+            <a:schemeClr val="accent1"/>
           </a:solidFill>
+          <a:effectLst/>
           <a:latin typeface="+mj-lt"/>
           <a:ea typeface="+mj-ea"/>
           <a:cs typeface="+mj-cs"/>
@@ -3045,17 +6798,22 @@
     <p:bodyStyle>
       <a:lvl1pPr marL="228600" indent="-228600" algn="l" defTabSz="914400" rtl="0" eaLnBrk="1" latinLnBrk="0" hangingPunct="1">
         <a:lnSpc>
-          <a:spcPct val="90000"/>
+          <a:spcPct val="120000"/>
         </a:lnSpc>
         <a:spcBef>
           <a:spcPts val="1000"/>
         </a:spcBef>
+        <a:buClr>
+          <a:schemeClr val="accent1"/>
+        </a:buClr>
+        <a:buSzPct val="160000"/>
         <a:buFont typeface="Arial" panose="020B0604020202020204" pitchFamily="34" charset="0"/>
         <a:buChar char="•"/>
-        <a:defRPr sz="2800" kern="1200">
+        <a:defRPr sz="2000" kern="1200" cap="all" baseline="0">
           <a:solidFill>
             <a:schemeClr val="tx1"/>
           </a:solidFill>
+          <a:effectLst/>
           <a:latin typeface="+mn-lt"/>
           <a:ea typeface="+mn-ea"/>
           <a:cs typeface="+mn-cs"/>
@@ -3063,17 +6821,22 @@
       </a:lvl1pPr>
       <a:lvl2pPr marL="685800" indent="-228600" algn="l" defTabSz="914400" rtl="0" eaLnBrk="1" latinLnBrk="0" hangingPunct="1">
         <a:lnSpc>
-          <a:spcPct val="90000"/>
+          <a:spcPct val="120000"/>
         </a:lnSpc>
         <a:spcBef>
           <a:spcPts val="500"/>
         </a:spcBef>
+        <a:buClr>
+          <a:schemeClr val="accent1"/>
+        </a:buClr>
+        <a:buSzPct val="160000"/>
         <a:buFont typeface="Arial" panose="020B0604020202020204" pitchFamily="34" charset="0"/>
         <a:buChar char="•"/>
-        <a:defRPr sz="2400" kern="1200">
+        <a:defRPr sz="1800" kern="1200" cap="all" baseline="0">
           <a:solidFill>
             <a:schemeClr val="tx1"/>
           </a:solidFill>
+          <a:effectLst/>
           <a:latin typeface="+mn-lt"/>
           <a:ea typeface="+mn-ea"/>
           <a:cs typeface="+mn-cs"/>
@@ -3081,17 +6844,22 @@
       </a:lvl2pPr>
       <a:lvl3pPr marL="1143000" indent="-228600" algn="l" defTabSz="914400" rtl="0" eaLnBrk="1" latinLnBrk="0" hangingPunct="1">
         <a:lnSpc>
-          <a:spcPct val="90000"/>
+          <a:spcPct val="120000"/>
         </a:lnSpc>
         <a:spcBef>
           <a:spcPts val="500"/>
         </a:spcBef>
+        <a:buClr>
+          <a:schemeClr val="accent1"/>
+        </a:buClr>
+        <a:buSzPct val="160000"/>
         <a:buFont typeface="Arial" panose="020B0604020202020204" pitchFamily="34" charset="0"/>
         <a:buChar char="•"/>
-        <a:defRPr sz="2000" kern="1200">
+        <a:defRPr sz="1600" kern="1200" cap="all" baseline="0">
           <a:solidFill>
             <a:schemeClr val="tx1"/>
           </a:solidFill>
+          <a:effectLst/>
           <a:latin typeface="+mn-lt"/>
           <a:ea typeface="+mn-ea"/>
           <a:cs typeface="+mn-cs"/>
@@ -3099,17 +6867,22 @@
       </a:lvl3pPr>
       <a:lvl4pPr marL="1600200" indent="-228600" algn="l" defTabSz="914400" rtl="0" eaLnBrk="1" latinLnBrk="0" hangingPunct="1">
         <a:lnSpc>
-          <a:spcPct val="90000"/>
+          <a:spcPct val="120000"/>
         </a:lnSpc>
         <a:spcBef>
           <a:spcPts val="500"/>
         </a:spcBef>
+        <a:buClr>
+          <a:schemeClr val="accent1"/>
+        </a:buClr>
+        <a:buSzPct val="160000"/>
         <a:buFont typeface="Arial" panose="020B0604020202020204" pitchFamily="34" charset="0"/>
         <a:buChar char="•"/>
-        <a:defRPr sz="1800" kern="1200">
+        <a:defRPr sz="1400" kern="1200" cap="all" baseline="0">
           <a:solidFill>
             <a:schemeClr val="tx1"/>
           </a:solidFill>
+          <a:effectLst/>
           <a:latin typeface="+mn-lt"/>
           <a:ea typeface="+mn-ea"/>
           <a:cs typeface="+mn-cs"/>
@@ -3117,17 +6890,22 @@
       </a:lvl4pPr>
       <a:lvl5pPr marL="2057400" indent="-228600" algn="l" defTabSz="914400" rtl="0" eaLnBrk="1" latinLnBrk="0" hangingPunct="1">
         <a:lnSpc>
-          <a:spcPct val="90000"/>
+          <a:spcPct val="120000"/>
         </a:lnSpc>
         <a:spcBef>
           <a:spcPts val="500"/>
         </a:spcBef>
+        <a:buClr>
+          <a:schemeClr val="accent1"/>
+        </a:buClr>
+        <a:buSzPct val="160000"/>
         <a:buFont typeface="Arial" panose="020B0604020202020204" pitchFamily="34" charset="0"/>
         <a:buChar char="•"/>
-        <a:defRPr sz="1800" kern="1200">
+        <a:defRPr sz="1400" kern="1200" cap="all" baseline="0">
           <a:solidFill>
             <a:schemeClr val="tx1"/>
           </a:solidFill>
+          <a:effectLst/>
           <a:latin typeface="+mn-lt"/>
           <a:ea typeface="+mn-ea"/>
           <a:cs typeface="+mn-cs"/>
@@ -3135,17 +6913,22 @@
       </a:lvl5pPr>
       <a:lvl6pPr marL="2514600" indent="-228600" algn="l" defTabSz="914400" rtl="0" eaLnBrk="1" latinLnBrk="0" hangingPunct="1">
         <a:lnSpc>
-          <a:spcPct val="90000"/>
+          <a:spcPct val="120000"/>
         </a:lnSpc>
         <a:spcBef>
           <a:spcPts val="500"/>
         </a:spcBef>
+        <a:buClr>
+          <a:schemeClr val="accent1"/>
+        </a:buClr>
+        <a:buSzPct val="160000"/>
         <a:buFont typeface="Arial" panose="020B0604020202020204" pitchFamily="34" charset="0"/>
         <a:buChar char="•"/>
-        <a:defRPr sz="1800" kern="1200">
+        <a:defRPr sz="1400" kern="1200" cap="all" baseline="0">
           <a:solidFill>
             <a:schemeClr val="tx1"/>
           </a:solidFill>
+          <a:effectLst/>
           <a:latin typeface="+mn-lt"/>
           <a:ea typeface="+mn-ea"/>
           <a:cs typeface="+mn-cs"/>
@@ -3153,17 +6936,22 @@
       </a:lvl6pPr>
       <a:lvl7pPr marL="2971800" indent="-228600" algn="l" defTabSz="914400" rtl="0" eaLnBrk="1" latinLnBrk="0" hangingPunct="1">
         <a:lnSpc>
-          <a:spcPct val="90000"/>
+          <a:spcPct val="120000"/>
         </a:lnSpc>
         <a:spcBef>
           <a:spcPts val="500"/>
         </a:spcBef>
+        <a:buClr>
+          <a:schemeClr val="accent1"/>
+        </a:buClr>
+        <a:buSzPct val="160000"/>
         <a:buFont typeface="Arial" panose="020B0604020202020204" pitchFamily="34" charset="0"/>
         <a:buChar char="•"/>
-        <a:defRPr sz="1800" kern="1200">
+        <a:defRPr sz="1400" kern="1200" cap="all" baseline="0">
           <a:solidFill>
             <a:schemeClr val="tx1"/>
           </a:solidFill>
+          <a:effectLst/>
           <a:latin typeface="+mn-lt"/>
           <a:ea typeface="+mn-ea"/>
           <a:cs typeface="+mn-cs"/>
@@ -3171,17 +6959,22 @@
       </a:lvl7pPr>
       <a:lvl8pPr marL="3429000" indent="-228600" algn="l" defTabSz="914400" rtl="0" eaLnBrk="1" latinLnBrk="0" hangingPunct="1">
         <a:lnSpc>
-          <a:spcPct val="90000"/>
+          <a:spcPct val="120000"/>
         </a:lnSpc>
         <a:spcBef>
           <a:spcPts val="500"/>
         </a:spcBef>
+        <a:buClr>
+          <a:schemeClr val="accent1"/>
+        </a:buClr>
+        <a:buSzPct val="160000"/>
         <a:buFont typeface="Arial" panose="020B0604020202020204" pitchFamily="34" charset="0"/>
         <a:buChar char="•"/>
-        <a:defRPr sz="1800" kern="1200">
+        <a:defRPr sz="1400" kern="1200" cap="all" baseline="0">
           <a:solidFill>
             <a:schemeClr val="tx1"/>
           </a:solidFill>
+          <a:effectLst/>
           <a:latin typeface="+mn-lt"/>
           <a:ea typeface="+mn-ea"/>
           <a:cs typeface="+mn-cs"/>
@@ -3189,17 +6982,22 @@
       </a:lvl8pPr>
       <a:lvl9pPr marL="3886200" indent="-228600" algn="l" defTabSz="914400" rtl="0" eaLnBrk="1" latinLnBrk="0" hangingPunct="1">
         <a:lnSpc>
-          <a:spcPct val="90000"/>
+          <a:spcPct val="120000"/>
         </a:lnSpc>
         <a:spcBef>
           <a:spcPts val="500"/>
         </a:spcBef>
+        <a:buClr>
+          <a:schemeClr val="accent1"/>
+        </a:buClr>
+        <a:buSzPct val="160000"/>
         <a:buFont typeface="Arial" panose="020B0604020202020204" pitchFamily="34" charset="0"/>
         <a:buChar char="•"/>
-        <a:defRPr sz="1800" kern="1200">
+        <a:defRPr sz="1400" kern="1200" cap="all" baseline="0">
           <a:solidFill>
             <a:schemeClr val="tx1"/>
           </a:solidFill>
+          <a:effectLst/>
           <a:latin typeface="+mn-lt"/>
           <a:ea typeface="+mn-ea"/>
           <a:cs typeface="+mn-cs"/>
@@ -3208,7 +7006,7 @@
     </p:bodyStyle>
     <p:otherStyle>
       <a:defPPr>
-        <a:defRPr lang="fr-FR"/>
+        <a:defRPr lang="en-US"/>
       </a:defPPr>
       <a:lvl1pPr marL="0" algn="l" defTabSz="914400" rtl="0" eaLnBrk="1" latinLnBrk="0" hangingPunct="1">
         <a:defRPr sz="1800" kern="1200">
@@ -3310,9 +7108,22 @@
   <p:cSld>
     <p:bg>
       <p:bgPr>
-        <a:solidFill>
-          <a:schemeClr val="bg1"/>
-        </a:solidFill>
+        <a:blipFill>
+          <a:blip r:embed="rId2">
+            <a:duotone>
+              <a:schemeClr val="bg1">
+                <a:shade val="48000"/>
+                <a:satMod val="110000"/>
+                <a:lumMod val="40000"/>
+              </a:schemeClr>
+              <a:schemeClr val="bg1">
+                <a:tint val="90000"/>
+                <a:lumMod val="106000"/>
+              </a:schemeClr>
+            </a:duotone>
+          </a:blip>
+          <a:stretch/>
+        </a:blipFill>
         <a:effectLst/>
       </p:bgPr>
     </p:bg>
@@ -3330,21 +7141,21 @@
           <a:chExt cx="0" cy="0"/>
         </a:xfrm>
       </p:grpSpPr>
-      <p:sp useBgFill="1">
-        <p:nvSpPr>
-          <p:cNvPr id="167" name="Rectangle 166">
+      <p:pic>
+        <p:nvPicPr>
+          <p:cNvPr id="19" name="Picture 9">
             <a:extLst>
               <a:ext uri="{FF2B5EF4-FFF2-40B4-BE49-F238E27FC236}">
-                <a16:creationId xmlns:a16="http://schemas.microsoft.com/office/drawing/2014/main" id="{6F40FBDA-CEB1-40F0-9AB9-BD9C402D70FE}"/>
+                <a16:creationId xmlns:a16="http://schemas.microsoft.com/office/drawing/2014/main" id="{0A1BA0EF-0E2A-47B6-9E7E-68949890F8D9}"/>
               </a:ext>
               <a:ext uri="{C183D7F6-B498-43B3-948B-1728B52AA6E4}">
                 <adec:decorative xmlns:adec="http://schemas.microsoft.com/office/drawing/2017/decorative" val="1"/>
               </a:ext>
             </a:extLst>
           </p:cNvPr>
-          <p:cNvSpPr>
-            <a:spLocks noGrp="1" noRot="1" noChangeAspect="1" noMove="1" noResize="1" noEditPoints="1" noAdjustHandles="1" noChangeArrowheads="1" noChangeShapeType="1" noTextEdit="1"/>
-          </p:cNvSpPr>
+          <p:cNvPicPr>
+            <a:picLocks noGrp="1" noRot="1" noChangeAspect="1" noMove="1" noResize="1" noEditPoints="1" noAdjustHandles="1" noChangeArrowheads="1" noChangeShapeType="1" noCrop="1"/>
+          </p:cNvPicPr>
           <p:nvPr>
             <p:extLst>
               <p:ext uri="{386F3935-93C4-4BCD-93E2-E3B085C9AB24}">
@@ -3352,7 +7163,19 @@
               </p:ext>
             </p:extLst>
           </p:nvPr>
-        </p:nvSpPr>
+        </p:nvPicPr>
+        <p:blipFill>
+          <a:blip r:embed="rId3">
+            <a:extLst>
+              <a:ext uri="{28A0092B-C50C-407E-A947-70E740481C1C}">
+                <a14:useLocalDpi xmlns:a14="http://schemas.microsoft.com/office/drawing/2010/main" val="0"/>
+              </a:ext>
+            </a:extLst>
+          </a:blip>
+          <a:stretch>
+            <a:fillRect/>
+          </a:stretch>
+        </p:blipFill>
         <p:spPr>
           <a:xfrm>
             <a:off x="0" y="0"/>
@@ -3361,9 +7184,49 @@
           <a:prstGeom prst="rect">
             <a:avLst/>
           </a:prstGeom>
+        </p:spPr>
+      </p:pic>
+      <p:sp useBgFill="1">
+        <p:nvSpPr>
+          <p:cNvPr id="21" name="Rectangle 11">
+            <a:extLst>
+              <a:ext uri="{FF2B5EF4-FFF2-40B4-BE49-F238E27FC236}">
+                <a16:creationId xmlns:a16="http://schemas.microsoft.com/office/drawing/2014/main" id="{ADEF8846-2D6D-405C-ACE3-3E8D2E451FB2}"/>
+              </a:ext>
+              <a:ext uri="{C183D7F6-B498-43B3-948B-1728B52AA6E4}">
+                <adec:decorative xmlns:adec="http://schemas.microsoft.com/office/drawing/2017/decorative" val="1"/>
+              </a:ext>
+            </a:extLst>
+          </p:cNvPr>
+          <p:cNvSpPr>
+            <a:spLocks noGrp="1" noRot="1" noChangeAspect="1" noMove="1" noResize="1" noEditPoints="1" noAdjustHandles="1" noChangeArrowheads="1" noChangeShapeType="1" noTextEdit="1"/>
+          </p:cNvSpPr>
+          <p:nvPr>
+            <p:extLst>
+              <p:ext uri="{386F3935-93C4-4BCD-93E2-E3B085C9AB24}">
+                <p16:designElem xmlns:p16="http://schemas.microsoft.com/office/powerpoint/2015/main" val="1"/>
+              </p:ext>
+            </p:extLst>
+          </p:nvPr>
+        </p:nvSpPr>
+        <p:spPr>
+          <a:xfrm>
+            <a:off x="0" y="0"/>
+            <a:ext cx="7662951" cy="6858000"/>
+          </a:xfrm>
+          <a:prstGeom prst="rect">
+            <a:avLst/>
+          </a:prstGeom>
           <a:ln>
             <a:noFill/>
           </a:ln>
+          <a:effectLst>
+            <a:outerShdw blurRad="50800" dist="38100" algn="l" rotWithShape="0">
+              <a:prstClr val="black">
+                <a:alpha val="40000"/>
+              </a:prstClr>
+            </a:outerShdw>
+          </a:effectLst>
         </p:spPr>
         <p:style>
           <a:lnRef idx="2">
@@ -3390,12 +7253,372 @@
           </a:p>
         </p:txBody>
       </p:sp>
+      <p:sp>
+        <p:nvSpPr>
+          <p:cNvPr id="22" name="Freeform 5">
+            <a:extLst>
+              <a:ext uri="{FF2B5EF4-FFF2-40B4-BE49-F238E27FC236}">
+                <a16:creationId xmlns:a16="http://schemas.microsoft.com/office/drawing/2014/main" id="{994BAC77-5C15-4467-AF87-602186CE3B75}"/>
+              </a:ext>
+              <a:ext uri="{C183D7F6-B498-43B3-948B-1728B52AA6E4}">
+                <adec:decorative xmlns:adec="http://schemas.microsoft.com/office/drawing/2017/decorative" val="1"/>
+              </a:ext>
+            </a:extLst>
+          </p:cNvPr>
+          <p:cNvSpPr>
+            <a:spLocks noGrp="1" noRot="1" noChangeAspect="1" noMove="1" noResize="1" noEditPoints="1" noAdjustHandles="1" noChangeArrowheads="1" noChangeShapeType="1" noTextEdit="1"/>
+          </p:cNvSpPr>
+          <p:nvPr>
+            <p:extLst>
+              <p:ext uri="{386F3935-93C4-4BCD-93E2-E3B085C9AB24}">
+                <p16:designElem xmlns:p16="http://schemas.microsoft.com/office/powerpoint/2015/main" val="1"/>
+              </p:ext>
+            </p:extLst>
+          </p:nvPr>
+        </p:nvSpPr>
+        <p:spPr>
+          <a:xfrm>
+            <a:off x="8213" y="0"/>
+            <a:ext cx="7307266" cy="6576643"/>
+          </a:xfrm>
+          <a:custGeom>
+            <a:avLst/>
+            <a:gdLst/>
+            <a:ahLst/>
+            <a:cxnLst/>
+            <a:rect l="l" t="t" r="r" b="b"/>
+            <a:pathLst>
+              <a:path w="11367116" h="5751804">
+                <a:moveTo>
+                  <a:pt x="11346705" y="0"/>
+                </a:moveTo>
+                <a:cubicBezTo>
+                  <a:pt x="11353509" y="1915114"/>
+                  <a:pt x="11360312" y="3830229"/>
+                  <a:pt x="11367116" y="5745343"/>
+                </a:cubicBezTo>
+                <a:lnTo>
+                  <a:pt x="0" y="5751804"/>
+                </a:lnTo>
+              </a:path>
+            </a:pathLst>
+          </a:custGeom>
+          <a:ln w="82550">
+            <a:solidFill>
+              <a:schemeClr val="tx1">
+                <a:lumMod val="50000"/>
+                <a:lumOff val="50000"/>
+              </a:schemeClr>
+            </a:solidFill>
+            <a:miter lim="800000"/>
+          </a:ln>
+        </p:spPr>
+        <p:style>
+          <a:lnRef idx="2">
+            <a:schemeClr val="accent1"/>
+          </a:lnRef>
+          <a:fillRef idx="0">
+            <a:schemeClr val="accent1"/>
+          </a:fillRef>
+          <a:effectRef idx="1">
+            <a:schemeClr val="accent1"/>
+          </a:effectRef>
+          <a:fontRef idx="minor">
+            <a:schemeClr val="tx1"/>
+          </a:fontRef>
+        </p:style>
+      </p:sp>
+      <p:sp>
+        <p:nvSpPr>
+          <p:cNvPr id="2" name="Titre 1">
+            <a:extLst>
+              <a:ext uri="{FF2B5EF4-FFF2-40B4-BE49-F238E27FC236}">
+                <a16:creationId xmlns:a16="http://schemas.microsoft.com/office/drawing/2014/main" id="{C9D1A607-9714-694C-8C6D-4C5C5C89B36A}"/>
+              </a:ext>
+            </a:extLst>
+          </p:cNvPr>
+          <p:cNvSpPr>
+            <a:spLocks noGrp="1"/>
+          </p:cNvSpPr>
+          <p:nvPr>
+            <p:ph type="ctrTitle"/>
+          </p:nvPr>
+        </p:nvSpPr>
+        <p:spPr>
+          <a:xfrm>
+            <a:off x="574223" y="1304458"/>
+            <a:ext cx="6232219" cy="2901781"/>
+          </a:xfrm>
+        </p:spPr>
+        <p:txBody>
+          <a:bodyPr>
+            <a:normAutofit/>
+          </a:bodyPr>
+          <a:lstStyle/>
+          <a:p>
+            <a:r>
+              <a:rPr lang="fr-FR">
+                <a:latin typeface="Apple Chancery" panose="03020702040506060504" pitchFamily="66" charset="-79"/>
+                <a:ea typeface="Apple Symbols" panose="02000000000000000000" pitchFamily="2" charset="-79"/>
+                <a:cs typeface="Apple Chancery" panose="03020702040506060504" pitchFamily="66" charset="-79"/>
+              </a:rPr>
+              <a:t>Projet 3</a:t>
+            </a:r>
+          </a:p>
+        </p:txBody>
+      </p:sp>
+      <p:sp>
+        <p:nvSpPr>
+          <p:cNvPr id="3" name="Sous-titre 2">
+            <a:extLst>
+              <a:ext uri="{FF2B5EF4-FFF2-40B4-BE49-F238E27FC236}">
+                <a16:creationId xmlns:a16="http://schemas.microsoft.com/office/drawing/2014/main" id="{72DEA436-D149-384F-A768-FDA2F0443997}"/>
+              </a:ext>
+            </a:extLst>
+          </p:cNvPr>
+          <p:cNvSpPr>
+            <a:spLocks noGrp="1"/>
+          </p:cNvSpPr>
+          <p:nvPr>
+            <p:ph type="subTitle" idx="1"/>
+          </p:nvPr>
+        </p:nvSpPr>
+        <p:spPr>
+          <a:xfrm>
+            <a:off x="574224" y="4206239"/>
+            <a:ext cx="6232218" cy="1066971"/>
+          </a:xfrm>
+        </p:spPr>
+        <p:txBody>
+          <a:bodyPr>
+            <a:normAutofit/>
+          </a:bodyPr>
+          <a:lstStyle/>
+          <a:p>
+            <a:pPr>
+              <a:lnSpc>
+                <a:spcPct val="110000"/>
+              </a:lnSpc>
+            </a:pPr>
+            <a:r>
+              <a:rPr lang="fr-FR" dirty="0">
+                <a:latin typeface="Apple Chancery" panose="03020702040506060504" pitchFamily="66" charset="-79"/>
+                <a:cs typeface="Apple Chancery" panose="03020702040506060504" pitchFamily="66" charset="-79"/>
+              </a:rPr>
+              <a:t>Créez votre premier jeu vidéo avec Swift !</a:t>
+            </a:r>
+          </a:p>
+        </p:txBody>
+      </p:sp>
+      <p:sp>
+        <p:nvSpPr>
+          <p:cNvPr id="23" name="Rectangle 15">
+            <a:extLst>
+              <a:ext uri="{FF2B5EF4-FFF2-40B4-BE49-F238E27FC236}">
+                <a16:creationId xmlns:a16="http://schemas.microsoft.com/office/drawing/2014/main" id="{52AF70D7-58F1-42CD-B0AB-BEB0ADDC5497}"/>
+              </a:ext>
+              <a:ext uri="{C183D7F6-B498-43B3-948B-1728B52AA6E4}">
+                <adec:decorative xmlns:adec="http://schemas.microsoft.com/office/drawing/2017/decorative" val="1"/>
+              </a:ext>
+            </a:extLst>
+          </p:cNvPr>
+          <p:cNvSpPr>
+            <a:spLocks noGrp="1" noRot="1" noChangeAspect="1" noMove="1" noResize="1" noEditPoints="1" noAdjustHandles="1" noChangeArrowheads="1" noChangeShapeType="1" noTextEdit="1"/>
+          </p:cNvSpPr>
+          <p:nvPr>
+            <p:extLst>
+              <p:ext uri="{386F3935-93C4-4BCD-93E2-E3B085C9AB24}">
+                <p16:designElem xmlns:p16="http://schemas.microsoft.com/office/powerpoint/2015/main" val="1"/>
+              </p:ext>
+            </p:extLst>
+          </p:nvPr>
+        </p:nvSpPr>
+        <p:spPr>
+          <a:xfrm>
+            <a:off x="1" y="0"/>
+            <a:ext cx="7278624" cy="226225"/>
+          </a:xfrm>
+          <a:prstGeom prst="rect">
+            <a:avLst/>
+          </a:prstGeom>
+          <a:gradFill flip="none" rotWithShape="1">
+            <a:gsLst>
+              <a:gs pos="34000">
+                <a:schemeClr val="accent1"/>
+              </a:gs>
+              <a:gs pos="100000">
+                <a:schemeClr val="accent1">
+                  <a:lumMod val="50000"/>
+                </a:schemeClr>
+              </a:gs>
+            </a:gsLst>
+            <a:path path="circle">
+              <a:fillToRect l="50000" t="50000" r="50000" b="50000"/>
+            </a:path>
+            <a:tileRect/>
+          </a:gradFill>
+          <a:ln>
+            <a:noFill/>
+          </a:ln>
+        </p:spPr>
+        <p:style>
+          <a:lnRef idx="1">
+            <a:schemeClr val="accent1"/>
+          </a:lnRef>
+          <a:fillRef idx="3">
+            <a:schemeClr val="accent1"/>
+          </a:fillRef>
+          <a:effectRef idx="2">
+            <a:schemeClr val="accent1"/>
+          </a:effectRef>
+          <a:fontRef idx="minor">
+            <a:schemeClr val="lt1"/>
+          </a:fontRef>
+        </p:style>
+      </p:sp>
+      <p:sp>
+        <p:nvSpPr>
+          <p:cNvPr id="18" name="Rectangle 17">
+            <a:extLst>
+              <a:ext uri="{FF2B5EF4-FFF2-40B4-BE49-F238E27FC236}">
+                <a16:creationId xmlns:a16="http://schemas.microsoft.com/office/drawing/2014/main" id="{B4B35B17-18BF-4D26-96DC-290B6F57FABD}"/>
+              </a:ext>
+              <a:ext uri="{C183D7F6-B498-43B3-948B-1728B52AA6E4}">
+                <adec:decorative xmlns:adec="http://schemas.microsoft.com/office/drawing/2017/decorative" val="1"/>
+              </a:ext>
+            </a:extLst>
+          </p:cNvPr>
+          <p:cNvSpPr>
+            <a:spLocks noGrp="1" noRot="1" noChangeAspect="1" noMove="1" noResize="1" noEditPoints="1" noAdjustHandles="1" noChangeArrowheads="1" noChangeShapeType="1" noTextEdit="1"/>
+          </p:cNvSpPr>
+          <p:nvPr>
+            <p:extLst>
+              <p:ext uri="{386F3935-93C4-4BCD-93E2-E3B085C9AB24}">
+                <p16:designElem xmlns:p16="http://schemas.microsoft.com/office/powerpoint/2015/main" val="1"/>
+              </p:ext>
+            </p:extLst>
+          </p:nvPr>
+        </p:nvSpPr>
+        <p:spPr>
+          <a:xfrm>
+            <a:off x="0" y="5762454"/>
+            <a:ext cx="7278624" cy="780581"/>
+          </a:xfrm>
+          <a:prstGeom prst="rect">
+            <a:avLst/>
+          </a:prstGeom>
+          <a:gradFill flip="none" rotWithShape="1">
+            <a:gsLst>
+              <a:gs pos="34000">
+                <a:schemeClr val="accent1"/>
+              </a:gs>
+              <a:gs pos="100000">
+                <a:schemeClr val="accent1">
+                  <a:lumMod val="50000"/>
+                </a:schemeClr>
+              </a:gs>
+            </a:gsLst>
+            <a:path path="circle">
+              <a:fillToRect l="50000" t="50000" r="50000" b="50000"/>
+            </a:path>
+            <a:tileRect/>
+          </a:gradFill>
+          <a:ln>
+            <a:noFill/>
+          </a:ln>
+        </p:spPr>
+        <p:style>
+          <a:lnRef idx="1">
+            <a:schemeClr val="accent1"/>
+          </a:lnRef>
+          <a:fillRef idx="3">
+            <a:schemeClr val="accent1"/>
+          </a:fillRef>
+          <a:effectRef idx="2">
+            <a:schemeClr val="accent1"/>
+          </a:effectRef>
+          <a:fontRef idx="minor">
+            <a:schemeClr val="lt1"/>
+          </a:fontRef>
+        </p:style>
+      </p:sp>
+      <p:sp>
+        <p:nvSpPr>
+          <p:cNvPr id="20" name="Rectangle 19">
+            <a:extLst>
+              <a:ext uri="{FF2B5EF4-FFF2-40B4-BE49-F238E27FC236}">
+                <a16:creationId xmlns:a16="http://schemas.microsoft.com/office/drawing/2014/main" id="{D625A454-7C47-49CE-8425-3EC9800E44E4}"/>
+              </a:ext>
+              <a:ext uri="{C183D7F6-B498-43B3-948B-1728B52AA6E4}">
+                <adec:decorative xmlns:adec="http://schemas.microsoft.com/office/drawing/2017/decorative" val="1"/>
+              </a:ext>
+            </a:extLst>
+          </p:cNvPr>
+          <p:cNvSpPr>
+            <a:spLocks noGrp="1" noRot="1" noChangeAspect="1" noMove="1" noResize="1" noEditPoints="1" noAdjustHandles="1" noChangeArrowheads="1" noChangeShapeType="1" noTextEdit="1"/>
+          </p:cNvSpPr>
+          <p:nvPr>
+            <p:extLst>
+              <p:ext uri="{386F3935-93C4-4BCD-93E2-E3B085C9AB24}">
+                <p16:designElem xmlns:p16="http://schemas.microsoft.com/office/powerpoint/2015/main" val="1"/>
+              </p:ext>
+            </p:extLst>
+          </p:nvPr>
+        </p:nvSpPr>
+        <p:spPr>
+          <a:xfrm>
+            <a:off x="8128677" y="450792"/>
+            <a:ext cx="3600028" cy="5950008"/>
+          </a:xfrm>
+          <a:prstGeom prst="rect">
+            <a:avLst/>
+          </a:prstGeom>
+          <a:solidFill>
+            <a:schemeClr val="bg1"/>
+          </a:solidFill>
+          <a:ln w="57150" cmpd="thinThick">
+            <a:noFill/>
+            <a:miter lim="800000"/>
+          </a:ln>
+          <a:effectLst>
+            <a:outerShdw blurRad="63500" sx="102000" sy="102000" algn="ctr" rotWithShape="0">
+              <a:prstClr val="black">
+                <a:alpha val="40000"/>
+              </a:prstClr>
+            </a:outerShdw>
+          </a:effectLst>
+        </p:spPr>
+        <p:style>
+          <a:lnRef idx="2">
+            <a:schemeClr val="accent1">
+              <a:shade val="50000"/>
+            </a:schemeClr>
+          </a:lnRef>
+          <a:fillRef idx="1">
+            <a:schemeClr val="accent1"/>
+          </a:fillRef>
+          <a:effectRef idx="0">
+            <a:schemeClr val="accent1"/>
+          </a:effectRef>
+          <a:fontRef idx="minor">
+            <a:schemeClr val="lt1"/>
+          </a:fontRef>
+        </p:style>
+        <p:txBody>
+          <a:bodyPr rtlCol="0" anchor="ctr"/>
+          <a:lstStyle/>
+          <a:p>
+            <a:pPr algn="ctr"/>
+            <a:endParaRPr lang="en-US"/>
+          </a:p>
+        </p:txBody>
+      </p:sp>
       <p:pic>
         <p:nvPicPr>
-          <p:cNvPr id="289" name="Image 288" descr="Personne tapant sur un ordinateur portable">
+          <p:cNvPr id="5" name="Graphic 9" descr="Game controller">
             <a:extLst>
               <a:ext uri="{FF2B5EF4-FFF2-40B4-BE49-F238E27FC236}">
-                <a16:creationId xmlns:a16="http://schemas.microsoft.com/office/drawing/2014/main" id="{1CCEB5BD-C1C1-8D49-8357-7EA3EC9ED380}"/>
+                <a16:creationId xmlns:a16="http://schemas.microsoft.com/office/drawing/2014/main" id="{7062B213-83A1-744F-891F-9D1734E7B8E5}"/>
               </a:ext>
             </a:extLst>
           </p:cNvPr>
@@ -3404,193 +7627,31 @@
           </p:cNvPicPr>
           <p:nvPr/>
         </p:nvPicPr>
-        <p:blipFill rotWithShape="1">
-          <a:blip r:embed="rId2">
-            <a:alphaModFix amt="45000"/>
+        <p:blipFill>
+          <a:blip r:embed="rId4">
+            <a:extLst>
+              <a:ext uri="{28A0092B-C50C-407E-A947-70E740481C1C}">
+                <a14:useLocalDpi xmlns:a14="http://schemas.microsoft.com/office/drawing/2010/main" val="0"/>
+              </a:ext>
+              <a:ext uri="{96DAC541-7B7A-43D3-8B79-37D633B846F1}">
+                <asvg:svgBlip xmlns:asvg="http://schemas.microsoft.com/office/drawing/2016/SVG/main" r:embed="rId5"/>
+              </a:ext>
+            </a:extLst>
           </a:blip>
-          <a:srcRect t="15730"/>
-          <a:stretch/>
+          <a:stretch>
+            <a:fillRect/>
+          </a:stretch>
         </p:blipFill>
         <p:spPr>
           <a:xfrm>
-            <a:off x="20" y="10"/>
-            <a:ext cx="12191980" cy="6857990"/>
+            <a:off x="8374980" y="1865430"/>
+            <a:ext cx="3121157" cy="3121157"/>
           </a:xfrm>
           <a:prstGeom prst="rect">
             <a:avLst/>
           </a:prstGeom>
         </p:spPr>
       </p:pic>
-      <p:sp>
-        <p:nvSpPr>
-          <p:cNvPr id="294" name="Rectangle 168">
-            <a:extLst>
-              <a:ext uri="{FF2B5EF4-FFF2-40B4-BE49-F238E27FC236}">
-                <a16:creationId xmlns:a16="http://schemas.microsoft.com/office/drawing/2014/main" id="{0344D4FE-ABEF-4230-9E4E-AD5782FC78AC}"/>
-              </a:ext>
-              <a:ext uri="{C183D7F6-B498-43B3-948B-1728B52AA6E4}">
-                <adec:decorative xmlns:adec="http://schemas.microsoft.com/office/drawing/2017/decorative" val="1"/>
-              </a:ext>
-            </a:extLst>
-          </p:cNvPr>
-          <p:cNvSpPr>
-            <a:spLocks noGrp="1" noRot="1" noChangeAspect="1" noMove="1" noResize="1" noEditPoints="1" noAdjustHandles="1" noChangeArrowheads="1" noChangeShapeType="1" noTextEdit="1"/>
-          </p:cNvSpPr>
-          <p:nvPr>
-            <p:extLst>
-              <p:ext uri="{386F3935-93C4-4BCD-93E2-E3B085C9AB24}">
-                <p16:designElem xmlns:p16="http://schemas.microsoft.com/office/powerpoint/2015/main" val="1"/>
-              </p:ext>
-            </p:extLst>
-          </p:nvPr>
-        </p:nvSpPr>
-        <p:spPr>
-          <a:xfrm>
-            <a:off x="1307870" y="1267730"/>
-            <a:ext cx="9576262" cy="4307950"/>
-          </a:xfrm>
-          <a:prstGeom prst="rect">
-            <a:avLst/>
-          </a:prstGeom>
-          <a:noFill/>
-          <a:ln w="9525" cap="sq" cmpd="sng" algn="ctr">
-            <a:solidFill>
-              <a:schemeClr val="tx1">
-                <a:lumMod val="75000"/>
-                <a:lumOff val="25000"/>
-              </a:schemeClr>
-            </a:solidFill>
-            <a:prstDash val="solid"/>
-            <a:miter lim="800000"/>
-          </a:ln>
-          <a:effectLst>
-            <a:softEdge rad="0"/>
-          </a:effectLst>
-        </p:spPr>
-      </p:sp>
-      <p:sp>
-        <p:nvSpPr>
-          <p:cNvPr id="2" name="Titre 1">
-            <a:extLst>
-              <a:ext uri="{FF2B5EF4-FFF2-40B4-BE49-F238E27FC236}">
-                <a16:creationId xmlns:a16="http://schemas.microsoft.com/office/drawing/2014/main" id="{C9D1A607-9714-694C-8C6D-4C5C5C89B36A}"/>
-              </a:ext>
-            </a:extLst>
-          </p:cNvPr>
-          <p:cNvSpPr>
-            <a:spLocks noGrp="1"/>
-          </p:cNvSpPr>
-          <p:nvPr>
-            <p:ph type="ctrTitle"/>
-          </p:nvPr>
-        </p:nvSpPr>
-        <p:spPr>
-          <a:xfrm>
-            <a:off x="1769532" y="1695576"/>
-            <a:ext cx="8652938" cy="2857191"/>
-          </a:xfrm>
-        </p:spPr>
-        <p:txBody>
-          <a:bodyPr anchor="ctr">
-            <a:normAutofit/>
-          </a:bodyPr>
-          <a:lstStyle/>
-          <a:p>
-            <a:r>
-              <a:rPr lang="fr-FR" sz="8000">
-                <a:latin typeface="Apple Chancery" panose="03020702040506060504" pitchFamily="66" charset="-79"/>
-                <a:ea typeface="Apple Symbols" panose="02000000000000000000" pitchFamily="2" charset="-79"/>
-                <a:cs typeface="Apple Chancery" panose="03020702040506060504" pitchFamily="66" charset="-79"/>
-              </a:rPr>
-              <a:t>Projet 3</a:t>
-            </a:r>
-          </a:p>
-        </p:txBody>
-      </p:sp>
-      <p:sp>
-        <p:nvSpPr>
-          <p:cNvPr id="3" name="Sous-titre 2">
-            <a:extLst>
-              <a:ext uri="{FF2B5EF4-FFF2-40B4-BE49-F238E27FC236}">
-                <a16:creationId xmlns:a16="http://schemas.microsoft.com/office/drawing/2014/main" id="{72DEA436-D149-384F-A768-FDA2F0443997}"/>
-              </a:ext>
-            </a:extLst>
-          </p:cNvPr>
-          <p:cNvSpPr>
-            <a:spLocks noGrp="1"/>
-          </p:cNvSpPr>
-          <p:nvPr>
-            <p:ph type="subTitle" idx="1"/>
-          </p:nvPr>
-        </p:nvSpPr>
-        <p:spPr>
-          <a:xfrm>
-            <a:off x="1769532" y="4623127"/>
-            <a:ext cx="8655200" cy="457201"/>
-          </a:xfrm>
-        </p:spPr>
-        <p:txBody>
-          <a:bodyPr>
-            <a:normAutofit/>
-          </a:bodyPr>
-          <a:lstStyle/>
-          <a:p>
-            <a:r>
-              <a:rPr lang="fr-FR">
-                <a:latin typeface="Apple Chancery" panose="03020702040506060504" pitchFamily="66" charset="-79"/>
-                <a:cs typeface="Apple Chancery" panose="03020702040506060504" pitchFamily="66" charset="-79"/>
-              </a:rPr>
-              <a:t>Créez votre premier jeu vidéo avec Swift !</a:t>
-            </a:r>
-          </a:p>
-        </p:txBody>
-      </p:sp>
-      <p:sp>
-        <p:nvSpPr>
-          <p:cNvPr id="171" name="Rectangle 170">
-            <a:extLst>
-              <a:ext uri="{FF2B5EF4-FFF2-40B4-BE49-F238E27FC236}">
-                <a16:creationId xmlns:a16="http://schemas.microsoft.com/office/drawing/2014/main" id="{9325F979-D3F9-4926-81B7-7ACCB31A501B}"/>
-              </a:ext>
-              <a:ext uri="{C183D7F6-B498-43B3-948B-1728B52AA6E4}">
-                <adec:decorative xmlns:adec="http://schemas.microsoft.com/office/drawing/2017/decorative" val="1"/>
-              </a:ext>
-            </a:extLst>
-          </p:cNvPr>
-          <p:cNvSpPr>
-            <a:spLocks noGrp="1" noRot="1" noChangeAspect="1" noMove="1" noResize="1" noEditPoints="1" noAdjustHandles="1" noChangeArrowheads="1" noChangeShapeType="1" noTextEdit="1"/>
-          </p:cNvSpPr>
-          <p:nvPr>
-            <p:extLst>
-              <p:ext uri="{386F3935-93C4-4BCD-93E2-E3B085C9AB24}">
-                <p16:designElem xmlns:p16="http://schemas.microsoft.com/office/powerpoint/2015/main" val="1"/>
-              </p:ext>
-            </p:extLst>
-          </p:nvPr>
-        </p:nvSpPr>
-        <p:spPr>
-          <a:xfrm>
-            <a:off x="1447801" y="1411615"/>
-            <a:ext cx="9296400" cy="4034770"/>
-          </a:xfrm>
-          <a:prstGeom prst="rect">
-            <a:avLst/>
-          </a:prstGeom>
-          <a:noFill/>
-          <a:ln w="9525" cap="sq" cmpd="sng" algn="ctr">
-            <a:solidFill>
-              <a:schemeClr val="tx1">
-                <a:lumMod val="75000"/>
-                <a:lumOff val="25000"/>
-                <a:alpha val="80000"/>
-              </a:schemeClr>
-            </a:solidFill>
-            <a:prstDash val="solid"/>
-            <a:miter lim="800000"/>
-          </a:ln>
-          <a:effectLst/>
-        </p:spPr>
-      </p:sp>
     </p:spTree>
     <p:extLst>
       <p:ext uri="{BB962C8B-B14F-4D97-AF65-F5344CB8AC3E}">
@@ -3599,7 +7660,7 @@
     </p:extLst>
   </p:cSld>
   <p:clrMapOvr>
-    <a:overrideClrMapping bg1="dk1" tx1="lt1" bg2="dk2" tx2="lt2" accent1="accent1" accent2="accent2" accent3="accent3" accent4="accent4" accent5="accent5" accent6="accent6" hlink="hlink" folHlink="folHlink"/>
+    <a:masterClrMapping/>
   </p:clrMapOvr>
   <p:timing>
     <p:tnLst>
@@ -3708,6 +7769,44 @@
                                   </p:childTnLst>
                                 </p:cTn>
                               </p:par>
+                              <p:par>
+                                <p:cTn id="11" presetID="10" presetClass="entr" presetSubtype="0" fill="hold" nodeType="withEffect">
+                                  <p:stCondLst>
+                                    <p:cond delay="500"/>
+                                  </p:stCondLst>
+                                  <p:iterate>
+                                    <p:tmPct val="10000"/>
+                                  </p:iterate>
+                                  <p:childTnLst>
+                                    <p:set>
+                                      <p:cBhvr>
+                                        <p:cTn id="12" dur="1" fill="hold">
+                                          <p:stCondLst>
+                                            <p:cond delay="0"/>
+                                          </p:stCondLst>
+                                        </p:cTn>
+                                        <p:tgtEl>
+                                          <p:spTgt spid="5"/>
+                                        </p:tgtEl>
+                                        <p:attrNameLst>
+                                          <p:attrName>style.visibility</p:attrName>
+                                        </p:attrNameLst>
+                                      </p:cBhvr>
+                                      <p:to>
+                                        <p:strVal val="visible"/>
+                                      </p:to>
+                                    </p:set>
+                                    <p:animEffect transition="in" filter="fade">
+                                      <p:cBhvr>
+                                        <p:cTn id="13" dur="700"/>
+                                        <p:tgtEl>
+                                          <p:spTgt spid="5"/>
+                                        </p:tgtEl>
+                                      </p:cBhvr>
+                                    </p:animEffect>
+                                  </p:childTnLst>
+                                </p:cTn>
+                              </p:par>
                             </p:childTnLst>
                           </p:cTn>
                         </p:par>
@@ -3746,6 +7845,14 @@
 <file path=ppt/slides/slide2.xml><?xml version="1.0" encoding="utf-8"?>
 <p:sld xmlns:a="http://schemas.openxmlformats.org/drawingml/2006/main" xmlns:r="http://schemas.openxmlformats.org/officeDocument/2006/relationships" xmlns:p="http://schemas.openxmlformats.org/presentationml/2006/main">
   <p:cSld>
+    <p:bg>
+      <p:bgPr>
+        <a:solidFill>
+          <a:schemeClr val="bg1"/>
+        </a:solidFill>
+        <a:effectLst/>
+      </p:bgPr>
+    </p:bg>
     <p:spTree>
       <p:nvGrpSpPr>
         <p:cNvPr id="1" name=""/>
@@ -3762,54 +7869,84 @@
       </p:grpSpPr>
       <p:sp>
         <p:nvSpPr>
-          <p:cNvPr id="2" name="Titre 1">
+          <p:cNvPr id="6" name="ZoneTexte 5">
             <a:extLst>
               <a:ext uri="{FF2B5EF4-FFF2-40B4-BE49-F238E27FC236}">
-                <a16:creationId xmlns:a16="http://schemas.microsoft.com/office/drawing/2014/main" id="{F944DE2A-C059-A247-9EEB-51242C66A61C}"/>
+                <a16:creationId xmlns:a16="http://schemas.microsoft.com/office/drawing/2014/main" id="{F9B53B18-97D3-8346-B305-74093F434F7C}"/>
               </a:ext>
             </a:extLst>
           </p:cNvPr>
-          <p:cNvSpPr>
-            <a:spLocks noGrp="1"/>
-          </p:cNvSpPr>
-          <p:nvPr>
-            <p:ph type="title"/>
-          </p:nvPr>
-        </p:nvSpPr>
-        <p:spPr/>
-        <p:txBody>
-          <a:bodyPr/>
+          <p:cNvSpPr txBox="1"/>
+          <p:nvPr/>
+        </p:nvSpPr>
+        <p:spPr>
+          <a:xfrm>
+            <a:off x="3421117" y="154357"/>
+            <a:ext cx="5349765" cy="455101"/>
+          </a:xfrm>
+          <a:prstGeom prst="rect">
+            <a:avLst/>
+          </a:prstGeom>
+        </p:spPr>
+        <p:txBody>
+          <a:bodyPr vert="horz" lIns="91440" tIns="45720" rIns="91440" bIns="45720" rtlCol="0" anchor="ctr">
+            <a:noAutofit/>
+          </a:bodyPr>
           <a:lstStyle/>
           <a:p>
-            <a:endParaRPr lang="fr-FR"/>
-          </a:p>
-        </p:txBody>
-      </p:sp>
-      <p:sp>
-        <p:nvSpPr>
-          <p:cNvPr id="3" name="Espace réservé du contenu 2">
+            <a:pPr indent="-228600">
+              <a:lnSpc>
+                <a:spcPct val="90000"/>
+              </a:lnSpc>
+              <a:spcBef>
+                <a:spcPct val="0"/>
+              </a:spcBef>
+              <a:spcAft>
+                <a:spcPts val="600"/>
+              </a:spcAft>
+              <a:buFont typeface="Arial" panose="020B0604020202020204" pitchFamily="34" charset="0"/>
+              <a:buChar char="•"/>
+            </a:pPr>
+            <a:r>
+              <a:rPr lang="fr-FR" sz="4400" b="1" dirty="0"/>
+              <a:t>Déroulement</a:t>
+            </a:r>
+            <a:r>
+              <a:rPr lang="en-US" sz="4400" b="1" dirty="0"/>
+              <a:t> du jeux</a:t>
+            </a:r>
+          </a:p>
+        </p:txBody>
+      </p:sp>
+      <p:pic>
+        <p:nvPicPr>
+          <p:cNvPr id="3" name="Image 2">
             <a:extLst>
               <a:ext uri="{FF2B5EF4-FFF2-40B4-BE49-F238E27FC236}">
-                <a16:creationId xmlns:a16="http://schemas.microsoft.com/office/drawing/2014/main" id="{3D36D578-1B56-B748-8AB8-8E9718BC9065}"/>
+                <a16:creationId xmlns:a16="http://schemas.microsoft.com/office/drawing/2014/main" id="{5BE19488-34E2-7A47-B04D-78B9F83336BE}"/>
               </a:ext>
             </a:extLst>
           </p:cNvPr>
-          <p:cNvSpPr>
-            <a:spLocks noGrp="1"/>
-          </p:cNvSpPr>
-          <p:nvPr>
-            <p:ph idx="1"/>
-          </p:nvPr>
-        </p:nvSpPr>
-        <p:spPr/>
-        <p:txBody>
-          <a:bodyPr/>
-          <a:lstStyle/>
-          <a:p>
-            <a:endParaRPr lang="fr-FR"/>
-          </a:p>
-        </p:txBody>
-      </p:sp>
+          <p:cNvPicPr>
+            <a:picLocks noChangeAspect="1"/>
+          </p:cNvPicPr>
+          <p:nvPr/>
+        </p:nvPicPr>
+        <p:blipFill rotWithShape="1">
+          <a:blip r:embed="rId2"/>
+          <a:srcRect l="10606" t="10102" r="32691" b="11922"/>
+          <a:stretch/>
+        </p:blipFill>
+        <p:spPr>
+          <a:xfrm rot="5400000">
+            <a:off x="3111042" y="-1922705"/>
+            <a:ext cx="5711675" cy="10756602"/>
+          </a:xfrm>
+          <a:prstGeom prst="rect">
+            <a:avLst/>
+          </a:prstGeom>
+        </p:spPr>
+      </p:pic>
     </p:spTree>
     <p:extLst>
       <p:ext uri="{BB962C8B-B14F-4D97-AF65-F5344CB8AC3E}">
@@ -3823,10 +7960,238 @@
 </p:sld>
 </file>
 
+<file path=ppt/slides/slide3.xml><?xml version="1.0" encoding="utf-8"?>
+<p:sld xmlns:a="http://schemas.openxmlformats.org/drawingml/2006/main" xmlns:r="http://schemas.openxmlformats.org/officeDocument/2006/relationships" xmlns:p="http://schemas.openxmlformats.org/presentationml/2006/main">
+  <p:cSld>
+    <p:spTree>
+      <p:nvGrpSpPr>
+        <p:cNvPr id="1" name=""/>
+        <p:cNvGrpSpPr/>
+        <p:nvPr/>
+      </p:nvGrpSpPr>
+      <p:grpSpPr>
+        <a:xfrm>
+          <a:off x="0" y="0"/>
+          <a:ext cx="0" cy="0"/>
+          <a:chOff x="0" y="0"/>
+          <a:chExt cx="0" cy="0"/>
+        </a:xfrm>
+      </p:grpSpPr>
+      <p:sp>
+        <p:nvSpPr>
+          <p:cNvPr id="3" name="Espace réservé du contenu 2">
+            <a:extLst>
+              <a:ext uri="{FF2B5EF4-FFF2-40B4-BE49-F238E27FC236}">
+                <a16:creationId xmlns:a16="http://schemas.microsoft.com/office/drawing/2014/main" id="{ABE01BE0-2103-7245-97EB-A3083DFAF553}"/>
+              </a:ext>
+            </a:extLst>
+          </p:cNvPr>
+          <p:cNvSpPr>
+            <a:spLocks noGrp="1"/>
+          </p:cNvSpPr>
+          <p:nvPr>
+            <p:ph idx="1"/>
+          </p:nvPr>
+        </p:nvSpPr>
+        <p:spPr/>
+        <p:txBody>
+          <a:bodyPr>
+            <a:normAutofit lnSpcReduction="10000"/>
+          </a:bodyPr>
+          <a:lstStyle/>
+          <a:p>
+            <a:r>
+              <a:rPr lang="fr-FR" dirty="0"/>
+              <a:t>Classe Main -&gt;</a:t>
+            </a:r>
+            <a:r>
+              <a:rPr lang="fr-FR" dirty="0">
+                <a:latin typeface="Andale Mono" panose="020B0509000000000004" pitchFamily="49" charset="0"/>
+                <a:cs typeface="Al Nile" pitchFamily="2" charset="-78"/>
+              </a:rPr>
+              <a:t>gère le lancement du jeux ou l’arrêt du programme</a:t>
+            </a:r>
+          </a:p>
+          <a:p>
+            <a:r>
+              <a:rPr lang="fr-FR" dirty="0"/>
+              <a:t>Classe </a:t>
+            </a:r>
+            <a:r>
+              <a:rPr lang="fr-FR" dirty="0" err="1"/>
+              <a:t>game</a:t>
+            </a:r>
+            <a:r>
+              <a:rPr lang="fr-FR" dirty="0"/>
+              <a:t> -&gt;</a:t>
+            </a:r>
+            <a:r>
+              <a:rPr lang="fr-FR" dirty="0">
+                <a:latin typeface="Andale Mono" panose="020B0509000000000004" pitchFamily="49" charset="0"/>
+                <a:cs typeface="Al Nile" pitchFamily="2" charset="-78"/>
+              </a:rPr>
+              <a:t>gère le déroulement des différentes partie du jeux</a:t>
+            </a:r>
+          </a:p>
+          <a:p>
+            <a:r>
+              <a:rPr lang="fr-FR" dirty="0"/>
+              <a:t>Classe </a:t>
+            </a:r>
+            <a:r>
+              <a:rPr lang="fr-FR" dirty="0" err="1"/>
+              <a:t>weapon</a:t>
+            </a:r>
+            <a:r>
+              <a:rPr lang="fr-FR" dirty="0"/>
+              <a:t> -&gt;</a:t>
+            </a:r>
+            <a:r>
+              <a:rPr lang="fr-FR" dirty="0">
+                <a:latin typeface="Andale Mono" panose="020B0509000000000004" pitchFamily="49" charset="0"/>
+                <a:cs typeface="Al Nile" pitchFamily="2" charset="-78"/>
+              </a:rPr>
+              <a:t>fournis aux classes qui en héritent un nom et une puissance d’arme.</a:t>
+            </a:r>
+          </a:p>
+          <a:p>
+            <a:r>
+              <a:rPr lang="fr-FR" dirty="0"/>
+              <a:t>Classe </a:t>
+            </a:r>
+            <a:r>
+              <a:rPr lang="fr-FR" dirty="0" err="1"/>
+              <a:t>character</a:t>
+            </a:r>
+            <a:r>
+              <a:rPr lang="fr-FR" dirty="0"/>
+              <a:t> -&gt;</a:t>
+            </a:r>
+            <a:r>
+              <a:rPr lang="fr-FR" dirty="0">
+                <a:latin typeface="Andale Mono" panose="020B0509000000000004" pitchFamily="49" charset="0"/>
+                <a:cs typeface="Al Nile" pitchFamily="2" charset="-78"/>
+              </a:rPr>
+              <a:t> fournis les caractéristiques du personnage(nom, point de vie, point de capacité de soins ainsi qu’une arme.</a:t>
+            </a:r>
+          </a:p>
+          <a:p>
+            <a:r>
+              <a:rPr lang="fr-FR" dirty="0"/>
+              <a:t>Classe </a:t>
+            </a:r>
+            <a:r>
+              <a:rPr lang="fr-FR" dirty="0" err="1"/>
+              <a:t>player</a:t>
+            </a:r>
+            <a:r>
+              <a:rPr lang="fr-FR" dirty="0"/>
+              <a:t> -&gt; </a:t>
+            </a:r>
+            <a:r>
+              <a:rPr lang="fr-FR" dirty="0">
+                <a:latin typeface="Andale Mono" panose="020B0509000000000004" pitchFamily="49" charset="0"/>
+                <a:cs typeface="Al Nile" pitchFamily="2" charset="-78"/>
+              </a:rPr>
+              <a:t>Gère le nombre de personnage dans une équipe ainsi que les actions qu’ils vont effectuer( Attaque, </a:t>
+            </a:r>
+            <a:r>
+              <a:rPr lang="fr-FR">
+                <a:latin typeface="Andale Mono" panose="020B0509000000000004" pitchFamily="49" charset="0"/>
+                <a:cs typeface="Al Nile" pitchFamily="2" charset="-78"/>
+              </a:rPr>
+              <a:t>ou soigner)</a:t>
+            </a:r>
+            <a:endParaRPr lang="fr-FR" dirty="0">
+              <a:latin typeface="Andale Mono" panose="020B0509000000000004" pitchFamily="49" charset="0"/>
+              <a:cs typeface="Al Nile" pitchFamily="2" charset="-78"/>
+            </a:endParaRPr>
+          </a:p>
+          <a:p>
+            <a:endParaRPr lang="fr-FR" dirty="0">
+              <a:latin typeface="Andale Mono" panose="020B0509000000000004" pitchFamily="49" charset="0"/>
+              <a:cs typeface="Al Nile" pitchFamily="2" charset="-78"/>
+            </a:endParaRPr>
+          </a:p>
+          <a:p>
+            <a:endParaRPr lang="fr-FR" dirty="0">
+              <a:latin typeface="Andale Mono" panose="020B0509000000000004" pitchFamily="49" charset="0"/>
+              <a:cs typeface="Al Nile" pitchFamily="2" charset="-78"/>
+            </a:endParaRPr>
+          </a:p>
+          <a:p>
+            <a:endParaRPr lang="fr-FR" dirty="0">
+              <a:latin typeface="Andale Mono" panose="020B0509000000000004" pitchFamily="49" charset="0"/>
+              <a:cs typeface="Al Nile" pitchFamily="2" charset="-78"/>
+            </a:endParaRPr>
+          </a:p>
+        </p:txBody>
+      </p:sp>
+      <p:sp>
+        <p:nvSpPr>
+          <p:cNvPr id="4" name="ZoneTexte 3">
+            <a:extLst>
+              <a:ext uri="{FF2B5EF4-FFF2-40B4-BE49-F238E27FC236}">
+                <a16:creationId xmlns:a16="http://schemas.microsoft.com/office/drawing/2014/main" id="{27631B3A-07BD-E545-932F-7FD862ABD4A0}"/>
+              </a:ext>
+            </a:extLst>
+          </p:cNvPr>
+          <p:cNvSpPr txBox="1"/>
+          <p:nvPr/>
+        </p:nvSpPr>
+        <p:spPr>
+          <a:xfrm>
+            <a:off x="2880389" y="117883"/>
+            <a:ext cx="6431221" cy="455101"/>
+          </a:xfrm>
+          <a:prstGeom prst="rect">
+            <a:avLst/>
+          </a:prstGeom>
+        </p:spPr>
+        <p:txBody>
+          <a:bodyPr vert="horz" lIns="91440" tIns="45720" rIns="91440" bIns="45720" rtlCol="0" anchor="ctr">
+            <a:noAutofit/>
+          </a:bodyPr>
+          <a:lstStyle/>
+          <a:p>
+            <a:pPr indent="-228600">
+              <a:lnSpc>
+                <a:spcPct val="90000"/>
+              </a:lnSpc>
+              <a:spcBef>
+                <a:spcPct val="0"/>
+              </a:spcBef>
+              <a:spcAft>
+                <a:spcPts val="600"/>
+              </a:spcAft>
+              <a:buFont typeface="Arial" panose="020B0604020202020204" pitchFamily="34" charset="0"/>
+              <a:buChar char="•"/>
+            </a:pPr>
+            <a:r>
+              <a:rPr lang="fr-FR" sz="4400" b="1" dirty="0"/>
+              <a:t>Identification des classes</a:t>
+            </a:r>
+            <a:endParaRPr lang="en-US" sz="4400" b="1" dirty="0"/>
+          </a:p>
+        </p:txBody>
+      </p:sp>
+    </p:spTree>
+    <p:extLst>
+      <p:ext uri="{BB962C8B-B14F-4D97-AF65-F5344CB8AC3E}">
+        <p14:creationId xmlns:p14="http://schemas.microsoft.com/office/powerpoint/2010/main" val="891734803"/>
+      </p:ext>
+    </p:extLst>
+  </p:cSld>
+  <p:clrMapOvr>
+    <a:masterClrMapping/>
+  </p:clrMapOvr>
+</p:sld>
+</file>
+
 <file path=ppt/theme/theme1.xml><?xml version="1.0" encoding="utf-8"?>
-<a:theme xmlns:a="http://schemas.openxmlformats.org/drawingml/2006/main" name="Thème Office">
+<a:theme xmlns:a="http://schemas.openxmlformats.org/drawingml/2006/main" name="Grand événement">
   <a:themeElements>
-    <a:clrScheme name="Office">
+    <a:clrScheme name="Grand événement">
       <a:dk1>
         <a:sysClr val="windowText" lastClr="000000"/>
       </a:dk1>
@@ -3834,44 +8199,44 @@
         <a:sysClr val="window" lastClr="FFFFFF"/>
       </a:lt1>
       <a:dk2>
-        <a:srgbClr val="44546A"/>
+        <a:srgbClr val="424242"/>
       </a:dk2>
       <a:lt2>
-        <a:srgbClr val="E7E6E6"/>
+        <a:srgbClr val="C8C8C8"/>
       </a:lt2>
       <a:accent1>
-        <a:srgbClr val="4472C4"/>
+        <a:srgbClr val="B80E0F"/>
       </a:accent1>
       <a:accent2>
-        <a:srgbClr val="ED7D31"/>
+        <a:srgbClr val="A6987D"/>
       </a:accent2>
       <a:accent3>
-        <a:srgbClr val="A5A5A5"/>
+        <a:srgbClr val="7F9A71"/>
       </a:accent3>
       <a:accent4>
-        <a:srgbClr val="FFC000"/>
+        <a:srgbClr val="64969F"/>
       </a:accent4>
       <a:accent5>
-        <a:srgbClr val="5B9BD5"/>
+        <a:srgbClr val="9B75B2"/>
       </a:accent5>
       <a:accent6>
-        <a:srgbClr val="70AD47"/>
+        <a:srgbClr val="80737A"/>
       </a:accent6>
       <a:hlink>
-        <a:srgbClr val="0563C1"/>
+        <a:srgbClr val="F21213"/>
       </a:hlink>
       <a:folHlink>
-        <a:srgbClr val="954F72"/>
+        <a:srgbClr val="B6A394"/>
       </a:folHlink>
     </a:clrScheme>
-    <a:fontScheme name="Office">
+    <a:fontScheme name="Grand événement">
       <a:majorFont>
-        <a:latin typeface="Calibri Light" panose="020F0302020204030204"/>
+        <a:latin typeface="Impact" panose="020B0806030902050204"/>
         <a:ea typeface=""/>
         <a:cs typeface=""/>
-        <a:font script="Jpan" typeface="游ゴシック Light"/>
+        <a:font script="Jpan" typeface="ＭＳ Ｐゴシック"/>
         <a:font script="Hang" typeface="맑은 고딕"/>
-        <a:font script="Hans" typeface="等线 Light"/>
+        <a:font script="Hans" typeface="宋体"/>
         <a:font script="Hant" typeface="新細明體"/>
         <a:font script="Arab" typeface="Times New Roman"/>
         <a:font script="Hebr" typeface="Times New Roman"/>
@@ -3899,31 +8264,14 @@
         <a:font script="Viet" typeface="Times New Roman"/>
         <a:font script="Uigh" typeface="Microsoft Uighur"/>
         <a:font script="Geor" typeface="Sylfaen"/>
-        <a:font script="Armn" typeface="Arial"/>
-        <a:font script="Bugi" typeface="Leelawadee UI"/>
-        <a:font script="Bopo" typeface="Microsoft JhengHei"/>
-        <a:font script="Java" typeface="Javanese Text"/>
-        <a:font script="Lisu" typeface="Segoe UI"/>
-        <a:font script="Mymr" typeface="Myanmar Text"/>
-        <a:font script="Nkoo" typeface="Ebrima"/>
-        <a:font script="Olck" typeface="Nirmala UI"/>
-        <a:font script="Osma" typeface="Ebrima"/>
-        <a:font script="Phag" typeface="Phagspa"/>
-        <a:font script="Syrn" typeface="Estrangelo Edessa"/>
-        <a:font script="Syrj" typeface="Estrangelo Edessa"/>
-        <a:font script="Syre" typeface="Estrangelo Edessa"/>
-        <a:font script="Sora" typeface="Nirmala UI"/>
-        <a:font script="Tale" typeface="Microsoft Tai Le"/>
-        <a:font script="Talu" typeface="Microsoft New Tai Lue"/>
-        <a:font script="Tfng" typeface="Ebrima"/>
       </a:majorFont>
       <a:minorFont>
-        <a:latin typeface="Calibri" panose="020F0502020204030204"/>
+        <a:latin typeface="Impact" panose="020B0806030902050204"/>
         <a:ea typeface=""/>
         <a:cs typeface=""/>
-        <a:font script="Jpan" typeface="游ゴシック"/>
+        <a:font script="Jpan" typeface="ＭＳ Ｐゴシック"/>
         <a:font script="Hang" typeface="맑은 고딕"/>
-        <a:font script="Hans" typeface="等线"/>
+        <a:font script="Hans" typeface="宋体"/>
         <a:font script="Hant" typeface="新細明體"/>
         <a:font script="Arab" typeface="Arial"/>
         <a:font script="Hebr" typeface="Arial"/>
@@ -3951,104 +8299,53 @@
         <a:font script="Viet" typeface="Arial"/>
         <a:font script="Uigh" typeface="Microsoft Uighur"/>
         <a:font script="Geor" typeface="Sylfaen"/>
-        <a:font script="Armn" typeface="Arial"/>
-        <a:font script="Bugi" typeface="Leelawadee UI"/>
-        <a:font script="Bopo" typeface="Microsoft JhengHei"/>
-        <a:font script="Java" typeface="Javanese Text"/>
-        <a:font script="Lisu" typeface="Segoe UI"/>
-        <a:font script="Mymr" typeface="Myanmar Text"/>
-        <a:font script="Nkoo" typeface="Ebrima"/>
-        <a:font script="Olck" typeface="Nirmala UI"/>
-        <a:font script="Osma" typeface="Ebrima"/>
-        <a:font script="Phag" typeface="Phagspa"/>
-        <a:font script="Syrn" typeface="Estrangelo Edessa"/>
-        <a:font script="Syrj" typeface="Estrangelo Edessa"/>
-        <a:font script="Syre" typeface="Estrangelo Edessa"/>
-        <a:font script="Sora" typeface="Nirmala UI"/>
-        <a:font script="Tale" typeface="Microsoft Tai Le"/>
-        <a:font script="Talu" typeface="Microsoft New Tai Lue"/>
-        <a:font script="Tfng" typeface="Ebrima"/>
       </a:minorFont>
     </a:fontScheme>
-    <a:fmtScheme name="Office">
+    <a:fmtScheme name="Grand événement">
       <a:fillStyleLst>
         <a:solidFill>
           <a:schemeClr val="phClr"/>
         </a:solidFill>
-        <a:gradFill rotWithShape="1">
-          <a:gsLst>
-            <a:gs pos="0">
+        <a:solidFill>
+          <a:schemeClr val="phClr">
+            <a:tint val="69000"/>
+            <a:satMod val="105000"/>
+            <a:lumMod val="110000"/>
+          </a:schemeClr>
+        </a:solidFill>
+        <a:blipFill>
+          <a:blip xmlns:r="http://schemas.openxmlformats.org/officeDocument/2006/relationships" r:embed="rId1">
+            <a:duotone>
               <a:schemeClr val="phClr">
-                <a:lumMod val="110000"/>
-                <a:satMod val="105000"/>
-                <a:tint val="67000"/>
+                <a:shade val="88000"/>
+                <a:lumMod val="88000"/>
               </a:schemeClr>
-            </a:gs>
-            <a:gs pos="50000">
-              <a:schemeClr val="phClr">
-                <a:lumMod val="105000"/>
-                <a:satMod val="103000"/>
-                <a:tint val="73000"/>
-              </a:schemeClr>
-            </a:gs>
-            <a:gs pos="100000">
-              <a:schemeClr val="phClr">
-                <a:lumMod val="105000"/>
-                <a:satMod val="109000"/>
-                <a:tint val="81000"/>
-              </a:schemeClr>
-            </a:gs>
-          </a:gsLst>
-          <a:lin ang="5400000" scaled="0"/>
-        </a:gradFill>
-        <a:gradFill rotWithShape="1">
-          <a:gsLst>
-            <a:gs pos="0">
-              <a:schemeClr val="phClr">
-                <a:satMod val="103000"/>
-                <a:lumMod val="102000"/>
-                <a:tint val="94000"/>
-              </a:schemeClr>
-            </a:gs>
-            <a:gs pos="50000">
-              <a:schemeClr val="phClr">
-                <a:satMod val="110000"/>
-                <a:lumMod val="100000"/>
-                <a:shade val="100000"/>
-              </a:schemeClr>
-            </a:gs>
-            <a:gs pos="100000">
-              <a:schemeClr val="phClr">
-                <a:lumMod val="99000"/>
-                <a:satMod val="120000"/>
-                <a:shade val="78000"/>
-              </a:schemeClr>
-            </a:gs>
-          </a:gsLst>
-          <a:lin ang="5400000" scaled="0"/>
-        </a:gradFill>
+              <a:schemeClr val="phClr"/>
+            </a:duotone>
+          </a:blip>
+          <a:tile tx="0" ty="0" sx="100000" sy="100000" flip="none" algn="tl"/>
+        </a:blipFill>
       </a:fillStyleLst>
       <a:lnStyleLst>
-        <a:ln w="6350" cap="flat" cmpd="sng" algn="ctr">
+        <a:ln w="9525" cap="flat" cmpd="sng" algn="ctr">
           <a:solidFill>
-            <a:schemeClr val="phClr"/>
+            <a:schemeClr val="phClr">
+              <a:shade val="60000"/>
+            </a:schemeClr>
           </a:solidFill>
           <a:prstDash val="solid"/>
-          <a:miter lim="800000"/>
-        </a:ln>
-        <a:ln w="12700" cap="flat" cmpd="sng" algn="ctr">
-          <a:solidFill>
-            <a:schemeClr val="phClr"/>
-          </a:solidFill>
-          <a:prstDash val="solid"/>
-          <a:miter lim="800000"/>
         </a:ln>
         <a:ln w="19050" cap="flat" cmpd="sng" algn="ctr">
           <a:solidFill>
             <a:schemeClr val="phClr"/>
           </a:solidFill>
           <a:prstDash val="solid"/>
-          <a:miter lim="800000"/>
+        </a:ln>
+        <a:ln w="25400" cap="flat" cmpd="sng" algn="ctr">
+          <a:solidFill>
+            <a:schemeClr val="phClr"/>
+          </a:solidFill>
+          <a:prstDash val="solid"/>
         </a:ln>
       </a:lnStyleLst>
       <a:effectStyleLst>
@@ -4060,9 +8357,9 @@
         </a:effectStyle>
         <a:effectStyle>
           <a:effectLst>
-            <a:outerShdw blurRad="57150" dist="19050" dir="5400000" algn="ctr" rotWithShape="0">
+            <a:outerShdw blurRad="25400" dist="12700" dir="5400000" rotWithShape="0">
               <a:srgbClr val="000000">
-                <a:alpha val="63000"/>
+                <a:alpha val="60000"/>
               </a:srgbClr>
             </a:outerShdw>
           </a:effectLst>
@@ -4072,39 +8369,39 @@
         <a:solidFill>
           <a:schemeClr val="phClr"/>
         </a:solidFill>
-        <a:solidFill>
-          <a:schemeClr val="phClr">
-            <a:tint val="95000"/>
-            <a:satMod val="170000"/>
-          </a:schemeClr>
-        </a:solidFill>
         <a:gradFill rotWithShape="1">
           <a:gsLst>
             <a:gs pos="0">
               <a:schemeClr val="phClr">
-                <a:tint val="93000"/>
-                <a:satMod val="150000"/>
-                <a:shade val="98000"/>
-                <a:lumMod val="102000"/>
-              </a:schemeClr>
-            </a:gs>
-            <a:gs pos="50000">
-              <a:schemeClr val="phClr">
-                <a:tint val="98000"/>
-                <a:satMod val="130000"/>
-                <a:shade val="90000"/>
-                <a:lumMod val="103000"/>
+                <a:tint val="90000"/>
+                <a:lumMod val="110000"/>
               </a:schemeClr>
             </a:gs>
             <a:gs pos="100000">
               <a:schemeClr val="phClr">
-                <a:shade val="63000"/>
-                <a:satMod val="120000"/>
+                <a:shade val="88000"/>
+                <a:lumMod val="88000"/>
               </a:schemeClr>
             </a:gs>
           </a:gsLst>
           <a:lin ang="5400000" scaled="0"/>
         </a:gradFill>
+        <a:blipFill>
+          <a:blip xmlns:r="http://schemas.openxmlformats.org/officeDocument/2006/relationships" r:embed="rId2">
+            <a:duotone>
+              <a:schemeClr val="phClr">
+                <a:shade val="48000"/>
+                <a:satMod val="110000"/>
+                <a:lumMod val="40000"/>
+              </a:schemeClr>
+              <a:schemeClr val="phClr">
+                <a:tint val="90000"/>
+                <a:lumMod val="106000"/>
+              </a:schemeClr>
+            </a:duotone>
+          </a:blip>
+          <a:stretch/>
+        </a:blipFill>
       </a:bgFillStyleLst>
     </a:fmtScheme>
   </a:themeElements>
@@ -4112,7 +8409,7 @@
   <a:extraClrSchemeLst/>
   <a:extLst>
     <a:ext uri="{05A4C25C-085E-4340-85A3-A5531E510DB2}">
-      <thm15:themeFamily xmlns:thm15="http://schemas.microsoft.com/office/thememl/2012/main" name="Office Theme" id="{62F939B6-93AF-4DB8-9C6B-D6C7DFDC589F}" vid="{4A3C46E8-61CC-4603-A589-7422A47A8E4A}"/>
+      <thm15:themeFamily xmlns:thm15="http://schemas.microsoft.com/office/thememl/2012/main" name="Main Event" id="{AC372BB4-D83D-411E-B849-B641926BA760}" vid="{F1EFBDE3-1A95-4E3D-81AD-1F53D65BEA01}"/>
     </a:ext>
   </a:extLst>
 </a:theme>

--- a/P3_soussand_yoan/P3_02_architecture/P3_02_architecture.pptx
+++ b/P3_soussand_yoan/P3_02_architecture/P3_02_architecture.pptx
@@ -108,7 +108,18 @@
   </p:defaultTextStyle>
   <p:extLst>
     <p:ext uri="{EFAFB233-063F-42B5-8137-9DF3F51BA10A}">
-      <p15:sldGuideLst xmlns:p15="http://schemas.microsoft.com/office/powerpoint/2012/main"/>
+      <p15:sldGuideLst xmlns:p15="http://schemas.microsoft.com/office/powerpoint/2012/main">
+        <p15:guide id="1" orient="horz" pos="2160" userDrawn="1">
+          <p15:clr>
+            <a:srgbClr val="A4A3A4"/>
+          </p15:clr>
+        </p15:guide>
+        <p15:guide id="2" pos="3840" userDrawn="1">
+          <p15:clr>
+            <a:srgbClr val="A4A3A4"/>
+          </p15:clr>
+        </p15:guide>
+      </p15:sldGuideLst>
     </p:ext>
   </p:extLst>
 </p:presentation>
@@ -117,7 +128,7 @@
 <file path=ppt/revisionInfo.xml><?xml version="1.0" encoding="utf-8"?>
 <p1510:revInfo xmlns:a="http://schemas.openxmlformats.org/drawingml/2006/main" xmlns:r="http://schemas.openxmlformats.org/officeDocument/2006/relationships" xmlns:p1510="http://schemas.microsoft.com/office/powerpoint/2015/10/main">
   <p1510:revLst>
-    <p1510:client id="{ED4E84CA-539B-F14D-8B36-AC637F884A74}" v="43" dt="2021-08-16T21:09:39.402"/>
+    <p1510:client id="{ED4E84CA-539B-F14D-8B36-AC637F884A74}" v="196" dt="2021-08-18T07:38:03.850"/>
   </p1510:revLst>
 </p1510:revInfo>
 </file>
@@ -127,7 +138,7 @@
   <pc:docChgLst>
     <pc:chgData name="Soussand, Yoan" userId="6c304db6-38ce-44e5-ba9b-3778b08966c2" providerId="ADAL" clId="{ED4E84CA-539B-F14D-8B36-AC637F884A74}"/>
     <pc:docChg chg="undo custSel addSld modSld">
-      <pc:chgData name="Soussand, Yoan" userId="6c304db6-38ce-44e5-ba9b-3778b08966c2" providerId="ADAL" clId="{ED4E84CA-539B-F14D-8B36-AC637F884A74}" dt="2021-08-16T21:10:35.658" v="1101" actId="20577"/>
+      <pc:chgData name="Soussand, Yoan" userId="6c304db6-38ce-44e5-ba9b-3778b08966c2" providerId="ADAL" clId="{ED4E84CA-539B-F14D-8B36-AC637F884A74}" dt="2021-08-18T07:38:39.531" v="1312" actId="26606"/>
       <pc:docMkLst>
         <pc:docMk/>
       </pc:docMkLst>
@@ -667,7 +678,7 @@
         </pc:cxnChg>
       </pc:sldChg>
       <pc:sldChg chg="addSp delSp modSp mod setBg addAnim delAnim delDesignElem">
-        <pc:chgData name="Soussand, Yoan" userId="6c304db6-38ce-44e5-ba9b-3778b08966c2" providerId="ADAL" clId="{ED4E84CA-539B-F14D-8B36-AC637F884A74}" dt="2021-08-16T20:53:51.472" v="153" actId="108"/>
+        <pc:chgData name="Soussand, Yoan" userId="6c304db6-38ce-44e5-ba9b-3778b08966c2" providerId="ADAL" clId="{ED4E84CA-539B-F14D-8B36-AC637F884A74}" dt="2021-08-18T07:06:43.288" v="1122" actId="1076"/>
         <pc:sldMkLst>
           <pc:docMk/>
           <pc:sldMk cId="2796943302" sldId="257"/>
@@ -856,12 +867,20 @@
             <ac:grpSpMk id="17" creationId="{89D1390B-7E13-4B4F-9CB2-391063412E54}"/>
           </ac:grpSpMkLst>
         </pc:grpChg>
-        <pc:picChg chg="add mod modCrop">
-          <ac:chgData name="Soussand, Yoan" userId="6c304db6-38ce-44e5-ba9b-3778b08966c2" providerId="ADAL" clId="{ED4E84CA-539B-F14D-8B36-AC637F884A74}" dt="2021-08-16T20:52:51.197" v="151" actId="14100"/>
+        <pc:picChg chg="add del mod modCrop">
+          <ac:chgData name="Soussand, Yoan" userId="6c304db6-38ce-44e5-ba9b-3778b08966c2" providerId="ADAL" clId="{ED4E84CA-539B-F14D-8B36-AC637F884A74}" dt="2021-08-18T07:04:19.191" v="1102" actId="478"/>
           <ac:picMkLst>
             <pc:docMk/>
             <pc:sldMk cId="2796943302" sldId="257"/>
             <ac:picMk id="3" creationId="{5BE19488-34E2-7A47-B04D-78B9F83336BE}"/>
+          </ac:picMkLst>
+        </pc:picChg>
+        <pc:picChg chg="add mod modCrop">
+          <ac:chgData name="Soussand, Yoan" userId="6c304db6-38ce-44e5-ba9b-3778b08966c2" providerId="ADAL" clId="{ED4E84CA-539B-F14D-8B36-AC637F884A74}" dt="2021-08-18T07:06:43.288" v="1122" actId="1076"/>
+          <ac:picMkLst>
+            <pc:docMk/>
+            <pc:sldMk cId="2796943302" sldId="257"/>
+            <ac:picMk id="4" creationId="{55DD903E-8948-D142-9CA6-4660B3EEED1C}"/>
           </ac:picMkLst>
         </pc:picChg>
         <pc:picChg chg="add del mod modCrop">
@@ -881,8 +900,8 @@
           </ac:picMkLst>
         </pc:picChg>
       </pc:sldChg>
-      <pc:sldChg chg="addSp delSp modSp new mod">
-        <pc:chgData name="Soussand, Yoan" userId="6c304db6-38ce-44e5-ba9b-3778b08966c2" providerId="ADAL" clId="{ED4E84CA-539B-F14D-8B36-AC637F884A74}" dt="2021-08-16T21:10:35.658" v="1101" actId="20577"/>
+      <pc:sldChg chg="addSp delSp modSp new mod setBg">
+        <pc:chgData name="Soussand, Yoan" userId="6c304db6-38ce-44e5-ba9b-3778b08966c2" providerId="ADAL" clId="{ED4E84CA-539B-F14D-8B36-AC637F884A74}" dt="2021-08-18T07:38:39.531" v="1312" actId="26606"/>
         <pc:sldMkLst>
           <pc:docMk/>
           <pc:sldMk cId="891734803" sldId="258"/>
@@ -895,8 +914,8 @@
             <ac:spMk id="2" creationId="{25B42FB7-1A14-9446-A95B-131ACC644E22}"/>
           </ac:spMkLst>
         </pc:spChg>
-        <pc:spChg chg="mod">
-          <ac:chgData name="Soussand, Yoan" userId="6c304db6-38ce-44e5-ba9b-3778b08966c2" providerId="ADAL" clId="{ED4E84CA-539B-F14D-8B36-AC637F884A74}" dt="2021-08-16T21:10:35.658" v="1101" actId="20577"/>
+        <pc:spChg chg="add del mod">
+          <ac:chgData name="Soussand, Yoan" userId="6c304db6-38ce-44e5-ba9b-3778b08966c2" providerId="ADAL" clId="{ED4E84CA-539B-F14D-8B36-AC637F884A74}" dt="2021-08-18T07:08:12.409" v="1145" actId="26606"/>
           <ac:spMkLst>
             <pc:docMk/>
             <pc:sldMk cId="891734803" sldId="258"/>
@@ -904,7 +923,7 @@
           </ac:spMkLst>
         </pc:spChg>
         <pc:spChg chg="add mod">
-          <ac:chgData name="Soussand, Yoan" userId="6c304db6-38ce-44e5-ba9b-3778b08966c2" providerId="ADAL" clId="{ED4E84CA-539B-F14D-8B36-AC637F884A74}" dt="2021-08-16T20:56:03.948" v="220" actId="1076"/>
+          <ac:chgData name="Soussand, Yoan" userId="6c304db6-38ce-44e5-ba9b-3778b08966c2" providerId="ADAL" clId="{ED4E84CA-539B-F14D-8B36-AC637F884A74}" dt="2021-08-18T07:37:23.307" v="1298" actId="26606"/>
           <ac:spMkLst>
             <pc:docMk/>
             <pc:sldMk cId="891734803" sldId="258"/>
@@ -919,10 +938,3917 @@
             <ac:spMk id="6" creationId="{8B9B73EE-82FB-E94C-84FB-68A72303A0CB}"/>
           </ac:spMkLst>
         </pc:spChg>
+        <pc:spChg chg="add del">
+          <ac:chgData name="Soussand, Yoan" userId="6c304db6-38ce-44e5-ba9b-3778b08966c2" providerId="ADAL" clId="{ED4E84CA-539B-F14D-8B36-AC637F884A74}" dt="2021-08-18T07:07:44.930" v="1130" actId="26606"/>
+          <ac:spMkLst>
+            <pc:docMk/>
+            <pc:sldMk cId="891734803" sldId="258"/>
+            <ac:spMk id="11" creationId="{A601F395-3079-4179-84BA-6654D9F8258F}"/>
+          </ac:spMkLst>
+        </pc:spChg>
+        <pc:spChg chg="add del">
+          <ac:chgData name="Soussand, Yoan" userId="6c304db6-38ce-44e5-ba9b-3778b08966c2" providerId="ADAL" clId="{ED4E84CA-539B-F14D-8B36-AC637F884A74}" dt="2021-08-18T07:07:35.148" v="1128" actId="26606"/>
+          <ac:spMkLst>
+            <pc:docMk/>
+            <pc:sldMk cId="891734803" sldId="258"/>
+            <ac:spMk id="12" creationId="{1DABCD50-2A43-4A08-8C91-7149DE056855}"/>
+          </ac:spMkLst>
+        </pc:spChg>
+        <pc:spChg chg="add del">
+          <ac:chgData name="Soussand, Yoan" userId="6c304db6-38ce-44e5-ba9b-3778b08966c2" providerId="ADAL" clId="{ED4E84CA-539B-F14D-8B36-AC637F884A74}" dt="2021-08-18T07:08:07.949" v="1140" actId="26606"/>
+          <ac:spMkLst>
+            <pc:docMk/>
+            <pc:sldMk cId="891734803" sldId="258"/>
+            <ac:spMk id="13" creationId="{448E5503-E0F8-4B94-81A3-B1FA57623E0F}"/>
+          </ac:spMkLst>
+        </pc:spChg>
+        <pc:spChg chg="add del">
+          <ac:chgData name="Soussand, Yoan" userId="6c304db6-38ce-44e5-ba9b-3778b08966c2" providerId="ADAL" clId="{ED4E84CA-539B-F14D-8B36-AC637F884A74}" dt="2021-08-18T07:07:35.148" v="1128" actId="26606"/>
+          <ac:spMkLst>
+            <pc:docMk/>
+            <pc:sldMk cId="891734803" sldId="258"/>
+            <ac:spMk id="14" creationId="{0B66C21B-84DF-40D9-824D-29F01DB1711A}"/>
+          </ac:spMkLst>
+        </pc:spChg>
+        <pc:spChg chg="add del">
+          <ac:chgData name="Soussand, Yoan" userId="6c304db6-38ce-44e5-ba9b-3778b08966c2" providerId="ADAL" clId="{ED4E84CA-539B-F14D-8B36-AC637F884A74}" dt="2021-08-18T07:08:07.949" v="1140" actId="26606"/>
+          <ac:spMkLst>
+            <pc:docMk/>
+            <pc:sldMk cId="891734803" sldId="258"/>
+            <ac:spMk id="15" creationId="{CE54F896-85E7-4403-9E37-1B004731F8C9}"/>
+          </ac:spMkLst>
+        </pc:spChg>
+        <pc:spChg chg="add del">
+          <ac:chgData name="Soussand, Yoan" userId="6c304db6-38ce-44e5-ba9b-3778b08966c2" providerId="ADAL" clId="{ED4E84CA-539B-F14D-8B36-AC637F884A74}" dt="2021-08-18T07:07:35.148" v="1128" actId="26606"/>
+          <ac:spMkLst>
+            <pc:docMk/>
+            <pc:sldMk cId="891734803" sldId="258"/>
+            <ac:spMk id="16" creationId="{4607EC9A-1A49-428D-BC58-912B66DEC2B7}"/>
+          </ac:spMkLst>
+        </pc:spChg>
+        <pc:spChg chg="add del">
+          <ac:chgData name="Soussand, Yoan" userId="6c304db6-38ce-44e5-ba9b-3778b08966c2" providerId="ADAL" clId="{ED4E84CA-539B-F14D-8B36-AC637F884A74}" dt="2021-08-18T07:07:44.930" v="1130" actId="26606"/>
+          <ac:spMkLst>
+            <pc:docMk/>
+            <pc:sldMk cId="891734803" sldId="258"/>
+            <ac:spMk id="18" creationId="{ABE01BE0-2103-7245-97EB-A3083DFAF553}"/>
+          </ac:spMkLst>
+        </pc:spChg>
+        <pc:spChg chg="add del">
+          <ac:chgData name="Soussand, Yoan" userId="6c304db6-38ce-44e5-ba9b-3778b08966c2" providerId="ADAL" clId="{ED4E84CA-539B-F14D-8B36-AC637F884A74}" dt="2021-08-18T07:07:48.458" v="1132" actId="26606"/>
+          <ac:spMkLst>
+            <pc:docMk/>
+            <pc:sldMk cId="891734803" sldId="258"/>
+            <ac:spMk id="21" creationId="{A601F395-3079-4179-84BA-6654D9F8258F}"/>
+          </ac:spMkLst>
+        </pc:spChg>
+        <pc:spChg chg="add del">
+          <ac:chgData name="Soussand, Yoan" userId="6c304db6-38ce-44e5-ba9b-3778b08966c2" providerId="ADAL" clId="{ED4E84CA-539B-F14D-8B36-AC637F884A74}" dt="2021-08-18T07:07:48.458" v="1132" actId="26606"/>
+          <ac:spMkLst>
+            <pc:docMk/>
+            <pc:sldMk cId="891734803" sldId="258"/>
+            <ac:spMk id="22" creationId="{ABE01BE0-2103-7245-97EB-A3083DFAF553}"/>
+          </ac:spMkLst>
+        </pc:spChg>
+        <pc:spChg chg="add del">
+          <ac:chgData name="Soussand, Yoan" userId="6c304db6-38ce-44e5-ba9b-3778b08966c2" providerId="ADAL" clId="{ED4E84CA-539B-F14D-8B36-AC637F884A74}" dt="2021-08-18T07:08:06.518" v="1138" actId="26606"/>
+          <ac:spMkLst>
+            <pc:docMk/>
+            <pc:sldMk cId="891734803" sldId="258"/>
+            <ac:spMk id="29" creationId="{F88A5712-2FE0-4DD4-BDC6-099EA378A050}"/>
+          </ac:spMkLst>
+        </pc:spChg>
+        <pc:spChg chg="add del">
+          <ac:chgData name="Soussand, Yoan" userId="6c304db6-38ce-44e5-ba9b-3778b08966c2" providerId="ADAL" clId="{ED4E84CA-539B-F14D-8B36-AC637F884A74}" dt="2021-08-18T07:08:06.518" v="1138" actId="26606"/>
+          <ac:spMkLst>
+            <pc:docMk/>
+            <pc:sldMk cId="891734803" sldId="258"/>
+            <ac:spMk id="30" creationId="{448E5503-E0F8-4B94-81A3-B1FA57623E0F}"/>
+          </ac:spMkLst>
+        </pc:spChg>
+        <pc:spChg chg="add del">
+          <ac:chgData name="Soussand, Yoan" userId="6c304db6-38ce-44e5-ba9b-3778b08966c2" providerId="ADAL" clId="{ED4E84CA-539B-F14D-8B36-AC637F884A74}" dt="2021-08-18T07:08:06.518" v="1138" actId="26606"/>
+          <ac:spMkLst>
+            <pc:docMk/>
+            <pc:sldMk cId="891734803" sldId="258"/>
+            <ac:spMk id="31" creationId="{CE54F896-85E7-4403-9E37-1B004731F8C9}"/>
+          </ac:spMkLst>
+        </pc:spChg>
+        <pc:spChg chg="add del">
+          <ac:chgData name="Soussand, Yoan" userId="6c304db6-38ce-44e5-ba9b-3778b08966c2" providerId="ADAL" clId="{ED4E84CA-539B-F14D-8B36-AC637F884A74}" dt="2021-08-18T07:08:07.949" v="1140" actId="26606"/>
+          <ac:spMkLst>
+            <pc:docMk/>
+            <pc:sldMk cId="891734803" sldId="258"/>
+            <ac:spMk id="35" creationId="{F88A5712-2FE0-4DD4-BDC6-099EA378A050}"/>
+          </ac:spMkLst>
+        </pc:spChg>
+        <pc:spChg chg="add del">
+          <ac:chgData name="Soussand, Yoan" userId="6c304db6-38ce-44e5-ba9b-3778b08966c2" providerId="ADAL" clId="{ED4E84CA-539B-F14D-8B36-AC637F884A74}" dt="2021-08-18T07:08:07.949" v="1140" actId="26606"/>
+          <ac:spMkLst>
+            <pc:docMk/>
+            <pc:sldMk cId="891734803" sldId="258"/>
+            <ac:spMk id="36" creationId="{ABE01BE0-2103-7245-97EB-A3083DFAF553}"/>
+          </ac:spMkLst>
+        </pc:spChg>
+        <pc:spChg chg="add del">
+          <ac:chgData name="Soussand, Yoan" userId="6c304db6-38ce-44e5-ba9b-3778b08966c2" providerId="ADAL" clId="{ED4E84CA-539B-F14D-8B36-AC637F884A74}" dt="2021-08-18T07:08:08.995" v="1142" actId="26606"/>
+          <ac:spMkLst>
+            <pc:docMk/>
+            <pc:sldMk cId="891734803" sldId="258"/>
+            <ac:spMk id="39" creationId="{1DABCD50-2A43-4A08-8C91-7149DE056855}"/>
+          </ac:spMkLst>
+        </pc:spChg>
+        <pc:spChg chg="add del">
+          <ac:chgData name="Soussand, Yoan" userId="6c304db6-38ce-44e5-ba9b-3778b08966c2" providerId="ADAL" clId="{ED4E84CA-539B-F14D-8B36-AC637F884A74}" dt="2021-08-18T07:08:08.995" v="1142" actId="26606"/>
+          <ac:spMkLst>
+            <pc:docMk/>
+            <pc:sldMk cId="891734803" sldId="258"/>
+            <ac:spMk id="40" creationId="{0B66C21B-84DF-40D9-824D-29F01DB1711A}"/>
+          </ac:spMkLst>
+        </pc:spChg>
+        <pc:spChg chg="add del">
+          <ac:chgData name="Soussand, Yoan" userId="6c304db6-38ce-44e5-ba9b-3778b08966c2" providerId="ADAL" clId="{ED4E84CA-539B-F14D-8B36-AC637F884A74}" dt="2021-08-18T07:08:08.995" v="1142" actId="26606"/>
+          <ac:spMkLst>
+            <pc:docMk/>
+            <pc:sldMk cId="891734803" sldId="258"/>
+            <ac:spMk id="41" creationId="{4607EC9A-1A49-428D-BC58-912B66DEC2B7}"/>
+          </ac:spMkLst>
+        </pc:spChg>
+        <pc:spChg chg="add del">
+          <ac:chgData name="Soussand, Yoan" userId="6c304db6-38ce-44e5-ba9b-3778b08966c2" providerId="ADAL" clId="{ED4E84CA-539B-F14D-8B36-AC637F884A74}" dt="2021-08-18T07:08:12.381" v="1144" actId="26606"/>
+          <ac:spMkLst>
+            <pc:docMk/>
+            <pc:sldMk cId="891734803" sldId="258"/>
+            <ac:spMk id="45" creationId="{A601F395-3079-4179-84BA-6654D9F8258F}"/>
+          </ac:spMkLst>
+        </pc:spChg>
+        <pc:spChg chg="add del">
+          <ac:chgData name="Soussand, Yoan" userId="6c304db6-38ce-44e5-ba9b-3778b08966c2" providerId="ADAL" clId="{ED4E84CA-539B-F14D-8B36-AC637F884A74}" dt="2021-08-18T07:08:12.381" v="1144" actId="26606"/>
+          <ac:spMkLst>
+            <pc:docMk/>
+            <pc:sldMk cId="891734803" sldId="258"/>
+            <ac:spMk id="46" creationId="{ABE01BE0-2103-7245-97EB-A3083DFAF553}"/>
+          </ac:spMkLst>
+        </pc:spChg>
+        <pc:spChg chg="add del">
+          <ac:chgData name="Soussand, Yoan" userId="6c304db6-38ce-44e5-ba9b-3778b08966c2" providerId="ADAL" clId="{ED4E84CA-539B-F14D-8B36-AC637F884A74}" dt="2021-08-18T07:37:23.265" v="1297" actId="26606"/>
+          <ac:spMkLst>
+            <pc:docMk/>
+            <pc:sldMk cId="891734803" sldId="258"/>
+            <ac:spMk id="53" creationId="{C38E665F-010A-4CF3-9B64-5888D0D74550}"/>
+          </ac:spMkLst>
+        </pc:spChg>
+        <pc:spChg chg="add del">
+          <ac:chgData name="Soussand, Yoan" userId="6c304db6-38ce-44e5-ba9b-3778b08966c2" providerId="ADAL" clId="{ED4E84CA-539B-F14D-8B36-AC637F884A74}" dt="2021-08-18T07:38:39.531" v="1312" actId="26606"/>
+          <ac:spMkLst>
+            <pc:docMk/>
+            <pc:sldMk cId="891734803" sldId="258"/>
+            <ac:spMk id="55" creationId="{1C4DAAB9-1F6E-44A6-8EBD-11AA857B20AB}"/>
+          </ac:spMkLst>
+        </pc:spChg>
+        <pc:spChg chg="add del">
+          <ac:chgData name="Soussand, Yoan" userId="6c304db6-38ce-44e5-ba9b-3778b08966c2" providerId="ADAL" clId="{ED4E84CA-539B-F14D-8B36-AC637F884A74}" dt="2021-08-18T07:38:31.685" v="1303" actId="26606"/>
+          <ac:spMkLst>
+            <pc:docMk/>
+            <pc:sldMk cId="891734803" sldId="258"/>
+            <ac:spMk id="60" creationId="{C38E665F-010A-4CF3-9B64-5888D0D74550}"/>
+          </ac:spMkLst>
+        </pc:spChg>
+        <pc:spChg chg="add del">
+          <ac:chgData name="Soussand, Yoan" userId="6c304db6-38ce-44e5-ba9b-3778b08966c2" providerId="ADAL" clId="{ED4E84CA-539B-F14D-8B36-AC637F884A74}" dt="2021-08-18T07:38:36.614" v="1305" actId="26606"/>
+          <ac:spMkLst>
+            <pc:docMk/>
+            <pc:sldMk cId="891734803" sldId="258"/>
+            <ac:spMk id="62" creationId="{1C4DAAB9-1F6E-44A6-8EBD-11AA857B20AB}"/>
+          </ac:spMkLst>
+        </pc:spChg>
+        <pc:spChg chg="add del">
+          <ac:chgData name="Soussand, Yoan" userId="6c304db6-38ce-44e5-ba9b-3778b08966c2" providerId="ADAL" clId="{ED4E84CA-539B-F14D-8B36-AC637F884A74}" dt="2021-08-18T07:38:37.326" v="1307" actId="26606"/>
+          <ac:spMkLst>
+            <pc:docMk/>
+            <pc:sldMk cId="891734803" sldId="258"/>
+            <ac:spMk id="64" creationId="{C38E665F-010A-4CF3-9B64-5888D0D74550}"/>
+          </ac:spMkLst>
+        </pc:spChg>
+        <pc:spChg chg="add del">
+          <ac:chgData name="Soussand, Yoan" userId="6c304db6-38ce-44e5-ba9b-3778b08966c2" providerId="ADAL" clId="{ED4E84CA-539B-F14D-8B36-AC637F884A74}" dt="2021-08-18T07:38:38.743" v="1309" actId="26606"/>
+          <ac:spMkLst>
+            <pc:docMk/>
+            <pc:sldMk cId="891734803" sldId="258"/>
+            <ac:spMk id="66" creationId="{1C4DAAB9-1F6E-44A6-8EBD-11AA857B20AB}"/>
+          </ac:spMkLst>
+        </pc:spChg>
+        <pc:spChg chg="add del">
+          <ac:chgData name="Soussand, Yoan" userId="6c304db6-38ce-44e5-ba9b-3778b08966c2" providerId="ADAL" clId="{ED4E84CA-539B-F14D-8B36-AC637F884A74}" dt="2021-08-18T07:38:39.452" v="1311" actId="26606"/>
+          <ac:spMkLst>
+            <pc:docMk/>
+            <pc:sldMk cId="891734803" sldId="258"/>
+            <ac:spMk id="68" creationId="{C38E665F-010A-4CF3-9B64-5888D0D74550}"/>
+          </ac:spMkLst>
+        </pc:spChg>
+        <pc:spChg chg="add">
+          <ac:chgData name="Soussand, Yoan" userId="6c304db6-38ce-44e5-ba9b-3778b08966c2" providerId="ADAL" clId="{ED4E84CA-539B-F14D-8B36-AC637F884A74}" dt="2021-08-18T07:38:39.531" v="1312" actId="26606"/>
+          <ac:spMkLst>
+            <pc:docMk/>
+            <pc:sldMk cId="891734803" sldId="258"/>
+            <ac:spMk id="70" creationId="{1C4DAAB9-1F6E-44A6-8EBD-11AA857B20AB}"/>
+          </ac:spMkLst>
+        </pc:spChg>
+        <pc:graphicFrameChg chg="add del">
+          <ac:chgData name="Soussand, Yoan" userId="6c304db6-38ce-44e5-ba9b-3778b08966c2" providerId="ADAL" clId="{ED4E84CA-539B-F14D-8B36-AC637F884A74}" dt="2021-08-18T07:07:35.148" v="1128" actId="26606"/>
+          <ac:graphicFrameMkLst>
+            <pc:docMk/>
+            <pc:sldMk cId="891734803" sldId="258"/>
+            <ac:graphicFrameMk id="7" creationId="{BF90D7FB-9441-4FA4-97C4-DFD9274917AB}"/>
+          </ac:graphicFrameMkLst>
+        </pc:graphicFrameChg>
+        <pc:graphicFrameChg chg="add del">
+          <ac:chgData name="Soussand, Yoan" userId="6c304db6-38ce-44e5-ba9b-3778b08966c2" providerId="ADAL" clId="{ED4E84CA-539B-F14D-8B36-AC637F884A74}" dt="2021-08-18T07:07:51.252" v="1134" actId="26606"/>
+          <ac:graphicFrameMkLst>
+            <pc:docMk/>
+            <pc:sldMk cId="891734803" sldId="258"/>
+            <ac:graphicFrameMk id="24" creationId="{BF923FB3-5243-4BED-AA92-9419B72349FB}"/>
+          </ac:graphicFrameMkLst>
+        </pc:graphicFrameChg>
+        <pc:graphicFrameChg chg="add del">
+          <ac:chgData name="Soussand, Yoan" userId="6c304db6-38ce-44e5-ba9b-3778b08966c2" providerId="ADAL" clId="{ED4E84CA-539B-F14D-8B36-AC637F884A74}" dt="2021-08-18T07:08:02.610" v="1136" actId="26606"/>
+          <ac:graphicFrameMkLst>
+            <pc:docMk/>
+            <pc:sldMk cId="891734803" sldId="258"/>
+            <ac:graphicFrameMk id="26" creationId="{32CAED11-95A3-44D4-95DB-F60988D00265}"/>
+          </ac:graphicFrameMkLst>
+        </pc:graphicFrameChg>
+        <pc:graphicFrameChg chg="add del">
+          <ac:chgData name="Soussand, Yoan" userId="6c304db6-38ce-44e5-ba9b-3778b08966c2" providerId="ADAL" clId="{ED4E84CA-539B-F14D-8B36-AC637F884A74}" dt="2021-08-18T07:08:06.518" v="1138" actId="26606"/>
+          <ac:graphicFrameMkLst>
+            <pc:docMk/>
+            <pc:sldMk cId="891734803" sldId="258"/>
+            <ac:graphicFrameMk id="32" creationId="{6199F251-3C6A-4AC5-82D1-E5BB1DF6FCBB}"/>
+          </ac:graphicFrameMkLst>
+        </pc:graphicFrameChg>
+        <pc:graphicFrameChg chg="add del">
+          <ac:chgData name="Soussand, Yoan" userId="6c304db6-38ce-44e5-ba9b-3778b08966c2" providerId="ADAL" clId="{ED4E84CA-539B-F14D-8B36-AC637F884A74}" dt="2021-08-18T07:08:08.995" v="1142" actId="26606"/>
+          <ac:graphicFrameMkLst>
+            <pc:docMk/>
+            <pc:sldMk cId="891734803" sldId="258"/>
+            <ac:graphicFrameMk id="42" creationId="{BF90D7FB-9441-4FA4-97C4-DFD9274917AB}"/>
+          </ac:graphicFrameMkLst>
+        </pc:graphicFrameChg>
+        <pc:graphicFrameChg chg="add mod ord modGraphic">
+          <ac:chgData name="Soussand, Yoan" userId="6c304db6-38ce-44e5-ba9b-3778b08966c2" providerId="ADAL" clId="{ED4E84CA-539B-F14D-8B36-AC637F884A74}" dt="2021-08-18T07:38:39.531" v="1312" actId="26606"/>
+          <ac:graphicFrameMkLst>
+            <pc:docMk/>
+            <pc:sldMk cId="891734803" sldId="258"/>
+            <ac:graphicFrameMk id="48" creationId="{32CAED11-95A3-44D4-95DB-F60988D00265}"/>
+          </ac:graphicFrameMkLst>
+        </pc:graphicFrameChg>
+        <pc:picChg chg="add del">
+          <ac:chgData name="Soussand, Yoan" userId="6c304db6-38ce-44e5-ba9b-3778b08966c2" providerId="ADAL" clId="{ED4E84CA-539B-F14D-8B36-AC637F884A74}" dt="2021-08-18T07:07:44.930" v="1130" actId="26606"/>
+          <ac:picMkLst>
+            <pc:docMk/>
+            <pc:sldMk cId="891734803" sldId="258"/>
+            <ac:picMk id="9" creationId="{BB28D430-56EA-45B9-8632-927BEBF02975}"/>
+          </ac:picMkLst>
+        </pc:picChg>
+        <pc:picChg chg="add del">
+          <ac:chgData name="Soussand, Yoan" userId="6c304db6-38ce-44e5-ba9b-3778b08966c2" providerId="ADAL" clId="{ED4E84CA-539B-F14D-8B36-AC637F884A74}" dt="2021-08-18T07:07:35.148" v="1128" actId="26606"/>
+          <ac:picMkLst>
+            <pc:docMk/>
+            <pc:sldMk cId="891734803" sldId="258"/>
+            <ac:picMk id="10" creationId="{1C9D2FF5-C78D-4D0F-A2C2-55D9A33B0AD6}"/>
+          </ac:picMkLst>
+        </pc:picChg>
+        <pc:picChg chg="add del">
+          <ac:chgData name="Soussand, Yoan" userId="6c304db6-38ce-44e5-ba9b-3778b08966c2" providerId="ADAL" clId="{ED4E84CA-539B-F14D-8B36-AC637F884A74}" dt="2021-08-18T07:07:48.458" v="1132" actId="26606"/>
+          <ac:picMkLst>
+            <pc:docMk/>
+            <pc:sldMk cId="891734803" sldId="258"/>
+            <ac:picMk id="20" creationId="{BB28D430-56EA-45B9-8632-927BEBF02975}"/>
+          </ac:picMkLst>
+        </pc:picChg>
+        <pc:picChg chg="add del">
+          <ac:chgData name="Soussand, Yoan" userId="6c304db6-38ce-44e5-ba9b-3778b08966c2" providerId="ADAL" clId="{ED4E84CA-539B-F14D-8B36-AC637F884A74}" dt="2021-08-18T07:08:06.518" v="1138" actId="26606"/>
+          <ac:picMkLst>
+            <pc:docMk/>
+            <pc:sldMk cId="891734803" sldId="258"/>
+            <ac:picMk id="28" creationId="{90A9C49B-76D8-4E9B-B430-D1ADF40F1CF8}"/>
+          </ac:picMkLst>
+        </pc:picChg>
+        <pc:picChg chg="add del">
+          <ac:chgData name="Soussand, Yoan" userId="6c304db6-38ce-44e5-ba9b-3778b08966c2" providerId="ADAL" clId="{ED4E84CA-539B-F14D-8B36-AC637F884A74}" dt="2021-08-18T07:08:07.949" v="1140" actId="26606"/>
+          <ac:picMkLst>
+            <pc:docMk/>
+            <pc:sldMk cId="891734803" sldId="258"/>
+            <ac:picMk id="34" creationId="{90A9C49B-76D8-4E9B-B430-D1ADF40F1CF8}"/>
+          </ac:picMkLst>
+        </pc:picChg>
+        <pc:picChg chg="add del">
+          <ac:chgData name="Soussand, Yoan" userId="6c304db6-38ce-44e5-ba9b-3778b08966c2" providerId="ADAL" clId="{ED4E84CA-539B-F14D-8B36-AC637F884A74}" dt="2021-08-18T07:08:08.995" v="1142" actId="26606"/>
+          <ac:picMkLst>
+            <pc:docMk/>
+            <pc:sldMk cId="891734803" sldId="258"/>
+            <ac:picMk id="38" creationId="{1C9D2FF5-C78D-4D0F-A2C2-55D9A33B0AD6}"/>
+          </ac:picMkLst>
+        </pc:picChg>
+        <pc:picChg chg="add del">
+          <ac:chgData name="Soussand, Yoan" userId="6c304db6-38ce-44e5-ba9b-3778b08966c2" providerId="ADAL" clId="{ED4E84CA-539B-F14D-8B36-AC637F884A74}" dt="2021-08-18T07:08:12.381" v="1144" actId="26606"/>
+          <ac:picMkLst>
+            <pc:docMk/>
+            <pc:sldMk cId="891734803" sldId="258"/>
+            <ac:picMk id="44" creationId="{BB28D430-56EA-45B9-8632-927BEBF02975}"/>
+          </ac:picMkLst>
+        </pc:picChg>
       </pc:sldChg>
     </pc:docChg>
   </pc:docChgLst>
 </pc:chgInfo>
+</file>
+
+<file path=ppt/diagrams/colors1.xml><?xml version="1.0" encoding="utf-8"?>
+<dgm:colorsDef xmlns:dgm="http://schemas.openxmlformats.org/drawingml/2006/diagram" xmlns:a="http://schemas.openxmlformats.org/drawingml/2006/main" uniqueId="urn:microsoft.com/office/officeart/2005/8/colors/accent1_2">
+  <dgm:title val=""/>
+  <dgm:desc val=""/>
+  <dgm:catLst>
+    <dgm:cat type="accent1" pri="11200"/>
+  </dgm:catLst>
+  <dgm:styleLbl name="node0">
+    <dgm:fillClrLst meth="repeat">
+      <a:schemeClr val="accent1"/>
+    </dgm:fillClrLst>
+    <dgm:linClrLst meth="repeat">
+      <a:schemeClr val="lt1"/>
+    </dgm:linClrLst>
+    <dgm:effectClrLst/>
+    <dgm:txLinClrLst/>
+    <dgm:txFillClrLst/>
+    <dgm:txEffectClrLst/>
+  </dgm:styleLbl>
+  <dgm:styleLbl name="alignNode1">
+    <dgm:fillClrLst meth="repeat">
+      <a:schemeClr val="accent1"/>
+    </dgm:fillClrLst>
+    <dgm:linClrLst meth="repeat">
+      <a:schemeClr val="accent1"/>
+    </dgm:linClrLst>
+    <dgm:effectClrLst/>
+    <dgm:txLinClrLst/>
+    <dgm:txFillClrLst/>
+    <dgm:txEffectClrLst/>
+  </dgm:styleLbl>
+  <dgm:styleLbl name="node1">
+    <dgm:fillClrLst meth="repeat">
+      <a:schemeClr val="accent1"/>
+    </dgm:fillClrLst>
+    <dgm:linClrLst meth="repeat">
+      <a:schemeClr val="lt1"/>
+    </dgm:linClrLst>
+    <dgm:effectClrLst/>
+    <dgm:txLinClrLst/>
+    <dgm:txFillClrLst/>
+    <dgm:txEffectClrLst/>
+  </dgm:styleLbl>
+  <dgm:styleLbl name="lnNode1">
+    <dgm:fillClrLst meth="repeat">
+      <a:schemeClr val="accent1"/>
+    </dgm:fillClrLst>
+    <dgm:linClrLst meth="repeat">
+      <a:schemeClr val="lt1"/>
+    </dgm:linClrLst>
+    <dgm:effectClrLst/>
+    <dgm:txLinClrLst/>
+    <dgm:txFillClrLst/>
+    <dgm:txEffectClrLst/>
+  </dgm:styleLbl>
+  <dgm:styleLbl name="vennNode1">
+    <dgm:fillClrLst meth="repeat">
+      <a:schemeClr val="accent1">
+        <a:alpha val="50000"/>
+      </a:schemeClr>
+    </dgm:fillClrLst>
+    <dgm:linClrLst meth="repeat">
+      <a:schemeClr val="lt1"/>
+    </dgm:linClrLst>
+    <dgm:effectClrLst/>
+    <dgm:txLinClrLst/>
+    <dgm:txFillClrLst/>
+    <dgm:txEffectClrLst/>
+  </dgm:styleLbl>
+  <dgm:styleLbl name="node2">
+    <dgm:fillClrLst meth="repeat">
+      <a:schemeClr val="accent1"/>
+    </dgm:fillClrLst>
+    <dgm:linClrLst meth="repeat">
+      <a:schemeClr val="lt1"/>
+    </dgm:linClrLst>
+    <dgm:effectClrLst/>
+    <dgm:txLinClrLst/>
+    <dgm:txFillClrLst/>
+    <dgm:txEffectClrLst/>
+  </dgm:styleLbl>
+  <dgm:styleLbl name="node3">
+    <dgm:fillClrLst meth="repeat">
+      <a:schemeClr val="accent1"/>
+    </dgm:fillClrLst>
+    <dgm:linClrLst meth="repeat">
+      <a:schemeClr val="lt1"/>
+    </dgm:linClrLst>
+    <dgm:effectClrLst/>
+    <dgm:txLinClrLst/>
+    <dgm:txFillClrLst/>
+    <dgm:txEffectClrLst/>
+  </dgm:styleLbl>
+  <dgm:styleLbl name="node4">
+    <dgm:fillClrLst meth="repeat">
+      <a:schemeClr val="accent1"/>
+    </dgm:fillClrLst>
+    <dgm:linClrLst meth="repeat">
+      <a:schemeClr val="lt1"/>
+    </dgm:linClrLst>
+    <dgm:effectClrLst/>
+    <dgm:txLinClrLst/>
+    <dgm:txFillClrLst/>
+    <dgm:txEffectClrLst/>
+  </dgm:styleLbl>
+  <dgm:styleLbl name="fgImgPlace1">
+    <dgm:fillClrLst meth="repeat">
+      <a:schemeClr val="accent1">
+        <a:tint val="50000"/>
+      </a:schemeClr>
+    </dgm:fillClrLst>
+    <dgm:linClrLst meth="repeat">
+      <a:schemeClr val="lt1"/>
+    </dgm:linClrLst>
+    <dgm:effectClrLst/>
+    <dgm:txLinClrLst/>
+    <dgm:txFillClrLst meth="repeat">
+      <a:schemeClr val="lt1"/>
+    </dgm:txFillClrLst>
+    <dgm:txEffectClrLst/>
+  </dgm:styleLbl>
+  <dgm:styleLbl name="alignImgPlace1">
+    <dgm:fillClrLst meth="repeat">
+      <a:schemeClr val="accent1">
+        <a:tint val="50000"/>
+      </a:schemeClr>
+    </dgm:fillClrLst>
+    <dgm:linClrLst meth="repeat">
+      <a:schemeClr val="lt1"/>
+    </dgm:linClrLst>
+    <dgm:effectClrLst/>
+    <dgm:txLinClrLst/>
+    <dgm:txFillClrLst meth="repeat">
+      <a:schemeClr val="lt1"/>
+    </dgm:txFillClrLst>
+    <dgm:txEffectClrLst/>
+  </dgm:styleLbl>
+  <dgm:styleLbl name="bgImgPlace1">
+    <dgm:fillClrLst meth="repeat">
+      <a:schemeClr val="accent1">
+        <a:tint val="50000"/>
+      </a:schemeClr>
+    </dgm:fillClrLst>
+    <dgm:linClrLst meth="repeat">
+      <a:schemeClr val="lt1"/>
+    </dgm:linClrLst>
+    <dgm:effectClrLst/>
+    <dgm:txLinClrLst/>
+    <dgm:txFillClrLst meth="repeat">
+      <a:schemeClr val="lt1"/>
+    </dgm:txFillClrLst>
+    <dgm:txEffectClrLst/>
+  </dgm:styleLbl>
+  <dgm:styleLbl name="sibTrans2D1">
+    <dgm:fillClrLst meth="repeat">
+      <a:schemeClr val="accent1">
+        <a:tint val="60000"/>
+      </a:schemeClr>
+    </dgm:fillClrLst>
+    <dgm:linClrLst meth="repeat">
+      <a:schemeClr val="accent1">
+        <a:tint val="60000"/>
+      </a:schemeClr>
+    </dgm:linClrLst>
+    <dgm:effectClrLst/>
+    <dgm:txLinClrLst/>
+    <dgm:txFillClrLst/>
+    <dgm:txEffectClrLst/>
+  </dgm:styleLbl>
+  <dgm:styleLbl name="fgSibTrans2D1">
+    <dgm:fillClrLst meth="repeat">
+      <a:schemeClr val="accent1">
+        <a:tint val="60000"/>
+      </a:schemeClr>
+    </dgm:fillClrLst>
+    <dgm:linClrLst meth="repeat">
+      <a:schemeClr val="accent1">
+        <a:tint val="60000"/>
+      </a:schemeClr>
+    </dgm:linClrLst>
+    <dgm:effectClrLst/>
+    <dgm:txLinClrLst/>
+    <dgm:txFillClrLst/>
+    <dgm:txEffectClrLst/>
+  </dgm:styleLbl>
+  <dgm:styleLbl name="bgSibTrans2D1">
+    <dgm:fillClrLst meth="repeat">
+      <a:schemeClr val="accent1">
+        <a:tint val="60000"/>
+      </a:schemeClr>
+    </dgm:fillClrLst>
+    <dgm:linClrLst meth="repeat">
+      <a:schemeClr val="accent1">
+        <a:tint val="60000"/>
+      </a:schemeClr>
+    </dgm:linClrLst>
+    <dgm:effectClrLst/>
+    <dgm:txLinClrLst/>
+    <dgm:txFillClrLst/>
+    <dgm:txEffectClrLst/>
+  </dgm:styleLbl>
+  <dgm:styleLbl name="sibTrans1D1">
+    <dgm:fillClrLst meth="repeat">
+      <a:schemeClr val="accent1"/>
+    </dgm:fillClrLst>
+    <dgm:linClrLst meth="repeat">
+      <a:schemeClr val="accent1"/>
+    </dgm:linClrLst>
+    <dgm:effectClrLst/>
+    <dgm:txLinClrLst/>
+    <dgm:txFillClrLst meth="repeat">
+      <a:schemeClr val="tx1"/>
+    </dgm:txFillClrLst>
+    <dgm:txEffectClrLst/>
+  </dgm:styleLbl>
+  <dgm:styleLbl name="callout">
+    <dgm:fillClrLst meth="repeat">
+      <a:schemeClr val="accent1"/>
+    </dgm:fillClrLst>
+    <dgm:linClrLst meth="repeat">
+      <a:schemeClr val="accent1">
+        <a:tint val="50000"/>
+      </a:schemeClr>
+    </dgm:linClrLst>
+    <dgm:effectClrLst/>
+    <dgm:txLinClrLst/>
+    <dgm:txFillClrLst meth="repeat">
+      <a:schemeClr val="tx1"/>
+    </dgm:txFillClrLst>
+    <dgm:txEffectClrLst/>
+  </dgm:styleLbl>
+  <dgm:styleLbl name="asst0">
+    <dgm:fillClrLst meth="repeat">
+      <a:schemeClr val="accent1"/>
+    </dgm:fillClrLst>
+    <dgm:linClrLst meth="repeat">
+      <a:schemeClr val="lt1"/>
+    </dgm:linClrLst>
+    <dgm:effectClrLst/>
+    <dgm:txLinClrLst/>
+    <dgm:txFillClrLst/>
+    <dgm:txEffectClrLst/>
+  </dgm:styleLbl>
+  <dgm:styleLbl name="asst1">
+    <dgm:fillClrLst meth="repeat">
+      <a:schemeClr val="accent1"/>
+    </dgm:fillClrLst>
+    <dgm:linClrLst meth="repeat">
+      <a:schemeClr val="lt1"/>
+    </dgm:linClrLst>
+    <dgm:effectClrLst/>
+    <dgm:txLinClrLst/>
+    <dgm:txFillClrLst/>
+    <dgm:txEffectClrLst/>
+  </dgm:styleLbl>
+  <dgm:styleLbl name="asst2">
+    <dgm:fillClrLst meth="repeat">
+      <a:schemeClr val="accent1"/>
+    </dgm:fillClrLst>
+    <dgm:linClrLst meth="repeat">
+      <a:schemeClr val="lt1"/>
+    </dgm:linClrLst>
+    <dgm:effectClrLst/>
+    <dgm:txLinClrLst/>
+    <dgm:txFillClrLst/>
+    <dgm:txEffectClrLst/>
+  </dgm:styleLbl>
+  <dgm:styleLbl name="asst3">
+    <dgm:fillClrLst meth="repeat">
+      <a:schemeClr val="accent1"/>
+    </dgm:fillClrLst>
+    <dgm:linClrLst meth="repeat">
+      <a:schemeClr val="lt1"/>
+    </dgm:linClrLst>
+    <dgm:effectClrLst/>
+    <dgm:txLinClrLst/>
+    <dgm:txFillClrLst/>
+    <dgm:txEffectClrLst/>
+  </dgm:styleLbl>
+  <dgm:styleLbl name="asst4">
+    <dgm:fillClrLst meth="repeat">
+      <a:schemeClr val="accent1"/>
+    </dgm:fillClrLst>
+    <dgm:linClrLst meth="repeat">
+      <a:schemeClr val="lt1"/>
+    </dgm:linClrLst>
+    <dgm:effectClrLst/>
+    <dgm:txLinClrLst/>
+    <dgm:txFillClrLst/>
+    <dgm:txEffectClrLst/>
+  </dgm:styleLbl>
+  <dgm:styleLbl name="parChTrans2D1">
+    <dgm:fillClrLst meth="repeat">
+      <a:schemeClr val="accent1">
+        <a:tint val="60000"/>
+      </a:schemeClr>
+    </dgm:fillClrLst>
+    <dgm:linClrLst meth="repeat">
+      <a:schemeClr val="accent1">
+        <a:tint val="60000"/>
+      </a:schemeClr>
+    </dgm:linClrLst>
+    <dgm:effectClrLst/>
+    <dgm:txLinClrLst/>
+    <dgm:txFillClrLst meth="repeat">
+      <a:schemeClr val="lt1"/>
+    </dgm:txFillClrLst>
+    <dgm:txEffectClrLst/>
+  </dgm:styleLbl>
+  <dgm:styleLbl name="parChTrans2D2">
+    <dgm:fillClrLst meth="repeat">
+      <a:schemeClr val="accent1"/>
+    </dgm:fillClrLst>
+    <dgm:linClrLst meth="repeat">
+      <a:schemeClr val="accent1"/>
+    </dgm:linClrLst>
+    <dgm:effectClrLst/>
+    <dgm:txLinClrLst/>
+    <dgm:txFillClrLst meth="repeat">
+      <a:schemeClr val="lt1"/>
+    </dgm:txFillClrLst>
+    <dgm:txEffectClrLst/>
+  </dgm:styleLbl>
+  <dgm:styleLbl name="parChTrans2D3">
+    <dgm:fillClrLst meth="repeat">
+      <a:schemeClr val="accent1"/>
+    </dgm:fillClrLst>
+    <dgm:linClrLst meth="repeat">
+      <a:schemeClr val="accent1"/>
+    </dgm:linClrLst>
+    <dgm:effectClrLst/>
+    <dgm:txLinClrLst/>
+    <dgm:txFillClrLst meth="repeat">
+      <a:schemeClr val="lt1"/>
+    </dgm:txFillClrLst>
+    <dgm:txEffectClrLst/>
+  </dgm:styleLbl>
+  <dgm:styleLbl name="parChTrans2D4">
+    <dgm:fillClrLst meth="repeat">
+      <a:schemeClr val="accent1"/>
+    </dgm:fillClrLst>
+    <dgm:linClrLst meth="repeat">
+      <a:schemeClr val="accent1"/>
+    </dgm:linClrLst>
+    <dgm:effectClrLst/>
+    <dgm:txLinClrLst/>
+    <dgm:txFillClrLst meth="repeat">
+      <a:schemeClr val="lt1"/>
+    </dgm:txFillClrLst>
+    <dgm:txEffectClrLst/>
+  </dgm:styleLbl>
+  <dgm:styleLbl name="parChTrans1D1">
+    <dgm:fillClrLst meth="repeat">
+      <a:schemeClr val="accent1"/>
+    </dgm:fillClrLst>
+    <dgm:linClrLst meth="repeat">
+      <a:schemeClr val="accent1">
+        <a:shade val="60000"/>
+      </a:schemeClr>
+    </dgm:linClrLst>
+    <dgm:effectClrLst/>
+    <dgm:txLinClrLst/>
+    <dgm:txFillClrLst meth="repeat">
+      <a:schemeClr val="tx1"/>
+    </dgm:txFillClrLst>
+    <dgm:txEffectClrLst/>
+  </dgm:styleLbl>
+  <dgm:styleLbl name="parChTrans1D2">
+    <dgm:fillClrLst meth="repeat">
+      <a:schemeClr val="accent1"/>
+    </dgm:fillClrLst>
+    <dgm:linClrLst meth="repeat">
+      <a:schemeClr val="accent1">
+        <a:shade val="60000"/>
+      </a:schemeClr>
+    </dgm:linClrLst>
+    <dgm:effectClrLst/>
+    <dgm:txLinClrLst/>
+    <dgm:txFillClrLst meth="repeat">
+      <a:schemeClr val="tx1"/>
+    </dgm:txFillClrLst>
+    <dgm:txEffectClrLst/>
+  </dgm:styleLbl>
+  <dgm:styleLbl name="parChTrans1D3">
+    <dgm:fillClrLst meth="repeat">
+      <a:schemeClr val="accent1"/>
+    </dgm:fillClrLst>
+    <dgm:linClrLst meth="repeat">
+      <a:schemeClr val="accent1">
+        <a:shade val="80000"/>
+      </a:schemeClr>
+    </dgm:linClrLst>
+    <dgm:effectClrLst/>
+    <dgm:txLinClrLst/>
+    <dgm:txFillClrLst meth="repeat">
+      <a:schemeClr val="tx1"/>
+    </dgm:txFillClrLst>
+    <dgm:txEffectClrLst/>
+  </dgm:styleLbl>
+  <dgm:styleLbl name="parChTrans1D4">
+    <dgm:fillClrLst meth="repeat">
+      <a:schemeClr val="accent1"/>
+    </dgm:fillClrLst>
+    <dgm:linClrLst meth="repeat">
+      <a:schemeClr val="accent1">
+        <a:shade val="80000"/>
+      </a:schemeClr>
+    </dgm:linClrLst>
+    <dgm:effectClrLst/>
+    <dgm:txLinClrLst/>
+    <dgm:txFillClrLst meth="repeat">
+      <a:schemeClr val="tx1"/>
+    </dgm:txFillClrLst>
+    <dgm:txEffectClrLst/>
+  </dgm:styleLbl>
+  <dgm:styleLbl name="fgAcc1">
+    <dgm:fillClrLst meth="repeat">
+      <a:schemeClr val="lt1">
+        <a:alpha val="90000"/>
+      </a:schemeClr>
+    </dgm:fillClrLst>
+    <dgm:linClrLst meth="repeat">
+      <a:schemeClr val="accent1"/>
+    </dgm:linClrLst>
+    <dgm:effectClrLst/>
+    <dgm:txLinClrLst/>
+    <dgm:txFillClrLst meth="repeat">
+      <a:schemeClr val="dk1"/>
+    </dgm:txFillClrLst>
+    <dgm:txEffectClrLst/>
+  </dgm:styleLbl>
+  <dgm:styleLbl name="conFgAcc1">
+    <dgm:fillClrLst meth="repeat">
+      <a:schemeClr val="lt1">
+        <a:alpha val="90000"/>
+      </a:schemeClr>
+    </dgm:fillClrLst>
+    <dgm:linClrLst meth="repeat">
+      <a:schemeClr val="accent1"/>
+    </dgm:linClrLst>
+    <dgm:effectClrLst/>
+    <dgm:txLinClrLst/>
+    <dgm:txFillClrLst meth="repeat">
+      <a:schemeClr val="dk1"/>
+    </dgm:txFillClrLst>
+    <dgm:txEffectClrLst/>
+  </dgm:styleLbl>
+  <dgm:styleLbl name="alignAcc1">
+    <dgm:fillClrLst meth="repeat">
+      <a:schemeClr val="lt1">
+        <a:alpha val="90000"/>
+      </a:schemeClr>
+    </dgm:fillClrLst>
+    <dgm:linClrLst meth="repeat">
+      <a:schemeClr val="accent1"/>
+    </dgm:linClrLst>
+    <dgm:effectClrLst/>
+    <dgm:txLinClrLst/>
+    <dgm:txFillClrLst meth="repeat">
+      <a:schemeClr val="dk1"/>
+    </dgm:txFillClrLst>
+    <dgm:txEffectClrLst/>
+  </dgm:styleLbl>
+  <dgm:styleLbl name="trAlignAcc1">
+    <dgm:fillClrLst meth="repeat">
+      <a:schemeClr val="lt1">
+        <a:alpha val="40000"/>
+      </a:schemeClr>
+    </dgm:fillClrLst>
+    <dgm:linClrLst meth="repeat">
+      <a:schemeClr val="accent1"/>
+    </dgm:linClrLst>
+    <dgm:effectClrLst/>
+    <dgm:txLinClrLst/>
+    <dgm:txFillClrLst meth="repeat">
+      <a:schemeClr val="dk1"/>
+    </dgm:txFillClrLst>
+    <dgm:txEffectClrLst/>
+  </dgm:styleLbl>
+  <dgm:styleLbl name="bgAcc1">
+    <dgm:fillClrLst meth="repeat">
+      <a:schemeClr val="lt1">
+        <a:alpha val="90000"/>
+      </a:schemeClr>
+    </dgm:fillClrLst>
+    <dgm:linClrLst meth="repeat">
+      <a:schemeClr val="accent1"/>
+    </dgm:linClrLst>
+    <dgm:effectClrLst/>
+    <dgm:txLinClrLst/>
+    <dgm:txFillClrLst meth="repeat">
+      <a:schemeClr val="dk1"/>
+    </dgm:txFillClrLst>
+    <dgm:txEffectClrLst/>
+  </dgm:styleLbl>
+  <dgm:styleLbl name="solidFgAcc1">
+    <dgm:fillClrLst meth="repeat">
+      <a:schemeClr val="lt1"/>
+    </dgm:fillClrLst>
+    <dgm:linClrLst meth="repeat">
+      <a:schemeClr val="accent1"/>
+    </dgm:linClrLst>
+    <dgm:effectClrLst/>
+    <dgm:txLinClrLst/>
+    <dgm:txFillClrLst meth="repeat">
+      <a:schemeClr val="dk1"/>
+    </dgm:txFillClrLst>
+    <dgm:txEffectClrLst/>
+  </dgm:styleLbl>
+  <dgm:styleLbl name="solidAlignAcc1">
+    <dgm:fillClrLst meth="repeat">
+      <a:schemeClr val="lt1"/>
+    </dgm:fillClrLst>
+    <dgm:linClrLst meth="repeat">
+      <a:schemeClr val="accent1"/>
+    </dgm:linClrLst>
+    <dgm:effectClrLst/>
+    <dgm:txLinClrLst/>
+    <dgm:txFillClrLst meth="repeat">
+      <a:schemeClr val="dk1"/>
+    </dgm:txFillClrLst>
+    <dgm:txEffectClrLst/>
+  </dgm:styleLbl>
+  <dgm:styleLbl name="solidBgAcc1">
+    <dgm:fillClrLst meth="repeat">
+      <a:schemeClr val="lt1"/>
+    </dgm:fillClrLst>
+    <dgm:linClrLst meth="repeat">
+      <a:schemeClr val="accent1"/>
+    </dgm:linClrLst>
+    <dgm:effectClrLst/>
+    <dgm:txLinClrLst/>
+    <dgm:txFillClrLst meth="repeat">
+      <a:schemeClr val="dk1"/>
+    </dgm:txFillClrLst>
+    <dgm:txEffectClrLst/>
+  </dgm:styleLbl>
+  <dgm:styleLbl name="fgAccFollowNode1">
+    <dgm:fillClrLst meth="repeat">
+      <a:schemeClr val="accent1">
+        <a:alpha val="90000"/>
+        <a:tint val="40000"/>
+      </a:schemeClr>
+    </dgm:fillClrLst>
+    <dgm:linClrLst meth="repeat">
+      <a:schemeClr val="accent1">
+        <a:alpha val="90000"/>
+        <a:tint val="40000"/>
+      </a:schemeClr>
+    </dgm:linClrLst>
+    <dgm:effectClrLst/>
+    <dgm:txLinClrLst/>
+    <dgm:txFillClrLst meth="repeat">
+      <a:schemeClr val="dk1"/>
+    </dgm:txFillClrLst>
+    <dgm:txEffectClrLst/>
+  </dgm:styleLbl>
+  <dgm:styleLbl name="alignAccFollowNode1">
+    <dgm:fillClrLst meth="repeat">
+      <a:schemeClr val="accent1">
+        <a:alpha val="90000"/>
+        <a:tint val="40000"/>
+      </a:schemeClr>
+    </dgm:fillClrLst>
+    <dgm:linClrLst meth="repeat">
+      <a:schemeClr val="accent1">
+        <a:alpha val="90000"/>
+        <a:tint val="40000"/>
+      </a:schemeClr>
+    </dgm:linClrLst>
+    <dgm:effectClrLst/>
+    <dgm:txLinClrLst/>
+    <dgm:txFillClrLst meth="repeat">
+      <a:schemeClr val="dk1"/>
+    </dgm:txFillClrLst>
+    <dgm:txEffectClrLst/>
+  </dgm:styleLbl>
+  <dgm:styleLbl name="bgAccFollowNode1">
+    <dgm:fillClrLst meth="repeat">
+      <a:schemeClr val="accent1">
+        <a:alpha val="90000"/>
+        <a:tint val="40000"/>
+      </a:schemeClr>
+    </dgm:fillClrLst>
+    <dgm:linClrLst meth="repeat">
+      <a:schemeClr val="accent1">
+        <a:alpha val="90000"/>
+        <a:tint val="40000"/>
+      </a:schemeClr>
+    </dgm:linClrLst>
+    <dgm:effectClrLst/>
+    <dgm:txLinClrLst/>
+    <dgm:txFillClrLst meth="repeat">
+      <a:schemeClr val="dk1"/>
+    </dgm:txFillClrLst>
+    <dgm:txEffectClrLst/>
+  </dgm:styleLbl>
+  <dgm:styleLbl name="fgAcc0">
+    <dgm:fillClrLst meth="repeat">
+      <a:schemeClr val="lt1">
+        <a:alpha val="90000"/>
+      </a:schemeClr>
+    </dgm:fillClrLst>
+    <dgm:linClrLst meth="repeat">
+      <a:schemeClr val="accent1"/>
+    </dgm:linClrLst>
+    <dgm:effectClrLst/>
+    <dgm:txLinClrLst/>
+    <dgm:txFillClrLst meth="repeat">
+      <a:schemeClr val="dk1"/>
+    </dgm:txFillClrLst>
+    <dgm:txEffectClrLst/>
+  </dgm:styleLbl>
+  <dgm:styleLbl name="fgAcc2">
+    <dgm:fillClrLst meth="repeat">
+      <a:schemeClr val="lt1">
+        <a:alpha val="90000"/>
+      </a:schemeClr>
+    </dgm:fillClrLst>
+    <dgm:linClrLst meth="repeat">
+      <a:schemeClr val="accent1"/>
+    </dgm:linClrLst>
+    <dgm:effectClrLst/>
+    <dgm:txLinClrLst/>
+    <dgm:txFillClrLst meth="repeat">
+      <a:schemeClr val="dk1"/>
+    </dgm:txFillClrLst>
+    <dgm:txEffectClrLst/>
+  </dgm:styleLbl>
+  <dgm:styleLbl name="fgAcc3">
+    <dgm:fillClrLst meth="repeat">
+      <a:schemeClr val="lt1">
+        <a:alpha val="90000"/>
+      </a:schemeClr>
+    </dgm:fillClrLst>
+    <dgm:linClrLst meth="repeat">
+      <a:schemeClr val="accent1"/>
+    </dgm:linClrLst>
+    <dgm:effectClrLst/>
+    <dgm:txLinClrLst/>
+    <dgm:txFillClrLst meth="repeat">
+      <a:schemeClr val="dk1"/>
+    </dgm:txFillClrLst>
+    <dgm:txEffectClrLst/>
+  </dgm:styleLbl>
+  <dgm:styleLbl name="fgAcc4">
+    <dgm:fillClrLst meth="repeat">
+      <a:schemeClr val="lt1">
+        <a:alpha val="90000"/>
+      </a:schemeClr>
+    </dgm:fillClrLst>
+    <dgm:linClrLst meth="repeat">
+      <a:schemeClr val="accent1"/>
+    </dgm:linClrLst>
+    <dgm:effectClrLst/>
+    <dgm:txLinClrLst/>
+    <dgm:txFillClrLst meth="repeat">
+      <a:schemeClr val="dk1"/>
+    </dgm:txFillClrLst>
+    <dgm:txEffectClrLst/>
+  </dgm:styleLbl>
+  <dgm:styleLbl name="bgShp">
+    <dgm:fillClrLst meth="repeat">
+      <a:schemeClr val="accent1">
+        <a:tint val="40000"/>
+      </a:schemeClr>
+    </dgm:fillClrLst>
+    <dgm:linClrLst meth="repeat">
+      <a:schemeClr val="accent1"/>
+    </dgm:linClrLst>
+    <dgm:effectClrLst/>
+    <dgm:txLinClrLst/>
+    <dgm:txFillClrLst meth="repeat">
+      <a:schemeClr val="dk1"/>
+    </dgm:txFillClrLst>
+    <dgm:txEffectClrLst/>
+  </dgm:styleLbl>
+  <dgm:styleLbl name="dkBgShp">
+    <dgm:fillClrLst meth="repeat">
+      <a:schemeClr val="accent1">
+        <a:shade val="80000"/>
+      </a:schemeClr>
+    </dgm:fillClrLst>
+    <dgm:linClrLst meth="repeat">
+      <a:schemeClr val="accent1"/>
+    </dgm:linClrLst>
+    <dgm:effectClrLst/>
+    <dgm:txLinClrLst/>
+    <dgm:txFillClrLst meth="repeat">
+      <a:schemeClr val="lt1"/>
+    </dgm:txFillClrLst>
+    <dgm:txEffectClrLst/>
+  </dgm:styleLbl>
+  <dgm:styleLbl name="trBgShp">
+    <dgm:fillClrLst meth="repeat">
+      <a:schemeClr val="accent1">
+        <a:tint val="50000"/>
+        <a:alpha val="40000"/>
+      </a:schemeClr>
+    </dgm:fillClrLst>
+    <dgm:linClrLst meth="repeat">
+      <a:schemeClr val="accent1"/>
+    </dgm:linClrLst>
+    <dgm:effectClrLst/>
+    <dgm:txLinClrLst/>
+    <dgm:txFillClrLst meth="repeat">
+      <a:schemeClr val="lt1"/>
+    </dgm:txFillClrLst>
+    <dgm:txEffectClrLst/>
+  </dgm:styleLbl>
+  <dgm:styleLbl name="fgShp">
+    <dgm:fillClrLst meth="repeat">
+      <a:schemeClr val="accent1">
+        <a:tint val="60000"/>
+      </a:schemeClr>
+    </dgm:fillClrLst>
+    <dgm:linClrLst meth="repeat">
+      <a:schemeClr val="lt1"/>
+    </dgm:linClrLst>
+    <dgm:effectClrLst/>
+    <dgm:txLinClrLst/>
+    <dgm:txFillClrLst meth="repeat">
+      <a:schemeClr val="dk1"/>
+    </dgm:txFillClrLst>
+    <dgm:txEffectClrLst/>
+  </dgm:styleLbl>
+  <dgm:styleLbl name="revTx">
+    <dgm:fillClrLst meth="repeat">
+      <a:schemeClr val="lt1">
+        <a:alpha val="0"/>
+      </a:schemeClr>
+    </dgm:fillClrLst>
+    <dgm:linClrLst meth="repeat">
+      <a:schemeClr val="dk1">
+        <a:alpha val="0"/>
+      </a:schemeClr>
+    </dgm:linClrLst>
+    <dgm:effectClrLst/>
+    <dgm:txLinClrLst/>
+    <dgm:txFillClrLst meth="repeat">
+      <a:schemeClr val="tx1"/>
+    </dgm:txFillClrLst>
+    <dgm:txEffectClrLst/>
+  </dgm:styleLbl>
+</dgm:colorsDef>
+</file>
+
+<file path=ppt/diagrams/data1.xml><?xml version="1.0" encoding="utf-8"?>
+<dgm:dataModel xmlns:dgm="http://schemas.openxmlformats.org/drawingml/2006/diagram" xmlns:a="http://schemas.openxmlformats.org/drawingml/2006/main">
+  <dgm:ptLst>
+    <dgm:pt modelId="{4558FB12-60CB-4C23-898D-FFF744E5F0D3}" type="doc">
+      <dgm:prSet loTypeId="urn:microsoft.com/office/officeart/2008/layout/LinedList" loCatId="list" qsTypeId="urn:microsoft.com/office/officeart/2005/8/quickstyle/simple4" qsCatId="simple" csTypeId="urn:microsoft.com/office/officeart/2005/8/colors/accent1_2" csCatId="accent1" phldr="1"/>
+      <dgm:spPr/>
+      <dgm:t>
+        <a:bodyPr/>
+        <a:lstStyle/>
+        <a:p>
+          <a:endParaRPr lang="en-US"/>
+        </a:p>
+      </dgm:t>
+    </dgm:pt>
+    <dgm:pt modelId="{3B74E6BD-649E-40E3-83E7-F8244F7ACA95}">
+      <dgm:prSet/>
+      <dgm:spPr/>
+      <dgm:t>
+        <a:bodyPr/>
+        <a:lstStyle/>
+        <a:p>
+          <a:r>
+            <a:rPr lang="fr-FR" dirty="0"/>
+            <a:t>Classe Main -&gt;</a:t>
+          </a:r>
+          <a:r>
+            <a:rPr lang="fr-FR" b="0" dirty="0">
+              <a:latin typeface="Big Caslon Medium" panose="02000603090000020003" pitchFamily="2" charset="-79"/>
+              <a:ea typeface="Apple Color Emoji" pitchFamily="2" charset="0"/>
+              <a:cs typeface="Big Caslon Medium" panose="02000603090000020003" pitchFamily="2" charset="-79"/>
+            </a:rPr>
+            <a:t>gère le lancement du jeux ou l’arrêt du programme</a:t>
+          </a:r>
+          <a:endParaRPr lang="en-US" b="0" dirty="0">
+            <a:latin typeface="Big Caslon Medium" panose="02000603090000020003" pitchFamily="2" charset="-79"/>
+            <a:ea typeface="Apple Color Emoji" pitchFamily="2" charset="0"/>
+            <a:cs typeface="Big Caslon Medium" panose="02000603090000020003" pitchFamily="2" charset="-79"/>
+          </a:endParaRPr>
+        </a:p>
+      </dgm:t>
+    </dgm:pt>
+    <dgm:pt modelId="{A9EA75A3-56E9-4713-A552-96AE0AC9F782}" type="parTrans" cxnId="{38A3304A-F88A-4B23-8C11-97A84C70A17C}">
+      <dgm:prSet/>
+      <dgm:spPr/>
+      <dgm:t>
+        <a:bodyPr/>
+        <a:lstStyle/>
+        <a:p>
+          <a:endParaRPr lang="en-US"/>
+        </a:p>
+      </dgm:t>
+    </dgm:pt>
+    <dgm:pt modelId="{2253590E-85A5-4923-B40D-AB8156072074}" type="sibTrans" cxnId="{38A3304A-F88A-4B23-8C11-97A84C70A17C}">
+      <dgm:prSet/>
+      <dgm:spPr/>
+      <dgm:t>
+        <a:bodyPr/>
+        <a:lstStyle/>
+        <a:p>
+          <a:endParaRPr lang="en-US"/>
+        </a:p>
+      </dgm:t>
+    </dgm:pt>
+    <dgm:pt modelId="{5EC19A47-3A73-4E2C-BFA3-ADFD457522B0}">
+      <dgm:prSet/>
+      <dgm:spPr/>
+      <dgm:t>
+        <a:bodyPr/>
+        <a:lstStyle/>
+        <a:p>
+          <a:r>
+            <a:rPr lang="fr-FR" kern="1200" dirty="0"/>
+            <a:t>Classe </a:t>
+          </a:r>
+          <a:r>
+            <a:rPr lang="fr-FR" kern="1200" dirty="0" err="1"/>
+            <a:t>game</a:t>
+          </a:r>
+          <a:r>
+            <a:rPr lang="fr-FR" kern="1200" dirty="0"/>
+            <a:t> -&gt;</a:t>
+          </a:r>
+          <a:r>
+            <a:rPr lang="fr-FR" b="0" kern="1200" dirty="0">
+              <a:latin typeface="Big Caslon Medium" panose="02000603090000020003" pitchFamily="2" charset="-79"/>
+              <a:ea typeface="Apple Color Emoji" pitchFamily="2" charset="0"/>
+              <a:cs typeface="Big Caslon Medium" panose="02000603090000020003" pitchFamily="2" charset="-79"/>
+            </a:rPr>
+            <a:t>gère le déroulement des différentes partie du jeux</a:t>
+          </a:r>
+          <a:endParaRPr lang="en-US" b="0" kern="1200" dirty="0">
+            <a:latin typeface="Big Caslon Medium" panose="02000603090000020003" pitchFamily="2" charset="-79"/>
+            <a:ea typeface="Apple Color Emoji" pitchFamily="2" charset="0"/>
+            <a:cs typeface="Big Caslon Medium" panose="02000603090000020003" pitchFamily="2" charset="-79"/>
+          </a:endParaRPr>
+        </a:p>
+      </dgm:t>
+    </dgm:pt>
+    <dgm:pt modelId="{E90A176C-B25A-415E-A187-2383210E3042}" type="parTrans" cxnId="{E0144C28-E40A-48A6-8B73-7417403F104D}">
+      <dgm:prSet/>
+      <dgm:spPr/>
+      <dgm:t>
+        <a:bodyPr/>
+        <a:lstStyle/>
+        <a:p>
+          <a:endParaRPr lang="en-US"/>
+        </a:p>
+      </dgm:t>
+    </dgm:pt>
+    <dgm:pt modelId="{891DA0CB-4954-4A46-8A74-71259DF4C925}" type="sibTrans" cxnId="{E0144C28-E40A-48A6-8B73-7417403F104D}">
+      <dgm:prSet/>
+      <dgm:spPr/>
+      <dgm:t>
+        <a:bodyPr/>
+        <a:lstStyle/>
+        <a:p>
+          <a:endParaRPr lang="en-US"/>
+        </a:p>
+      </dgm:t>
+    </dgm:pt>
+    <dgm:pt modelId="{3A9A6487-C554-456A-BC97-010F6C793327}">
+      <dgm:prSet/>
+      <dgm:spPr/>
+      <dgm:t>
+        <a:bodyPr/>
+        <a:lstStyle/>
+        <a:p>
+          <a:r>
+            <a:rPr lang="fr-FR" kern="1200" dirty="0"/>
+            <a:t>Classe </a:t>
+          </a:r>
+          <a:r>
+            <a:rPr lang="fr-FR" kern="1200" dirty="0" err="1"/>
+            <a:t>weapon</a:t>
+          </a:r>
+          <a:r>
+            <a:rPr lang="fr-FR" kern="1200" dirty="0"/>
+            <a:t> -&gt;</a:t>
+          </a:r>
+          <a:r>
+            <a:rPr lang="fr-FR" b="0" kern="1200" dirty="0">
+              <a:latin typeface="Big Caslon Medium" panose="02000603090000020003" pitchFamily="2" charset="-79"/>
+              <a:ea typeface="Apple Color Emoji" pitchFamily="2" charset="0"/>
+              <a:cs typeface="Big Caslon Medium" panose="02000603090000020003" pitchFamily="2" charset="-79"/>
+            </a:rPr>
+            <a:t>fournis aux classes qui en héritent un nom et une puissance d’arme.</a:t>
+          </a:r>
+          <a:endParaRPr lang="en-US" b="0" kern="1200" dirty="0">
+            <a:latin typeface="Big Caslon Medium" panose="02000603090000020003" pitchFamily="2" charset="-79"/>
+            <a:ea typeface="Apple Color Emoji" pitchFamily="2" charset="0"/>
+            <a:cs typeface="Big Caslon Medium" panose="02000603090000020003" pitchFamily="2" charset="-79"/>
+          </a:endParaRPr>
+        </a:p>
+      </dgm:t>
+    </dgm:pt>
+    <dgm:pt modelId="{3F35A814-C36B-4EA0-92EB-9EA18C1B55BC}" type="parTrans" cxnId="{DDD5F359-5897-496D-AAB9-6CAAACE3C3FE}">
+      <dgm:prSet/>
+      <dgm:spPr/>
+      <dgm:t>
+        <a:bodyPr/>
+        <a:lstStyle/>
+        <a:p>
+          <a:endParaRPr lang="en-US"/>
+        </a:p>
+      </dgm:t>
+    </dgm:pt>
+    <dgm:pt modelId="{A728FB72-F212-45AD-9293-E32133DCC03D}" type="sibTrans" cxnId="{DDD5F359-5897-496D-AAB9-6CAAACE3C3FE}">
+      <dgm:prSet/>
+      <dgm:spPr/>
+      <dgm:t>
+        <a:bodyPr/>
+        <a:lstStyle/>
+        <a:p>
+          <a:endParaRPr lang="en-US"/>
+        </a:p>
+      </dgm:t>
+    </dgm:pt>
+    <dgm:pt modelId="{821F721F-B624-42A7-9AC3-822257606D63}">
+      <dgm:prSet/>
+      <dgm:spPr/>
+      <dgm:t>
+        <a:bodyPr/>
+        <a:lstStyle/>
+        <a:p>
+          <a:r>
+            <a:rPr lang="fr-FR" kern="1200" dirty="0"/>
+            <a:t>Classe </a:t>
+          </a:r>
+          <a:r>
+            <a:rPr lang="fr-FR" kern="1200" dirty="0" err="1"/>
+            <a:t>character</a:t>
+          </a:r>
+          <a:r>
+            <a:rPr lang="fr-FR" kern="1200" dirty="0"/>
+            <a:t> -&gt; </a:t>
+          </a:r>
+          <a:r>
+            <a:rPr lang="fr-FR" b="0" kern="1200" dirty="0">
+              <a:latin typeface="Big Caslon Medium" panose="02000603090000020003" pitchFamily="2" charset="-79"/>
+              <a:ea typeface="Apple Color Emoji" pitchFamily="2" charset="0"/>
+              <a:cs typeface="Big Caslon Medium" panose="02000603090000020003" pitchFamily="2" charset="-79"/>
+            </a:rPr>
+            <a:t>fournis les caractéristiques du personnage(nom, point de vie, point de capacité de soins ainsi qu’une arme.</a:t>
+          </a:r>
+          <a:endParaRPr lang="en-US" b="0" kern="1200" dirty="0">
+            <a:latin typeface="Big Caslon Medium" panose="02000603090000020003" pitchFamily="2" charset="-79"/>
+            <a:ea typeface="Apple Color Emoji" pitchFamily="2" charset="0"/>
+            <a:cs typeface="Big Caslon Medium" panose="02000603090000020003" pitchFamily="2" charset="-79"/>
+          </a:endParaRPr>
+        </a:p>
+      </dgm:t>
+    </dgm:pt>
+    <dgm:pt modelId="{7973866E-97FF-42C5-8D18-30346361F6E8}" type="parTrans" cxnId="{4CF1357C-8885-4220-9D96-8CD430614542}">
+      <dgm:prSet/>
+      <dgm:spPr/>
+      <dgm:t>
+        <a:bodyPr/>
+        <a:lstStyle/>
+        <a:p>
+          <a:endParaRPr lang="en-US"/>
+        </a:p>
+      </dgm:t>
+    </dgm:pt>
+    <dgm:pt modelId="{358FF9B4-120E-46EC-8F11-2B7BA9A8E6AD}" type="sibTrans" cxnId="{4CF1357C-8885-4220-9D96-8CD430614542}">
+      <dgm:prSet/>
+      <dgm:spPr/>
+      <dgm:t>
+        <a:bodyPr/>
+        <a:lstStyle/>
+        <a:p>
+          <a:endParaRPr lang="en-US"/>
+        </a:p>
+      </dgm:t>
+    </dgm:pt>
+    <dgm:pt modelId="{42CF1C57-43F1-4A5E-9355-9BA90D1452F5}">
+      <dgm:prSet/>
+      <dgm:spPr/>
+      <dgm:t>
+        <a:bodyPr/>
+        <a:lstStyle/>
+        <a:p>
+          <a:r>
+            <a:rPr lang="fr-FR" kern="1200" dirty="0"/>
+            <a:t>Classe </a:t>
+          </a:r>
+          <a:r>
+            <a:rPr lang="fr-FR" kern="1200" dirty="0" err="1"/>
+            <a:t>player</a:t>
+          </a:r>
+          <a:r>
+            <a:rPr lang="fr-FR" kern="1200" dirty="0"/>
+            <a:t> -&gt; </a:t>
+          </a:r>
+          <a:r>
+            <a:rPr lang="fr-FR" b="0" kern="1200" dirty="0">
+              <a:latin typeface="Big Caslon Medium" panose="02000603090000020003" pitchFamily="2" charset="-79"/>
+              <a:ea typeface="Apple Color Emoji" pitchFamily="2" charset="0"/>
+              <a:cs typeface="Big Caslon Medium" panose="02000603090000020003" pitchFamily="2" charset="-79"/>
+            </a:rPr>
+            <a:t>Gère le nombre de personnage dans une équipe ainsi que les actions qu’ils vont effectuer( Attaque, ou soigner)</a:t>
+          </a:r>
+        </a:p>
+      </dgm:t>
+    </dgm:pt>
+    <dgm:pt modelId="{6D5A1FFB-B5A9-4C33-AFA4-BC8B68B31347}" type="parTrans" cxnId="{DA8CF56B-11DD-468A-BA47-AF6C19C4B3B4}">
+      <dgm:prSet/>
+      <dgm:spPr/>
+      <dgm:t>
+        <a:bodyPr/>
+        <a:lstStyle/>
+        <a:p>
+          <a:endParaRPr lang="en-US"/>
+        </a:p>
+      </dgm:t>
+    </dgm:pt>
+    <dgm:pt modelId="{F6FE2F43-43EF-49C9-9DD2-7AA53DD00B5B}" type="sibTrans" cxnId="{DA8CF56B-11DD-468A-BA47-AF6C19C4B3B4}">
+      <dgm:prSet/>
+      <dgm:spPr/>
+      <dgm:t>
+        <a:bodyPr/>
+        <a:lstStyle/>
+        <a:p>
+          <a:endParaRPr lang="en-US"/>
+        </a:p>
+      </dgm:t>
+    </dgm:pt>
+    <dgm:pt modelId="{67F204FF-B37E-9647-BA4F-61C0FF8163A7}">
+      <dgm:prSet/>
+      <dgm:spPr/>
+      <dgm:t>
+        <a:bodyPr/>
+        <a:lstStyle/>
+        <a:p>
+          <a:r>
+            <a:rPr lang="fr-FR">
+              <a:latin typeface="Impact" panose="020B0806030902050204"/>
+              <a:ea typeface="+mn-ea"/>
+              <a:cs typeface="+mn-cs"/>
+            </a:rPr>
+            <a:t>Classe bonus -&gt; </a:t>
+          </a:r>
+          <a:r>
+            <a:rPr lang="fr-FR" b="0">
+              <a:latin typeface="Big Caslon Medium" panose="02000603090000020003" pitchFamily="2" charset="-79"/>
+              <a:ea typeface="Apple Color Emoji" pitchFamily="2" charset="0"/>
+              <a:cs typeface="Big Caslon Medium" panose="02000603090000020003" pitchFamily="2" charset="-79"/>
+            </a:rPr>
+            <a:t>Fournis de manière aléatoire un bonus sur le tour en cours que le joueur peut utiliser ou non.</a:t>
+          </a:r>
+          <a:endParaRPr lang="fr-FR" dirty="0"/>
+        </a:p>
+      </dgm:t>
+    </dgm:pt>
+    <dgm:pt modelId="{362714D6-0238-5745-9D20-77B239F5894B}" type="parTrans" cxnId="{DC7A3148-B5DA-5A4B-87D3-40373ADD5A27}">
+      <dgm:prSet/>
+      <dgm:spPr/>
+      <dgm:t>
+        <a:bodyPr/>
+        <a:lstStyle/>
+        <a:p>
+          <a:endParaRPr lang="fr-FR"/>
+        </a:p>
+      </dgm:t>
+    </dgm:pt>
+    <dgm:pt modelId="{E6768AD9-18C6-734A-904F-273EB19150BC}" type="sibTrans" cxnId="{DC7A3148-B5DA-5A4B-87D3-40373ADD5A27}">
+      <dgm:prSet/>
+      <dgm:spPr/>
+      <dgm:t>
+        <a:bodyPr/>
+        <a:lstStyle/>
+        <a:p>
+          <a:endParaRPr lang="fr-FR"/>
+        </a:p>
+      </dgm:t>
+    </dgm:pt>
+    <dgm:pt modelId="{9B3869BB-CC8F-D249-91F0-F472BF768D98}" type="pres">
+      <dgm:prSet presAssocID="{4558FB12-60CB-4C23-898D-FFF744E5F0D3}" presName="vert0" presStyleCnt="0">
+        <dgm:presLayoutVars>
+          <dgm:dir/>
+          <dgm:animOne val="branch"/>
+          <dgm:animLvl val="lvl"/>
+        </dgm:presLayoutVars>
+      </dgm:prSet>
+      <dgm:spPr/>
+    </dgm:pt>
+    <dgm:pt modelId="{986E1102-FDCF-2E4A-B0E7-788D58D9FB58}" type="pres">
+      <dgm:prSet presAssocID="{3B74E6BD-649E-40E3-83E7-F8244F7ACA95}" presName="thickLine" presStyleLbl="alignNode1" presStyleIdx="0" presStyleCnt="6"/>
+      <dgm:spPr/>
+    </dgm:pt>
+    <dgm:pt modelId="{4724994E-EC32-4545-BDE9-F7524842E532}" type="pres">
+      <dgm:prSet presAssocID="{3B74E6BD-649E-40E3-83E7-F8244F7ACA95}" presName="horz1" presStyleCnt="0"/>
+      <dgm:spPr/>
+    </dgm:pt>
+    <dgm:pt modelId="{4EDB6E5B-EE72-8B48-A625-EA6FE22BD7B1}" type="pres">
+      <dgm:prSet presAssocID="{3B74E6BD-649E-40E3-83E7-F8244F7ACA95}" presName="tx1" presStyleLbl="revTx" presStyleIdx="0" presStyleCnt="6"/>
+      <dgm:spPr/>
+    </dgm:pt>
+    <dgm:pt modelId="{9589FD2B-0B94-334A-838D-4E6D096C9FDF}" type="pres">
+      <dgm:prSet presAssocID="{3B74E6BD-649E-40E3-83E7-F8244F7ACA95}" presName="vert1" presStyleCnt="0"/>
+      <dgm:spPr/>
+    </dgm:pt>
+    <dgm:pt modelId="{05DC6673-7C0A-F140-BE75-152FE3E1A62A}" type="pres">
+      <dgm:prSet presAssocID="{5EC19A47-3A73-4E2C-BFA3-ADFD457522B0}" presName="thickLine" presStyleLbl="alignNode1" presStyleIdx="1" presStyleCnt="6"/>
+      <dgm:spPr/>
+    </dgm:pt>
+    <dgm:pt modelId="{5F0D6156-2BF9-414A-A228-F1C611E682A4}" type="pres">
+      <dgm:prSet presAssocID="{5EC19A47-3A73-4E2C-BFA3-ADFD457522B0}" presName="horz1" presStyleCnt="0"/>
+      <dgm:spPr/>
+    </dgm:pt>
+    <dgm:pt modelId="{7F2D33D1-83D0-6349-B874-918F4F8DDDA6}" type="pres">
+      <dgm:prSet presAssocID="{5EC19A47-3A73-4E2C-BFA3-ADFD457522B0}" presName="tx1" presStyleLbl="revTx" presStyleIdx="1" presStyleCnt="6"/>
+      <dgm:spPr/>
+    </dgm:pt>
+    <dgm:pt modelId="{D9300B32-9EF9-D54F-85A8-64934A3DE92B}" type="pres">
+      <dgm:prSet presAssocID="{5EC19A47-3A73-4E2C-BFA3-ADFD457522B0}" presName="vert1" presStyleCnt="0"/>
+      <dgm:spPr/>
+    </dgm:pt>
+    <dgm:pt modelId="{30A8DBBD-0AEC-8140-8AB3-5ABBCB7DCE4C}" type="pres">
+      <dgm:prSet presAssocID="{3A9A6487-C554-456A-BC97-010F6C793327}" presName="thickLine" presStyleLbl="alignNode1" presStyleIdx="2" presStyleCnt="6"/>
+      <dgm:spPr/>
+    </dgm:pt>
+    <dgm:pt modelId="{221B02BD-6187-AA41-ADF6-F87C2D69A445}" type="pres">
+      <dgm:prSet presAssocID="{3A9A6487-C554-456A-BC97-010F6C793327}" presName="horz1" presStyleCnt="0"/>
+      <dgm:spPr/>
+    </dgm:pt>
+    <dgm:pt modelId="{FC2881F6-7DDA-2846-8B8E-67823887EDBD}" type="pres">
+      <dgm:prSet presAssocID="{3A9A6487-C554-456A-BC97-010F6C793327}" presName="tx1" presStyleLbl="revTx" presStyleIdx="2" presStyleCnt="6"/>
+      <dgm:spPr/>
+    </dgm:pt>
+    <dgm:pt modelId="{B16D5995-D5DE-F14D-9B5E-27B03D578115}" type="pres">
+      <dgm:prSet presAssocID="{3A9A6487-C554-456A-BC97-010F6C793327}" presName="vert1" presStyleCnt="0"/>
+      <dgm:spPr/>
+    </dgm:pt>
+    <dgm:pt modelId="{4C3D1C89-23FD-F94D-AB57-8400949B7453}" type="pres">
+      <dgm:prSet presAssocID="{821F721F-B624-42A7-9AC3-822257606D63}" presName="thickLine" presStyleLbl="alignNode1" presStyleIdx="3" presStyleCnt="6"/>
+      <dgm:spPr/>
+    </dgm:pt>
+    <dgm:pt modelId="{A20E9674-577A-944F-95DF-0E517E4B7137}" type="pres">
+      <dgm:prSet presAssocID="{821F721F-B624-42A7-9AC3-822257606D63}" presName="horz1" presStyleCnt="0"/>
+      <dgm:spPr/>
+    </dgm:pt>
+    <dgm:pt modelId="{8AF88665-1FDB-DA42-9333-5C92E8428256}" type="pres">
+      <dgm:prSet presAssocID="{821F721F-B624-42A7-9AC3-822257606D63}" presName="tx1" presStyleLbl="revTx" presStyleIdx="3" presStyleCnt="6"/>
+      <dgm:spPr/>
+    </dgm:pt>
+    <dgm:pt modelId="{2B124B6E-5FC8-4B46-B8D4-2AE3287305F7}" type="pres">
+      <dgm:prSet presAssocID="{821F721F-B624-42A7-9AC3-822257606D63}" presName="vert1" presStyleCnt="0"/>
+      <dgm:spPr/>
+    </dgm:pt>
+    <dgm:pt modelId="{A72AE57A-0DFA-4647-8422-94880827BDED}" type="pres">
+      <dgm:prSet presAssocID="{42CF1C57-43F1-4A5E-9355-9BA90D1452F5}" presName="thickLine" presStyleLbl="alignNode1" presStyleIdx="4" presStyleCnt="6"/>
+      <dgm:spPr/>
+    </dgm:pt>
+    <dgm:pt modelId="{9EB9FF70-3784-4A41-8F7C-D1C78ABC9DB1}" type="pres">
+      <dgm:prSet presAssocID="{42CF1C57-43F1-4A5E-9355-9BA90D1452F5}" presName="horz1" presStyleCnt="0"/>
+      <dgm:spPr/>
+    </dgm:pt>
+    <dgm:pt modelId="{5D388A5E-1999-E94C-9437-76A0CC87284F}" type="pres">
+      <dgm:prSet presAssocID="{42CF1C57-43F1-4A5E-9355-9BA90D1452F5}" presName="tx1" presStyleLbl="revTx" presStyleIdx="4" presStyleCnt="6"/>
+      <dgm:spPr/>
+    </dgm:pt>
+    <dgm:pt modelId="{422F771E-D717-FB4F-A7AA-77501D8D06DB}" type="pres">
+      <dgm:prSet presAssocID="{42CF1C57-43F1-4A5E-9355-9BA90D1452F5}" presName="vert1" presStyleCnt="0"/>
+      <dgm:spPr/>
+    </dgm:pt>
+    <dgm:pt modelId="{D34DEC08-E852-494A-ADEF-6BFC84E21BD1}" type="pres">
+      <dgm:prSet presAssocID="{67F204FF-B37E-9647-BA4F-61C0FF8163A7}" presName="thickLine" presStyleLbl="alignNode1" presStyleIdx="5" presStyleCnt="6"/>
+      <dgm:spPr/>
+    </dgm:pt>
+    <dgm:pt modelId="{8754271E-5180-E449-86A6-25E9861901B8}" type="pres">
+      <dgm:prSet presAssocID="{67F204FF-B37E-9647-BA4F-61C0FF8163A7}" presName="horz1" presStyleCnt="0"/>
+      <dgm:spPr/>
+    </dgm:pt>
+    <dgm:pt modelId="{A7E31225-5A5E-3040-9BC5-D7E4573441B3}" type="pres">
+      <dgm:prSet presAssocID="{67F204FF-B37E-9647-BA4F-61C0FF8163A7}" presName="tx1" presStyleLbl="revTx" presStyleIdx="5" presStyleCnt="6"/>
+      <dgm:spPr/>
+    </dgm:pt>
+    <dgm:pt modelId="{8EEE912A-7156-0846-B16B-DE46D1899CBC}" type="pres">
+      <dgm:prSet presAssocID="{67F204FF-B37E-9647-BA4F-61C0FF8163A7}" presName="vert1" presStyleCnt="0"/>
+      <dgm:spPr/>
+    </dgm:pt>
+  </dgm:ptLst>
+  <dgm:cxnLst>
+    <dgm:cxn modelId="{B9F09004-B093-F94F-9D45-4E9B1106A8E4}" type="presOf" srcId="{3B74E6BD-649E-40E3-83E7-F8244F7ACA95}" destId="{4EDB6E5B-EE72-8B48-A625-EA6FE22BD7B1}" srcOrd="0" destOrd="0" presId="urn:microsoft.com/office/officeart/2008/layout/LinedList"/>
+    <dgm:cxn modelId="{E0144C28-E40A-48A6-8B73-7417403F104D}" srcId="{4558FB12-60CB-4C23-898D-FFF744E5F0D3}" destId="{5EC19A47-3A73-4E2C-BFA3-ADFD457522B0}" srcOrd="1" destOrd="0" parTransId="{E90A176C-B25A-415E-A187-2383210E3042}" sibTransId="{891DA0CB-4954-4A46-8A74-71259DF4C925}"/>
+    <dgm:cxn modelId="{53679A30-D080-F744-BA89-5F1F990B74AF}" type="presOf" srcId="{5EC19A47-3A73-4E2C-BFA3-ADFD457522B0}" destId="{7F2D33D1-83D0-6349-B874-918F4F8DDDA6}" srcOrd="0" destOrd="0" presId="urn:microsoft.com/office/officeart/2008/layout/LinedList"/>
+    <dgm:cxn modelId="{DC7A3148-B5DA-5A4B-87D3-40373ADD5A27}" srcId="{4558FB12-60CB-4C23-898D-FFF744E5F0D3}" destId="{67F204FF-B37E-9647-BA4F-61C0FF8163A7}" srcOrd="5" destOrd="0" parTransId="{362714D6-0238-5745-9D20-77B239F5894B}" sibTransId="{E6768AD9-18C6-734A-904F-273EB19150BC}"/>
+    <dgm:cxn modelId="{38A3304A-F88A-4B23-8C11-97A84C70A17C}" srcId="{4558FB12-60CB-4C23-898D-FFF744E5F0D3}" destId="{3B74E6BD-649E-40E3-83E7-F8244F7ACA95}" srcOrd="0" destOrd="0" parTransId="{A9EA75A3-56E9-4713-A552-96AE0AC9F782}" sibTransId="{2253590E-85A5-4923-B40D-AB8156072074}"/>
+    <dgm:cxn modelId="{DDD5F359-5897-496D-AAB9-6CAAACE3C3FE}" srcId="{4558FB12-60CB-4C23-898D-FFF744E5F0D3}" destId="{3A9A6487-C554-456A-BC97-010F6C793327}" srcOrd="2" destOrd="0" parTransId="{3F35A814-C36B-4EA0-92EB-9EA18C1B55BC}" sibTransId="{A728FB72-F212-45AD-9293-E32133DCC03D}"/>
+    <dgm:cxn modelId="{DA8CF56B-11DD-468A-BA47-AF6C19C4B3B4}" srcId="{4558FB12-60CB-4C23-898D-FFF744E5F0D3}" destId="{42CF1C57-43F1-4A5E-9355-9BA90D1452F5}" srcOrd="4" destOrd="0" parTransId="{6D5A1FFB-B5A9-4C33-AFA4-BC8B68B31347}" sibTransId="{F6FE2F43-43EF-49C9-9DD2-7AA53DD00B5B}"/>
+    <dgm:cxn modelId="{C982BB70-4B77-6643-9818-1BC0CF6F9557}" type="presOf" srcId="{3A9A6487-C554-456A-BC97-010F6C793327}" destId="{FC2881F6-7DDA-2846-8B8E-67823887EDBD}" srcOrd="0" destOrd="0" presId="urn:microsoft.com/office/officeart/2008/layout/LinedList"/>
+    <dgm:cxn modelId="{4CF1357C-8885-4220-9D96-8CD430614542}" srcId="{4558FB12-60CB-4C23-898D-FFF744E5F0D3}" destId="{821F721F-B624-42A7-9AC3-822257606D63}" srcOrd="3" destOrd="0" parTransId="{7973866E-97FF-42C5-8D18-30346361F6E8}" sibTransId="{358FF9B4-120E-46EC-8F11-2B7BA9A8E6AD}"/>
+    <dgm:cxn modelId="{FED96599-7611-3E4F-A30B-8C55433D5B50}" type="presOf" srcId="{67F204FF-B37E-9647-BA4F-61C0FF8163A7}" destId="{A7E31225-5A5E-3040-9BC5-D7E4573441B3}" srcOrd="0" destOrd="0" presId="urn:microsoft.com/office/officeart/2008/layout/LinedList"/>
+    <dgm:cxn modelId="{BC697D9F-7428-C548-990E-A723CD618950}" type="presOf" srcId="{4558FB12-60CB-4C23-898D-FFF744E5F0D3}" destId="{9B3869BB-CC8F-D249-91F0-F472BF768D98}" srcOrd="0" destOrd="0" presId="urn:microsoft.com/office/officeart/2008/layout/LinedList"/>
+    <dgm:cxn modelId="{FD3CDCFA-FD87-564B-8BEA-8AB40BD0BB07}" type="presOf" srcId="{821F721F-B624-42A7-9AC3-822257606D63}" destId="{8AF88665-1FDB-DA42-9333-5C92E8428256}" srcOrd="0" destOrd="0" presId="urn:microsoft.com/office/officeart/2008/layout/LinedList"/>
+    <dgm:cxn modelId="{6CF212FD-614E-2847-967F-09446823B286}" type="presOf" srcId="{42CF1C57-43F1-4A5E-9355-9BA90D1452F5}" destId="{5D388A5E-1999-E94C-9437-76A0CC87284F}" srcOrd="0" destOrd="0" presId="urn:microsoft.com/office/officeart/2008/layout/LinedList"/>
+    <dgm:cxn modelId="{9D4329FE-8123-144F-9860-3B0072BBE70A}" type="presParOf" srcId="{9B3869BB-CC8F-D249-91F0-F472BF768D98}" destId="{986E1102-FDCF-2E4A-B0E7-788D58D9FB58}" srcOrd="0" destOrd="0" presId="urn:microsoft.com/office/officeart/2008/layout/LinedList"/>
+    <dgm:cxn modelId="{ABA8CE6B-5BE2-F746-9DD7-8971A178152A}" type="presParOf" srcId="{9B3869BB-CC8F-D249-91F0-F472BF768D98}" destId="{4724994E-EC32-4545-BDE9-F7524842E532}" srcOrd="1" destOrd="0" presId="urn:microsoft.com/office/officeart/2008/layout/LinedList"/>
+    <dgm:cxn modelId="{69CA00C6-9389-DC44-BA35-CE64ACFACC8B}" type="presParOf" srcId="{4724994E-EC32-4545-BDE9-F7524842E532}" destId="{4EDB6E5B-EE72-8B48-A625-EA6FE22BD7B1}" srcOrd="0" destOrd="0" presId="urn:microsoft.com/office/officeart/2008/layout/LinedList"/>
+    <dgm:cxn modelId="{EF1C00FA-0798-C446-8503-264F184E8D57}" type="presParOf" srcId="{4724994E-EC32-4545-BDE9-F7524842E532}" destId="{9589FD2B-0B94-334A-838D-4E6D096C9FDF}" srcOrd="1" destOrd="0" presId="urn:microsoft.com/office/officeart/2008/layout/LinedList"/>
+    <dgm:cxn modelId="{7C559891-F703-3F40-B85F-730E828CA3D1}" type="presParOf" srcId="{9B3869BB-CC8F-D249-91F0-F472BF768D98}" destId="{05DC6673-7C0A-F140-BE75-152FE3E1A62A}" srcOrd="2" destOrd="0" presId="urn:microsoft.com/office/officeart/2008/layout/LinedList"/>
+    <dgm:cxn modelId="{D43F3637-3E23-8F46-AF6A-78B9B93C9F08}" type="presParOf" srcId="{9B3869BB-CC8F-D249-91F0-F472BF768D98}" destId="{5F0D6156-2BF9-414A-A228-F1C611E682A4}" srcOrd="3" destOrd="0" presId="urn:microsoft.com/office/officeart/2008/layout/LinedList"/>
+    <dgm:cxn modelId="{503B0E11-6ABD-984C-B5D0-3674A84A389D}" type="presParOf" srcId="{5F0D6156-2BF9-414A-A228-F1C611E682A4}" destId="{7F2D33D1-83D0-6349-B874-918F4F8DDDA6}" srcOrd="0" destOrd="0" presId="urn:microsoft.com/office/officeart/2008/layout/LinedList"/>
+    <dgm:cxn modelId="{B54A2B3D-C528-FF43-8E99-F2122F217BD3}" type="presParOf" srcId="{5F0D6156-2BF9-414A-A228-F1C611E682A4}" destId="{D9300B32-9EF9-D54F-85A8-64934A3DE92B}" srcOrd="1" destOrd="0" presId="urn:microsoft.com/office/officeart/2008/layout/LinedList"/>
+    <dgm:cxn modelId="{389BEDC0-DD0C-6B40-A6F1-DB5D91C9C922}" type="presParOf" srcId="{9B3869BB-CC8F-D249-91F0-F472BF768D98}" destId="{30A8DBBD-0AEC-8140-8AB3-5ABBCB7DCE4C}" srcOrd="4" destOrd="0" presId="urn:microsoft.com/office/officeart/2008/layout/LinedList"/>
+    <dgm:cxn modelId="{1053DC1F-AA5B-8140-BF12-768A4BAD90F4}" type="presParOf" srcId="{9B3869BB-CC8F-D249-91F0-F472BF768D98}" destId="{221B02BD-6187-AA41-ADF6-F87C2D69A445}" srcOrd="5" destOrd="0" presId="urn:microsoft.com/office/officeart/2008/layout/LinedList"/>
+    <dgm:cxn modelId="{D06931A3-B17F-8145-B895-3D01031754F0}" type="presParOf" srcId="{221B02BD-6187-AA41-ADF6-F87C2D69A445}" destId="{FC2881F6-7DDA-2846-8B8E-67823887EDBD}" srcOrd="0" destOrd="0" presId="urn:microsoft.com/office/officeart/2008/layout/LinedList"/>
+    <dgm:cxn modelId="{C01D4BF6-9AAF-A64B-93CB-4B522A837501}" type="presParOf" srcId="{221B02BD-6187-AA41-ADF6-F87C2D69A445}" destId="{B16D5995-D5DE-F14D-9B5E-27B03D578115}" srcOrd="1" destOrd="0" presId="urn:microsoft.com/office/officeart/2008/layout/LinedList"/>
+    <dgm:cxn modelId="{5DFE215B-BE55-2D41-92F8-37047A2419D8}" type="presParOf" srcId="{9B3869BB-CC8F-D249-91F0-F472BF768D98}" destId="{4C3D1C89-23FD-F94D-AB57-8400949B7453}" srcOrd="6" destOrd="0" presId="urn:microsoft.com/office/officeart/2008/layout/LinedList"/>
+    <dgm:cxn modelId="{8C9E8506-C146-9F4C-AFC2-F33530216313}" type="presParOf" srcId="{9B3869BB-CC8F-D249-91F0-F472BF768D98}" destId="{A20E9674-577A-944F-95DF-0E517E4B7137}" srcOrd="7" destOrd="0" presId="urn:microsoft.com/office/officeart/2008/layout/LinedList"/>
+    <dgm:cxn modelId="{314B830B-1E68-F84A-A4B2-4626C0DD36E9}" type="presParOf" srcId="{A20E9674-577A-944F-95DF-0E517E4B7137}" destId="{8AF88665-1FDB-DA42-9333-5C92E8428256}" srcOrd="0" destOrd="0" presId="urn:microsoft.com/office/officeart/2008/layout/LinedList"/>
+    <dgm:cxn modelId="{500C2930-2C72-DC41-978B-50AA548034B8}" type="presParOf" srcId="{A20E9674-577A-944F-95DF-0E517E4B7137}" destId="{2B124B6E-5FC8-4B46-B8D4-2AE3287305F7}" srcOrd="1" destOrd="0" presId="urn:microsoft.com/office/officeart/2008/layout/LinedList"/>
+    <dgm:cxn modelId="{8295CC3C-D9C2-E944-9324-61313486D6F5}" type="presParOf" srcId="{9B3869BB-CC8F-D249-91F0-F472BF768D98}" destId="{A72AE57A-0DFA-4647-8422-94880827BDED}" srcOrd="8" destOrd="0" presId="urn:microsoft.com/office/officeart/2008/layout/LinedList"/>
+    <dgm:cxn modelId="{227843CD-0E06-3243-911F-11CC864483CA}" type="presParOf" srcId="{9B3869BB-CC8F-D249-91F0-F472BF768D98}" destId="{9EB9FF70-3784-4A41-8F7C-D1C78ABC9DB1}" srcOrd="9" destOrd="0" presId="urn:microsoft.com/office/officeart/2008/layout/LinedList"/>
+    <dgm:cxn modelId="{4491084B-6083-5A4B-BE36-1FC2DE026827}" type="presParOf" srcId="{9EB9FF70-3784-4A41-8F7C-D1C78ABC9DB1}" destId="{5D388A5E-1999-E94C-9437-76A0CC87284F}" srcOrd="0" destOrd="0" presId="urn:microsoft.com/office/officeart/2008/layout/LinedList"/>
+    <dgm:cxn modelId="{F65CE29D-6670-5B42-9F22-9DE1BCC131AC}" type="presParOf" srcId="{9EB9FF70-3784-4A41-8F7C-D1C78ABC9DB1}" destId="{422F771E-D717-FB4F-A7AA-77501D8D06DB}" srcOrd="1" destOrd="0" presId="urn:microsoft.com/office/officeart/2008/layout/LinedList"/>
+    <dgm:cxn modelId="{26D0D9A9-74A6-4340-A6FF-02D935B1CD94}" type="presParOf" srcId="{9B3869BB-CC8F-D249-91F0-F472BF768D98}" destId="{D34DEC08-E852-494A-ADEF-6BFC84E21BD1}" srcOrd="10" destOrd="0" presId="urn:microsoft.com/office/officeart/2008/layout/LinedList"/>
+    <dgm:cxn modelId="{93A276CB-130E-ED44-911C-24B2B0BEDAE4}" type="presParOf" srcId="{9B3869BB-CC8F-D249-91F0-F472BF768D98}" destId="{8754271E-5180-E449-86A6-25E9861901B8}" srcOrd="11" destOrd="0" presId="urn:microsoft.com/office/officeart/2008/layout/LinedList"/>
+    <dgm:cxn modelId="{71843A95-DEB2-BB48-B911-BE7E1A364653}" type="presParOf" srcId="{8754271E-5180-E449-86A6-25E9861901B8}" destId="{A7E31225-5A5E-3040-9BC5-D7E4573441B3}" srcOrd="0" destOrd="0" presId="urn:microsoft.com/office/officeart/2008/layout/LinedList"/>
+    <dgm:cxn modelId="{AD818B86-50BA-7542-8E73-A0079F59EDD4}" type="presParOf" srcId="{8754271E-5180-E449-86A6-25E9861901B8}" destId="{8EEE912A-7156-0846-B16B-DE46D1899CBC}" srcOrd="1" destOrd="0" presId="urn:microsoft.com/office/officeart/2008/layout/LinedList"/>
+  </dgm:cxnLst>
+  <dgm:bg/>
+  <dgm:whole/>
+  <dgm:extLst>
+    <a:ext uri="http://schemas.microsoft.com/office/drawing/2008/diagram">
+      <dsp:dataModelExt xmlns:dsp="http://schemas.microsoft.com/office/drawing/2008/diagram" relId="rId7" minVer="http://schemas.openxmlformats.org/drawingml/2006/diagram"/>
+    </a:ext>
+  </dgm:extLst>
+</dgm:dataModel>
+</file>
+
+<file path=ppt/diagrams/drawing1.xml><?xml version="1.0" encoding="utf-8"?>
+<dsp:drawing xmlns:dgm="http://schemas.openxmlformats.org/drawingml/2006/diagram" xmlns:dsp="http://schemas.microsoft.com/office/drawing/2008/diagram" xmlns:a="http://schemas.openxmlformats.org/drawingml/2006/main">
+  <dsp:spTree>
+    <dsp:nvGrpSpPr>
+      <dsp:cNvPr id="0" name=""/>
+      <dsp:cNvGrpSpPr/>
+    </dsp:nvGrpSpPr>
+    <dsp:grpSpPr/>
+    <dsp:sp modelId="{986E1102-FDCF-2E4A-B0E7-788D58D9FB58}">
+      <dsp:nvSpPr>
+        <dsp:cNvPr id="0" name=""/>
+        <dsp:cNvSpPr/>
+      </dsp:nvSpPr>
+      <dsp:spPr>
+        <a:xfrm>
+          <a:off x="0" y="1908"/>
+          <a:ext cx="10793412" cy="0"/>
+        </a:xfrm>
+        <a:prstGeom prst="line">
+          <a:avLst/>
+        </a:prstGeom>
+        <a:blipFill>
+          <a:blip xmlns:r="http://schemas.openxmlformats.org/officeDocument/2006/relationships" r:embed="rId1">
+            <a:duotone>
+              <a:schemeClr val="accent1">
+                <a:hueOff val="0"/>
+                <a:satOff val="0"/>
+                <a:lumOff val="0"/>
+                <a:alphaOff val="0"/>
+                <a:shade val="88000"/>
+                <a:lumMod val="88000"/>
+              </a:schemeClr>
+              <a:schemeClr val="accent1">
+                <a:hueOff val="0"/>
+                <a:satOff val="0"/>
+                <a:lumOff val="0"/>
+                <a:alphaOff val="0"/>
+              </a:schemeClr>
+            </a:duotone>
+          </a:blip>
+          <a:tile tx="0" ty="0" sx="100000" sy="100000" flip="none" algn="tl"/>
+        </a:blipFill>
+        <a:ln w="9525" cap="flat" cmpd="sng" algn="ctr">
+          <a:solidFill>
+            <a:schemeClr val="accent1">
+              <a:hueOff val="0"/>
+              <a:satOff val="0"/>
+              <a:lumOff val="0"/>
+              <a:alphaOff val="0"/>
+            </a:schemeClr>
+          </a:solidFill>
+          <a:prstDash val="solid"/>
+        </a:ln>
+        <a:effectLst/>
+      </dsp:spPr>
+      <dsp:style>
+        <a:lnRef idx="1">
+          <a:scrgbClr r="0" g="0" b="0"/>
+        </a:lnRef>
+        <a:fillRef idx="3">
+          <a:scrgbClr r="0" g="0" b="0"/>
+        </a:fillRef>
+        <a:effectRef idx="2">
+          <a:scrgbClr r="0" g="0" b="0"/>
+        </a:effectRef>
+        <a:fontRef idx="minor">
+          <a:schemeClr val="lt1"/>
+        </a:fontRef>
+      </dsp:style>
+    </dsp:sp>
+    <dsp:sp modelId="{4EDB6E5B-EE72-8B48-A625-EA6FE22BD7B1}">
+      <dsp:nvSpPr>
+        <dsp:cNvPr id="0" name=""/>
+        <dsp:cNvSpPr/>
+      </dsp:nvSpPr>
+      <dsp:spPr>
+        <a:xfrm>
+          <a:off x="0" y="1908"/>
+          <a:ext cx="10793412" cy="650768"/>
+        </a:xfrm>
+        <a:prstGeom prst="rect">
+          <a:avLst/>
+        </a:prstGeom>
+        <a:noFill/>
+        <a:ln>
+          <a:noFill/>
+        </a:ln>
+        <a:effectLst/>
+      </dsp:spPr>
+      <dsp:style>
+        <a:lnRef idx="0">
+          <a:scrgbClr r="0" g="0" b="0"/>
+        </a:lnRef>
+        <a:fillRef idx="0">
+          <a:scrgbClr r="0" g="0" b="0"/>
+        </a:fillRef>
+        <a:effectRef idx="0">
+          <a:scrgbClr r="0" g="0" b="0"/>
+        </a:effectRef>
+        <a:fontRef idx="minor"/>
+      </dsp:style>
+      <dsp:txBody>
+        <a:bodyPr spcFirstLastPara="0" vert="horz" wrap="square" lIns="68580" tIns="68580" rIns="68580" bIns="68580" numCol="1" spcCol="1270" anchor="t" anchorCtr="0">
+          <a:noAutofit/>
+        </a:bodyPr>
+        <a:lstStyle/>
+        <a:p>
+          <a:pPr marL="0" lvl="0" indent="0" algn="l" defTabSz="800100">
+            <a:lnSpc>
+              <a:spcPct val="90000"/>
+            </a:lnSpc>
+            <a:spcBef>
+              <a:spcPct val="0"/>
+            </a:spcBef>
+            <a:spcAft>
+              <a:spcPct val="35000"/>
+            </a:spcAft>
+            <a:buNone/>
+          </a:pPr>
+          <a:r>
+            <a:rPr lang="fr-FR" sz="1800" kern="1200" dirty="0"/>
+            <a:t>Classe Main -&gt;</a:t>
+          </a:r>
+          <a:r>
+            <a:rPr lang="fr-FR" sz="1800" b="0" kern="1200" dirty="0">
+              <a:latin typeface="Big Caslon Medium" panose="02000603090000020003" pitchFamily="2" charset="-79"/>
+              <a:ea typeface="Apple Color Emoji" pitchFamily="2" charset="0"/>
+              <a:cs typeface="Big Caslon Medium" panose="02000603090000020003" pitchFamily="2" charset="-79"/>
+            </a:rPr>
+            <a:t>gère le lancement du jeux ou l’arrêt du programme</a:t>
+          </a:r>
+          <a:endParaRPr lang="en-US" sz="1800" b="0" kern="1200" dirty="0">
+            <a:latin typeface="Big Caslon Medium" panose="02000603090000020003" pitchFamily="2" charset="-79"/>
+            <a:ea typeface="Apple Color Emoji" pitchFamily="2" charset="0"/>
+            <a:cs typeface="Big Caslon Medium" panose="02000603090000020003" pitchFamily="2" charset="-79"/>
+          </a:endParaRPr>
+        </a:p>
+      </dsp:txBody>
+      <dsp:txXfrm>
+        <a:off x="0" y="1908"/>
+        <a:ext cx="10793412" cy="650768"/>
+      </dsp:txXfrm>
+    </dsp:sp>
+    <dsp:sp modelId="{05DC6673-7C0A-F140-BE75-152FE3E1A62A}">
+      <dsp:nvSpPr>
+        <dsp:cNvPr id="0" name=""/>
+        <dsp:cNvSpPr/>
+      </dsp:nvSpPr>
+      <dsp:spPr>
+        <a:xfrm>
+          <a:off x="0" y="652676"/>
+          <a:ext cx="10793412" cy="0"/>
+        </a:xfrm>
+        <a:prstGeom prst="line">
+          <a:avLst/>
+        </a:prstGeom>
+        <a:blipFill>
+          <a:blip xmlns:r="http://schemas.openxmlformats.org/officeDocument/2006/relationships" r:embed="rId1">
+            <a:duotone>
+              <a:schemeClr val="accent1">
+                <a:hueOff val="0"/>
+                <a:satOff val="0"/>
+                <a:lumOff val="0"/>
+                <a:alphaOff val="0"/>
+                <a:shade val="88000"/>
+                <a:lumMod val="88000"/>
+              </a:schemeClr>
+              <a:schemeClr val="accent1">
+                <a:hueOff val="0"/>
+                <a:satOff val="0"/>
+                <a:lumOff val="0"/>
+                <a:alphaOff val="0"/>
+              </a:schemeClr>
+            </a:duotone>
+          </a:blip>
+          <a:tile tx="0" ty="0" sx="100000" sy="100000" flip="none" algn="tl"/>
+        </a:blipFill>
+        <a:ln w="9525" cap="flat" cmpd="sng" algn="ctr">
+          <a:solidFill>
+            <a:schemeClr val="accent1">
+              <a:hueOff val="0"/>
+              <a:satOff val="0"/>
+              <a:lumOff val="0"/>
+              <a:alphaOff val="0"/>
+            </a:schemeClr>
+          </a:solidFill>
+          <a:prstDash val="solid"/>
+        </a:ln>
+        <a:effectLst/>
+      </dsp:spPr>
+      <dsp:style>
+        <a:lnRef idx="1">
+          <a:scrgbClr r="0" g="0" b="0"/>
+        </a:lnRef>
+        <a:fillRef idx="3">
+          <a:scrgbClr r="0" g="0" b="0"/>
+        </a:fillRef>
+        <a:effectRef idx="2">
+          <a:scrgbClr r="0" g="0" b="0"/>
+        </a:effectRef>
+        <a:fontRef idx="minor">
+          <a:schemeClr val="lt1"/>
+        </a:fontRef>
+      </dsp:style>
+    </dsp:sp>
+    <dsp:sp modelId="{7F2D33D1-83D0-6349-B874-918F4F8DDDA6}">
+      <dsp:nvSpPr>
+        <dsp:cNvPr id="0" name=""/>
+        <dsp:cNvSpPr/>
+      </dsp:nvSpPr>
+      <dsp:spPr>
+        <a:xfrm>
+          <a:off x="0" y="652676"/>
+          <a:ext cx="10793412" cy="650768"/>
+        </a:xfrm>
+        <a:prstGeom prst="rect">
+          <a:avLst/>
+        </a:prstGeom>
+        <a:noFill/>
+        <a:ln>
+          <a:noFill/>
+        </a:ln>
+        <a:effectLst/>
+      </dsp:spPr>
+      <dsp:style>
+        <a:lnRef idx="0">
+          <a:scrgbClr r="0" g="0" b="0"/>
+        </a:lnRef>
+        <a:fillRef idx="0">
+          <a:scrgbClr r="0" g="0" b="0"/>
+        </a:fillRef>
+        <a:effectRef idx="0">
+          <a:scrgbClr r="0" g="0" b="0"/>
+        </a:effectRef>
+        <a:fontRef idx="minor"/>
+      </dsp:style>
+      <dsp:txBody>
+        <a:bodyPr spcFirstLastPara="0" vert="horz" wrap="square" lIns="68580" tIns="68580" rIns="68580" bIns="68580" numCol="1" spcCol="1270" anchor="t" anchorCtr="0">
+          <a:noAutofit/>
+        </a:bodyPr>
+        <a:lstStyle/>
+        <a:p>
+          <a:pPr marL="0" lvl="0" indent="0" algn="l" defTabSz="800100">
+            <a:lnSpc>
+              <a:spcPct val="90000"/>
+            </a:lnSpc>
+            <a:spcBef>
+              <a:spcPct val="0"/>
+            </a:spcBef>
+            <a:spcAft>
+              <a:spcPct val="35000"/>
+            </a:spcAft>
+            <a:buNone/>
+          </a:pPr>
+          <a:r>
+            <a:rPr lang="fr-FR" sz="1800" kern="1200" dirty="0"/>
+            <a:t>Classe </a:t>
+          </a:r>
+          <a:r>
+            <a:rPr lang="fr-FR" sz="1800" kern="1200" dirty="0" err="1"/>
+            <a:t>game</a:t>
+          </a:r>
+          <a:r>
+            <a:rPr lang="fr-FR" sz="1800" kern="1200" dirty="0"/>
+            <a:t> -&gt;</a:t>
+          </a:r>
+          <a:r>
+            <a:rPr lang="fr-FR" sz="1800" b="0" kern="1200" dirty="0">
+              <a:latin typeface="Big Caslon Medium" panose="02000603090000020003" pitchFamily="2" charset="-79"/>
+              <a:ea typeface="Apple Color Emoji" pitchFamily="2" charset="0"/>
+              <a:cs typeface="Big Caslon Medium" panose="02000603090000020003" pitchFamily="2" charset="-79"/>
+            </a:rPr>
+            <a:t>gère le déroulement des différentes partie du jeux</a:t>
+          </a:r>
+          <a:endParaRPr lang="en-US" sz="1800" b="0" kern="1200" dirty="0">
+            <a:latin typeface="Big Caslon Medium" panose="02000603090000020003" pitchFamily="2" charset="-79"/>
+            <a:ea typeface="Apple Color Emoji" pitchFamily="2" charset="0"/>
+            <a:cs typeface="Big Caslon Medium" panose="02000603090000020003" pitchFamily="2" charset="-79"/>
+          </a:endParaRPr>
+        </a:p>
+      </dsp:txBody>
+      <dsp:txXfrm>
+        <a:off x="0" y="652676"/>
+        <a:ext cx="10793412" cy="650768"/>
+      </dsp:txXfrm>
+    </dsp:sp>
+    <dsp:sp modelId="{30A8DBBD-0AEC-8140-8AB3-5ABBCB7DCE4C}">
+      <dsp:nvSpPr>
+        <dsp:cNvPr id="0" name=""/>
+        <dsp:cNvSpPr/>
+      </dsp:nvSpPr>
+      <dsp:spPr>
+        <a:xfrm>
+          <a:off x="0" y="1303444"/>
+          <a:ext cx="10793412" cy="0"/>
+        </a:xfrm>
+        <a:prstGeom prst="line">
+          <a:avLst/>
+        </a:prstGeom>
+        <a:blipFill>
+          <a:blip xmlns:r="http://schemas.openxmlformats.org/officeDocument/2006/relationships" r:embed="rId1">
+            <a:duotone>
+              <a:schemeClr val="accent1">
+                <a:hueOff val="0"/>
+                <a:satOff val="0"/>
+                <a:lumOff val="0"/>
+                <a:alphaOff val="0"/>
+                <a:shade val="88000"/>
+                <a:lumMod val="88000"/>
+              </a:schemeClr>
+              <a:schemeClr val="accent1">
+                <a:hueOff val="0"/>
+                <a:satOff val="0"/>
+                <a:lumOff val="0"/>
+                <a:alphaOff val="0"/>
+              </a:schemeClr>
+            </a:duotone>
+          </a:blip>
+          <a:tile tx="0" ty="0" sx="100000" sy="100000" flip="none" algn="tl"/>
+        </a:blipFill>
+        <a:ln w="9525" cap="flat" cmpd="sng" algn="ctr">
+          <a:solidFill>
+            <a:schemeClr val="accent1">
+              <a:hueOff val="0"/>
+              <a:satOff val="0"/>
+              <a:lumOff val="0"/>
+              <a:alphaOff val="0"/>
+            </a:schemeClr>
+          </a:solidFill>
+          <a:prstDash val="solid"/>
+        </a:ln>
+        <a:effectLst/>
+      </dsp:spPr>
+      <dsp:style>
+        <a:lnRef idx="1">
+          <a:scrgbClr r="0" g="0" b="0"/>
+        </a:lnRef>
+        <a:fillRef idx="3">
+          <a:scrgbClr r="0" g="0" b="0"/>
+        </a:fillRef>
+        <a:effectRef idx="2">
+          <a:scrgbClr r="0" g="0" b="0"/>
+        </a:effectRef>
+        <a:fontRef idx="minor">
+          <a:schemeClr val="lt1"/>
+        </a:fontRef>
+      </dsp:style>
+    </dsp:sp>
+    <dsp:sp modelId="{FC2881F6-7DDA-2846-8B8E-67823887EDBD}">
+      <dsp:nvSpPr>
+        <dsp:cNvPr id="0" name=""/>
+        <dsp:cNvSpPr/>
+      </dsp:nvSpPr>
+      <dsp:spPr>
+        <a:xfrm>
+          <a:off x="0" y="1303444"/>
+          <a:ext cx="10793412" cy="650768"/>
+        </a:xfrm>
+        <a:prstGeom prst="rect">
+          <a:avLst/>
+        </a:prstGeom>
+        <a:noFill/>
+        <a:ln>
+          <a:noFill/>
+        </a:ln>
+        <a:effectLst/>
+      </dsp:spPr>
+      <dsp:style>
+        <a:lnRef idx="0">
+          <a:scrgbClr r="0" g="0" b="0"/>
+        </a:lnRef>
+        <a:fillRef idx="0">
+          <a:scrgbClr r="0" g="0" b="0"/>
+        </a:fillRef>
+        <a:effectRef idx="0">
+          <a:scrgbClr r="0" g="0" b="0"/>
+        </a:effectRef>
+        <a:fontRef idx="minor"/>
+      </dsp:style>
+      <dsp:txBody>
+        <a:bodyPr spcFirstLastPara="0" vert="horz" wrap="square" lIns="68580" tIns="68580" rIns="68580" bIns="68580" numCol="1" spcCol="1270" anchor="t" anchorCtr="0">
+          <a:noAutofit/>
+        </a:bodyPr>
+        <a:lstStyle/>
+        <a:p>
+          <a:pPr marL="0" lvl="0" indent="0" algn="l" defTabSz="800100">
+            <a:lnSpc>
+              <a:spcPct val="90000"/>
+            </a:lnSpc>
+            <a:spcBef>
+              <a:spcPct val="0"/>
+            </a:spcBef>
+            <a:spcAft>
+              <a:spcPct val="35000"/>
+            </a:spcAft>
+            <a:buNone/>
+          </a:pPr>
+          <a:r>
+            <a:rPr lang="fr-FR" sz="1800" kern="1200" dirty="0"/>
+            <a:t>Classe </a:t>
+          </a:r>
+          <a:r>
+            <a:rPr lang="fr-FR" sz="1800" kern="1200" dirty="0" err="1"/>
+            <a:t>weapon</a:t>
+          </a:r>
+          <a:r>
+            <a:rPr lang="fr-FR" sz="1800" kern="1200" dirty="0"/>
+            <a:t> -&gt;</a:t>
+          </a:r>
+          <a:r>
+            <a:rPr lang="fr-FR" sz="1800" b="0" kern="1200" dirty="0">
+              <a:latin typeface="Big Caslon Medium" panose="02000603090000020003" pitchFamily="2" charset="-79"/>
+              <a:ea typeface="Apple Color Emoji" pitchFamily="2" charset="0"/>
+              <a:cs typeface="Big Caslon Medium" panose="02000603090000020003" pitchFamily="2" charset="-79"/>
+            </a:rPr>
+            <a:t>fournis aux classes qui en héritent un nom et une puissance d’arme.</a:t>
+          </a:r>
+          <a:endParaRPr lang="en-US" sz="1800" b="0" kern="1200" dirty="0">
+            <a:latin typeface="Big Caslon Medium" panose="02000603090000020003" pitchFamily="2" charset="-79"/>
+            <a:ea typeface="Apple Color Emoji" pitchFamily="2" charset="0"/>
+            <a:cs typeface="Big Caslon Medium" panose="02000603090000020003" pitchFamily="2" charset="-79"/>
+          </a:endParaRPr>
+        </a:p>
+      </dsp:txBody>
+      <dsp:txXfrm>
+        <a:off x="0" y="1303444"/>
+        <a:ext cx="10793412" cy="650768"/>
+      </dsp:txXfrm>
+    </dsp:sp>
+    <dsp:sp modelId="{4C3D1C89-23FD-F94D-AB57-8400949B7453}">
+      <dsp:nvSpPr>
+        <dsp:cNvPr id="0" name=""/>
+        <dsp:cNvSpPr/>
+      </dsp:nvSpPr>
+      <dsp:spPr>
+        <a:xfrm>
+          <a:off x="0" y="1954212"/>
+          <a:ext cx="10793412" cy="0"/>
+        </a:xfrm>
+        <a:prstGeom prst="line">
+          <a:avLst/>
+        </a:prstGeom>
+        <a:blipFill>
+          <a:blip xmlns:r="http://schemas.openxmlformats.org/officeDocument/2006/relationships" r:embed="rId1">
+            <a:duotone>
+              <a:schemeClr val="accent1">
+                <a:hueOff val="0"/>
+                <a:satOff val="0"/>
+                <a:lumOff val="0"/>
+                <a:alphaOff val="0"/>
+                <a:shade val="88000"/>
+                <a:lumMod val="88000"/>
+              </a:schemeClr>
+              <a:schemeClr val="accent1">
+                <a:hueOff val="0"/>
+                <a:satOff val="0"/>
+                <a:lumOff val="0"/>
+                <a:alphaOff val="0"/>
+              </a:schemeClr>
+            </a:duotone>
+          </a:blip>
+          <a:tile tx="0" ty="0" sx="100000" sy="100000" flip="none" algn="tl"/>
+        </a:blipFill>
+        <a:ln w="9525" cap="flat" cmpd="sng" algn="ctr">
+          <a:solidFill>
+            <a:schemeClr val="accent1">
+              <a:hueOff val="0"/>
+              <a:satOff val="0"/>
+              <a:lumOff val="0"/>
+              <a:alphaOff val="0"/>
+            </a:schemeClr>
+          </a:solidFill>
+          <a:prstDash val="solid"/>
+        </a:ln>
+        <a:effectLst/>
+      </dsp:spPr>
+      <dsp:style>
+        <a:lnRef idx="1">
+          <a:scrgbClr r="0" g="0" b="0"/>
+        </a:lnRef>
+        <a:fillRef idx="3">
+          <a:scrgbClr r="0" g="0" b="0"/>
+        </a:fillRef>
+        <a:effectRef idx="2">
+          <a:scrgbClr r="0" g="0" b="0"/>
+        </a:effectRef>
+        <a:fontRef idx="minor">
+          <a:schemeClr val="lt1"/>
+        </a:fontRef>
+      </dsp:style>
+    </dsp:sp>
+    <dsp:sp modelId="{8AF88665-1FDB-DA42-9333-5C92E8428256}">
+      <dsp:nvSpPr>
+        <dsp:cNvPr id="0" name=""/>
+        <dsp:cNvSpPr/>
+      </dsp:nvSpPr>
+      <dsp:spPr>
+        <a:xfrm>
+          <a:off x="0" y="1954212"/>
+          <a:ext cx="10793412" cy="650768"/>
+        </a:xfrm>
+        <a:prstGeom prst="rect">
+          <a:avLst/>
+        </a:prstGeom>
+        <a:noFill/>
+        <a:ln>
+          <a:noFill/>
+        </a:ln>
+        <a:effectLst/>
+      </dsp:spPr>
+      <dsp:style>
+        <a:lnRef idx="0">
+          <a:scrgbClr r="0" g="0" b="0"/>
+        </a:lnRef>
+        <a:fillRef idx="0">
+          <a:scrgbClr r="0" g="0" b="0"/>
+        </a:fillRef>
+        <a:effectRef idx="0">
+          <a:scrgbClr r="0" g="0" b="0"/>
+        </a:effectRef>
+        <a:fontRef idx="minor"/>
+      </dsp:style>
+      <dsp:txBody>
+        <a:bodyPr spcFirstLastPara="0" vert="horz" wrap="square" lIns="68580" tIns="68580" rIns="68580" bIns="68580" numCol="1" spcCol="1270" anchor="t" anchorCtr="0">
+          <a:noAutofit/>
+        </a:bodyPr>
+        <a:lstStyle/>
+        <a:p>
+          <a:pPr marL="0" lvl="0" indent="0" algn="l" defTabSz="800100">
+            <a:lnSpc>
+              <a:spcPct val="90000"/>
+            </a:lnSpc>
+            <a:spcBef>
+              <a:spcPct val="0"/>
+            </a:spcBef>
+            <a:spcAft>
+              <a:spcPct val="35000"/>
+            </a:spcAft>
+            <a:buNone/>
+          </a:pPr>
+          <a:r>
+            <a:rPr lang="fr-FR" sz="1800" kern="1200" dirty="0"/>
+            <a:t>Classe </a:t>
+          </a:r>
+          <a:r>
+            <a:rPr lang="fr-FR" sz="1800" kern="1200" dirty="0" err="1"/>
+            <a:t>character</a:t>
+          </a:r>
+          <a:r>
+            <a:rPr lang="fr-FR" sz="1800" kern="1200" dirty="0"/>
+            <a:t> -&gt; </a:t>
+          </a:r>
+          <a:r>
+            <a:rPr lang="fr-FR" sz="1800" b="0" kern="1200" dirty="0">
+              <a:latin typeface="Big Caslon Medium" panose="02000603090000020003" pitchFamily="2" charset="-79"/>
+              <a:ea typeface="Apple Color Emoji" pitchFamily="2" charset="0"/>
+              <a:cs typeface="Big Caslon Medium" panose="02000603090000020003" pitchFamily="2" charset="-79"/>
+            </a:rPr>
+            <a:t>fournis les caractéristiques du personnage(nom, point de vie, point de capacité de soins ainsi qu’une arme.</a:t>
+          </a:r>
+          <a:endParaRPr lang="en-US" sz="1800" b="0" kern="1200" dirty="0">
+            <a:latin typeface="Big Caslon Medium" panose="02000603090000020003" pitchFamily="2" charset="-79"/>
+            <a:ea typeface="Apple Color Emoji" pitchFamily="2" charset="0"/>
+            <a:cs typeface="Big Caslon Medium" panose="02000603090000020003" pitchFamily="2" charset="-79"/>
+          </a:endParaRPr>
+        </a:p>
+      </dsp:txBody>
+      <dsp:txXfrm>
+        <a:off x="0" y="1954212"/>
+        <a:ext cx="10793412" cy="650768"/>
+      </dsp:txXfrm>
+    </dsp:sp>
+    <dsp:sp modelId="{A72AE57A-0DFA-4647-8422-94880827BDED}">
+      <dsp:nvSpPr>
+        <dsp:cNvPr id="0" name=""/>
+        <dsp:cNvSpPr/>
+      </dsp:nvSpPr>
+      <dsp:spPr>
+        <a:xfrm>
+          <a:off x="0" y="2604980"/>
+          <a:ext cx="10793412" cy="0"/>
+        </a:xfrm>
+        <a:prstGeom prst="line">
+          <a:avLst/>
+        </a:prstGeom>
+        <a:blipFill>
+          <a:blip xmlns:r="http://schemas.openxmlformats.org/officeDocument/2006/relationships" r:embed="rId1">
+            <a:duotone>
+              <a:schemeClr val="accent1">
+                <a:hueOff val="0"/>
+                <a:satOff val="0"/>
+                <a:lumOff val="0"/>
+                <a:alphaOff val="0"/>
+                <a:shade val="88000"/>
+                <a:lumMod val="88000"/>
+              </a:schemeClr>
+              <a:schemeClr val="accent1">
+                <a:hueOff val="0"/>
+                <a:satOff val="0"/>
+                <a:lumOff val="0"/>
+                <a:alphaOff val="0"/>
+              </a:schemeClr>
+            </a:duotone>
+          </a:blip>
+          <a:tile tx="0" ty="0" sx="100000" sy="100000" flip="none" algn="tl"/>
+        </a:blipFill>
+        <a:ln w="9525" cap="flat" cmpd="sng" algn="ctr">
+          <a:solidFill>
+            <a:schemeClr val="accent1">
+              <a:hueOff val="0"/>
+              <a:satOff val="0"/>
+              <a:lumOff val="0"/>
+              <a:alphaOff val="0"/>
+            </a:schemeClr>
+          </a:solidFill>
+          <a:prstDash val="solid"/>
+        </a:ln>
+        <a:effectLst/>
+      </dsp:spPr>
+      <dsp:style>
+        <a:lnRef idx="1">
+          <a:scrgbClr r="0" g="0" b="0"/>
+        </a:lnRef>
+        <a:fillRef idx="3">
+          <a:scrgbClr r="0" g="0" b="0"/>
+        </a:fillRef>
+        <a:effectRef idx="2">
+          <a:scrgbClr r="0" g="0" b="0"/>
+        </a:effectRef>
+        <a:fontRef idx="minor">
+          <a:schemeClr val="lt1"/>
+        </a:fontRef>
+      </dsp:style>
+    </dsp:sp>
+    <dsp:sp modelId="{5D388A5E-1999-E94C-9437-76A0CC87284F}">
+      <dsp:nvSpPr>
+        <dsp:cNvPr id="0" name=""/>
+        <dsp:cNvSpPr/>
+      </dsp:nvSpPr>
+      <dsp:spPr>
+        <a:xfrm>
+          <a:off x="0" y="2604980"/>
+          <a:ext cx="10793412" cy="650768"/>
+        </a:xfrm>
+        <a:prstGeom prst="rect">
+          <a:avLst/>
+        </a:prstGeom>
+        <a:noFill/>
+        <a:ln>
+          <a:noFill/>
+        </a:ln>
+        <a:effectLst/>
+      </dsp:spPr>
+      <dsp:style>
+        <a:lnRef idx="0">
+          <a:scrgbClr r="0" g="0" b="0"/>
+        </a:lnRef>
+        <a:fillRef idx="0">
+          <a:scrgbClr r="0" g="0" b="0"/>
+        </a:fillRef>
+        <a:effectRef idx="0">
+          <a:scrgbClr r="0" g="0" b="0"/>
+        </a:effectRef>
+        <a:fontRef idx="minor"/>
+      </dsp:style>
+      <dsp:txBody>
+        <a:bodyPr spcFirstLastPara="0" vert="horz" wrap="square" lIns="68580" tIns="68580" rIns="68580" bIns="68580" numCol="1" spcCol="1270" anchor="t" anchorCtr="0">
+          <a:noAutofit/>
+        </a:bodyPr>
+        <a:lstStyle/>
+        <a:p>
+          <a:pPr marL="0" lvl="0" indent="0" algn="l" defTabSz="800100">
+            <a:lnSpc>
+              <a:spcPct val="90000"/>
+            </a:lnSpc>
+            <a:spcBef>
+              <a:spcPct val="0"/>
+            </a:spcBef>
+            <a:spcAft>
+              <a:spcPct val="35000"/>
+            </a:spcAft>
+            <a:buNone/>
+          </a:pPr>
+          <a:r>
+            <a:rPr lang="fr-FR" sz="1800" kern="1200" dirty="0"/>
+            <a:t>Classe </a:t>
+          </a:r>
+          <a:r>
+            <a:rPr lang="fr-FR" sz="1800" kern="1200" dirty="0" err="1"/>
+            <a:t>player</a:t>
+          </a:r>
+          <a:r>
+            <a:rPr lang="fr-FR" sz="1800" kern="1200" dirty="0"/>
+            <a:t> -&gt; </a:t>
+          </a:r>
+          <a:r>
+            <a:rPr lang="fr-FR" sz="1800" b="0" kern="1200" dirty="0">
+              <a:latin typeface="Big Caslon Medium" panose="02000603090000020003" pitchFamily="2" charset="-79"/>
+              <a:ea typeface="Apple Color Emoji" pitchFamily="2" charset="0"/>
+              <a:cs typeface="Big Caslon Medium" panose="02000603090000020003" pitchFamily="2" charset="-79"/>
+            </a:rPr>
+            <a:t>Gère le nombre de personnage dans une équipe ainsi que les actions qu’ils vont effectuer( Attaque, ou soigner)</a:t>
+          </a:r>
+        </a:p>
+      </dsp:txBody>
+      <dsp:txXfrm>
+        <a:off x="0" y="2604980"/>
+        <a:ext cx="10793412" cy="650768"/>
+      </dsp:txXfrm>
+    </dsp:sp>
+    <dsp:sp modelId="{D34DEC08-E852-494A-ADEF-6BFC84E21BD1}">
+      <dsp:nvSpPr>
+        <dsp:cNvPr id="0" name=""/>
+        <dsp:cNvSpPr/>
+      </dsp:nvSpPr>
+      <dsp:spPr>
+        <a:xfrm>
+          <a:off x="0" y="3255748"/>
+          <a:ext cx="10793412" cy="0"/>
+        </a:xfrm>
+        <a:prstGeom prst="line">
+          <a:avLst/>
+        </a:prstGeom>
+        <a:blipFill>
+          <a:blip xmlns:r="http://schemas.openxmlformats.org/officeDocument/2006/relationships" r:embed="rId1">
+            <a:duotone>
+              <a:schemeClr val="accent1">
+                <a:hueOff val="0"/>
+                <a:satOff val="0"/>
+                <a:lumOff val="0"/>
+                <a:alphaOff val="0"/>
+                <a:shade val="88000"/>
+                <a:lumMod val="88000"/>
+              </a:schemeClr>
+              <a:schemeClr val="accent1">
+                <a:hueOff val="0"/>
+                <a:satOff val="0"/>
+                <a:lumOff val="0"/>
+                <a:alphaOff val="0"/>
+              </a:schemeClr>
+            </a:duotone>
+          </a:blip>
+          <a:tile tx="0" ty="0" sx="100000" sy="100000" flip="none" algn="tl"/>
+        </a:blipFill>
+        <a:ln w="9525" cap="flat" cmpd="sng" algn="ctr">
+          <a:solidFill>
+            <a:schemeClr val="accent1">
+              <a:hueOff val="0"/>
+              <a:satOff val="0"/>
+              <a:lumOff val="0"/>
+              <a:alphaOff val="0"/>
+            </a:schemeClr>
+          </a:solidFill>
+          <a:prstDash val="solid"/>
+        </a:ln>
+        <a:effectLst/>
+      </dsp:spPr>
+      <dsp:style>
+        <a:lnRef idx="1">
+          <a:scrgbClr r="0" g="0" b="0"/>
+        </a:lnRef>
+        <a:fillRef idx="3">
+          <a:scrgbClr r="0" g="0" b="0"/>
+        </a:fillRef>
+        <a:effectRef idx="2">
+          <a:scrgbClr r="0" g="0" b="0"/>
+        </a:effectRef>
+        <a:fontRef idx="minor">
+          <a:schemeClr val="lt1"/>
+        </a:fontRef>
+      </dsp:style>
+    </dsp:sp>
+    <dsp:sp modelId="{A7E31225-5A5E-3040-9BC5-D7E4573441B3}">
+      <dsp:nvSpPr>
+        <dsp:cNvPr id="0" name=""/>
+        <dsp:cNvSpPr/>
+      </dsp:nvSpPr>
+      <dsp:spPr>
+        <a:xfrm>
+          <a:off x="0" y="3255748"/>
+          <a:ext cx="10793412" cy="650768"/>
+        </a:xfrm>
+        <a:prstGeom prst="rect">
+          <a:avLst/>
+        </a:prstGeom>
+        <a:noFill/>
+        <a:ln>
+          <a:noFill/>
+        </a:ln>
+        <a:effectLst/>
+      </dsp:spPr>
+      <dsp:style>
+        <a:lnRef idx="0">
+          <a:scrgbClr r="0" g="0" b="0"/>
+        </a:lnRef>
+        <a:fillRef idx="0">
+          <a:scrgbClr r="0" g="0" b="0"/>
+        </a:fillRef>
+        <a:effectRef idx="0">
+          <a:scrgbClr r="0" g="0" b="0"/>
+        </a:effectRef>
+        <a:fontRef idx="minor"/>
+      </dsp:style>
+      <dsp:txBody>
+        <a:bodyPr spcFirstLastPara="0" vert="horz" wrap="square" lIns="68580" tIns="68580" rIns="68580" bIns="68580" numCol="1" spcCol="1270" anchor="t" anchorCtr="0">
+          <a:noAutofit/>
+        </a:bodyPr>
+        <a:lstStyle/>
+        <a:p>
+          <a:pPr marL="0" lvl="0" indent="0" algn="l" defTabSz="800100">
+            <a:lnSpc>
+              <a:spcPct val="90000"/>
+            </a:lnSpc>
+            <a:spcBef>
+              <a:spcPct val="0"/>
+            </a:spcBef>
+            <a:spcAft>
+              <a:spcPct val="35000"/>
+            </a:spcAft>
+            <a:buNone/>
+          </a:pPr>
+          <a:r>
+            <a:rPr lang="fr-FR" sz="1800" kern="1200">
+              <a:latin typeface="Impact" panose="020B0806030902050204"/>
+              <a:ea typeface="+mn-ea"/>
+              <a:cs typeface="+mn-cs"/>
+            </a:rPr>
+            <a:t>Classe bonus -&gt; </a:t>
+          </a:r>
+          <a:r>
+            <a:rPr lang="fr-FR" sz="1800" b="0" kern="1200">
+              <a:latin typeface="Big Caslon Medium" panose="02000603090000020003" pitchFamily="2" charset="-79"/>
+              <a:ea typeface="Apple Color Emoji" pitchFamily="2" charset="0"/>
+              <a:cs typeface="Big Caslon Medium" panose="02000603090000020003" pitchFamily="2" charset="-79"/>
+            </a:rPr>
+            <a:t>Fournis de manière aléatoire un bonus sur le tour en cours que le joueur peut utiliser ou non.</a:t>
+          </a:r>
+          <a:endParaRPr lang="fr-FR" sz="1800" kern="1200" dirty="0"/>
+        </a:p>
+      </dsp:txBody>
+      <dsp:txXfrm>
+        <a:off x="0" y="3255748"/>
+        <a:ext cx="10793412" cy="650768"/>
+      </dsp:txXfrm>
+    </dsp:sp>
+  </dsp:spTree>
+</dsp:drawing>
+</file>
+
+<file path=ppt/diagrams/layout1.xml><?xml version="1.0" encoding="utf-8"?>
+<dgm:layoutDef xmlns:dgm="http://schemas.openxmlformats.org/drawingml/2006/diagram" xmlns:a="http://schemas.openxmlformats.org/drawingml/2006/main" uniqueId="urn:microsoft.com/office/officeart/2008/layout/LinedList">
+  <dgm:title val=""/>
+  <dgm:desc val=""/>
+  <dgm:catLst>
+    <dgm:cat type="hierarchy" pri="8000"/>
+    <dgm:cat type="list" pri="2500"/>
+  </dgm:catLst>
+  <dgm:sampData>
+    <dgm:dataModel>
+      <dgm:ptLst>
+        <dgm:pt modelId="0" type="doc"/>
+        <dgm:pt modelId="1">
+          <dgm:prSet phldr="1"/>
+        </dgm:pt>
+        <dgm:pt modelId="11">
+          <dgm:prSet phldr="1"/>
+        </dgm:pt>
+        <dgm:pt modelId="12">
+          <dgm:prSet phldr="1"/>
+        </dgm:pt>
+        <dgm:pt modelId="13">
+          <dgm:prSet phldr="1"/>
+        </dgm:pt>
+      </dgm:ptLst>
+      <dgm:cxnLst>
+        <dgm:cxn modelId="2" srcId="0" destId="1" srcOrd="0" destOrd="0"/>
+        <dgm:cxn modelId="3" srcId="1" destId="11" srcOrd="0" destOrd="0"/>
+        <dgm:cxn modelId="4" srcId="1" destId="12" srcOrd="1" destOrd="0"/>
+        <dgm:cxn modelId="5" srcId="1" destId="13" srcOrd="2" destOrd="0"/>
+      </dgm:cxnLst>
+      <dgm:bg/>
+      <dgm:whole/>
+    </dgm:dataModel>
+  </dgm:sampData>
+  <dgm:styleData>
+    <dgm:dataModel>
+      <dgm:ptLst>
+        <dgm:pt modelId="0" type="doc"/>
+        <dgm:pt modelId="1">
+          <dgm:prSet phldr="1"/>
+        </dgm:pt>
+        <dgm:pt modelId="11">
+          <dgm:prSet phldr="1"/>
+        </dgm:pt>
+        <dgm:pt modelId="12">
+          <dgm:prSet phldr="1"/>
+        </dgm:pt>
+      </dgm:ptLst>
+      <dgm:cxnLst>
+        <dgm:cxn modelId="2" srcId="0" destId="1" srcOrd="0" destOrd="0"/>
+        <dgm:cxn modelId="3" srcId="1" destId="11" srcOrd="0" destOrd="0"/>
+        <dgm:cxn modelId="4" srcId="1" destId="12" srcOrd="1" destOrd="0"/>
+      </dgm:cxnLst>
+      <dgm:bg/>
+      <dgm:whole/>
+    </dgm:dataModel>
+  </dgm:styleData>
+  <dgm:clrData>
+    <dgm:dataModel>
+      <dgm:ptLst>
+        <dgm:pt modelId="0" type="doc"/>
+        <dgm:pt modelId="1">
+          <dgm:prSet phldr="1"/>
+        </dgm:pt>
+        <dgm:pt modelId="11">
+          <dgm:prSet phldr="1"/>
+        </dgm:pt>
+        <dgm:pt modelId="12">
+          <dgm:prSet phldr="1"/>
+        </dgm:pt>
+      </dgm:ptLst>
+      <dgm:cxnLst>
+        <dgm:cxn modelId="2" srcId="0" destId="1" srcOrd="0" destOrd="0"/>
+        <dgm:cxn modelId="3" srcId="1" destId="11" srcOrd="0" destOrd="0"/>
+        <dgm:cxn modelId="4" srcId="1" destId="12" srcOrd="1" destOrd="0"/>
+      </dgm:cxnLst>
+      <dgm:bg/>
+      <dgm:whole/>
+    </dgm:dataModel>
+  </dgm:clrData>
+  <dgm:layoutNode name="vert0">
+    <dgm:varLst>
+      <dgm:dir/>
+      <dgm:animOne val="branch"/>
+      <dgm:animLvl val="lvl"/>
+    </dgm:varLst>
+    <dgm:choose name="Name0">
+      <dgm:if name="Name1" func="var" arg="dir" op="equ" val="norm">
+        <dgm:alg type="lin">
+          <dgm:param type="linDir" val="fromT"/>
+          <dgm:param type="nodeHorzAlign" val="l"/>
+        </dgm:alg>
+      </dgm:if>
+      <dgm:else name="Name2">
+        <dgm:alg type="lin">
+          <dgm:param type="linDir" val="fromT"/>
+          <dgm:param type="nodeHorzAlign" val="r"/>
+        </dgm:alg>
+      </dgm:else>
+    </dgm:choose>
+    <dgm:shape xmlns:r="http://schemas.openxmlformats.org/officeDocument/2006/relationships" r:blip="">
+      <dgm:adjLst/>
+    </dgm:shape>
+    <dgm:presOf/>
+    <dgm:constrLst>
+      <dgm:constr type="w" for="ch" forName="horz1" refType="w"/>
+      <dgm:constr type="h" for="ch" forName="horz1" refType="h"/>
+      <dgm:constr type="h" for="des" forName="vert1" refType="h"/>
+      <dgm:constr type="h" for="des" forName="tx1" refType="h"/>
+      <dgm:constr type="h" for="des" forName="horz2" refType="h"/>
+      <dgm:constr type="h" for="des" forName="vert2" refType="h"/>
+      <dgm:constr type="h" for="des" forName="horz3" refType="h"/>
+      <dgm:constr type="h" for="des" forName="vert3" refType="h"/>
+      <dgm:constr type="h" for="des" forName="horz4" refType="h"/>
+      <dgm:constr type="h" for="des" ptType="node" refType="h"/>
+      <dgm:constr type="primFontSz" for="des" forName="tx1" op="equ" val="65"/>
+      <dgm:constr type="primFontSz" for="des" forName="tx2" op="equ" val="65"/>
+      <dgm:constr type="primFontSz" for="des" forName="tx3" op="equ" val="65"/>
+      <dgm:constr type="primFontSz" for="des" forName="tx4" op="equ" val="65"/>
+      <dgm:constr type="w" for="des" forName="thickLine" refType="w"/>
+      <dgm:constr type="h" for="des" forName="thickLine"/>
+      <dgm:constr type="h" for="des" forName="thinLine1"/>
+      <dgm:constr type="h" for="des" forName="thinLine2b"/>
+      <dgm:constr type="h" for="des" forName="thinLine3"/>
+      <dgm:constr type="h" for="des" forName="vertSpace2a" refType="h" fact="0.05"/>
+      <dgm:constr type="h" for="des" forName="vertSpace2b" refType="h" refFor="des" refForName="vertSpace2a"/>
+    </dgm:constrLst>
+    <dgm:forEach name="Name3" axis="ch" ptType="node">
+      <dgm:layoutNode name="thickLine" styleLbl="alignNode1">
+        <dgm:alg type="sp"/>
+        <dgm:shape xmlns:r="http://schemas.openxmlformats.org/officeDocument/2006/relationships" type="line" r:blip="">
+          <dgm:adjLst/>
+        </dgm:shape>
+        <dgm:presOf/>
+      </dgm:layoutNode>
+      <dgm:layoutNode name="horz1">
+        <dgm:choose name="Name4">
+          <dgm:if name="Name5" func="var" arg="dir" op="equ" val="norm">
+            <dgm:alg type="lin">
+              <dgm:param type="linDir" val="fromL"/>
+              <dgm:param type="nodeVertAlign" val="t"/>
+            </dgm:alg>
+          </dgm:if>
+          <dgm:else name="Name6">
+            <dgm:alg type="lin">
+              <dgm:param type="linDir" val="fromR"/>
+              <dgm:param type="nodeVertAlign" val="t"/>
+            </dgm:alg>
+          </dgm:else>
+        </dgm:choose>
+        <dgm:shape xmlns:r="http://schemas.openxmlformats.org/officeDocument/2006/relationships" r:blip="">
+          <dgm:adjLst/>
+        </dgm:shape>
+        <dgm:presOf/>
+        <dgm:choose name="Name7">
+          <dgm:if name="Name8" axis="root des" func="maxDepth" op="equ" val="1">
+            <dgm:constrLst>
+              <dgm:constr type="w" for="ch" forName="tx1" refType="w"/>
+            </dgm:constrLst>
+          </dgm:if>
+          <dgm:if name="Name9" axis="root des" func="maxDepth" op="equ" val="2">
+            <dgm:constrLst>
+              <dgm:constr type="w" for="ch" forName="tx1" refType="w" fact="0.2"/>
+              <dgm:constr type="w" for="des" forName="tx2" refType="w" fact="0.785"/>
+              <dgm:constr type="w" for="des" forName="horzSpace2" refType="w" fact="0.015"/>
+              <dgm:constr type="w" for="des" forName="thinLine2b" refType="w" fact="0.8"/>
+            </dgm:constrLst>
+          </dgm:if>
+          <dgm:if name="Name10" axis="root des" func="maxDepth" op="equ" val="3">
+            <dgm:constrLst>
+              <dgm:constr type="w" for="ch" forName="tx1" refType="w" fact="0.2"/>
+              <dgm:constr type="w" for="des" forName="tx2" refType="w" fact="0.385"/>
+              <dgm:constr type="w" for="des" forName="tx3" refType="w" fact="0.385"/>
+              <dgm:constr type="w" for="des" forName="horzSpace2" refType="w" fact="0.015"/>
+              <dgm:constr type="w" for="des" forName="horzSpace3" refType="w" fact="0.015"/>
+              <dgm:constr type="w" for="des" forName="thinLine2b" refType="w" fact="0.8"/>
+              <dgm:constr type="w" for="des" forName="thinLine3" refType="w" fact="0.385"/>
+            </dgm:constrLst>
+          </dgm:if>
+          <dgm:if name="Name11" axis="root des" func="maxDepth" op="gte" val="4">
+            <dgm:constrLst>
+              <dgm:constr type="w" for="ch" forName="tx1" refType="w" fact="0.2"/>
+              <dgm:constr type="w" for="des" forName="tx2" refType="w" fact="0.2516"/>
+              <dgm:constr type="w" for="des" forName="tx3" refType="w" fact="0.2516"/>
+              <dgm:constr type="w" for="des" forName="tx4" refType="w" fact="0.2516"/>
+              <dgm:constr type="w" for="des" forName="horzSpace2" refType="w" fact="0.015"/>
+              <dgm:constr type="w" for="des" forName="horzSpace3" refType="w" fact="0.015"/>
+              <dgm:constr type="w" for="des" forName="horzSpace4" refType="w" fact="0.015"/>
+              <dgm:constr type="w" for="des" forName="thinLine2b" refType="w" fact="0.8"/>
+              <dgm:constr type="w" for="des" forName="thinLine3" refType="w" fact="0.5332"/>
+            </dgm:constrLst>
+          </dgm:if>
+          <dgm:else name="Name12"/>
+        </dgm:choose>
+        <dgm:layoutNode name="tx1" styleLbl="revTx">
+          <dgm:alg type="tx">
+            <dgm:param type="parTxLTRAlign" val="l"/>
+            <dgm:param type="parTxRTLAlign" val="r"/>
+            <dgm:param type="txAnchorVert" val="t"/>
+          </dgm:alg>
+          <dgm:shape xmlns:r="http://schemas.openxmlformats.org/officeDocument/2006/relationships" type="rect" r:blip="">
+            <dgm:adjLst/>
+          </dgm:shape>
+          <dgm:presOf axis="self"/>
+          <dgm:constrLst>
+            <dgm:constr type="tMarg" refType="primFontSz" fact="0.3"/>
+            <dgm:constr type="bMarg" refType="primFontSz" fact="0.3"/>
+            <dgm:constr type="lMarg" refType="primFontSz" fact="0.3"/>
+            <dgm:constr type="rMarg" refType="primFontSz" fact="0.3"/>
+          </dgm:constrLst>
+          <dgm:ruleLst>
+            <dgm:rule type="primFontSz" val="5" fact="NaN" max="NaN"/>
+          </dgm:ruleLst>
+        </dgm:layoutNode>
+        <dgm:layoutNode name="vert1">
+          <dgm:choose name="Name13">
+            <dgm:if name="Name14" func="var" arg="dir" op="equ" val="norm">
+              <dgm:alg type="lin">
+                <dgm:param type="linDir" val="fromT"/>
+                <dgm:param type="nodeHorzAlign" val="l"/>
+              </dgm:alg>
+            </dgm:if>
+            <dgm:else name="Name15">
+              <dgm:alg type="lin">
+                <dgm:param type="linDir" val="fromT"/>
+                <dgm:param type="nodeHorzAlign" val="r"/>
+              </dgm:alg>
+            </dgm:else>
+          </dgm:choose>
+          <dgm:shape xmlns:r="http://schemas.openxmlformats.org/officeDocument/2006/relationships" r:blip="">
+            <dgm:adjLst/>
+          </dgm:shape>
+          <dgm:presOf/>
+          <dgm:forEach name="Name16" axis="ch" ptType="node">
+            <dgm:choose name="Name17">
+              <dgm:if name="Name18" axis="self" ptType="node" func="pos" op="equ" val="1">
+                <dgm:layoutNode name="vertSpace2a">
+                  <dgm:alg type="sp"/>
+                  <dgm:shape xmlns:r="http://schemas.openxmlformats.org/officeDocument/2006/relationships" r:blip="">
+                    <dgm:adjLst/>
+                  </dgm:shape>
+                  <dgm:presOf/>
+                </dgm:layoutNode>
+              </dgm:if>
+              <dgm:else name="Name19"/>
+            </dgm:choose>
+            <dgm:layoutNode name="horz2">
+              <dgm:choose name="Name20">
+                <dgm:if name="Name21" func="var" arg="dir" op="equ" val="norm">
+                  <dgm:alg type="lin">
+                    <dgm:param type="linDir" val="fromL"/>
+                    <dgm:param type="nodeVertAlign" val="t"/>
+                  </dgm:alg>
+                </dgm:if>
+                <dgm:else name="Name22">
+                  <dgm:alg type="lin">
+                    <dgm:param type="linDir" val="fromR"/>
+                    <dgm:param type="nodeVertAlign" val="t"/>
+                  </dgm:alg>
+                </dgm:else>
+              </dgm:choose>
+              <dgm:shape xmlns:r="http://schemas.openxmlformats.org/officeDocument/2006/relationships" r:blip="">
+                <dgm:adjLst/>
+              </dgm:shape>
+              <dgm:presOf/>
+              <dgm:layoutNode name="horzSpace2">
+                <dgm:alg type="sp"/>
+                <dgm:shape xmlns:r="http://schemas.openxmlformats.org/officeDocument/2006/relationships" r:blip="">
+                  <dgm:adjLst/>
+                </dgm:shape>
+                <dgm:presOf/>
+              </dgm:layoutNode>
+              <dgm:layoutNode name="tx2" styleLbl="revTx">
+                <dgm:alg type="tx">
+                  <dgm:param type="parTxLTRAlign" val="l"/>
+                  <dgm:param type="parTxRTLAlign" val="r"/>
+                  <dgm:param type="txAnchorVert" val="t"/>
+                </dgm:alg>
+                <dgm:shape xmlns:r="http://schemas.openxmlformats.org/officeDocument/2006/relationships" type="rect" r:blip="">
+                  <dgm:adjLst/>
+                </dgm:shape>
+                <dgm:presOf axis="self"/>
+                <dgm:constrLst>
+                  <dgm:constr type="tMarg" refType="primFontSz" fact="0.3"/>
+                  <dgm:constr type="bMarg" refType="primFontSz" fact="0.3"/>
+                  <dgm:constr type="lMarg" refType="primFontSz" fact="0.3"/>
+                  <dgm:constr type="rMarg" refType="primFontSz" fact="0.3"/>
+                </dgm:constrLst>
+                <dgm:ruleLst>
+                  <dgm:rule type="primFontSz" val="5" fact="NaN" max="NaN"/>
+                </dgm:ruleLst>
+              </dgm:layoutNode>
+              <dgm:layoutNode name="vert2">
+                <dgm:choose name="Name23">
+                  <dgm:if name="Name24" func="var" arg="dir" op="equ" val="norm">
+                    <dgm:alg type="lin">
+                      <dgm:param type="linDir" val="fromT"/>
+                      <dgm:param type="nodeHorzAlign" val="l"/>
+                    </dgm:alg>
+                  </dgm:if>
+                  <dgm:else name="Name25">
+                    <dgm:alg type="lin">
+                      <dgm:param type="linDir" val="fromT"/>
+                      <dgm:param type="nodeHorzAlign" val="r"/>
+                    </dgm:alg>
+                  </dgm:else>
+                </dgm:choose>
+                <dgm:shape xmlns:r="http://schemas.openxmlformats.org/officeDocument/2006/relationships" r:blip="">
+                  <dgm:adjLst/>
+                </dgm:shape>
+                <dgm:presOf/>
+                <dgm:forEach name="Name26" axis="ch" ptType="node">
+                  <dgm:layoutNode name="horz3">
+                    <dgm:choose name="Name27">
+                      <dgm:if name="Name28" func="var" arg="dir" op="equ" val="norm">
+                        <dgm:alg type="lin">
+                          <dgm:param type="linDir" val="fromL"/>
+                          <dgm:param type="nodeVertAlign" val="t"/>
+                        </dgm:alg>
+                      </dgm:if>
+                      <dgm:else name="Name29">
+                        <dgm:alg type="lin">
+                          <dgm:param type="linDir" val="fromR"/>
+                          <dgm:param type="nodeVertAlign" val="t"/>
+                        </dgm:alg>
+                      </dgm:else>
+                    </dgm:choose>
+                    <dgm:shape xmlns:r="http://schemas.openxmlformats.org/officeDocument/2006/relationships" r:blip="">
+                      <dgm:adjLst/>
+                    </dgm:shape>
+                    <dgm:presOf/>
+                    <dgm:layoutNode name="horzSpace3">
+                      <dgm:alg type="sp"/>
+                      <dgm:shape xmlns:r="http://schemas.openxmlformats.org/officeDocument/2006/relationships" r:blip="">
+                        <dgm:adjLst/>
+                      </dgm:shape>
+                      <dgm:presOf/>
+                    </dgm:layoutNode>
+                    <dgm:layoutNode name="tx3" styleLbl="revTx">
+                      <dgm:alg type="tx">
+                        <dgm:param type="parTxLTRAlign" val="l"/>
+                        <dgm:param type="parTxRTLAlign" val="r"/>
+                        <dgm:param type="txAnchorVert" val="t"/>
+                      </dgm:alg>
+                      <dgm:shape xmlns:r="http://schemas.openxmlformats.org/officeDocument/2006/relationships" type="rect" r:blip="">
+                        <dgm:adjLst/>
+                      </dgm:shape>
+                      <dgm:presOf axis="self"/>
+                      <dgm:constrLst>
+                        <dgm:constr type="tMarg" refType="primFontSz" fact="0.3"/>
+                        <dgm:constr type="bMarg" refType="primFontSz" fact="0.3"/>
+                        <dgm:constr type="lMarg" refType="primFontSz" fact="0.3"/>
+                        <dgm:constr type="rMarg" refType="primFontSz" fact="0.3"/>
+                      </dgm:constrLst>
+                      <dgm:ruleLst>
+                        <dgm:rule type="primFontSz" val="5" fact="NaN" max="NaN"/>
+                      </dgm:ruleLst>
+                    </dgm:layoutNode>
+                    <dgm:layoutNode name="vert3">
+                      <dgm:choose name="Name30">
+                        <dgm:if name="Name31" func="var" arg="dir" op="equ" val="norm">
+                          <dgm:alg type="lin">
+                            <dgm:param type="linDir" val="fromT"/>
+                            <dgm:param type="nodeHorzAlign" val="l"/>
+                          </dgm:alg>
+                        </dgm:if>
+                        <dgm:else name="Name32">
+                          <dgm:alg type="lin">
+                            <dgm:param type="linDir" val="fromT"/>
+                            <dgm:param type="nodeHorzAlign" val="r"/>
+                          </dgm:alg>
+                        </dgm:else>
+                      </dgm:choose>
+                      <dgm:shape xmlns:r="http://schemas.openxmlformats.org/officeDocument/2006/relationships" r:blip="">
+                        <dgm:adjLst/>
+                      </dgm:shape>
+                      <dgm:presOf/>
+                      <dgm:forEach name="Name33" axis="ch" ptType="node">
+                        <dgm:layoutNode name="horz4">
+                          <dgm:choose name="Name34">
+                            <dgm:if name="Name35" func="var" arg="dir" op="equ" val="norm">
+                              <dgm:alg type="lin">
+                                <dgm:param type="linDir" val="fromL"/>
+                                <dgm:param type="nodeVertAlign" val="t"/>
+                              </dgm:alg>
+                            </dgm:if>
+                            <dgm:else name="Name36">
+                              <dgm:alg type="lin">
+                                <dgm:param type="linDir" val="fromR"/>
+                                <dgm:param type="nodeVertAlign" val="t"/>
+                              </dgm:alg>
+                            </dgm:else>
+                          </dgm:choose>
+                          <dgm:shape xmlns:r="http://schemas.openxmlformats.org/officeDocument/2006/relationships" r:blip="">
+                            <dgm:adjLst/>
+                          </dgm:shape>
+                          <dgm:presOf/>
+                          <dgm:layoutNode name="horzSpace4">
+                            <dgm:alg type="sp"/>
+                            <dgm:shape xmlns:r="http://schemas.openxmlformats.org/officeDocument/2006/relationships" r:blip="">
+                              <dgm:adjLst/>
+                            </dgm:shape>
+                            <dgm:presOf/>
+                          </dgm:layoutNode>
+                          <dgm:layoutNode name="tx4" styleLbl="revTx">
+                            <dgm:varLst>
+                              <dgm:bulletEnabled val="1"/>
+                            </dgm:varLst>
+                            <dgm:alg type="tx">
+                              <dgm:param type="parTxLTRAlign" val="l"/>
+                              <dgm:param type="parTxRTLAlign" val="r"/>
+                              <dgm:param type="txAnchorVert" val="t"/>
+                            </dgm:alg>
+                            <dgm:shape xmlns:r="http://schemas.openxmlformats.org/officeDocument/2006/relationships" type="rect" r:blip="">
+                              <dgm:adjLst/>
+                            </dgm:shape>
+                            <dgm:presOf axis="desOrSelf" ptType="node"/>
+                            <dgm:constrLst>
+                              <dgm:constr type="tMarg" refType="primFontSz" fact="0.3"/>
+                              <dgm:constr type="bMarg" refType="primFontSz" fact="0.3"/>
+                              <dgm:constr type="lMarg" refType="primFontSz" fact="0.3"/>
+                              <dgm:constr type="rMarg" refType="primFontSz" fact="0.3"/>
+                            </dgm:constrLst>
+                            <dgm:ruleLst>
+                              <dgm:rule type="primFontSz" val="5" fact="NaN" max="NaN"/>
+                            </dgm:ruleLst>
+                          </dgm:layoutNode>
+                        </dgm:layoutNode>
+                      </dgm:forEach>
+                    </dgm:layoutNode>
+                  </dgm:layoutNode>
+                  <dgm:forEach name="Name37" axis="followSib" ptType="sibTrans" cnt="1">
+                    <dgm:layoutNode name="thinLine3" styleLbl="callout">
+                      <dgm:alg type="sp"/>
+                      <dgm:shape xmlns:r="http://schemas.openxmlformats.org/officeDocument/2006/relationships" type="line" r:blip="">
+                        <dgm:adjLst/>
+                      </dgm:shape>
+                      <dgm:presOf/>
+                    </dgm:layoutNode>
+                  </dgm:forEach>
+                </dgm:forEach>
+              </dgm:layoutNode>
+            </dgm:layoutNode>
+            <dgm:layoutNode name="thinLine2b" styleLbl="callout">
+              <dgm:alg type="sp"/>
+              <dgm:shape xmlns:r="http://schemas.openxmlformats.org/officeDocument/2006/relationships" type="line" r:blip="">
+                <dgm:adjLst/>
+              </dgm:shape>
+              <dgm:presOf/>
+            </dgm:layoutNode>
+            <dgm:layoutNode name="vertSpace2b">
+              <dgm:alg type="sp"/>
+              <dgm:shape xmlns:r="http://schemas.openxmlformats.org/officeDocument/2006/relationships" r:blip="">
+                <dgm:adjLst/>
+              </dgm:shape>
+              <dgm:presOf/>
+            </dgm:layoutNode>
+          </dgm:forEach>
+        </dgm:layoutNode>
+      </dgm:layoutNode>
+    </dgm:forEach>
+  </dgm:layoutNode>
+</dgm:layoutDef>
+</file>
+
+<file path=ppt/diagrams/quickStyle1.xml><?xml version="1.0" encoding="utf-8"?>
+<dgm:styleDef xmlns:dgm="http://schemas.openxmlformats.org/drawingml/2006/diagram" xmlns:a="http://schemas.openxmlformats.org/drawingml/2006/main" uniqueId="urn:microsoft.com/office/officeart/2005/8/quickstyle/simple4">
+  <dgm:title val=""/>
+  <dgm:desc val=""/>
+  <dgm:catLst>
+    <dgm:cat type="simple" pri="10400"/>
+  </dgm:catLst>
+  <dgm:scene3d>
+    <a:camera prst="orthographicFront"/>
+    <a:lightRig rig="threePt" dir="t"/>
+  </dgm:scene3d>
+  <dgm:styleLbl name="node0">
+    <dgm:scene3d>
+      <a:camera prst="orthographicFront"/>
+      <a:lightRig rig="threePt" dir="t"/>
+    </dgm:scene3d>
+    <dgm:sp3d/>
+    <dgm:txPr/>
+    <dgm:style>
+      <a:lnRef idx="0">
+        <a:scrgbClr r="0" g="0" b="0"/>
+      </a:lnRef>
+      <a:fillRef idx="3">
+        <a:scrgbClr r="0" g="0" b="0"/>
+      </a:fillRef>
+      <a:effectRef idx="2">
+        <a:scrgbClr r="0" g="0" b="0"/>
+      </a:effectRef>
+      <a:fontRef idx="minor">
+        <a:schemeClr val="lt1"/>
+      </a:fontRef>
+    </dgm:style>
+  </dgm:styleLbl>
+  <dgm:styleLbl name="lnNode1">
+    <dgm:scene3d>
+      <a:camera prst="orthographicFront"/>
+      <a:lightRig rig="threePt" dir="t"/>
+    </dgm:scene3d>
+    <dgm:sp3d/>
+    <dgm:txPr/>
+    <dgm:style>
+      <a:lnRef idx="1">
+        <a:scrgbClr r="0" g="0" b="0"/>
+      </a:lnRef>
+      <a:fillRef idx="3">
+        <a:scrgbClr r="0" g="0" b="0"/>
+      </a:fillRef>
+      <a:effectRef idx="2">
+        <a:scrgbClr r="0" g="0" b="0"/>
+      </a:effectRef>
+      <a:fontRef idx="minor">
+        <a:schemeClr val="lt1"/>
+      </a:fontRef>
+    </dgm:style>
+  </dgm:styleLbl>
+  <dgm:styleLbl name="vennNode1">
+    <dgm:scene3d>
+      <a:camera prst="orthographicFront"/>
+      <a:lightRig rig="threePt" dir="t"/>
+    </dgm:scene3d>
+    <dgm:sp3d/>
+    <dgm:txPr/>
+    <dgm:style>
+      <a:lnRef idx="0">
+        <a:scrgbClr r="0" g="0" b="0"/>
+      </a:lnRef>
+      <a:fillRef idx="3">
+        <a:scrgbClr r="0" g="0" b="0"/>
+      </a:fillRef>
+      <a:effectRef idx="0">
+        <a:scrgbClr r="0" g="0" b="0"/>
+      </a:effectRef>
+      <a:fontRef idx="minor">
+        <a:schemeClr val="tx1"/>
+      </a:fontRef>
+    </dgm:style>
+  </dgm:styleLbl>
+  <dgm:styleLbl name="alignNode1">
+    <dgm:scene3d>
+      <a:camera prst="orthographicFront"/>
+      <a:lightRig rig="threePt" dir="t"/>
+    </dgm:scene3d>
+    <dgm:sp3d/>
+    <dgm:txPr/>
+    <dgm:style>
+      <a:lnRef idx="1">
+        <a:scrgbClr r="0" g="0" b="0"/>
+      </a:lnRef>
+      <a:fillRef idx="3">
+        <a:scrgbClr r="0" g="0" b="0"/>
+      </a:fillRef>
+      <a:effectRef idx="2">
+        <a:scrgbClr r="0" g="0" b="0"/>
+      </a:effectRef>
+      <a:fontRef idx="minor">
+        <a:schemeClr val="lt1"/>
+      </a:fontRef>
+    </dgm:style>
+  </dgm:styleLbl>
+  <dgm:styleLbl name="node1">
+    <dgm:scene3d>
+      <a:camera prst="orthographicFront"/>
+      <a:lightRig rig="threePt" dir="t"/>
+    </dgm:scene3d>
+    <dgm:sp3d/>
+    <dgm:txPr/>
+    <dgm:style>
+      <a:lnRef idx="0">
+        <a:scrgbClr r="0" g="0" b="0"/>
+      </a:lnRef>
+      <a:fillRef idx="3">
+        <a:scrgbClr r="0" g="0" b="0"/>
+      </a:fillRef>
+      <a:effectRef idx="2">
+        <a:scrgbClr r="0" g="0" b="0"/>
+      </a:effectRef>
+      <a:fontRef idx="minor">
+        <a:schemeClr val="lt1"/>
+      </a:fontRef>
+    </dgm:style>
+  </dgm:styleLbl>
+  <dgm:styleLbl name="node2">
+    <dgm:scene3d>
+      <a:camera prst="orthographicFront"/>
+      <a:lightRig rig="threePt" dir="t"/>
+    </dgm:scene3d>
+    <dgm:sp3d/>
+    <dgm:txPr/>
+    <dgm:style>
+      <a:lnRef idx="0">
+        <a:scrgbClr r="0" g="0" b="0"/>
+      </a:lnRef>
+      <a:fillRef idx="3">
+        <a:scrgbClr r="0" g="0" b="0"/>
+      </a:fillRef>
+      <a:effectRef idx="2">
+        <a:scrgbClr r="0" g="0" b="0"/>
+      </a:effectRef>
+      <a:fontRef idx="minor">
+        <a:schemeClr val="lt1"/>
+      </a:fontRef>
+    </dgm:style>
+  </dgm:styleLbl>
+  <dgm:styleLbl name="node3">
+    <dgm:scene3d>
+      <a:camera prst="orthographicFront"/>
+      <a:lightRig rig="threePt" dir="t"/>
+    </dgm:scene3d>
+    <dgm:sp3d/>
+    <dgm:txPr/>
+    <dgm:style>
+      <a:lnRef idx="0">
+        <a:scrgbClr r="0" g="0" b="0"/>
+      </a:lnRef>
+      <a:fillRef idx="3">
+        <a:scrgbClr r="0" g="0" b="0"/>
+      </a:fillRef>
+      <a:effectRef idx="2">
+        <a:scrgbClr r="0" g="0" b="0"/>
+      </a:effectRef>
+      <a:fontRef idx="minor">
+        <a:schemeClr val="lt1"/>
+      </a:fontRef>
+    </dgm:style>
+  </dgm:styleLbl>
+  <dgm:styleLbl name="node4">
+    <dgm:scene3d>
+      <a:camera prst="orthographicFront"/>
+      <a:lightRig rig="threePt" dir="t"/>
+    </dgm:scene3d>
+    <dgm:sp3d/>
+    <dgm:txPr/>
+    <dgm:style>
+      <a:lnRef idx="0">
+        <a:scrgbClr r="0" g="0" b="0"/>
+      </a:lnRef>
+      <a:fillRef idx="3">
+        <a:scrgbClr r="0" g="0" b="0"/>
+      </a:fillRef>
+      <a:effectRef idx="2">
+        <a:scrgbClr r="0" g="0" b="0"/>
+      </a:effectRef>
+      <a:fontRef idx="minor">
+        <a:schemeClr val="lt1"/>
+      </a:fontRef>
+    </dgm:style>
+  </dgm:styleLbl>
+  <dgm:styleLbl name="fgImgPlace1">
+    <dgm:scene3d>
+      <a:camera prst="orthographicFront"/>
+      <a:lightRig rig="threePt" dir="t"/>
+    </dgm:scene3d>
+    <dgm:sp3d/>
+    <dgm:txPr/>
+    <dgm:style>
+      <a:lnRef idx="0">
+        <a:scrgbClr r="0" g="0" b="0"/>
+      </a:lnRef>
+      <a:fillRef idx="1">
+        <a:scrgbClr r="0" g="0" b="0"/>
+      </a:fillRef>
+      <a:effectRef idx="2">
+        <a:scrgbClr r="0" g="0" b="0"/>
+      </a:effectRef>
+      <a:fontRef idx="minor"/>
+    </dgm:style>
+  </dgm:styleLbl>
+  <dgm:styleLbl name="alignImgPlace1">
+    <dgm:scene3d>
+      <a:camera prst="orthographicFront"/>
+      <a:lightRig rig="threePt" dir="t"/>
+    </dgm:scene3d>
+    <dgm:sp3d/>
+    <dgm:txPr/>
+    <dgm:style>
+      <a:lnRef idx="0">
+        <a:scrgbClr r="0" g="0" b="0"/>
+      </a:lnRef>
+      <a:fillRef idx="1">
+        <a:scrgbClr r="0" g="0" b="0"/>
+      </a:fillRef>
+      <a:effectRef idx="2">
+        <a:scrgbClr r="0" g="0" b="0"/>
+      </a:effectRef>
+      <a:fontRef idx="minor"/>
+    </dgm:style>
+  </dgm:styleLbl>
+  <dgm:styleLbl name="bgImgPlace1">
+    <dgm:scene3d>
+      <a:camera prst="orthographicFront"/>
+      <a:lightRig rig="threePt" dir="t"/>
+    </dgm:scene3d>
+    <dgm:sp3d/>
+    <dgm:txPr/>
+    <dgm:style>
+      <a:lnRef idx="0">
+        <a:scrgbClr r="0" g="0" b="0"/>
+      </a:lnRef>
+      <a:fillRef idx="1">
+        <a:scrgbClr r="0" g="0" b="0"/>
+      </a:fillRef>
+      <a:effectRef idx="2">
+        <a:scrgbClr r="0" g="0" b="0"/>
+      </a:effectRef>
+      <a:fontRef idx="minor"/>
+    </dgm:style>
+  </dgm:styleLbl>
+  <dgm:styleLbl name="sibTrans2D1">
+    <dgm:scene3d>
+      <a:camera prst="orthographicFront"/>
+      <a:lightRig rig="threePt" dir="t"/>
+    </dgm:scene3d>
+    <dgm:sp3d/>
+    <dgm:txPr/>
+    <dgm:style>
+      <a:lnRef idx="0">
+        <a:scrgbClr r="0" g="0" b="0"/>
+      </a:lnRef>
+      <a:fillRef idx="3">
+        <a:scrgbClr r="0" g="0" b="0"/>
+      </a:fillRef>
+      <a:effectRef idx="2">
+        <a:scrgbClr r="0" g="0" b="0"/>
+      </a:effectRef>
+      <a:fontRef idx="minor">
+        <a:schemeClr val="lt1"/>
+      </a:fontRef>
+    </dgm:style>
+  </dgm:styleLbl>
+  <dgm:styleLbl name="fgSibTrans2D1">
+    <dgm:scene3d>
+      <a:camera prst="orthographicFront"/>
+      <a:lightRig rig="threePt" dir="t"/>
+    </dgm:scene3d>
+    <dgm:sp3d/>
+    <dgm:txPr/>
+    <dgm:style>
+      <a:lnRef idx="0">
+        <a:scrgbClr r="0" g="0" b="0"/>
+      </a:lnRef>
+      <a:fillRef idx="3">
+        <a:scrgbClr r="0" g="0" b="0"/>
+      </a:fillRef>
+      <a:effectRef idx="2">
+        <a:scrgbClr r="0" g="0" b="0"/>
+      </a:effectRef>
+      <a:fontRef idx="minor">
+        <a:schemeClr val="lt1"/>
+      </a:fontRef>
+    </dgm:style>
+  </dgm:styleLbl>
+  <dgm:styleLbl name="bgSibTrans2D1">
+    <dgm:scene3d>
+      <a:camera prst="orthographicFront"/>
+      <a:lightRig rig="threePt" dir="t"/>
+    </dgm:scene3d>
+    <dgm:sp3d/>
+    <dgm:txPr/>
+    <dgm:style>
+      <a:lnRef idx="0">
+        <a:scrgbClr r="0" g="0" b="0"/>
+      </a:lnRef>
+      <a:fillRef idx="3">
+        <a:scrgbClr r="0" g="0" b="0"/>
+      </a:fillRef>
+      <a:effectRef idx="2">
+        <a:scrgbClr r="0" g="0" b="0"/>
+      </a:effectRef>
+      <a:fontRef idx="minor">
+        <a:schemeClr val="lt1"/>
+      </a:fontRef>
+    </dgm:style>
+  </dgm:styleLbl>
+  <dgm:styleLbl name="sibTrans1D1">
+    <dgm:scene3d>
+      <a:camera prst="orthographicFront"/>
+      <a:lightRig rig="threePt" dir="t"/>
+    </dgm:scene3d>
+    <dgm:sp3d/>
+    <dgm:txPr/>
+    <dgm:style>
+      <a:lnRef idx="1">
+        <a:scrgbClr r="0" g="0" b="0"/>
+      </a:lnRef>
+      <a:fillRef idx="0">
+        <a:scrgbClr r="0" g="0" b="0"/>
+      </a:fillRef>
+      <a:effectRef idx="0">
+        <a:scrgbClr r="0" g="0" b="0"/>
+      </a:effectRef>
+      <a:fontRef idx="minor"/>
+    </dgm:style>
+  </dgm:styleLbl>
+  <dgm:styleLbl name="callout">
+    <dgm:scene3d>
+      <a:camera prst="orthographicFront"/>
+      <a:lightRig rig="threePt" dir="t"/>
+    </dgm:scene3d>
+    <dgm:sp3d/>
+    <dgm:txPr/>
+    <dgm:style>
+      <a:lnRef idx="2">
+        <a:scrgbClr r="0" g="0" b="0"/>
+      </a:lnRef>
+      <a:fillRef idx="1">
+        <a:scrgbClr r="0" g="0" b="0"/>
+      </a:fillRef>
+      <a:effectRef idx="1">
+        <a:scrgbClr r="0" g="0" b="0"/>
+      </a:effectRef>
+      <a:fontRef idx="minor"/>
+    </dgm:style>
+  </dgm:styleLbl>
+  <dgm:styleLbl name="asst0">
+    <dgm:scene3d>
+      <a:camera prst="orthographicFront"/>
+      <a:lightRig rig="threePt" dir="t"/>
+    </dgm:scene3d>
+    <dgm:sp3d/>
+    <dgm:txPr/>
+    <dgm:style>
+      <a:lnRef idx="0">
+        <a:scrgbClr r="0" g="0" b="0"/>
+      </a:lnRef>
+      <a:fillRef idx="3">
+        <a:scrgbClr r="0" g="0" b="0"/>
+      </a:fillRef>
+      <a:effectRef idx="2">
+        <a:scrgbClr r="0" g="0" b="0"/>
+      </a:effectRef>
+      <a:fontRef idx="minor">
+        <a:schemeClr val="lt1"/>
+      </a:fontRef>
+    </dgm:style>
+  </dgm:styleLbl>
+  <dgm:styleLbl name="asst1">
+    <dgm:scene3d>
+      <a:camera prst="orthographicFront"/>
+      <a:lightRig rig="threePt" dir="t"/>
+    </dgm:scene3d>
+    <dgm:sp3d/>
+    <dgm:txPr/>
+    <dgm:style>
+      <a:lnRef idx="0">
+        <a:scrgbClr r="0" g="0" b="0"/>
+      </a:lnRef>
+      <a:fillRef idx="3">
+        <a:scrgbClr r="0" g="0" b="0"/>
+      </a:fillRef>
+      <a:effectRef idx="2">
+        <a:scrgbClr r="0" g="0" b="0"/>
+      </a:effectRef>
+      <a:fontRef idx="minor">
+        <a:schemeClr val="lt1"/>
+      </a:fontRef>
+    </dgm:style>
+  </dgm:styleLbl>
+  <dgm:styleLbl name="asst2">
+    <dgm:scene3d>
+      <a:camera prst="orthographicFront"/>
+      <a:lightRig rig="threePt" dir="t"/>
+    </dgm:scene3d>
+    <dgm:sp3d/>
+    <dgm:txPr/>
+    <dgm:style>
+      <a:lnRef idx="0">
+        <a:scrgbClr r="0" g="0" b="0"/>
+      </a:lnRef>
+      <a:fillRef idx="3">
+        <a:scrgbClr r="0" g="0" b="0"/>
+      </a:fillRef>
+      <a:effectRef idx="2">
+        <a:scrgbClr r="0" g="0" b="0"/>
+      </a:effectRef>
+      <a:fontRef idx="minor">
+        <a:schemeClr val="lt1"/>
+      </a:fontRef>
+    </dgm:style>
+  </dgm:styleLbl>
+  <dgm:styleLbl name="asst3">
+    <dgm:scene3d>
+      <a:camera prst="orthographicFront"/>
+      <a:lightRig rig="threePt" dir="t"/>
+    </dgm:scene3d>
+    <dgm:sp3d/>
+    <dgm:txPr/>
+    <dgm:style>
+      <a:lnRef idx="0">
+        <a:scrgbClr r="0" g="0" b="0"/>
+      </a:lnRef>
+      <a:fillRef idx="3">
+        <a:scrgbClr r="0" g="0" b="0"/>
+      </a:fillRef>
+      <a:effectRef idx="2">
+        <a:scrgbClr r="0" g="0" b="0"/>
+      </a:effectRef>
+      <a:fontRef idx="minor">
+        <a:schemeClr val="lt1"/>
+      </a:fontRef>
+    </dgm:style>
+  </dgm:styleLbl>
+  <dgm:styleLbl name="asst4">
+    <dgm:scene3d>
+      <a:camera prst="orthographicFront"/>
+      <a:lightRig rig="threePt" dir="t"/>
+    </dgm:scene3d>
+    <dgm:sp3d/>
+    <dgm:txPr/>
+    <dgm:style>
+      <a:lnRef idx="0">
+        <a:scrgbClr r="0" g="0" b="0"/>
+      </a:lnRef>
+      <a:fillRef idx="3">
+        <a:scrgbClr r="0" g="0" b="0"/>
+      </a:fillRef>
+      <a:effectRef idx="2">
+        <a:scrgbClr r="0" g="0" b="0"/>
+      </a:effectRef>
+      <a:fontRef idx="minor">
+        <a:schemeClr val="lt1"/>
+      </a:fontRef>
+    </dgm:style>
+  </dgm:styleLbl>
+  <dgm:styleLbl name="parChTrans2D1">
+    <dgm:scene3d>
+      <a:camera prst="orthographicFront"/>
+      <a:lightRig rig="threePt" dir="t"/>
+    </dgm:scene3d>
+    <dgm:sp3d/>
+    <dgm:txPr/>
+    <dgm:style>
+      <a:lnRef idx="0">
+        <a:scrgbClr r="0" g="0" b="0"/>
+      </a:lnRef>
+      <a:fillRef idx="3">
+        <a:scrgbClr r="0" g="0" b="0"/>
+      </a:fillRef>
+      <a:effectRef idx="2">
+        <a:scrgbClr r="0" g="0" b="0"/>
+      </a:effectRef>
+      <a:fontRef idx="minor">
+        <a:schemeClr val="lt1"/>
+      </a:fontRef>
+    </dgm:style>
+  </dgm:styleLbl>
+  <dgm:styleLbl name="parChTrans2D2">
+    <dgm:scene3d>
+      <a:camera prst="orthographicFront"/>
+      <a:lightRig rig="threePt" dir="t"/>
+    </dgm:scene3d>
+    <dgm:sp3d/>
+    <dgm:txPr/>
+    <dgm:style>
+      <a:lnRef idx="0">
+        <a:scrgbClr r="0" g="0" b="0"/>
+      </a:lnRef>
+      <a:fillRef idx="3">
+        <a:scrgbClr r="0" g="0" b="0"/>
+      </a:fillRef>
+      <a:effectRef idx="2">
+        <a:scrgbClr r="0" g="0" b="0"/>
+      </a:effectRef>
+      <a:fontRef idx="minor">
+        <a:schemeClr val="lt1"/>
+      </a:fontRef>
+    </dgm:style>
+  </dgm:styleLbl>
+  <dgm:styleLbl name="parChTrans2D3">
+    <dgm:scene3d>
+      <a:camera prst="orthographicFront"/>
+      <a:lightRig rig="threePt" dir="t"/>
+    </dgm:scene3d>
+    <dgm:sp3d/>
+    <dgm:txPr/>
+    <dgm:style>
+      <a:lnRef idx="1">
+        <a:scrgbClr r="0" g="0" b="0"/>
+      </a:lnRef>
+      <a:fillRef idx="3">
+        <a:scrgbClr r="0" g="0" b="0"/>
+      </a:fillRef>
+      <a:effectRef idx="2">
+        <a:scrgbClr r="0" g="0" b="0"/>
+      </a:effectRef>
+      <a:fontRef idx="minor">
+        <a:schemeClr val="lt1"/>
+      </a:fontRef>
+    </dgm:style>
+  </dgm:styleLbl>
+  <dgm:styleLbl name="parChTrans2D4">
+    <dgm:scene3d>
+      <a:camera prst="orthographicFront"/>
+      <a:lightRig rig="threePt" dir="t"/>
+    </dgm:scene3d>
+    <dgm:sp3d/>
+    <dgm:txPr/>
+    <dgm:style>
+      <a:lnRef idx="1">
+        <a:scrgbClr r="0" g="0" b="0"/>
+      </a:lnRef>
+      <a:fillRef idx="3">
+        <a:scrgbClr r="0" g="0" b="0"/>
+      </a:fillRef>
+      <a:effectRef idx="2">
+        <a:scrgbClr r="0" g="0" b="0"/>
+      </a:effectRef>
+      <a:fontRef idx="minor">
+        <a:schemeClr val="lt1"/>
+      </a:fontRef>
+    </dgm:style>
+  </dgm:styleLbl>
+  <dgm:styleLbl name="parChTrans1D1">
+    <dgm:scene3d>
+      <a:camera prst="orthographicFront"/>
+      <a:lightRig rig="threePt" dir="t"/>
+    </dgm:scene3d>
+    <dgm:sp3d/>
+    <dgm:txPr/>
+    <dgm:style>
+      <a:lnRef idx="1">
+        <a:scrgbClr r="0" g="0" b="0"/>
+      </a:lnRef>
+      <a:fillRef idx="0">
+        <a:scrgbClr r="0" g="0" b="0"/>
+      </a:fillRef>
+      <a:effectRef idx="0">
+        <a:scrgbClr r="0" g="0" b="0"/>
+      </a:effectRef>
+      <a:fontRef idx="minor"/>
+    </dgm:style>
+  </dgm:styleLbl>
+  <dgm:styleLbl name="parChTrans1D2">
+    <dgm:scene3d>
+      <a:camera prst="orthographicFront"/>
+      <a:lightRig rig="threePt" dir="t"/>
+    </dgm:scene3d>
+    <dgm:sp3d/>
+    <dgm:txPr/>
+    <dgm:style>
+      <a:lnRef idx="1">
+        <a:scrgbClr r="0" g="0" b="0"/>
+      </a:lnRef>
+      <a:fillRef idx="0">
+        <a:scrgbClr r="0" g="0" b="0"/>
+      </a:fillRef>
+      <a:effectRef idx="0">
+        <a:scrgbClr r="0" g="0" b="0"/>
+      </a:effectRef>
+      <a:fontRef idx="minor"/>
+    </dgm:style>
+  </dgm:styleLbl>
+  <dgm:styleLbl name="parChTrans1D3">
+    <dgm:scene3d>
+      <a:camera prst="orthographicFront"/>
+      <a:lightRig rig="threePt" dir="t"/>
+    </dgm:scene3d>
+    <dgm:sp3d/>
+    <dgm:txPr/>
+    <dgm:style>
+      <a:lnRef idx="1">
+        <a:scrgbClr r="0" g="0" b="0"/>
+      </a:lnRef>
+      <a:fillRef idx="0">
+        <a:scrgbClr r="0" g="0" b="0"/>
+      </a:fillRef>
+      <a:effectRef idx="0">
+        <a:scrgbClr r="0" g="0" b="0"/>
+      </a:effectRef>
+      <a:fontRef idx="minor"/>
+    </dgm:style>
+  </dgm:styleLbl>
+  <dgm:styleLbl name="parChTrans1D4">
+    <dgm:scene3d>
+      <a:camera prst="orthographicFront"/>
+      <a:lightRig rig="threePt" dir="t"/>
+    </dgm:scene3d>
+    <dgm:sp3d/>
+    <dgm:txPr/>
+    <dgm:style>
+      <a:lnRef idx="1">
+        <a:scrgbClr r="0" g="0" b="0"/>
+      </a:lnRef>
+      <a:fillRef idx="0">
+        <a:scrgbClr r="0" g="0" b="0"/>
+      </a:fillRef>
+      <a:effectRef idx="0">
+        <a:scrgbClr r="0" g="0" b="0"/>
+      </a:effectRef>
+      <a:fontRef idx="minor"/>
+    </dgm:style>
+  </dgm:styleLbl>
+  <dgm:styleLbl name="fgAcc1">
+    <dgm:scene3d>
+      <a:camera prst="orthographicFront"/>
+      <a:lightRig rig="threePt" dir="t"/>
+    </dgm:scene3d>
+    <dgm:sp3d/>
+    <dgm:txPr/>
+    <dgm:style>
+      <a:lnRef idx="1">
+        <a:scrgbClr r="0" g="0" b="0"/>
+      </a:lnRef>
+      <a:fillRef idx="1">
+        <a:scrgbClr r="0" g="0" b="0"/>
+      </a:fillRef>
+      <a:effectRef idx="0">
+        <a:scrgbClr r="0" g="0" b="0"/>
+      </a:effectRef>
+      <a:fontRef idx="minor"/>
+    </dgm:style>
+  </dgm:styleLbl>
+  <dgm:styleLbl name="conFgAcc1">
+    <dgm:scene3d>
+      <a:camera prst="orthographicFront"/>
+      <a:lightRig rig="threePt" dir="t"/>
+    </dgm:scene3d>
+    <dgm:sp3d/>
+    <dgm:txPr/>
+    <dgm:style>
+      <a:lnRef idx="1">
+        <a:scrgbClr r="0" g="0" b="0"/>
+      </a:lnRef>
+      <a:fillRef idx="1">
+        <a:scrgbClr r="0" g="0" b="0"/>
+      </a:fillRef>
+      <a:effectRef idx="0">
+        <a:scrgbClr r="0" g="0" b="0"/>
+      </a:effectRef>
+      <a:fontRef idx="minor"/>
+    </dgm:style>
+  </dgm:styleLbl>
+  <dgm:styleLbl name="alignAcc1">
+    <dgm:scene3d>
+      <a:camera prst="orthographicFront"/>
+      <a:lightRig rig="threePt" dir="t"/>
+    </dgm:scene3d>
+    <dgm:sp3d/>
+    <dgm:txPr/>
+    <dgm:style>
+      <a:lnRef idx="1">
+        <a:scrgbClr r="0" g="0" b="0"/>
+      </a:lnRef>
+      <a:fillRef idx="1">
+        <a:scrgbClr r="0" g="0" b="0"/>
+      </a:fillRef>
+      <a:effectRef idx="0">
+        <a:scrgbClr r="0" g="0" b="0"/>
+      </a:effectRef>
+      <a:fontRef idx="minor"/>
+    </dgm:style>
+  </dgm:styleLbl>
+  <dgm:styleLbl name="trAlignAcc1">
+    <dgm:scene3d>
+      <a:camera prst="orthographicFront"/>
+      <a:lightRig rig="threePt" dir="t"/>
+    </dgm:scene3d>
+    <dgm:sp3d/>
+    <dgm:txPr/>
+    <dgm:style>
+      <a:lnRef idx="1">
+        <a:scrgbClr r="0" g="0" b="0"/>
+      </a:lnRef>
+      <a:fillRef idx="1">
+        <a:scrgbClr r="0" g="0" b="0"/>
+      </a:fillRef>
+      <a:effectRef idx="0">
+        <a:scrgbClr r="0" g="0" b="0"/>
+      </a:effectRef>
+      <a:fontRef idx="minor"/>
+    </dgm:style>
+  </dgm:styleLbl>
+  <dgm:styleLbl name="bgAcc1">
+    <dgm:scene3d>
+      <a:camera prst="orthographicFront"/>
+      <a:lightRig rig="threePt" dir="t"/>
+    </dgm:scene3d>
+    <dgm:sp3d/>
+    <dgm:txPr/>
+    <dgm:style>
+      <a:lnRef idx="1">
+        <a:scrgbClr r="0" g="0" b="0"/>
+      </a:lnRef>
+      <a:fillRef idx="1">
+        <a:scrgbClr r="0" g="0" b="0"/>
+      </a:fillRef>
+      <a:effectRef idx="0">
+        <a:scrgbClr r="0" g="0" b="0"/>
+      </a:effectRef>
+      <a:fontRef idx="minor"/>
+    </dgm:style>
+  </dgm:styleLbl>
+  <dgm:styleLbl name="solidFgAcc1">
+    <dgm:scene3d>
+      <a:camera prst="orthographicFront"/>
+      <a:lightRig rig="threePt" dir="t"/>
+    </dgm:scene3d>
+    <dgm:sp3d/>
+    <dgm:txPr/>
+    <dgm:style>
+      <a:lnRef idx="1">
+        <a:scrgbClr r="0" g="0" b="0"/>
+      </a:lnRef>
+      <a:fillRef idx="1">
+        <a:scrgbClr r="0" g="0" b="0"/>
+      </a:fillRef>
+      <a:effectRef idx="0">
+        <a:scrgbClr r="0" g="0" b="0"/>
+      </a:effectRef>
+      <a:fontRef idx="minor"/>
+    </dgm:style>
+  </dgm:styleLbl>
+  <dgm:styleLbl name="solidAlignAcc1">
+    <dgm:scene3d>
+      <a:camera prst="orthographicFront"/>
+      <a:lightRig rig="threePt" dir="t"/>
+    </dgm:scene3d>
+    <dgm:sp3d/>
+    <dgm:txPr/>
+    <dgm:style>
+      <a:lnRef idx="1">
+        <a:scrgbClr r="0" g="0" b="0"/>
+      </a:lnRef>
+      <a:fillRef idx="1">
+        <a:scrgbClr r="0" g="0" b="0"/>
+      </a:fillRef>
+      <a:effectRef idx="0">
+        <a:scrgbClr r="0" g="0" b="0"/>
+      </a:effectRef>
+      <a:fontRef idx="minor"/>
+    </dgm:style>
+  </dgm:styleLbl>
+  <dgm:styleLbl name="solidBgAcc1">
+    <dgm:scene3d>
+      <a:camera prst="orthographicFront"/>
+      <a:lightRig rig="threePt" dir="t"/>
+    </dgm:scene3d>
+    <dgm:sp3d/>
+    <dgm:txPr/>
+    <dgm:style>
+      <a:lnRef idx="1">
+        <a:scrgbClr r="0" g="0" b="0"/>
+      </a:lnRef>
+      <a:fillRef idx="1">
+        <a:scrgbClr r="0" g="0" b="0"/>
+      </a:fillRef>
+      <a:effectRef idx="0">
+        <a:scrgbClr r="0" g="0" b="0"/>
+      </a:effectRef>
+      <a:fontRef idx="minor"/>
+    </dgm:style>
+  </dgm:styleLbl>
+  <dgm:styleLbl name="fgAccFollowNode1">
+    <dgm:scene3d>
+      <a:camera prst="orthographicFront"/>
+      <a:lightRig rig="threePt" dir="t"/>
+    </dgm:scene3d>
+    <dgm:sp3d/>
+    <dgm:txPr/>
+    <dgm:style>
+      <a:lnRef idx="1">
+        <a:scrgbClr r="0" g="0" b="0"/>
+      </a:lnRef>
+      <a:fillRef idx="1">
+        <a:scrgbClr r="0" g="0" b="0"/>
+      </a:fillRef>
+      <a:effectRef idx="0">
+        <a:scrgbClr r="0" g="0" b="0"/>
+      </a:effectRef>
+      <a:fontRef idx="minor"/>
+    </dgm:style>
+  </dgm:styleLbl>
+  <dgm:styleLbl name="alignAccFollowNode1">
+    <dgm:scene3d>
+      <a:camera prst="orthographicFront"/>
+      <a:lightRig rig="threePt" dir="t"/>
+    </dgm:scene3d>
+    <dgm:sp3d/>
+    <dgm:txPr/>
+    <dgm:style>
+      <a:lnRef idx="1">
+        <a:scrgbClr r="0" g="0" b="0"/>
+      </a:lnRef>
+      <a:fillRef idx="1">
+        <a:scrgbClr r="0" g="0" b="0"/>
+      </a:fillRef>
+      <a:effectRef idx="0">
+        <a:scrgbClr r="0" g="0" b="0"/>
+      </a:effectRef>
+      <a:fontRef idx="minor"/>
+    </dgm:style>
+  </dgm:styleLbl>
+  <dgm:styleLbl name="bgAccFollowNode1">
+    <dgm:scene3d>
+      <a:camera prst="orthographicFront"/>
+      <a:lightRig rig="threePt" dir="t"/>
+    </dgm:scene3d>
+    <dgm:sp3d/>
+    <dgm:txPr/>
+    <dgm:style>
+      <a:lnRef idx="1">
+        <a:scrgbClr r="0" g="0" b="0"/>
+      </a:lnRef>
+      <a:fillRef idx="1">
+        <a:scrgbClr r="0" g="0" b="0"/>
+      </a:fillRef>
+      <a:effectRef idx="0">
+        <a:scrgbClr r="0" g="0" b="0"/>
+      </a:effectRef>
+      <a:fontRef idx="minor"/>
+    </dgm:style>
+  </dgm:styleLbl>
+  <dgm:styleLbl name="fgAcc0">
+    <dgm:scene3d>
+      <a:camera prst="orthographicFront"/>
+      <a:lightRig rig="threePt" dir="t"/>
+    </dgm:scene3d>
+    <dgm:sp3d/>
+    <dgm:txPr/>
+    <dgm:style>
+      <a:lnRef idx="1">
+        <a:scrgbClr r="0" g="0" b="0"/>
+      </a:lnRef>
+      <a:fillRef idx="1">
+        <a:scrgbClr r="0" g="0" b="0"/>
+      </a:fillRef>
+      <a:effectRef idx="0">
+        <a:scrgbClr r="0" g="0" b="0"/>
+      </a:effectRef>
+      <a:fontRef idx="minor"/>
+    </dgm:style>
+  </dgm:styleLbl>
+  <dgm:styleLbl name="fgAcc2">
+    <dgm:scene3d>
+      <a:camera prst="orthographicFront"/>
+      <a:lightRig rig="threePt" dir="t"/>
+    </dgm:scene3d>
+    <dgm:sp3d/>
+    <dgm:txPr/>
+    <dgm:style>
+      <a:lnRef idx="1">
+        <a:scrgbClr r="0" g="0" b="0"/>
+      </a:lnRef>
+      <a:fillRef idx="1">
+        <a:scrgbClr r="0" g="0" b="0"/>
+      </a:fillRef>
+      <a:effectRef idx="0">
+        <a:scrgbClr r="0" g="0" b="0"/>
+      </a:effectRef>
+      <a:fontRef idx="minor"/>
+    </dgm:style>
+  </dgm:styleLbl>
+  <dgm:styleLbl name="fgAcc3">
+    <dgm:scene3d>
+      <a:camera prst="orthographicFront"/>
+      <a:lightRig rig="threePt" dir="t"/>
+    </dgm:scene3d>
+    <dgm:sp3d/>
+    <dgm:txPr/>
+    <dgm:style>
+      <a:lnRef idx="1">
+        <a:scrgbClr r="0" g="0" b="0"/>
+      </a:lnRef>
+      <a:fillRef idx="1">
+        <a:scrgbClr r="0" g="0" b="0"/>
+      </a:fillRef>
+      <a:effectRef idx="0">
+        <a:scrgbClr r="0" g="0" b="0"/>
+      </a:effectRef>
+      <a:fontRef idx="minor"/>
+    </dgm:style>
+  </dgm:styleLbl>
+  <dgm:styleLbl name="fgAcc4">
+    <dgm:scene3d>
+      <a:camera prst="orthographicFront"/>
+      <a:lightRig rig="threePt" dir="t"/>
+    </dgm:scene3d>
+    <dgm:sp3d/>
+    <dgm:txPr/>
+    <dgm:style>
+      <a:lnRef idx="1">
+        <a:scrgbClr r="0" g="0" b="0"/>
+      </a:lnRef>
+      <a:fillRef idx="1">
+        <a:scrgbClr r="0" g="0" b="0"/>
+      </a:fillRef>
+      <a:effectRef idx="0">
+        <a:scrgbClr r="0" g="0" b="0"/>
+      </a:effectRef>
+      <a:fontRef idx="minor"/>
+    </dgm:style>
+  </dgm:styleLbl>
+  <dgm:styleLbl name="bgShp">
+    <dgm:scene3d>
+      <a:camera prst="orthographicFront"/>
+      <a:lightRig rig="threePt" dir="t"/>
+    </dgm:scene3d>
+    <dgm:sp3d/>
+    <dgm:txPr/>
+    <dgm:style>
+      <a:lnRef idx="0">
+        <a:scrgbClr r="0" g="0" b="0"/>
+      </a:lnRef>
+      <a:fillRef idx="1">
+        <a:scrgbClr r="0" g="0" b="0"/>
+      </a:fillRef>
+      <a:effectRef idx="2">
+        <a:scrgbClr r="0" g="0" b="0"/>
+      </a:effectRef>
+      <a:fontRef idx="minor"/>
+    </dgm:style>
+  </dgm:styleLbl>
+  <dgm:styleLbl name="dkBgShp">
+    <dgm:scene3d>
+      <a:camera prst="orthographicFront"/>
+      <a:lightRig rig="threePt" dir="t"/>
+    </dgm:scene3d>
+    <dgm:sp3d/>
+    <dgm:txPr/>
+    <dgm:style>
+      <a:lnRef idx="0">
+        <a:scrgbClr r="0" g="0" b="0"/>
+      </a:lnRef>
+      <a:fillRef idx="1">
+        <a:scrgbClr r="0" g="0" b="0"/>
+      </a:fillRef>
+      <a:effectRef idx="2">
+        <a:scrgbClr r="0" g="0" b="0"/>
+      </a:effectRef>
+      <a:fontRef idx="minor"/>
+    </dgm:style>
+  </dgm:styleLbl>
+  <dgm:styleLbl name="trBgShp">
+    <dgm:scene3d>
+      <a:camera prst="orthographicFront"/>
+      <a:lightRig rig="threePt" dir="t"/>
+    </dgm:scene3d>
+    <dgm:sp3d/>
+    <dgm:txPr/>
+    <dgm:style>
+      <a:lnRef idx="0">
+        <a:scrgbClr r="0" g="0" b="0"/>
+      </a:lnRef>
+      <a:fillRef idx="1">
+        <a:scrgbClr r="0" g="0" b="0"/>
+      </a:fillRef>
+      <a:effectRef idx="0">
+        <a:scrgbClr r="0" g="0" b="0"/>
+      </a:effectRef>
+      <a:fontRef idx="minor"/>
+    </dgm:style>
+  </dgm:styleLbl>
+  <dgm:styleLbl name="fgShp">
+    <dgm:scene3d>
+      <a:camera prst="orthographicFront"/>
+      <a:lightRig rig="threePt" dir="t"/>
+    </dgm:scene3d>
+    <dgm:sp3d/>
+    <dgm:txPr/>
+    <dgm:style>
+      <a:lnRef idx="0">
+        <a:scrgbClr r="0" g="0" b="0"/>
+      </a:lnRef>
+      <a:fillRef idx="3">
+        <a:scrgbClr r="0" g="0" b="0"/>
+      </a:fillRef>
+      <a:effectRef idx="2">
+        <a:scrgbClr r="0" g="0" b="0"/>
+      </a:effectRef>
+      <a:fontRef idx="minor"/>
+    </dgm:style>
+  </dgm:styleLbl>
+  <dgm:styleLbl name="revTx">
+    <dgm:scene3d>
+      <a:camera prst="orthographicFront"/>
+      <a:lightRig rig="threePt" dir="t"/>
+    </dgm:scene3d>
+    <dgm:sp3d/>
+    <dgm:txPr/>
+    <dgm:style>
+      <a:lnRef idx="0">
+        <a:scrgbClr r="0" g="0" b="0"/>
+      </a:lnRef>
+      <a:fillRef idx="0">
+        <a:scrgbClr r="0" g="0" b="0"/>
+      </a:fillRef>
+      <a:effectRef idx="0">
+        <a:scrgbClr r="0" g="0" b="0"/>
+      </a:effectRef>
+      <a:fontRef idx="minor"/>
+    </dgm:style>
+  </dgm:styleLbl>
+</dgm:styleDef>
 </file>
 
 <file path=ppt/slideLayouts/slideLayout1.xml><?xml version="1.0" encoding="utf-8"?>
@@ -1378,7 +5304,7 @@
           <a:p>
             <a:fld id="{35D442AB-6860-B042-B086-2F1716AA4299}" type="datetimeFigureOut">
               <a:rPr lang="fr-FR" smtClean="0"/>
-              <a:t>16/08/2021</a:t>
+              <a:t>18/08/2021</a:t>
             </a:fld>
             <a:endParaRPr lang="fr-FR"/>
           </a:p>
@@ -1710,7 +5636,7 @@
           <a:p>
             <a:fld id="{35D442AB-6860-B042-B086-2F1716AA4299}" type="datetimeFigureOut">
               <a:rPr lang="fr-FR" smtClean="0"/>
-              <a:t>16/08/2021</a:t>
+              <a:t>18/08/2021</a:t>
             </a:fld>
             <a:endParaRPr lang="fr-FR"/>
           </a:p>
@@ -1906,7 +5832,7 @@
           <a:p>
             <a:fld id="{35D442AB-6860-B042-B086-2F1716AA4299}" type="datetimeFigureOut">
               <a:rPr lang="fr-FR" smtClean="0"/>
-              <a:t>16/08/2021</a:t>
+              <a:t>18/08/2021</a:t>
             </a:fld>
             <a:endParaRPr lang="fr-FR"/>
           </a:p>
@@ -2176,7 +6102,7 @@
           <a:p>
             <a:fld id="{35D442AB-6860-B042-B086-2F1716AA4299}" type="datetimeFigureOut">
               <a:rPr lang="fr-FR" smtClean="0"/>
-              <a:t>16/08/2021</a:t>
+              <a:t>18/08/2021</a:t>
             </a:fld>
             <a:endParaRPr lang="fr-FR"/>
           </a:p>
@@ -2604,7 +6530,7 @@
           <a:p>
             <a:fld id="{35D442AB-6860-B042-B086-2F1716AA4299}" type="datetimeFigureOut">
               <a:rPr lang="fr-FR" smtClean="0"/>
-              <a:t>16/08/2021</a:t>
+              <a:t>18/08/2021</a:t>
             </a:fld>
             <a:endParaRPr lang="fr-FR"/>
           </a:p>
@@ -3154,7 +7080,7 @@
           <a:p>
             <a:fld id="{35D442AB-6860-B042-B086-2F1716AA4299}" type="datetimeFigureOut">
               <a:rPr lang="fr-FR" smtClean="0"/>
-              <a:t>16/08/2021</a:t>
+              <a:t>18/08/2021</a:t>
             </a:fld>
             <a:endParaRPr lang="fr-FR"/>
           </a:p>
@@ -3944,7 +7870,7 @@
           <a:p>
             <a:fld id="{35D442AB-6860-B042-B086-2F1716AA4299}" type="datetimeFigureOut">
               <a:rPr lang="fr-FR" smtClean="0"/>
-              <a:t>16/08/2021</a:t>
+              <a:t>18/08/2021</a:t>
             </a:fld>
             <a:endParaRPr lang="fr-FR"/>
           </a:p>
@@ -4123,7 +8049,7 @@
           <a:p>
             <a:fld id="{35D442AB-6860-B042-B086-2F1716AA4299}" type="datetimeFigureOut">
               <a:rPr lang="fr-FR" smtClean="0"/>
-              <a:t>16/08/2021</a:t>
+              <a:t>18/08/2021</a:t>
             </a:fld>
             <a:endParaRPr lang="fr-FR"/>
           </a:p>
@@ -4307,7 +8233,7 @@
           <a:p>
             <a:fld id="{35D442AB-6860-B042-B086-2F1716AA4299}" type="datetimeFigureOut">
               <a:rPr lang="fr-FR" smtClean="0"/>
-              <a:t>16/08/2021</a:t>
+              <a:t>18/08/2021</a:t>
             </a:fld>
             <a:endParaRPr lang="fr-FR"/>
           </a:p>
@@ -4477,7 +8403,7 @@
           <a:p>
             <a:fld id="{35D442AB-6860-B042-B086-2F1716AA4299}" type="datetimeFigureOut">
               <a:rPr lang="fr-FR" smtClean="0"/>
-              <a:t>16/08/2021</a:t>
+              <a:t>18/08/2021</a:t>
             </a:fld>
             <a:endParaRPr lang="fr-FR"/>
           </a:p>
@@ -4652,7 +8578,7 @@
           <a:p>
             <a:fld id="{35D442AB-6860-B042-B086-2F1716AA4299}" type="datetimeFigureOut">
               <a:rPr lang="fr-FR" smtClean="0"/>
-              <a:t>16/08/2021</a:t>
+              <a:t>18/08/2021</a:t>
             </a:fld>
             <a:endParaRPr lang="fr-FR"/>
           </a:p>
@@ -4902,7 +8828,7 @@
           <a:p>
             <a:fld id="{35D442AB-6860-B042-B086-2F1716AA4299}" type="datetimeFigureOut">
               <a:rPr lang="fr-FR" smtClean="0"/>
-              <a:t>16/08/2021</a:t>
+              <a:t>18/08/2021</a:t>
             </a:fld>
             <a:endParaRPr lang="fr-FR"/>
           </a:p>
@@ -5139,7 +9065,7 @@
           <a:p>
             <a:fld id="{35D442AB-6860-B042-B086-2F1716AA4299}" type="datetimeFigureOut">
               <a:rPr lang="fr-FR" smtClean="0"/>
-              <a:t>16/08/2021</a:t>
+              <a:t>18/08/2021</a:t>
             </a:fld>
             <a:endParaRPr lang="fr-FR"/>
           </a:p>
@@ -5524,7 +9450,7 @@
           <a:p>
             <a:fld id="{35D442AB-6860-B042-B086-2F1716AA4299}" type="datetimeFigureOut">
               <a:rPr lang="fr-FR" smtClean="0"/>
-              <a:t>16/08/2021</a:t>
+              <a:t>18/08/2021</a:t>
             </a:fld>
             <a:endParaRPr lang="fr-FR"/>
           </a:p>
@@ -5642,7 +9568,7 @@
           <a:p>
             <a:fld id="{35D442AB-6860-B042-B086-2F1716AA4299}" type="datetimeFigureOut">
               <a:rPr lang="fr-FR" smtClean="0"/>
-              <a:t>16/08/2021</a:t>
+              <a:t>18/08/2021</a:t>
             </a:fld>
             <a:endParaRPr lang="fr-FR"/>
           </a:p>
@@ -5737,7 +9663,7 @@
           <a:p>
             <a:fld id="{35D442AB-6860-B042-B086-2F1716AA4299}" type="datetimeFigureOut">
               <a:rPr lang="fr-FR" smtClean="0"/>
-              <a:t>16/08/2021</a:t>
+              <a:t>18/08/2021</a:t>
             </a:fld>
             <a:endParaRPr lang="fr-FR"/>
           </a:p>
@@ -5990,7 +9916,7 @@
           <a:p>
             <a:fld id="{35D442AB-6860-B042-B086-2F1716AA4299}" type="datetimeFigureOut">
               <a:rPr lang="fr-FR" smtClean="0"/>
-              <a:t>16/08/2021</a:t>
+              <a:t>18/08/2021</a:t>
             </a:fld>
             <a:endParaRPr lang="fr-FR"/>
           </a:p>
@@ -6259,7 +10185,7 @@
           <a:p>
             <a:fld id="{35D442AB-6860-B042-B086-2F1716AA4299}" type="datetimeFigureOut">
               <a:rPr lang="fr-FR" smtClean="0"/>
-              <a:t>16/08/2021</a:t>
+              <a:t>18/08/2021</a:t>
             </a:fld>
             <a:endParaRPr lang="fr-FR"/>
           </a:p>
@@ -6662,7 +10588,7 @@
           <a:p>
             <a:fld id="{35D442AB-6860-B042-B086-2F1716AA4299}" type="datetimeFigureOut">
               <a:rPr lang="fr-FR" smtClean="0"/>
-              <a:t>16/08/2021</a:t>
+              <a:t>18/08/2021</a:t>
             </a:fld>
             <a:endParaRPr lang="fr-FR"/>
           </a:p>
@@ -7357,7 +11283,7 @@
           <a:lstStyle/>
           <a:p>
             <a:r>
-              <a:rPr lang="fr-FR">
+              <a:rPr lang="fr-FR" dirty="0">
                 <a:latin typeface="Apple Chancery" panose="03020702040506060504" pitchFamily="66" charset="-79"/>
                 <a:ea typeface="Apple Symbols" panose="02000000000000000000" pitchFamily="2" charset="-79"/>
                 <a:cs typeface="Apple Chancery" panose="03020702040506060504" pitchFamily="66" charset="-79"/>
@@ -7920,10 +11846,10 @@
       </p:sp>
       <p:pic>
         <p:nvPicPr>
-          <p:cNvPr id="3" name="Image 2">
+          <p:cNvPr id="4" name="Image 3">
             <a:extLst>
               <a:ext uri="{FF2B5EF4-FFF2-40B4-BE49-F238E27FC236}">
-                <a16:creationId xmlns:a16="http://schemas.microsoft.com/office/drawing/2014/main" id="{5BE19488-34E2-7A47-B04D-78B9F83336BE}"/>
+                <a16:creationId xmlns:a16="http://schemas.microsoft.com/office/drawing/2014/main" id="{55DD903E-8948-D142-9CA6-4660B3EEED1C}"/>
               </a:ext>
             </a:extLst>
           </p:cNvPr>
@@ -7934,13 +11860,13 @@
         </p:nvPicPr>
         <p:blipFill rotWithShape="1">
           <a:blip r:embed="rId2"/>
-          <a:srcRect l="10606" t="10102" r="32691" b="11922"/>
+          <a:srcRect l="12133" t="14279" r="34565" b="13398"/>
           <a:stretch/>
         </p:blipFill>
         <p:spPr>
           <a:xfrm rot="5400000">
-            <a:off x="3111042" y="-1922705"/>
-            <a:ext cx="5711675" cy="10756602"/>
+            <a:off x="3418836" y="-1853790"/>
+            <a:ext cx="5354328" cy="10280824"/>
           </a:xfrm>
           <a:prstGeom prst="rect">
             <a:avLst/>
@@ -7963,6 +11889,27 @@
 <file path=ppt/slides/slide3.xml><?xml version="1.0" encoding="utf-8"?>
 <p:sld xmlns:a="http://schemas.openxmlformats.org/drawingml/2006/main" xmlns:r="http://schemas.openxmlformats.org/officeDocument/2006/relationships" xmlns:p="http://schemas.openxmlformats.org/presentationml/2006/main">
   <p:cSld>
+    <p:bg>
+      <p:bgPr>
+        <a:blipFill>
+          <a:blip r:embed="rId2">
+            <a:duotone>
+              <a:schemeClr val="bg1">
+                <a:shade val="48000"/>
+                <a:satMod val="110000"/>
+                <a:lumMod val="40000"/>
+              </a:schemeClr>
+              <a:schemeClr val="bg1">
+                <a:tint val="90000"/>
+                <a:lumMod val="106000"/>
+              </a:schemeClr>
+            </a:duotone>
+          </a:blip>
+          <a:stretch/>
+        </a:blipFill>
+        <a:effectLst/>
+      </p:bgPr>
+    </p:bg>
     <p:spTree>
       <p:nvGrpSpPr>
         <p:cNvPr id="1" name=""/>
@@ -7977,153 +11924,63 @@
           <a:chExt cx="0" cy="0"/>
         </a:xfrm>
       </p:grpSpPr>
-      <p:sp>
-        <p:nvSpPr>
-          <p:cNvPr id="3" name="Espace réservé du contenu 2">
+      <p:sp useBgFill="1">
+        <p:nvSpPr>
+          <p:cNvPr id="70" name="Rectangle 59">
             <a:extLst>
               <a:ext uri="{FF2B5EF4-FFF2-40B4-BE49-F238E27FC236}">
-                <a16:creationId xmlns:a16="http://schemas.microsoft.com/office/drawing/2014/main" id="{ABE01BE0-2103-7245-97EB-A3083DFAF553}"/>
+                <a16:creationId xmlns:a16="http://schemas.microsoft.com/office/drawing/2014/main" id="{1C4DAAB9-1F6E-44A6-8EBD-11AA857B20AB}"/>
+              </a:ext>
+              <a:ext uri="{C183D7F6-B498-43B3-948B-1728B52AA6E4}">
+                <adec:decorative xmlns:adec="http://schemas.microsoft.com/office/drawing/2017/decorative" val="1"/>
               </a:ext>
             </a:extLst>
           </p:cNvPr>
           <p:cNvSpPr>
-            <a:spLocks noGrp="1"/>
+            <a:spLocks noGrp="1" noRot="1" noChangeAspect="1" noMove="1" noResize="1" noEditPoints="1" noAdjustHandles="1" noChangeArrowheads="1" noChangeShapeType="1" noTextEdit="1"/>
           </p:cNvSpPr>
           <p:nvPr>
-            <p:ph idx="1"/>
+            <p:extLst>
+              <p:ext uri="{386F3935-93C4-4BCD-93E2-E3B085C9AB24}">
+                <p16:designElem xmlns:p16="http://schemas.microsoft.com/office/powerpoint/2015/main" val="1"/>
+              </p:ext>
+            </p:extLst>
           </p:nvPr>
         </p:nvSpPr>
-        <p:spPr/>
+        <p:spPr>
+          <a:xfrm>
+            <a:off x="0" y="0"/>
+            <a:ext cx="12192000" cy="6858000"/>
+          </a:xfrm>
+          <a:prstGeom prst="rect">
+            <a:avLst/>
+          </a:prstGeom>
+          <a:ln>
+            <a:noFill/>
+          </a:ln>
+        </p:spPr>
+        <p:style>
+          <a:lnRef idx="2">
+            <a:schemeClr val="accent1">
+              <a:shade val="50000"/>
+            </a:schemeClr>
+          </a:lnRef>
+          <a:fillRef idx="1">
+            <a:schemeClr val="accent1"/>
+          </a:fillRef>
+          <a:effectRef idx="0">
+            <a:schemeClr val="accent1"/>
+          </a:effectRef>
+          <a:fontRef idx="minor">
+            <a:schemeClr val="lt1"/>
+          </a:fontRef>
+        </p:style>
         <p:txBody>
-          <a:bodyPr>
-            <a:normAutofit lnSpcReduction="10000"/>
-          </a:bodyPr>
+          <a:bodyPr rtlCol="0" anchor="ctr"/>
           <a:lstStyle/>
           <a:p>
-            <a:r>
-              <a:rPr lang="fr-FR" dirty="0"/>
-              <a:t>Classe Main -&gt;</a:t>
-            </a:r>
-            <a:r>
-              <a:rPr lang="fr-FR" dirty="0">
-                <a:latin typeface="Andale Mono" panose="020B0509000000000004" pitchFamily="49" charset="0"/>
-                <a:cs typeface="Al Nile" pitchFamily="2" charset="-78"/>
-              </a:rPr>
-              <a:t>gère le lancement du jeux ou l’arrêt du programme</a:t>
-            </a:r>
-          </a:p>
-          <a:p>
-            <a:r>
-              <a:rPr lang="fr-FR" dirty="0"/>
-              <a:t>Classe </a:t>
-            </a:r>
-            <a:r>
-              <a:rPr lang="fr-FR" dirty="0" err="1"/>
-              <a:t>game</a:t>
-            </a:r>
-            <a:r>
-              <a:rPr lang="fr-FR" dirty="0"/>
-              <a:t> -&gt;</a:t>
-            </a:r>
-            <a:r>
-              <a:rPr lang="fr-FR" dirty="0">
-                <a:latin typeface="Andale Mono" panose="020B0509000000000004" pitchFamily="49" charset="0"/>
-                <a:cs typeface="Al Nile" pitchFamily="2" charset="-78"/>
-              </a:rPr>
-              <a:t>gère le déroulement des différentes partie du jeux</a:t>
-            </a:r>
-          </a:p>
-          <a:p>
-            <a:r>
-              <a:rPr lang="fr-FR" dirty="0"/>
-              <a:t>Classe </a:t>
-            </a:r>
-            <a:r>
-              <a:rPr lang="fr-FR" dirty="0" err="1"/>
-              <a:t>weapon</a:t>
-            </a:r>
-            <a:r>
-              <a:rPr lang="fr-FR" dirty="0"/>
-              <a:t> -&gt;</a:t>
-            </a:r>
-            <a:r>
-              <a:rPr lang="fr-FR" dirty="0">
-                <a:latin typeface="Andale Mono" panose="020B0509000000000004" pitchFamily="49" charset="0"/>
-                <a:cs typeface="Al Nile" pitchFamily="2" charset="-78"/>
-              </a:rPr>
-              <a:t>fournis aux classes qui en héritent un nom et une puissance d’arme.</a:t>
-            </a:r>
-          </a:p>
-          <a:p>
-            <a:r>
-              <a:rPr lang="fr-FR" dirty="0"/>
-              <a:t>Classe </a:t>
-            </a:r>
-            <a:r>
-              <a:rPr lang="fr-FR" dirty="0" err="1"/>
-              <a:t>character</a:t>
-            </a:r>
-            <a:r>
-              <a:rPr lang="fr-FR" dirty="0"/>
-              <a:t> -&gt;</a:t>
-            </a:r>
-            <a:r>
-              <a:rPr lang="fr-FR" dirty="0">
-                <a:latin typeface="Andale Mono" panose="020B0509000000000004" pitchFamily="49" charset="0"/>
-                <a:cs typeface="Al Nile" pitchFamily="2" charset="-78"/>
-              </a:rPr>
-              <a:t> fournis les caractéristiques du personnage(nom, point de vie, point de capacité de soins ainsi qu’une arme.</a:t>
-            </a:r>
-          </a:p>
-          <a:p>
-            <a:r>
-              <a:rPr lang="fr-FR" dirty="0"/>
-              <a:t>Classe </a:t>
-            </a:r>
-            <a:r>
-              <a:rPr lang="fr-FR" dirty="0" err="1"/>
-              <a:t>player</a:t>
-            </a:r>
-            <a:r>
-              <a:rPr lang="fr-FR" dirty="0"/>
-              <a:t> -&gt; </a:t>
-            </a:r>
-            <a:r>
-              <a:rPr lang="fr-FR" dirty="0">
-                <a:latin typeface="Andale Mono" panose="020B0509000000000004" pitchFamily="49" charset="0"/>
-                <a:cs typeface="Al Nile" pitchFamily="2" charset="-78"/>
-              </a:rPr>
-              <a:t>Gère le nombre de personnage dans une équipe ainsi que les actions qu’ils vont effectuer( Attaque, </a:t>
-            </a:r>
-            <a:r>
-              <a:rPr lang="fr-FR">
-                <a:latin typeface="Andale Mono" panose="020B0509000000000004" pitchFamily="49" charset="0"/>
-                <a:cs typeface="Al Nile" pitchFamily="2" charset="-78"/>
-              </a:rPr>
-              <a:t>ou soigner)</a:t>
-            </a:r>
-            <a:endParaRPr lang="fr-FR" dirty="0">
-              <a:latin typeface="Andale Mono" panose="020B0509000000000004" pitchFamily="49" charset="0"/>
-              <a:cs typeface="Al Nile" pitchFamily="2" charset="-78"/>
-            </a:endParaRPr>
-          </a:p>
-          <a:p>
-            <a:endParaRPr lang="fr-FR" dirty="0">
-              <a:latin typeface="Andale Mono" panose="020B0509000000000004" pitchFamily="49" charset="0"/>
-              <a:cs typeface="Al Nile" pitchFamily="2" charset="-78"/>
-            </a:endParaRPr>
-          </a:p>
-          <a:p>
-            <a:endParaRPr lang="fr-FR" dirty="0">
-              <a:latin typeface="Andale Mono" panose="020B0509000000000004" pitchFamily="49" charset="0"/>
-              <a:cs typeface="Al Nile" pitchFamily="2" charset="-78"/>
-            </a:endParaRPr>
-          </a:p>
-          <a:p>
-            <a:endParaRPr lang="fr-FR" dirty="0">
-              <a:latin typeface="Andale Mono" panose="020B0509000000000004" pitchFamily="49" charset="0"/>
-              <a:cs typeface="Al Nile" pitchFamily="2" charset="-78"/>
-            </a:endParaRPr>
+            <a:pPr algn="ctr"/>
+            <a:endParaRPr lang="en-US"/>
           </a:p>
         </p:txBody>
       </p:sp>
@@ -8141,8 +11998,8 @@
         </p:nvSpPr>
         <p:spPr>
           <a:xfrm>
-            <a:off x="2880389" y="117883"/>
-            <a:ext cx="6431221" cy="455101"/>
+            <a:off x="685800" y="685800"/>
+            <a:ext cx="10792837" cy="1151965"/>
           </a:xfrm>
           <a:prstGeom prst="rect">
             <a:avLst/>
@@ -8150,11 +12007,11 @@
         </p:spPr>
         <p:txBody>
           <a:bodyPr vert="horz" lIns="91440" tIns="45720" rIns="91440" bIns="45720" rtlCol="0" anchor="ctr">
-            <a:noAutofit/>
+            <a:normAutofit/>
           </a:bodyPr>
           <a:lstStyle/>
           <a:p>
-            <a:pPr indent="-228600">
+            <a:pPr indent="-228600" defTabSz="914400">
               <a:lnSpc>
                 <a:spcPct val="90000"/>
               </a:lnSpc>
@@ -8164,17 +12021,52 @@
               <a:spcAft>
                 <a:spcPts val="600"/>
               </a:spcAft>
-              <a:buFont typeface="Arial" panose="020B0604020202020204" pitchFamily="34" charset="0"/>
-              <a:buChar char="•"/>
             </a:pPr>
             <a:r>
-              <a:rPr lang="fr-FR" sz="4400" b="1" dirty="0"/>
+              <a:rPr lang="en-US" sz="5400" b="1" cap="all">
+                <a:solidFill>
+                  <a:schemeClr val="accent1"/>
+                </a:solidFill>
+                <a:latin typeface="+mj-lt"/>
+                <a:ea typeface="+mj-ea"/>
+                <a:cs typeface="+mj-cs"/>
+              </a:rPr>
               <a:t>Identification des classes</a:t>
             </a:r>
-            <a:endParaRPr lang="en-US" sz="4400" b="1" dirty="0"/>
           </a:p>
         </p:txBody>
       </p:sp>
+      <p:graphicFrame>
+        <p:nvGraphicFramePr>
+          <p:cNvPr id="48" name="Espace réservé du contenu 2">
+            <a:extLst>
+              <a:ext uri="{FF2B5EF4-FFF2-40B4-BE49-F238E27FC236}">
+                <a16:creationId xmlns:a16="http://schemas.microsoft.com/office/drawing/2014/main" id="{32CAED11-95A3-44D4-95DB-F60988D00265}"/>
+              </a:ext>
+            </a:extLst>
+          </p:cNvPr>
+          <p:cNvGraphicFramePr>
+            <a:graphicFrameLocks noGrp="1"/>
+          </p:cNvGraphicFramePr>
+          <p:nvPr>
+            <p:ph idx="1"/>
+            <p:extLst>
+              <p:ext uri="{D42A27DB-BD31-4B8C-83A1-F6EECF244321}">
+                <p14:modId xmlns:p14="http://schemas.microsoft.com/office/powerpoint/2010/main" val="3129771435"/>
+              </p:ext>
+            </p:extLst>
+          </p:nvPr>
+        </p:nvGraphicFramePr>
+        <p:xfrm>
+          <a:off x="685800" y="2063750"/>
+          <a:ext cx="10793413" cy="3908425"/>
+        </p:xfrm>
+        <a:graphic>
+          <a:graphicData uri="http://schemas.openxmlformats.org/drawingml/2006/diagram">
+            <dgm:relIds xmlns:dgm="http://schemas.openxmlformats.org/drawingml/2006/diagram" xmlns:r="http://schemas.openxmlformats.org/officeDocument/2006/relationships" r:dm="rId3" r:lo="rId4" r:qs="rId5" r:cs="rId6"/>
+          </a:graphicData>
+        </a:graphic>
+      </p:graphicFrame>
     </p:spTree>
     <p:extLst>
       <p:ext uri="{BB962C8B-B14F-4D97-AF65-F5344CB8AC3E}">

--- a/P3_soussand_yoan/P3_02_architecture/P3_02_architecture.pptx
+++ b/P3_soussand_yoan/P3_02_architecture/P3_02_architecture.pptx
@@ -137,8 +137,8 @@
 <pc:chgInfo xmlns:a="http://schemas.openxmlformats.org/drawingml/2006/main" xmlns:r="http://schemas.openxmlformats.org/officeDocument/2006/relationships" xmlns:ac="http://schemas.microsoft.com/office/drawing/2013/main/command" xmlns:pc="http://schemas.microsoft.com/office/powerpoint/2013/main/command">
   <pc:docChgLst>
     <pc:chgData name="Soussand, Yoan" userId="6c304db6-38ce-44e5-ba9b-3778b08966c2" providerId="ADAL" clId="{ED4E84CA-539B-F14D-8B36-AC637F884A74}"/>
-    <pc:docChg chg="undo custSel addSld modSld">
-      <pc:chgData name="Soussand, Yoan" userId="6c304db6-38ce-44e5-ba9b-3778b08966c2" providerId="ADAL" clId="{ED4E84CA-539B-F14D-8B36-AC637F884A74}" dt="2021-08-18T07:38:39.531" v="1312" actId="26606"/>
+    <pc:docChg chg="undo custSel mod addSld modSld modMainMaster">
+      <pc:chgData name="Soussand, Yoan" userId="6c304db6-38ce-44e5-ba9b-3778b08966c2" providerId="ADAL" clId="{ED4E84CA-539B-F14D-8B36-AC637F884A74}" dt="2021-08-18T11:46:26.434" v="1314" actId="33475"/>
       <pc:docMkLst>
         <pc:docMk/>
       </pc:docMkLst>
@@ -1259,6 +1259,21 @@
           </ac:picMkLst>
         </pc:picChg>
       </pc:sldChg>
+      <pc:sldMasterChg chg="addSp mod">
+        <pc:chgData name="Soussand, Yoan" userId="6c304db6-38ce-44e5-ba9b-3778b08966c2" providerId="ADAL" clId="{ED4E84CA-539B-F14D-8B36-AC637F884A74}" dt="2021-08-18T11:46:26.429" v="1313" actId="33475"/>
+        <pc:sldMasterMkLst>
+          <pc:docMk/>
+          <pc:sldMasterMk cId="168012239" sldId="2147484032"/>
+        </pc:sldMasterMkLst>
+        <pc:spChg chg="add">
+          <ac:chgData name="Soussand, Yoan" userId="6c304db6-38ce-44e5-ba9b-3778b08966c2" providerId="ADAL" clId="{ED4E84CA-539B-F14D-8B36-AC637F884A74}" dt="2021-08-18T11:46:26.429" v="1313" actId="33475"/>
+          <ac:spMkLst>
+            <pc:docMk/>
+            <pc:sldMasterMk cId="168012239" sldId="2147484032"/>
+            <ac:spMk id="9" creationId="{F31A6BE7-22C3-4640-8B00-FD807176A885}"/>
+          </ac:spMkLst>
+        </pc:spChg>
+      </pc:sldMasterChg>
     </pc:docChg>
   </pc:docChgLst>
 </pc:chgInfo>
@@ -10672,6 +10687,53 @@
           </a:p>
         </p:txBody>
       </p:sp>
+      <p:sp>
+        <p:nvSpPr>
+          <p:cNvPr id="9" name="ZoneTexte 8">
+            <a:extLst>
+              <a:ext uri="{FF2B5EF4-FFF2-40B4-BE49-F238E27FC236}">
+                <a16:creationId xmlns:a16="http://schemas.microsoft.com/office/drawing/2014/main" id="{F31A6BE7-22C3-4640-8B00-FD807176A885}"/>
+              </a:ext>
+            </a:extLst>
+          </p:cNvPr>
+          <p:cNvSpPr txBox="1"/>
+          <p:nvPr userDrawn="1">
+            <p:extLst>
+              <p:ext uri="{1162E1C5-73C7-4A58-AE30-91384D911F3F}">
+                <p184:classification xmlns:p184="http://schemas.microsoft.com/office/powerpoint/2018/4/main" val="ftr"/>
+              </p:ext>
+            </p:extLst>
+          </p:nvPr>
+        </p:nvSpPr>
+        <p:spPr>
+          <a:xfrm>
+            <a:off x="5093462" y="6705600"/>
+            <a:ext cx="1849438" cy="152400"/>
+          </a:xfrm>
+          <a:prstGeom prst="rect">
+            <a:avLst/>
+          </a:prstGeom>
+        </p:spPr>
+        <p:txBody>
+          <a:bodyPr horzOverflow="overflow" lIns="0" tIns="0" rIns="0" bIns="0">
+            <a:spAutoFit/>
+          </a:bodyPr>
+          <a:lstStyle/>
+          <a:p>
+            <a:pPr algn="ctr"/>
+            <a:r>
+              <a:rPr lang="fr-FR" sz="1000">
+                <a:solidFill>
+                  <a:srgbClr val="D89B2B"/>
+                </a:solidFill>
+                <a:latin typeface="Calibri" panose="020F0502020204030204" pitchFamily="34" charset="0"/>
+                <a:cs typeface="Calibri" panose="020F0502020204030204" pitchFamily="34" charset="0"/>
+              </a:rPr>
+              <a:t>Confidential - Company Proprietary</a:t>
+            </a:r>
+          </a:p>
+        </p:txBody>
+      </p:sp>
     </p:spTree>
     <p:extLst>
       <p:ext uri="{BB962C8B-B14F-4D97-AF65-F5344CB8AC3E}">

--- a/P3_soussand_yoan/P3_02_architecture/P3_02_architecture.pptx
+++ b/P3_soussand_yoan/P3_02_architecture/P3_02_architecture.pptx
@@ -8,6 +8,7 @@
     <p:sldId id="256" r:id="rId2"/>
     <p:sldId id="257" r:id="rId3"/>
     <p:sldId id="258" r:id="rId4"/>
+    <p:sldId id="259" r:id="rId5"/>
   </p:sldIdLst>
   <p:sldSz cx="12192000" cy="6858000"/>
   <p:notesSz cx="6858000" cy="9144000"/>
@@ -128,7 +129,7 @@
 <file path=ppt/revisionInfo.xml><?xml version="1.0" encoding="utf-8"?>
 <p1510:revInfo xmlns:a="http://schemas.openxmlformats.org/drawingml/2006/main" xmlns:r="http://schemas.openxmlformats.org/officeDocument/2006/relationships" xmlns:p1510="http://schemas.microsoft.com/office/powerpoint/2015/10/main">
   <p1510:revLst>
-    <p1510:client id="{ED4E84CA-539B-F14D-8B36-AC637F884A74}" v="196" dt="2021-08-18T07:38:03.850"/>
+    <p1510:client id="{ED4E84CA-539B-F14D-8B36-AC637F884A74}" v="278" dt="2021-08-21T12:17:45.029"/>
   </p1510:revLst>
 </p1510:revInfo>
 </file>
@@ -138,18 +139,18 @@
   <pc:docChgLst>
     <pc:chgData name="Soussand, Yoan" userId="6c304db6-38ce-44e5-ba9b-3778b08966c2" providerId="ADAL" clId="{ED4E84CA-539B-F14D-8B36-AC637F884A74}"/>
     <pc:docChg chg="undo custSel mod addSld modSld modMainMaster">
-      <pc:chgData name="Soussand, Yoan" userId="6c304db6-38ce-44e5-ba9b-3778b08966c2" providerId="ADAL" clId="{ED4E84CA-539B-F14D-8B36-AC637F884A74}" dt="2021-08-18T11:46:26.434" v="1314" actId="33475"/>
+      <pc:chgData name="Soussand, Yoan" userId="6c304db6-38ce-44e5-ba9b-3778b08966c2" providerId="ADAL" clId="{ED4E84CA-539B-F14D-8B36-AC637F884A74}" dt="2021-08-21T12:17:45.029" v="2187"/>
       <pc:docMkLst>
         <pc:docMk/>
       </pc:docMkLst>
       <pc:sldChg chg="addSp delSp modSp mod setBg modAnim setClrOvrMap delDesignElem">
-        <pc:chgData name="Soussand, Yoan" userId="6c304db6-38ce-44e5-ba9b-3778b08966c2" providerId="ADAL" clId="{ED4E84CA-539B-F14D-8B36-AC637F884A74}" dt="2021-08-16T20:50:41.938" v="119" actId="26606"/>
+        <pc:chgData name="Soussand, Yoan" userId="6c304db6-38ce-44e5-ba9b-3778b08966c2" providerId="ADAL" clId="{ED4E84CA-539B-F14D-8B36-AC637F884A74}" dt="2021-08-20T13:12:32.751" v="2027" actId="27636"/>
         <pc:sldMkLst>
           <pc:docMk/>
           <pc:sldMk cId="2226278669" sldId="256"/>
         </pc:sldMkLst>
         <pc:spChg chg="mod">
-          <ac:chgData name="Soussand, Yoan" userId="6c304db6-38ce-44e5-ba9b-3778b08966c2" providerId="ADAL" clId="{ED4E84CA-539B-F14D-8B36-AC637F884A74}" dt="2021-08-16T20:50:41.938" v="119" actId="26606"/>
+          <ac:chgData name="Soussand, Yoan" userId="6c304db6-38ce-44e5-ba9b-3778b08966c2" providerId="ADAL" clId="{ED4E84CA-539B-F14D-8B36-AC637F884A74}" dt="2021-08-20T13:12:32.706" v="2026" actId="26606"/>
           <ac:spMkLst>
             <pc:docMk/>
             <pc:sldMk cId="2226278669" sldId="256"/>
@@ -157,7 +158,7 @@
           </ac:spMkLst>
         </pc:spChg>
         <pc:spChg chg="mod">
-          <ac:chgData name="Soussand, Yoan" userId="6c304db6-38ce-44e5-ba9b-3778b08966c2" providerId="ADAL" clId="{ED4E84CA-539B-F14D-8B36-AC637F884A74}" dt="2021-08-16T20:50:41.938" v="119" actId="26606"/>
+          <ac:chgData name="Soussand, Yoan" userId="6c304db6-38ce-44e5-ba9b-3778b08966c2" providerId="ADAL" clId="{ED4E84CA-539B-F14D-8B36-AC637F884A74}" dt="2021-08-20T13:12:32.751" v="2027" actId="27636"/>
           <ac:spMkLst>
             <pc:docMk/>
             <pc:sldMk cId="2226278669" sldId="256"/>
@@ -188,44 +189,84 @@
             <ac:spMk id="16" creationId="{3A43EBFE-9D7B-4102-912D-F0BF7BE05AC7}"/>
           </ac:spMkLst>
         </pc:spChg>
-        <pc:spChg chg="add">
-          <ac:chgData name="Soussand, Yoan" userId="6c304db6-38ce-44e5-ba9b-3778b08966c2" providerId="ADAL" clId="{ED4E84CA-539B-F14D-8B36-AC637F884A74}" dt="2021-08-16T20:50:41.938" v="119" actId="26606"/>
+        <pc:spChg chg="add del">
+          <ac:chgData name="Soussand, Yoan" userId="6c304db6-38ce-44e5-ba9b-3778b08966c2" providerId="ADAL" clId="{ED4E84CA-539B-F14D-8B36-AC637F884A74}" dt="2021-08-20T13:12:32.706" v="2026" actId="26606"/>
           <ac:spMkLst>
             <pc:docMk/>
             <pc:sldMk cId="2226278669" sldId="256"/>
             <ac:spMk id="18" creationId="{B4B35B17-18BF-4D26-96DC-290B6F57FABD}"/>
           </ac:spMkLst>
         </pc:spChg>
-        <pc:spChg chg="add">
-          <ac:chgData name="Soussand, Yoan" userId="6c304db6-38ce-44e5-ba9b-3778b08966c2" providerId="ADAL" clId="{ED4E84CA-539B-F14D-8B36-AC637F884A74}" dt="2021-08-16T20:50:41.938" v="119" actId="26606"/>
+        <pc:spChg chg="add del">
+          <ac:chgData name="Soussand, Yoan" userId="6c304db6-38ce-44e5-ba9b-3778b08966c2" providerId="ADAL" clId="{ED4E84CA-539B-F14D-8B36-AC637F884A74}" dt="2021-08-20T13:12:32.706" v="2026" actId="26606"/>
           <ac:spMkLst>
             <pc:docMk/>
             <pc:sldMk cId="2226278669" sldId="256"/>
             <ac:spMk id="20" creationId="{D625A454-7C47-49CE-8425-3EC9800E44E4}"/>
           </ac:spMkLst>
         </pc:spChg>
-        <pc:spChg chg="add">
-          <ac:chgData name="Soussand, Yoan" userId="6c304db6-38ce-44e5-ba9b-3778b08966c2" providerId="ADAL" clId="{ED4E84CA-539B-F14D-8B36-AC637F884A74}" dt="2021-08-16T20:50:41.938" v="119" actId="26606"/>
+        <pc:spChg chg="add del">
+          <ac:chgData name="Soussand, Yoan" userId="6c304db6-38ce-44e5-ba9b-3778b08966c2" providerId="ADAL" clId="{ED4E84CA-539B-F14D-8B36-AC637F884A74}" dt="2021-08-20T13:12:32.706" v="2026" actId="26606"/>
           <ac:spMkLst>
             <pc:docMk/>
             <pc:sldMk cId="2226278669" sldId="256"/>
             <ac:spMk id="21" creationId="{ADEF8846-2D6D-405C-ACE3-3E8D2E451FB2}"/>
           </ac:spMkLst>
         </pc:spChg>
-        <pc:spChg chg="add">
-          <ac:chgData name="Soussand, Yoan" userId="6c304db6-38ce-44e5-ba9b-3778b08966c2" providerId="ADAL" clId="{ED4E84CA-539B-F14D-8B36-AC637F884A74}" dt="2021-08-16T20:50:41.938" v="119" actId="26606"/>
+        <pc:spChg chg="add del">
+          <ac:chgData name="Soussand, Yoan" userId="6c304db6-38ce-44e5-ba9b-3778b08966c2" providerId="ADAL" clId="{ED4E84CA-539B-F14D-8B36-AC637F884A74}" dt="2021-08-20T13:12:32.706" v="2026" actId="26606"/>
           <ac:spMkLst>
             <pc:docMk/>
             <pc:sldMk cId="2226278669" sldId="256"/>
             <ac:spMk id="22" creationId="{994BAC77-5C15-4467-AF87-602186CE3B75}"/>
           </ac:spMkLst>
         </pc:spChg>
-        <pc:spChg chg="add">
-          <ac:chgData name="Soussand, Yoan" userId="6c304db6-38ce-44e5-ba9b-3778b08966c2" providerId="ADAL" clId="{ED4E84CA-539B-F14D-8B36-AC637F884A74}" dt="2021-08-16T20:50:41.938" v="119" actId="26606"/>
+        <pc:spChg chg="add del">
+          <ac:chgData name="Soussand, Yoan" userId="6c304db6-38ce-44e5-ba9b-3778b08966c2" providerId="ADAL" clId="{ED4E84CA-539B-F14D-8B36-AC637F884A74}" dt="2021-08-20T13:12:32.706" v="2026" actId="26606"/>
           <ac:spMkLst>
             <pc:docMk/>
             <pc:sldMk cId="2226278669" sldId="256"/>
             <ac:spMk id="23" creationId="{52AF70D7-58F1-42CD-B0AB-BEB0ADDC5497}"/>
+          </ac:spMkLst>
+        </pc:spChg>
+        <pc:spChg chg="add">
+          <ac:chgData name="Soussand, Yoan" userId="6c304db6-38ce-44e5-ba9b-3778b08966c2" providerId="ADAL" clId="{ED4E84CA-539B-F14D-8B36-AC637F884A74}" dt="2021-08-20T13:12:32.706" v="2026" actId="26606"/>
+          <ac:spMkLst>
+            <pc:docMk/>
+            <pc:sldMk cId="2226278669" sldId="256"/>
+            <ac:spMk id="30" creationId="{C5A41A00-0593-4A97-9CA0-B0AE89F21212}"/>
+          </ac:spMkLst>
+        </pc:spChg>
+        <pc:spChg chg="add">
+          <ac:chgData name="Soussand, Yoan" userId="6c304db6-38ce-44e5-ba9b-3778b08966c2" providerId="ADAL" clId="{ED4E84CA-539B-F14D-8B36-AC637F884A74}" dt="2021-08-20T13:12:32.706" v="2026" actId="26606"/>
+          <ac:spMkLst>
+            <pc:docMk/>
+            <pc:sldMk cId="2226278669" sldId="256"/>
+            <ac:spMk id="32" creationId="{FCA51B5C-E7C6-405A-BA9F-6B5A96D7BD1E}"/>
+          </ac:spMkLst>
+        </pc:spChg>
+        <pc:spChg chg="add">
+          <ac:chgData name="Soussand, Yoan" userId="6c304db6-38ce-44e5-ba9b-3778b08966c2" providerId="ADAL" clId="{ED4E84CA-539B-F14D-8B36-AC637F884A74}" dt="2021-08-20T13:12:32.706" v="2026" actId="26606"/>
+          <ac:spMkLst>
+            <pc:docMk/>
+            <pc:sldMk cId="2226278669" sldId="256"/>
+            <ac:spMk id="34" creationId="{FABCB0C0-C191-42C2-9158-48485F76A328}"/>
+          </ac:spMkLst>
+        </pc:spChg>
+        <pc:spChg chg="add">
+          <ac:chgData name="Soussand, Yoan" userId="6c304db6-38ce-44e5-ba9b-3778b08966c2" providerId="ADAL" clId="{ED4E84CA-539B-F14D-8B36-AC637F884A74}" dt="2021-08-20T13:12:32.706" v="2026" actId="26606"/>
+          <ac:spMkLst>
+            <pc:docMk/>
+            <pc:sldMk cId="2226278669" sldId="256"/>
+            <ac:spMk id="36" creationId="{D2D09E6C-D6EC-4C7F-91ED-C81D537A02AB}"/>
+          </ac:spMkLst>
+        </pc:spChg>
+        <pc:spChg chg="add">
+          <ac:chgData name="Soussand, Yoan" userId="6c304db6-38ce-44e5-ba9b-3778b08966c2" providerId="ADAL" clId="{ED4E84CA-539B-F14D-8B36-AC637F884A74}" dt="2021-08-20T13:12:32.706" v="2026" actId="26606"/>
+          <ac:spMkLst>
+            <pc:docMk/>
+            <pc:sldMk cId="2226278669" sldId="256"/>
+            <ac:spMk id="38" creationId="{3951E5EC-1DE3-40F0-897A-8618C6185D39}"/>
           </ac:spMkLst>
         </pc:spChg>
         <pc:spChg chg="add del">
@@ -613,7 +654,7 @@
           </ac:grpSpMkLst>
         </pc:grpChg>
         <pc:picChg chg="add mod ord">
-          <ac:chgData name="Soussand, Yoan" userId="6c304db6-38ce-44e5-ba9b-3778b08966c2" providerId="ADAL" clId="{ED4E84CA-539B-F14D-8B36-AC637F884A74}" dt="2021-08-16T20:50:41.938" v="119" actId="26606"/>
+          <ac:chgData name="Soussand, Yoan" userId="6c304db6-38ce-44e5-ba9b-3778b08966c2" providerId="ADAL" clId="{ED4E84CA-539B-F14D-8B36-AC637F884A74}" dt="2021-08-20T13:12:32.706" v="2026" actId="26606"/>
           <ac:picMkLst>
             <pc:docMk/>
             <pc:sldMk cId="2226278669" sldId="256"/>
@@ -628,12 +669,20 @@
             <ac:picMk id="10" creationId="{2006663E-E7C6-4740-91EF-F49426E3E65F}"/>
           </ac:picMkLst>
         </pc:picChg>
-        <pc:picChg chg="add">
-          <ac:chgData name="Soussand, Yoan" userId="6c304db6-38ce-44e5-ba9b-3778b08966c2" providerId="ADAL" clId="{ED4E84CA-539B-F14D-8B36-AC637F884A74}" dt="2021-08-16T20:50:41.938" v="119" actId="26606"/>
+        <pc:picChg chg="add del">
+          <ac:chgData name="Soussand, Yoan" userId="6c304db6-38ce-44e5-ba9b-3778b08966c2" providerId="ADAL" clId="{ED4E84CA-539B-F14D-8B36-AC637F884A74}" dt="2021-08-20T13:12:32.706" v="2026" actId="26606"/>
           <ac:picMkLst>
             <pc:docMk/>
             <pc:sldMk cId="2226278669" sldId="256"/>
             <ac:picMk id="19" creationId="{0A1BA0EF-0E2A-47B6-9E7E-68949890F8D9}"/>
+          </ac:picMkLst>
+        </pc:picChg>
+        <pc:picChg chg="add">
+          <ac:chgData name="Soussand, Yoan" userId="6c304db6-38ce-44e5-ba9b-3778b08966c2" providerId="ADAL" clId="{ED4E84CA-539B-F14D-8B36-AC637F884A74}" dt="2021-08-20T13:12:32.706" v="2026" actId="26606"/>
+          <ac:picMkLst>
+            <pc:docMk/>
+            <pc:sldMk cId="2226278669" sldId="256"/>
+            <ac:picMk id="28" creationId="{AFB8FFAA-9442-4FA6-B0EC-369AE6A2BD79}"/>
           </ac:picMkLst>
         </pc:picChg>
         <pc:picChg chg="del mod ord">
@@ -677,8 +726,8 @@
           </ac:cxnSpMkLst>
         </pc:cxnChg>
       </pc:sldChg>
-      <pc:sldChg chg="addSp delSp modSp mod setBg addAnim delAnim delDesignElem">
-        <pc:chgData name="Soussand, Yoan" userId="6c304db6-38ce-44e5-ba9b-3778b08966c2" providerId="ADAL" clId="{ED4E84CA-539B-F14D-8B36-AC637F884A74}" dt="2021-08-18T07:06:43.288" v="1122" actId="1076"/>
+      <pc:sldChg chg="addSp delSp modSp mod setBg addAnim delAnim modAnim delDesignElem">
+        <pc:chgData name="Soussand, Yoan" userId="6c304db6-38ce-44e5-ba9b-3778b08966c2" providerId="ADAL" clId="{ED4E84CA-539B-F14D-8B36-AC637F884A74}" dt="2021-08-21T12:17:45.029" v="2187"/>
         <pc:sldMkLst>
           <pc:docMk/>
           <pc:sldMk cId="2796943302" sldId="257"/>
@@ -875,8 +924,24 @@
             <ac:picMk id="3" creationId="{5BE19488-34E2-7A47-B04D-78B9F83336BE}"/>
           </ac:picMkLst>
         </pc:picChg>
-        <pc:picChg chg="add mod modCrop">
-          <ac:chgData name="Soussand, Yoan" userId="6c304db6-38ce-44e5-ba9b-3778b08966c2" providerId="ADAL" clId="{ED4E84CA-539B-F14D-8B36-AC637F884A74}" dt="2021-08-18T07:06:43.288" v="1122" actId="1076"/>
+        <pc:picChg chg="add mod">
+          <ac:chgData name="Soussand, Yoan" userId="6c304db6-38ce-44e5-ba9b-3778b08966c2" providerId="ADAL" clId="{ED4E84CA-539B-F14D-8B36-AC637F884A74}" dt="2021-08-21T06:30:47.404" v="2037" actId="1076"/>
+          <ac:picMkLst>
+            <pc:docMk/>
+            <pc:sldMk cId="2796943302" sldId="257"/>
+            <ac:picMk id="3" creationId="{9F36A6D3-9B72-D842-91A0-83911E80F1AD}"/>
+          </ac:picMkLst>
+        </pc:picChg>
+        <pc:picChg chg="add del mod modCrop">
+          <ac:chgData name="Soussand, Yoan" userId="6c304db6-38ce-44e5-ba9b-3778b08966c2" providerId="ADAL" clId="{ED4E84CA-539B-F14D-8B36-AC637F884A74}" dt="2021-08-20T12:50:02.089" v="1354" actId="478"/>
+          <ac:picMkLst>
+            <pc:docMk/>
+            <pc:sldMk cId="2796943302" sldId="257"/>
+            <ac:picMk id="3" creationId="{A58F4A5C-228A-6B44-B981-209674477AD6}"/>
+          </ac:picMkLst>
+        </pc:picChg>
+        <pc:picChg chg="add del mod modCrop">
+          <ac:chgData name="Soussand, Yoan" userId="6c304db6-38ce-44e5-ba9b-3778b08966c2" providerId="ADAL" clId="{ED4E84CA-539B-F14D-8B36-AC637F884A74}" dt="2021-08-19T12:36:25.483" v="1315" actId="478"/>
           <ac:picMkLst>
             <pc:docMk/>
             <pc:sldMk cId="2796943302" sldId="257"/>
@@ -892,6 +957,14 @@
           </ac:picMkLst>
         </pc:picChg>
         <pc:picChg chg="add del mod">
+          <ac:chgData name="Soussand, Yoan" userId="6c304db6-38ce-44e5-ba9b-3778b08966c2" providerId="ADAL" clId="{ED4E84CA-539B-F14D-8B36-AC637F884A74}" dt="2021-08-20T13:25:30.902" v="2028" actId="478"/>
+          <ac:picMkLst>
+            <pc:docMk/>
+            <pc:sldMk cId="2796943302" sldId="257"/>
+            <ac:picMk id="5" creationId="{EC81A76A-0900-2645-BED3-7FFD0E24D497}"/>
+          </ac:picMkLst>
+        </pc:picChg>
+        <pc:picChg chg="add del mod">
           <ac:chgData name="Soussand, Yoan" userId="6c304db6-38ce-44e5-ba9b-3778b08966c2" providerId="ADAL" clId="{ED4E84CA-539B-F14D-8B36-AC637F884A74}" dt="2021-08-16T20:51:02.834" v="120" actId="478"/>
           <ac:picMkLst>
             <pc:docMk/>
@@ -901,7 +974,7 @@
         </pc:picChg>
       </pc:sldChg>
       <pc:sldChg chg="addSp delSp modSp new mod setBg">
-        <pc:chgData name="Soussand, Yoan" userId="6c304db6-38ce-44e5-ba9b-3778b08966c2" providerId="ADAL" clId="{ED4E84CA-539B-F14D-8B36-AC637F884A74}" dt="2021-08-18T07:38:39.531" v="1312" actId="26606"/>
+        <pc:chgData name="Soussand, Yoan" userId="6c304db6-38ce-44e5-ba9b-3778b08966c2" providerId="ADAL" clId="{ED4E84CA-539B-F14D-8B36-AC637F884A74}" dt="2021-08-21T12:02:39.423" v="2164" actId="20577"/>
         <pc:sldMkLst>
           <pc:docMk/>
           <pc:sldMk cId="891734803" sldId="258"/>
@@ -923,7 +996,7 @@
           </ac:spMkLst>
         </pc:spChg>
         <pc:spChg chg="add mod">
-          <ac:chgData name="Soussand, Yoan" userId="6c304db6-38ce-44e5-ba9b-3778b08966c2" providerId="ADAL" clId="{ED4E84CA-539B-F14D-8B36-AC637F884A74}" dt="2021-08-18T07:37:23.307" v="1298" actId="26606"/>
+          <ac:chgData name="Soussand, Yoan" userId="6c304db6-38ce-44e5-ba9b-3778b08966c2" providerId="ADAL" clId="{ED4E84CA-539B-F14D-8B36-AC637F884A74}" dt="2021-08-20T12:55:40.905" v="1379" actId="26606"/>
           <ac:spMkLst>
             <pc:docMk/>
             <pc:sldMk cId="891734803" sldId="258"/>
@@ -1146,12 +1219,52 @@
             <ac:spMk id="68" creationId="{C38E665F-010A-4CF3-9B64-5888D0D74550}"/>
           </ac:spMkLst>
         </pc:spChg>
-        <pc:spChg chg="add">
-          <ac:chgData name="Soussand, Yoan" userId="6c304db6-38ce-44e5-ba9b-3778b08966c2" providerId="ADAL" clId="{ED4E84CA-539B-F14D-8B36-AC637F884A74}" dt="2021-08-18T07:38:39.531" v="1312" actId="26606"/>
+        <pc:spChg chg="add del">
+          <ac:chgData name="Soussand, Yoan" userId="6c304db6-38ce-44e5-ba9b-3778b08966c2" providerId="ADAL" clId="{ED4E84CA-539B-F14D-8B36-AC637F884A74}" dt="2021-08-20T12:55:40.905" v="1379" actId="26606"/>
           <ac:spMkLst>
             <pc:docMk/>
             <pc:sldMk cId="891734803" sldId="258"/>
             <ac:spMk id="70" creationId="{1C4DAAB9-1F6E-44A6-8EBD-11AA857B20AB}"/>
+          </ac:spMkLst>
+        </pc:spChg>
+        <pc:spChg chg="add del">
+          <ac:chgData name="Soussand, Yoan" userId="6c304db6-38ce-44e5-ba9b-3778b08966c2" providerId="ADAL" clId="{ED4E84CA-539B-F14D-8B36-AC637F884A74}" dt="2021-08-20T12:55:40.796" v="1378" actId="26606"/>
+          <ac:spMkLst>
+            <pc:docMk/>
+            <pc:sldMk cId="891734803" sldId="258"/>
+            <ac:spMk id="72" creationId="{C38E665F-010A-4CF3-9B64-5888D0D74550}"/>
+          </ac:spMkLst>
+        </pc:spChg>
+        <pc:spChg chg="add del">
+          <ac:chgData name="Soussand, Yoan" userId="6c304db6-38ce-44e5-ba9b-3778b08966c2" providerId="ADAL" clId="{ED4E84CA-539B-F14D-8B36-AC637F884A74}" dt="2021-08-20T12:55:28.892" v="1372" actId="26606"/>
+          <ac:spMkLst>
+            <pc:docMk/>
+            <pc:sldMk cId="891734803" sldId="258"/>
+            <ac:spMk id="77" creationId="{F88A5712-2FE0-4DD4-BDC6-099EA378A050}"/>
+          </ac:spMkLst>
+        </pc:spChg>
+        <pc:spChg chg="add del">
+          <ac:chgData name="Soussand, Yoan" userId="6c304db6-38ce-44e5-ba9b-3778b08966c2" providerId="ADAL" clId="{ED4E84CA-539B-F14D-8B36-AC637F884A74}" dt="2021-08-20T12:55:28.892" v="1372" actId="26606"/>
+          <ac:spMkLst>
+            <pc:docMk/>
+            <pc:sldMk cId="891734803" sldId="258"/>
+            <ac:spMk id="79" creationId="{448E5503-E0F8-4B94-81A3-B1FA57623E0F}"/>
+          </ac:spMkLst>
+        </pc:spChg>
+        <pc:spChg chg="add del">
+          <ac:chgData name="Soussand, Yoan" userId="6c304db6-38ce-44e5-ba9b-3778b08966c2" providerId="ADAL" clId="{ED4E84CA-539B-F14D-8B36-AC637F884A74}" dt="2021-08-20T12:55:28.892" v="1372" actId="26606"/>
+          <ac:spMkLst>
+            <pc:docMk/>
+            <pc:sldMk cId="891734803" sldId="258"/>
+            <ac:spMk id="81" creationId="{CE54F896-85E7-4403-9E37-1B004731F8C9}"/>
+          </ac:spMkLst>
+        </pc:spChg>
+        <pc:spChg chg="add del">
+          <ac:chgData name="Soussand, Yoan" userId="6c304db6-38ce-44e5-ba9b-3778b08966c2" providerId="ADAL" clId="{ED4E84CA-539B-F14D-8B36-AC637F884A74}" dt="2021-08-20T12:55:33.700" v="1374" actId="26606"/>
+          <ac:spMkLst>
+            <pc:docMk/>
+            <pc:sldMk cId="891734803" sldId="258"/>
+            <ac:spMk id="83" creationId="{1C4DAAB9-1F6E-44A6-8EBD-11AA857B20AB}"/>
           </ac:spMkLst>
         </pc:spChg>
         <pc:graphicFrameChg chg="add del">
@@ -1195,7 +1308,7 @@
           </ac:graphicFrameMkLst>
         </pc:graphicFrameChg>
         <pc:graphicFrameChg chg="add mod ord modGraphic">
-          <ac:chgData name="Soussand, Yoan" userId="6c304db6-38ce-44e5-ba9b-3778b08966c2" providerId="ADAL" clId="{ED4E84CA-539B-F14D-8B36-AC637F884A74}" dt="2021-08-18T07:38:39.531" v="1312" actId="26606"/>
+          <ac:chgData name="Soussand, Yoan" userId="6c304db6-38ce-44e5-ba9b-3778b08966c2" providerId="ADAL" clId="{ED4E84CA-539B-F14D-8B36-AC637F884A74}" dt="2021-08-21T12:02:39.423" v="2164" actId="20577"/>
           <ac:graphicFrameMkLst>
             <pc:docMk/>
             <pc:sldMk cId="891734803" sldId="258"/>
@@ -1256,6 +1369,197 @@
             <pc:docMk/>
             <pc:sldMk cId="891734803" sldId="258"/>
             <ac:picMk id="44" creationId="{BB28D430-56EA-45B9-8632-927BEBF02975}"/>
+          </ac:picMkLst>
+        </pc:picChg>
+        <pc:picChg chg="add del">
+          <ac:chgData name="Soussand, Yoan" userId="6c304db6-38ce-44e5-ba9b-3778b08966c2" providerId="ADAL" clId="{ED4E84CA-539B-F14D-8B36-AC637F884A74}" dt="2021-08-20T12:55:28.892" v="1372" actId="26606"/>
+          <ac:picMkLst>
+            <pc:docMk/>
+            <pc:sldMk cId="891734803" sldId="258"/>
+            <ac:picMk id="75" creationId="{90A9C49B-76D8-4E9B-B430-D1ADF40F1CF8}"/>
+          </ac:picMkLst>
+        </pc:picChg>
+      </pc:sldChg>
+      <pc:sldChg chg="addSp delSp modSp new mod setBg setClrOvrMap">
+        <pc:chgData name="Soussand, Yoan" userId="6c304db6-38ce-44e5-ba9b-3778b08966c2" providerId="ADAL" clId="{ED4E84CA-539B-F14D-8B36-AC637F884A74}" dt="2021-08-21T12:13:08.613" v="2171" actId="1076"/>
+        <pc:sldMkLst>
+          <pc:docMk/>
+          <pc:sldMk cId="4055050148" sldId="259"/>
+        </pc:sldMkLst>
+        <pc:spChg chg="del">
+          <ac:chgData name="Soussand, Yoan" userId="6c304db6-38ce-44e5-ba9b-3778b08966c2" providerId="ADAL" clId="{ED4E84CA-539B-F14D-8B36-AC637F884A74}" dt="2021-08-20T12:42:21.844" v="1317" actId="478"/>
+          <ac:spMkLst>
+            <pc:docMk/>
+            <pc:sldMk cId="4055050148" sldId="259"/>
+            <ac:spMk id="2" creationId="{EA29B51A-BB13-9E4A-979B-0D3065B179DA}"/>
+          </ac:spMkLst>
+        </pc:spChg>
+        <pc:spChg chg="del">
+          <ac:chgData name="Soussand, Yoan" userId="6c304db6-38ce-44e5-ba9b-3778b08966c2" providerId="ADAL" clId="{ED4E84CA-539B-F14D-8B36-AC637F884A74}" dt="2021-08-20T12:42:23.567" v="1318" actId="478"/>
+          <ac:spMkLst>
+            <pc:docMk/>
+            <pc:sldMk cId="4055050148" sldId="259"/>
+            <ac:spMk id="3" creationId="{42FDCD82-AF17-BD4F-805D-0BA92A3CD8F2}"/>
+          </ac:spMkLst>
+        </pc:spChg>
+        <pc:spChg chg="add del">
+          <ac:chgData name="Soussand, Yoan" userId="6c304db6-38ce-44e5-ba9b-3778b08966c2" providerId="ADAL" clId="{ED4E84CA-539B-F14D-8B36-AC637F884A74}" dt="2021-08-21T09:32:11.472" v="2092" actId="26606"/>
+          <ac:spMkLst>
+            <pc:docMk/>
+            <pc:sldMk cId="4055050148" sldId="259"/>
+            <ac:spMk id="16" creationId="{4ED2C424-5870-46BF-B77E-0C113783BCC5}"/>
+          </ac:spMkLst>
+        </pc:spChg>
+        <pc:spChg chg="add del">
+          <ac:chgData name="Soussand, Yoan" userId="6c304db6-38ce-44e5-ba9b-3778b08966c2" providerId="ADAL" clId="{ED4E84CA-539B-F14D-8B36-AC637F884A74}" dt="2021-08-21T09:32:11.472" v="2092" actId="26606"/>
+          <ac:spMkLst>
+            <pc:docMk/>
+            <pc:sldMk cId="4055050148" sldId="259"/>
+            <ac:spMk id="18" creationId="{44B75501-2C4C-44D8-A541-FA33D7EF15D5}"/>
+          </ac:spMkLst>
+        </pc:spChg>
+        <pc:spChg chg="add del">
+          <ac:chgData name="Soussand, Yoan" userId="6c304db6-38ce-44e5-ba9b-3778b08966c2" providerId="ADAL" clId="{ED4E84CA-539B-F14D-8B36-AC637F884A74}" dt="2021-08-21T09:32:12.419" v="2094" actId="26606"/>
+          <ac:spMkLst>
+            <pc:docMk/>
+            <pc:sldMk cId="4055050148" sldId="259"/>
+            <ac:spMk id="20" creationId="{53442351-6AC1-4238-AE7B-B527220436E9}"/>
+          </ac:spMkLst>
+        </pc:spChg>
+        <pc:spChg chg="add del">
+          <ac:chgData name="Soussand, Yoan" userId="6c304db6-38ce-44e5-ba9b-3778b08966c2" providerId="ADAL" clId="{ED4E84CA-539B-F14D-8B36-AC637F884A74}" dt="2021-08-21T09:32:12.419" v="2094" actId="26606"/>
+          <ac:spMkLst>
+            <pc:docMk/>
+            <pc:sldMk cId="4055050148" sldId="259"/>
+            <ac:spMk id="23" creationId="{783E561E-5448-493F-B0F4-9255A3BF59B2}"/>
+          </ac:spMkLst>
+        </pc:spChg>
+        <pc:spChg chg="add del">
+          <ac:chgData name="Soussand, Yoan" userId="6c304db6-38ce-44e5-ba9b-3778b08966c2" providerId="ADAL" clId="{ED4E84CA-539B-F14D-8B36-AC637F884A74}" dt="2021-08-21T09:32:12.419" v="2094" actId="26606"/>
+          <ac:spMkLst>
+            <pc:docMk/>
+            <pc:sldMk cId="4055050148" sldId="259"/>
+            <ac:spMk id="24" creationId="{402BD9E0-3714-4E40-B311-E0335B0027AB}"/>
+          </ac:spMkLst>
+        </pc:spChg>
+        <pc:spChg chg="add del">
+          <ac:chgData name="Soussand, Yoan" userId="6c304db6-38ce-44e5-ba9b-3778b08966c2" providerId="ADAL" clId="{ED4E84CA-539B-F14D-8B36-AC637F884A74}" dt="2021-08-21T09:32:20.992" v="2096" actId="26606"/>
+          <ac:spMkLst>
+            <pc:docMk/>
+            <pc:sldMk cId="4055050148" sldId="259"/>
+            <ac:spMk id="28" creationId="{9627616D-1B67-48A2-86A0-C104663258AA}"/>
+          </ac:spMkLst>
+        </pc:spChg>
+        <pc:spChg chg="add del">
+          <ac:chgData name="Soussand, Yoan" userId="6c304db6-38ce-44e5-ba9b-3778b08966c2" providerId="ADAL" clId="{ED4E84CA-539B-F14D-8B36-AC637F884A74}" dt="2021-08-21T09:32:20.992" v="2096" actId="26606"/>
+          <ac:spMkLst>
+            <pc:docMk/>
+            <pc:sldMk cId="4055050148" sldId="259"/>
+            <ac:spMk id="29" creationId="{D4D5DD51-BA7C-4624-97BD-55B25D98813C}"/>
+          </ac:spMkLst>
+        </pc:spChg>
+        <pc:grpChg chg="add del">
+          <ac:chgData name="Soussand, Yoan" userId="6c304db6-38ce-44e5-ba9b-3778b08966c2" providerId="ADAL" clId="{ED4E84CA-539B-F14D-8B36-AC637F884A74}" dt="2021-08-21T09:32:09.692" v="2090" actId="26606"/>
+          <ac:grpSpMkLst>
+            <pc:docMk/>
+            <pc:sldMk cId="4055050148" sldId="259"/>
+            <ac:grpSpMk id="11" creationId="{5C436ED1-B374-4FA9-AC69-CA9B086E4F35}"/>
+          </ac:grpSpMkLst>
+        </pc:grpChg>
+        <pc:grpChg chg="add del">
+          <ac:chgData name="Soussand, Yoan" userId="6c304db6-38ce-44e5-ba9b-3778b08966c2" providerId="ADAL" clId="{ED4E84CA-539B-F14D-8B36-AC637F884A74}" dt="2021-08-21T09:32:11.472" v="2092" actId="26606"/>
+          <ac:grpSpMkLst>
+            <pc:docMk/>
+            <pc:sldMk cId="4055050148" sldId="259"/>
+            <ac:grpSpMk id="19" creationId="{42AB5EEF-5DB7-47EA-BB55-DC7DAC8A6870}"/>
+          </ac:grpSpMkLst>
+        </pc:grpChg>
+        <pc:grpChg chg="add del">
+          <ac:chgData name="Soussand, Yoan" userId="6c304db6-38ce-44e5-ba9b-3778b08966c2" providerId="ADAL" clId="{ED4E84CA-539B-F14D-8B36-AC637F884A74}" dt="2021-08-21T09:32:12.419" v="2094" actId="26606"/>
+          <ac:grpSpMkLst>
+            <pc:docMk/>
+            <pc:sldMk cId="4055050148" sldId="259"/>
+            <ac:grpSpMk id="22" creationId="{42AB5EEF-5DB7-47EA-BB55-DC7DAC8A6870}"/>
+          </ac:grpSpMkLst>
+        </pc:grpChg>
+        <pc:grpChg chg="add del">
+          <ac:chgData name="Soussand, Yoan" userId="6c304db6-38ce-44e5-ba9b-3778b08966c2" providerId="ADAL" clId="{ED4E84CA-539B-F14D-8B36-AC637F884A74}" dt="2021-08-21T09:32:20.992" v="2096" actId="26606"/>
+          <ac:grpSpMkLst>
+            <pc:docMk/>
+            <pc:sldMk cId="4055050148" sldId="259"/>
+            <ac:grpSpMk id="27" creationId="{5C436ED1-B374-4FA9-AC69-CA9B086E4F35}"/>
+          </ac:grpSpMkLst>
+        </pc:grpChg>
+        <pc:picChg chg="add del mod">
+          <ac:chgData name="Soussand, Yoan" userId="6c304db6-38ce-44e5-ba9b-3778b08966c2" providerId="ADAL" clId="{ED4E84CA-539B-F14D-8B36-AC637F884A74}" dt="2021-08-21T06:33:25.138" v="2083" actId="478"/>
+          <ac:picMkLst>
+            <pc:docMk/>
+            <pc:sldMk cId="4055050148" sldId="259"/>
+            <ac:picMk id="3" creationId="{4AC97073-C9B7-9F4A-A57B-4346395B904D}"/>
+          </ac:picMkLst>
+        </pc:picChg>
+        <pc:picChg chg="add del mod modCrop">
+          <ac:chgData name="Soussand, Yoan" userId="6c304db6-38ce-44e5-ba9b-3778b08966c2" providerId="ADAL" clId="{ED4E84CA-539B-F14D-8B36-AC637F884A74}" dt="2021-08-21T12:12:03.884" v="2165" actId="478"/>
+          <ac:picMkLst>
+            <pc:docMk/>
+            <pc:sldMk cId="4055050148" sldId="259"/>
+            <ac:picMk id="4" creationId="{AC70AC80-1BDD-8546-80D6-231DC05081AE}"/>
+          </ac:picMkLst>
+        </pc:picChg>
+        <pc:picChg chg="add del mod modCrop">
+          <ac:chgData name="Soussand, Yoan" userId="6c304db6-38ce-44e5-ba9b-3778b08966c2" providerId="ADAL" clId="{ED4E84CA-539B-F14D-8B36-AC637F884A74}" dt="2021-08-20T12:50:45.285" v="1362" actId="478"/>
+          <ac:picMkLst>
+            <pc:docMk/>
+            <pc:sldMk cId="4055050148" sldId="259"/>
+            <ac:picMk id="5" creationId="{C429F024-B1CA-0642-AF84-76F109B50127}"/>
+          </ac:picMkLst>
+        </pc:picChg>
+        <pc:picChg chg="add mod">
+          <ac:chgData name="Soussand, Yoan" userId="6c304db6-38ce-44e5-ba9b-3778b08966c2" providerId="ADAL" clId="{ED4E84CA-539B-F14D-8B36-AC637F884A74}" dt="2021-08-21T12:13:08.613" v="2171" actId="1076"/>
+          <ac:picMkLst>
+            <pc:docMk/>
+            <pc:sldMk cId="4055050148" sldId="259"/>
+            <ac:picMk id="6" creationId="{654F1C65-47B2-6E42-B8A0-E0DA75EC229B}"/>
+          </ac:picMkLst>
+        </pc:picChg>
+        <pc:picChg chg="add del mod">
+          <ac:chgData name="Soussand, Yoan" userId="6c304db6-38ce-44e5-ba9b-3778b08966c2" providerId="ADAL" clId="{ED4E84CA-539B-F14D-8B36-AC637F884A74}" dt="2021-08-20T13:03:50.062" v="2019" actId="478"/>
+          <ac:picMkLst>
+            <pc:docMk/>
+            <pc:sldMk cId="4055050148" sldId="259"/>
+            <ac:picMk id="7" creationId="{C6CB567F-E436-2841-ADA7-53DC5F933E21}"/>
+          </ac:picMkLst>
+        </pc:picChg>
+        <pc:picChg chg="add del">
+          <ac:chgData name="Soussand, Yoan" userId="6c304db6-38ce-44e5-ba9b-3778b08966c2" providerId="ADAL" clId="{ED4E84CA-539B-F14D-8B36-AC637F884A74}" dt="2021-08-21T09:32:09.692" v="2090" actId="26606"/>
+          <ac:picMkLst>
+            <pc:docMk/>
+            <pc:sldMk cId="4055050148" sldId="259"/>
+            <ac:picMk id="9" creationId="{515DA87D-133C-4F77-8863-8B66D40F993C}"/>
+          </ac:picMkLst>
+        </pc:picChg>
+        <pc:picChg chg="add del">
+          <ac:chgData name="Soussand, Yoan" userId="6c304db6-38ce-44e5-ba9b-3778b08966c2" providerId="ADAL" clId="{ED4E84CA-539B-F14D-8B36-AC637F884A74}" dt="2021-08-21T09:32:11.472" v="2092" actId="26606"/>
+          <ac:picMkLst>
+            <pc:docMk/>
+            <pc:sldMk cId="4055050148" sldId="259"/>
+            <ac:picMk id="17" creationId="{F770B4CD-535A-4FF2-B700-8C40F0031E93}"/>
+          </ac:picMkLst>
+        </pc:picChg>
+        <pc:picChg chg="add del">
+          <ac:chgData name="Soussand, Yoan" userId="6c304db6-38ce-44e5-ba9b-3778b08966c2" providerId="ADAL" clId="{ED4E84CA-539B-F14D-8B36-AC637F884A74}" dt="2021-08-21T09:32:12.419" v="2094" actId="26606"/>
+          <ac:picMkLst>
+            <pc:docMk/>
+            <pc:sldMk cId="4055050148" sldId="259"/>
+            <ac:picMk id="21" creationId="{F770B4CD-535A-4FF2-B700-8C40F0031E93}"/>
+          </ac:picMkLst>
+        </pc:picChg>
+        <pc:picChg chg="add del">
+          <ac:chgData name="Soussand, Yoan" userId="6c304db6-38ce-44e5-ba9b-3778b08966c2" providerId="ADAL" clId="{ED4E84CA-539B-F14D-8B36-AC637F884A74}" dt="2021-08-21T09:32:20.992" v="2096" actId="26606"/>
+          <ac:picMkLst>
+            <pc:docMk/>
+            <pc:sldMk cId="4055050148" sldId="259"/>
+            <ac:picMk id="26" creationId="{515DA87D-133C-4F77-8863-8B66D40F993C}"/>
           </ac:picMkLst>
         </pc:picChg>
       </pc:sldChg>
@@ -1280,15 +1584,27 @@
 </file>
 
 <file path=ppt/diagrams/colors1.xml><?xml version="1.0" encoding="utf-8"?>
-<dgm:colorsDef xmlns:dgm="http://schemas.openxmlformats.org/drawingml/2006/diagram" xmlns:a="http://schemas.openxmlformats.org/drawingml/2006/main" uniqueId="urn:microsoft.com/office/officeart/2005/8/colors/accent1_2">
+<dgm:colorsDef xmlns:dgm="http://schemas.openxmlformats.org/drawingml/2006/diagram" xmlns:a="http://schemas.openxmlformats.org/drawingml/2006/main" uniqueId="urn:microsoft.com/office/officeart/2005/8/colors/accent5_2">
   <dgm:title val=""/>
   <dgm:desc val=""/>
   <dgm:catLst>
-    <dgm:cat type="accent1" pri="11200"/>
+    <dgm:cat type="accent5" pri="11200"/>
   </dgm:catLst>
   <dgm:styleLbl name="node0">
     <dgm:fillClrLst meth="repeat">
-      <a:schemeClr val="accent1"/>
+      <a:schemeClr val="accent5"/>
+    </dgm:fillClrLst>
+    <dgm:linClrLst meth="repeat">
+      <a:schemeClr val="lt1"/>
+    </dgm:linClrLst>
+    <dgm:effectClrLst/>
+    <dgm:txLinClrLst/>
+    <dgm:txFillClrLst/>
+    <dgm:txEffectClrLst/>
+  </dgm:styleLbl>
+  <dgm:styleLbl name="node1">
+    <dgm:fillClrLst meth="repeat">
+      <a:schemeClr val="accent5"/>
     </dgm:fillClrLst>
     <dgm:linClrLst meth="repeat">
       <a:schemeClr val="lt1"/>
@@ -1300,22 +1616,10 @@
   </dgm:styleLbl>
   <dgm:styleLbl name="alignNode1">
     <dgm:fillClrLst meth="repeat">
-      <a:schemeClr val="accent1"/>
+      <a:schemeClr val="accent5"/>
     </dgm:fillClrLst>
     <dgm:linClrLst meth="repeat">
-      <a:schemeClr val="accent1"/>
-    </dgm:linClrLst>
-    <dgm:effectClrLst/>
-    <dgm:txLinClrLst/>
-    <dgm:txFillClrLst/>
-    <dgm:txEffectClrLst/>
-  </dgm:styleLbl>
-  <dgm:styleLbl name="node1">
-    <dgm:fillClrLst meth="repeat">
-      <a:schemeClr val="accent1"/>
-    </dgm:fillClrLst>
-    <dgm:linClrLst meth="repeat">
-      <a:schemeClr val="lt1"/>
+      <a:schemeClr val="accent5"/>
     </dgm:linClrLst>
     <dgm:effectClrLst/>
     <dgm:txLinClrLst/>
@@ -1324,7 +1628,7 @@
   </dgm:styleLbl>
   <dgm:styleLbl name="lnNode1">
     <dgm:fillClrLst meth="repeat">
-      <a:schemeClr val="accent1"/>
+      <a:schemeClr val="accent5"/>
     </dgm:fillClrLst>
     <dgm:linClrLst meth="repeat">
       <a:schemeClr val="lt1"/>
@@ -1336,7 +1640,7 @@
   </dgm:styleLbl>
   <dgm:styleLbl name="vennNode1">
     <dgm:fillClrLst meth="repeat">
-      <a:schemeClr val="accent1">
+      <a:schemeClr val="accent5">
         <a:alpha val="50000"/>
       </a:schemeClr>
     </dgm:fillClrLst>
@@ -1350,7 +1654,7 @@
   </dgm:styleLbl>
   <dgm:styleLbl name="node2">
     <dgm:fillClrLst meth="repeat">
-      <a:schemeClr val="accent1"/>
+      <a:schemeClr val="accent5"/>
     </dgm:fillClrLst>
     <dgm:linClrLst meth="repeat">
       <a:schemeClr val="lt1"/>
@@ -1362,7 +1666,7 @@
   </dgm:styleLbl>
   <dgm:styleLbl name="node3">
     <dgm:fillClrLst meth="repeat">
-      <a:schemeClr val="accent1"/>
+      <a:schemeClr val="accent5"/>
     </dgm:fillClrLst>
     <dgm:linClrLst meth="repeat">
       <a:schemeClr val="lt1"/>
@@ -1374,7 +1678,7 @@
   </dgm:styleLbl>
   <dgm:styleLbl name="node4">
     <dgm:fillClrLst meth="repeat">
-      <a:schemeClr val="accent1"/>
+      <a:schemeClr val="accent5"/>
     </dgm:fillClrLst>
     <dgm:linClrLst meth="repeat">
       <a:schemeClr val="lt1"/>
@@ -1386,7 +1690,7 @@
   </dgm:styleLbl>
   <dgm:styleLbl name="fgImgPlace1">
     <dgm:fillClrLst meth="repeat">
-      <a:schemeClr val="accent1">
+      <a:schemeClr val="accent5">
         <a:tint val="50000"/>
       </a:schemeClr>
     </dgm:fillClrLst>
@@ -1402,7 +1706,7 @@
   </dgm:styleLbl>
   <dgm:styleLbl name="alignImgPlace1">
     <dgm:fillClrLst meth="repeat">
-      <a:schemeClr val="accent1">
+      <a:schemeClr val="accent5">
         <a:tint val="50000"/>
       </a:schemeClr>
     </dgm:fillClrLst>
@@ -1418,7 +1722,7 @@
   </dgm:styleLbl>
   <dgm:styleLbl name="bgImgPlace1">
     <dgm:fillClrLst meth="repeat">
-      <a:schemeClr val="accent1">
+      <a:schemeClr val="accent5">
         <a:tint val="50000"/>
       </a:schemeClr>
     </dgm:fillClrLst>
@@ -1434,12 +1738,12 @@
   </dgm:styleLbl>
   <dgm:styleLbl name="sibTrans2D1">
     <dgm:fillClrLst meth="repeat">
-      <a:schemeClr val="accent1">
+      <a:schemeClr val="accent5">
         <a:tint val="60000"/>
       </a:schemeClr>
     </dgm:fillClrLst>
     <dgm:linClrLst meth="repeat">
-      <a:schemeClr val="accent1">
+      <a:schemeClr val="accent5">
         <a:tint val="60000"/>
       </a:schemeClr>
     </dgm:linClrLst>
@@ -1450,12 +1754,12 @@
   </dgm:styleLbl>
   <dgm:styleLbl name="fgSibTrans2D1">
     <dgm:fillClrLst meth="repeat">
-      <a:schemeClr val="accent1">
+      <a:schemeClr val="accent5">
         <a:tint val="60000"/>
       </a:schemeClr>
     </dgm:fillClrLst>
     <dgm:linClrLst meth="repeat">
-      <a:schemeClr val="accent1">
+      <a:schemeClr val="accent5">
         <a:tint val="60000"/>
       </a:schemeClr>
     </dgm:linClrLst>
@@ -1466,12 +1770,12 @@
   </dgm:styleLbl>
   <dgm:styleLbl name="bgSibTrans2D1">
     <dgm:fillClrLst meth="repeat">
-      <a:schemeClr val="accent1">
+      <a:schemeClr val="accent5">
         <a:tint val="60000"/>
       </a:schemeClr>
     </dgm:fillClrLst>
     <dgm:linClrLst meth="repeat">
-      <a:schemeClr val="accent1">
+      <a:schemeClr val="accent5">
         <a:tint val="60000"/>
       </a:schemeClr>
     </dgm:linClrLst>
@@ -1482,10 +1786,10 @@
   </dgm:styleLbl>
   <dgm:styleLbl name="sibTrans1D1">
     <dgm:fillClrLst meth="repeat">
-      <a:schemeClr val="accent1"/>
+      <a:schemeClr val="accent5"/>
     </dgm:fillClrLst>
     <dgm:linClrLst meth="repeat">
-      <a:schemeClr val="accent1"/>
+      <a:schemeClr val="accent5"/>
     </dgm:linClrLst>
     <dgm:effectClrLst/>
     <dgm:txLinClrLst/>
@@ -1496,10 +1800,10 @@
   </dgm:styleLbl>
   <dgm:styleLbl name="callout">
     <dgm:fillClrLst meth="repeat">
-      <a:schemeClr val="accent1"/>
+      <a:schemeClr val="accent5"/>
     </dgm:fillClrLst>
     <dgm:linClrLst meth="repeat">
-      <a:schemeClr val="accent1">
+      <a:schemeClr val="accent5">
         <a:tint val="50000"/>
       </a:schemeClr>
     </dgm:linClrLst>
@@ -1512,7 +1816,7 @@
   </dgm:styleLbl>
   <dgm:styleLbl name="asst0">
     <dgm:fillClrLst meth="repeat">
-      <a:schemeClr val="accent1"/>
+      <a:schemeClr val="accent5"/>
     </dgm:fillClrLst>
     <dgm:linClrLst meth="repeat">
       <a:schemeClr val="lt1"/>
@@ -1524,7 +1828,7 @@
   </dgm:styleLbl>
   <dgm:styleLbl name="asst1">
     <dgm:fillClrLst meth="repeat">
-      <a:schemeClr val="accent1"/>
+      <a:schemeClr val="accent5"/>
     </dgm:fillClrLst>
     <dgm:linClrLst meth="repeat">
       <a:schemeClr val="lt1"/>
@@ -1536,7 +1840,7 @@
   </dgm:styleLbl>
   <dgm:styleLbl name="asst2">
     <dgm:fillClrLst meth="repeat">
-      <a:schemeClr val="accent1"/>
+      <a:schemeClr val="accent5"/>
     </dgm:fillClrLst>
     <dgm:linClrLst meth="repeat">
       <a:schemeClr val="lt1"/>
@@ -1548,7 +1852,7 @@
   </dgm:styleLbl>
   <dgm:styleLbl name="asst3">
     <dgm:fillClrLst meth="repeat">
-      <a:schemeClr val="accent1"/>
+      <a:schemeClr val="accent5"/>
     </dgm:fillClrLst>
     <dgm:linClrLst meth="repeat">
       <a:schemeClr val="lt1"/>
@@ -1560,7 +1864,7 @@
   </dgm:styleLbl>
   <dgm:styleLbl name="asst4">
     <dgm:fillClrLst meth="repeat">
-      <a:schemeClr val="accent1"/>
+      <a:schemeClr val="accent5"/>
     </dgm:fillClrLst>
     <dgm:linClrLst meth="repeat">
       <a:schemeClr val="lt1"/>
@@ -1572,12 +1876,12 @@
   </dgm:styleLbl>
   <dgm:styleLbl name="parChTrans2D1">
     <dgm:fillClrLst meth="repeat">
-      <a:schemeClr val="accent1">
+      <a:schemeClr val="accent5">
         <a:tint val="60000"/>
       </a:schemeClr>
     </dgm:fillClrLst>
     <dgm:linClrLst meth="repeat">
-      <a:schemeClr val="accent1">
+      <a:schemeClr val="accent5">
         <a:tint val="60000"/>
       </a:schemeClr>
     </dgm:linClrLst>
@@ -1590,10 +1894,10 @@
   </dgm:styleLbl>
   <dgm:styleLbl name="parChTrans2D2">
     <dgm:fillClrLst meth="repeat">
-      <a:schemeClr val="accent1"/>
+      <a:schemeClr val="accent5"/>
     </dgm:fillClrLst>
     <dgm:linClrLst meth="repeat">
-      <a:schemeClr val="accent1"/>
+      <a:schemeClr val="accent5"/>
     </dgm:linClrLst>
     <dgm:effectClrLst/>
     <dgm:txLinClrLst/>
@@ -1604,10 +1908,10 @@
   </dgm:styleLbl>
   <dgm:styleLbl name="parChTrans2D3">
     <dgm:fillClrLst meth="repeat">
-      <a:schemeClr val="accent1"/>
+      <a:schemeClr val="accent5"/>
     </dgm:fillClrLst>
     <dgm:linClrLst meth="repeat">
-      <a:schemeClr val="accent1"/>
+      <a:schemeClr val="accent5"/>
     </dgm:linClrLst>
     <dgm:effectClrLst/>
     <dgm:txLinClrLst/>
@@ -1618,10 +1922,10 @@
   </dgm:styleLbl>
   <dgm:styleLbl name="parChTrans2D4">
     <dgm:fillClrLst meth="repeat">
-      <a:schemeClr val="accent1"/>
+      <a:schemeClr val="accent5"/>
     </dgm:fillClrLst>
     <dgm:linClrLst meth="repeat">
-      <a:schemeClr val="accent1"/>
+      <a:schemeClr val="accent5"/>
     </dgm:linClrLst>
     <dgm:effectClrLst/>
     <dgm:txLinClrLst/>
@@ -1632,10 +1936,10 @@
   </dgm:styleLbl>
   <dgm:styleLbl name="parChTrans1D1">
     <dgm:fillClrLst meth="repeat">
-      <a:schemeClr val="accent1"/>
+      <a:schemeClr val="accent5"/>
     </dgm:fillClrLst>
     <dgm:linClrLst meth="repeat">
-      <a:schemeClr val="accent1">
+      <a:schemeClr val="accent5">
         <a:shade val="60000"/>
       </a:schemeClr>
     </dgm:linClrLst>
@@ -1648,10 +1952,10 @@
   </dgm:styleLbl>
   <dgm:styleLbl name="parChTrans1D2">
     <dgm:fillClrLst meth="repeat">
-      <a:schemeClr val="accent1"/>
+      <a:schemeClr val="accent5"/>
     </dgm:fillClrLst>
     <dgm:linClrLst meth="repeat">
-      <a:schemeClr val="accent1">
+      <a:schemeClr val="accent5">
         <a:shade val="60000"/>
       </a:schemeClr>
     </dgm:linClrLst>
@@ -1664,10 +1968,10 @@
   </dgm:styleLbl>
   <dgm:styleLbl name="parChTrans1D3">
     <dgm:fillClrLst meth="repeat">
-      <a:schemeClr val="accent1"/>
+      <a:schemeClr val="accent5"/>
     </dgm:fillClrLst>
     <dgm:linClrLst meth="repeat">
-      <a:schemeClr val="accent1">
+      <a:schemeClr val="accent5">
         <a:shade val="80000"/>
       </a:schemeClr>
     </dgm:linClrLst>
@@ -1680,10 +1984,10 @@
   </dgm:styleLbl>
   <dgm:styleLbl name="parChTrans1D4">
     <dgm:fillClrLst meth="repeat">
-      <a:schemeClr val="accent1"/>
+      <a:schemeClr val="accent5"/>
     </dgm:fillClrLst>
     <dgm:linClrLst meth="repeat">
-      <a:schemeClr val="accent1">
+      <a:schemeClr val="accent5">
         <a:shade val="80000"/>
       </a:schemeClr>
     </dgm:linClrLst>
@@ -1701,7 +2005,7 @@
       </a:schemeClr>
     </dgm:fillClrLst>
     <dgm:linClrLst meth="repeat">
-      <a:schemeClr val="accent1"/>
+      <a:schemeClr val="accent5"/>
     </dgm:linClrLst>
     <dgm:effectClrLst/>
     <dgm:txLinClrLst/>
@@ -1717,7 +2021,7 @@
       </a:schemeClr>
     </dgm:fillClrLst>
     <dgm:linClrLst meth="repeat">
-      <a:schemeClr val="accent1"/>
+      <a:schemeClr val="accent5"/>
     </dgm:linClrLst>
     <dgm:effectClrLst/>
     <dgm:txLinClrLst/>
@@ -1733,7 +2037,7 @@
       </a:schemeClr>
     </dgm:fillClrLst>
     <dgm:linClrLst meth="repeat">
-      <a:schemeClr val="accent1"/>
+      <a:schemeClr val="accent5"/>
     </dgm:linClrLst>
     <dgm:effectClrLst/>
     <dgm:txLinClrLst/>
@@ -1749,7 +2053,7 @@
       </a:schemeClr>
     </dgm:fillClrLst>
     <dgm:linClrLst meth="repeat">
-      <a:schemeClr val="accent1"/>
+      <a:schemeClr val="accent5"/>
     </dgm:linClrLst>
     <dgm:effectClrLst/>
     <dgm:txLinClrLst/>
@@ -1765,7 +2069,7 @@
       </a:schemeClr>
     </dgm:fillClrLst>
     <dgm:linClrLst meth="repeat">
-      <a:schemeClr val="accent1"/>
+      <a:schemeClr val="accent5"/>
     </dgm:linClrLst>
     <dgm:effectClrLst/>
     <dgm:txLinClrLst/>
@@ -1779,7 +2083,7 @@
       <a:schemeClr val="lt1"/>
     </dgm:fillClrLst>
     <dgm:linClrLst meth="repeat">
-      <a:schemeClr val="accent1"/>
+      <a:schemeClr val="accent5"/>
     </dgm:linClrLst>
     <dgm:effectClrLst/>
     <dgm:txLinClrLst/>
@@ -1793,7 +2097,7 @@
       <a:schemeClr val="lt1"/>
     </dgm:fillClrLst>
     <dgm:linClrLst meth="repeat">
-      <a:schemeClr val="accent1"/>
+      <a:schemeClr val="accent5"/>
     </dgm:linClrLst>
     <dgm:effectClrLst/>
     <dgm:txLinClrLst/>
@@ -1807,7 +2111,7 @@
       <a:schemeClr val="lt1"/>
     </dgm:fillClrLst>
     <dgm:linClrLst meth="repeat">
-      <a:schemeClr val="accent1"/>
+      <a:schemeClr val="accent5"/>
     </dgm:linClrLst>
     <dgm:effectClrLst/>
     <dgm:txLinClrLst/>
@@ -1818,13 +2122,13 @@
   </dgm:styleLbl>
   <dgm:styleLbl name="fgAccFollowNode1">
     <dgm:fillClrLst meth="repeat">
-      <a:schemeClr val="accent1">
+      <a:schemeClr val="accent5">
         <a:alpha val="90000"/>
         <a:tint val="40000"/>
       </a:schemeClr>
     </dgm:fillClrLst>
     <dgm:linClrLst meth="repeat">
-      <a:schemeClr val="accent1">
+      <a:schemeClr val="accent5">
         <a:alpha val="90000"/>
         <a:tint val="40000"/>
       </a:schemeClr>
@@ -1838,13 +2142,13 @@
   </dgm:styleLbl>
   <dgm:styleLbl name="alignAccFollowNode1">
     <dgm:fillClrLst meth="repeat">
-      <a:schemeClr val="accent1">
+      <a:schemeClr val="accent5">
         <a:alpha val="90000"/>
         <a:tint val="40000"/>
       </a:schemeClr>
     </dgm:fillClrLst>
     <dgm:linClrLst meth="repeat">
-      <a:schemeClr val="accent1">
+      <a:schemeClr val="accent5">
         <a:alpha val="90000"/>
         <a:tint val="40000"/>
       </a:schemeClr>
@@ -1858,13 +2162,13 @@
   </dgm:styleLbl>
   <dgm:styleLbl name="bgAccFollowNode1">
     <dgm:fillClrLst meth="repeat">
-      <a:schemeClr val="accent1">
+      <a:schemeClr val="accent5">
         <a:alpha val="90000"/>
         <a:tint val="40000"/>
       </a:schemeClr>
     </dgm:fillClrLst>
     <dgm:linClrLst meth="repeat">
-      <a:schemeClr val="accent1">
+      <a:schemeClr val="accent5">
         <a:alpha val="90000"/>
         <a:tint val="40000"/>
       </a:schemeClr>
@@ -1883,7 +2187,7 @@
       </a:schemeClr>
     </dgm:fillClrLst>
     <dgm:linClrLst meth="repeat">
-      <a:schemeClr val="accent1"/>
+      <a:schemeClr val="accent5"/>
     </dgm:linClrLst>
     <dgm:effectClrLst/>
     <dgm:txLinClrLst/>
@@ -1899,7 +2203,7 @@
       </a:schemeClr>
     </dgm:fillClrLst>
     <dgm:linClrLst meth="repeat">
-      <a:schemeClr val="accent1"/>
+      <a:schemeClr val="accent5"/>
     </dgm:linClrLst>
     <dgm:effectClrLst/>
     <dgm:txLinClrLst/>
@@ -1915,7 +2219,7 @@
       </a:schemeClr>
     </dgm:fillClrLst>
     <dgm:linClrLst meth="repeat">
-      <a:schemeClr val="accent1"/>
+      <a:schemeClr val="accent5"/>
     </dgm:linClrLst>
     <dgm:effectClrLst/>
     <dgm:txLinClrLst/>
@@ -1931,7 +2235,7 @@
       </a:schemeClr>
     </dgm:fillClrLst>
     <dgm:linClrLst meth="repeat">
-      <a:schemeClr val="accent1"/>
+      <a:schemeClr val="accent5"/>
     </dgm:linClrLst>
     <dgm:effectClrLst/>
     <dgm:txLinClrLst/>
@@ -1942,12 +2246,12 @@
   </dgm:styleLbl>
   <dgm:styleLbl name="bgShp">
     <dgm:fillClrLst meth="repeat">
-      <a:schemeClr val="accent1">
+      <a:schemeClr val="accent5">
         <a:tint val="40000"/>
       </a:schemeClr>
     </dgm:fillClrLst>
     <dgm:linClrLst meth="repeat">
-      <a:schemeClr val="accent1"/>
+      <a:schemeClr val="accent5"/>
     </dgm:linClrLst>
     <dgm:effectClrLst/>
     <dgm:txLinClrLst/>
@@ -1958,12 +2262,12 @@
   </dgm:styleLbl>
   <dgm:styleLbl name="dkBgShp">
     <dgm:fillClrLst meth="repeat">
-      <a:schemeClr val="accent1">
+      <a:schemeClr val="accent5">
         <a:shade val="80000"/>
       </a:schemeClr>
     </dgm:fillClrLst>
     <dgm:linClrLst meth="repeat">
-      <a:schemeClr val="accent1"/>
+      <a:schemeClr val="accent5"/>
     </dgm:linClrLst>
     <dgm:effectClrLst/>
     <dgm:txLinClrLst/>
@@ -1974,13 +2278,13 @@
   </dgm:styleLbl>
   <dgm:styleLbl name="trBgShp">
     <dgm:fillClrLst meth="repeat">
-      <a:schemeClr val="accent1">
+      <a:schemeClr val="accent5">
         <a:tint val="50000"/>
         <a:alpha val="40000"/>
       </a:schemeClr>
     </dgm:fillClrLst>
     <dgm:linClrLst meth="repeat">
-      <a:schemeClr val="accent1"/>
+      <a:schemeClr val="accent5"/>
     </dgm:linClrLst>
     <dgm:effectClrLst/>
     <dgm:txLinClrLst/>
@@ -1991,7 +2295,7 @@
   </dgm:styleLbl>
   <dgm:styleLbl name="fgShp">
     <dgm:fillClrLst meth="repeat">
-      <a:schemeClr val="accent1">
+      <a:schemeClr val="accent5">
         <a:tint val="60000"/>
       </a:schemeClr>
     </dgm:fillClrLst>
@@ -2030,7 +2334,7 @@
 <dgm:dataModel xmlns:dgm="http://schemas.openxmlformats.org/drawingml/2006/diagram" xmlns:a="http://schemas.openxmlformats.org/drawingml/2006/main">
   <dgm:ptLst>
     <dgm:pt modelId="{4558FB12-60CB-4C23-898D-FFF744E5F0D3}" type="doc">
-      <dgm:prSet loTypeId="urn:microsoft.com/office/officeart/2008/layout/LinedList" loCatId="list" qsTypeId="urn:microsoft.com/office/officeart/2005/8/quickstyle/simple4" qsCatId="simple" csTypeId="urn:microsoft.com/office/officeart/2005/8/colors/accent1_2" csCatId="accent1" phldr="1"/>
+      <dgm:prSet loTypeId="urn:microsoft.com/office/officeart/2008/layout/LinedList" loCatId="list" qsTypeId="urn:microsoft.com/office/officeart/2005/8/quickstyle/simple4" qsCatId="simple" csTypeId="urn:microsoft.com/office/officeart/2005/8/colors/accent5_2" csCatId="accent5" phldr="1"/>
       <dgm:spPr/>
       <dgm:t>
         <a:bodyPr/>
@@ -2320,7 +2624,7 @@
         <a:lstStyle/>
         <a:p>
           <a:r>
-            <a:rPr lang="fr-FR">
+            <a:rPr lang="fr-FR" dirty="0">
               <a:latin typeface="Impact" panose="020B0806030902050204"/>
               <a:ea typeface="+mn-ea"/>
               <a:cs typeface="+mn-cs"/>
@@ -2328,12 +2632,12 @@
             <a:t>Classe bonus -&gt; </a:t>
           </a:r>
           <a:r>
-            <a:rPr lang="fr-FR" b="0">
+            <a:rPr lang="fr-FR" b="0" dirty="0">
               <a:latin typeface="Big Caslon Medium" panose="02000603090000020003" pitchFamily="2" charset="-79"/>
               <a:ea typeface="Apple Color Emoji" pitchFamily="2" charset="0"/>
               <a:cs typeface="Big Caslon Medium" panose="02000603090000020003" pitchFamily="2" charset="-79"/>
             </a:rPr>
-            <a:t>Fournis de manière aléatoire un bonus sur le tour en cours que le joueur peut utiliser ou non.</a:t>
+            <a:t>Fournis de manière aléatoire un bonus sur le tour en cours, le joueur peut l’utiliser ou non.</a:t>
           </a:r>
           <a:endParaRPr lang="fr-FR" dirty="0"/>
         </a:p>
@@ -2361,7 +2665,174 @@
         </a:p>
       </dgm:t>
     </dgm:pt>
-    <dgm:pt modelId="{9B3869BB-CC8F-D249-91F0-F472BF768D98}" type="pres">
+    <dgm:pt modelId="{1C3B5C3B-868F-F54D-9463-AAFB2329736A}">
+      <dgm:prSet/>
+      <dgm:spPr/>
+      <dgm:t>
+        <a:bodyPr/>
+        <a:lstStyle/>
+        <a:p>
+          <a:r>
+            <a:rPr lang="fr-FR" dirty="0"/>
+            <a:t>Classe </a:t>
+          </a:r>
+          <a:r>
+            <a:rPr lang="fr-FR" dirty="0" err="1"/>
+            <a:t>InputReadLine</a:t>
+          </a:r>
+          <a:r>
+            <a:rPr lang="fr-FR" dirty="0"/>
+            <a:t> -&gt; </a:t>
+          </a:r>
+          <a:r>
+            <a:rPr lang="fr-FR" b="0" dirty="0">
+              <a:latin typeface="Big Caslon Medium" panose="02000603090000020003" pitchFamily="2" charset="-79"/>
+              <a:ea typeface="Apple Color Emoji" pitchFamily="2" charset="0"/>
+              <a:cs typeface="Big Caslon Medium" panose="02000603090000020003" pitchFamily="2" charset="-79"/>
+            </a:rPr>
+            <a:t>Récupère les réponses de l’utilisateur</a:t>
+          </a:r>
+          <a:endParaRPr lang="fr-FR" dirty="0"/>
+        </a:p>
+      </dgm:t>
+    </dgm:pt>
+    <dgm:pt modelId="{19424404-2EE4-5644-ACAD-AD3E15C59D24}" type="parTrans" cxnId="{22AC9DF0-1C40-1D42-AD17-4788C5E8E7C3}">
+      <dgm:prSet/>
+      <dgm:spPr/>
+      <dgm:t>
+        <a:bodyPr/>
+        <a:lstStyle/>
+        <a:p>
+          <a:endParaRPr lang="fr-FR"/>
+        </a:p>
+      </dgm:t>
+    </dgm:pt>
+    <dgm:pt modelId="{4D1C8BF5-4745-484C-8713-C245DFB44053}" type="sibTrans" cxnId="{22AC9DF0-1C40-1D42-AD17-4788C5E8E7C3}">
+      <dgm:prSet/>
+      <dgm:spPr/>
+      <dgm:t>
+        <a:bodyPr/>
+        <a:lstStyle/>
+        <a:p>
+          <a:endParaRPr lang="fr-FR"/>
+        </a:p>
+      </dgm:t>
+    </dgm:pt>
+    <dgm:pt modelId="{EEBFAAE2-4222-E64F-88B1-A1E8B9CBB9ED}">
+      <dgm:prSet/>
+      <dgm:spPr/>
+      <dgm:t>
+        <a:bodyPr/>
+        <a:lstStyle/>
+        <a:p>
+          <a:r>
+            <a:rPr lang="fr-FR" dirty="0" err="1"/>
+            <a:t>Enum</a:t>
+          </a:r>
+          <a:r>
+            <a:rPr lang="fr-FR" dirty="0"/>
+            <a:t> </a:t>
+          </a:r>
+          <a:r>
+            <a:rPr lang="fr-FR" dirty="0" err="1"/>
+            <a:t>ActionEnum</a:t>
+          </a:r>
+          <a:r>
+            <a:rPr lang="fr-FR" dirty="0"/>
+            <a:t> -&gt; </a:t>
+          </a:r>
+          <a:r>
+            <a:rPr lang="fr-FR" b="0" dirty="0">
+              <a:latin typeface="Big Caslon Medium" panose="02000603090000020003" pitchFamily="2" charset="-79"/>
+              <a:ea typeface="Apple Color Emoji" pitchFamily="2" charset="0"/>
+              <a:cs typeface="Big Caslon Medium" panose="02000603090000020003" pitchFamily="2" charset="-79"/>
+            </a:rPr>
+            <a:t>Enumère les actions possibles pour les personnages (attaquer ou soigner)</a:t>
+          </a:r>
+          <a:endParaRPr lang="fr-FR" dirty="0"/>
+        </a:p>
+      </dgm:t>
+    </dgm:pt>
+    <dgm:pt modelId="{98EE35A4-28A4-DE47-A6AF-DB7DD1CF86CC}" type="parTrans" cxnId="{48C07626-1314-A142-8A86-1D846DC8B963}">
+      <dgm:prSet/>
+      <dgm:spPr/>
+      <dgm:t>
+        <a:bodyPr/>
+        <a:lstStyle/>
+        <a:p>
+          <a:endParaRPr lang="fr-FR"/>
+        </a:p>
+      </dgm:t>
+    </dgm:pt>
+    <dgm:pt modelId="{BDA7A0FE-D4BE-D946-B8D8-6482439467F1}" type="sibTrans" cxnId="{48C07626-1314-A142-8A86-1D846DC8B963}">
+      <dgm:prSet/>
+      <dgm:spPr/>
+      <dgm:t>
+        <a:bodyPr/>
+        <a:lstStyle/>
+        <a:p>
+          <a:endParaRPr lang="fr-FR"/>
+        </a:p>
+      </dgm:t>
+    </dgm:pt>
+    <dgm:pt modelId="{2AE1C701-5AB5-C548-A4B9-6431DD4246A7}">
+      <dgm:prSet/>
+      <dgm:spPr/>
+      <dgm:t>
+        <a:bodyPr/>
+        <a:lstStyle/>
+        <a:p>
+          <a:r>
+            <a:rPr lang="fr-FR" dirty="0" err="1"/>
+            <a:t>Enum</a:t>
+          </a:r>
+          <a:r>
+            <a:rPr lang="fr-FR" dirty="0"/>
+            <a:t> </a:t>
+          </a:r>
+          <a:r>
+            <a:rPr lang="fr-FR" dirty="0" err="1"/>
+            <a:t>ActionType</a:t>
+          </a:r>
+          <a:r>
+            <a:rPr lang="fr-FR" dirty="0"/>
+            <a:t> -&gt; </a:t>
+          </a:r>
+          <a:r>
+            <a:rPr lang="fr-FR" b="0" dirty="0">
+              <a:latin typeface="Big Caslon Medium" panose="02000603090000020003" pitchFamily="2" charset="-79"/>
+              <a:ea typeface="Apple Color Emoji" pitchFamily="2" charset="0"/>
+              <a:cs typeface="Big Caslon Medium" panose="02000603090000020003" pitchFamily="2" charset="-79"/>
+            </a:rPr>
+            <a:t>Enumère le rôle du personnage (il est attaquant, soignant, soigné ou il reçoit l’attaque)</a:t>
+          </a:r>
+          <a:endParaRPr lang="fr-FR" dirty="0"/>
+        </a:p>
+      </dgm:t>
+    </dgm:pt>
+    <dgm:pt modelId="{5C4E818C-744C-DF47-B85E-0B382DF49CD5}" type="parTrans" cxnId="{EFA5D0E8-5517-D842-887D-D0953F5ACAE2}">
+      <dgm:prSet/>
+      <dgm:spPr/>
+      <dgm:t>
+        <a:bodyPr/>
+        <a:lstStyle/>
+        <a:p>
+          <a:endParaRPr lang="fr-FR"/>
+        </a:p>
+      </dgm:t>
+    </dgm:pt>
+    <dgm:pt modelId="{242EDAB1-9B09-ED4C-9A33-3DC1154F07CE}" type="sibTrans" cxnId="{EFA5D0E8-5517-D842-887D-D0953F5ACAE2}">
+      <dgm:prSet/>
+      <dgm:spPr/>
+      <dgm:t>
+        <a:bodyPr/>
+        <a:lstStyle/>
+        <a:p>
+          <a:endParaRPr lang="fr-FR"/>
+        </a:p>
+      </dgm:t>
+    </dgm:pt>
+    <dgm:pt modelId="{FEF23CE2-7B44-174D-8A74-4525DA950ADA}" type="pres">
       <dgm:prSet presAssocID="{4558FB12-60CB-4C23-898D-FFF744E5F0D3}" presName="vert0" presStyleCnt="0">
         <dgm:presLayoutVars>
           <dgm:dir/>
@@ -2371,141 +2842,207 @@
       </dgm:prSet>
       <dgm:spPr/>
     </dgm:pt>
-    <dgm:pt modelId="{986E1102-FDCF-2E4A-B0E7-788D58D9FB58}" type="pres">
-      <dgm:prSet presAssocID="{3B74E6BD-649E-40E3-83E7-F8244F7ACA95}" presName="thickLine" presStyleLbl="alignNode1" presStyleIdx="0" presStyleCnt="6"/>
+    <dgm:pt modelId="{59A1C0CA-FF9B-924F-AFF0-871A72BD6AE0}" type="pres">
+      <dgm:prSet presAssocID="{3B74E6BD-649E-40E3-83E7-F8244F7ACA95}" presName="thickLine" presStyleLbl="alignNode1" presStyleIdx="0" presStyleCnt="9"/>
       <dgm:spPr/>
     </dgm:pt>
-    <dgm:pt modelId="{4724994E-EC32-4545-BDE9-F7524842E532}" type="pres">
+    <dgm:pt modelId="{21612BC0-10AA-7742-8844-6907FEDFEDB4}" type="pres">
       <dgm:prSet presAssocID="{3B74E6BD-649E-40E3-83E7-F8244F7ACA95}" presName="horz1" presStyleCnt="0"/>
       <dgm:spPr/>
     </dgm:pt>
-    <dgm:pt modelId="{4EDB6E5B-EE72-8B48-A625-EA6FE22BD7B1}" type="pres">
-      <dgm:prSet presAssocID="{3B74E6BD-649E-40E3-83E7-F8244F7ACA95}" presName="tx1" presStyleLbl="revTx" presStyleIdx="0" presStyleCnt="6"/>
+    <dgm:pt modelId="{26DBDE83-1941-6A44-AD5D-E8CD5C7DB7C7}" type="pres">
+      <dgm:prSet presAssocID="{3B74E6BD-649E-40E3-83E7-F8244F7ACA95}" presName="tx1" presStyleLbl="revTx" presStyleIdx="0" presStyleCnt="9"/>
       <dgm:spPr/>
     </dgm:pt>
-    <dgm:pt modelId="{9589FD2B-0B94-334A-838D-4E6D096C9FDF}" type="pres">
+    <dgm:pt modelId="{2FAFE14A-7C28-9F4A-A245-8D7BCAED6988}" type="pres">
       <dgm:prSet presAssocID="{3B74E6BD-649E-40E3-83E7-F8244F7ACA95}" presName="vert1" presStyleCnt="0"/>
       <dgm:spPr/>
     </dgm:pt>
-    <dgm:pt modelId="{05DC6673-7C0A-F140-BE75-152FE3E1A62A}" type="pres">
-      <dgm:prSet presAssocID="{5EC19A47-3A73-4E2C-BFA3-ADFD457522B0}" presName="thickLine" presStyleLbl="alignNode1" presStyleIdx="1" presStyleCnt="6"/>
+    <dgm:pt modelId="{4E68A383-8863-8E41-B823-831E18D7C7FF}" type="pres">
+      <dgm:prSet presAssocID="{5EC19A47-3A73-4E2C-BFA3-ADFD457522B0}" presName="thickLine" presStyleLbl="alignNode1" presStyleIdx="1" presStyleCnt="9"/>
       <dgm:spPr/>
     </dgm:pt>
-    <dgm:pt modelId="{5F0D6156-2BF9-414A-A228-F1C611E682A4}" type="pres">
+    <dgm:pt modelId="{88B7AE70-F5DA-964C-BEDC-9402C99C6E23}" type="pres">
       <dgm:prSet presAssocID="{5EC19A47-3A73-4E2C-BFA3-ADFD457522B0}" presName="horz1" presStyleCnt="0"/>
       <dgm:spPr/>
     </dgm:pt>
-    <dgm:pt modelId="{7F2D33D1-83D0-6349-B874-918F4F8DDDA6}" type="pres">
-      <dgm:prSet presAssocID="{5EC19A47-3A73-4E2C-BFA3-ADFD457522B0}" presName="tx1" presStyleLbl="revTx" presStyleIdx="1" presStyleCnt="6"/>
+    <dgm:pt modelId="{9E6ED8DD-CE26-DA46-8B60-7CEF2663A84D}" type="pres">
+      <dgm:prSet presAssocID="{5EC19A47-3A73-4E2C-BFA3-ADFD457522B0}" presName="tx1" presStyleLbl="revTx" presStyleIdx="1" presStyleCnt="9"/>
       <dgm:spPr/>
     </dgm:pt>
-    <dgm:pt modelId="{D9300B32-9EF9-D54F-85A8-64934A3DE92B}" type="pres">
+    <dgm:pt modelId="{ED93CAC2-CE28-A743-844C-6C4408C03BFD}" type="pres">
       <dgm:prSet presAssocID="{5EC19A47-3A73-4E2C-BFA3-ADFD457522B0}" presName="vert1" presStyleCnt="0"/>
       <dgm:spPr/>
     </dgm:pt>
-    <dgm:pt modelId="{30A8DBBD-0AEC-8140-8AB3-5ABBCB7DCE4C}" type="pres">
-      <dgm:prSet presAssocID="{3A9A6487-C554-456A-BC97-010F6C793327}" presName="thickLine" presStyleLbl="alignNode1" presStyleIdx="2" presStyleCnt="6"/>
+    <dgm:pt modelId="{ABECBDD3-8071-8B44-A9EB-7DF3FC579042}" type="pres">
+      <dgm:prSet presAssocID="{3A9A6487-C554-456A-BC97-010F6C793327}" presName="thickLine" presStyleLbl="alignNode1" presStyleIdx="2" presStyleCnt="9"/>
       <dgm:spPr/>
     </dgm:pt>
-    <dgm:pt modelId="{221B02BD-6187-AA41-ADF6-F87C2D69A445}" type="pres">
+    <dgm:pt modelId="{C689BE0F-4CBA-2D48-808C-30A2C74A95D1}" type="pres">
       <dgm:prSet presAssocID="{3A9A6487-C554-456A-BC97-010F6C793327}" presName="horz1" presStyleCnt="0"/>
       <dgm:spPr/>
     </dgm:pt>
-    <dgm:pt modelId="{FC2881F6-7DDA-2846-8B8E-67823887EDBD}" type="pres">
-      <dgm:prSet presAssocID="{3A9A6487-C554-456A-BC97-010F6C793327}" presName="tx1" presStyleLbl="revTx" presStyleIdx="2" presStyleCnt="6"/>
+    <dgm:pt modelId="{D2BD02F3-8F45-9F49-B485-539BA1970143}" type="pres">
+      <dgm:prSet presAssocID="{3A9A6487-C554-456A-BC97-010F6C793327}" presName="tx1" presStyleLbl="revTx" presStyleIdx="2" presStyleCnt="9"/>
       <dgm:spPr/>
     </dgm:pt>
-    <dgm:pt modelId="{B16D5995-D5DE-F14D-9B5E-27B03D578115}" type="pres">
+    <dgm:pt modelId="{2B92C33E-4C14-D04C-8A42-9BF60E2548D7}" type="pres">
       <dgm:prSet presAssocID="{3A9A6487-C554-456A-BC97-010F6C793327}" presName="vert1" presStyleCnt="0"/>
       <dgm:spPr/>
     </dgm:pt>
-    <dgm:pt modelId="{4C3D1C89-23FD-F94D-AB57-8400949B7453}" type="pres">
-      <dgm:prSet presAssocID="{821F721F-B624-42A7-9AC3-822257606D63}" presName="thickLine" presStyleLbl="alignNode1" presStyleIdx="3" presStyleCnt="6"/>
+    <dgm:pt modelId="{F8C67D8C-02F0-8048-97A7-740D15C3B34E}" type="pres">
+      <dgm:prSet presAssocID="{821F721F-B624-42A7-9AC3-822257606D63}" presName="thickLine" presStyleLbl="alignNode1" presStyleIdx="3" presStyleCnt="9"/>
       <dgm:spPr/>
     </dgm:pt>
-    <dgm:pt modelId="{A20E9674-577A-944F-95DF-0E517E4B7137}" type="pres">
+    <dgm:pt modelId="{DC3F313D-38BA-DF45-93A3-59CC7F6C3AE9}" type="pres">
       <dgm:prSet presAssocID="{821F721F-B624-42A7-9AC3-822257606D63}" presName="horz1" presStyleCnt="0"/>
       <dgm:spPr/>
     </dgm:pt>
-    <dgm:pt modelId="{8AF88665-1FDB-DA42-9333-5C92E8428256}" type="pres">
-      <dgm:prSet presAssocID="{821F721F-B624-42A7-9AC3-822257606D63}" presName="tx1" presStyleLbl="revTx" presStyleIdx="3" presStyleCnt="6"/>
+    <dgm:pt modelId="{0686BB03-DDC9-664F-9986-6085F1AF7907}" type="pres">
+      <dgm:prSet presAssocID="{821F721F-B624-42A7-9AC3-822257606D63}" presName="tx1" presStyleLbl="revTx" presStyleIdx="3" presStyleCnt="9"/>
       <dgm:spPr/>
     </dgm:pt>
-    <dgm:pt modelId="{2B124B6E-5FC8-4B46-B8D4-2AE3287305F7}" type="pres">
+    <dgm:pt modelId="{94C5260C-F014-7C44-8476-65E2F9A811BE}" type="pres">
       <dgm:prSet presAssocID="{821F721F-B624-42A7-9AC3-822257606D63}" presName="vert1" presStyleCnt="0"/>
       <dgm:spPr/>
     </dgm:pt>
-    <dgm:pt modelId="{A72AE57A-0DFA-4647-8422-94880827BDED}" type="pres">
-      <dgm:prSet presAssocID="{42CF1C57-43F1-4A5E-9355-9BA90D1452F5}" presName="thickLine" presStyleLbl="alignNode1" presStyleIdx="4" presStyleCnt="6"/>
+    <dgm:pt modelId="{9485BB66-F44E-B947-8472-EC28FAE09D4D}" type="pres">
+      <dgm:prSet presAssocID="{42CF1C57-43F1-4A5E-9355-9BA90D1452F5}" presName="thickLine" presStyleLbl="alignNode1" presStyleIdx="4" presStyleCnt="9"/>
       <dgm:spPr/>
     </dgm:pt>
-    <dgm:pt modelId="{9EB9FF70-3784-4A41-8F7C-D1C78ABC9DB1}" type="pres">
+    <dgm:pt modelId="{4EA3C659-D117-2D45-8ED3-6549C56EBB57}" type="pres">
       <dgm:prSet presAssocID="{42CF1C57-43F1-4A5E-9355-9BA90D1452F5}" presName="horz1" presStyleCnt="0"/>
       <dgm:spPr/>
     </dgm:pt>
-    <dgm:pt modelId="{5D388A5E-1999-E94C-9437-76A0CC87284F}" type="pres">
-      <dgm:prSet presAssocID="{42CF1C57-43F1-4A5E-9355-9BA90D1452F5}" presName="tx1" presStyleLbl="revTx" presStyleIdx="4" presStyleCnt="6"/>
+    <dgm:pt modelId="{582468B1-4684-B84D-A17E-752069012236}" type="pres">
+      <dgm:prSet presAssocID="{42CF1C57-43F1-4A5E-9355-9BA90D1452F5}" presName="tx1" presStyleLbl="revTx" presStyleIdx="4" presStyleCnt="9"/>
       <dgm:spPr/>
     </dgm:pt>
-    <dgm:pt modelId="{422F771E-D717-FB4F-A7AA-77501D8D06DB}" type="pres">
+    <dgm:pt modelId="{5F76D789-DEDF-364E-9EEA-734D85265336}" type="pres">
       <dgm:prSet presAssocID="{42CF1C57-43F1-4A5E-9355-9BA90D1452F5}" presName="vert1" presStyleCnt="0"/>
       <dgm:spPr/>
     </dgm:pt>
-    <dgm:pt modelId="{D34DEC08-E852-494A-ADEF-6BFC84E21BD1}" type="pres">
-      <dgm:prSet presAssocID="{67F204FF-B37E-9647-BA4F-61C0FF8163A7}" presName="thickLine" presStyleLbl="alignNode1" presStyleIdx="5" presStyleCnt="6"/>
+    <dgm:pt modelId="{8A5D60A4-85B5-3143-859C-8477B1CA8BB1}" type="pres">
+      <dgm:prSet presAssocID="{67F204FF-B37E-9647-BA4F-61C0FF8163A7}" presName="thickLine" presStyleLbl="alignNode1" presStyleIdx="5" presStyleCnt="9"/>
       <dgm:spPr/>
     </dgm:pt>
-    <dgm:pt modelId="{8754271E-5180-E449-86A6-25E9861901B8}" type="pres">
+    <dgm:pt modelId="{9438F6DE-6291-E848-9F06-B5F599C5AF66}" type="pres">
       <dgm:prSet presAssocID="{67F204FF-B37E-9647-BA4F-61C0FF8163A7}" presName="horz1" presStyleCnt="0"/>
       <dgm:spPr/>
     </dgm:pt>
-    <dgm:pt modelId="{A7E31225-5A5E-3040-9BC5-D7E4573441B3}" type="pres">
-      <dgm:prSet presAssocID="{67F204FF-B37E-9647-BA4F-61C0FF8163A7}" presName="tx1" presStyleLbl="revTx" presStyleIdx="5" presStyleCnt="6"/>
+    <dgm:pt modelId="{BB3F5A56-733E-6E45-B661-8557C4DC9460}" type="pres">
+      <dgm:prSet presAssocID="{67F204FF-B37E-9647-BA4F-61C0FF8163A7}" presName="tx1" presStyleLbl="revTx" presStyleIdx="5" presStyleCnt="9"/>
       <dgm:spPr/>
     </dgm:pt>
-    <dgm:pt modelId="{8EEE912A-7156-0846-B16B-DE46D1899CBC}" type="pres">
+    <dgm:pt modelId="{A2D7340C-29E6-8E42-BFB0-B9E69AFE049F}" type="pres">
       <dgm:prSet presAssocID="{67F204FF-B37E-9647-BA4F-61C0FF8163A7}" presName="vert1" presStyleCnt="0"/>
+      <dgm:spPr/>
+    </dgm:pt>
+    <dgm:pt modelId="{10A589D3-CC0F-684B-9C3C-A92907151CBA}" type="pres">
+      <dgm:prSet presAssocID="{1C3B5C3B-868F-F54D-9463-AAFB2329736A}" presName="thickLine" presStyleLbl="alignNode1" presStyleIdx="6" presStyleCnt="9"/>
+      <dgm:spPr/>
+    </dgm:pt>
+    <dgm:pt modelId="{5A725A35-6324-CD40-9B9D-8DB85207B1AB}" type="pres">
+      <dgm:prSet presAssocID="{1C3B5C3B-868F-F54D-9463-AAFB2329736A}" presName="horz1" presStyleCnt="0"/>
+      <dgm:spPr/>
+    </dgm:pt>
+    <dgm:pt modelId="{FFE741C0-3D02-DB47-91E3-8FADDA7D2F3A}" type="pres">
+      <dgm:prSet presAssocID="{1C3B5C3B-868F-F54D-9463-AAFB2329736A}" presName="tx1" presStyleLbl="revTx" presStyleIdx="6" presStyleCnt="9"/>
+      <dgm:spPr/>
+    </dgm:pt>
+    <dgm:pt modelId="{6CA9807F-9A1F-0749-9760-96F759EF7926}" type="pres">
+      <dgm:prSet presAssocID="{1C3B5C3B-868F-F54D-9463-AAFB2329736A}" presName="vert1" presStyleCnt="0"/>
+      <dgm:spPr/>
+    </dgm:pt>
+    <dgm:pt modelId="{81C2A68E-602B-3441-A9FF-25938C44CE9C}" type="pres">
+      <dgm:prSet presAssocID="{EEBFAAE2-4222-E64F-88B1-A1E8B9CBB9ED}" presName="thickLine" presStyleLbl="alignNode1" presStyleIdx="7" presStyleCnt="9"/>
+      <dgm:spPr/>
+    </dgm:pt>
+    <dgm:pt modelId="{EED70B65-CE9E-1B40-8C44-8AFAB8103883}" type="pres">
+      <dgm:prSet presAssocID="{EEBFAAE2-4222-E64F-88B1-A1E8B9CBB9ED}" presName="horz1" presStyleCnt="0"/>
+      <dgm:spPr/>
+    </dgm:pt>
+    <dgm:pt modelId="{9E47A910-9B07-C64C-95E4-729B89F74207}" type="pres">
+      <dgm:prSet presAssocID="{EEBFAAE2-4222-E64F-88B1-A1E8B9CBB9ED}" presName="tx1" presStyleLbl="revTx" presStyleIdx="7" presStyleCnt="9"/>
+      <dgm:spPr/>
+    </dgm:pt>
+    <dgm:pt modelId="{E149A492-C478-D04E-8519-631A8AF0DECD}" type="pres">
+      <dgm:prSet presAssocID="{EEBFAAE2-4222-E64F-88B1-A1E8B9CBB9ED}" presName="vert1" presStyleCnt="0"/>
+      <dgm:spPr/>
+    </dgm:pt>
+    <dgm:pt modelId="{573F15C0-B0A8-2B48-A282-CBD3D4D48582}" type="pres">
+      <dgm:prSet presAssocID="{2AE1C701-5AB5-C548-A4B9-6431DD4246A7}" presName="thickLine" presStyleLbl="alignNode1" presStyleIdx="8" presStyleCnt="9"/>
+      <dgm:spPr/>
+    </dgm:pt>
+    <dgm:pt modelId="{3EACB84E-DE38-C548-B6DF-431025526582}" type="pres">
+      <dgm:prSet presAssocID="{2AE1C701-5AB5-C548-A4B9-6431DD4246A7}" presName="horz1" presStyleCnt="0"/>
+      <dgm:spPr/>
+    </dgm:pt>
+    <dgm:pt modelId="{D9E77A5A-5790-7341-8892-6BF88E993082}" type="pres">
+      <dgm:prSet presAssocID="{2AE1C701-5AB5-C548-A4B9-6431DD4246A7}" presName="tx1" presStyleLbl="revTx" presStyleIdx="8" presStyleCnt="9"/>
+      <dgm:spPr/>
+    </dgm:pt>
+    <dgm:pt modelId="{265CDA59-4DC0-B04F-A022-3B6D41D524FE}" type="pres">
+      <dgm:prSet presAssocID="{2AE1C701-5AB5-C548-A4B9-6431DD4246A7}" presName="vert1" presStyleCnt="0"/>
       <dgm:spPr/>
     </dgm:pt>
   </dgm:ptLst>
   <dgm:cxnLst>
-    <dgm:cxn modelId="{B9F09004-B093-F94F-9D45-4E9B1106A8E4}" type="presOf" srcId="{3B74E6BD-649E-40E3-83E7-F8244F7ACA95}" destId="{4EDB6E5B-EE72-8B48-A625-EA6FE22BD7B1}" srcOrd="0" destOrd="0" presId="urn:microsoft.com/office/officeart/2008/layout/LinedList"/>
+    <dgm:cxn modelId="{9F4BEF0E-4747-7044-A680-FFD080346F89}" type="presOf" srcId="{EEBFAAE2-4222-E64F-88B1-A1E8B9CBB9ED}" destId="{9E47A910-9B07-C64C-95E4-729B89F74207}" srcOrd="0" destOrd="0" presId="urn:microsoft.com/office/officeart/2008/layout/LinedList"/>
+    <dgm:cxn modelId="{367DBF11-4017-4346-8335-0E3C80428BDE}" type="presOf" srcId="{3B74E6BD-649E-40E3-83E7-F8244F7ACA95}" destId="{26DBDE83-1941-6A44-AD5D-E8CD5C7DB7C7}" srcOrd="0" destOrd="0" presId="urn:microsoft.com/office/officeart/2008/layout/LinedList"/>
+    <dgm:cxn modelId="{82345820-AF4A-874A-A425-38A30E33E6A9}" type="presOf" srcId="{2AE1C701-5AB5-C548-A4B9-6431DD4246A7}" destId="{D9E77A5A-5790-7341-8892-6BF88E993082}" srcOrd="0" destOrd="0" presId="urn:microsoft.com/office/officeart/2008/layout/LinedList"/>
+    <dgm:cxn modelId="{48C07626-1314-A142-8A86-1D846DC8B963}" srcId="{4558FB12-60CB-4C23-898D-FFF744E5F0D3}" destId="{EEBFAAE2-4222-E64F-88B1-A1E8B9CBB9ED}" srcOrd="7" destOrd="0" parTransId="{98EE35A4-28A4-DE47-A6AF-DB7DD1CF86CC}" sibTransId="{BDA7A0FE-D4BE-D946-B8D8-6482439467F1}"/>
     <dgm:cxn modelId="{E0144C28-E40A-48A6-8B73-7417403F104D}" srcId="{4558FB12-60CB-4C23-898D-FFF744E5F0D3}" destId="{5EC19A47-3A73-4E2C-BFA3-ADFD457522B0}" srcOrd="1" destOrd="0" parTransId="{E90A176C-B25A-415E-A187-2383210E3042}" sibTransId="{891DA0CB-4954-4A46-8A74-71259DF4C925}"/>
-    <dgm:cxn modelId="{53679A30-D080-F744-BA89-5F1F990B74AF}" type="presOf" srcId="{5EC19A47-3A73-4E2C-BFA3-ADFD457522B0}" destId="{7F2D33D1-83D0-6349-B874-918F4F8DDDA6}" srcOrd="0" destOrd="0" presId="urn:microsoft.com/office/officeart/2008/layout/LinedList"/>
+    <dgm:cxn modelId="{C729A535-5D4F-9040-AFCC-C2D15ECA82CC}" type="presOf" srcId="{4558FB12-60CB-4C23-898D-FFF744E5F0D3}" destId="{FEF23CE2-7B44-174D-8A74-4525DA950ADA}" srcOrd="0" destOrd="0" presId="urn:microsoft.com/office/officeart/2008/layout/LinedList"/>
+    <dgm:cxn modelId="{97A2B246-D6DC-CD4D-BB7A-262B835B8E00}" type="presOf" srcId="{1C3B5C3B-868F-F54D-9463-AAFB2329736A}" destId="{FFE741C0-3D02-DB47-91E3-8FADDA7D2F3A}" srcOrd="0" destOrd="0" presId="urn:microsoft.com/office/officeart/2008/layout/LinedList"/>
     <dgm:cxn modelId="{DC7A3148-B5DA-5A4B-87D3-40373ADD5A27}" srcId="{4558FB12-60CB-4C23-898D-FFF744E5F0D3}" destId="{67F204FF-B37E-9647-BA4F-61C0FF8163A7}" srcOrd="5" destOrd="0" parTransId="{362714D6-0238-5745-9D20-77B239F5894B}" sibTransId="{E6768AD9-18C6-734A-904F-273EB19150BC}"/>
     <dgm:cxn modelId="{38A3304A-F88A-4B23-8C11-97A84C70A17C}" srcId="{4558FB12-60CB-4C23-898D-FFF744E5F0D3}" destId="{3B74E6BD-649E-40E3-83E7-F8244F7ACA95}" srcOrd="0" destOrd="0" parTransId="{A9EA75A3-56E9-4713-A552-96AE0AC9F782}" sibTransId="{2253590E-85A5-4923-B40D-AB8156072074}"/>
+    <dgm:cxn modelId="{D46A6859-11F4-644A-9C3E-C19E43034E9B}" type="presOf" srcId="{67F204FF-B37E-9647-BA4F-61C0FF8163A7}" destId="{BB3F5A56-733E-6E45-B661-8557C4DC9460}" srcOrd="0" destOrd="0" presId="urn:microsoft.com/office/officeart/2008/layout/LinedList"/>
     <dgm:cxn modelId="{DDD5F359-5897-496D-AAB9-6CAAACE3C3FE}" srcId="{4558FB12-60CB-4C23-898D-FFF744E5F0D3}" destId="{3A9A6487-C554-456A-BC97-010F6C793327}" srcOrd="2" destOrd="0" parTransId="{3F35A814-C36B-4EA0-92EB-9EA18C1B55BC}" sibTransId="{A728FB72-F212-45AD-9293-E32133DCC03D}"/>
+    <dgm:cxn modelId="{06E7175B-6738-B446-89F4-D820F89EA1DA}" type="presOf" srcId="{5EC19A47-3A73-4E2C-BFA3-ADFD457522B0}" destId="{9E6ED8DD-CE26-DA46-8B60-7CEF2663A84D}" srcOrd="0" destOrd="0" presId="urn:microsoft.com/office/officeart/2008/layout/LinedList"/>
     <dgm:cxn modelId="{DA8CF56B-11DD-468A-BA47-AF6C19C4B3B4}" srcId="{4558FB12-60CB-4C23-898D-FFF744E5F0D3}" destId="{42CF1C57-43F1-4A5E-9355-9BA90D1452F5}" srcOrd="4" destOrd="0" parTransId="{6D5A1FFB-B5A9-4C33-AFA4-BC8B68B31347}" sibTransId="{F6FE2F43-43EF-49C9-9DD2-7AA53DD00B5B}"/>
-    <dgm:cxn modelId="{C982BB70-4B77-6643-9818-1BC0CF6F9557}" type="presOf" srcId="{3A9A6487-C554-456A-BC97-010F6C793327}" destId="{FC2881F6-7DDA-2846-8B8E-67823887EDBD}" srcOrd="0" destOrd="0" presId="urn:microsoft.com/office/officeart/2008/layout/LinedList"/>
     <dgm:cxn modelId="{4CF1357C-8885-4220-9D96-8CD430614542}" srcId="{4558FB12-60CB-4C23-898D-FFF744E5F0D3}" destId="{821F721F-B624-42A7-9AC3-822257606D63}" srcOrd="3" destOrd="0" parTransId="{7973866E-97FF-42C5-8D18-30346361F6E8}" sibTransId="{358FF9B4-120E-46EC-8F11-2B7BA9A8E6AD}"/>
-    <dgm:cxn modelId="{FED96599-7611-3E4F-A30B-8C55433D5B50}" type="presOf" srcId="{67F204FF-B37E-9647-BA4F-61C0FF8163A7}" destId="{A7E31225-5A5E-3040-9BC5-D7E4573441B3}" srcOrd="0" destOrd="0" presId="urn:microsoft.com/office/officeart/2008/layout/LinedList"/>
-    <dgm:cxn modelId="{BC697D9F-7428-C548-990E-A723CD618950}" type="presOf" srcId="{4558FB12-60CB-4C23-898D-FFF744E5F0D3}" destId="{9B3869BB-CC8F-D249-91F0-F472BF768D98}" srcOrd="0" destOrd="0" presId="urn:microsoft.com/office/officeart/2008/layout/LinedList"/>
-    <dgm:cxn modelId="{FD3CDCFA-FD87-564B-8BEA-8AB40BD0BB07}" type="presOf" srcId="{821F721F-B624-42A7-9AC3-822257606D63}" destId="{8AF88665-1FDB-DA42-9333-5C92E8428256}" srcOrd="0" destOrd="0" presId="urn:microsoft.com/office/officeart/2008/layout/LinedList"/>
-    <dgm:cxn modelId="{6CF212FD-614E-2847-967F-09446823B286}" type="presOf" srcId="{42CF1C57-43F1-4A5E-9355-9BA90D1452F5}" destId="{5D388A5E-1999-E94C-9437-76A0CC87284F}" srcOrd="0" destOrd="0" presId="urn:microsoft.com/office/officeart/2008/layout/LinedList"/>
-    <dgm:cxn modelId="{9D4329FE-8123-144F-9860-3B0072BBE70A}" type="presParOf" srcId="{9B3869BB-CC8F-D249-91F0-F472BF768D98}" destId="{986E1102-FDCF-2E4A-B0E7-788D58D9FB58}" srcOrd="0" destOrd="0" presId="urn:microsoft.com/office/officeart/2008/layout/LinedList"/>
-    <dgm:cxn modelId="{ABA8CE6B-5BE2-F746-9DD7-8971A178152A}" type="presParOf" srcId="{9B3869BB-CC8F-D249-91F0-F472BF768D98}" destId="{4724994E-EC32-4545-BDE9-F7524842E532}" srcOrd="1" destOrd="0" presId="urn:microsoft.com/office/officeart/2008/layout/LinedList"/>
-    <dgm:cxn modelId="{69CA00C6-9389-DC44-BA35-CE64ACFACC8B}" type="presParOf" srcId="{4724994E-EC32-4545-BDE9-F7524842E532}" destId="{4EDB6E5B-EE72-8B48-A625-EA6FE22BD7B1}" srcOrd="0" destOrd="0" presId="urn:microsoft.com/office/officeart/2008/layout/LinedList"/>
-    <dgm:cxn modelId="{EF1C00FA-0798-C446-8503-264F184E8D57}" type="presParOf" srcId="{4724994E-EC32-4545-BDE9-F7524842E532}" destId="{9589FD2B-0B94-334A-838D-4E6D096C9FDF}" srcOrd="1" destOrd="0" presId="urn:microsoft.com/office/officeart/2008/layout/LinedList"/>
-    <dgm:cxn modelId="{7C559891-F703-3F40-B85F-730E828CA3D1}" type="presParOf" srcId="{9B3869BB-CC8F-D249-91F0-F472BF768D98}" destId="{05DC6673-7C0A-F140-BE75-152FE3E1A62A}" srcOrd="2" destOrd="0" presId="urn:microsoft.com/office/officeart/2008/layout/LinedList"/>
-    <dgm:cxn modelId="{D43F3637-3E23-8F46-AF6A-78B9B93C9F08}" type="presParOf" srcId="{9B3869BB-CC8F-D249-91F0-F472BF768D98}" destId="{5F0D6156-2BF9-414A-A228-F1C611E682A4}" srcOrd="3" destOrd="0" presId="urn:microsoft.com/office/officeart/2008/layout/LinedList"/>
-    <dgm:cxn modelId="{503B0E11-6ABD-984C-B5D0-3674A84A389D}" type="presParOf" srcId="{5F0D6156-2BF9-414A-A228-F1C611E682A4}" destId="{7F2D33D1-83D0-6349-B874-918F4F8DDDA6}" srcOrd="0" destOrd="0" presId="urn:microsoft.com/office/officeart/2008/layout/LinedList"/>
-    <dgm:cxn modelId="{B54A2B3D-C528-FF43-8E99-F2122F217BD3}" type="presParOf" srcId="{5F0D6156-2BF9-414A-A228-F1C611E682A4}" destId="{D9300B32-9EF9-D54F-85A8-64934A3DE92B}" srcOrd="1" destOrd="0" presId="urn:microsoft.com/office/officeart/2008/layout/LinedList"/>
-    <dgm:cxn modelId="{389BEDC0-DD0C-6B40-A6F1-DB5D91C9C922}" type="presParOf" srcId="{9B3869BB-CC8F-D249-91F0-F472BF768D98}" destId="{30A8DBBD-0AEC-8140-8AB3-5ABBCB7DCE4C}" srcOrd="4" destOrd="0" presId="urn:microsoft.com/office/officeart/2008/layout/LinedList"/>
-    <dgm:cxn modelId="{1053DC1F-AA5B-8140-BF12-768A4BAD90F4}" type="presParOf" srcId="{9B3869BB-CC8F-D249-91F0-F472BF768D98}" destId="{221B02BD-6187-AA41-ADF6-F87C2D69A445}" srcOrd="5" destOrd="0" presId="urn:microsoft.com/office/officeart/2008/layout/LinedList"/>
-    <dgm:cxn modelId="{D06931A3-B17F-8145-B895-3D01031754F0}" type="presParOf" srcId="{221B02BD-6187-AA41-ADF6-F87C2D69A445}" destId="{FC2881F6-7DDA-2846-8B8E-67823887EDBD}" srcOrd="0" destOrd="0" presId="urn:microsoft.com/office/officeart/2008/layout/LinedList"/>
-    <dgm:cxn modelId="{C01D4BF6-9AAF-A64B-93CB-4B522A837501}" type="presParOf" srcId="{221B02BD-6187-AA41-ADF6-F87C2D69A445}" destId="{B16D5995-D5DE-F14D-9B5E-27B03D578115}" srcOrd="1" destOrd="0" presId="urn:microsoft.com/office/officeart/2008/layout/LinedList"/>
-    <dgm:cxn modelId="{5DFE215B-BE55-2D41-92F8-37047A2419D8}" type="presParOf" srcId="{9B3869BB-CC8F-D249-91F0-F472BF768D98}" destId="{4C3D1C89-23FD-F94D-AB57-8400949B7453}" srcOrd="6" destOrd="0" presId="urn:microsoft.com/office/officeart/2008/layout/LinedList"/>
-    <dgm:cxn modelId="{8C9E8506-C146-9F4C-AFC2-F33530216313}" type="presParOf" srcId="{9B3869BB-CC8F-D249-91F0-F472BF768D98}" destId="{A20E9674-577A-944F-95DF-0E517E4B7137}" srcOrd="7" destOrd="0" presId="urn:microsoft.com/office/officeart/2008/layout/LinedList"/>
-    <dgm:cxn modelId="{314B830B-1E68-F84A-A4B2-4626C0DD36E9}" type="presParOf" srcId="{A20E9674-577A-944F-95DF-0E517E4B7137}" destId="{8AF88665-1FDB-DA42-9333-5C92E8428256}" srcOrd="0" destOrd="0" presId="urn:microsoft.com/office/officeart/2008/layout/LinedList"/>
-    <dgm:cxn modelId="{500C2930-2C72-DC41-978B-50AA548034B8}" type="presParOf" srcId="{A20E9674-577A-944F-95DF-0E517E4B7137}" destId="{2B124B6E-5FC8-4B46-B8D4-2AE3287305F7}" srcOrd="1" destOrd="0" presId="urn:microsoft.com/office/officeart/2008/layout/LinedList"/>
-    <dgm:cxn modelId="{8295CC3C-D9C2-E944-9324-61313486D6F5}" type="presParOf" srcId="{9B3869BB-CC8F-D249-91F0-F472BF768D98}" destId="{A72AE57A-0DFA-4647-8422-94880827BDED}" srcOrd="8" destOrd="0" presId="urn:microsoft.com/office/officeart/2008/layout/LinedList"/>
-    <dgm:cxn modelId="{227843CD-0E06-3243-911F-11CC864483CA}" type="presParOf" srcId="{9B3869BB-CC8F-D249-91F0-F472BF768D98}" destId="{9EB9FF70-3784-4A41-8F7C-D1C78ABC9DB1}" srcOrd="9" destOrd="0" presId="urn:microsoft.com/office/officeart/2008/layout/LinedList"/>
-    <dgm:cxn modelId="{4491084B-6083-5A4B-BE36-1FC2DE026827}" type="presParOf" srcId="{9EB9FF70-3784-4A41-8F7C-D1C78ABC9DB1}" destId="{5D388A5E-1999-E94C-9437-76A0CC87284F}" srcOrd="0" destOrd="0" presId="urn:microsoft.com/office/officeart/2008/layout/LinedList"/>
-    <dgm:cxn modelId="{F65CE29D-6670-5B42-9F22-9DE1BCC131AC}" type="presParOf" srcId="{9EB9FF70-3784-4A41-8F7C-D1C78ABC9DB1}" destId="{422F771E-D717-FB4F-A7AA-77501D8D06DB}" srcOrd="1" destOrd="0" presId="urn:microsoft.com/office/officeart/2008/layout/LinedList"/>
-    <dgm:cxn modelId="{26D0D9A9-74A6-4340-A6FF-02D935B1CD94}" type="presParOf" srcId="{9B3869BB-CC8F-D249-91F0-F472BF768D98}" destId="{D34DEC08-E852-494A-ADEF-6BFC84E21BD1}" srcOrd="10" destOrd="0" presId="urn:microsoft.com/office/officeart/2008/layout/LinedList"/>
-    <dgm:cxn modelId="{93A276CB-130E-ED44-911C-24B2B0BEDAE4}" type="presParOf" srcId="{9B3869BB-CC8F-D249-91F0-F472BF768D98}" destId="{8754271E-5180-E449-86A6-25E9861901B8}" srcOrd="11" destOrd="0" presId="urn:microsoft.com/office/officeart/2008/layout/LinedList"/>
-    <dgm:cxn modelId="{71843A95-DEB2-BB48-B911-BE7E1A364653}" type="presParOf" srcId="{8754271E-5180-E449-86A6-25E9861901B8}" destId="{A7E31225-5A5E-3040-9BC5-D7E4573441B3}" srcOrd="0" destOrd="0" presId="urn:microsoft.com/office/officeart/2008/layout/LinedList"/>
-    <dgm:cxn modelId="{AD818B86-50BA-7542-8E73-A0079F59EDD4}" type="presParOf" srcId="{8754271E-5180-E449-86A6-25E9861901B8}" destId="{8EEE912A-7156-0846-B16B-DE46D1899CBC}" srcOrd="1" destOrd="0" presId="urn:microsoft.com/office/officeart/2008/layout/LinedList"/>
+    <dgm:cxn modelId="{3BAFCEA4-2D87-BC40-96D5-508922B253C1}" type="presOf" srcId="{821F721F-B624-42A7-9AC3-822257606D63}" destId="{0686BB03-DDC9-664F-9986-6085F1AF7907}" srcOrd="0" destOrd="0" presId="urn:microsoft.com/office/officeart/2008/layout/LinedList"/>
+    <dgm:cxn modelId="{02E82ACB-B408-CF4C-8815-F62E8FA50B41}" type="presOf" srcId="{42CF1C57-43F1-4A5E-9355-9BA90D1452F5}" destId="{582468B1-4684-B84D-A17E-752069012236}" srcOrd="0" destOrd="0" presId="urn:microsoft.com/office/officeart/2008/layout/LinedList"/>
+    <dgm:cxn modelId="{EFA5D0E8-5517-D842-887D-D0953F5ACAE2}" srcId="{4558FB12-60CB-4C23-898D-FFF744E5F0D3}" destId="{2AE1C701-5AB5-C548-A4B9-6431DD4246A7}" srcOrd="8" destOrd="0" parTransId="{5C4E818C-744C-DF47-B85E-0B382DF49CD5}" sibTransId="{242EDAB1-9B09-ED4C-9A33-3DC1154F07CE}"/>
+    <dgm:cxn modelId="{22AC9DF0-1C40-1D42-AD17-4788C5E8E7C3}" srcId="{4558FB12-60CB-4C23-898D-FFF744E5F0D3}" destId="{1C3B5C3B-868F-F54D-9463-AAFB2329736A}" srcOrd="6" destOrd="0" parTransId="{19424404-2EE4-5644-ACAD-AD3E15C59D24}" sibTransId="{4D1C8BF5-4745-484C-8713-C245DFB44053}"/>
+    <dgm:cxn modelId="{58E59FF3-7FCF-B541-8E63-FF49F1881423}" type="presOf" srcId="{3A9A6487-C554-456A-BC97-010F6C793327}" destId="{D2BD02F3-8F45-9F49-B485-539BA1970143}" srcOrd="0" destOrd="0" presId="urn:microsoft.com/office/officeart/2008/layout/LinedList"/>
+    <dgm:cxn modelId="{2385D150-343C-344A-B74A-3FBEA738DBC3}" type="presParOf" srcId="{FEF23CE2-7B44-174D-8A74-4525DA950ADA}" destId="{59A1C0CA-FF9B-924F-AFF0-871A72BD6AE0}" srcOrd="0" destOrd="0" presId="urn:microsoft.com/office/officeart/2008/layout/LinedList"/>
+    <dgm:cxn modelId="{F18B1406-02D3-7444-8281-7E3717A5E4A1}" type="presParOf" srcId="{FEF23CE2-7B44-174D-8A74-4525DA950ADA}" destId="{21612BC0-10AA-7742-8844-6907FEDFEDB4}" srcOrd="1" destOrd="0" presId="urn:microsoft.com/office/officeart/2008/layout/LinedList"/>
+    <dgm:cxn modelId="{F12AE5EE-2F15-9642-806E-0C7148CE0C52}" type="presParOf" srcId="{21612BC0-10AA-7742-8844-6907FEDFEDB4}" destId="{26DBDE83-1941-6A44-AD5D-E8CD5C7DB7C7}" srcOrd="0" destOrd="0" presId="urn:microsoft.com/office/officeart/2008/layout/LinedList"/>
+    <dgm:cxn modelId="{12370755-16E5-F043-A107-AFDA1D04E61A}" type="presParOf" srcId="{21612BC0-10AA-7742-8844-6907FEDFEDB4}" destId="{2FAFE14A-7C28-9F4A-A245-8D7BCAED6988}" srcOrd="1" destOrd="0" presId="urn:microsoft.com/office/officeart/2008/layout/LinedList"/>
+    <dgm:cxn modelId="{A32FF462-B4EF-164D-B3A2-7B70DBE4C1A3}" type="presParOf" srcId="{FEF23CE2-7B44-174D-8A74-4525DA950ADA}" destId="{4E68A383-8863-8E41-B823-831E18D7C7FF}" srcOrd="2" destOrd="0" presId="urn:microsoft.com/office/officeart/2008/layout/LinedList"/>
+    <dgm:cxn modelId="{CBB97227-13E3-6142-A7D9-66151E0519CF}" type="presParOf" srcId="{FEF23CE2-7B44-174D-8A74-4525DA950ADA}" destId="{88B7AE70-F5DA-964C-BEDC-9402C99C6E23}" srcOrd="3" destOrd="0" presId="urn:microsoft.com/office/officeart/2008/layout/LinedList"/>
+    <dgm:cxn modelId="{1A2FEBD3-1A0A-D044-B641-D657E5DEE962}" type="presParOf" srcId="{88B7AE70-F5DA-964C-BEDC-9402C99C6E23}" destId="{9E6ED8DD-CE26-DA46-8B60-7CEF2663A84D}" srcOrd="0" destOrd="0" presId="urn:microsoft.com/office/officeart/2008/layout/LinedList"/>
+    <dgm:cxn modelId="{EEE5A9D2-FDE8-7A42-B43C-34216E8D7746}" type="presParOf" srcId="{88B7AE70-F5DA-964C-BEDC-9402C99C6E23}" destId="{ED93CAC2-CE28-A743-844C-6C4408C03BFD}" srcOrd="1" destOrd="0" presId="urn:microsoft.com/office/officeart/2008/layout/LinedList"/>
+    <dgm:cxn modelId="{037F0B5A-D580-184A-BB9C-2F767A7E230F}" type="presParOf" srcId="{FEF23CE2-7B44-174D-8A74-4525DA950ADA}" destId="{ABECBDD3-8071-8B44-A9EB-7DF3FC579042}" srcOrd="4" destOrd="0" presId="urn:microsoft.com/office/officeart/2008/layout/LinedList"/>
+    <dgm:cxn modelId="{5B2B77CC-069C-3C42-8F84-B94AB2063BF7}" type="presParOf" srcId="{FEF23CE2-7B44-174D-8A74-4525DA950ADA}" destId="{C689BE0F-4CBA-2D48-808C-30A2C74A95D1}" srcOrd="5" destOrd="0" presId="urn:microsoft.com/office/officeart/2008/layout/LinedList"/>
+    <dgm:cxn modelId="{D9492695-F45A-C349-AE2A-980E3FB5E93F}" type="presParOf" srcId="{C689BE0F-4CBA-2D48-808C-30A2C74A95D1}" destId="{D2BD02F3-8F45-9F49-B485-539BA1970143}" srcOrd="0" destOrd="0" presId="urn:microsoft.com/office/officeart/2008/layout/LinedList"/>
+    <dgm:cxn modelId="{78CD8530-3B45-1645-AFE1-AD7798B00C58}" type="presParOf" srcId="{C689BE0F-4CBA-2D48-808C-30A2C74A95D1}" destId="{2B92C33E-4C14-D04C-8A42-9BF60E2548D7}" srcOrd="1" destOrd="0" presId="urn:microsoft.com/office/officeart/2008/layout/LinedList"/>
+    <dgm:cxn modelId="{B4007730-F7C7-7749-9A31-78D324DF29A8}" type="presParOf" srcId="{FEF23CE2-7B44-174D-8A74-4525DA950ADA}" destId="{F8C67D8C-02F0-8048-97A7-740D15C3B34E}" srcOrd="6" destOrd="0" presId="urn:microsoft.com/office/officeart/2008/layout/LinedList"/>
+    <dgm:cxn modelId="{FEF4CE99-7C54-C040-A1BD-1B7C9C67A6CC}" type="presParOf" srcId="{FEF23CE2-7B44-174D-8A74-4525DA950ADA}" destId="{DC3F313D-38BA-DF45-93A3-59CC7F6C3AE9}" srcOrd="7" destOrd="0" presId="urn:microsoft.com/office/officeart/2008/layout/LinedList"/>
+    <dgm:cxn modelId="{4AABBB56-EC40-604C-B937-21DF0275A623}" type="presParOf" srcId="{DC3F313D-38BA-DF45-93A3-59CC7F6C3AE9}" destId="{0686BB03-DDC9-664F-9986-6085F1AF7907}" srcOrd="0" destOrd="0" presId="urn:microsoft.com/office/officeart/2008/layout/LinedList"/>
+    <dgm:cxn modelId="{DB43F5AE-E1C8-F04A-B228-980CE3CBA251}" type="presParOf" srcId="{DC3F313D-38BA-DF45-93A3-59CC7F6C3AE9}" destId="{94C5260C-F014-7C44-8476-65E2F9A811BE}" srcOrd="1" destOrd="0" presId="urn:microsoft.com/office/officeart/2008/layout/LinedList"/>
+    <dgm:cxn modelId="{9526AE48-37A8-1D46-88DF-65F8A9C59081}" type="presParOf" srcId="{FEF23CE2-7B44-174D-8A74-4525DA950ADA}" destId="{9485BB66-F44E-B947-8472-EC28FAE09D4D}" srcOrd="8" destOrd="0" presId="urn:microsoft.com/office/officeart/2008/layout/LinedList"/>
+    <dgm:cxn modelId="{297680B7-D4D1-7647-86E4-87F44459DCB4}" type="presParOf" srcId="{FEF23CE2-7B44-174D-8A74-4525DA950ADA}" destId="{4EA3C659-D117-2D45-8ED3-6549C56EBB57}" srcOrd="9" destOrd="0" presId="urn:microsoft.com/office/officeart/2008/layout/LinedList"/>
+    <dgm:cxn modelId="{82C8AA7A-501B-8F46-9D73-1E140AA62C5C}" type="presParOf" srcId="{4EA3C659-D117-2D45-8ED3-6549C56EBB57}" destId="{582468B1-4684-B84D-A17E-752069012236}" srcOrd="0" destOrd="0" presId="urn:microsoft.com/office/officeart/2008/layout/LinedList"/>
+    <dgm:cxn modelId="{4C9C74CA-9DCF-3E4A-A99A-91C475A1DCDB}" type="presParOf" srcId="{4EA3C659-D117-2D45-8ED3-6549C56EBB57}" destId="{5F76D789-DEDF-364E-9EEA-734D85265336}" srcOrd="1" destOrd="0" presId="urn:microsoft.com/office/officeart/2008/layout/LinedList"/>
+    <dgm:cxn modelId="{C5428C1F-9D8D-2445-BB3B-3AAB9226C66B}" type="presParOf" srcId="{FEF23CE2-7B44-174D-8A74-4525DA950ADA}" destId="{8A5D60A4-85B5-3143-859C-8477B1CA8BB1}" srcOrd="10" destOrd="0" presId="urn:microsoft.com/office/officeart/2008/layout/LinedList"/>
+    <dgm:cxn modelId="{3C4D544C-AA82-8740-9597-DC078BD2F568}" type="presParOf" srcId="{FEF23CE2-7B44-174D-8A74-4525DA950ADA}" destId="{9438F6DE-6291-E848-9F06-B5F599C5AF66}" srcOrd="11" destOrd="0" presId="urn:microsoft.com/office/officeart/2008/layout/LinedList"/>
+    <dgm:cxn modelId="{BC88C1B2-2949-0B45-998B-5013F9789DEC}" type="presParOf" srcId="{9438F6DE-6291-E848-9F06-B5F599C5AF66}" destId="{BB3F5A56-733E-6E45-B661-8557C4DC9460}" srcOrd="0" destOrd="0" presId="urn:microsoft.com/office/officeart/2008/layout/LinedList"/>
+    <dgm:cxn modelId="{DE8190A1-E3B7-9D4E-9A93-2A017EA6D50A}" type="presParOf" srcId="{9438F6DE-6291-E848-9F06-B5F599C5AF66}" destId="{A2D7340C-29E6-8E42-BFB0-B9E69AFE049F}" srcOrd="1" destOrd="0" presId="urn:microsoft.com/office/officeart/2008/layout/LinedList"/>
+    <dgm:cxn modelId="{71F74EB5-46B5-6442-B475-126DCFD84169}" type="presParOf" srcId="{FEF23CE2-7B44-174D-8A74-4525DA950ADA}" destId="{10A589D3-CC0F-684B-9C3C-A92907151CBA}" srcOrd="12" destOrd="0" presId="urn:microsoft.com/office/officeart/2008/layout/LinedList"/>
+    <dgm:cxn modelId="{C9EA3AAE-01C8-B141-A1A1-90241EE7B217}" type="presParOf" srcId="{FEF23CE2-7B44-174D-8A74-4525DA950ADA}" destId="{5A725A35-6324-CD40-9B9D-8DB85207B1AB}" srcOrd="13" destOrd="0" presId="urn:microsoft.com/office/officeart/2008/layout/LinedList"/>
+    <dgm:cxn modelId="{7287F44A-B9B0-1C41-993C-B790B56748A9}" type="presParOf" srcId="{5A725A35-6324-CD40-9B9D-8DB85207B1AB}" destId="{FFE741C0-3D02-DB47-91E3-8FADDA7D2F3A}" srcOrd="0" destOrd="0" presId="urn:microsoft.com/office/officeart/2008/layout/LinedList"/>
+    <dgm:cxn modelId="{BC9B5FA9-89DD-C04A-BBEB-E55DA3BDBC8E}" type="presParOf" srcId="{5A725A35-6324-CD40-9B9D-8DB85207B1AB}" destId="{6CA9807F-9A1F-0749-9760-96F759EF7926}" srcOrd="1" destOrd="0" presId="urn:microsoft.com/office/officeart/2008/layout/LinedList"/>
+    <dgm:cxn modelId="{D336CF6C-7549-E441-9BF6-A11397206416}" type="presParOf" srcId="{FEF23CE2-7B44-174D-8A74-4525DA950ADA}" destId="{81C2A68E-602B-3441-A9FF-25938C44CE9C}" srcOrd="14" destOrd="0" presId="urn:microsoft.com/office/officeart/2008/layout/LinedList"/>
+    <dgm:cxn modelId="{5CDD8D99-E796-DB4F-9DD4-415C260EFD23}" type="presParOf" srcId="{FEF23CE2-7B44-174D-8A74-4525DA950ADA}" destId="{EED70B65-CE9E-1B40-8C44-8AFAB8103883}" srcOrd="15" destOrd="0" presId="urn:microsoft.com/office/officeart/2008/layout/LinedList"/>
+    <dgm:cxn modelId="{E15162A3-2584-FC42-A7F1-B98207ED388C}" type="presParOf" srcId="{EED70B65-CE9E-1B40-8C44-8AFAB8103883}" destId="{9E47A910-9B07-C64C-95E4-729B89F74207}" srcOrd="0" destOrd="0" presId="urn:microsoft.com/office/officeart/2008/layout/LinedList"/>
+    <dgm:cxn modelId="{AFE91B0C-86C1-934C-BE91-6AB62CDFDCA6}" type="presParOf" srcId="{EED70B65-CE9E-1B40-8C44-8AFAB8103883}" destId="{E149A492-C478-D04E-8519-631A8AF0DECD}" srcOrd="1" destOrd="0" presId="urn:microsoft.com/office/officeart/2008/layout/LinedList"/>
+    <dgm:cxn modelId="{201FF71A-FAC4-874F-8150-53AC2DC1C12F}" type="presParOf" srcId="{FEF23CE2-7B44-174D-8A74-4525DA950ADA}" destId="{573F15C0-B0A8-2B48-A282-CBD3D4D48582}" srcOrd="16" destOrd="0" presId="urn:microsoft.com/office/officeart/2008/layout/LinedList"/>
+    <dgm:cxn modelId="{064E41AB-38BA-684C-A16A-168188DA40B5}" type="presParOf" srcId="{FEF23CE2-7B44-174D-8A74-4525DA950ADA}" destId="{3EACB84E-DE38-C548-B6DF-431025526582}" srcOrd="17" destOrd="0" presId="urn:microsoft.com/office/officeart/2008/layout/LinedList"/>
+    <dgm:cxn modelId="{8AFFE01D-82DC-E84D-95F7-B06362289382}" type="presParOf" srcId="{3EACB84E-DE38-C548-B6DF-431025526582}" destId="{D9E77A5A-5790-7341-8892-6BF88E993082}" srcOrd="0" destOrd="0" presId="urn:microsoft.com/office/officeart/2008/layout/LinedList"/>
+    <dgm:cxn modelId="{3793529F-2A69-184E-A959-AB7E4FC6397A}" type="presParOf" srcId="{3EACB84E-DE38-C548-B6DF-431025526582}" destId="{265CDA59-4DC0-B04F-A022-3B6D41D524FE}" srcOrd="1" destOrd="0" presId="urn:microsoft.com/office/officeart/2008/layout/LinedList"/>
   </dgm:cxnLst>
   <dgm:bg/>
   <dgm:whole/>
@@ -2525,15 +3062,15 @@
       <dsp:cNvGrpSpPr/>
     </dsp:nvGrpSpPr>
     <dsp:grpSpPr/>
-    <dsp:sp modelId="{986E1102-FDCF-2E4A-B0E7-788D58D9FB58}">
+    <dsp:sp modelId="{59A1C0CA-FF9B-924F-AFF0-871A72BD6AE0}">
       <dsp:nvSpPr>
         <dsp:cNvPr id="0" name=""/>
         <dsp:cNvSpPr/>
       </dsp:nvSpPr>
       <dsp:spPr>
         <a:xfrm>
-          <a:off x="0" y="1908"/>
-          <a:ext cx="10793412" cy="0"/>
+          <a:off x="0" y="451"/>
+          <a:ext cx="10394950" cy="0"/>
         </a:xfrm>
         <a:prstGeom prst="line">
           <a:avLst/>
@@ -2541,7 +3078,7 @@
         <a:blipFill>
           <a:blip xmlns:r="http://schemas.openxmlformats.org/officeDocument/2006/relationships" r:embed="rId1">
             <a:duotone>
-              <a:schemeClr val="accent1">
+              <a:schemeClr val="accent5">
                 <a:hueOff val="0"/>
                 <a:satOff val="0"/>
                 <a:lumOff val="0"/>
@@ -2549,7 +3086,7 @@
                 <a:shade val="88000"/>
                 <a:lumMod val="88000"/>
               </a:schemeClr>
-              <a:schemeClr val="accent1">
+              <a:schemeClr val="accent5">
                 <a:hueOff val="0"/>
                 <a:satOff val="0"/>
                 <a:lumOff val="0"/>
@@ -2561,7 +3098,7 @@
         </a:blipFill>
         <a:ln w="9525" cap="flat" cmpd="sng" algn="ctr">
           <a:solidFill>
-            <a:schemeClr val="accent1">
+            <a:schemeClr val="accent5">
               <a:hueOff val="0"/>
               <a:satOff val="0"/>
               <a:lumOff val="0"/>
@@ -2587,15 +3124,15 @@
         </a:fontRef>
       </dsp:style>
     </dsp:sp>
-    <dsp:sp modelId="{4EDB6E5B-EE72-8B48-A625-EA6FE22BD7B1}">
+    <dsp:sp modelId="{26DBDE83-1941-6A44-AD5D-E8CD5C7DB7C7}">
       <dsp:nvSpPr>
         <dsp:cNvPr id="0" name=""/>
         <dsp:cNvSpPr/>
       </dsp:nvSpPr>
       <dsp:spPr>
         <a:xfrm>
-          <a:off x="0" y="1908"/>
-          <a:ext cx="10793412" cy="650768"/>
+          <a:off x="0" y="451"/>
+          <a:ext cx="10394950" cy="410428"/>
         </a:xfrm>
         <a:prstGeom prst="rect">
           <a:avLst/>
@@ -2619,12 +3156,12 @@
         <a:fontRef idx="minor"/>
       </dsp:style>
       <dsp:txBody>
-        <a:bodyPr spcFirstLastPara="0" vert="horz" wrap="square" lIns="68580" tIns="68580" rIns="68580" bIns="68580" numCol="1" spcCol="1270" anchor="t" anchorCtr="0">
+        <a:bodyPr spcFirstLastPara="0" vert="horz" wrap="square" lIns="57150" tIns="57150" rIns="57150" bIns="57150" numCol="1" spcCol="1270" anchor="t" anchorCtr="0">
           <a:noAutofit/>
         </a:bodyPr>
         <a:lstStyle/>
         <a:p>
-          <a:pPr marL="0" lvl="0" indent="0" algn="l" defTabSz="800100">
+          <a:pPr marL="0" lvl="0" indent="0" algn="l" defTabSz="666750">
             <a:lnSpc>
               <a:spcPct val="90000"/>
             </a:lnSpc>
@@ -2637,18 +3174,18 @@
             <a:buNone/>
           </a:pPr>
           <a:r>
-            <a:rPr lang="fr-FR" sz="1800" kern="1200" dirty="0"/>
+            <a:rPr lang="fr-FR" sz="1500" kern="1200" dirty="0"/>
             <a:t>Classe Main -&gt;</a:t>
           </a:r>
           <a:r>
-            <a:rPr lang="fr-FR" sz="1800" b="0" kern="1200" dirty="0">
+            <a:rPr lang="fr-FR" sz="1500" b="0" kern="1200" dirty="0">
               <a:latin typeface="Big Caslon Medium" panose="02000603090000020003" pitchFamily="2" charset="-79"/>
               <a:ea typeface="Apple Color Emoji" pitchFamily="2" charset="0"/>
               <a:cs typeface="Big Caslon Medium" panose="02000603090000020003" pitchFamily="2" charset="-79"/>
             </a:rPr>
             <a:t>gère le lancement du jeux ou l’arrêt du programme</a:t>
           </a:r>
-          <a:endParaRPr lang="en-US" sz="1800" b="0" kern="1200" dirty="0">
+          <a:endParaRPr lang="en-US" sz="1500" b="0" kern="1200" dirty="0">
             <a:latin typeface="Big Caslon Medium" panose="02000603090000020003" pitchFamily="2" charset="-79"/>
             <a:ea typeface="Apple Color Emoji" pitchFamily="2" charset="0"/>
             <a:cs typeface="Big Caslon Medium" panose="02000603090000020003" pitchFamily="2" charset="-79"/>
@@ -2656,19 +3193,19 @@
         </a:p>
       </dsp:txBody>
       <dsp:txXfrm>
-        <a:off x="0" y="1908"/>
-        <a:ext cx="10793412" cy="650768"/>
+        <a:off x="0" y="451"/>
+        <a:ext cx="10394950" cy="410428"/>
       </dsp:txXfrm>
     </dsp:sp>
-    <dsp:sp modelId="{05DC6673-7C0A-F140-BE75-152FE3E1A62A}">
+    <dsp:sp modelId="{4E68A383-8863-8E41-B823-831E18D7C7FF}">
       <dsp:nvSpPr>
         <dsp:cNvPr id="0" name=""/>
         <dsp:cNvSpPr/>
       </dsp:nvSpPr>
       <dsp:spPr>
         <a:xfrm>
-          <a:off x="0" y="652676"/>
-          <a:ext cx="10793412" cy="0"/>
+          <a:off x="0" y="410879"/>
+          <a:ext cx="10394950" cy="0"/>
         </a:xfrm>
         <a:prstGeom prst="line">
           <a:avLst/>
@@ -2676,7 +3213,7 @@
         <a:blipFill>
           <a:blip xmlns:r="http://schemas.openxmlformats.org/officeDocument/2006/relationships" r:embed="rId1">
             <a:duotone>
-              <a:schemeClr val="accent1">
+              <a:schemeClr val="accent5">
                 <a:hueOff val="0"/>
                 <a:satOff val="0"/>
                 <a:lumOff val="0"/>
@@ -2684,7 +3221,7 @@
                 <a:shade val="88000"/>
                 <a:lumMod val="88000"/>
               </a:schemeClr>
-              <a:schemeClr val="accent1">
+              <a:schemeClr val="accent5">
                 <a:hueOff val="0"/>
                 <a:satOff val="0"/>
                 <a:lumOff val="0"/>
@@ -2696,7 +3233,7 @@
         </a:blipFill>
         <a:ln w="9525" cap="flat" cmpd="sng" algn="ctr">
           <a:solidFill>
-            <a:schemeClr val="accent1">
+            <a:schemeClr val="accent5">
               <a:hueOff val="0"/>
               <a:satOff val="0"/>
               <a:lumOff val="0"/>
@@ -2722,15 +3259,15 @@
         </a:fontRef>
       </dsp:style>
     </dsp:sp>
-    <dsp:sp modelId="{7F2D33D1-83D0-6349-B874-918F4F8DDDA6}">
+    <dsp:sp modelId="{9E6ED8DD-CE26-DA46-8B60-7CEF2663A84D}">
       <dsp:nvSpPr>
         <dsp:cNvPr id="0" name=""/>
         <dsp:cNvSpPr/>
       </dsp:nvSpPr>
       <dsp:spPr>
         <a:xfrm>
-          <a:off x="0" y="652676"/>
-          <a:ext cx="10793412" cy="650768"/>
+          <a:off x="0" y="410879"/>
+          <a:ext cx="10394950" cy="410428"/>
         </a:xfrm>
         <a:prstGeom prst="rect">
           <a:avLst/>
@@ -2754,12 +3291,12 @@
         <a:fontRef idx="minor"/>
       </dsp:style>
       <dsp:txBody>
-        <a:bodyPr spcFirstLastPara="0" vert="horz" wrap="square" lIns="68580" tIns="68580" rIns="68580" bIns="68580" numCol="1" spcCol="1270" anchor="t" anchorCtr="0">
+        <a:bodyPr spcFirstLastPara="0" vert="horz" wrap="square" lIns="57150" tIns="57150" rIns="57150" bIns="57150" numCol="1" spcCol="1270" anchor="t" anchorCtr="0">
           <a:noAutofit/>
         </a:bodyPr>
         <a:lstStyle/>
         <a:p>
-          <a:pPr marL="0" lvl="0" indent="0" algn="l" defTabSz="800100">
+          <a:pPr marL="0" lvl="0" indent="0" algn="l" defTabSz="666750">
             <a:lnSpc>
               <a:spcPct val="90000"/>
             </a:lnSpc>
@@ -2772,26 +3309,26 @@
             <a:buNone/>
           </a:pPr>
           <a:r>
-            <a:rPr lang="fr-FR" sz="1800" kern="1200" dirty="0"/>
+            <a:rPr lang="fr-FR" sz="1500" kern="1200" dirty="0"/>
             <a:t>Classe </a:t>
           </a:r>
           <a:r>
-            <a:rPr lang="fr-FR" sz="1800" kern="1200" dirty="0" err="1"/>
+            <a:rPr lang="fr-FR" sz="1500" kern="1200" dirty="0" err="1"/>
             <a:t>game</a:t>
           </a:r>
           <a:r>
-            <a:rPr lang="fr-FR" sz="1800" kern="1200" dirty="0"/>
+            <a:rPr lang="fr-FR" sz="1500" kern="1200" dirty="0"/>
             <a:t> -&gt;</a:t>
           </a:r>
           <a:r>
-            <a:rPr lang="fr-FR" sz="1800" b="0" kern="1200" dirty="0">
+            <a:rPr lang="fr-FR" sz="1500" b="0" kern="1200" dirty="0">
               <a:latin typeface="Big Caslon Medium" panose="02000603090000020003" pitchFamily="2" charset="-79"/>
               <a:ea typeface="Apple Color Emoji" pitchFamily="2" charset="0"/>
               <a:cs typeface="Big Caslon Medium" panose="02000603090000020003" pitchFamily="2" charset="-79"/>
             </a:rPr>
             <a:t>gère le déroulement des différentes partie du jeux</a:t>
           </a:r>
-          <a:endParaRPr lang="en-US" sz="1800" b="0" kern="1200" dirty="0">
+          <a:endParaRPr lang="en-US" sz="1500" b="0" kern="1200" dirty="0">
             <a:latin typeface="Big Caslon Medium" panose="02000603090000020003" pitchFamily="2" charset="-79"/>
             <a:ea typeface="Apple Color Emoji" pitchFamily="2" charset="0"/>
             <a:cs typeface="Big Caslon Medium" panose="02000603090000020003" pitchFamily="2" charset="-79"/>
@@ -2799,19 +3336,19 @@
         </a:p>
       </dsp:txBody>
       <dsp:txXfrm>
-        <a:off x="0" y="652676"/>
-        <a:ext cx="10793412" cy="650768"/>
+        <a:off x="0" y="410879"/>
+        <a:ext cx="10394950" cy="410428"/>
       </dsp:txXfrm>
     </dsp:sp>
-    <dsp:sp modelId="{30A8DBBD-0AEC-8140-8AB3-5ABBCB7DCE4C}">
+    <dsp:sp modelId="{ABECBDD3-8071-8B44-A9EB-7DF3FC579042}">
       <dsp:nvSpPr>
         <dsp:cNvPr id="0" name=""/>
         <dsp:cNvSpPr/>
       </dsp:nvSpPr>
       <dsp:spPr>
         <a:xfrm>
-          <a:off x="0" y="1303444"/>
-          <a:ext cx="10793412" cy="0"/>
+          <a:off x="0" y="821307"/>
+          <a:ext cx="10394950" cy="0"/>
         </a:xfrm>
         <a:prstGeom prst="line">
           <a:avLst/>
@@ -2819,7 +3356,7 @@
         <a:blipFill>
           <a:blip xmlns:r="http://schemas.openxmlformats.org/officeDocument/2006/relationships" r:embed="rId1">
             <a:duotone>
-              <a:schemeClr val="accent1">
+              <a:schemeClr val="accent5">
                 <a:hueOff val="0"/>
                 <a:satOff val="0"/>
                 <a:lumOff val="0"/>
@@ -2827,7 +3364,7 @@
                 <a:shade val="88000"/>
                 <a:lumMod val="88000"/>
               </a:schemeClr>
-              <a:schemeClr val="accent1">
+              <a:schemeClr val="accent5">
                 <a:hueOff val="0"/>
                 <a:satOff val="0"/>
                 <a:lumOff val="0"/>
@@ -2839,7 +3376,7 @@
         </a:blipFill>
         <a:ln w="9525" cap="flat" cmpd="sng" algn="ctr">
           <a:solidFill>
-            <a:schemeClr val="accent1">
+            <a:schemeClr val="accent5">
               <a:hueOff val="0"/>
               <a:satOff val="0"/>
               <a:lumOff val="0"/>
@@ -2865,15 +3402,15 @@
         </a:fontRef>
       </dsp:style>
     </dsp:sp>
-    <dsp:sp modelId="{FC2881F6-7DDA-2846-8B8E-67823887EDBD}">
+    <dsp:sp modelId="{D2BD02F3-8F45-9F49-B485-539BA1970143}">
       <dsp:nvSpPr>
         <dsp:cNvPr id="0" name=""/>
         <dsp:cNvSpPr/>
       </dsp:nvSpPr>
       <dsp:spPr>
         <a:xfrm>
-          <a:off x="0" y="1303444"/>
-          <a:ext cx="10793412" cy="650768"/>
+          <a:off x="0" y="821307"/>
+          <a:ext cx="10394950" cy="410428"/>
         </a:xfrm>
         <a:prstGeom prst="rect">
           <a:avLst/>
@@ -2897,12 +3434,12 @@
         <a:fontRef idx="minor"/>
       </dsp:style>
       <dsp:txBody>
-        <a:bodyPr spcFirstLastPara="0" vert="horz" wrap="square" lIns="68580" tIns="68580" rIns="68580" bIns="68580" numCol="1" spcCol="1270" anchor="t" anchorCtr="0">
+        <a:bodyPr spcFirstLastPara="0" vert="horz" wrap="square" lIns="57150" tIns="57150" rIns="57150" bIns="57150" numCol="1" spcCol="1270" anchor="t" anchorCtr="0">
           <a:noAutofit/>
         </a:bodyPr>
         <a:lstStyle/>
         <a:p>
-          <a:pPr marL="0" lvl="0" indent="0" algn="l" defTabSz="800100">
+          <a:pPr marL="0" lvl="0" indent="0" algn="l" defTabSz="666750">
             <a:lnSpc>
               <a:spcPct val="90000"/>
             </a:lnSpc>
@@ -2915,26 +3452,26 @@
             <a:buNone/>
           </a:pPr>
           <a:r>
-            <a:rPr lang="fr-FR" sz="1800" kern="1200" dirty="0"/>
+            <a:rPr lang="fr-FR" sz="1500" kern="1200" dirty="0"/>
             <a:t>Classe </a:t>
           </a:r>
           <a:r>
-            <a:rPr lang="fr-FR" sz="1800" kern="1200" dirty="0" err="1"/>
+            <a:rPr lang="fr-FR" sz="1500" kern="1200" dirty="0" err="1"/>
             <a:t>weapon</a:t>
           </a:r>
           <a:r>
-            <a:rPr lang="fr-FR" sz="1800" kern="1200" dirty="0"/>
+            <a:rPr lang="fr-FR" sz="1500" kern="1200" dirty="0"/>
             <a:t> -&gt;</a:t>
           </a:r>
           <a:r>
-            <a:rPr lang="fr-FR" sz="1800" b="0" kern="1200" dirty="0">
+            <a:rPr lang="fr-FR" sz="1500" b="0" kern="1200" dirty="0">
               <a:latin typeface="Big Caslon Medium" panose="02000603090000020003" pitchFamily="2" charset="-79"/>
               <a:ea typeface="Apple Color Emoji" pitchFamily="2" charset="0"/>
               <a:cs typeface="Big Caslon Medium" panose="02000603090000020003" pitchFamily="2" charset="-79"/>
             </a:rPr>
             <a:t>fournis aux classes qui en héritent un nom et une puissance d’arme.</a:t>
           </a:r>
-          <a:endParaRPr lang="en-US" sz="1800" b="0" kern="1200" dirty="0">
+          <a:endParaRPr lang="en-US" sz="1500" b="0" kern="1200" dirty="0">
             <a:latin typeface="Big Caslon Medium" panose="02000603090000020003" pitchFamily="2" charset="-79"/>
             <a:ea typeface="Apple Color Emoji" pitchFamily="2" charset="0"/>
             <a:cs typeface="Big Caslon Medium" panose="02000603090000020003" pitchFamily="2" charset="-79"/>
@@ -2942,19 +3479,19 @@
         </a:p>
       </dsp:txBody>
       <dsp:txXfrm>
-        <a:off x="0" y="1303444"/>
-        <a:ext cx="10793412" cy="650768"/>
+        <a:off x="0" y="821307"/>
+        <a:ext cx="10394950" cy="410428"/>
       </dsp:txXfrm>
     </dsp:sp>
-    <dsp:sp modelId="{4C3D1C89-23FD-F94D-AB57-8400949B7453}">
+    <dsp:sp modelId="{F8C67D8C-02F0-8048-97A7-740D15C3B34E}">
       <dsp:nvSpPr>
         <dsp:cNvPr id="0" name=""/>
         <dsp:cNvSpPr/>
       </dsp:nvSpPr>
       <dsp:spPr>
         <a:xfrm>
-          <a:off x="0" y="1954212"/>
-          <a:ext cx="10793412" cy="0"/>
+          <a:off x="0" y="1231736"/>
+          <a:ext cx="10394950" cy="0"/>
         </a:xfrm>
         <a:prstGeom prst="line">
           <a:avLst/>
@@ -2962,7 +3499,7 @@
         <a:blipFill>
           <a:blip xmlns:r="http://schemas.openxmlformats.org/officeDocument/2006/relationships" r:embed="rId1">
             <a:duotone>
-              <a:schemeClr val="accent1">
+              <a:schemeClr val="accent5">
                 <a:hueOff val="0"/>
                 <a:satOff val="0"/>
                 <a:lumOff val="0"/>
@@ -2970,7 +3507,7 @@
                 <a:shade val="88000"/>
                 <a:lumMod val="88000"/>
               </a:schemeClr>
-              <a:schemeClr val="accent1">
+              <a:schemeClr val="accent5">
                 <a:hueOff val="0"/>
                 <a:satOff val="0"/>
                 <a:lumOff val="0"/>
@@ -2982,7 +3519,7 @@
         </a:blipFill>
         <a:ln w="9525" cap="flat" cmpd="sng" algn="ctr">
           <a:solidFill>
-            <a:schemeClr val="accent1">
+            <a:schemeClr val="accent5">
               <a:hueOff val="0"/>
               <a:satOff val="0"/>
               <a:lumOff val="0"/>
@@ -3008,15 +3545,15 @@
         </a:fontRef>
       </dsp:style>
     </dsp:sp>
-    <dsp:sp modelId="{8AF88665-1FDB-DA42-9333-5C92E8428256}">
+    <dsp:sp modelId="{0686BB03-DDC9-664F-9986-6085F1AF7907}">
       <dsp:nvSpPr>
         <dsp:cNvPr id="0" name=""/>
         <dsp:cNvSpPr/>
       </dsp:nvSpPr>
       <dsp:spPr>
         <a:xfrm>
-          <a:off x="0" y="1954212"/>
-          <a:ext cx="10793412" cy="650768"/>
+          <a:off x="0" y="1231736"/>
+          <a:ext cx="10394950" cy="410428"/>
         </a:xfrm>
         <a:prstGeom prst="rect">
           <a:avLst/>
@@ -3040,12 +3577,12 @@
         <a:fontRef idx="minor"/>
       </dsp:style>
       <dsp:txBody>
-        <a:bodyPr spcFirstLastPara="0" vert="horz" wrap="square" lIns="68580" tIns="68580" rIns="68580" bIns="68580" numCol="1" spcCol="1270" anchor="t" anchorCtr="0">
+        <a:bodyPr spcFirstLastPara="0" vert="horz" wrap="square" lIns="57150" tIns="57150" rIns="57150" bIns="57150" numCol="1" spcCol="1270" anchor="t" anchorCtr="0">
           <a:noAutofit/>
         </a:bodyPr>
         <a:lstStyle/>
         <a:p>
-          <a:pPr marL="0" lvl="0" indent="0" algn="l" defTabSz="800100">
+          <a:pPr marL="0" lvl="0" indent="0" algn="l" defTabSz="666750">
             <a:lnSpc>
               <a:spcPct val="90000"/>
             </a:lnSpc>
@@ -3058,26 +3595,26 @@
             <a:buNone/>
           </a:pPr>
           <a:r>
-            <a:rPr lang="fr-FR" sz="1800" kern="1200" dirty="0"/>
+            <a:rPr lang="fr-FR" sz="1500" kern="1200" dirty="0"/>
             <a:t>Classe </a:t>
           </a:r>
           <a:r>
-            <a:rPr lang="fr-FR" sz="1800" kern="1200" dirty="0" err="1"/>
+            <a:rPr lang="fr-FR" sz="1500" kern="1200" dirty="0" err="1"/>
             <a:t>character</a:t>
           </a:r>
           <a:r>
-            <a:rPr lang="fr-FR" sz="1800" kern="1200" dirty="0"/>
+            <a:rPr lang="fr-FR" sz="1500" kern="1200" dirty="0"/>
             <a:t> -&gt; </a:t>
           </a:r>
           <a:r>
-            <a:rPr lang="fr-FR" sz="1800" b="0" kern="1200" dirty="0">
+            <a:rPr lang="fr-FR" sz="1500" b="0" kern="1200" dirty="0">
               <a:latin typeface="Big Caslon Medium" panose="02000603090000020003" pitchFamily="2" charset="-79"/>
               <a:ea typeface="Apple Color Emoji" pitchFamily="2" charset="0"/>
               <a:cs typeface="Big Caslon Medium" panose="02000603090000020003" pitchFamily="2" charset="-79"/>
             </a:rPr>
             <a:t>fournis les caractéristiques du personnage(nom, point de vie, point de capacité de soins ainsi qu’une arme.</a:t>
           </a:r>
-          <a:endParaRPr lang="en-US" sz="1800" b="0" kern="1200" dirty="0">
+          <a:endParaRPr lang="en-US" sz="1500" b="0" kern="1200" dirty="0">
             <a:latin typeface="Big Caslon Medium" panose="02000603090000020003" pitchFamily="2" charset="-79"/>
             <a:ea typeface="Apple Color Emoji" pitchFamily="2" charset="0"/>
             <a:cs typeface="Big Caslon Medium" panose="02000603090000020003" pitchFamily="2" charset="-79"/>
@@ -3085,19 +3622,19 @@
         </a:p>
       </dsp:txBody>
       <dsp:txXfrm>
-        <a:off x="0" y="1954212"/>
-        <a:ext cx="10793412" cy="650768"/>
+        <a:off x="0" y="1231736"/>
+        <a:ext cx="10394950" cy="410428"/>
       </dsp:txXfrm>
     </dsp:sp>
-    <dsp:sp modelId="{A72AE57A-0DFA-4647-8422-94880827BDED}">
+    <dsp:sp modelId="{9485BB66-F44E-B947-8472-EC28FAE09D4D}">
       <dsp:nvSpPr>
         <dsp:cNvPr id="0" name=""/>
         <dsp:cNvSpPr/>
       </dsp:nvSpPr>
       <dsp:spPr>
         <a:xfrm>
-          <a:off x="0" y="2604980"/>
-          <a:ext cx="10793412" cy="0"/>
+          <a:off x="0" y="1642164"/>
+          <a:ext cx="10394950" cy="0"/>
         </a:xfrm>
         <a:prstGeom prst="line">
           <a:avLst/>
@@ -3105,7 +3642,7 @@
         <a:blipFill>
           <a:blip xmlns:r="http://schemas.openxmlformats.org/officeDocument/2006/relationships" r:embed="rId1">
             <a:duotone>
-              <a:schemeClr val="accent1">
+              <a:schemeClr val="accent5">
                 <a:hueOff val="0"/>
                 <a:satOff val="0"/>
                 <a:lumOff val="0"/>
@@ -3113,7 +3650,7 @@
                 <a:shade val="88000"/>
                 <a:lumMod val="88000"/>
               </a:schemeClr>
-              <a:schemeClr val="accent1">
+              <a:schemeClr val="accent5">
                 <a:hueOff val="0"/>
                 <a:satOff val="0"/>
                 <a:lumOff val="0"/>
@@ -3125,7 +3662,7 @@
         </a:blipFill>
         <a:ln w="9525" cap="flat" cmpd="sng" algn="ctr">
           <a:solidFill>
-            <a:schemeClr val="accent1">
+            <a:schemeClr val="accent5">
               <a:hueOff val="0"/>
               <a:satOff val="0"/>
               <a:lumOff val="0"/>
@@ -3151,15 +3688,15 @@
         </a:fontRef>
       </dsp:style>
     </dsp:sp>
-    <dsp:sp modelId="{5D388A5E-1999-E94C-9437-76A0CC87284F}">
+    <dsp:sp modelId="{582468B1-4684-B84D-A17E-752069012236}">
       <dsp:nvSpPr>
         <dsp:cNvPr id="0" name=""/>
         <dsp:cNvSpPr/>
       </dsp:nvSpPr>
       <dsp:spPr>
         <a:xfrm>
-          <a:off x="0" y="2604980"/>
-          <a:ext cx="10793412" cy="650768"/>
+          <a:off x="0" y="1642164"/>
+          <a:ext cx="10394950" cy="410428"/>
         </a:xfrm>
         <a:prstGeom prst="rect">
           <a:avLst/>
@@ -3183,12 +3720,12 @@
         <a:fontRef idx="minor"/>
       </dsp:style>
       <dsp:txBody>
-        <a:bodyPr spcFirstLastPara="0" vert="horz" wrap="square" lIns="68580" tIns="68580" rIns="68580" bIns="68580" numCol="1" spcCol="1270" anchor="t" anchorCtr="0">
+        <a:bodyPr spcFirstLastPara="0" vert="horz" wrap="square" lIns="57150" tIns="57150" rIns="57150" bIns="57150" numCol="1" spcCol="1270" anchor="t" anchorCtr="0">
           <a:noAutofit/>
         </a:bodyPr>
         <a:lstStyle/>
         <a:p>
-          <a:pPr marL="0" lvl="0" indent="0" algn="l" defTabSz="800100">
+          <a:pPr marL="0" lvl="0" indent="0" algn="l" defTabSz="666750">
             <a:lnSpc>
               <a:spcPct val="90000"/>
             </a:lnSpc>
@@ -3201,19 +3738,19 @@
             <a:buNone/>
           </a:pPr>
           <a:r>
-            <a:rPr lang="fr-FR" sz="1800" kern="1200" dirty="0"/>
+            <a:rPr lang="fr-FR" sz="1500" kern="1200" dirty="0"/>
             <a:t>Classe </a:t>
           </a:r>
           <a:r>
-            <a:rPr lang="fr-FR" sz="1800" kern="1200" dirty="0" err="1"/>
+            <a:rPr lang="fr-FR" sz="1500" kern="1200" dirty="0" err="1"/>
             <a:t>player</a:t>
           </a:r>
           <a:r>
-            <a:rPr lang="fr-FR" sz="1800" kern="1200" dirty="0"/>
+            <a:rPr lang="fr-FR" sz="1500" kern="1200" dirty="0"/>
             <a:t> -&gt; </a:t>
           </a:r>
           <a:r>
-            <a:rPr lang="fr-FR" sz="1800" b="0" kern="1200" dirty="0">
+            <a:rPr lang="fr-FR" sz="1500" b="0" kern="1200" dirty="0">
               <a:latin typeface="Big Caslon Medium" panose="02000603090000020003" pitchFamily="2" charset="-79"/>
               <a:ea typeface="Apple Color Emoji" pitchFamily="2" charset="0"/>
               <a:cs typeface="Big Caslon Medium" panose="02000603090000020003" pitchFamily="2" charset="-79"/>
@@ -3223,19 +3760,19 @@
         </a:p>
       </dsp:txBody>
       <dsp:txXfrm>
-        <a:off x="0" y="2604980"/>
-        <a:ext cx="10793412" cy="650768"/>
+        <a:off x="0" y="1642164"/>
+        <a:ext cx="10394950" cy="410428"/>
       </dsp:txXfrm>
     </dsp:sp>
-    <dsp:sp modelId="{D34DEC08-E852-494A-ADEF-6BFC84E21BD1}">
+    <dsp:sp modelId="{8A5D60A4-85B5-3143-859C-8477B1CA8BB1}">
       <dsp:nvSpPr>
         <dsp:cNvPr id="0" name=""/>
         <dsp:cNvSpPr/>
       </dsp:nvSpPr>
       <dsp:spPr>
         <a:xfrm>
-          <a:off x="0" y="3255748"/>
-          <a:ext cx="10793412" cy="0"/>
+          <a:off x="0" y="2052592"/>
+          <a:ext cx="10394950" cy="0"/>
         </a:xfrm>
         <a:prstGeom prst="line">
           <a:avLst/>
@@ -3243,7 +3780,7 @@
         <a:blipFill>
           <a:blip xmlns:r="http://schemas.openxmlformats.org/officeDocument/2006/relationships" r:embed="rId1">
             <a:duotone>
-              <a:schemeClr val="accent1">
+              <a:schemeClr val="accent5">
                 <a:hueOff val="0"/>
                 <a:satOff val="0"/>
                 <a:lumOff val="0"/>
@@ -3251,7 +3788,7 @@
                 <a:shade val="88000"/>
                 <a:lumMod val="88000"/>
               </a:schemeClr>
-              <a:schemeClr val="accent1">
+              <a:schemeClr val="accent5">
                 <a:hueOff val="0"/>
                 <a:satOff val="0"/>
                 <a:lumOff val="0"/>
@@ -3263,7 +3800,7 @@
         </a:blipFill>
         <a:ln w="9525" cap="flat" cmpd="sng" algn="ctr">
           <a:solidFill>
-            <a:schemeClr val="accent1">
+            <a:schemeClr val="accent5">
               <a:hueOff val="0"/>
               <a:satOff val="0"/>
               <a:lumOff val="0"/>
@@ -3289,15 +3826,15 @@
         </a:fontRef>
       </dsp:style>
     </dsp:sp>
-    <dsp:sp modelId="{A7E31225-5A5E-3040-9BC5-D7E4573441B3}">
+    <dsp:sp modelId="{BB3F5A56-733E-6E45-B661-8557C4DC9460}">
       <dsp:nvSpPr>
         <dsp:cNvPr id="0" name=""/>
         <dsp:cNvSpPr/>
       </dsp:nvSpPr>
       <dsp:spPr>
         <a:xfrm>
-          <a:off x="0" y="3255748"/>
-          <a:ext cx="10793412" cy="650768"/>
+          <a:off x="0" y="2052592"/>
+          <a:ext cx="10394950" cy="410428"/>
         </a:xfrm>
         <a:prstGeom prst="rect">
           <a:avLst/>
@@ -3321,12 +3858,12 @@
         <a:fontRef idx="minor"/>
       </dsp:style>
       <dsp:txBody>
-        <a:bodyPr spcFirstLastPara="0" vert="horz" wrap="square" lIns="68580" tIns="68580" rIns="68580" bIns="68580" numCol="1" spcCol="1270" anchor="t" anchorCtr="0">
+        <a:bodyPr spcFirstLastPara="0" vert="horz" wrap="square" lIns="57150" tIns="57150" rIns="57150" bIns="57150" numCol="1" spcCol="1270" anchor="t" anchorCtr="0">
           <a:noAutofit/>
         </a:bodyPr>
         <a:lstStyle/>
         <a:p>
-          <a:pPr marL="0" lvl="0" indent="0" algn="l" defTabSz="800100">
+          <a:pPr marL="0" lvl="0" indent="0" algn="l" defTabSz="666750">
             <a:lnSpc>
               <a:spcPct val="90000"/>
             </a:lnSpc>
@@ -3339,7 +3876,7 @@
             <a:buNone/>
           </a:pPr>
           <a:r>
-            <a:rPr lang="fr-FR" sz="1800" kern="1200">
+            <a:rPr lang="fr-FR" sz="1500" kern="1200" dirty="0">
               <a:latin typeface="Impact" panose="020B0806030902050204"/>
               <a:ea typeface="+mn-ea"/>
               <a:cs typeface="+mn-cs"/>
@@ -3347,19 +3884,444 @@
             <a:t>Classe bonus -&gt; </a:t>
           </a:r>
           <a:r>
-            <a:rPr lang="fr-FR" sz="1800" b="0" kern="1200">
+            <a:rPr lang="fr-FR" sz="1500" b="0" kern="1200" dirty="0">
               <a:latin typeface="Big Caslon Medium" panose="02000603090000020003" pitchFamily="2" charset="-79"/>
               <a:ea typeface="Apple Color Emoji" pitchFamily="2" charset="0"/>
               <a:cs typeface="Big Caslon Medium" panose="02000603090000020003" pitchFamily="2" charset="-79"/>
             </a:rPr>
-            <a:t>Fournis de manière aléatoire un bonus sur le tour en cours que le joueur peut utiliser ou non.</a:t>
+            <a:t>Fournis de manière aléatoire un bonus sur le tour en cours, le joueur peut l’utiliser ou non.</a:t>
           </a:r>
-          <a:endParaRPr lang="fr-FR" sz="1800" kern="1200" dirty="0"/>
+          <a:endParaRPr lang="fr-FR" sz="1500" kern="1200" dirty="0"/>
         </a:p>
       </dsp:txBody>
       <dsp:txXfrm>
-        <a:off x="0" y="3255748"/>
-        <a:ext cx="10793412" cy="650768"/>
+        <a:off x="0" y="2052592"/>
+        <a:ext cx="10394950" cy="410428"/>
+      </dsp:txXfrm>
+    </dsp:sp>
+    <dsp:sp modelId="{10A589D3-CC0F-684B-9C3C-A92907151CBA}">
+      <dsp:nvSpPr>
+        <dsp:cNvPr id="0" name=""/>
+        <dsp:cNvSpPr/>
+      </dsp:nvSpPr>
+      <dsp:spPr>
+        <a:xfrm>
+          <a:off x="0" y="2463020"/>
+          <a:ext cx="10394950" cy="0"/>
+        </a:xfrm>
+        <a:prstGeom prst="line">
+          <a:avLst/>
+        </a:prstGeom>
+        <a:blipFill>
+          <a:blip xmlns:r="http://schemas.openxmlformats.org/officeDocument/2006/relationships" r:embed="rId1">
+            <a:duotone>
+              <a:schemeClr val="accent5">
+                <a:hueOff val="0"/>
+                <a:satOff val="0"/>
+                <a:lumOff val="0"/>
+                <a:alphaOff val="0"/>
+                <a:shade val="88000"/>
+                <a:lumMod val="88000"/>
+              </a:schemeClr>
+              <a:schemeClr val="accent5">
+                <a:hueOff val="0"/>
+                <a:satOff val="0"/>
+                <a:lumOff val="0"/>
+                <a:alphaOff val="0"/>
+              </a:schemeClr>
+            </a:duotone>
+          </a:blip>
+          <a:tile tx="0" ty="0" sx="100000" sy="100000" flip="none" algn="tl"/>
+        </a:blipFill>
+        <a:ln w="9525" cap="flat" cmpd="sng" algn="ctr">
+          <a:solidFill>
+            <a:schemeClr val="accent5">
+              <a:hueOff val="0"/>
+              <a:satOff val="0"/>
+              <a:lumOff val="0"/>
+              <a:alphaOff val="0"/>
+            </a:schemeClr>
+          </a:solidFill>
+          <a:prstDash val="solid"/>
+        </a:ln>
+        <a:effectLst/>
+      </dsp:spPr>
+      <dsp:style>
+        <a:lnRef idx="1">
+          <a:scrgbClr r="0" g="0" b="0"/>
+        </a:lnRef>
+        <a:fillRef idx="3">
+          <a:scrgbClr r="0" g="0" b="0"/>
+        </a:fillRef>
+        <a:effectRef idx="2">
+          <a:scrgbClr r="0" g="0" b="0"/>
+        </a:effectRef>
+        <a:fontRef idx="minor">
+          <a:schemeClr val="lt1"/>
+        </a:fontRef>
+      </dsp:style>
+    </dsp:sp>
+    <dsp:sp modelId="{FFE741C0-3D02-DB47-91E3-8FADDA7D2F3A}">
+      <dsp:nvSpPr>
+        <dsp:cNvPr id="0" name=""/>
+        <dsp:cNvSpPr/>
+      </dsp:nvSpPr>
+      <dsp:spPr>
+        <a:xfrm>
+          <a:off x="0" y="2463020"/>
+          <a:ext cx="10394950" cy="410428"/>
+        </a:xfrm>
+        <a:prstGeom prst="rect">
+          <a:avLst/>
+        </a:prstGeom>
+        <a:noFill/>
+        <a:ln>
+          <a:noFill/>
+        </a:ln>
+        <a:effectLst/>
+      </dsp:spPr>
+      <dsp:style>
+        <a:lnRef idx="0">
+          <a:scrgbClr r="0" g="0" b="0"/>
+        </a:lnRef>
+        <a:fillRef idx="0">
+          <a:scrgbClr r="0" g="0" b="0"/>
+        </a:fillRef>
+        <a:effectRef idx="0">
+          <a:scrgbClr r="0" g="0" b="0"/>
+        </a:effectRef>
+        <a:fontRef idx="minor"/>
+      </dsp:style>
+      <dsp:txBody>
+        <a:bodyPr spcFirstLastPara="0" vert="horz" wrap="square" lIns="57150" tIns="57150" rIns="57150" bIns="57150" numCol="1" spcCol="1270" anchor="t" anchorCtr="0">
+          <a:noAutofit/>
+        </a:bodyPr>
+        <a:lstStyle/>
+        <a:p>
+          <a:pPr marL="0" lvl="0" indent="0" algn="l" defTabSz="666750">
+            <a:lnSpc>
+              <a:spcPct val="90000"/>
+            </a:lnSpc>
+            <a:spcBef>
+              <a:spcPct val="0"/>
+            </a:spcBef>
+            <a:spcAft>
+              <a:spcPct val="35000"/>
+            </a:spcAft>
+            <a:buNone/>
+          </a:pPr>
+          <a:r>
+            <a:rPr lang="fr-FR" sz="1500" kern="1200" dirty="0"/>
+            <a:t>Classe </a:t>
+          </a:r>
+          <a:r>
+            <a:rPr lang="fr-FR" sz="1500" kern="1200" dirty="0" err="1"/>
+            <a:t>InputReadLine</a:t>
+          </a:r>
+          <a:r>
+            <a:rPr lang="fr-FR" sz="1500" kern="1200" dirty="0"/>
+            <a:t> -&gt; </a:t>
+          </a:r>
+          <a:r>
+            <a:rPr lang="fr-FR" sz="1500" b="0" kern="1200" dirty="0">
+              <a:latin typeface="Big Caslon Medium" panose="02000603090000020003" pitchFamily="2" charset="-79"/>
+              <a:ea typeface="Apple Color Emoji" pitchFamily="2" charset="0"/>
+              <a:cs typeface="Big Caslon Medium" panose="02000603090000020003" pitchFamily="2" charset="-79"/>
+            </a:rPr>
+            <a:t>Récupère les réponses de l’utilisateur</a:t>
+          </a:r>
+          <a:endParaRPr lang="fr-FR" sz="1500" kern="1200" dirty="0"/>
+        </a:p>
+      </dsp:txBody>
+      <dsp:txXfrm>
+        <a:off x="0" y="2463020"/>
+        <a:ext cx="10394950" cy="410428"/>
+      </dsp:txXfrm>
+    </dsp:sp>
+    <dsp:sp modelId="{81C2A68E-602B-3441-A9FF-25938C44CE9C}">
+      <dsp:nvSpPr>
+        <dsp:cNvPr id="0" name=""/>
+        <dsp:cNvSpPr/>
+      </dsp:nvSpPr>
+      <dsp:spPr>
+        <a:xfrm>
+          <a:off x="0" y="2873449"/>
+          <a:ext cx="10394950" cy="0"/>
+        </a:xfrm>
+        <a:prstGeom prst="line">
+          <a:avLst/>
+        </a:prstGeom>
+        <a:blipFill>
+          <a:blip xmlns:r="http://schemas.openxmlformats.org/officeDocument/2006/relationships" r:embed="rId1">
+            <a:duotone>
+              <a:schemeClr val="accent5">
+                <a:hueOff val="0"/>
+                <a:satOff val="0"/>
+                <a:lumOff val="0"/>
+                <a:alphaOff val="0"/>
+                <a:shade val="88000"/>
+                <a:lumMod val="88000"/>
+              </a:schemeClr>
+              <a:schemeClr val="accent5">
+                <a:hueOff val="0"/>
+                <a:satOff val="0"/>
+                <a:lumOff val="0"/>
+                <a:alphaOff val="0"/>
+              </a:schemeClr>
+            </a:duotone>
+          </a:blip>
+          <a:tile tx="0" ty="0" sx="100000" sy="100000" flip="none" algn="tl"/>
+        </a:blipFill>
+        <a:ln w="9525" cap="flat" cmpd="sng" algn="ctr">
+          <a:solidFill>
+            <a:schemeClr val="accent5">
+              <a:hueOff val="0"/>
+              <a:satOff val="0"/>
+              <a:lumOff val="0"/>
+              <a:alphaOff val="0"/>
+            </a:schemeClr>
+          </a:solidFill>
+          <a:prstDash val="solid"/>
+        </a:ln>
+        <a:effectLst/>
+      </dsp:spPr>
+      <dsp:style>
+        <a:lnRef idx="1">
+          <a:scrgbClr r="0" g="0" b="0"/>
+        </a:lnRef>
+        <a:fillRef idx="3">
+          <a:scrgbClr r="0" g="0" b="0"/>
+        </a:fillRef>
+        <a:effectRef idx="2">
+          <a:scrgbClr r="0" g="0" b="0"/>
+        </a:effectRef>
+        <a:fontRef idx="minor">
+          <a:schemeClr val="lt1"/>
+        </a:fontRef>
+      </dsp:style>
+    </dsp:sp>
+    <dsp:sp modelId="{9E47A910-9B07-C64C-95E4-729B89F74207}">
+      <dsp:nvSpPr>
+        <dsp:cNvPr id="0" name=""/>
+        <dsp:cNvSpPr/>
+      </dsp:nvSpPr>
+      <dsp:spPr>
+        <a:xfrm>
+          <a:off x="0" y="2873449"/>
+          <a:ext cx="10394950" cy="410428"/>
+        </a:xfrm>
+        <a:prstGeom prst="rect">
+          <a:avLst/>
+        </a:prstGeom>
+        <a:noFill/>
+        <a:ln>
+          <a:noFill/>
+        </a:ln>
+        <a:effectLst/>
+      </dsp:spPr>
+      <dsp:style>
+        <a:lnRef idx="0">
+          <a:scrgbClr r="0" g="0" b="0"/>
+        </a:lnRef>
+        <a:fillRef idx="0">
+          <a:scrgbClr r="0" g="0" b="0"/>
+        </a:fillRef>
+        <a:effectRef idx="0">
+          <a:scrgbClr r="0" g="0" b="0"/>
+        </a:effectRef>
+        <a:fontRef idx="minor"/>
+      </dsp:style>
+      <dsp:txBody>
+        <a:bodyPr spcFirstLastPara="0" vert="horz" wrap="square" lIns="57150" tIns="57150" rIns="57150" bIns="57150" numCol="1" spcCol="1270" anchor="t" anchorCtr="0">
+          <a:noAutofit/>
+        </a:bodyPr>
+        <a:lstStyle/>
+        <a:p>
+          <a:pPr marL="0" lvl="0" indent="0" algn="l" defTabSz="666750">
+            <a:lnSpc>
+              <a:spcPct val="90000"/>
+            </a:lnSpc>
+            <a:spcBef>
+              <a:spcPct val="0"/>
+            </a:spcBef>
+            <a:spcAft>
+              <a:spcPct val="35000"/>
+            </a:spcAft>
+            <a:buNone/>
+          </a:pPr>
+          <a:r>
+            <a:rPr lang="fr-FR" sz="1500" kern="1200" dirty="0" err="1"/>
+            <a:t>Enum</a:t>
+          </a:r>
+          <a:r>
+            <a:rPr lang="fr-FR" sz="1500" kern="1200" dirty="0"/>
+            <a:t> </a:t>
+          </a:r>
+          <a:r>
+            <a:rPr lang="fr-FR" sz="1500" kern="1200" dirty="0" err="1"/>
+            <a:t>ActionEnum</a:t>
+          </a:r>
+          <a:r>
+            <a:rPr lang="fr-FR" sz="1500" kern="1200" dirty="0"/>
+            <a:t> -&gt; </a:t>
+          </a:r>
+          <a:r>
+            <a:rPr lang="fr-FR" sz="1500" b="0" kern="1200" dirty="0">
+              <a:latin typeface="Big Caslon Medium" panose="02000603090000020003" pitchFamily="2" charset="-79"/>
+              <a:ea typeface="Apple Color Emoji" pitchFamily="2" charset="0"/>
+              <a:cs typeface="Big Caslon Medium" panose="02000603090000020003" pitchFamily="2" charset="-79"/>
+            </a:rPr>
+            <a:t>Enumère les actions possibles pour les personnages (attaquer ou soigner)</a:t>
+          </a:r>
+          <a:endParaRPr lang="fr-FR" sz="1500" kern="1200" dirty="0"/>
+        </a:p>
+      </dsp:txBody>
+      <dsp:txXfrm>
+        <a:off x="0" y="2873449"/>
+        <a:ext cx="10394950" cy="410428"/>
+      </dsp:txXfrm>
+    </dsp:sp>
+    <dsp:sp modelId="{573F15C0-B0A8-2B48-A282-CBD3D4D48582}">
+      <dsp:nvSpPr>
+        <dsp:cNvPr id="0" name=""/>
+        <dsp:cNvSpPr/>
+      </dsp:nvSpPr>
+      <dsp:spPr>
+        <a:xfrm>
+          <a:off x="0" y="3283877"/>
+          <a:ext cx="10394950" cy="0"/>
+        </a:xfrm>
+        <a:prstGeom prst="line">
+          <a:avLst/>
+        </a:prstGeom>
+        <a:blipFill>
+          <a:blip xmlns:r="http://schemas.openxmlformats.org/officeDocument/2006/relationships" r:embed="rId1">
+            <a:duotone>
+              <a:schemeClr val="accent5">
+                <a:hueOff val="0"/>
+                <a:satOff val="0"/>
+                <a:lumOff val="0"/>
+                <a:alphaOff val="0"/>
+                <a:shade val="88000"/>
+                <a:lumMod val="88000"/>
+              </a:schemeClr>
+              <a:schemeClr val="accent5">
+                <a:hueOff val="0"/>
+                <a:satOff val="0"/>
+                <a:lumOff val="0"/>
+                <a:alphaOff val="0"/>
+              </a:schemeClr>
+            </a:duotone>
+          </a:blip>
+          <a:tile tx="0" ty="0" sx="100000" sy="100000" flip="none" algn="tl"/>
+        </a:blipFill>
+        <a:ln w="9525" cap="flat" cmpd="sng" algn="ctr">
+          <a:solidFill>
+            <a:schemeClr val="accent5">
+              <a:hueOff val="0"/>
+              <a:satOff val="0"/>
+              <a:lumOff val="0"/>
+              <a:alphaOff val="0"/>
+            </a:schemeClr>
+          </a:solidFill>
+          <a:prstDash val="solid"/>
+        </a:ln>
+        <a:effectLst/>
+      </dsp:spPr>
+      <dsp:style>
+        <a:lnRef idx="1">
+          <a:scrgbClr r="0" g="0" b="0"/>
+        </a:lnRef>
+        <a:fillRef idx="3">
+          <a:scrgbClr r="0" g="0" b="0"/>
+        </a:fillRef>
+        <a:effectRef idx="2">
+          <a:scrgbClr r="0" g="0" b="0"/>
+        </a:effectRef>
+        <a:fontRef idx="minor">
+          <a:schemeClr val="lt1"/>
+        </a:fontRef>
+      </dsp:style>
+    </dsp:sp>
+    <dsp:sp modelId="{D9E77A5A-5790-7341-8892-6BF88E993082}">
+      <dsp:nvSpPr>
+        <dsp:cNvPr id="0" name=""/>
+        <dsp:cNvSpPr/>
+      </dsp:nvSpPr>
+      <dsp:spPr>
+        <a:xfrm>
+          <a:off x="0" y="3283877"/>
+          <a:ext cx="10394950" cy="410428"/>
+        </a:xfrm>
+        <a:prstGeom prst="rect">
+          <a:avLst/>
+        </a:prstGeom>
+        <a:noFill/>
+        <a:ln>
+          <a:noFill/>
+        </a:ln>
+        <a:effectLst/>
+      </dsp:spPr>
+      <dsp:style>
+        <a:lnRef idx="0">
+          <a:scrgbClr r="0" g="0" b="0"/>
+        </a:lnRef>
+        <a:fillRef idx="0">
+          <a:scrgbClr r="0" g="0" b="0"/>
+        </a:fillRef>
+        <a:effectRef idx="0">
+          <a:scrgbClr r="0" g="0" b="0"/>
+        </a:effectRef>
+        <a:fontRef idx="minor"/>
+      </dsp:style>
+      <dsp:txBody>
+        <a:bodyPr spcFirstLastPara="0" vert="horz" wrap="square" lIns="57150" tIns="57150" rIns="57150" bIns="57150" numCol="1" spcCol="1270" anchor="t" anchorCtr="0">
+          <a:noAutofit/>
+        </a:bodyPr>
+        <a:lstStyle/>
+        <a:p>
+          <a:pPr marL="0" lvl="0" indent="0" algn="l" defTabSz="666750">
+            <a:lnSpc>
+              <a:spcPct val="90000"/>
+            </a:lnSpc>
+            <a:spcBef>
+              <a:spcPct val="0"/>
+            </a:spcBef>
+            <a:spcAft>
+              <a:spcPct val="35000"/>
+            </a:spcAft>
+            <a:buNone/>
+          </a:pPr>
+          <a:r>
+            <a:rPr lang="fr-FR" sz="1500" kern="1200" dirty="0" err="1"/>
+            <a:t>Enum</a:t>
+          </a:r>
+          <a:r>
+            <a:rPr lang="fr-FR" sz="1500" kern="1200" dirty="0"/>
+            <a:t> </a:t>
+          </a:r>
+          <a:r>
+            <a:rPr lang="fr-FR" sz="1500" kern="1200" dirty="0" err="1"/>
+            <a:t>ActionType</a:t>
+          </a:r>
+          <a:r>
+            <a:rPr lang="fr-FR" sz="1500" kern="1200" dirty="0"/>
+            <a:t> -&gt; </a:t>
+          </a:r>
+          <a:r>
+            <a:rPr lang="fr-FR" sz="1500" b="0" kern="1200" dirty="0">
+              <a:latin typeface="Big Caslon Medium" panose="02000603090000020003" pitchFamily="2" charset="-79"/>
+              <a:ea typeface="Apple Color Emoji" pitchFamily="2" charset="0"/>
+              <a:cs typeface="Big Caslon Medium" panose="02000603090000020003" pitchFamily="2" charset="-79"/>
+            </a:rPr>
+            <a:t>Enumère le rôle du personnage (il est attaquant, soignant, soigné ou il reçoit l’attaque)</a:t>
+          </a:r>
+          <a:endParaRPr lang="fr-FR" sz="1500" kern="1200" dirty="0"/>
+        </a:p>
+      </dsp:txBody>
+      <dsp:txXfrm>
+        <a:off x="0" y="3283877"/>
+        <a:ext cx="10394950" cy="410428"/>
       </dsp:txXfrm>
     </dsp:sp>
   </dsp:spTree>
@@ -5319,7 +6281,7 @@
           <a:p>
             <a:fld id="{35D442AB-6860-B042-B086-2F1716AA4299}" type="datetimeFigureOut">
               <a:rPr lang="fr-FR" smtClean="0"/>
-              <a:t>18/08/2021</a:t>
+              <a:t>21/08/2021</a:t>
             </a:fld>
             <a:endParaRPr lang="fr-FR"/>
           </a:p>
@@ -5651,7 +6613,7 @@
           <a:p>
             <a:fld id="{35D442AB-6860-B042-B086-2F1716AA4299}" type="datetimeFigureOut">
               <a:rPr lang="fr-FR" smtClean="0"/>
-              <a:t>18/08/2021</a:t>
+              <a:t>21/08/2021</a:t>
             </a:fld>
             <a:endParaRPr lang="fr-FR"/>
           </a:p>
@@ -5847,7 +6809,7 @@
           <a:p>
             <a:fld id="{35D442AB-6860-B042-B086-2F1716AA4299}" type="datetimeFigureOut">
               <a:rPr lang="fr-FR" smtClean="0"/>
-              <a:t>18/08/2021</a:t>
+              <a:t>21/08/2021</a:t>
             </a:fld>
             <a:endParaRPr lang="fr-FR"/>
           </a:p>
@@ -6117,7 +7079,7 @@
           <a:p>
             <a:fld id="{35D442AB-6860-B042-B086-2F1716AA4299}" type="datetimeFigureOut">
               <a:rPr lang="fr-FR" smtClean="0"/>
-              <a:t>18/08/2021</a:t>
+              <a:t>21/08/2021</a:t>
             </a:fld>
             <a:endParaRPr lang="fr-FR"/>
           </a:p>
@@ -6545,7 +7507,7 @@
           <a:p>
             <a:fld id="{35D442AB-6860-B042-B086-2F1716AA4299}" type="datetimeFigureOut">
               <a:rPr lang="fr-FR" smtClean="0"/>
-              <a:t>18/08/2021</a:t>
+              <a:t>21/08/2021</a:t>
             </a:fld>
             <a:endParaRPr lang="fr-FR"/>
           </a:p>
@@ -7095,7 +8057,7 @@
           <a:p>
             <a:fld id="{35D442AB-6860-B042-B086-2F1716AA4299}" type="datetimeFigureOut">
               <a:rPr lang="fr-FR" smtClean="0"/>
-              <a:t>18/08/2021</a:t>
+              <a:t>21/08/2021</a:t>
             </a:fld>
             <a:endParaRPr lang="fr-FR"/>
           </a:p>
@@ -7885,7 +8847,7 @@
           <a:p>
             <a:fld id="{35D442AB-6860-B042-B086-2F1716AA4299}" type="datetimeFigureOut">
               <a:rPr lang="fr-FR" smtClean="0"/>
-              <a:t>18/08/2021</a:t>
+              <a:t>21/08/2021</a:t>
             </a:fld>
             <a:endParaRPr lang="fr-FR"/>
           </a:p>
@@ -8064,7 +9026,7 @@
           <a:p>
             <a:fld id="{35D442AB-6860-B042-B086-2F1716AA4299}" type="datetimeFigureOut">
               <a:rPr lang="fr-FR" smtClean="0"/>
-              <a:t>18/08/2021</a:t>
+              <a:t>21/08/2021</a:t>
             </a:fld>
             <a:endParaRPr lang="fr-FR"/>
           </a:p>
@@ -8248,7 +9210,7 @@
           <a:p>
             <a:fld id="{35D442AB-6860-B042-B086-2F1716AA4299}" type="datetimeFigureOut">
               <a:rPr lang="fr-FR" smtClean="0"/>
-              <a:t>18/08/2021</a:t>
+              <a:t>21/08/2021</a:t>
             </a:fld>
             <a:endParaRPr lang="fr-FR"/>
           </a:p>
@@ -8418,7 +9380,7 @@
           <a:p>
             <a:fld id="{35D442AB-6860-B042-B086-2F1716AA4299}" type="datetimeFigureOut">
               <a:rPr lang="fr-FR" smtClean="0"/>
-              <a:t>18/08/2021</a:t>
+              <a:t>21/08/2021</a:t>
             </a:fld>
             <a:endParaRPr lang="fr-FR"/>
           </a:p>
@@ -8593,7 +9555,7 @@
           <a:p>
             <a:fld id="{35D442AB-6860-B042-B086-2F1716AA4299}" type="datetimeFigureOut">
               <a:rPr lang="fr-FR" smtClean="0"/>
-              <a:t>18/08/2021</a:t>
+              <a:t>21/08/2021</a:t>
             </a:fld>
             <a:endParaRPr lang="fr-FR"/>
           </a:p>
@@ -8843,7 +9805,7 @@
           <a:p>
             <a:fld id="{35D442AB-6860-B042-B086-2F1716AA4299}" type="datetimeFigureOut">
               <a:rPr lang="fr-FR" smtClean="0"/>
-              <a:t>18/08/2021</a:t>
+              <a:t>21/08/2021</a:t>
             </a:fld>
             <a:endParaRPr lang="fr-FR"/>
           </a:p>
@@ -9080,7 +10042,7 @@
           <a:p>
             <a:fld id="{35D442AB-6860-B042-B086-2F1716AA4299}" type="datetimeFigureOut">
               <a:rPr lang="fr-FR" smtClean="0"/>
-              <a:t>18/08/2021</a:t>
+              <a:t>21/08/2021</a:t>
             </a:fld>
             <a:endParaRPr lang="fr-FR"/>
           </a:p>
@@ -9465,7 +10427,7 @@
           <a:p>
             <a:fld id="{35D442AB-6860-B042-B086-2F1716AA4299}" type="datetimeFigureOut">
               <a:rPr lang="fr-FR" smtClean="0"/>
-              <a:t>18/08/2021</a:t>
+              <a:t>21/08/2021</a:t>
             </a:fld>
             <a:endParaRPr lang="fr-FR"/>
           </a:p>
@@ -9583,7 +10545,7 @@
           <a:p>
             <a:fld id="{35D442AB-6860-B042-B086-2F1716AA4299}" type="datetimeFigureOut">
               <a:rPr lang="fr-FR" smtClean="0"/>
-              <a:t>18/08/2021</a:t>
+              <a:t>21/08/2021</a:t>
             </a:fld>
             <a:endParaRPr lang="fr-FR"/>
           </a:p>
@@ -9678,7 +10640,7 @@
           <a:p>
             <a:fld id="{35D442AB-6860-B042-B086-2F1716AA4299}" type="datetimeFigureOut">
               <a:rPr lang="fr-FR" smtClean="0"/>
-              <a:t>18/08/2021</a:t>
+              <a:t>21/08/2021</a:t>
             </a:fld>
             <a:endParaRPr lang="fr-FR"/>
           </a:p>
@@ -9931,7 +10893,7 @@
           <a:p>
             <a:fld id="{35D442AB-6860-B042-B086-2F1716AA4299}" type="datetimeFigureOut">
               <a:rPr lang="fr-FR" smtClean="0"/>
-              <a:t>18/08/2021</a:t>
+              <a:t>21/08/2021</a:t>
             </a:fld>
             <a:endParaRPr lang="fr-FR"/>
           </a:p>
@@ -10200,7 +11162,7 @@
           <a:p>
             <a:fld id="{35D442AB-6860-B042-B086-2F1716AA4299}" type="datetimeFigureOut">
               <a:rPr lang="fr-FR" smtClean="0"/>
-              <a:t>18/08/2021</a:t>
+              <a:t>21/08/2021</a:t>
             </a:fld>
             <a:endParaRPr lang="fr-FR"/>
           </a:p>
@@ -10603,7 +11565,7 @@
           <a:p>
             <a:fld id="{35D442AB-6860-B042-B086-2F1716AA4299}" type="datetimeFigureOut">
               <a:rPr lang="fr-FR" smtClean="0"/>
-              <a:t>18/08/2021</a:t>
+              <a:t>21/08/2021</a:t>
             </a:fld>
             <a:endParaRPr lang="fr-FR"/>
           </a:p>
@@ -11131,10 +12093,10 @@
       </p:grpSpPr>
       <p:pic>
         <p:nvPicPr>
-          <p:cNvPr id="19" name="Picture 9">
+          <p:cNvPr id="28" name="Picture 27">
             <a:extLst>
               <a:ext uri="{FF2B5EF4-FFF2-40B4-BE49-F238E27FC236}">
-                <a16:creationId xmlns:a16="http://schemas.microsoft.com/office/drawing/2014/main" id="{0A1BA0EF-0E2A-47B6-9E7E-68949890F8D9}"/>
+                <a16:creationId xmlns:a16="http://schemas.microsoft.com/office/drawing/2014/main" id="{AFB8FFAA-9442-4FA6-B0EC-369AE6A2BD79}"/>
               </a:ext>
               <a:ext uri="{C183D7F6-B498-43B3-948B-1728B52AA6E4}">
                 <adec:decorative xmlns:adec="http://schemas.microsoft.com/office/drawing/2017/decorative" val="1"/>
@@ -11176,10 +12138,93 @@
       </p:pic>
       <p:sp useBgFill="1">
         <p:nvSpPr>
-          <p:cNvPr id="21" name="Rectangle 11">
+          <p:cNvPr id="30" name="Freeform 17">
             <a:extLst>
               <a:ext uri="{FF2B5EF4-FFF2-40B4-BE49-F238E27FC236}">
-                <a16:creationId xmlns:a16="http://schemas.microsoft.com/office/drawing/2014/main" id="{ADEF8846-2D6D-405C-ACE3-3E8D2E451FB2}"/>
+                <a16:creationId xmlns:a16="http://schemas.microsoft.com/office/drawing/2014/main" id="{C5A41A00-0593-4A97-9CA0-B0AE89F21212}"/>
+              </a:ext>
+              <a:ext uri="{C183D7F6-B498-43B3-948B-1728B52AA6E4}">
+                <adec:decorative xmlns:adec="http://schemas.microsoft.com/office/drawing/2017/decorative" val="1"/>
+              </a:ext>
+            </a:extLst>
+          </p:cNvPr>
+          <p:cNvSpPr>
+            <a:spLocks noGrp="1" noRot="1" noChangeAspect="1" noMove="1" noResize="1" noEditPoints="1" noAdjustHandles="1" noChangeArrowheads="1" noChangeShapeType="1" noTextEdit="1"/>
+          </p:cNvSpPr>
+          <p:nvPr>
+            <p:extLst>
+              <p:ext uri="{386F3935-93C4-4BCD-93E2-E3B085C9AB24}">
+                <p16:designElem xmlns:p16="http://schemas.microsoft.com/office/powerpoint/2015/main" val="1"/>
+              </p:ext>
+            </p:extLst>
+          </p:nvPr>
+        </p:nvSpPr>
+        <p:spPr>
+          <a:xfrm>
+            <a:off x="-15875" y="0"/>
+            <a:ext cx="11683810" cy="6588125"/>
+          </a:xfrm>
+          <a:custGeom>
+            <a:avLst/>
+            <a:gdLst/>
+            <a:ahLst/>
+            <a:cxnLst/>
+            <a:rect l="l" t="t" r="r" b="b"/>
+            <a:pathLst>
+              <a:path w="11683810" h="6588125">
+                <a:moveTo>
+                  <a:pt x="0" y="0"/>
+                </a:moveTo>
+                <a:lnTo>
+                  <a:pt x="11318691" y="0"/>
+                </a:lnTo>
+                <a:lnTo>
+                  <a:pt x="11683810" y="5976938"/>
+                </a:lnTo>
+                <a:lnTo>
+                  <a:pt x="15875" y="6588125"/>
+                </a:lnTo>
+                <a:cubicBezTo>
+                  <a:pt x="10583" y="4386792"/>
+                  <a:pt x="5292" y="2185458"/>
+                  <a:pt x="0" y="0"/>
+                </a:cubicBezTo>
+                <a:close/>
+              </a:path>
+            </a:pathLst>
+          </a:custGeom>
+          <a:ln>
+            <a:noFill/>
+          </a:ln>
+          <a:effectLst>
+            <a:outerShdw blurRad="101600" dist="152400" dir="4380000" algn="tl" rotWithShape="0">
+              <a:srgbClr val="000000">
+                <a:alpha val="43000"/>
+              </a:srgbClr>
+            </a:outerShdw>
+          </a:effectLst>
+        </p:spPr>
+        <p:style>
+          <a:lnRef idx="1">
+            <a:schemeClr val="accent1"/>
+          </a:lnRef>
+          <a:fillRef idx="3">
+            <a:schemeClr val="accent1"/>
+          </a:fillRef>
+          <a:effectRef idx="2">
+            <a:schemeClr val="accent1"/>
+          </a:effectRef>
+          <a:fontRef idx="minor">
+            <a:schemeClr val="lt1"/>
+          </a:fontRef>
+        </p:style>
+      </p:sp>
+      <p:sp>
+        <p:nvSpPr>
+          <p:cNvPr id="32" name="Freeform 21">
+            <a:extLst>
+              <a:ext uri="{FF2B5EF4-FFF2-40B4-BE49-F238E27FC236}">
+                <a16:creationId xmlns:a16="http://schemas.microsoft.com/office/drawing/2014/main" id="{FCA51B5C-E7C6-405A-BA9F-6B5A96D7BD1E}"/>
               </a:ext>
               <a:ext uri="{C183D7F6-B498-43B3-948B-1728B52AA6E4}">
                 <adec:decorative xmlns:adec="http://schemas.microsoft.com/office/drawing/2017/decorative" val="1"/>
@@ -11200,53 +12245,311 @@
         <p:spPr>
           <a:xfrm>
             <a:off x="0" y="0"/>
-            <a:ext cx="7662951" cy="6858000"/>
+            <a:ext cx="8719579" cy="456877"/>
           </a:xfrm>
-          <a:prstGeom prst="rect">
+          <a:custGeom>
             <a:avLst/>
-          </a:prstGeom>
+            <a:gdLst/>
+            <a:ahLst/>
+            <a:cxnLst/>
+            <a:rect l="l" t="t" r="r" b="b"/>
+            <a:pathLst>
+              <a:path w="8719579" h="456877">
+                <a:moveTo>
+                  <a:pt x="0" y="0"/>
+                </a:moveTo>
+                <a:lnTo>
+                  <a:pt x="8719579" y="0"/>
+                </a:lnTo>
+                <a:lnTo>
+                  <a:pt x="0" y="456877"/>
+                </a:lnTo>
+                <a:lnTo>
+                  <a:pt x="0" y="0"/>
+                </a:lnTo>
+                <a:close/>
+              </a:path>
+            </a:pathLst>
+          </a:custGeom>
+          <a:gradFill flip="none" rotWithShape="1">
+            <a:gsLst>
+              <a:gs pos="34000">
+                <a:schemeClr val="accent1"/>
+              </a:gs>
+              <a:gs pos="100000">
+                <a:schemeClr val="accent1">
+                  <a:lumMod val="50000"/>
+                </a:schemeClr>
+              </a:gs>
+            </a:gsLst>
+            <a:path path="circle">
+              <a:fillToRect l="50000" t="50000" r="50000" b="50000"/>
+            </a:path>
+            <a:tileRect/>
+          </a:gradFill>
           <a:ln>
             <a:noFill/>
           </a:ln>
-          <a:effectLst>
-            <a:outerShdw blurRad="50800" dist="38100" algn="l" rotWithShape="0">
-              <a:prstClr val="black">
-                <a:alpha val="40000"/>
-              </a:prstClr>
-            </a:outerShdw>
-          </a:effectLst>
         </p:spPr>
         <p:style>
-          <a:lnRef idx="2">
-            <a:schemeClr val="accent1">
-              <a:shade val="50000"/>
-            </a:schemeClr>
+          <a:lnRef idx="1">
+            <a:schemeClr val="accent1"/>
           </a:lnRef>
-          <a:fillRef idx="1">
+          <a:fillRef idx="3">
             <a:schemeClr val="accent1"/>
           </a:fillRef>
-          <a:effectRef idx="0">
+          <a:effectRef idx="2">
             <a:schemeClr val="accent1"/>
           </a:effectRef>
           <a:fontRef idx="minor">
             <a:schemeClr val="lt1"/>
           </a:fontRef>
         </p:style>
-        <p:txBody>
-          <a:bodyPr rtlCol="0" anchor="ctr"/>
-          <a:lstStyle/>
-          <a:p>
-            <a:pPr algn="ctr"/>
-            <a:endParaRPr lang="en-US"/>
-          </a:p>
-        </p:txBody>
       </p:sp>
       <p:sp>
         <p:nvSpPr>
-          <p:cNvPr id="22" name="Freeform 5">
+          <p:cNvPr id="34" name="Freeform 20">
             <a:extLst>
               <a:ext uri="{FF2B5EF4-FFF2-40B4-BE49-F238E27FC236}">
-                <a16:creationId xmlns:a16="http://schemas.microsoft.com/office/drawing/2014/main" id="{994BAC77-5C15-4467-AF87-602186CE3B75}"/>
+                <a16:creationId xmlns:a16="http://schemas.microsoft.com/office/drawing/2014/main" id="{FABCB0C0-C191-42C2-9158-48485F76A328}"/>
+              </a:ext>
+              <a:ext uri="{C183D7F6-B498-43B3-948B-1728B52AA6E4}">
+                <adec:decorative xmlns:adec="http://schemas.microsoft.com/office/drawing/2017/decorative" val="1"/>
+              </a:ext>
+            </a:extLst>
+          </p:cNvPr>
+          <p:cNvSpPr>
+            <a:spLocks noGrp="1" noRot="1" noChangeAspect="1" noMove="1" noResize="1" noEditPoints="1" noAdjustHandles="1" noChangeArrowheads="1" noChangeShapeType="1" noTextEdit="1"/>
+          </p:cNvSpPr>
+          <p:nvPr>
+            <p:extLst>
+              <p:ext uri="{386F3935-93C4-4BCD-93E2-E3B085C9AB24}">
+                <p16:designElem xmlns:p16="http://schemas.microsoft.com/office/powerpoint/2015/main" val="1"/>
+              </p:ext>
+            </p:extLst>
+          </p:nvPr>
+        </p:nvSpPr>
+        <p:spPr bwMode="white">
+          <a:xfrm>
+            <a:off x="-8841" y="2698990"/>
+            <a:ext cx="11338098" cy="3612111"/>
+          </a:xfrm>
+          <a:custGeom>
+            <a:avLst/>
+            <a:gdLst>
+              <a:gd name="connsiteX0" fmla="*/ 0 w 11329257"/>
+              <a:gd name="connsiteY0" fmla="*/ 1672253 h 3112578"/>
+              <a:gd name="connsiteX1" fmla="*/ 11201741 w 11329257"/>
+              <a:gd name="connsiteY1" fmla="*/ 0 h 3112578"/>
+              <a:gd name="connsiteX2" fmla="*/ 11329257 w 11329257"/>
+              <a:gd name="connsiteY2" fmla="*/ 2508571 h 3112578"/>
+              <a:gd name="connsiteX3" fmla="*/ 0 w 11329257"/>
+              <a:gd name="connsiteY3" fmla="*/ 3112578 h 3112578"/>
+              <a:gd name="connsiteX4" fmla="*/ 0 w 11329257"/>
+              <a:gd name="connsiteY4" fmla="*/ 1672253 h 3112578"/>
+              <a:gd name="connsiteX0" fmla="*/ 8467 w 11329257"/>
+              <a:gd name="connsiteY0" fmla="*/ 994919 h 3112578"/>
+              <a:gd name="connsiteX1" fmla="*/ 11201741 w 11329257"/>
+              <a:gd name="connsiteY1" fmla="*/ 0 h 3112578"/>
+              <a:gd name="connsiteX2" fmla="*/ 11329257 w 11329257"/>
+              <a:gd name="connsiteY2" fmla="*/ 2508571 h 3112578"/>
+              <a:gd name="connsiteX3" fmla="*/ 0 w 11329257"/>
+              <a:gd name="connsiteY3" fmla="*/ 3112578 h 3112578"/>
+              <a:gd name="connsiteX4" fmla="*/ 8467 w 11329257"/>
+              <a:gd name="connsiteY4" fmla="*/ 994919 h 3112578"/>
+              <a:gd name="connsiteX0" fmla="*/ 814 w 11330070"/>
+              <a:gd name="connsiteY0" fmla="*/ 732453 h 3112578"/>
+              <a:gd name="connsiteX1" fmla="*/ 11202554 w 11330070"/>
+              <a:gd name="connsiteY1" fmla="*/ 0 h 3112578"/>
+              <a:gd name="connsiteX2" fmla="*/ 11330070 w 11330070"/>
+              <a:gd name="connsiteY2" fmla="*/ 2508571 h 3112578"/>
+              <a:gd name="connsiteX3" fmla="*/ 813 w 11330070"/>
+              <a:gd name="connsiteY3" fmla="*/ 3112578 h 3112578"/>
+              <a:gd name="connsiteX4" fmla="*/ 814 w 11330070"/>
+              <a:gd name="connsiteY4" fmla="*/ 732453 h 3112578"/>
+              <a:gd name="connsiteX0" fmla="*/ 375 w 11338098"/>
+              <a:gd name="connsiteY0" fmla="*/ 622387 h 3112578"/>
+              <a:gd name="connsiteX1" fmla="*/ 11210582 w 11338098"/>
+              <a:gd name="connsiteY1" fmla="*/ 0 h 3112578"/>
+              <a:gd name="connsiteX2" fmla="*/ 11338098 w 11338098"/>
+              <a:gd name="connsiteY2" fmla="*/ 2508571 h 3112578"/>
+              <a:gd name="connsiteX3" fmla="*/ 8841 w 11338098"/>
+              <a:gd name="connsiteY3" fmla="*/ 3112578 h 3112578"/>
+              <a:gd name="connsiteX4" fmla="*/ 375 w 11338098"/>
+              <a:gd name="connsiteY4" fmla="*/ 622387 h 3112578"/>
+              <a:gd name="connsiteX0" fmla="*/ 375 w 11338098"/>
+              <a:gd name="connsiteY0" fmla="*/ 1020320 h 3510511"/>
+              <a:gd name="connsiteX1" fmla="*/ 11176715 w 11338098"/>
+              <a:gd name="connsiteY1" fmla="*/ 0 h 3510511"/>
+              <a:gd name="connsiteX2" fmla="*/ 11338098 w 11338098"/>
+              <a:gd name="connsiteY2" fmla="*/ 2906504 h 3510511"/>
+              <a:gd name="connsiteX3" fmla="*/ 8841 w 11338098"/>
+              <a:gd name="connsiteY3" fmla="*/ 3510511 h 3510511"/>
+              <a:gd name="connsiteX4" fmla="*/ 375 w 11338098"/>
+              <a:gd name="connsiteY4" fmla="*/ 1020320 h 3510511"/>
+              <a:gd name="connsiteX0" fmla="*/ 375 w 11338098"/>
+              <a:gd name="connsiteY0" fmla="*/ 664720 h 3510511"/>
+              <a:gd name="connsiteX1" fmla="*/ 11176715 w 11338098"/>
+              <a:gd name="connsiteY1" fmla="*/ 0 h 3510511"/>
+              <a:gd name="connsiteX2" fmla="*/ 11338098 w 11338098"/>
+              <a:gd name="connsiteY2" fmla="*/ 2906504 h 3510511"/>
+              <a:gd name="connsiteX3" fmla="*/ 8841 w 11338098"/>
+              <a:gd name="connsiteY3" fmla="*/ 3510511 h 3510511"/>
+              <a:gd name="connsiteX4" fmla="*/ 375 w 11338098"/>
+              <a:gd name="connsiteY4" fmla="*/ 664720 h 3510511"/>
+              <a:gd name="connsiteX0" fmla="*/ 375 w 11338098"/>
+              <a:gd name="connsiteY0" fmla="*/ 605454 h 3510511"/>
+              <a:gd name="connsiteX1" fmla="*/ 11176715 w 11338098"/>
+              <a:gd name="connsiteY1" fmla="*/ 0 h 3510511"/>
+              <a:gd name="connsiteX2" fmla="*/ 11338098 w 11338098"/>
+              <a:gd name="connsiteY2" fmla="*/ 2906504 h 3510511"/>
+              <a:gd name="connsiteX3" fmla="*/ 8841 w 11338098"/>
+              <a:gd name="connsiteY3" fmla="*/ 3510511 h 3510511"/>
+              <a:gd name="connsiteX4" fmla="*/ 375 w 11338098"/>
+              <a:gd name="connsiteY4" fmla="*/ 605454 h 3510511"/>
+              <a:gd name="connsiteX0" fmla="*/ 375 w 11338098"/>
+              <a:gd name="connsiteY0" fmla="*/ 707054 h 3612111"/>
+              <a:gd name="connsiteX1" fmla="*/ 11176715 w 11338098"/>
+              <a:gd name="connsiteY1" fmla="*/ 0 h 3612111"/>
+              <a:gd name="connsiteX2" fmla="*/ 11338098 w 11338098"/>
+              <a:gd name="connsiteY2" fmla="*/ 3008104 h 3612111"/>
+              <a:gd name="connsiteX3" fmla="*/ 8841 w 11338098"/>
+              <a:gd name="connsiteY3" fmla="*/ 3612111 h 3612111"/>
+              <a:gd name="connsiteX4" fmla="*/ 375 w 11338098"/>
+              <a:gd name="connsiteY4" fmla="*/ 707054 h 3612111"/>
+              <a:gd name="connsiteX0" fmla="*/ 375 w 11338098"/>
+              <a:gd name="connsiteY0" fmla="*/ 571588 h 3612111"/>
+              <a:gd name="connsiteX1" fmla="*/ 11176715 w 11338098"/>
+              <a:gd name="connsiteY1" fmla="*/ 0 h 3612111"/>
+              <a:gd name="connsiteX2" fmla="*/ 11338098 w 11338098"/>
+              <a:gd name="connsiteY2" fmla="*/ 3008104 h 3612111"/>
+              <a:gd name="connsiteX3" fmla="*/ 8841 w 11338098"/>
+              <a:gd name="connsiteY3" fmla="*/ 3612111 h 3612111"/>
+              <a:gd name="connsiteX4" fmla="*/ 375 w 11338098"/>
+              <a:gd name="connsiteY4" fmla="*/ 571588 h 3612111"/>
+            </a:gdLst>
+            <a:ahLst/>
+            <a:cxnLst>
+              <a:cxn ang="0">
+                <a:pos x="connsiteX0" y="connsiteY0"/>
+              </a:cxn>
+              <a:cxn ang="0">
+                <a:pos x="connsiteX1" y="connsiteY1"/>
+              </a:cxn>
+              <a:cxn ang="0">
+                <a:pos x="connsiteX2" y="connsiteY2"/>
+              </a:cxn>
+              <a:cxn ang="0">
+                <a:pos x="connsiteX3" y="connsiteY3"/>
+              </a:cxn>
+              <a:cxn ang="0">
+                <a:pos x="connsiteX4" y="connsiteY4"/>
+              </a:cxn>
+            </a:cxnLst>
+            <a:rect l="l" t="t" r="r" b="b"/>
+            <a:pathLst>
+              <a:path w="11338098" h="3612111">
+                <a:moveTo>
+                  <a:pt x="375" y="571588"/>
+                </a:moveTo>
+                <a:lnTo>
+                  <a:pt x="11176715" y="0"/>
+                </a:lnTo>
+                <a:lnTo>
+                  <a:pt x="11338098" y="3008104"/>
+                </a:lnTo>
+                <a:lnTo>
+                  <a:pt x="8841" y="3612111"/>
+                </a:lnTo>
+                <a:cubicBezTo>
+                  <a:pt x="11663" y="2906225"/>
+                  <a:pt x="-2447" y="1277474"/>
+                  <a:pt x="375" y="571588"/>
+                </a:cubicBezTo>
+                <a:close/>
+              </a:path>
+            </a:pathLst>
+          </a:custGeom>
+          <a:gradFill flip="none" rotWithShape="1">
+            <a:gsLst>
+              <a:gs pos="34000">
+                <a:schemeClr val="accent1"/>
+              </a:gs>
+              <a:gs pos="100000">
+                <a:schemeClr val="accent1">
+                  <a:lumMod val="50000"/>
+                </a:schemeClr>
+              </a:gs>
+            </a:gsLst>
+            <a:path path="circle">
+              <a:fillToRect l="50000" t="50000" r="50000" b="50000"/>
+            </a:path>
+            <a:tileRect/>
+          </a:gradFill>
+          <a:ln>
+            <a:noFill/>
+          </a:ln>
+        </p:spPr>
+        <p:style>
+          <a:lnRef idx="1">
+            <a:schemeClr val="accent1"/>
+          </a:lnRef>
+          <a:fillRef idx="3">
+            <a:schemeClr val="accent1"/>
+          </a:fillRef>
+          <a:effectRef idx="2">
+            <a:schemeClr val="accent1"/>
+          </a:effectRef>
+          <a:fontRef idx="minor">
+            <a:schemeClr val="lt1"/>
+          </a:fontRef>
+        </p:style>
+      </p:sp>
+      <p:pic>
+        <p:nvPicPr>
+          <p:cNvPr id="5" name="Graphic 9" descr="Game controller">
+            <a:extLst>
+              <a:ext uri="{FF2B5EF4-FFF2-40B4-BE49-F238E27FC236}">
+                <a16:creationId xmlns:a16="http://schemas.microsoft.com/office/drawing/2014/main" id="{7062B213-83A1-744F-891F-9D1734E7B8E5}"/>
+              </a:ext>
+            </a:extLst>
+          </p:cNvPr>
+          <p:cNvPicPr>
+            <a:picLocks noChangeAspect="1"/>
+          </p:cNvPicPr>
+          <p:nvPr/>
+        </p:nvPicPr>
+        <p:blipFill>
+          <a:blip r:embed="rId4">
+            <a:extLst>
+              <a:ext uri="{28A0092B-C50C-407E-A947-70E740481C1C}">
+                <a14:useLocalDpi xmlns:a14="http://schemas.microsoft.com/office/drawing/2010/main" val="0"/>
+              </a:ext>
+              <a:ext uri="{96DAC541-7B7A-43D3-8B79-37D633B846F1}">
+                <asvg:svgBlip xmlns:asvg="http://schemas.microsoft.com/office/drawing/2016/SVG/main" r:embed="rId5"/>
+              </a:ext>
+            </a:extLst>
+          </a:blip>
+          <a:stretch>
+            <a:fillRect/>
+          </a:stretch>
+        </p:blipFill>
+        <p:spPr>
+          <a:xfrm rot="21420000">
+            <a:off x="4297899" y="389334"/>
+            <a:ext cx="2406798" cy="2406798"/>
+          </a:xfrm>
+          <a:prstGeom prst="rect">
+            <a:avLst/>
+          </a:prstGeom>
+        </p:spPr>
+      </p:pic>
+      <p:sp>
+        <p:nvSpPr>
+          <p:cNvPr id="36" name="Freeform 19">
+            <a:extLst>
+              <a:ext uri="{FF2B5EF4-FFF2-40B4-BE49-F238E27FC236}">
+                <a16:creationId xmlns:a16="http://schemas.microsoft.com/office/drawing/2014/main" id="{D2D09E6C-D6EC-4C7F-91ED-C81D537A02AB}"/>
               </a:ext>
               <a:ext uri="{C183D7F6-B498-43B3-948B-1728B52AA6E4}">
                 <adec:decorative xmlns:adec="http://schemas.microsoft.com/office/drawing/2017/decorative" val="1"/>
@@ -11265,9 +12568,9 @@
           </p:nvPr>
         </p:nvSpPr>
         <p:spPr>
-          <a:xfrm>
-            <a:off x="8213" y="0"/>
-            <a:ext cx="7307266" cy="6576643"/>
+          <a:xfrm rot="21420000">
+            <a:off x="-161800" y="293317"/>
+            <a:ext cx="11367116" cy="5751804"/>
           </a:xfrm>
           <a:custGeom>
             <a:avLst/>
@@ -11333,9 +12636,9 @@
           </p:nvPr>
         </p:nvSpPr>
         <p:spPr>
-          <a:xfrm>
-            <a:off x="574223" y="1304458"/>
-            <a:ext cx="6232219" cy="2901781"/>
+          <a:xfrm rot="21420000">
+            <a:off x="496980" y="3221623"/>
+            <a:ext cx="10264470" cy="1250066"/>
           </a:xfrm>
         </p:spPr>
         <p:txBody>
@@ -11345,7 +12648,10 @@
           <a:lstStyle/>
           <a:p>
             <a:r>
-              <a:rPr lang="fr-FR" dirty="0">
+              <a:rPr lang="fr-FR">
+                <a:solidFill>
+                  <a:schemeClr val="bg1"/>
+                </a:solidFill>
                 <a:latin typeface="Apple Chancery" panose="03020702040506060504" pitchFamily="66" charset="-79"/>
                 <a:ea typeface="Apple Symbols" panose="02000000000000000000" pitchFamily="2" charset="-79"/>
                 <a:cs typeface="Apple Chancery" panose="03020702040506060504" pitchFamily="66" charset="-79"/>
@@ -11357,53 +12663,10 @@
       </p:sp>
       <p:sp>
         <p:nvSpPr>
-          <p:cNvPr id="3" name="Sous-titre 2">
+          <p:cNvPr id="38" name="5-Point Star 12">
             <a:extLst>
               <a:ext uri="{FF2B5EF4-FFF2-40B4-BE49-F238E27FC236}">
-                <a16:creationId xmlns:a16="http://schemas.microsoft.com/office/drawing/2014/main" id="{72DEA436-D149-384F-A768-FDA2F0443997}"/>
-              </a:ext>
-            </a:extLst>
-          </p:cNvPr>
-          <p:cNvSpPr>
-            <a:spLocks noGrp="1"/>
-          </p:cNvSpPr>
-          <p:nvPr>
-            <p:ph type="subTitle" idx="1"/>
-          </p:nvPr>
-        </p:nvSpPr>
-        <p:spPr>
-          <a:xfrm>
-            <a:off x="574224" y="4206239"/>
-            <a:ext cx="6232218" cy="1066971"/>
-          </a:xfrm>
-        </p:spPr>
-        <p:txBody>
-          <a:bodyPr>
-            <a:normAutofit/>
-          </a:bodyPr>
-          <a:lstStyle/>
-          <a:p>
-            <a:pPr>
-              <a:lnSpc>
-                <a:spcPct val="110000"/>
-              </a:lnSpc>
-            </a:pPr>
-            <a:r>
-              <a:rPr lang="fr-FR" dirty="0">
-                <a:latin typeface="Apple Chancery" panose="03020702040506060504" pitchFamily="66" charset="-79"/>
-                <a:cs typeface="Apple Chancery" panose="03020702040506060504" pitchFamily="66" charset="-79"/>
-              </a:rPr>
-              <a:t>Créez votre premier jeu vidéo avec Swift !</a:t>
-            </a:r>
-          </a:p>
-        </p:txBody>
-      </p:sp>
-      <p:sp>
-        <p:nvSpPr>
-          <p:cNvPr id="23" name="Rectangle 15">
-            <a:extLst>
-              <a:ext uri="{FF2B5EF4-FFF2-40B4-BE49-F238E27FC236}">
-                <a16:creationId xmlns:a16="http://schemas.microsoft.com/office/drawing/2014/main" id="{52AF70D7-58F1-42CD-B0AB-BEB0ADDC5497}"/>
+                <a16:creationId xmlns:a16="http://schemas.microsoft.com/office/drawing/2014/main" id="{3951E5EC-1DE3-40F0-897A-8618C6185D39}"/>
               </a:ext>
               <a:ext uri="{C183D7F6-B498-43B3-948B-1728B52AA6E4}">
                 <adec:decorative xmlns:adec="http://schemas.microsoft.com/office/drawing/2017/decorative" val="1"/>
@@ -11422,29 +12685,22 @@
           </p:nvPr>
         </p:nvSpPr>
         <p:spPr>
-          <a:xfrm>
-            <a:off x="1" y="0"/>
-            <a:ext cx="7278624" cy="226225"/>
+          <a:xfrm rot="21420000">
+            <a:off x="4221385" y="5111356"/>
+            <a:ext cx="515386" cy="515386"/>
           </a:xfrm>
-          <a:prstGeom prst="rect">
-            <a:avLst/>
+          <a:prstGeom prst="star5">
+            <a:avLst>
+              <a:gd name="adj" fmla="val 26693"/>
+              <a:gd name="hf" fmla="val 105146"/>
+              <a:gd name="vf" fmla="val 110557"/>
+            </a:avLst>
           </a:prstGeom>
-          <a:gradFill flip="none" rotWithShape="1">
-            <a:gsLst>
-              <a:gs pos="34000">
-                <a:schemeClr val="accent1"/>
-              </a:gs>
-              <a:gs pos="100000">
-                <a:schemeClr val="accent1">
-                  <a:lumMod val="50000"/>
-                </a:schemeClr>
-              </a:gs>
-            </a:gsLst>
-            <a:path path="circle">
-              <a:fillToRect l="50000" t="50000" r="50000" b="50000"/>
-            </a:path>
-            <a:tileRect/>
-          </a:gradFill>
+          <a:solidFill>
+            <a:schemeClr val="tx1">
+              <a:alpha val="40000"/>
+            </a:schemeClr>
+          </a:solidFill>
           <a:ln>
             <a:noFill/>
           </a:ln>
@@ -11466,180 +12722,50 @@
       </p:sp>
       <p:sp>
         <p:nvSpPr>
-          <p:cNvPr id="18" name="Rectangle 17">
+          <p:cNvPr id="3" name="Sous-titre 2">
             <a:extLst>
               <a:ext uri="{FF2B5EF4-FFF2-40B4-BE49-F238E27FC236}">
-                <a16:creationId xmlns:a16="http://schemas.microsoft.com/office/drawing/2014/main" id="{B4B35B17-18BF-4D26-96DC-290B6F57FABD}"/>
-              </a:ext>
-              <a:ext uri="{C183D7F6-B498-43B3-948B-1728B52AA6E4}">
-                <adec:decorative xmlns:adec="http://schemas.microsoft.com/office/drawing/2017/decorative" val="1"/>
+                <a16:creationId xmlns:a16="http://schemas.microsoft.com/office/drawing/2014/main" id="{72DEA436-D149-384F-A768-FDA2F0443997}"/>
               </a:ext>
             </a:extLst>
           </p:cNvPr>
           <p:cNvSpPr>
-            <a:spLocks noGrp="1" noRot="1" noChangeAspect="1" noMove="1" noResize="1" noEditPoints="1" noAdjustHandles="1" noChangeArrowheads="1" noChangeShapeType="1" noTextEdit="1"/>
+            <a:spLocks noGrp="1"/>
           </p:cNvSpPr>
           <p:nvPr>
-            <p:extLst>
-              <p:ext uri="{386F3935-93C4-4BCD-93E2-E3B085C9AB24}">
-                <p16:designElem xmlns:p16="http://schemas.microsoft.com/office/powerpoint/2015/main" val="1"/>
-              </p:ext>
-            </p:extLst>
+            <p:ph type="subTitle" idx="1"/>
           </p:nvPr>
         </p:nvSpPr>
         <p:spPr>
-          <a:xfrm>
-            <a:off x="0" y="5762454"/>
-            <a:ext cx="7278624" cy="780581"/>
+          <a:xfrm rot="21420000">
+            <a:off x="538344" y="4356657"/>
+            <a:ext cx="10271534" cy="494162"/>
           </a:xfrm>
-          <a:prstGeom prst="rect">
-            <a:avLst/>
-          </a:prstGeom>
-          <a:gradFill flip="none" rotWithShape="1">
-            <a:gsLst>
-              <a:gs pos="34000">
-                <a:schemeClr val="accent1"/>
-              </a:gs>
-              <a:gs pos="100000">
-                <a:schemeClr val="accent1">
-                  <a:lumMod val="50000"/>
-                </a:schemeClr>
-              </a:gs>
-            </a:gsLst>
-            <a:path path="circle">
-              <a:fillToRect l="50000" t="50000" r="50000" b="50000"/>
-            </a:path>
-            <a:tileRect/>
-          </a:gradFill>
-          <a:ln>
-            <a:noFill/>
-          </a:ln>
         </p:spPr>
-        <p:style>
-          <a:lnRef idx="1">
-            <a:schemeClr val="accent1"/>
-          </a:lnRef>
-          <a:fillRef idx="3">
-            <a:schemeClr val="accent1"/>
-          </a:fillRef>
-          <a:effectRef idx="2">
-            <a:schemeClr val="accent1"/>
-          </a:effectRef>
-          <a:fontRef idx="minor">
-            <a:schemeClr val="lt1"/>
-          </a:fontRef>
-        </p:style>
-      </p:sp>
-      <p:sp>
-        <p:nvSpPr>
-          <p:cNvPr id="20" name="Rectangle 19">
-            <a:extLst>
-              <a:ext uri="{FF2B5EF4-FFF2-40B4-BE49-F238E27FC236}">
-                <a16:creationId xmlns:a16="http://schemas.microsoft.com/office/drawing/2014/main" id="{D625A454-7C47-49CE-8425-3EC9800E44E4}"/>
-              </a:ext>
-              <a:ext uri="{C183D7F6-B498-43B3-948B-1728B52AA6E4}">
-                <adec:decorative xmlns:adec="http://schemas.microsoft.com/office/drawing/2017/decorative" val="1"/>
-              </a:ext>
-            </a:extLst>
-          </p:cNvPr>
-          <p:cNvSpPr>
-            <a:spLocks noGrp="1" noRot="1" noChangeAspect="1" noMove="1" noResize="1" noEditPoints="1" noAdjustHandles="1" noChangeArrowheads="1" noChangeShapeType="1" noTextEdit="1"/>
-          </p:cNvSpPr>
-          <p:nvPr>
-            <p:extLst>
-              <p:ext uri="{386F3935-93C4-4BCD-93E2-E3B085C9AB24}">
-                <p16:designElem xmlns:p16="http://schemas.microsoft.com/office/powerpoint/2015/main" val="1"/>
-              </p:ext>
-            </p:extLst>
-          </p:nvPr>
-        </p:nvSpPr>
-        <p:spPr>
-          <a:xfrm>
-            <a:off x="8128677" y="450792"/>
-            <a:ext cx="3600028" cy="5950008"/>
-          </a:xfrm>
-          <a:prstGeom prst="rect">
-            <a:avLst/>
-          </a:prstGeom>
-          <a:solidFill>
-            <a:schemeClr val="bg1"/>
-          </a:solidFill>
-          <a:ln w="57150" cmpd="thinThick">
-            <a:noFill/>
-            <a:miter lim="800000"/>
-          </a:ln>
-          <a:effectLst>
-            <a:outerShdw blurRad="63500" sx="102000" sy="102000" algn="ctr" rotWithShape="0">
-              <a:prstClr val="black">
-                <a:alpha val="40000"/>
-              </a:prstClr>
-            </a:outerShdw>
-          </a:effectLst>
-        </p:spPr>
-        <p:style>
-          <a:lnRef idx="2">
-            <a:schemeClr val="accent1">
-              <a:shade val="50000"/>
-            </a:schemeClr>
-          </a:lnRef>
-          <a:fillRef idx="1">
-            <a:schemeClr val="accent1"/>
-          </a:fillRef>
-          <a:effectRef idx="0">
-            <a:schemeClr val="accent1"/>
-          </a:effectRef>
-          <a:fontRef idx="minor">
-            <a:schemeClr val="lt1"/>
-          </a:fontRef>
-        </p:style>
         <p:txBody>
-          <a:bodyPr rtlCol="0" anchor="ctr"/>
+          <a:bodyPr>
+            <a:normAutofit lnSpcReduction="10000"/>
+          </a:bodyPr>
           <a:lstStyle/>
           <a:p>
-            <a:pPr algn="ctr"/>
-            <a:endParaRPr lang="en-US"/>
+            <a:pPr>
+              <a:lnSpc>
+                <a:spcPct val="110000"/>
+              </a:lnSpc>
+            </a:pPr>
+            <a:r>
+              <a:rPr lang="fr-FR" sz="2600">
+                <a:solidFill>
+                  <a:schemeClr val="bg1"/>
+                </a:solidFill>
+                <a:latin typeface="Apple Chancery" panose="03020702040506060504" pitchFamily="66" charset="-79"/>
+                <a:cs typeface="Apple Chancery" panose="03020702040506060504" pitchFamily="66" charset="-79"/>
+              </a:rPr>
+              <a:t>Créez votre premier jeu vidéo avec Swift !</a:t>
+            </a:r>
           </a:p>
         </p:txBody>
       </p:sp>
-      <p:pic>
-        <p:nvPicPr>
-          <p:cNvPr id="5" name="Graphic 9" descr="Game controller">
-            <a:extLst>
-              <a:ext uri="{FF2B5EF4-FFF2-40B4-BE49-F238E27FC236}">
-                <a16:creationId xmlns:a16="http://schemas.microsoft.com/office/drawing/2014/main" id="{7062B213-83A1-744F-891F-9D1734E7B8E5}"/>
-              </a:ext>
-            </a:extLst>
-          </p:cNvPr>
-          <p:cNvPicPr>
-            <a:picLocks noChangeAspect="1"/>
-          </p:cNvPicPr>
-          <p:nvPr/>
-        </p:nvPicPr>
-        <p:blipFill>
-          <a:blip r:embed="rId4">
-            <a:extLst>
-              <a:ext uri="{28A0092B-C50C-407E-A947-70E740481C1C}">
-                <a14:useLocalDpi xmlns:a14="http://schemas.microsoft.com/office/drawing/2010/main" val="0"/>
-              </a:ext>
-              <a:ext uri="{96DAC541-7B7A-43D3-8B79-37D633B846F1}">
-                <asvg:svgBlip xmlns:asvg="http://schemas.microsoft.com/office/drawing/2016/SVG/main" r:embed="rId5"/>
-              </a:ext>
-            </a:extLst>
-          </a:blip>
-          <a:stretch>
-            <a:fillRect/>
-          </a:stretch>
-        </p:blipFill>
-        <p:spPr>
-          <a:xfrm>
-            <a:off x="8374980" y="1865430"/>
-            <a:ext cx="3121157" cy="3121157"/>
-          </a:xfrm>
-          <a:prstGeom prst="rect">
-            <a:avLst/>
-          </a:prstGeom>
-        </p:spPr>
-      </p:pic>
     </p:spTree>
     <p:extLst>
       <p:ext uri="{BB962C8B-B14F-4D97-AF65-F5344CB8AC3E}">
@@ -11908,10 +13034,10 @@
       </p:sp>
       <p:pic>
         <p:nvPicPr>
-          <p:cNvPr id="4" name="Image 3">
+          <p:cNvPr id="3" name="Image 2">
             <a:extLst>
               <a:ext uri="{FF2B5EF4-FFF2-40B4-BE49-F238E27FC236}">
-                <a16:creationId xmlns:a16="http://schemas.microsoft.com/office/drawing/2014/main" id="{55DD903E-8948-D142-9CA6-4660B3EEED1C}"/>
+                <a16:creationId xmlns:a16="http://schemas.microsoft.com/office/drawing/2014/main" id="{9F36A6D3-9B72-D842-91A0-83911E80F1AD}"/>
               </a:ext>
             </a:extLst>
           </p:cNvPr>
@@ -11920,19 +13046,23 @@
           </p:cNvPicPr>
           <p:nvPr/>
         </p:nvPicPr>
-        <p:blipFill rotWithShape="1">
+        <p:blipFill>
           <a:blip r:embed="rId2"/>
-          <a:srcRect l="12133" t="14279" r="34565" b="13398"/>
-          <a:stretch/>
+          <a:stretch>
+            <a:fillRect/>
+          </a:stretch>
         </p:blipFill>
         <p:spPr>
-          <a:xfrm rot="5400000">
-            <a:off x="3418836" y="-1853790"/>
-            <a:ext cx="5354328" cy="10280824"/>
+          <a:xfrm>
+            <a:off x="1065451" y="609458"/>
+            <a:ext cx="9724768" cy="5525073"/>
           </a:xfrm>
           <a:prstGeom prst="rect">
             <a:avLst/>
           </a:prstGeom>
+          <a:effectLst>
+            <a:softEdge rad="63500"/>
+          </a:effectLst>
         </p:spPr>
       </p:pic>
     </p:spTree>
@@ -11945,6 +13075,202 @@
   <p:clrMapOvr>
     <a:masterClrMapping/>
   </p:clrMapOvr>
+  <p:timing>
+    <p:tnLst>
+      <p:par>
+        <p:cTn id="1" dur="indefinite" restart="never" nodeType="tmRoot">
+          <p:childTnLst>
+            <p:seq concurrent="1" nextAc="seek">
+              <p:cTn id="2" dur="indefinite" nodeType="mainSeq">
+                <p:childTnLst>
+                  <p:par>
+                    <p:cTn id="3" fill="hold">
+                      <p:stCondLst>
+                        <p:cond delay="indefinite"/>
+                        <p:cond evt="onBegin" delay="0">
+                          <p:tn val="2"/>
+                        </p:cond>
+                      </p:stCondLst>
+                      <p:childTnLst>
+                        <p:par>
+                          <p:cTn id="4" fill="hold">
+                            <p:stCondLst>
+                              <p:cond delay="0"/>
+                            </p:stCondLst>
+                            <p:childTnLst>
+                              <p:par>
+                                <p:cTn id="5" presetID="41" presetClass="entr" presetSubtype="0" fill="hold" grpId="0" nodeType="afterEffect">
+                                  <p:stCondLst>
+                                    <p:cond delay="0"/>
+                                  </p:stCondLst>
+                                  <p:childTnLst>
+                                    <p:set>
+                                      <p:cBhvr>
+                                        <p:cTn id="6" dur="1" fill="hold">
+                                          <p:stCondLst>
+                                            <p:cond delay="0"/>
+                                          </p:stCondLst>
+                                        </p:cTn>
+                                        <p:tgtEl>
+                                          <p:spTgt spid="6"/>
+                                        </p:tgtEl>
+                                        <p:attrNameLst>
+                                          <p:attrName>style.visibility</p:attrName>
+                                        </p:attrNameLst>
+                                      </p:cBhvr>
+                                      <p:to>
+                                        <p:strVal val="visible"/>
+                                      </p:to>
+                                    </p:set>
+                                    <p:anim calcmode="lin" valueType="num">
+                                      <p:cBhvr>
+                                        <p:cTn id="7" dur="1000" fill="hold"/>
+                                        <p:tgtEl>
+                                          <p:spTgt spid="6"/>
+                                        </p:tgtEl>
+                                        <p:attrNameLst>
+                                          <p:attrName>ppt_x</p:attrName>
+                                        </p:attrNameLst>
+                                      </p:cBhvr>
+                                      <p:tavLst>
+                                        <p:tav tm="0">
+                                          <p:val>
+                                            <p:strVal val="#ppt_x"/>
+                                          </p:val>
+                                        </p:tav>
+                                        <p:tav tm="50000">
+                                          <p:val>
+                                            <p:strVal val="#ppt_x+.1"/>
+                                          </p:val>
+                                        </p:tav>
+                                        <p:tav tm="100000">
+                                          <p:val>
+                                            <p:strVal val="#ppt_x"/>
+                                          </p:val>
+                                        </p:tav>
+                                      </p:tavLst>
+                                    </p:anim>
+                                    <p:anim calcmode="lin" valueType="num">
+                                      <p:cBhvr>
+                                        <p:cTn id="8" dur="1000" fill="hold"/>
+                                        <p:tgtEl>
+                                          <p:spTgt spid="6"/>
+                                        </p:tgtEl>
+                                        <p:attrNameLst>
+                                          <p:attrName>ppt_y</p:attrName>
+                                        </p:attrNameLst>
+                                      </p:cBhvr>
+                                      <p:tavLst>
+                                        <p:tav tm="0">
+                                          <p:val>
+                                            <p:strVal val="#ppt_y"/>
+                                          </p:val>
+                                        </p:tav>
+                                        <p:tav tm="100000">
+                                          <p:val>
+                                            <p:strVal val="#ppt_y"/>
+                                          </p:val>
+                                        </p:tav>
+                                      </p:tavLst>
+                                    </p:anim>
+                                    <p:anim calcmode="lin" valueType="num">
+                                      <p:cBhvr>
+                                        <p:cTn id="9" dur="1000" fill="hold"/>
+                                        <p:tgtEl>
+                                          <p:spTgt spid="6"/>
+                                        </p:tgtEl>
+                                        <p:attrNameLst>
+                                          <p:attrName>ppt_h</p:attrName>
+                                        </p:attrNameLst>
+                                      </p:cBhvr>
+                                      <p:tavLst>
+                                        <p:tav tm="0">
+                                          <p:val>
+                                            <p:strVal val="#ppt_h/10"/>
+                                          </p:val>
+                                        </p:tav>
+                                        <p:tav tm="50000">
+                                          <p:val>
+                                            <p:strVal val="#ppt_h+.01"/>
+                                          </p:val>
+                                        </p:tav>
+                                        <p:tav tm="100000">
+                                          <p:val>
+                                            <p:strVal val="#ppt_h"/>
+                                          </p:val>
+                                        </p:tav>
+                                      </p:tavLst>
+                                    </p:anim>
+                                    <p:anim calcmode="lin" valueType="num">
+                                      <p:cBhvr>
+                                        <p:cTn id="10" dur="1000" fill="hold"/>
+                                        <p:tgtEl>
+                                          <p:spTgt spid="6"/>
+                                        </p:tgtEl>
+                                        <p:attrNameLst>
+                                          <p:attrName>ppt_w</p:attrName>
+                                        </p:attrNameLst>
+                                      </p:cBhvr>
+                                      <p:tavLst>
+                                        <p:tav tm="0">
+                                          <p:val>
+                                            <p:strVal val="#ppt_w/10"/>
+                                          </p:val>
+                                        </p:tav>
+                                        <p:tav tm="50000">
+                                          <p:val>
+                                            <p:strVal val="#ppt_w+.01"/>
+                                          </p:val>
+                                        </p:tav>
+                                        <p:tav tm="100000">
+                                          <p:val>
+                                            <p:strVal val="#ppt_w"/>
+                                          </p:val>
+                                        </p:tav>
+                                      </p:tavLst>
+                                    </p:anim>
+                                    <p:animEffect transition="in" filter="fade">
+                                      <p:cBhvr>
+                                        <p:cTn id="11" dur="1000" tmFilter="0,0; .5, 1; 1, 1"/>
+                                        <p:tgtEl>
+                                          <p:spTgt spid="6"/>
+                                        </p:tgtEl>
+                                      </p:cBhvr>
+                                    </p:animEffect>
+                                  </p:childTnLst>
+                                </p:cTn>
+                              </p:par>
+                            </p:childTnLst>
+                          </p:cTn>
+                        </p:par>
+                      </p:childTnLst>
+                    </p:cTn>
+                  </p:par>
+                </p:childTnLst>
+              </p:cTn>
+              <p:prevCondLst>
+                <p:cond evt="onPrev" delay="0">
+                  <p:tgtEl>
+                    <p:sldTgt/>
+                  </p:tgtEl>
+                </p:cond>
+              </p:prevCondLst>
+              <p:nextCondLst>
+                <p:cond evt="onNext" delay="0">
+                  <p:tgtEl>
+                    <p:sldTgt/>
+                  </p:tgtEl>
+                </p:cond>
+              </p:nextCondLst>
+            </p:seq>
+          </p:childTnLst>
+        </p:cTn>
+      </p:par>
+    </p:tnLst>
+    <p:bldLst>
+      <p:bldP spid="6" grpId="0"/>
+    </p:bldLst>
+  </p:timing>
 </p:sld>
 </file>
 
@@ -11986,66 +13312,6 @@
           <a:chExt cx="0" cy="0"/>
         </a:xfrm>
       </p:grpSpPr>
-      <p:sp useBgFill="1">
-        <p:nvSpPr>
-          <p:cNvPr id="70" name="Rectangle 59">
-            <a:extLst>
-              <a:ext uri="{FF2B5EF4-FFF2-40B4-BE49-F238E27FC236}">
-                <a16:creationId xmlns:a16="http://schemas.microsoft.com/office/drawing/2014/main" id="{1C4DAAB9-1F6E-44A6-8EBD-11AA857B20AB}"/>
-              </a:ext>
-              <a:ext uri="{C183D7F6-B498-43B3-948B-1728B52AA6E4}">
-                <adec:decorative xmlns:adec="http://schemas.microsoft.com/office/drawing/2017/decorative" val="1"/>
-              </a:ext>
-            </a:extLst>
-          </p:cNvPr>
-          <p:cNvSpPr>
-            <a:spLocks noGrp="1" noRot="1" noChangeAspect="1" noMove="1" noResize="1" noEditPoints="1" noAdjustHandles="1" noChangeArrowheads="1" noChangeShapeType="1" noTextEdit="1"/>
-          </p:cNvSpPr>
-          <p:nvPr>
-            <p:extLst>
-              <p:ext uri="{386F3935-93C4-4BCD-93E2-E3B085C9AB24}">
-                <p16:designElem xmlns:p16="http://schemas.microsoft.com/office/powerpoint/2015/main" val="1"/>
-              </p:ext>
-            </p:extLst>
-          </p:nvPr>
-        </p:nvSpPr>
-        <p:spPr>
-          <a:xfrm>
-            <a:off x="0" y="0"/>
-            <a:ext cx="12192000" cy="6858000"/>
-          </a:xfrm>
-          <a:prstGeom prst="rect">
-            <a:avLst/>
-          </a:prstGeom>
-          <a:ln>
-            <a:noFill/>
-          </a:ln>
-        </p:spPr>
-        <p:style>
-          <a:lnRef idx="2">
-            <a:schemeClr val="accent1">
-              <a:shade val="50000"/>
-            </a:schemeClr>
-          </a:lnRef>
-          <a:fillRef idx="1">
-            <a:schemeClr val="accent1"/>
-          </a:fillRef>
-          <a:effectRef idx="0">
-            <a:schemeClr val="accent1"/>
-          </a:effectRef>
-          <a:fontRef idx="minor">
-            <a:schemeClr val="lt1"/>
-          </a:fontRef>
-        </p:style>
-        <p:txBody>
-          <a:bodyPr rtlCol="0" anchor="ctr"/>
-          <a:lstStyle/>
-          <a:p>
-            <a:pPr algn="ctr"/>
-            <a:endParaRPr lang="en-US"/>
-          </a:p>
-        </p:txBody>
-      </p:sp>
       <p:sp>
         <p:nvSpPr>
           <p:cNvPr id="4" name="ZoneTexte 3">
@@ -12060,8 +13326,8 @@
         </p:nvSpPr>
         <p:spPr>
           <a:xfrm>
-            <a:off x="685800" y="685800"/>
-            <a:ext cx="10792837" cy="1151965"/>
+            <a:off x="685801" y="685800"/>
+            <a:ext cx="10396882" cy="1151965"/>
           </a:xfrm>
           <a:prstGeom prst="rect">
             <a:avLst/>
@@ -12114,14 +13380,14 @@
             <p:ph idx="1"/>
             <p:extLst>
               <p:ext uri="{D42A27DB-BD31-4B8C-83A1-F6EECF244321}">
-                <p14:modId xmlns:p14="http://schemas.microsoft.com/office/powerpoint/2010/main" val="3129771435"/>
+                <p14:modId xmlns:p14="http://schemas.microsoft.com/office/powerpoint/2010/main" val="3986512606"/>
               </p:ext>
             </p:extLst>
           </p:nvPr>
         </p:nvGraphicFramePr>
         <p:xfrm>
-          <a:off x="685800" y="2063750"/>
-          <a:ext cx="10793413" cy="3908425"/>
+          <a:off x="685800" y="1680519"/>
+          <a:ext cx="10394950" cy="3694757"/>
         </p:xfrm>
         <a:graphic>
           <a:graphicData uri="http://schemas.openxmlformats.org/drawingml/2006/diagram">
@@ -12133,6 +13399,69 @@
     <p:extLst>
       <p:ext uri="{BB962C8B-B14F-4D97-AF65-F5344CB8AC3E}">
         <p14:creationId xmlns:p14="http://schemas.microsoft.com/office/powerpoint/2010/main" val="891734803"/>
+      </p:ext>
+    </p:extLst>
+  </p:cSld>
+  <p:clrMapOvr>
+    <a:masterClrMapping/>
+  </p:clrMapOvr>
+</p:sld>
+</file>
+
+<file path=ppt/slides/slide4.xml><?xml version="1.0" encoding="utf-8"?>
+<p:sld xmlns:a="http://schemas.openxmlformats.org/drawingml/2006/main" xmlns:r="http://schemas.openxmlformats.org/officeDocument/2006/relationships" xmlns:p="http://schemas.openxmlformats.org/presentationml/2006/main">
+  <p:cSld>
+    <p:spTree>
+      <p:nvGrpSpPr>
+        <p:cNvPr id="1" name=""/>
+        <p:cNvGrpSpPr/>
+        <p:nvPr/>
+      </p:nvGrpSpPr>
+      <p:grpSpPr>
+        <a:xfrm>
+          <a:off x="0" y="0"/>
+          <a:ext cx="0" cy="0"/>
+          <a:chOff x="0" y="0"/>
+          <a:chExt cx="0" cy="0"/>
+        </a:xfrm>
+      </p:grpSpPr>
+      <p:pic>
+        <p:nvPicPr>
+          <p:cNvPr id="6" name="Image 5">
+            <a:extLst>
+              <a:ext uri="{FF2B5EF4-FFF2-40B4-BE49-F238E27FC236}">
+                <a16:creationId xmlns:a16="http://schemas.microsoft.com/office/drawing/2014/main" id="{654F1C65-47B2-6E42-B8A0-E0DA75EC229B}"/>
+              </a:ext>
+            </a:extLst>
+          </p:cNvPr>
+          <p:cNvPicPr>
+            <a:picLocks noChangeAspect="1"/>
+          </p:cNvPicPr>
+          <p:nvPr/>
+        </p:nvPicPr>
+        <p:blipFill>
+          <a:blip r:embed="rId2"/>
+          <a:stretch>
+            <a:fillRect/>
+          </a:stretch>
+        </p:blipFill>
+        <p:spPr>
+          <a:xfrm>
+            <a:off x="1362161" y="30892"/>
+            <a:ext cx="9467678" cy="6267336"/>
+          </a:xfrm>
+          <a:prstGeom prst="rect">
+            <a:avLst/>
+          </a:prstGeom>
+          <a:effectLst>
+            <a:softEdge rad="63500"/>
+          </a:effectLst>
+        </p:spPr>
+      </p:pic>
+    </p:spTree>
+    <p:extLst>
+      <p:ext uri="{BB962C8B-B14F-4D97-AF65-F5344CB8AC3E}">
+        <p14:creationId xmlns:p14="http://schemas.microsoft.com/office/powerpoint/2010/main" val="4055050148"/>
       </p:ext>
     </p:extLst>
   </p:cSld>

--- a/P3_soussand_yoan/P3_02_architecture/P3_02_architecture.pptx
+++ b/P3_soussand_yoan/P3_02_architecture/P3_02_architecture.pptx
@@ -129,7 +129,7 @@
 <file path=ppt/revisionInfo.xml><?xml version="1.0" encoding="utf-8"?>
 <p1510:revInfo xmlns:a="http://schemas.openxmlformats.org/drawingml/2006/main" xmlns:r="http://schemas.openxmlformats.org/officeDocument/2006/relationships" xmlns:p1510="http://schemas.microsoft.com/office/powerpoint/2015/10/main">
   <p1510:revLst>
-    <p1510:client id="{ED4E84CA-539B-F14D-8B36-AC637F884A74}" v="278" dt="2021-08-21T12:17:45.029"/>
+    <p1510:client id="{ED4E84CA-539B-F14D-8B36-AC637F884A74}" v="283" dt="2021-08-21T12:18:13.963"/>
   </p1510:revLst>
 </p1510:revInfo>
 </file>
@@ -139,7 +139,7 @@
   <pc:docChgLst>
     <pc:chgData name="Soussand, Yoan" userId="6c304db6-38ce-44e5-ba9b-3778b08966c2" providerId="ADAL" clId="{ED4E84CA-539B-F14D-8B36-AC637F884A74}"/>
     <pc:docChg chg="undo custSel mod addSld modSld modMainMaster">
-      <pc:chgData name="Soussand, Yoan" userId="6c304db6-38ce-44e5-ba9b-3778b08966c2" providerId="ADAL" clId="{ED4E84CA-539B-F14D-8B36-AC637F884A74}" dt="2021-08-21T12:17:45.029" v="2187"/>
+      <pc:chgData name="Soussand, Yoan" userId="6c304db6-38ce-44e5-ba9b-3778b08966c2" providerId="ADAL" clId="{ED4E84CA-539B-F14D-8B36-AC637F884A74}" dt="2021-08-21T12:18:13.962" v="2192"/>
       <pc:docMkLst>
         <pc:docMk/>
       </pc:docMkLst>
@@ -727,7 +727,7 @@
         </pc:cxnChg>
       </pc:sldChg>
       <pc:sldChg chg="addSp delSp modSp mod setBg addAnim delAnim modAnim delDesignElem">
-        <pc:chgData name="Soussand, Yoan" userId="6c304db6-38ce-44e5-ba9b-3778b08966c2" providerId="ADAL" clId="{ED4E84CA-539B-F14D-8B36-AC637F884A74}" dt="2021-08-21T12:17:45.029" v="2187"/>
+        <pc:chgData name="Soussand, Yoan" userId="6c304db6-38ce-44e5-ba9b-3778b08966c2" providerId="ADAL" clId="{ED4E84CA-539B-F14D-8B36-AC637F884A74}" dt="2021-08-21T12:18:13.962" v="2192"/>
         <pc:sldMkLst>
           <pc:docMk/>
           <pc:sldMk cId="2796943302" sldId="257"/>
@@ -13243,6 +13243,50 @@
                             </p:childTnLst>
                           </p:cTn>
                         </p:par>
+                        <p:par>
+                          <p:cTn id="12" fill="hold">
+                            <p:stCondLst>
+                              <p:cond delay="1000"/>
+                            </p:stCondLst>
+                            <p:childTnLst>
+                              <p:par>
+                                <p:cTn id="13" presetID="9" presetClass="entr" presetSubtype="0" fill="hold" nodeType="afterEffect">
+                                  <p:stCondLst>
+                                    <p:cond delay="0"/>
+                                  </p:stCondLst>
+                                  <p:childTnLst>
+                                    <p:set>
+                                      <p:cBhvr>
+                                        <p:cTn id="14" dur="1" fill="hold">
+                                          <p:stCondLst>
+                                            <p:cond delay="0"/>
+                                          </p:stCondLst>
+                                        </p:cTn>
+                                        <p:tgtEl>
+                                          <p:spTgt spid="3"/>
+                                        </p:tgtEl>
+                                        <p:attrNameLst>
+                                          <p:attrName>style.visibility</p:attrName>
+                                        </p:attrNameLst>
+                                      </p:cBhvr>
+                                      <p:to>
+                                        <p:strVal val="visible"/>
+                                      </p:to>
+                                    </p:set>
+                                    <p:animEffect transition="in" filter="dissolve">
+                                      <p:cBhvr>
+                                        <p:cTn id="15" dur="500"/>
+                                        <p:tgtEl>
+                                          <p:spTgt spid="3"/>
+                                        </p:tgtEl>
+                                      </p:cBhvr>
+                                    </p:animEffect>
+                                  </p:childTnLst>
+                                </p:cTn>
+                              </p:par>
+                            </p:childTnLst>
+                          </p:cTn>
+                        </p:par>
                       </p:childTnLst>
                     </p:cTn>
                   </p:par>

--- a/P3_soussand_yoan/P3_02_architecture/P3_02_architecture.pptx
+++ b/P3_soussand_yoan/P3_02_architecture/P3_02_architecture.pptx
@@ -6,8 +6,8 @@
   </p:sldMasterIdLst>
   <p:sldIdLst>
     <p:sldId id="256" r:id="rId2"/>
-    <p:sldId id="257" r:id="rId3"/>
-    <p:sldId id="258" r:id="rId4"/>
+    <p:sldId id="260" r:id="rId3"/>
+    <p:sldId id="257" r:id="rId4"/>
     <p:sldId id="259" r:id="rId5"/>
   </p:sldIdLst>
   <p:sldSz cx="12192000" cy="6858000"/>
@@ -129,7 +129,7 @@
 <file path=ppt/revisionInfo.xml><?xml version="1.0" encoding="utf-8"?>
 <p1510:revInfo xmlns:a="http://schemas.openxmlformats.org/drawingml/2006/main" xmlns:r="http://schemas.openxmlformats.org/officeDocument/2006/relationships" xmlns:p1510="http://schemas.microsoft.com/office/powerpoint/2015/10/main">
   <p1510:revLst>
-    <p1510:client id="{ED4E84CA-539B-F14D-8B36-AC637F884A74}" v="283" dt="2021-08-21T12:18:13.963"/>
+    <p1510:client id="{ED4E84CA-539B-F14D-8B36-AC637F884A74}" v="404" dt="2021-08-27T10:46:00.039"/>
   </p1510:revLst>
 </p1510:revInfo>
 </file>
@@ -138,8 +138,8 @@
 <pc:chgInfo xmlns:a="http://schemas.openxmlformats.org/drawingml/2006/main" xmlns:r="http://schemas.openxmlformats.org/officeDocument/2006/relationships" xmlns:ac="http://schemas.microsoft.com/office/drawing/2013/main/command" xmlns:pc="http://schemas.microsoft.com/office/powerpoint/2013/main/command">
   <pc:docChgLst>
     <pc:chgData name="Soussand, Yoan" userId="6c304db6-38ce-44e5-ba9b-3778b08966c2" providerId="ADAL" clId="{ED4E84CA-539B-F14D-8B36-AC637F884A74}"/>
-    <pc:docChg chg="undo custSel mod addSld modSld modMainMaster">
-      <pc:chgData name="Soussand, Yoan" userId="6c304db6-38ce-44e5-ba9b-3778b08966c2" providerId="ADAL" clId="{ED4E84CA-539B-F14D-8B36-AC637F884A74}" dt="2021-08-21T12:18:13.962" v="2192"/>
+    <pc:docChg chg="undo custSel mod addSld delSld modSld modMainMaster">
+      <pc:chgData name="Soussand, Yoan" userId="6c304db6-38ce-44e5-ba9b-3778b08966c2" providerId="ADAL" clId="{ED4E84CA-539B-F14D-8B36-AC637F884A74}" dt="2021-08-27T10:46:00.039" v="2651"/>
       <pc:docMkLst>
         <pc:docMk/>
       </pc:docMkLst>
@@ -973,8 +973,8 @@
           </ac:picMkLst>
         </pc:picChg>
       </pc:sldChg>
-      <pc:sldChg chg="addSp delSp modSp new mod setBg">
-        <pc:chgData name="Soussand, Yoan" userId="6c304db6-38ce-44e5-ba9b-3778b08966c2" providerId="ADAL" clId="{ED4E84CA-539B-F14D-8B36-AC637F884A74}" dt="2021-08-21T12:02:39.423" v="2164" actId="20577"/>
+      <pc:sldChg chg="addSp delSp modSp new del mod setBg modAnim">
+        <pc:chgData name="Soussand, Yoan" userId="6c304db6-38ce-44e5-ba9b-3778b08966c2" providerId="ADAL" clId="{ED4E84CA-539B-F14D-8B36-AC637F884A74}" dt="2021-08-26T21:06:40.557" v="2639" actId="2696"/>
         <pc:sldMkLst>
           <pc:docMk/>
           <pc:sldMk cId="891734803" sldId="258"/>
@@ -1308,7 +1308,7 @@
           </ac:graphicFrameMkLst>
         </pc:graphicFrameChg>
         <pc:graphicFrameChg chg="add mod ord modGraphic">
-          <ac:chgData name="Soussand, Yoan" userId="6c304db6-38ce-44e5-ba9b-3778b08966c2" providerId="ADAL" clId="{ED4E84CA-539B-F14D-8B36-AC637F884A74}" dt="2021-08-21T12:02:39.423" v="2164" actId="20577"/>
+          <ac:chgData name="Soussand, Yoan" userId="6c304db6-38ce-44e5-ba9b-3778b08966c2" providerId="ADAL" clId="{ED4E84CA-539B-F14D-8B36-AC637F884A74}" dt="2021-08-26T20:52:08.523" v="2638"/>
           <ac:graphicFrameMkLst>
             <pc:docMk/>
             <pc:sldMk cId="891734803" sldId="258"/>
@@ -1380,12 +1380,27 @@
           </ac:picMkLst>
         </pc:picChg>
       </pc:sldChg>
-      <pc:sldChg chg="addSp delSp modSp new mod setBg setClrOvrMap">
-        <pc:chgData name="Soussand, Yoan" userId="6c304db6-38ce-44e5-ba9b-3778b08966c2" providerId="ADAL" clId="{ED4E84CA-539B-F14D-8B36-AC637F884A74}" dt="2021-08-21T12:13:08.613" v="2171" actId="1076"/>
+      <pc:sldChg chg="add del setBg">
+        <pc:chgData name="Soussand, Yoan" userId="6c304db6-38ce-44e5-ba9b-3778b08966c2" providerId="ADAL" clId="{ED4E84CA-539B-F14D-8B36-AC637F884A74}" dt="2021-08-26T21:13:11.458" v="2641" actId="2696"/>
+        <pc:sldMkLst>
+          <pc:docMk/>
+          <pc:sldMk cId="3090233212" sldId="258"/>
+        </pc:sldMkLst>
+      </pc:sldChg>
+      <pc:sldChg chg="addSp delSp modSp new mod setBg delAnim modAnim setClrOvrMap">
+        <pc:chgData name="Soussand, Yoan" userId="6c304db6-38ce-44e5-ba9b-3778b08966c2" providerId="ADAL" clId="{ED4E84CA-539B-F14D-8B36-AC637F884A74}" dt="2021-08-27T10:46:00.039" v="2651"/>
         <pc:sldMkLst>
           <pc:docMk/>
           <pc:sldMk cId="4055050148" sldId="259"/>
         </pc:sldMkLst>
+        <pc:spChg chg="add del mod">
+          <ac:chgData name="Soussand, Yoan" userId="6c304db6-38ce-44e5-ba9b-3778b08966c2" providerId="ADAL" clId="{ED4E84CA-539B-F14D-8B36-AC637F884A74}" dt="2021-08-22T20:47:58.044" v="2233" actId="478"/>
+          <ac:spMkLst>
+            <pc:docMk/>
+            <pc:sldMk cId="4055050148" sldId="259"/>
+            <ac:spMk id="2" creationId="{E88A97A1-F52C-1044-861B-B43F8FEABE8E}"/>
+          </ac:spMkLst>
+        </pc:spChg>
         <pc:spChg chg="del">
           <ac:chgData name="Soussand, Yoan" userId="6c304db6-38ce-44e5-ba9b-3778b08966c2" providerId="ADAL" clId="{ED4E84CA-539B-F14D-8B36-AC637F884A74}" dt="2021-08-20T12:42:21.844" v="1317" actId="478"/>
           <ac:spMkLst>
@@ -1400,6 +1415,14 @@
             <pc:docMk/>
             <pc:sldMk cId="4055050148" sldId="259"/>
             <ac:spMk id="3" creationId="{42FDCD82-AF17-BD4F-805D-0BA92A3CD8F2}"/>
+          </ac:spMkLst>
+        </pc:spChg>
+        <pc:spChg chg="add mod">
+          <ac:chgData name="Soussand, Yoan" userId="6c304db6-38ce-44e5-ba9b-3778b08966c2" providerId="ADAL" clId="{ED4E84CA-539B-F14D-8B36-AC637F884A74}" dt="2021-08-22T21:07:16.477" v="2320" actId="554"/>
+          <ac:spMkLst>
+            <pc:docMk/>
+            <pc:sldMk cId="4055050148" sldId="259"/>
+            <ac:spMk id="4" creationId="{94E2BD59-EA94-4F46-B3AB-6AA5F83D6225}"/>
           </ac:spMkLst>
         </pc:spChg>
         <pc:spChg chg="add del">
@@ -1498,6 +1521,14 @@
             <ac:picMk id="3" creationId="{4AC97073-C9B7-9F4A-A57B-4346395B904D}"/>
           </ac:picMkLst>
         </pc:picChg>
+        <pc:picChg chg="add mod">
+          <ac:chgData name="Soussand, Yoan" userId="6c304db6-38ce-44e5-ba9b-3778b08966c2" providerId="ADAL" clId="{ED4E84CA-539B-F14D-8B36-AC637F884A74}" dt="2021-08-26T20:49:02.631" v="2630" actId="14100"/>
+          <ac:picMkLst>
+            <pc:docMk/>
+            <pc:sldMk cId="4055050148" sldId="259"/>
+            <ac:picMk id="3" creationId="{E5B24F37-C011-1742-9586-974A093EFD78}"/>
+          </ac:picMkLst>
+        </pc:picChg>
         <pc:picChg chg="add del mod modCrop">
           <ac:chgData name="Soussand, Yoan" userId="6c304db6-38ce-44e5-ba9b-3778b08966c2" providerId="ADAL" clId="{ED4E84CA-539B-F14D-8B36-AC637F884A74}" dt="2021-08-21T12:12:03.884" v="2165" actId="478"/>
           <ac:picMkLst>
@@ -1514,8 +1545,8 @@
             <ac:picMk id="5" creationId="{C429F024-B1CA-0642-AF84-76F109B50127}"/>
           </ac:picMkLst>
         </pc:picChg>
-        <pc:picChg chg="add mod">
-          <ac:chgData name="Soussand, Yoan" userId="6c304db6-38ce-44e5-ba9b-3778b08966c2" providerId="ADAL" clId="{ED4E84CA-539B-F14D-8B36-AC637F884A74}" dt="2021-08-21T12:13:08.613" v="2171" actId="1076"/>
+        <pc:picChg chg="add del mod">
+          <ac:chgData name="Soussand, Yoan" userId="6c304db6-38ce-44e5-ba9b-3778b08966c2" providerId="ADAL" clId="{ED4E84CA-539B-F14D-8B36-AC637F884A74}" dt="2021-08-26T20:48:26.612" v="2626" actId="478"/>
           <ac:picMkLst>
             <pc:docMk/>
             <pc:sldMk cId="4055050148" sldId="259"/>
@@ -1562,6 +1593,69 @@
             <ac:picMk id="26" creationId="{515DA87D-133C-4F77-8863-8B66D40F993C}"/>
           </ac:picMkLst>
         </pc:picChg>
+      </pc:sldChg>
+      <pc:sldChg chg="addSp delSp modSp new mod setBg modAnim">
+        <pc:chgData name="Soussand, Yoan" userId="6c304db6-38ce-44e5-ba9b-3778b08966c2" providerId="ADAL" clId="{ED4E84CA-539B-F14D-8B36-AC637F884A74}" dt="2021-08-24T10:29:26.021" v="2625"/>
+        <pc:sldMkLst>
+          <pc:docMk/>
+          <pc:sldMk cId="2978954613" sldId="260"/>
+        </pc:sldMkLst>
+        <pc:spChg chg="mod">
+          <ac:chgData name="Soussand, Yoan" userId="6c304db6-38ce-44e5-ba9b-3778b08966c2" providerId="ADAL" clId="{ED4E84CA-539B-F14D-8B36-AC637F884A74}" dt="2021-08-24T10:27:40.665" v="2616" actId="26606"/>
+          <ac:spMkLst>
+            <pc:docMk/>
+            <pc:sldMk cId="2978954613" sldId="260"/>
+            <ac:spMk id="2" creationId="{2806B87A-C7B4-9C4E-A9A0-21E1235934FB}"/>
+          </ac:spMkLst>
+        </pc:spChg>
+        <pc:spChg chg="add del mod">
+          <ac:chgData name="Soussand, Yoan" userId="6c304db6-38ce-44e5-ba9b-3778b08966c2" providerId="ADAL" clId="{ED4E84CA-539B-F14D-8B36-AC637F884A74}" dt="2021-08-24T10:27:40.665" v="2616" actId="26606"/>
+          <ac:spMkLst>
+            <pc:docMk/>
+            <pc:sldMk cId="2978954613" sldId="260"/>
+            <ac:spMk id="3" creationId="{17205758-444C-D14B-8DCC-97D00D701F6C}"/>
+          </ac:spMkLst>
+        </pc:spChg>
+        <pc:spChg chg="add del">
+          <ac:chgData name="Soussand, Yoan" userId="6c304db6-38ce-44e5-ba9b-3778b08966c2" providerId="ADAL" clId="{ED4E84CA-539B-F14D-8B36-AC637F884A74}" dt="2021-08-24T10:27:32.577" v="2613" actId="26606"/>
+          <ac:spMkLst>
+            <pc:docMk/>
+            <pc:sldMk cId="2978954613" sldId="260"/>
+            <ac:spMk id="9" creationId="{1C4DAAB9-1F6E-44A6-8EBD-11AA857B20AB}"/>
+          </ac:spMkLst>
+        </pc:spChg>
+        <pc:spChg chg="add">
+          <ac:chgData name="Soussand, Yoan" userId="6c304db6-38ce-44e5-ba9b-3778b08966c2" providerId="ADAL" clId="{ED4E84CA-539B-F14D-8B36-AC637F884A74}" dt="2021-08-24T10:27:40.665" v="2616" actId="26606"/>
+          <ac:spMkLst>
+            <pc:docMk/>
+            <pc:sldMk cId="2978954613" sldId="260"/>
+            <ac:spMk id="13" creationId="{1C4DAAB9-1F6E-44A6-8EBD-11AA857B20AB}"/>
+          </ac:spMkLst>
+        </pc:spChg>
+        <pc:graphicFrameChg chg="add del">
+          <ac:chgData name="Soussand, Yoan" userId="6c304db6-38ce-44e5-ba9b-3778b08966c2" providerId="ADAL" clId="{ED4E84CA-539B-F14D-8B36-AC637F884A74}" dt="2021-08-24T10:27:32.577" v="2613" actId="26606"/>
+          <ac:graphicFrameMkLst>
+            <pc:docMk/>
+            <pc:sldMk cId="2978954613" sldId="260"/>
+            <ac:graphicFrameMk id="5" creationId="{AF40139C-92B4-4352-BED0-A87459546C4A}"/>
+          </ac:graphicFrameMkLst>
+        </pc:graphicFrameChg>
+        <pc:graphicFrameChg chg="add del">
+          <ac:chgData name="Soussand, Yoan" userId="6c304db6-38ce-44e5-ba9b-3778b08966c2" providerId="ADAL" clId="{ED4E84CA-539B-F14D-8B36-AC637F884A74}" dt="2021-08-24T10:27:40.595" v="2615" actId="26606"/>
+          <ac:graphicFrameMkLst>
+            <pc:docMk/>
+            <pc:sldMk cId="2978954613" sldId="260"/>
+            <ac:graphicFrameMk id="11" creationId="{EF719256-0823-4375-9638-CC72F023A90F}"/>
+          </ac:graphicFrameMkLst>
+        </pc:graphicFrameChg>
+        <pc:graphicFrameChg chg="add">
+          <ac:chgData name="Soussand, Yoan" userId="6c304db6-38ce-44e5-ba9b-3778b08966c2" providerId="ADAL" clId="{ED4E84CA-539B-F14D-8B36-AC637F884A74}" dt="2021-08-24T10:27:40.665" v="2616" actId="26606"/>
+          <ac:graphicFrameMkLst>
+            <pc:docMk/>
+            <pc:sldMk cId="2978954613" sldId="260"/>
+            <ac:graphicFrameMk id="14" creationId="{AF40139C-92B4-4352-BED0-A87459546C4A}"/>
+          </ac:graphicFrameMkLst>
+        </pc:graphicFrameChg>
       </pc:sldChg>
       <pc:sldMasterChg chg="addSp mod">
         <pc:chgData name="Soussand, Yoan" userId="6c304db6-38ce-44e5-ba9b-3778b08966c2" providerId="ADAL" clId="{ED4E84CA-539B-F14D-8B36-AC637F884A74}" dt="2021-08-18T11:46:26.429" v="1313" actId="33475"/>
@@ -1584,15 +1678,15 @@
 </file>
 
 <file path=ppt/diagrams/colors1.xml><?xml version="1.0" encoding="utf-8"?>
-<dgm:colorsDef xmlns:dgm="http://schemas.openxmlformats.org/drawingml/2006/diagram" xmlns:a="http://schemas.openxmlformats.org/drawingml/2006/main" uniqueId="urn:microsoft.com/office/officeart/2005/8/colors/accent5_2">
+<dgm:colorsDef xmlns:dgm="http://schemas.openxmlformats.org/drawingml/2006/diagram" xmlns:a="http://schemas.openxmlformats.org/drawingml/2006/main" uniqueId="urn:microsoft.com/office/officeart/2018/5/colors/Iconchunking_neutralbg_colorful1">
   <dgm:title val=""/>
   <dgm:desc val=""/>
   <dgm:catLst>
-    <dgm:cat type="accent5" pri="11200"/>
+    <dgm:cat type="colorful" pri="10100"/>
   </dgm:catLst>
   <dgm:styleLbl name="node0">
     <dgm:fillClrLst meth="repeat">
-      <a:schemeClr val="accent5"/>
+      <a:schemeClr val="accent1"/>
     </dgm:fillClrLst>
     <dgm:linClrLst meth="repeat">
       <a:schemeClr val="lt1"/>
@@ -1604,10 +1698,16 @@
   </dgm:styleLbl>
   <dgm:styleLbl name="node1">
     <dgm:fillClrLst meth="repeat">
+      <a:schemeClr val="accent2"/>
+      <a:schemeClr val="accent3"/>
+      <a:schemeClr val="accent4"/>
       <a:schemeClr val="accent5"/>
+      <a:schemeClr val="accent6"/>
     </dgm:fillClrLst>
     <dgm:linClrLst meth="repeat">
-      <a:schemeClr val="lt1"/>
+      <a:schemeClr val="lt1">
+        <a:alpha val="0"/>
+      </a:schemeClr>
     </dgm:linClrLst>
     <dgm:effectClrLst/>
     <dgm:txLinClrLst/>
@@ -1616,10 +1716,18 @@
   </dgm:styleLbl>
   <dgm:styleLbl name="alignNode1">
     <dgm:fillClrLst meth="repeat">
+      <a:schemeClr val="accent2"/>
+      <a:schemeClr val="accent3"/>
+      <a:schemeClr val="accent4"/>
       <a:schemeClr val="accent5"/>
+      <a:schemeClr val="accent6"/>
     </dgm:fillClrLst>
     <dgm:linClrLst meth="repeat">
+      <a:schemeClr val="accent2"/>
+      <a:schemeClr val="accent3"/>
+      <a:schemeClr val="accent4"/>
       <a:schemeClr val="accent5"/>
+      <a:schemeClr val="accent6"/>
     </dgm:linClrLst>
     <dgm:effectClrLst/>
     <dgm:txLinClrLst/>
@@ -1628,7 +1736,11 @@
   </dgm:styleLbl>
   <dgm:styleLbl name="lnNode1">
     <dgm:fillClrLst meth="repeat">
+      <a:schemeClr val="accent2"/>
+      <a:schemeClr val="accent3"/>
+      <a:schemeClr val="accent4"/>
       <a:schemeClr val="accent5"/>
+      <a:schemeClr val="accent6"/>
     </dgm:fillClrLst>
     <dgm:linClrLst meth="repeat">
       <a:schemeClr val="lt1"/>
@@ -1640,7 +1752,19 @@
   </dgm:styleLbl>
   <dgm:styleLbl name="vennNode1">
     <dgm:fillClrLst meth="repeat">
+      <a:schemeClr val="accent2">
+        <a:alpha val="50000"/>
+      </a:schemeClr>
+      <a:schemeClr val="accent3">
+        <a:alpha val="50000"/>
+      </a:schemeClr>
+      <a:schemeClr val="accent4">
+        <a:alpha val="50000"/>
+      </a:schemeClr>
       <a:schemeClr val="accent5">
+        <a:alpha val="50000"/>
+      </a:schemeClr>
+      <a:schemeClr val="accent6">
         <a:alpha val="50000"/>
       </a:schemeClr>
     </dgm:fillClrLst>
@@ -1653,8 +1777,8 @@
     <dgm:txEffectClrLst/>
   </dgm:styleLbl>
   <dgm:styleLbl name="node2">
-    <dgm:fillClrLst meth="repeat">
-      <a:schemeClr val="accent5"/>
+    <dgm:fillClrLst>
+      <a:schemeClr val="accent2"/>
     </dgm:fillClrLst>
     <dgm:linClrLst meth="repeat">
       <a:schemeClr val="lt1"/>
@@ -1665,8 +1789,8 @@
     <dgm:txEffectClrLst/>
   </dgm:styleLbl>
   <dgm:styleLbl name="node3">
-    <dgm:fillClrLst meth="repeat">
-      <a:schemeClr val="accent5"/>
+    <dgm:fillClrLst>
+      <a:schemeClr val="accent3"/>
     </dgm:fillClrLst>
     <dgm:linClrLst meth="repeat">
       <a:schemeClr val="lt1"/>
@@ -1677,8 +1801,8 @@
     <dgm:txEffectClrLst/>
   </dgm:styleLbl>
   <dgm:styleLbl name="node4">
-    <dgm:fillClrLst meth="repeat">
-      <a:schemeClr val="accent5"/>
+    <dgm:fillClrLst>
+      <a:schemeClr val="accent4"/>
     </dgm:fillClrLst>
     <dgm:linClrLst meth="repeat">
       <a:schemeClr val="lt1"/>
@@ -1690,7 +1814,19 @@
   </dgm:styleLbl>
   <dgm:styleLbl name="fgImgPlace1">
     <dgm:fillClrLst meth="repeat">
+      <a:schemeClr val="accent2">
+        <a:tint val="50000"/>
+      </a:schemeClr>
+      <a:schemeClr val="accent3">
+        <a:tint val="50000"/>
+      </a:schemeClr>
+      <a:schemeClr val="accent4">
+        <a:tint val="50000"/>
+      </a:schemeClr>
       <a:schemeClr val="accent5">
+        <a:tint val="50000"/>
+      </a:schemeClr>
+      <a:schemeClr val="accent6">
         <a:tint val="50000"/>
       </a:schemeClr>
     </dgm:fillClrLst>
@@ -1705,9 +1841,12 @@
     <dgm:txEffectClrLst/>
   </dgm:styleLbl>
   <dgm:styleLbl name="alignImgPlace1">
-    <dgm:fillClrLst meth="repeat">
-      <a:schemeClr val="accent5">
+    <dgm:fillClrLst>
+      <a:schemeClr val="accent1">
         <a:tint val="50000"/>
+      </a:schemeClr>
+      <a:schemeClr val="accent2">
+        <a:tint val="20000"/>
       </a:schemeClr>
     </dgm:fillClrLst>
     <dgm:linClrLst meth="repeat">
@@ -1721,9 +1860,12 @@
     <dgm:txEffectClrLst/>
   </dgm:styleLbl>
   <dgm:styleLbl name="bgImgPlace1">
-    <dgm:fillClrLst meth="repeat">
-      <a:schemeClr val="accent5">
+    <dgm:fillClrLst>
+      <a:schemeClr val="accent1">
         <a:tint val="50000"/>
+      </a:schemeClr>
+      <a:schemeClr val="accent2">
+        <a:tint val="20000"/>
       </a:schemeClr>
     </dgm:fillClrLst>
     <dgm:linClrLst meth="repeat">
@@ -1738,14 +1880,14 @@
   </dgm:styleLbl>
   <dgm:styleLbl name="sibTrans2D1">
     <dgm:fillClrLst meth="repeat">
-      <a:schemeClr val="accent5">
-        <a:tint val="60000"/>
-      </a:schemeClr>
+      <a:schemeClr val="accent2"/>
+      <a:schemeClr val="accent3"/>
+      <a:schemeClr val="accent4"/>
+      <a:schemeClr val="accent5"/>
+      <a:schemeClr val="accent6"/>
     </dgm:fillClrLst>
-    <dgm:linClrLst meth="repeat">
-      <a:schemeClr val="accent5">
-        <a:tint val="60000"/>
-      </a:schemeClr>
+    <dgm:linClrLst meth="cycle">
+      <a:schemeClr val="lt1"/>
     </dgm:linClrLst>
     <dgm:effectClrLst/>
     <dgm:txLinClrLst/>
@@ -1754,42 +1896,54 @@
   </dgm:styleLbl>
   <dgm:styleLbl name="fgSibTrans2D1">
     <dgm:fillClrLst meth="repeat">
-      <a:schemeClr val="accent5">
-        <a:tint val="60000"/>
-      </a:schemeClr>
+      <a:schemeClr val="accent2"/>
+      <a:schemeClr val="accent3"/>
+      <a:schemeClr val="accent4"/>
+      <a:schemeClr val="accent5"/>
+      <a:schemeClr val="accent6"/>
     </dgm:fillClrLst>
-    <dgm:linClrLst meth="repeat">
-      <a:schemeClr val="accent5">
-        <a:tint val="60000"/>
-      </a:schemeClr>
+    <dgm:linClrLst meth="cycle">
+      <a:schemeClr val="lt1"/>
     </dgm:linClrLst>
     <dgm:effectClrLst/>
     <dgm:txLinClrLst/>
-    <dgm:txFillClrLst/>
+    <dgm:txFillClrLst meth="repeat">
+      <a:schemeClr val="lt1"/>
+    </dgm:txFillClrLst>
     <dgm:txEffectClrLst/>
   </dgm:styleLbl>
   <dgm:styleLbl name="bgSibTrans2D1">
     <dgm:fillClrLst meth="repeat">
-      <a:schemeClr val="accent5">
-        <a:tint val="60000"/>
-      </a:schemeClr>
+      <a:schemeClr val="accent2"/>
+      <a:schemeClr val="accent3"/>
+      <a:schemeClr val="accent4"/>
+      <a:schemeClr val="accent5"/>
+      <a:schemeClr val="accent6"/>
     </dgm:fillClrLst>
-    <dgm:linClrLst meth="repeat">
-      <a:schemeClr val="accent5">
-        <a:tint val="60000"/>
-      </a:schemeClr>
+    <dgm:linClrLst meth="cycle">
+      <a:schemeClr val="lt1"/>
     </dgm:linClrLst>
     <dgm:effectClrLst/>
     <dgm:txLinClrLst/>
-    <dgm:txFillClrLst/>
+    <dgm:txFillClrLst meth="repeat">
+      <a:schemeClr val="lt1"/>
+    </dgm:txFillClrLst>
     <dgm:txEffectClrLst/>
   </dgm:styleLbl>
   <dgm:styleLbl name="sibTrans1D1">
     <dgm:fillClrLst meth="repeat">
+      <a:schemeClr val="accent2"/>
+      <a:schemeClr val="accent3"/>
+      <a:schemeClr val="accent4"/>
       <a:schemeClr val="accent5"/>
+      <a:schemeClr val="accent6"/>
     </dgm:fillClrLst>
     <dgm:linClrLst meth="repeat">
+      <a:schemeClr val="accent2"/>
+      <a:schemeClr val="accent3"/>
+      <a:schemeClr val="accent4"/>
       <a:schemeClr val="accent5"/>
+      <a:schemeClr val="accent6"/>
     </dgm:linClrLst>
     <dgm:effectClrLst/>
     <dgm:txLinClrLst/>
@@ -1800,10 +1954,10 @@
   </dgm:styleLbl>
   <dgm:styleLbl name="callout">
     <dgm:fillClrLst meth="repeat">
-      <a:schemeClr val="accent5"/>
+      <a:schemeClr val="accent2"/>
     </dgm:fillClrLst>
     <dgm:linClrLst meth="repeat">
-      <a:schemeClr val="accent5">
+      <a:schemeClr val="accent2">
         <a:tint val="50000"/>
       </a:schemeClr>
     </dgm:linClrLst>
@@ -1816,7 +1970,7 @@
   </dgm:styleLbl>
   <dgm:styleLbl name="asst0">
     <dgm:fillClrLst meth="repeat">
-      <a:schemeClr val="accent5"/>
+      <a:schemeClr val="accent1"/>
     </dgm:fillClrLst>
     <dgm:linClrLst meth="repeat">
       <a:schemeClr val="lt1"/>
@@ -1828,7 +1982,7 @@
   </dgm:styleLbl>
   <dgm:styleLbl name="asst1">
     <dgm:fillClrLst meth="repeat">
-      <a:schemeClr val="accent5"/>
+      <a:schemeClr val="accent2"/>
     </dgm:fillClrLst>
     <dgm:linClrLst meth="repeat">
       <a:schemeClr val="lt1"/>
@@ -1839,8 +1993,8 @@
     <dgm:txEffectClrLst/>
   </dgm:styleLbl>
   <dgm:styleLbl name="asst2">
-    <dgm:fillClrLst meth="repeat">
-      <a:schemeClr val="accent5"/>
+    <dgm:fillClrLst>
+      <a:schemeClr val="accent3"/>
     </dgm:fillClrLst>
     <dgm:linClrLst meth="repeat">
       <a:schemeClr val="lt1"/>
@@ -1851,8 +2005,8 @@
     <dgm:txEffectClrLst/>
   </dgm:styleLbl>
   <dgm:styleLbl name="asst3">
-    <dgm:fillClrLst meth="repeat">
-      <a:schemeClr val="accent5"/>
+    <dgm:fillClrLst>
+      <a:schemeClr val="accent4"/>
     </dgm:fillClrLst>
     <dgm:linClrLst meth="repeat">
       <a:schemeClr val="lt1"/>
@@ -1863,7 +2017,7 @@
     <dgm:txEffectClrLst/>
   </dgm:styleLbl>
   <dgm:styleLbl name="asst4">
-    <dgm:fillClrLst meth="repeat">
+    <dgm:fillClrLst>
       <a:schemeClr val="accent5"/>
     </dgm:fillClrLst>
     <dgm:linClrLst meth="repeat">
@@ -1876,14 +2030,10 @@
   </dgm:styleLbl>
   <dgm:styleLbl name="parChTrans2D1">
     <dgm:fillClrLst meth="repeat">
-      <a:schemeClr val="accent5">
-        <a:tint val="60000"/>
-      </a:schemeClr>
+      <a:schemeClr val="accent2"/>
     </dgm:fillClrLst>
     <dgm:linClrLst meth="repeat">
-      <a:schemeClr val="accent5">
-        <a:tint val="60000"/>
-      </a:schemeClr>
+      <a:schemeClr val="lt1"/>
     </dgm:linClrLst>
     <dgm:effectClrLst/>
     <dgm:txLinClrLst/>
@@ -1894,30 +2044,26 @@
   </dgm:styleLbl>
   <dgm:styleLbl name="parChTrans2D2">
     <dgm:fillClrLst meth="repeat">
-      <a:schemeClr val="accent5"/>
+      <a:schemeClr val="accent3"/>
     </dgm:fillClrLst>
     <dgm:linClrLst meth="repeat">
-      <a:schemeClr val="accent5"/>
+      <a:schemeClr val="lt1"/>
     </dgm:linClrLst>
     <dgm:effectClrLst/>
     <dgm:txLinClrLst/>
-    <dgm:txFillClrLst meth="repeat">
-      <a:schemeClr val="lt1"/>
-    </dgm:txFillClrLst>
+    <dgm:txFillClrLst/>
     <dgm:txEffectClrLst/>
   </dgm:styleLbl>
   <dgm:styleLbl name="parChTrans2D3">
     <dgm:fillClrLst meth="repeat">
-      <a:schemeClr val="accent5"/>
+      <a:schemeClr val="accent4"/>
     </dgm:fillClrLst>
     <dgm:linClrLst meth="repeat">
-      <a:schemeClr val="accent5"/>
+      <a:schemeClr val="lt1"/>
     </dgm:linClrLst>
     <dgm:effectClrLst/>
     <dgm:txLinClrLst/>
-    <dgm:txFillClrLst meth="repeat">
-      <a:schemeClr val="lt1"/>
-    </dgm:txFillClrLst>
+    <dgm:txFillClrLst/>
     <dgm:txEffectClrLst/>
   </dgm:styleLbl>
   <dgm:styleLbl name="parChTrans2D4">
@@ -1925,7 +2071,7 @@
       <a:schemeClr val="accent5"/>
     </dgm:fillClrLst>
     <dgm:linClrLst meth="repeat">
-      <a:schemeClr val="accent5"/>
+      <a:schemeClr val="lt1"/>
     </dgm:linClrLst>
     <dgm:effectClrLst/>
     <dgm:txLinClrLst/>
@@ -1936,12 +2082,10 @@
   </dgm:styleLbl>
   <dgm:styleLbl name="parChTrans1D1">
     <dgm:fillClrLst meth="repeat">
-      <a:schemeClr val="accent5"/>
+      <a:schemeClr val="accent2"/>
     </dgm:fillClrLst>
     <dgm:linClrLst meth="repeat">
-      <a:schemeClr val="accent5">
-        <a:shade val="60000"/>
-      </a:schemeClr>
+      <a:schemeClr val="accent1"/>
     </dgm:linClrLst>
     <dgm:effectClrLst/>
     <dgm:txLinClrLst/>
@@ -1952,12 +2096,12 @@
   </dgm:styleLbl>
   <dgm:styleLbl name="parChTrans1D2">
     <dgm:fillClrLst meth="repeat">
-      <a:schemeClr val="accent5"/>
+      <a:schemeClr val="accent3">
+        <a:tint val="90000"/>
+      </a:schemeClr>
     </dgm:fillClrLst>
     <dgm:linClrLst meth="repeat">
-      <a:schemeClr val="accent5">
-        <a:shade val="60000"/>
-      </a:schemeClr>
+      <a:schemeClr val="accent2"/>
     </dgm:linClrLst>
     <dgm:effectClrLst/>
     <dgm:txLinClrLst/>
@@ -1968,12 +2112,12 @@
   </dgm:styleLbl>
   <dgm:styleLbl name="parChTrans1D3">
     <dgm:fillClrLst meth="repeat">
-      <a:schemeClr val="accent5"/>
+      <a:schemeClr val="accent4">
+        <a:tint val="70000"/>
+      </a:schemeClr>
     </dgm:fillClrLst>
     <dgm:linClrLst meth="repeat">
-      <a:schemeClr val="accent5">
-        <a:shade val="80000"/>
-      </a:schemeClr>
+      <a:schemeClr val="accent3"/>
     </dgm:linClrLst>
     <dgm:effectClrLst/>
     <dgm:txLinClrLst/>
@@ -1984,12 +2128,12 @@
   </dgm:styleLbl>
   <dgm:styleLbl name="parChTrans1D4">
     <dgm:fillClrLst meth="repeat">
-      <a:schemeClr val="accent5"/>
+      <a:schemeClr val="accent5">
+        <a:tint val="50000"/>
+      </a:schemeClr>
     </dgm:fillClrLst>
     <dgm:linClrLst meth="repeat">
-      <a:schemeClr val="accent5">
-        <a:shade val="80000"/>
-      </a:schemeClr>
+      <a:schemeClr val="accent4"/>
     </dgm:linClrLst>
     <dgm:effectClrLst/>
     <dgm:txLinClrLst/>
@@ -2005,7 +2149,11 @@
       </a:schemeClr>
     </dgm:fillClrLst>
     <dgm:linClrLst meth="repeat">
+      <a:schemeClr val="accent2"/>
+      <a:schemeClr val="accent3"/>
+      <a:schemeClr val="accent4"/>
       <a:schemeClr val="accent5"/>
+      <a:schemeClr val="accent6"/>
     </dgm:linClrLst>
     <dgm:effectClrLst/>
     <dgm:txLinClrLst/>
@@ -2021,7 +2169,11 @@
       </a:schemeClr>
     </dgm:fillClrLst>
     <dgm:linClrLst meth="repeat">
+      <a:schemeClr val="accent2"/>
+      <a:schemeClr val="accent3"/>
+      <a:schemeClr val="accent4"/>
       <a:schemeClr val="accent5"/>
+      <a:schemeClr val="accent6"/>
     </dgm:linClrLst>
     <dgm:effectClrLst/>
     <dgm:txLinClrLst/>
@@ -2037,7 +2189,11 @@
       </a:schemeClr>
     </dgm:fillClrLst>
     <dgm:linClrLst meth="repeat">
+      <a:schemeClr val="accent2"/>
+      <a:schemeClr val="accent3"/>
+      <a:schemeClr val="accent4"/>
       <a:schemeClr val="accent5"/>
+      <a:schemeClr val="accent6"/>
     </dgm:linClrLst>
     <dgm:effectClrLst/>
     <dgm:txLinClrLst/>
@@ -2053,7 +2209,7 @@
       </a:schemeClr>
     </dgm:fillClrLst>
     <dgm:linClrLst meth="repeat">
-      <a:schemeClr val="accent5"/>
+      <a:schemeClr val="accent1"/>
     </dgm:linClrLst>
     <dgm:effectClrLst/>
     <dgm:txLinClrLst/>
@@ -2069,7 +2225,11 @@
       </a:schemeClr>
     </dgm:fillClrLst>
     <dgm:linClrLst meth="repeat">
+      <a:schemeClr val="accent2"/>
+      <a:schemeClr val="accent3"/>
+      <a:schemeClr val="accent4"/>
       <a:schemeClr val="accent5"/>
+      <a:schemeClr val="accent6"/>
     </dgm:linClrLst>
     <dgm:effectClrLst/>
     <dgm:txLinClrLst/>
@@ -2083,7 +2243,11 @@
       <a:schemeClr val="lt1"/>
     </dgm:fillClrLst>
     <dgm:linClrLst meth="repeat">
+      <a:schemeClr val="accent2"/>
+      <a:schemeClr val="accent3"/>
+      <a:schemeClr val="accent4"/>
       <a:schemeClr val="accent5"/>
+      <a:schemeClr val="accent6"/>
     </dgm:linClrLst>
     <dgm:effectClrLst/>
     <dgm:txLinClrLst/>
@@ -2097,7 +2261,11 @@
       <a:schemeClr val="lt1"/>
     </dgm:fillClrLst>
     <dgm:linClrLst meth="repeat">
+      <a:schemeClr val="accent2"/>
+      <a:schemeClr val="accent3"/>
+      <a:schemeClr val="accent4"/>
       <a:schemeClr val="accent5"/>
+      <a:schemeClr val="accent6"/>
     </dgm:linClrLst>
     <dgm:effectClrLst/>
     <dgm:txLinClrLst/>
@@ -2111,7 +2279,11 @@
       <a:schemeClr val="lt1"/>
     </dgm:fillClrLst>
     <dgm:linClrLst meth="repeat">
+      <a:schemeClr val="accent2"/>
+      <a:schemeClr val="accent3"/>
+      <a:schemeClr val="accent4"/>
       <a:schemeClr val="accent5"/>
+      <a:schemeClr val="accent6"/>
     </dgm:linClrLst>
     <dgm:effectClrLst/>
     <dgm:txLinClrLst/>
@@ -2122,15 +2294,47 @@
   </dgm:styleLbl>
   <dgm:styleLbl name="fgAccFollowNode1">
     <dgm:fillClrLst meth="repeat">
+      <a:schemeClr val="accent2">
+        <a:tint val="40000"/>
+        <a:alpha val="90000"/>
+      </a:schemeClr>
+      <a:schemeClr val="accent3">
+        <a:tint val="40000"/>
+        <a:alpha val="90000"/>
+      </a:schemeClr>
+      <a:schemeClr val="accent4">
+        <a:tint val="40000"/>
+        <a:alpha val="90000"/>
+      </a:schemeClr>
       <a:schemeClr val="accent5">
+        <a:tint val="40000"/>
         <a:alpha val="90000"/>
+      </a:schemeClr>
+      <a:schemeClr val="accent6">
         <a:tint val="40000"/>
+        <a:alpha val="90000"/>
       </a:schemeClr>
     </dgm:fillClrLst>
     <dgm:linClrLst meth="repeat">
+      <a:schemeClr val="accent2">
+        <a:tint val="40000"/>
+        <a:alpha val="90000"/>
+      </a:schemeClr>
+      <a:schemeClr val="accent3">
+        <a:tint val="40000"/>
+        <a:alpha val="90000"/>
+      </a:schemeClr>
+      <a:schemeClr val="accent4">
+        <a:tint val="40000"/>
+        <a:alpha val="90000"/>
+      </a:schemeClr>
       <a:schemeClr val="accent5">
+        <a:tint val="40000"/>
         <a:alpha val="90000"/>
+      </a:schemeClr>
+      <a:schemeClr val="accent6">
         <a:tint val="40000"/>
+        <a:alpha val="90000"/>
       </a:schemeClr>
     </dgm:linClrLst>
     <dgm:effectClrLst/>
@@ -2142,15 +2346,47 @@
   </dgm:styleLbl>
   <dgm:styleLbl name="alignAccFollowNode1">
     <dgm:fillClrLst meth="repeat">
+      <a:schemeClr val="accent2">
+        <a:tint val="40000"/>
+        <a:alpha val="90000"/>
+      </a:schemeClr>
+      <a:schemeClr val="accent3">
+        <a:tint val="40000"/>
+        <a:alpha val="90000"/>
+      </a:schemeClr>
+      <a:schemeClr val="accent4">
+        <a:tint val="40000"/>
+        <a:alpha val="90000"/>
+      </a:schemeClr>
       <a:schemeClr val="accent5">
+        <a:tint val="40000"/>
         <a:alpha val="90000"/>
+      </a:schemeClr>
+      <a:schemeClr val="accent6">
         <a:tint val="40000"/>
+        <a:alpha val="90000"/>
       </a:schemeClr>
     </dgm:fillClrLst>
     <dgm:linClrLst meth="repeat">
+      <a:schemeClr val="accent2">
+        <a:tint val="40000"/>
+        <a:alpha val="90000"/>
+      </a:schemeClr>
+      <a:schemeClr val="accent3">
+        <a:tint val="40000"/>
+        <a:alpha val="90000"/>
+      </a:schemeClr>
+      <a:schemeClr val="accent4">
+        <a:tint val="40000"/>
+        <a:alpha val="90000"/>
+      </a:schemeClr>
       <a:schemeClr val="accent5">
+        <a:tint val="40000"/>
         <a:alpha val="90000"/>
+      </a:schemeClr>
+      <a:schemeClr val="accent6">
         <a:tint val="40000"/>
+        <a:alpha val="90000"/>
       </a:schemeClr>
     </dgm:linClrLst>
     <dgm:effectClrLst/>
@@ -2162,15 +2398,47 @@
   </dgm:styleLbl>
   <dgm:styleLbl name="bgAccFollowNode1">
     <dgm:fillClrLst meth="repeat">
+      <a:schemeClr val="accent2">
+        <a:tint val="40000"/>
+        <a:alpha val="90000"/>
+      </a:schemeClr>
+      <a:schemeClr val="accent3">
+        <a:tint val="40000"/>
+        <a:alpha val="90000"/>
+      </a:schemeClr>
+      <a:schemeClr val="accent4">
+        <a:tint val="40000"/>
+        <a:alpha val="90000"/>
+      </a:schemeClr>
       <a:schemeClr val="accent5">
+        <a:tint val="40000"/>
         <a:alpha val="90000"/>
+      </a:schemeClr>
+      <a:schemeClr val="accent6">
         <a:tint val="40000"/>
+        <a:alpha val="90000"/>
       </a:schemeClr>
     </dgm:fillClrLst>
     <dgm:linClrLst meth="repeat">
+      <a:schemeClr val="accent2">
+        <a:tint val="40000"/>
+        <a:alpha val="90000"/>
+      </a:schemeClr>
+      <a:schemeClr val="accent3">
+        <a:tint val="40000"/>
+        <a:alpha val="90000"/>
+      </a:schemeClr>
+      <a:schemeClr val="accent4">
+        <a:tint val="40000"/>
+        <a:alpha val="90000"/>
+      </a:schemeClr>
       <a:schemeClr val="accent5">
+        <a:tint val="40000"/>
         <a:alpha val="90000"/>
+      </a:schemeClr>
+      <a:schemeClr val="accent6">
         <a:tint val="40000"/>
+        <a:alpha val="90000"/>
       </a:schemeClr>
     </dgm:linClrLst>
     <dgm:effectClrLst/>
@@ -2186,8 +2454,8 @@
         <a:alpha val="90000"/>
       </a:schemeClr>
     </dgm:fillClrLst>
-    <dgm:linClrLst meth="repeat">
-      <a:schemeClr val="accent5"/>
+    <dgm:linClrLst>
+      <a:schemeClr val="accent1"/>
     </dgm:linClrLst>
     <dgm:effectClrLst/>
     <dgm:txLinClrLst/>
@@ -2202,8 +2470,8 @@
         <a:alpha val="90000"/>
       </a:schemeClr>
     </dgm:fillClrLst>
-    <dgm:linClrLst meth="repeat">
-      <a:schemeClr val="accent5"/>
+    <dgm:linClrLst>
+      <a:schemeClr val="accent2"/>
     </dgm:linClrLst>
     <dgm:effectClrLst/>
     <dgm:txLinClrLst/>
@@ -2218,8 +2486,8 @@
         <a:alpha val="90000"/>
       </a:schemeClr>
     </dgm:fillClrLst>
-    <dgm:linClrLst meth="repeat">
-      <a:schemeClr val="accent5"/>
+    <dgm:linClrLst>
+      <a:schemeClr val="accent3"/>
     </dgm:linClrLst>
     <dgm:effectClrLst/>
     <dgm:txLinClrLst/>
@@ -2234,8 +2502,8 @@
         <a:alpha val="90000"/>
       </a:schemeClr>
     </dgm:fillClrLst>
-    <dgm:linClrLst meth="repeat">
-      <a:schemeClr val="accent5"/>
+    <dgm:linClrLst>
+      <a:schemeClr val="accent4"/>
     </dgm:linClrLst>
     <dgm:effectClrLst/>
     <dgm:txLinClrLst/>
@@ -2246,12 +2514,12 @@
   </dgm:styleLbl>
   <dgm:styleLbl name="bgShp">
     <dgm:fillClrLst meth="repeat">
-      <a:schemeClr val="accent5">
-        <a:tint val="40000"/>
+      <a:schemeClr val="bg1">
+        <a:lumMod val="95000"/>
       </a:schemeClr>
     </dgm:fillClrLst>
     <dgm:linClrLst meth="repeat">
-      <a:schemeClr val="accent5"/>
+      <a:schemeClr val="dk1"/>
     </dgm:linClrLst>
     <dgm:effectClrLst/>
     <dgm:txLinClrLst/>
@@ -2262,12 +2530,12 @@
   </dgm:styleLbl>
   <dgm:styleLbl name="dkBgShp">
     <dgm:fillClrLst meth="repeat">
-      <a:schemeClr val="accent5">
-        <a:shade val="80000"/>
+      <a:schemeClr val="accent2">
+        <a:shade val="90000"/>
       </a:schemeClr>
     </dgm:fillClrLst>
     <dgm:linClrLst meth="repeat">
-      <a:schemeClr val="accent5"/>
+      <a:schemeClr val="dk1"/>
     </dgm:linClrLst>
     <dgm:effectClrLst/>
     <dgm:txLinClrLst/>
@@ -2278,13 +2546,13 @@
   </dgm:styleLbl>
   <dgm:styleLbl name="trBgShp">
     <dgm:fillClrLst meth="repeat">
-      <a:schemeClr val="accent5">
+      <a:schemeClr val="accent1">
         <a:tint val="50000"/>
         <a:alpha val="40000"/>
       </a:schemeClr>
     </dgm:fillClrLst>
     <dgm:linClrLst meth="repeat">
-      <a:schemeClr val="accent5"/>
+      <a:schemeClr val="accent2"/>
     </dgm:linClrLst>
     <dgm:effectClrLst/>
     <dgm:txLinClrLst/>
@@ -2295,8 +2563,8 @@
   </dgm:styleLbl>
   <dgm:styleLbl name="fgShp">
     <dgm:fillClrLst meth="repeat">
-      <a:schemeClr val="accent5">
-        <a:tint val="60000"/>
+      <a:schemeClr val="accent2">
+        <a:tint val="40000"/>
       </a:schemeClr>
     </dgm:fillClrLst>
     <dgm:linClrLst meth="repeat">
@@ -2333,8 +2601,8 @@
 <file path=ppt/diagrams/data1.xml><?xml version="1.0" encoding="utf-8"?>
 <dgm:dataModel xmlns:dgm="http://schemas.openxmlformats.org/drawingml/2006/diagram" xmlns:a="http://schemas.openxmlformats.org/drawingml/2006/main">
   <dgm:ptLst>
-    <dgm:pt modelId="{4558FB12-60CB-4C23-898D-FFF744E5F0D3}" type="doc">
-      <dgm:prSet loTypeId="urn:microsoft.com/office/officeart/2008/layout/LinedList" loCatId="list" qsTypeId="urn:microsoft.com/office/officeart/2005/8/quickstyle/simple4" qsCatId="simple" csTypeId="urn:microsoft.com/office/officeart/2005/8/colors/accent5_2" csCatId="accent5" phldr="1"/>
+    <dgm:pt modelId="{04D7043F-ADE3-48C3-9BFE-D1A951EC99D5}" type="doc">
+      <dgm:prSet loTypeId="urn:microsoft.com/office/officeart/2018/2/layout/IconVerticalSolidList" loCatId="icon" qsTypeId="urn:microsoft.com/office/officeart/2005/8/quickstyle/simple1" qsCatId="simple" csTypeId="urn:microsoft.com/office/officeart/2018/5/colors/Iconchunking_neutralbg_colorful1" csCatId="colorful" phldr="1"/>
       <dgm:spPr/>
       <dgm:t>
         <a:bodyPr/>
@@ -2344,7 +2612,7 @@
         </a:p>
       </dgm:t>
     </dgm:pt>
-    <dgm:pt modelId="{3B74E6BD-649E-40E3-83E7-F8244F7ACA95}">
+    <dgm:pt modelId="{B99B7819-47D7-4B57-9287-9C26ADB6FF76}">
       <dgm:prSet/>
       <dgm:spPr/>
       <dgm:t>
@@ -2352,26 +2620,14 @@
         <a:lstStyle/>
         <a:p>
           <a:r>
-            <a:rPr lang="fr-FR" dirty="0"/>
-            <a:t>Classe Main -&gt;</a:t>
+            <a:rPr lang="fr-FR"/>
+            <a:t>présentation rapide de l’application avec diagramme de classe</a:t>
           </a:r>
-          <a:r>
-            <a:rPr lang="fr-FR" b="0" dirty="0">
-              <a:latin typeface="Big Caslon Medium" panose="02000603090000020003" pitchFamily="2" charset="-79"/>
-              <a:ea typeface="Apple Color Emoji" pitchFamily="2" charset="0"/>
-              <a:cs typeface="Big Caslon Medium" panose="02000603090000020003" pitchFamily="2" charset="-79"/>
-            </a:rPr>
-            <a:t>gère le lancement du jeux ou l’arrêt du programme</a:t>
-          </a:r>
-          <a:endParaRPr lang="en-US" b="0" dirty="0">
-            <a:latin typeface="Big Caslon Medium" panose="02000603090000020003" pitchFamily="2" charset="-79"/>
-            <a:ea typeface="Apple Color Emoji" pitchFamily="2" charset="0"/>
-            <a:cs typeface="Big Caslon Medium" panose="02000603090000020003" pitchFamily="2" charset="-79"/>
-          </a:endParaRPr>
+          <a:endParaRPr lang="en-US"/>
         </a:p>
       </dgm:t>
     </dgm:pt>
-    <dgm:pt modelId="{A9EA75A3-56E9-4713-A552-96AE0AC9F782}" type="parTrans" cxnId="{38A3304A-F88A-4B23-8C11-97A84C70A17C}">
+    <dgm:pt modelId="{1CE2C4A8-BE8A-4814-864D-E398C1D2AB30}" type="parTrans" cxnId="{CAD1FABB-62CB-45AE-A9B7-0B6690DE7704}">
       <dgm:prSet/>
       <dgm:spPr/>
       <dgm:t>
@@ -2382,7 +2638,7 @@
         </a:p>
       </dgm:t>
     </dgm:pt>
-    <dgm:pt modelId="{2253590E-85A5-4923-B40D-AB8156072074}" type="sibTrans" cxnId="{38A3304A-F88A-4B23-8C11-97A84C70A17C}">
+    <dgm:pt modelId="{FA8C67D4-1382-4D68-AC70-EC48FBAB5F28}" type="sibTrans" cxnId="{CAD1FABB-62CB-45AE-A9B7-0B6690DE7704}">
       <dgm:prSet/>
       <dgm:spPr/>
       <dgm:t>
@@ -2393,7 +2649,7 @@
         </a:p>
       </dgm:t>
     </dgm:pt>
-    <dgm:pt modelId="{5EC19A47-3A73-4E2C-BFA3-ADFD457522B0}">
+    <dgm:pt modelId="{11F9E746-656B-4E1B-8340-FF3759E0BE6F}">
       <dgm:prSet/>
       <dgm:spPr/>
       <dgm:t>
@@ -2401,34 +2657,14 @@
         <a:lstStyle/>
         <a:p>
           <a:r>
-            <a:rPr lang="fr-FR" kern="1200" dirty="0"/>
-            <a:t>Classe </a:t>
+            <a:rPr lang="fr-FR"/>
+            <a:t>Présentation détaillée du code et de celui-ci en fonctionnement</a:t>
           </a:r>
-          <a:r>
-            <a:rPr lang="fr-FR" kern="1200" dirty="0" err="1"/>
-            <a:t>game</a:t>
-          </a:r>
-          <a:r>
-            <a:rPr lang="fr-FR" kern="1200" dirty="0"/>
-            <a:t> -&gt;</a:t>
-          </a:r>
-          <a:r>
-            <a:rPr lang="fr-FR" b="0" kern="1200" dirty="0">
-              <a:latin typeface="Big Caslon Medium" panose="02000603090000020003" pitchFamily="2" charset="-79"/>
-              <a:ea typeface="Apple Color Emoji" pitchFamily="2" charset="0"/>
-              <a:cs typeface="Big Caslon Medium" panose="02000603090000020003" pitchFamily="2" charset="-79"/>
-            </a:rPr>
-            <a:t>gère le déroulement des différentes partie du jeux</a:t>
-          </a:r>
-          <a:endParaRPr lang="en-US" b="0" kern="1200" dirty="0">
-            <a:latin typeface="Big Caslon Medium" panose="02000603090000020003" pitchFamily="2" charset="-79"/>
-            <a:ea typeface="Apple Color Emoji" pitchFamily="2" charset="0"/>
-            <a:cs typeface="Big Caslon Medium" panose="02000603090000020003" pitchFamily="2" charset="-79"/>
-          </a:endParaRPr>
+          <a:endParaRPr lang="en-US"/>
         </a:p>
       </dgm:t>
     </dgm:pt>
-    <dgm:pt modelId="{E90A176C-B25A-415E-A187-2383210E3042}" type="parTrans" cxnId="{E0144C28-E40A-48A6-8B73-7417403F104D}">
+    <dgm:pt modelId="{19FE7F52-8510-493A-9160-EE57B44BEF73}" type="parTrans" cxnId="{7D17F2C2-BCBF-4007-BA11-44E9506C4313}">
       <dgm:prSet/>
       <dgm:spPr/>
       <dgm:t>
@@ -2439,7 +2675,7 @@
         </a:p>
       </dgm:t>
     </dgm:pt>
-    <dgm:pt modelId="{891DA0CB-4954-4A46-8A74-71259DF4C925}" type="sibTrans" cxnId="{E0144C28-E40A-48A6-8B73-7417403F104D}">
+    <dgm:pt modelId="{57F34C51-9E0B-4CC0-98FE-4D94EE1B2952}" type="sibTrans" cxnId="{7D17F2C2-BCBF-4007-BA11-44E9506C4313}">
       <dgm:prSet/>
       <dgm:spPr/>
       <dgm:t>
@@ -2450,599 +2686,135 @@
         </a:p>
       </dgm:t>
     </dgm:pt>
-    <dgm:pt modelId="{3A9A6487-C554-456A-BC97-010F6C793327}">
-      <dgm:prSet/>
-      <dgm:spPr/>
-      <dgm:t>
-        <a:bodyPr/>
-        <a:lstStyle/>
-        <a:p>
-          <a:r>
-            <a:rPr lang="fr-FR" kern="1200" dirty="0"/>
-            <a:t>Classe </a:t>
-          </a:r>
-          <a:r>
-            <a:rPr lang="fr-FR" kern="1200" dirty="0" err="1"/>
-            <a:t>weapon</a:t>
-          </a:r>
-          <a:r>
-            <a:rPr lang="fr-FR" kern="1200" dirty="0"/>
-            <a:t> -&gt;</a:t>
-          </a:r>
-          <a:r>
-            <a:rPr lang="fr-FR" b="0" kern="1200" dirty="0">
-              <a:latin typeface="Big Caslon Medium" panose="02000603090000020003" pitchFamily="2" charset="-79"/>
-              <a:ea typeface="Apple Color Emoji" pitchFamily="2" charset="0"/>
-              <a:cs typeface="Big Caslon Medium" panose="02000603090000020003" pitchFamily="2" charset="-79"/>
-            </a:rPr>
-            <a:t>fournis aux classes qui en héritent un nom et une puissance d’arme.</a:t>
-          </a:r>
-          <a:endParaRPr lang="en-US" b="0" kern="1200" dirty="0">
-            <a:latin typeface="Big Caslon Medium" panose="02000603090000020003" pitchFamily="2" charset="-79"/>
-            <a:ea typeface="Apple Color Emoji" pitchFamily="2" charset="0"/>
-            <a:cs typeface="Big Caslon Medium" panose="02000603090000020003" pitchFamily="2" charset="-79"/>
-          </a:endParaRPr>
-        </a:p>
-      </dgm:t>
-    </dgm:pt>
-    <dgm:pt modelId="{3F35A814-C36B-4EA0-92EB-9EA18C1B55BC}" type="parTrans" cxnId="{DDD5F359-5897-496D-AAB9-6CAAACE3C3FE}">
-      <dgm:prSet/>
-      <dgm:spPr/>
-      <dgm:t>
-        <a:bodyPr/>
-        <a:lstStyle/>
-        <a:p>
-          <a:endParaRPr lang="en-US"/>
-        </a:p>
-      </dgm:t>
-    </dgm:pt>
-    <dgm:pt modelId="{A728FB72-F212-45AD-9293-E32133DCC03D}" type="sibTrans" cxnId="{DDD5F359-5897-496D-AAB9-6CAAACE3C3FE}">
-      <dgm:prSet/>
-      <dgm:spPr/>
-      <dgm:t>
-        <a:bodyPr/>
-        <a:lstStyle/>
-        <a:p>
-          <a:endParaRPr lang="en-US"/>
-        </a:p>
-      </dgm:t>
-    </dgm:pt>
-    <dgm:pt modelId="{821F721F-B624-42A7-9AC3-822257606D63}">
-      <dgm:prSet/>
-      <dgm:spPr/>
-      <dgm:t>
-        <a:bodyPr/>
-        <a:lstStyle/>
-        <a:p>
-          <a:r>
-            <a:rPr lang="fr-FR" kern="1200" dirty="0"/>
-            <a:t>Classe </a:t>
-          </a:r>
-          <a:r>
-            <a:rPr lang="fr-FR" kern="1200" dirty="0" err="1"/>
-            <a:t>character</a:t>
-          </a:r>
-          <a:r>
-            <a:rPr lang="fr-FR" kern="1200" dirty="0"/>
-            <a:t> -&gt; </a:t>
-          </a:r>
-          <a:r>
-            <a:rPr lang="fr-FR" b="0" kern="1200" dirty="0">
-              <a:latin typeface="Big Caslon Medium" panose="02000603090000020003" pitchFamily="2" charset="-79"/>
-              <a:ea typeface="Apple Color Emoji" pitchFamily="2" charset="0"/>
-              <a:cs typeface="Big Caslon Medium" panose="02000603090000020003" pitchFamily="2" charset="-79"/>
-            </a:rPr>
-            <a:t>fournis les caractéristiques du personnage(nom, point de vie, point de capacité de soins ainsi qu’une arme.</a:t>
-          </a:r>
-          <a:endParaRPr lang="en-US" b="0" kern="1200" dirty="0">
-            <a:latin typeface="Big Caslon Medium" panose="02000603090000020003" pitchFamily="2" charset="-79"/>
-            <a:ea typeface="Apple Color Emoji" pitchFamily="2" charset="0"/>
-            <a:cs typeface="Big Caslon Medium" panose="02000603090000020003" pitchFamily="2" charset="-79"/>
-          </a:endParaRPr>
-        </a:p>
-      </dgm:t>
-    </dgm:pt>
-    <dgm:pt modelId="{7973866E-97FF-42C5-8D18-30346361F6E8}" type="parTrans" cxnId="{4CF1357C-8885-4220-9D96-8CD430614542}">
-      <dgm:prSet/>
-      <dgm:spPr/>
-      <dgm:t>
-        <a:bodyPr/>
-        <a:lstStyle/>
-        <a:p>
-          <a:endParaRPr lang="en-US"/>
-        </a:p>
-      </dgm:t>
-    </dgm:pt>
-    <dgm:pt modelId="{358FF9B4-120E-46EC-8F11-2B7BA9A8E6AD}" type="sibTrans" cxnId="{4CF1357C-8885-4220-9D96-8CD430614542}">
-      <dgm:prSet/>
-      <dgm:spPr/>
-      <dgm:t>
-        <a:bodyPr/>
-        <a:lstStyle/>
-        <a:p>
-          <a:endParaRPr lang="en-US"/>
-        </a:p>
-      </dgm:t>
-    </dgm:pt>
-    <dgm:pt modelId="{42CF1C57-43F1-4A5E-9355-9BA90D1452F5}">
-      <dgm:prSet/>
-      <dgm:spPr/>
-      <dgm:t>
-        <a:bodyPr/>
-        <a:lstStyle/>
-        <a:p>
-          <a:r>
-            <a:rPr lang="fr-FR" kern="1200" dirty="0"/>
-            <a:t>Classe </a:t>
-          </a:r>
-          <a:r>
-            <a:rPr lang="fr-FR" kern="1200" dirty="0" err="1"/>
-            <a:t>player</a:t>
-          </a:r>
-          <a:r>
-            <a:rPr lang="fr-FR" kern="1200" dirty="0"/>
-            <a:t> -&gt; </a:t>
-          </a:r>
-          <a:r>
-            <a:rPr lang="fr-FR" b="0" kern="1200" dirty="0">
-              <a:latin typeface="Big Caslon Medium" panose="02000603090000020003" pitchFamily="2" charset="-79"/>
-              <a:ea typeface="Apple Color Emoji" pitchFamily="2" charset="0"/>
-              <a:cs typeface="Big Caslon Medium" panose="02000603090000020003" pitchFamily="2" charset="-79"/>
-            </a:rPr>
-            <a:t>Gère le nombre de personnage dans une équipe ainsi que les actions qu’ils vont effectuer( Attaque, ou soigner)</a:t>
-          </a:r>
-        </a:p>
-      </dgm:t>
-    </dgm:pt>
-    <dgm:pt modelId="{6D5A1FFB-B5A9-4C33-AFA4-BC8B68B31347}" type="parTrans" cxnId="{DA8CF56B-11DD-468A-BA47-AF6C19C4B3B4}">
-      <dgm:prSet/>
-      <dgm:spPr/>
-      <dgm:t>
-        <a:bodyPr/>
-        <a:lstStyle/>
-        <a:p>
-          <a:endParaRPr lang="en-US"/>
-        </a:p>
-      </dgm:t>
-    </dgm:pt>
-    <dgm:pt modelId="{F6FE2F43-43EF-49C9-9DD2-7AA53DD00B5B}" type="sibTrans" cxnId="{DA8CF56B-11DD-468A-BA47-AF6C19C4B3B4}">
-      <dgm:prSet/>
-      <dgm:spPr/>
-      <dgm:t>
-        <a:bodyPr/>
-        <a:lstStyle/>
-        <a:p>
-          <a:endParaRPr lang="en-US"/>
-        </a:p>
-      </dgm:t>
-    </dgm:pt>
-    <dgm:pt modelId="{67F204FF-B37E-9647-BA4F-61C0FF8163A7}">
-      <dgm:prSet/>
-      <dgm:spPr/>
-      <dgm:t>
-        <a:bodyPr/>
-        <a:lstStyle/>
-        <a:p>
-          <a:r>
-            <a:rPr lang="fr-FR" dirty="0">
-              <a:latin typeface="Impact" panose="020B0806030902050204"/>
-              <a:ea typeface="+mn-ea"/>
-              <a:cs typeface="+mn-cs"/>
-            </a:rPr>
-            <a:t>Classe bonus -&gt; </a:t>
-          </a:r>
-          <a:r>
-            <a:rPr lang="fr-FR" b="0" dirty="0">
-              <a:latin typeface="Big Caslon Medium" panose="02000603090000020003" pitchFamily="2" charset="-79"/>
-              <a:ea typeface="Apple Color Emoji" pitchFamily="2" charset="0"/>
-              <a:cs typeface="Big Caslon Medium" panose="02000603090000020003" pitchFamily="2" charset="-79"/>
-            </a:rPr>
-            <a:t>Fournis de manière aléatoire un bonus sur le tour en cours, le joueur peut l’utiliser ou non.</a:t>
-          </a:r>
-          <a:endParaRPr lang="fr-FR" dirty="0"/>
-        </a:p>
-      </dgm:t>
-    </dgm:pt>
-    <dgm:pt modelId="{362714D6-0238-5745-9D20-77B239F5894B}" type="parTrans" cxnId="{DC7A3148-B5DA-5A4B-87D3-40373ADD5A27}">
-      <dgm:prSet/>
-      <dgm:spPr/>
-      <dgm:t>
-        <a:bodyPr/>
-        <a:lstStyle/>
-        <a:p>
-          <a:endParaRPr lang="fr-FR"/>
-        </a:p>
-      </dgm:t>
-    </dgm:pt>
-    <dgm:pt modelId="{E6768AD9-18C6-734A-904F-273EB19150BC}" type="sibTrans" cxnId="{DC7A3148-B5DA-5A4B-87D3-40373ADD5A27}">
-      <dgm:prSet/>
-      <dgm:spPr/>
-      <dgm:t>
-        <a:bodyPr/>
-        <a:lstStyle/>
-        <a:p>
-          <a:endParaRPr lang="fr-FR"/>
-        </a:p>
-      </dgm:t>
-    </dgm:pt>
-    <dgm:pt modelId="{1C3B5C3B-868F-F54D-9463-AAFB2329736A}">
-      <dgm:prSet/>
-      <dgm:spPr/>
-      <dgm:t>
-        <a:bodyPr/>
-        <a:lstStyle/>
-        <a:p>
-          <a:r>
-            <a:rPr lang="fr-FR" dirty="0"/>
-            <a:t>Classe </a:t>
-          </a:r>
-          <a:r>
-            <a:rPr lang="fr-FR" dirty="0" err="1"/>
-            <a:t>InputReadLine</a:t>
-          </a:r>
-          <a:r>
-            <a:rPr lang="fr-FR" dirty="0"/>
-            <a:t> -&gt; </a:t>
-          </a:r>
-          <a:r>
-            <a:rPr lang="fr-FR" b="0" dirty="0">
-              <a:latin typeface="Big Caslon Medium" panose="02000603090000020003" pitchFamily="2" charset="-79"/>
-              <a:ea typeface="Apple Color Emoji" pitchFamily="2" charset="0"/>
-              <a:cs typeface="Big Caslon Medium" panose="02000603090000020003" pitchFamily="2" charset="-79"/>
-            </a:rPr>
-            <a:t>Récupère les réponses de l’utilisateur</a:t>
-          </a:r>
-          <a:endParaRPr lang="fr-FR" dirty="0"/>
-        </a:p>
-      </dgm:t>
-    </dgm:pt>
-    <dgm:pt modelId="{19424404-2EE4-5644-ACAD-AD3E15C59D24}" type="parTrans" cxnId="{22AC9DF0-1C40-1D42-AD17-4788C5E8E7C3}">
-      <dgm:prSet/>
-      <dgm:spPr/>
-      <dgm:t>
-        <a:bodyPr/>
-        <a:lstStyle/>
-        <a:p>
-          <a:endParaRPr lang="fr-FR"/>
-        </a:p>
-      </dgm:t>
-    </dgm:pt>
-    <dgm:pt modelId="{4D1C8BF5-4745-484C-8713-C245DFB44053}" type="sibTrans" cxnId="{22AC9DF0-1C40-1D42-AD17-4788C5E8E7C3}">
-      <dgm:prSet/>
-      <dgm:spPr/>
-      <dgm:t>
-        <a:bodyPr/>
-        <a:lstStyle/>
-        <a:p>
-          <a:endParaRPr lang="fr-FR"/>
-        </a:p>
-      </dgm:t>
-    </dgm:pt>
-    <dgm:pt modelId="{EEBFAAE2-4222-E64F-88B1-A1E8B9CBB9ED}">
-      <dgm:prSet/>
-      <dgm:spPr/>
-      <dgm:t>
-        <a:bodyPr/>
-        <a:lstStyle/>
-        <a:p>
-          <a:r>
-            <a:rPr lang="fr-FR" dirty="0" err="1"/>
-            <a:t>Enum</a:t>
-          </a:r>
-          <a:r>
-            <a:rPr lang="fr-FR" dirty="0"/>
-            <a:t> </a:t>
-          </a:r>
-          <a:r>
-            <a:rPr lang="fr-FR" dirty="0" err="1"/>
-            <a:t>ActionEnum</a:t>
-          </a:r>
-          <a:r>
-            <a:rPr lang="fr-FR" dirty="0"/>
-            <a:t> -&gt; </a:t>
-          </a:r>
-          <a:r>
-            <a:rPr lang="fr-FR" b="0" dirty="0">
-              <a:latin typeface="Big Caslon Medium" panose="02000603090000020003" pitchFamily="2" charset="-79"/>
-              <a:ea typeface="Apple Color Emoji" pitchFamily="2" charset="0"/>
-              <a:cs typeface="Big Caslon Medium" panose="02000603090000020003" pitchFamily="2" charset="-79"/>
-            </a:rPr>
-            <a:t>Enumère les actions possibles pour les personnages (attaquer ou soigner)</a:t>
-          </a:r>
-          <a:endParaRPr lang="fr-FR" dirty="0"/>
-        </a:p>
-      </dgm:t>
-    </dgm:pt>
-    <dgm:pt modelId="{98EE35A4-28A4-DE47-A6AF-DB7DD1CF86CC}" type="parTrans" cxnId="{48C07626-1314-A142-8A86-1D846DC8B963}">
-      <dgm:prSet/>
-      <dgm:spPr/>
-      <dgm:t>
-        <a:bodyPr/>
-        <a:lstStyle/>
-        <a:p>
-          <a:endParaRPr lang="fr-FR"/>
-        </a:p>
-      </dgm:t>
-    </dgm:pt>
-    <dgm:pt modelId="{BDA7A0FE-D4BE-D946-B8D8-6482439467F1}" type="sibTrans" cxnId="{48C07626-1314-A142-8A86-1D846DC8B963}">
-      <dgm:prSet/>
-      <dgm:spPr/>
-      <dgm:t>
-        <a:bodyPr/>
-        <a:lstStyle/>
-        <a:p>
-          <a:endParaRPr lang="fr-FR"/>
-        </a:p>
-      </dgm:t>
-    </dgm:pt>
-    <dgm:pt modelId="{2AE1C701-5AB5-C548-A4B9-6431DD4246A7}">
-      <dgm:prSet/>
-      <dgm:spPr/>
-      <dgm:t>
-        <a:bodyPr/>
-        <a:lstStyle/>
-        <a:p>
-          <a:r>
-            <a:rPr lang="fr-FR" dirty="0" err="1"/>
-            <a:t>Enum</a:t>
-          </a:r>
-          <a:r>
-            <a:rPr lang="fr-FR" dirty="0"/>
-            <a:t> </a:t>
-          </a:r>
-          <a:r>
-            <a:rPr lang="fr-FR" dirty="0" err="1"/>
-            <a:t>ActionType</a:t>
-          </a:r>
-          <a:r>
-            <a:rPr lang="fr-FR" dirty="0"/>
-            <a:t> -&gt; </a:t>
-          </a:r>
-          <a:r>
-            <a:rPr lang="fr-FR" b="0" dirty="0">
-              <a:latin typeface="Big Caslon Medium" panose="02000603090000020003" pitchFamily="2" charset="-79"/>
-              <a:ea typeface="Apple Color Emoji" pitchFamily="2" charset="0"/>
-              <a:cs typeface="Big Caslon Medium" panose="02000603090000020003" pitchFamily="2" charset="-79"/>
-            </a:rPr>
-            <a:t>Enumère le rôle du personnage (il est attaquant, soignant, soigné ou il reçoit l’attaque)</a:t>
-          </a:r>
-          <a:endParaRPr lang="fr-FR" dirty="0"/>
-        </a:p>
-      </dgm:t>
-    </dgm:pt>
-    <dgm:pt modelId="{5C4E818C-744C-DF47-B85E-0B382DF49CD5}" type="parTrans" cxnId="{EFA5D0E8-5517-D842-887D-D0953F5ACAE2}">
-      <dgm:prSet/>
-      <dgm:spPr/>
-      <dgm:t>
-        <a:bodyPr/>
-        <a:lstStyle/>
-        <a:p>
-          <a:endParaRPr lang="fr-FR"/>
-        </a:p>
-      </dgm:t>
-    </dgm:pt>
-    <dgm:pt modelId="{242EDAB1-9B09-ED4C-9A33-3DC1154F07CE}" type="sibTrans" cxnId="{EFA5D0E8-5517-D842-887D-D0953F5ACAE2}">
-      <dgm:prSet/>
-      <dgm:spPr/>
-      <dgm:t>
-        <a:bodyPr/>
-        <a:lstStyle/>
-        <a:p>
-          <a:endParaRPr lang="fr-FR"/>
-        </a:p>
-      </dgm:t>
-    </dgm:pt>
-    <dgm:pt modelId="{FEF23CE2-7B44-174D-8A74-4525DA950ADA}" type="pres">
-      <dgm:prSet presAssocID="{4558FB12-60CB-4C23-898D-FFF744E5F0D3}" presName="vert0" presStyleCnt="0">
+    <dgm:pt modelId="{F3535B48-1A0E-4B58-BB44-B0E7FFCD93A1}" type="pres">
+      <dgm:prSet presAssocID="{04D7043F-ADE3-48C3-9BFE-D1A951EC99D5}" presName="root" presStyleCnt="0">
         <dgm:presLayoutVars>
           <dgm:dir/>
-          <dgm:animOne val="branch"/>
-          <dgm:animLvl val="lvl"/>
+          <dgm:resizeHandles val="exact"/>
         </dgm:presLayoutVars>
       </dgm:prSet>
       <dgm:spPr/>
     </dgm:pt>
-    <dgm:pt modelId="{59A1C0CA-FF9B-924F-AFF0-871A72BD6AE0}" type="pres">
-      <dgm:prSet presAssocID="{3B74E6BD-649E-40E3-83E7-F8244F7ACA95}" presName="thickLine" presStyleLbl="alignNode1" presStyleIdx="0" presStyleCnt="9"/>
+    <dgm:pt modelId="{64F009CA-EE85-4858-B92F-5410B3FCC995}" type="pres">
+      <dgm:prSet presAssocID="{B99B7819-47D7-4B57-9287-9C26ADB6FF76}" presName="compNode" presStyleCnt="0"/>
       <dgm:spPr/>
     </dgm:pt>
-    <dgm:pt modelId="{21612BC0-10AA-7742-8844-6907FEDFEDB4}" type="pres">
-      <dgm:prSet presAssocID="{3B74E6BD-649E-40E3-83E7-F8244F7ACA95}" presName="horz1" presStyleCnt="0"/>
+    <dgm:pt modelId="{6878FF3F-FE75-47A7-A709-7BC8CE063D01}" type="pres">
+      <dgm:prSet presAssocID="{B99B7819-47D7-4B57-9287-9C26ADB6FF76}" presName="bgRect" presStyleLbl="bgShp" presStyleIdx="0" presStyleCnt="2"/>
       <dgm:spPr/>
     </dgm:pt>
-    <dgm:pt modelId="{26DBDE83-1941-6A44-AD5D-E8CD5C7DB7C7}" type="pres">
-      <dgm:prSet presAssocID="{3B74E6BD-649E-40E3-83E7-F8244F7ACA95}" presName="tx1" presStyleLbl="revTx" presStyleIdx="0" presStyleCnt="9"/>
+    <dgm:pt modelId="{349458BB-B180-4D82-A5AC-28A685E2658F}" type="pres">
+      <dgm:prSet presAssocID="{B99B7819-47D7-4B57-9287-9C26ADB6FF76}" presName="iconRect" presStyleLbl="node1" presStyleIdx="0" presStyleCnt="2"/>
+      <dgm:spPr>
+        <a:blipFill>
+          <a:blip xmlns:r="http://schemas.openxmlformats.org/officeDocument/2006/relationships" r:embed="rId1">
+            <a:extLst>
+              <a:ext uri="{28A0092B-C50C-407E-A947-70E740481C1C}">
+                <a14:useLocalDpi xmlns:a14="http://schemas.microsoft.com/office/drawing/2010/main" val="0"/>
+              </a:ext>
+              <a:ext uri="{96DAC541-7B7A-43D3-8B79-37D633B846F1}">
+                <asvg:svgBlip xmlns:asvg="http://schemas.microsoft.com/office/drawing/2016/SVG/main" r:embed="rId2"/>
+              </a:ext>
+            </a:extLst>
+          </a:blip>
+          <a:stretch>
+            <a:fillRect/>
+          </a:stretch>
+        </a:blipFill>
+        <a:ln>
+          <a:noFill/>
+        </a:ln>
+      </dgm:spPr>
+      <dgm:extLst>
+        <a:ext uri="{E40237B7-FDA0-4F09-8148-C483321AD2D9}">
+          <dgm14:cNvPr xmlns:dgm14="http://schemas.microsoft.com/office/drawing/2010/diagram" id="0" name="" descr="Enseignant"/>
+        </a:ext>
+      </dgm:extLst>
+    </dgm:pt>
+    <dgm:pt modelId="{F08776F8-9372-4EAC-BC1C-258619E6C4A0}" type="pres">
+      <dgm:prSet presAssocID="{B99B7819-47D7-4B57-9287-9C26ADB6FF76}" presName="spaceRect" presStyleCnt="0"/>
       <dgm:spPr/>
     </dgm:pt>
-    <dgm:pt modelId="{2FAFE14A-7C28-9F4A-A245-8D7BCAED6988}" type="pres">
-      <dgm:prSet presAssocID="{3B74E6BD-649E-40E3-83E7-F8244F7ACA95}" presName="vert1" presStyleCnt="0"/>
+    <dgm:pt modelId="{B9053332-044F-45AB-A6E3-408A2E6D5EED}" type="pres">
+      <dgm:prSet presAssocID="{B99B7819-47D7-4B57-9287-9C26ADB6FF76}" presName="parTx" presStyleLbl="revTx" presStyleIdx="0" presStyleCnt="2">
+        <dgm:presLayoutVars>
+          <dgm:chMax val="0"/>
+          <dgm:chPref val="0"/>
+        </dgm:presLayoutVars>
+      </dgm:prSet>
       <dgm:spPr/>
     </dgm:pt>
-    <dgm:pt modelId="{4E68A383-8863-8E41-B823-831E18D7C7FF}" type="pres">
-      <dgm:prSet presAssocID="{5EC19A47-3A73-4E2C-BFA3-ADFD457522B0}" presName="thickLine" presStyleLbl="alignNode1" presStyleIdx="1" presStyleCnt="9"/>
+    <dgm:pt modelId="{4B0E1909-6A21-4CC3-8881-CC5E0D6A7FA8}" type="pres">
+      <dgm:prSet presAssocID="{FA8C67D4-1382-4D68-AC70-EC48FBAB5F28}" presName="sibTrans" presStyleCnt="0"/>
       <dgm:spPr/>
     </dgm:pt>
-    <dgm:pt modelId="{88B7AE70-F5DA-964C-BEDC-9402C99C6E23}" type="pres">
-      <dgm:prSet presAssocID="{5EC19A47-3A73-4E2C-BFA3-ADFD457522B0}" presName="horz1" presStyleCnt="0"/>
+    <dgm:pt modelId="{D9CB6A9F-8F58-4739-BB9B-3AE32424D653}" type="pres">
+      <dgm:prSet presAssocID="{11F9E746-656B-4E1B-8340-FF3759E0BE6F}" presName="compNode" presStyleCnt="0"/>
       <dgm:spPr/>
     </dgm:pt>
-    <dgm:pt modelId="{9E6ED8DD-CE26-DA46-8B60-7CEF2663A84D}" type="pres">
-      <dgm:prSet presAssocID="{5EC19A47-3A73-4E2C-BFA3-ADFD457522B0}" presName="tx1" presStyleLbl="revTx" presStyleIdx="1" presStyleCnt="9"/>
+    <dgm:pt modelId="{E83312BC-9EB8-4BE4-A43C-B8CCA981C26E}" type="pres">
+      <dgm:prSet presAssocID="{11F9E746-656B-4E1B-8340-FF3759E0BE6F}" presName="bgRect" presStyleLbl="bgShp" presStyleIdx="1" presStyleCnt="2"/>
       <dgm:spPr/>
     </dgm:pt>
-    <dgm:pt modelId="{ED93CAC2-CE28-A743-844C-6C4408C03BFD}" type="pres">
-      <dgm:prSet presAssocID="{5EC19A47-3A73-4E2C-BFA3-ADFD457522B0}" presName="vert1" presStyleCnt="0"/>
+    <dgm:pt modelId="{79E7664F-E53B-48DE-B2BD-F706B4296306}" type="pres">
+      <dgm:prSet presAssocID="{11F9E746-656B-4E1B-8340-FF3759E0BE6F}" presName="iconRect" presStyleLbl="node1" presStyleIdx="1" presStyleCnt="2"/>
+      <dgm:spPr>
+        <a:blipFill>
+          <a:blip xmlns:r="http://schemas.openxmlformats.org/officeDocument/2006/relationships" r:embed="rId3">
+            <a:extLst>
+              <a:ext uri="{28A0092B-C50C-407E-A947-70E740481C1C}">
+                <a14:useLocalDpi xmlns:a14="http://schemas.microsoft.com/office/drawing/2010/main" val="0"/>
+              </a:ext>
+              <a:ext uri="{96DAC541-7B7A-43D3-8B79-37D633B846F1}">
+                <asvg:svgBlip xmlns:asvg="http://schemas.microsoft.com/office/drawing/2016/SVG/main" r:embed="rId4"/>
+              </a:ext>
+            </a:extLst>
+          </a:blip>
+          <a:stretch>
+            <a:fillRect/>
+          </a:stretch>
+        </a:blipFill>
+        <a:ln>
+          <a:noFill/>
+        </a:ln>
+      </dgm:spPr>
+      <dgm:extLst>
+        <a:ext uri="{E40237B7-FDA0-4F09-8148-C483321AD2D9}">
+          <dgm14:cNvPr xmlns:dgm14="http://schemas.microsoft.com/office/drawing/2010/diagram" id="0" name="" descr="Diagramme de flux"/>
+        </a:ext>
+      </dgm:extLst>
+    </dgm:pt>
+    <dgm:pt modelId="{4020E267-604E-4EB0-B894-D01988F950EA}" type="pres">
+      <dgm:prSet presAssocID="{11F9E746-656B-4E1B-8340-FF3759E0BE6F}" presName="spaceRect" presStyleCnt="0"/>
       <dgm:spPr/>
     </dgm:pt>
-    <dgm:pt modelId="{ABECBDD3-8071-8B44-A9EB-7DF3FC579042}" type="pres">
-      <dgm:prSet presAssocID="{3A9A6487-C554-456A-BC97-010F6C793327}" presName="thickLine" presStyleLbl="alignNode1" presStyleIdx="2" presStyleCnt="9"/>
-      <dgm:spPr/>
-    </dgm:pt>
-    <dgm:pt modelId="{C689BE0F-4CBA-2D48-808C-30A2C74A95D1}" type="pres">
-      <dgm:prSet presAssocID="{3A9A6487-C554-456A-BC97-010F6C793327}" presName="horz1" presStyleCnt="0"/>
-      <dgm:spPr/>
-    </dgm:pt>
-    <dgm:pt modelId="{D2BD02F3-8F45-9F49-B485-539BA1970143}" type="pres">
-      <dgm:prSet presAssocID="{3A9A6487-C554-456A-BC97-010F6C793327}" presName="tx1" presStyleLbl="revTx" presStyleIdx="2" presStyleCnt="9"/>
-      <dgm:spPr/>
-    </dgm:pt>
-    <dgm:pt modelId="{2B92C33E-4C14-D04C-8A42-9BF60E2548D7}" type="pres">
-      <dgm:prSet presAssocID="{3A9A6487-C554-456A-BC97-010F6C793327}" presName="vert1" presStyleCnt="0"/>
-      <dgm:spPr/>
-    </dgm:pt>
-    <dgm:pt modelId="{F8C67D8C-02F0-8048-97A7-740D15C3B34E}" type="pres">
-      <dgm:prSet presAssocID="{821F721F-B624-42A7-9AC3-822257606D63}" presName="thickLine" presStyleLbl="alignNode1" presStyleIdx="3" presStyleCnt="9"/>
-      <dgm:spPr/>
-    </dgm:pt>
-    <dgm:pt modelId="{DC3F313D-38BA-DF45-93A3-59CC7F6C3AE9}" type="pres">
-      <dgm:prSet presAssocID="{821F721F-B624-42A7-9AC3-822257606D63}" presName="horz1" presStyleCnt="0"/>
-      <dgm:spPr/>
-    </dgm:pt>
-    <dgm:pt modelId="{0686BB03-DDC9-664F-9986-6085F1AF7907}" type="pres">
-      <dgm:prSet presAssocID="{821F721F-B624-42A7-9AC3-822257606D63}" presName="tx1" presStyleLbl="revTx" presStyleIdx="3" presStyleCnt="9"/>
-      <dgm:spPr/>
-    </dgm:pt>
-    <dgm:pt modelId="{94C5260C-F014-7C44-8476-65E2F9A811BE}" type="pres">
-      <dgm:prSet presAssocID="{821F721F-B624-42A7-9AC3-822257606D63}" presName="vert1" presStyleCnt="0"/>
-      <dgm:spPr/>
-    </dgm:pt>
-    <dgm:pt modelId="{9485BB66-F44E-B947-8472-EC28FAE09D4D}" type="pres">
-      <dgm:prSet presAssocID="{42CF1C57-43F1-4A5E-9355-9BA90D1452F5}" presName="thickLine" presStyleLbl="alignNode1" presStyleIdx="4" presStyleCnt="9"/>
-      <dgm:spPr/>
-    </dgm:pt>
-    <dgm:pt modelId="{4EA3C659-D117-2D45-8ED3-6549C56EBB57}" type="pres">
-      <dgm:prSet presAssocID="{42CF1C57-43F1-4A5E-9355-9BA90D1452F5}" presName="horz1" presStyleCnt="0"/>
-      <dgm:spPr/>
-    </dgm:pt>
-    <dgm:pt modelId="{582468B1-4684-B84D-A17E-752069012236}" type="pres">
-      <dgm:prSet presAssocID="{42CF1C57-43F1-4A5E-9355-9BA90D1452F5}" presName="tx1" presStyleLbl="revTx" presStyleIdx="4" presStyleCnt="9"/>
-      <dgm:spPr/>
-    </dgm:pt>
-    <dgm:pt modelId="{5F76D789-DEDF-364E-9EEA-734D85265336}" type="pres">
-      <dgm:prSet presAssocID="{42CF1C57-43F1-4A5E-9355-9BA90D1452F5}" presName="vert1" presStyleCnt="0"/>
-      <dgm:spPr/>
-    </dgm:pt>
-    <dgm:pt modelId="{8A5D60A4-85B5-3143-859C-8477B1CA8BB1}" type="pres">
-      <dgm:prSet presAssocID="{67F204FF-B37E-9647-BA4F-61C0FF8163A7}" presName="thickLine" presStyleLbl="alignNode1" presStyleIdx="5" presStyleCnt="9"/>
-      <dgm:spPr/>
-    </dgm:pt>
-    <dgm:pt modelId="{9438F6DE-6291-E848-9F06-B5F599C5AF66}" type="pres">
-      <dgm:prSet presAssocID="{67F204FF-B37E-9647-BA4F-61C0FF8163A7}" presName="horz1" presStyleCnt="0"/>
-      <dgm:spPr/>
-    </dgm:pt>
-    <dgm:pt modelId="{BB3F5A56-733E-6E45-B661-8557C4DC9460}" type="pres">
-      <dgm:prSet presAssocID="{67F204FF-B37E-9647-BA4F-61C0FF8163A7}" presName="tx1" presStyleLbl="revTx" presStyleIdx="5" presStyleCnt="9"/>
-      <dgm:spPr/>
-    </dgm:pt>
-    <dgm:pt modelId="{A2D7340C-29E6-8E42-BFB0-B9E69AFE049F}" type="pres">
-      <dgm:prSet presAssocID="{67F204FF-B37E-9647-BA4F-61C0FF8163A7}" presName="vert1" presStyleCnt="0"/>
-      <dgm:spPr/>
-    </dgm:pt>
-    <dgm:pt modelId="{10A589D3-CC0F-684B-9C3C-A92907151CBA}" type="pres">
-      <dgm:prSet presAssocID="{1C3B5C3B-868F-F54D-9463-AAFB2329736A}" presName="thickLine" presStyleLbl="alignNode1" presStyleIdx="6" presStyleCnt="9"/>
-      <dgm:spPr/>
-    </dgm:pt>
-    <dgm:pt modelId="{5A725A35-6324-CD40-9B9D-8DB85207B1AB}" type="pres">
-      <dgm:prSet presAssocID="{1C3B5C3B-868F-F54D-9463-AAFB2329736A}" presName="horz1" presStyleCnt="0"/>
-      <dgm:spPr/>
-    </dgm:pt>
-    <dgm:pt modelId="{FFE741C0-3D02-DB47-91E3-8FADDA7D2F3A}" type="pres">
-      <dgm:prSet presAssocID="{1C3B5C3B-868F-F54D-9463-AAFB2329736A}" presName="tx1" presStyleLbl="revTx" presStyleIdx="6" presStyleCnt="9"/>
-      <dgm:spPr/>
-    </dgm:pt>
-    <dgm:pt modelId="{6CA9807F-9A1F-0749-9760-96F759EF7926}" type="pres">
-      <dgm:prSet presAssocID="{1C3B5C3B-868F-F54D-9463-AAFB2329736A}" presName="vert1" presStyleCnt="0"/>
-      <dgm:spPr/>
-    </dgm:pt>
-    <dgm:pt modelId="{81C2A68E-602B-3441-A9FF-25938C44CE9C}" type="pres">
-      <dgm:prSet presAssocID="{EEBFAAE2-4222-E64F-88B1-A1E8B9CBB9ED}" presName="thickLine" presStyleLbl="alignNode1" presStyleIdx="7" presStyleCnt="9"/>
-      <dgm:spPr/>
-    </dgm:pt>
-    <dgm:pt modelId="{EED70B65-CE9E-1B40-8C44-8AFAB8103883}" type="pres">
-      <dgm:prSet presAssocID="{EEBFAAE2-4222-E64F-88B1-A1E8B9CBB9ED}" presName="horz1" presStyleCnt="0"/>
-      <dgm:spPr/>
-    </dgm:pt>
-    <dgm:pt modelId="{9E47A910-9B07-C64C-95E4-729B89F74207}" type="pres">
-      <dgm:prSet presAssocID="{EEBFAAE2-4222-E64F-88B1-A1E8B9CBB9ED}" presName="tx1" presStyleLbl="revTx" presStyleIdx="7" presStyleCnt="9"/>
-      <dgm:spPr/>
-    </dgm:pt>
-    <dgm:pt modelId="{E149A492-C478-D04E-8519-631A8AF0DECD}" type="pres">
-      <dgm:prSet presAssocID="{EEBFAAE2-4222-E64F-88B1-A1E8B9CBB9ED}" presName="vert1" presStyleCnt="0"/>
-      <dgm:spPr/>
-    </dgm:pt>
-    <dgm:pt modelId="{573F15C0-B0A8-2B48-A282-CBD3D4D48582}" type="pres">
-      <dgm:prSet presAssocID="{2AE1C701-5AB5-C548-A4B9-6431DD4246A7}" presName="thickLine" presStyleLbl="alignNode1" presStyleIdx="8" presStyleCnt="9"/>
-      <dgm:spPr/>
-    </dgm:pt>
-    <dgm:pt modelId="{3EACB84E-DE38-C548-B6DF-431025526582}" type="pres">
-      <dgm:prSet presAssocID="{2AE1C701-5AB5-C548-A4B9-6431DD4246A7}" presName="horz1" presStyleCnt="0"/>
-      <dgm:spPr/>
-    </dgm:pt>
-    <dgm:pt modelId="{D9E77A5A-5790-7341-8892-6BF88E993082}" type="pres">
-      <dgm:prSet presAssocID="{2AE1C701-5AB5-C548-A4B9-6431DD4246A7}" presName="tx1" presStyleLbl="revTx" presStyleIdx="8" presStyleCnt="9"/>
-      <dgm:spPr/>
-    </dgm:pt>
-    <dgm:pt modelId="{265CDA59-4DC0-B04F-A022-3B6D41D524FE}" type="pres">
-      <dgm:prSet presAssocID="{2AE1C701-5AB5-C548-A4B9-6431DD4246A7}" presName="vert1" presStyleCnt="0"/>
+    <dgm:pt modelId="{A5EBF69B-F9DE-4562-8AA0-3CA7CA179336}" type="pres">
+      <dgm:prSet presAssocID="{11F9E746-656B-4E1B-8340-FF3759E0BE6F}" presName="parTx" presStyleLbl="revTx" presStyleIdx="1" presStyleCnt="2">
+        <dgm:presLayoutVars>
+          <dgm:chMax val="0"/>
+          <dgm:chPref val="0"/>
+        </dgm:presLayoutVars>
+      </dgm:prSet>
       <dgm:spPr/>
     </dgm:pt>
   </dgm:ptLst>
   <dgm:cxnLst>
-    <dgm:cxn modelId="{9F4BEF0E-4747-7044-A680-FFD080346F89}" type="presOf" srcId="{EEBFAAE2-4222-E64F-88B1-A1E8B9CBB9ED}" destId="{9E47A910-9B07-C64C-95E4-729B89F74207}" srcOrd="0" destOrd="0" presId="urn:microsoft.com/office/officeart/2008/layout/LinedList"/>
-    <dgm:cxn modelId="{367DBF11-4017-4346-8335-0E3C80428BDE}" type="presOf" srcId="{3B74E6BD-649E-40E3-83E7-F8244F7ACA95}" destId="{26DBDE83-1941-6A44-AD5D-E8CD5C7DB7C7}" srcOrd="0" destOrd="0" presId="urn:microsoft.com/office/officeart/2008/layout/LinedList"/>
-    <dgm:cxn modelId="{82345820-AF4A-874A-A425-38A30E33E6A9}" type="presOf" srcId="{2AE1C701-5AB5-C548-A4B9-6431DD4246A7}" destId="{D9E77A5A-5790-7341-8892-6BF88E993082}" srcOrd="0" destOrd="0" presId="urn:microsoft.com/office/officeart/2008/layout/LinedList"/>
-    <dgm:cxn modelId="{48C07626-1314-A142-8A86-1D846DC8B963}" srcId="{4558FB12-60CB-4C23-898D-FFF744E5F0D3}" destId="{EEBFAAE2-4222-E64F-88B1-A1E8B9CBB9ED}" srcOrd="7" destOrd="0" parTransId="{98EE35A4-28A4-DE47-A6AF-DB7DD1CF86CC}" sibTransId="{BDA7A0FE-D4BE-D946-B8D8-6482439467F1}"/>
-    <dgm:cxn modelId="{E0144C28-E40A-48A6-8B73-7417403F104D}" srcId="{4558FB12-60CB-4C23-898D-FFF744E5F0D3}" destId="{5EC19A47-3A73-4E2C-BFA3-ADFD457522B0}" srcOrd="1" destOrd="0" parTransId="{E90A176C-B25A-415E-A187-2383210E3042}" sibTransId="{891DA0CB-4954-4A46-8A74-71259DF4C925}"/>
-    <dgm:cxn modelId="{C729A535-5D4F-9040-AFCC-C2D15ECA82CC}" type="presOf" srcId="{4558FB12-60CB-4C23-898D-FFF744E5F0D3}" destId="{FEF23CE2-7B44-174D-8A74-4525DA950ADA}" srcOrd="0" destOrd="0" presId="urn:microsoft.com/office/officeart/2008/layout/LinedList"/>
-    <dgm:cxn modelId="{97A2B246-D6DC-CD4D-BB7A-262B835B8E00}" type="presOf" srcId="{1C3B5C3B-868F-F54D-9463-AAFB2329736A}" destId="{FFE741C0-3D02-DB47-91E3-8FADDA7D2F3A}" srcOrd="0" destOrd="0" presId="urn:microsoft.com/office/officeart/2008/layout/LinedList"/>
-    <dgm:cxn modelId="{DC7A3148-B5DA-5A4B-87D3-40373ADD5A27}" srcId="{4558FB12-60CB-4C23-898D-FFF744E5F0D3}" destId="{67F204FF-B37E-9647-BA4F-61C0FF8163A7}" srcOrd="5" destOrd="0" parTransId="{362714D6-0238-5745-9D20-77B239F5894B}" sibTransId="{E6768AD9-18C6-734A-904F-273EB19150BC}"/>
-    <dgm:cxn modelId="{38A3304A-F88A-4B23-8C11-97A84C70A17C}" srcId="{4558FB12-60CB-4C23-898D-FFF744E5F0D3}" destId="{3B74E6BD-649E-40E3-83E7-F8244F7ACA95}" srcOrd="0" destOrd="0" parTransId="{A9EA75A3-56E9-4713-A552-96AE0AC9F782}" sibTransId="{2253590E-85A5-4923-B40D-AB8156072074}"/>
-    <dgm:cxn modelId="{D46A6859-11F4-644A-9C3E-C19E43034E9B}" type="presOf" srcId="{67F204FF-B37E-9647-BA4F-61C0FF8163A7}" destId="{BB3F5A56-733E-6E45-B661-8557C4DC9460}" srcOrd="0" destOrd="0" presId="urn:microsoft.com/office/officeart/2008/layout/LinedList"/>
-    <dgm:cxn modelId="{DDD5F359-5897-496D-AAB9-6CAAACE3C3FE}" srcId="{4558FB12-60CB-4C23-898D-FFF744E5F0D3}" destId="{3A9A6487-C554-456A-BC97-010F6C793327}" srcOrd="2" destOrd="0" parTransId="{3F35A814-C36B-4EA0-92EB-9EA18C1B55BC}" sibTransId="{A728FB72-F212-45AD-9293-E32133DCC03D}"/>
-    <dgm:cxn modelId="{06E7175B-6738-B446-89F4-D820F89EA1DA}" type="presOf" srcId="{5EC19A47-3A73-4E2C-BFA3-ADFD457522B0}" destId="{9E6ED8DD-CE26-DA46-8B60-7CEF2663A84D}" srcOrd="0" destOrd="0" presId="urn:microsoft.com/office/officeart/2008/layout/LinedList"/>
-    <dgm:cxn modelId="{DA8CF56B-11DD-468A-BA47-AF6C19C4B3B4}" srcId="{4558FB12-60CB-4C23-898D-FFF744E5F0D3}" destId="{42CF1C57-43F1-4A5E-9355-9BA90D1452F5}" srcOrd="4" destOrd="0" parTransId="{6D5A1FFB-B5A9-4C33-AFA4-BC8B68B31347}" sibTransId="{F6FE2F43-43EF-49C9-9DD2-7AA53DD00B5B}"/>
-    <dgm:cxn modelId="{4CF1357C-8885-4220-9D96-8CD430614542}" srcId="{4558FB12-60CB-4C23-898D-FFF744E5F0D3}" destId="{821F721F-B624-42A7-9AC3-822257606D63}" srcOrd="3" destOrd="0" parTransId="{7973866E-97FF-42C5-8D18-30346361F6E8}" sibTransId="{358FF9B4-120E-46EC-8F11-2B7BA9A8E6AD}"/>
-    <dgm:cxn modelId="{3BAFCEA4-2D87-BC40-96D5-508922B253C1}" type="presOf" srcId="{821F721F-B624-42A7-9AC3-822257606D63}" destId="{0686BB03-DDC9-664F-9986-6085F1AF7907}" srcOrd="0" destOrd="0" presId="urn:microsoft.com/office/officeart/2008/layout/LinedList"/>
-    <dgm:cxn modelId="{02E82ACB-B408-CF4C-8815-F62E8FA50B41}" type="presOf" srcId="{42CF1C57-43F1-4A5E-9355-9BA90D1452F5}" destId="{582468B1-4684-B84D-A17E-752069012236}" srcOrd="0" destOrd="0" presId="urn:microsoft.com/office/officeart/2008/layout/LinedList"/>
-    <dgm:cxn modelId="{EFA5D0E8-5517-D842-887D-D0953F5ACAE2}" srcId="{4558FB12-60CB-4C23-898D-FFF744E5F0D3}" destId="{2AE1C701-5AB5-C548-A4B9-6431DD4246A7}" srcOrd="8" destOrd="0" parTransId="{5C4E818C-744C-DF47-B85E-0B382DF49CD5}" sibTransId="{242EDAB1-9B09-ED4C-9A33-3DC1154F07CE}"/>
-    <dgm:cxn modelId="{22AC9DF0-1C40-1D42-AD17-4788C5E8E7C3}" srcId="{4558FB12-60CB-4C23-898D-FFF744E5F0D3}" destId="{1C3B5C3B-868F-F54D-9463-AAFB2329736A}" srcOrd="6" destOrd="0" parTransId="{19424404-2EE4-5644-ACAD-AD3E15C59D24}" sibTransId="{4D1C8BF5-4745-484C-8713-C245DFB44053}"/>
-    <dgm:cxn modelId="{58E59FF3-7FCF-B541-8E63-FF49F1881423}" type="presOf" srcId="{3A9A6487-C554-456A-BC97-010F6C793327}" destId="{D2BD02F3-8F45-9F49-B485-539BA1970143}" srcOrd="0" destOrd="0" presId="urn:microsoft.com/office/officeart/2008/layout/LinedList"/>
-    <dgm:cxn modelId="{2385D150-343C-344A-B74A-3FBEA738DBC3}" type="presParOf" srcId="{FEF23CE2-7B44-174D-8A74-4525DA950ADA}" destId="{59A1C0CA-FF9B-924F-AFF0-871A72BD6AE0}" srcOrd="0" destOrd="0" presId="urn:microsoft.com/office/officeart/2008/layout/LinedList"/>
-    <dgm:cxn modelId="{F18B1406-02D3-7444-8281-7E3717A5E4A1}" type="presParOf" srcId="{FEF23CE2-7B44-174D-8A74-4525DA950ADA}" destId="{21612BC0-10AA-7742-8844-6907FEDFEDB4}" srcOrd="1" destOrd="0" presId="urn:microsoft.com/office/officeart/2008/layout/LinedList"/>
-    <dgm:cxn modelId="{F12AE5EE-2F15-9642-806E-0C7148CE0C52}" type="presParOf" srcId="{21612BC0-10AA-7742-8844-6907FEDFEDB4}" destId="{26DBDE83-1941-6A44-AD5D-E8CD5C7DB7C7}" srcOrd="0" destOrd="0" presId="urn:microsoft.com/office/officeart/2008/layout/LinedList"/>
-    <dgm:cxn modelId="{12370755-16E5-F043-A107-AFDA1D04E61A}" type="presParOf" srcId="{21612BC0-10AA-7742-8844-6907FEDFEDB4}" destId="{2FAFE14A-7C28-9F4A-A245-8D7BCAED6988}" srcOrd="1" destOrd="0" presId="urn:microsoft.com/office/officeart/2008/layout/LinedList"/>
-    <dgm:cxn modelId="{A32FF462-B4EF-164D-B3A2-7B70DBE4C1A3}" type="presParOf" srcId="{FEF23CE2-7B44-174D-8A74-4525DA950ADA}" destId="{4E68A383-8863-8E41-B823-831E18D7C7FF}" srcOrd="2" destOrd="0" presId="urn:microsoft.com/office/officeart/2008/layout/LinedList"/>
-    <dgm:cxn modelId="{CBB97227-13E3-6142-A7D9-66151E0519CF}" type="presParOf" srcId="{FEF23CE2-7B44-174D-8A74-4525DA950ADA}" destId="{88B7AE70-F5DA-964C-BEDC-9402C99C6E23}" srcOrd="3" destOrd="0" presId="urn:microsoft.com/office/officeart/2008/layout/LinedList"/>
-    <dgm:cxn modelId="{1A2FEBD3-1A0A-D044-B641-D657E5DEE962}" type="presParOf" srcId="{88B7AE70-F5DA-964C-BEDC-9402C99C6E23}" destId="{9E6ED8DD-CE26-DA46-8B60-7CEF2663A84D}" srcOrd="0" destOrd="0" presId="urn:microsoft.com/office/officeart/2008/layout/LinedList"/>
-    <dgm:cxn modelId="{EEE5A9D2-FDE8-7A42-B43C-34216E8D7746}" type="presParOf" srcId="{88B7AE70-F5DA-964C-BEDC-9402C99C6E23}" destId="{ED93CAC2-CE28-A743-844C-6C4408C03BFD}" srcOrd="1" destOrd="0" presId="urn:microsoft.com/office/officeart/2008/layout/LinedList"/>
-    <dgm:cxn modelId="{037F0B5A-D580-184A-BB9C-2F767A7E230F}" type="presParOf" srcId="{FEF23CE2-7B44-174D-8A74-4525DA950ADA}" destId="{ABECBDD3-8071-8B44-A9EB-7DF3FC579042}" srcOrd="4" destOrd="0" presId="urn:microsoft.com/office/officeart/2008/layout/LinedList"/>
-    <dgm:cxn modelId="{5B2B77CC-069C-3C42-8F84-B94AB2063BF7}" type="presParOf" srcId="{FEF23CE2-7B44-174D-8A74-4525DA950ADA}" destId="{C689BE0F-4CBA-2D48-808C-30A2C74A95D1}" srcOrd="5" destOrd="0" presId="urn:microsoft.com/office/officeart/2008/layout/LinedList"/>
-    <dgm:cxn modelId="{D9492695-F45A-C349-AE2A-980E3FB5E93F}" type="presParOf" srcId="{C689BE0F-4CBA-2D48-808C-30A2C74A95D1}" destId="{D2BD02F3-8F45-9F49-B485-539BA1970143}" srcOrd="0" destOrd="0" presId="urn:microsoft.com/office/officeart/2008/layout/LinedList"/>
-    <dgm:cxn modelId="{78CD8530-3B45-1645-AFE1-AD7798B00C58}" type="presParOf" srcId="{C689BE0F-4CBA-2D48-808C-30A2C74A95D1}" destId="{2B92C33E-4C14-D04C-8A42-9BF60E2548D7}" srcOrd="1" destOrd="0" presId="urn:microsoft.com/office/officeart/2008/layout/LinedList"/>
-    <dgm:cxn modelId="{B4007730-F7C7-7749-9A31-78D324DF29A8}" type="presParOf" srcId="{FEF23CE2-7B44-174D-8A74-4525DA950ADA}" destId="{F8C67D8C-02F0-8048-97A7-740D15C3B34E}" srcOrd="6" destOrd="0" presId="urn:microsoft.com/office/officeart/2008/layout/LinedList"/>
-    <dgm:cxn modelId="{FEF4CE99-7C54-C040-A1BD-1B7C9C67A6CC}" type="presParOf" srcId="{FEF23CE2-7B44-174D-8A74-4525DA950ADA}" destId="{DC3F313D-38BA-DF45-93A3-59CC7F6C3AE9}" srcOrd="7" destOrd="0" presId="urn:microsoft.com/office/officeart/2008/layout/LinedList"/>
-    <dgm:cxn modelId="{4AABBB56-EC40-604C-B937-21DF0275A623}" type="presParOf" srcId="{DC3F313D-38BA-DF45-93A3-59CC7F6C3AE9}" destId="{0686BB03-DDC9-664F-9986-6085F1AF7907}" srcOrd="0" destOrd="0" presId="urn:microsoft.com/office/officeart/2008/layout/LinedList"/>
-    <dgm:cxn modelId="{DB43F5AE-E1C8-F04A-B228-980CE3CBA251}" type="presParOf" srcId="{DC3F313D-38BA-DF45-93A3-59CC7F6C3AE9}" destId="{94C5260C-F014-7C44-8476-65E2F9A811BE}" srcOrd="1" destOrd="0" presId="urn:microsoft.com/office/officeart/2008/layout/LinedList"/>
-    <dgm:cxn modelId="{9526AE48-37A8-1D46-88DF-65F8A9C59081}" type="presParOf" srcId="{FEF23CE2-7B44-174D-8A74-4525DA950ADA}" destId="{9485BB66-F44E-B947-8472-EC28FAE09D4D}" srcOrd="8" destOrd="0" presId="urn:microsoft.com/office/officeart/2008/layout/LinedList"/>
-    <dgm:cxn modelId="{297680B7-D4D1-7647-86E4-87F44459DCB4}" type="presParOf" srcId="{FEF23CE2-7B44-174D-8A74-4525DA950ADA}" destId="{4EA3C659-D117-2D45-8ED3-6549C56EBB57}" srcOrd="9" destOrd="0" presId="urn:microsoft.com/office/officeart/2008/layout/LinedList"/>
-    <dgm:cxn modelId="{82C8AA7A-501B-8F46-9D73-1E140AA62C5C}" type="presParOf" srcId="{4EA3C659-D117-2D45-8ED3-6549C56EBB57}" destId="{582468B1-4684-B84D-A17E-752069012236}" srcOrd="0" destOrd="0" presId="urn:microsoft.com/office/officeart/2008/layout/LinedList"/>
-    <dgm:cxn modelId="{4C9C74CA-9DCF-3E4A-A99A-91C475A1DCDB}" type="presParOf" srcId="{4EA3C659-D117-2D45-8ED3-6549C56EBB57}" destId="{5F76D789-DEDF-364E-9EEA-734D85265336}" srcOrd="1" destOrd="0" presId="urn:microsoft.com/office/officeart/2008/layout/LinedList"/>
-    <dgm:cxn modelId="{C5428C1F-9D8D-2445-BB3B-3AAB9226C66B}" type="presParOf" srcId="{FEF23CE2-7B44-174D-8A74-4525DA950ADA}" destId="{8A5D60A4-85B5-3143-859C-8477B1CA8BB1}" srcOrd="10" destOrd="0" presId="urn:microsoft.com/office/officeart/2008/layout/LinedList"/>
-    <dgm:cxn modelId="{3C4D544C-AA82-8740-9597-DC078BD2F568}" type="presParOf" srcId="{FEF23CE2-7B44-174D-8A74-4525DA950ADA}" destId="{9438F6DE-6291-E848-9F06-B5F599C5AF66}" srcOrd="11" destOrd="0" presId="urn:microsoft.com/office/officeart/2008/layout/LinedList"/>
-    <dgm:cxn modelId="{BC88C1B2-2949-0B45-998B-5013F9789DEC}" type="presParOf" srcId="{9438F6DE-6291-E848-9F06-B5F599C5AF66}" destId="{BB3F5A56-733E-6E45-B661-8557C4DC9460}" srcOrd="0" destOrd="0" presId="urn:microsoft.com/office/officeart/2008/layout/LinedList"/>
-    <dgm:cxn modelId="{DE8190A1-E3B7-9D4E-9A93-2A017EA6D50A}" type="presParOf" srcId="{9438F6DE-6291-E848-9F06-B5F599C5AF66}" destId="{A2D7340C-29E6-8E42-BFB0-B9E69AFE049F}" srcOrd="1" destOrd="0" presId="urn:microsoft.com/office/officeart/2008/layout/LinedList"/>
-    <dgm:cxn modelId="{71F74EB5-46B5-6442-B475-126DCFD84169}" type="presParOf" srcId="{FEF23CE2-7B44-174D-8A74-4525DA950ADA}" destId="{10A589D3-CC0F-684B-9C3C-A92907151CBA}" srcOrd="12" destOrd="0" presId="urn:microsoft.com/office/officeart/2008/layout/LinedList"/>
-    <dgm:cxn modelId="{C9EA3AAE-01C8-B141-A1A1-90241EE7B217}" type="presParOf" srcId="{FEF23CE2-7B44-174D-8A74-4525DA950ADA}" destId="{5A725A35-6324-CD40-9B9D-8DB85207B1AB}" srcOrd="13" destOrd="0" presId="urn:microsoft.com/office/officeart/2008/layout/LinedList"/>
-    <dgm:cxn modelId="{7287F44A-B9B0-1C41-993C-B790B56748A9}" type="presParOf" srcId="{5A725A35-6324-CD40-9B9D-8DB85207B1AB}" destId="{FFE741C0-3D02-DB47-91E3-8FADDA7D2F3A}" srcOrd="0" destOrd="0" presId="urn:microsoft.com/office/officeart/2008/layout/LinedList"/>
-    <dgm:cxn modelId="{BC9B5FA9-89DD-C04A-BBEB-E55DA3BDBC8E}" type="presParOf" srcId="{5A725A35-6324-CD40-9B9D-8DB85207B1AB}" destId="{6CA9807F-9A1F-0749-9760-96F759EF7926}" srcOrd="1" destOrd="0" presId="urn:microsoft.com/office/officeart/2008/layout/LinedList"/>
-    <dgm:cxn modelId="{D336CF6C-7549-E441-9BF6-A11397206416}" type="presParOf" srcId="{FEF23CE2-7B44-174D-8A74-4525DA950ADA}" destId="{81C2A68E-602B-3441-A9FF-25938C44CE9C}" srcOrd="14" destOrd="0" presId="urn:microsoft.com/office/officeart/2008/layout/LinedList"/>
-    <dgm:cxn modelId="{5CDD8D99-E796-DB4F-9DD4-415C260EFD23}" type="presParOf" srcId="{FEF23CE2-7B44-174D-8A74-4525DA950ADA}" destId="{EED70B65-CE9E-1B40-8C44-8AFAB8103883}" srcOrd="15" destOrd="0" presId="urn:microsoft.com/office/officeart/2008/layout/LinedList"/>
-    <dgm:cxn modelId="{E15162A3-2584-FC42-A7F1-B98207ED388C}" type="presParOf" srcId="{EED70B65-CE9E-1B40-8C44-8AFAB8103883}" destId="{9E47A910-9B07-C64C-95E4-729B89F74207}" srcOrd="0" destOrd="0" presId="urn:microsoft.com/office/officeart/2008/layout/LinedList"/>
-    <dgm:cxn modelId="{AFE91B0C-86C1-934C-BE91-6AB62CDFDCA6}" type="presParOf" srcId="{EED70B65-CE9E-1B40-8C44-8AFAB8103883}" destId="{E149A492-C478-D04E-8519-631A8AF0DECD}" srcOrd="1" destOrd="0" presId="urn:microsoft.com/office/officeart/2008/layout/LinedList"/>
-    <dgm:cxn modelId="{201FF71A-FAC4-874F-8150-53AC2DC1C12F}" type="presParOf" srcId="{FEF23CE2-7B44-174D-8A74-4525DA950ADA}" destId="{573F15C0-B0A8-2B48-A282-CBD3D4D48582}" srcOrd="16" destOrd="0" presId="urn:microsoft.com/office/officeart/2008/layout/LinedList"/>
-    <dgm:cxn modelId="{064E41AB-38BA-684C-A16A-168188DA40B5}" type="presParOf" srcId="{FEF23CE2-7B44-174D-8A74-4525DA950ADA}" destId="{3EACB84E-DE38-C548-B6DF-431025526582}" srcOrd="17" destOrd="0" presId="urn:microsoft.com/office/officeart/2008/layout/LinedList"/>
-    <dgm:cxn modelId="{8AFFE01D-82DC-E84D-95F7-B06362289382}" type="presParOf" srcId="{3EACB84E-DE38-C548-B6DF-431025526582}" destId="{D9E77A5A-5790-7341-8892-6BF88E993082}" srcOrd="0" destOrd="0" presId="urn:microsoft.com/office/officeart/2008/layout/LinedList"/>
-    <dgm:cxn modelId="{3793529F-2A69-184E-A959-AB7E4FC6397A}" type="presParOf" srcId="{3EACB84E-DE38-C548-B6DF-431025526582}" destId="{265CDA59-4DC0-B04F-A022-3B6D41D524FE}" srcOrd="1" destOrd="0" presId="urn:microsoft.com/office/officeart/2008/layout/LinedList"/>
+    <dgm:cxn modelId="{07895633-2A39-49F8-83FA-981229E774FD}" type="presOf" srcId="{B99B7819-47D7-4B57-9287-9C26ADB6FF76}" destId="{B9053332-044F-45AB-A6E3-408A2E6D5EED}" srcOrd="0" destOrd="0" presId="urn:microsoft.com/office/officeart/2018/2/layout/IconVerticalSolidList"/>
+    <dgm:cxn modelId="{7B52DD61-BC2E-484B-B78C-CB87C94D9712}" type="presOf" srcId="{11F9E746-656B-4E1B-8340-FF3759E0BE6F}" destId="{A5EBF69B-F9DE-4562-8AA0-3CA7CA179336}" srcOrd="0" destOrd="0" presId="urn:microsoft.com/office/officeart/2018/2/layout/IconVerticalSolidList"/>
+    <dgm:cxn modelId="{E4C8F5BB-4EA9-409C-8B18-B91FBE1C7E14}" type="presOf" srcId="{04D7043F-ADE3-48C3-9BFE-D1A951EC99D5}" destId="{F3535B48-1A0E-4B58-BB44-B0E7FFCD93A1}" srcOrd="0" destOrd="0" presId="urn:microsoft.com/office/officeart/2018/2/layout/IconVerticalSolidList"/>
+    <dgm:cxn modelId="{CAD1FABB-62CB-45AE-A9B7-0B6690DE7704}" srcId="{04D7043F-ADE3-48C3-9BFE-D1A951EC99D5}" destId="{B99B7819-47D7-4B57-9287-9C26ADB6FF76}" srcOrd="0" destOrd="0" parTransId="{1CE2C4A8-BE8A-4814-864D-E398C1D2AB30}" sibTransId="{FA8C67D4-1382-4D68-AC70-EC48FBAB5F28}"/>
+    <dgm:cxn modelId="{7D17F2C2-BCBF-4007-BA11-44E9506C4313}" srcId="{04D7043F-ADE3-48C3-9BFE-D1A951EC99D5}" destId="{11F9E746-656B-4E1B-8340-FF3759E0BE6F}" srcOrd="1" destOrd="0" parTransId="{19FE7F52-8510-493A-9160-EE57B44BEF73}" sibTransId="{57F34C51-9E0B-4CC0-98FE-4D94EE1B2952}"/>
+    <dgm:cxn modelId="{65375C9F-525F-4E77-AF6D-E55C6664FF41}" type="presParOf" srcId="{F3535B48-1A0E-4B58-BB44-B0E7FFCD93A1}" destId="{64F009CA-EE85-4858-B92F-5410B3FCC995}" srcOrd="0" destOrd="0" presId="urn:microsoft.com/office/officeart/2018/2/layout/IconVerticalSolidList"/>
+    <dgm:cxn modelId="{F3FDD82E-6C8A-4FDF-9367-B3AE6D0FE566}" type="presParOf" srcId="{64F009CA-EE85-4858-B92F-5410B3FCC995}" destId="{6878FF3F-FE75-47A7-A709-7BC8CE063D01}" srcOrd="0" destOrd="0" presId="urn:microsoft.com/office/officeart/2018/2/layout/IconVerticalSolidList"/>
+    <dgm:cxn modelId="{1B734038-768E-46F0-B073-AC3013C7EFA6}" type="presParOf" srcId="{64F009CA-EE85-4858-B92F-5410B3FCC995}" destId="{349458BB-B180-4D82-A5AC-28A685E2658F}" srcOrd="1" destOrd="0" presId="urn:microsoft.com/office/officeart/2018/2/layout/IconVerticalSolidList"/>
+    <dgm:cxn modelId="{D2EF9B9F-C62D-46EE-A09F-1FC75D0144A0}" type="presParOf" srcId="{64F009CA-EE85-4858-B92F-5410B3FCC995}" destId="{F08776F8-9372-4EAC-BC1C-258619E6C4A0}" srcOrd="2" destOrd="0" presId="urn:microsoft.com/office/officeart/2018/2/layout/IconVerticalSolidList"/>
+    <dgm:cxn modelId="{669D91E9-DE09-451A-802B-C818CA27BCDF}" type="presParOf" srcId="{64F009CA-EE85-4858-B92F-5410B3FCC995}" destId="{B9053332-044F-45AB-A6E3-408A2E6D5EED}" srcOrd="3" destOrd="0" presId="urn:microsoft.com/office/officeart/2018/2/layout/IconVerticalSolidList"/>
+    <dgm:cxn modelId="{439A0B56-5453-435C-8CD6-91B2B681F55F}" type="presParOf" srcId="{F3535B48-1A0E-4B58-BB44-B0E7FFCD93A1}" destId="{4B0E1909-6A21-4CC3-8881-CC5E0D6A7FA8}" srcOrd="1" destOrd="0" presId="urn:microsoft.com/office/officeart/2018/2/layout/IconVerticalSolidList"/>
+    <dgm:cxn modelId="{CF7411F2-EA6D-4817-BD33-14CDB852FE7E}" type="presParOf" srcId="{F3535B48-1A0E-4B58-BB44-B0E7FFCD93A1}" destId="{D9CB6A9F-8F58-4739-BB9B-3AE32424D653}" srcOrd="2" destOrd="0" presId="urn:microsoft.com/office/officeart/2018/2/layout/IconVerticalSolidList"/>
+    <dgm:cxn modelId="{1ACB288B-0EB9-4CF7-8326-26671E07F858}" type="presParOf" srcId="{D9CB6A9F-8F58-4739-BB9B-3AE32424D653}" destId="{E83312BC-9EB8-4BE4-A43C-B8CCA981C26E}" srcOrd="0" destOrd="0" presId="urn:microsoft.com/office/officeart/2018/2/layout/IconVerticalSolidList"/>
+    <dgm:cxn modelId="{681AAC32-E707-448B-A927-A05AC3D3CC82}" type="presParOf" srcId="{D9CB6A9F-8F58-4739-BB9B-3AE32424D653}" destId="{79E7664F-E53B-48DE-B2BD-F706B4296306}" srcOrd="1" destOrd="0" presId="urn:microsoft.com/office/officeart/2018/2/layout/IconVerticalSolidList"/>
+    <dgm:cxn modelId="{6C32EAF2-7946-47B0-8FFD-8578F4B14B39}" type="presParOf" srcId="{D9CB6A9F-8F58-4739-BB9B-3AE32424D653}" destId="{4020E267-604E-4EB0-B894-D01988F950EA}" srcOrd="2" destOrd="0" presId="urn:microsoft.com/office/officeart/2018/2/layout/IconVerticalSolidList"/>
+    <dgm:cxn modelId="{AEE597C0-694C-4EFB-A402-6F2781E8B67A}" type="presParOf" srcId="{D9CB6A9F-8F58-4739-BB9B-3AE32424D653}" destId="{A5EBF69B-F9DE-4562-8AA0-3CA7CA179336}" srcOrd="3" destOrd="0" presId="urn:microsoft.com/office/officeart/2018/2/layout/IconVerticalSolidList"/>
   </dgm:cxnLst>
   <dgm:bg/>
   <dgm:whole/>
@@ -3062,61 +2834,90 @@
       <dsp:cNvGrpSpPr/>
     </dsp:nvGrpSpPr>
     <dsp:grpSpPr/>
-    <dsp:sp modelId="{59A1C0CA-FF9B-924F-AFF0-871A72BD6AE0}">
+    <dsp:sp modelId="{6878FF3F-FE75-47A7-A709-7BC8CE063D01}">
       <dsp:nvSpPr>
         <dsp:cNvPr id="0" name=""/>
         <dsp:cNvSpPr/>
       </dsp:nvSpPr>
       <dsp:spPr>
         <a:xfrm>
-          <a:off x="0" y="451"/>
-          <a:ext cx="10394950" cy="0"/>
+          <a:off x="0" y="635119"/>
+          <a:ext cx="10793412" cy="1172527"/>
         </a:xfrm>
-        <a:prstGeom prst="line">
+        <a:prstGeom prst="roundRect">
+          <a:avLst>
+            <a:gd name="adj" fmla="val 10000"/>
+          </a:avLst>
+        </a:prstGeom>
+        <a:solidFill>
+          <a:schemeClr val="bg1">
+            <a:lumMod val="95000"/>
+            <a:hueOff val="0"/>
+            <a:satOff val="0"/>
+            <a:lumOff val="0"/>
+            <a:alphaOff val="0"/>
+          </a:schemeClr>
+        </a:solidFill>
+        <a:ln>
+          <a:noFill/>
+        </a:ln>
+        <a:effectLst/>
+      </dsp:spPr>
+      <dsp:style>
+        <a:lnRef idx="0">
+          <a:scrgbClr r="0" g="0" b="0"/>
+        </a:lnRef>
+        <a:fillRef idx="1">
+          <a:scrgbClr r="0" g="0" b="0"/>
+        </a:fillRef>
+        <a:effectRef idx="0">
+          <a:scrgbClr r="0" g="0" b="0"/>
+        </a:effectRef>
+        <a:fontRef idx="minor"/>
+      </dsp:style>
+    </dsp:sp>
+    <dsp:sp modelId="{349458BB-B180-4D82-A5AC-28A685E2658F}">
+      <dsp:nvSpPr>
+        <dsp:cNvPr id="0" name=""/>
+        <dsp:cNvSpPr/>
+      </dsp:nvSpPr>
+      <dsp:spPr>
+        <a:xfrm>
+          <a:off x="354689" y="898937"/>
+          <a:ext cx="644890" cy="644890"/>
+        </a:xfrm>
+        <a:prstGeom prst="rect">
           <a:avLst/>
         </a:prstGeom>
         <a:blipFill>
           <a:blip xmlns:r="http://schemas.openxmlformats.org/officeDocument/2006/relationships" r:embed="rId1">
-            <a:duotone>
-              <a:schemeClr val="accent5">
-                <a:hueOff val="0"/>
-                <a:satOff val="0"/>
-                <a:lumOff val="0"/>
-                <a:alphaOff val="0"/>
-                <a:shade val="88000"/>
-                <a:lumMod val="88000"/>
-              </a:schemeClr>
-              <a:schemeClr val="accent5">
-                <a:hueOff val="0"/>
-                <a:satOff val="0"/>
-                <a:lumOff val="0"/>
-                <a:alphaOff val="0"/>
-              </a:schemeClr>
-            </a:duotone>
+            <a:extLst>
+              <a:ext uri="{28A0092B-C50C-407E-A947-70E740481C1C}">
+                <a14:useLocalDpi xmlns:a14="http://schemas.microsoft.com/office/drawing/2010/main" val="0"/>
+              </a:ext>
+              <a:ext uri="{96DAC541-7B7A-43D3-8B79-37D633B846F1}">
+                <asvg:svgBlip xmlns:asvg="http://schemas.microsoft.com/office/drawing/2016/SVG/main" r:embed="rId2"/>
+              </a:ext>
+            </a:extLst>
           </a:blip>
-          <a:tile tx="0" ty="0" sx="100000" sy="100000" flip="none" algn="tl"/>
+          <a:stretch>
+            <a:fillRect/>
+          </a:stretch>
         </a:blipFill>
-        <a:ln w="9525" cap="flat" cmpd="sng" algn="ctr">
-          <a:solidFill>
-            <a:schemeClr val="accent5">
-              <a:hueOff val="0"/>
-              <a:satOff val="0"/>
-              <a:lumOff val="0"/>
-              <a:alphaOff val="0"/>
-            </a:schemeClr>
-          </a:solidFill>
+        <a:ln w="19050" cap="flat" cmpd="sng" algn="ctr">
+          <a:noFill/>
           <a:prstDash val="solid"/>
         </a:ln>
         <a:effectLst/>
       </dsp:spPr>
       <dsp:style>
-        <a:lnRef idx="1">
+        <a:lnRef idx="2">
           <a:scrgbClr r="0" g="0" b="0"/>
         </a:lnRef>
-        <a:fillRef idx="3">
+        <a:fillRef idx="1">
           <a:scrgbClr r="0" g="0" b="0"/>
         </a:fillRef>
-        <a:effectRef idx="2">
+        <a:effectRef idx="0">
           <a:scrgbClr r="0" g="0" b="0"/>
         </a:effectRef>
         <a:fontRef idx="minor">
@@ -3124,15 +2925,15 @@
         </a:fontRef>
       </dsp:style>
     </dsp:sp>
-    <dsp:sp modelId="{26DBDE83-1941-6A44-AD5D-E8CD5C7DB7C7}">
+    <dsp:sp modelId="{B9053332-044F-45AB-A6E3-408A2E6D5EED}">
       <dsp:nvSpPr>
         <dsp:cNvPr id="0" name=""/>
         <dsp:cNvSpPr/>
       </dsp:nvSpPr>
       <dsp:spPr>
         <a:xfrm>
-          <a:off x="0" y="451"/>
-          <a:ext cx="10394950" cy="410428"/>
+          <a:off x="1354269" y="635119"/>
+          <a:ext cx="9439143" cy="1172527"/>
         </a:xfrm>
         <a:prstGeom prst="rect">
           <a:avLst/>
@@ -3156,12 +2957,12 @@
         <a:fontRef idx="minor"/>
       </dsp:style>
       <dsp:txBody>
-        <a:bodyPr spcFirstLastPara="0" vert="horz" wrap="square" lIns="57150" tIns="57150" rIns="57150" bIns="57150" numCol="1" spcCol="1270" anchor="t" anchorCtr="0">
+        <a:bodyPr spcFirstLastPara="0" vert="horz" wrap="square" lIns="124092" tIns="124092" rIns="124092" bIns="124092" numCol="1" spcCol="1270" anchor="ctr" anchorCtr="0">
           <a:noAutofit/>
         </a:bodyPr>
         <a:lstStyle/>
         <a:p>
-          <a:pPr marL="0" lvl="0" indent="0" algn="l" defTabSz="666750">
+          <a:pPr marL="0" lvl="0" indent="0" algn="l" defTabSz="1111250">
             <a:lnSpc>
               <a:spcPct val="90000"/>
             </a:lnSpc>
@@ -3174,84 +2975,101 @@
             <a:buNone/>
           </a:pPr>
           <a:r>
-            <a:rPr lang="fr-FR" sz="1500" kern="1200" dirty="0"/>
-            <a:t>Classe Main -&gt;</a:t>
+            <a:rPr lang="fr-FR" sz="2500" kern="1200"/>
+            <a:t>présentation rapide de l’application avec diagramme de classe</a:t>
           </a:r>
-          <a:r>
-            <a:rPr lang="fr-FR" sz="1500" b="0" kern="1200" dirty="0">
-              <a:latin typeface="Big Caslon Medium" panose="02000603090000020003" pitchFamily="2" charset="-79"/>
-              <a:ea typeface="Apple Color Emoji" pitchFamily="2" charset="0"/>
-              <a:cs typeface="Big Caslon Medium" panose="02000603090000020003" pitchFamily="2" charset="-79"/>
-            </a:rPr>
-            <a:t>gère le lancement du jeux ou l’arrêt du programme</a:t>
-          </a:r>
-          <a:endParaRPr lang="en-US" sz="1500" b="0" kern="1200" dirty="0">
-            <a:latin typeface="Big Caslon Medium" panose="02000603090000020003" pitchFamily="2" charset="-79"/>
-            <a:ea typeface="Apple Color Emoji" pitchFamily="2" charset="0"/>
-            <a:cs typeface="Big Caslon Medium" panose="02000603090000020003" pitchFamily="2" charset="-79"/>
-          </a:endParaRPr>
+          <a:endParaRPr lang="en-US" sz="2500" kern="1200"/>
         </a:p>
       </dsp:txBody>
       <dsp:txXfrm>
-        <a:off x="0" y="451"/>
-        <a:ext cx="10394950" cy="410428"/>
+        <a:off x="1354269" y="635119"/>
+        <a:ext cx="9439143" cy="1172527"/>
       </dsp:txXfrm>
     </dsp:sp>
-    <dsp:sp modelId="{4E68A383-8863-8E41-B823-831E18D7C7FF}">
+    <dsp:sp modelId="{E83312BC-9EB8-4BE4-A43C-B8CCA981C26E}">
       <dsp:nvSpPr>
         <dsp:cNvPr id="0" name=""/>
         <dsp:cNvSpPr/>
       </dsp:nvSpPr>
       <dsp:spPr>
         <a:xfrm>
-          <a:off x="0" y="410879"/>
-          <a:ext cx="10394950" cy="0"/>
+          <a:off x="0" y="2100778"/>
+          <a:ext cx="10793412" cy="1172527"/>
         </a:xfrm>
-        <a:prstGeom prst="line">
+        <a:prstGeom prst="roundRect">
+          <a:avLst>
+            <a:gd name="adj" fmla="val 10000"/>
+          </a:avLst>
+        </a:prstGeom>
+        <a:solidFill>
+          <a:schemeClr val="bg1">
+            <a:lumMod val="95000"/>
+            <a:hueOff val="0"/>
+            <a:satOff val="0"/>
+            <a:lumOff val="0"/>
+            <a:alphaOff val="0"/>
+          </a:schemeClr>
+        </a:solidFill>
+        <a:ln>
+          <a:noFill/>
+        </a:ln>
+        <a:effectLst/>
+      </dsp:spPr>
+      <dsp:style>
+        <a:lnRef idx="0">
+          <a:scrgbClr r="0" g="0" b="0"/>
+        </a:lnRef>
+        <a:fillRef idx="1">
+          <a:scrgbClr r="0" g="0" b="0"/>
+        </a:fillRef>
+        <a:effectRef idx="0">
+          <a:scrgbClr r="0" g="0" b="0"/>
+        </a:effectRef>
+        <a:fontRef idx="minor"/>
+      </dsp:style>
+    </dsp:sp>
+    <dsp:sp modelId="{79E7664F-E53B-48DE-B2BD-F706B4296306}">
+      <dsp:nvSpPr>
+        <dsp:cNvPr id="0" name=""/>
+        <dsp:cNvSpPr/>
+      </dsp:nvSpPr>
+      <dsp:spPr>
+        <a:xfrm>
+          <a:off x="354689" y="2364597"/>
+          <a:ext cx="644890" cy="644890"/>
+        </a:xfrm>
+        <a:prstGeom prst="rect">
           <a:avLst/>
         </a:prstGeom>
         <a:blipFill>
-          <a:blip xmlns:r="http://schemas.openxmlformats.org/officeDocument/2006/relationships" r:embed="rId1">
-            <a:duotone>
-              <a:schemeClr val="accent5">
-                <a:hueOff val="0"/>
-                <a:satOff val="0"/>
-                <a:lumOff val="0"/>
-                <a:alphaOff val="0"/>
-                <a:shade val="88000"/>
-                <a:lumMod val="88000"/>
-              </a:schemeClr>
-              <a:schemeClr val="accent5">
-                <a:hueOff val="0"/>
-                <a:satOff val="0"/>
-                <a:lumOff val="0"/>
-                <a:alphaOff val="0"/>
-              </a:schemeClr>
-            </a:duotone>
+          <a:blip xmlns:r="http://schemas.openxmlformats.org/officeDocument/2006/relationships" r:embed="rId3">
+            <a:extLst>
+              <a:ext uri="{28A0092B-C50C-407E-A947-70E740481C1C}">
+                <a14:useLocalDpi xmlns:a14="http://schemas.microsoft.com/office/drawing/2010/main" val="0"/>
+              </a:ext>
+              <a:ext uri="{96DAC541-7B7A-43D3-8B79-37D633B846F1}">
+                <asvg:svgBlip xmlns:asvg="http://schemas.microsoft.com/office/drawing/2016/SVG/main" r:embed="rId4"/>
+              </a:ext>
+            </a:extLst>
           </a:blip>
-          <a:tile tx="0" ty="0" sx="100000" sy="100000" flip="none" algn="tl"/>
+          <a:stretch>
+            <a:fillRect/>
+          </a:stretch>
         </a:blipFill>
-        <a:ln w="9525" cap="flat" cmpd="sng" algn="ctr">
-          <a:solidFill>
-            <a:schemeClr val="accent5">
-              <a:hueOff val="0"/>
-              <a:satOff val="0"/>
-              <a:lumOff val="0"/>
-              <a:alphaOff val="0"/>
-            </a:schemeClr>
-          </a:solidFill>
+        <a:ln w="19050" cap="flat" cmpd="sng" algn="ctr">
+          <a:noFill/>
           <a:prstDash val="solid"/>
         </a:ln>
         <a:effectLst/>
       </dsp:spPr>
       <dsp:style>
-        <a:lnRef idx="1">
+        <a:lnRef idx="2">
           <a:scrgbClr r="0" g="0" b="0"/>
         </a:lnRef>
-        <a:fillRef idx="3">
+        <a:fillRef idx="1">
           <a:scrgbClr r="0" g="0" b="0"/>
         </a:fillRef>
-        <a:effectRef idx="2">
+        <a:effectRef idx="0">
           <a:scrgbClr r="0" g="0" b="0"/>
         </a:effectRef>
         <a:fontRef idx="minor">
@@ -3259,15 +3077,15 @@
         </a:fontRef>
       </dsp:style>
     </dsp:sp>
-    <dsp:sp modelId="{9E6ED8DD-CE26-DA46-8B60-7CEF2663A84D}">
+    <dsp:sp modelId="{A5EBF69B-F9DE-4562-8AA0-3CA7CA179336}">
       <dsp:nvSpPr>
         <dsp:cNvPr id="0" name=""/>
         <dsp:cNvSpPr/>
       </dsp:nvSpPr>
       <dsp:spPr>
         <a:xfrm>
-          <a:off x="0" y="410879"/>
-          <a:ext cx="10394950" cy="410428"/>
+          <a:off x="1354269" y="2100778"/>
+          <a:ext cx="9439143" cy="1172527"/>
         </a:xfrm>
         <a:prstGeom prst="rect">
           <a:avLst/>
@@ -3291,12 +3109,12 @@
         <a:fontRef idx="minor"/>
       </dsp:style>
       <dsp:txBody>
-        <a:bodyPr spcFirstLastPara="0" vert="horz" wrap="square" lIns="57150" tIns="57150" rIns="57150" bIns="57150" numCol="1" spcCol="1270" anchor="t" anchorCtr="0">
+        <a:bodyPr spcFirstLastPara="0" vert="horz" wrap="square" lIns="124092" tIns="124092" rIns="124092" bIns="124092" numCol="1" spcCol="1270" anchor="ctr" anchorCtr="0">
           <a:noAutofit/>
         </a:bodyPr>
         <a:lstStyle/>
         <a:p>
-          <a:pPr marL="0" lvl="0" indent="0" algn="l" defTabSz="666750">
+          <a:pPr marL="0" lvl="0" indent="0" algn="l" defTabSz="1111250">
             <a:lnSpc>
               <a:spcPct val="90000"/>
             </a:lnSpc>
@@ -3309,1019 +3127,15 @@
             <a:buNone/>
           </a:pPr>
           <a:r>
-            <a:rPr lang="fr-FR" sz="1500" kern="1200" dirty="0"/>
-            <a:t>Classe </a:t>
+            <a:rPr lang="fr-FR" sz="2500" kern="1200"/>
+            <a:t>Présentation détaillée du code et de celui-ci en fonctionnement</a:t>
           </a:r>
-          <a:r>
-            <a:rPr lang="fr-FR" sz="1500" kern="1200" dirty="0" err="1"/>
-            <a:t>game</a:t>
-          </a:r>
-          <a:r>
-            <a:rPr lang="fr-FR" sz="1500" kern="1200" dirty="0"/>
-            <a:t> -&gt;</a:t>
-          </a:r>
-          <a:r>
-            <a:rPr lang="fr-FR" sz="1500" b="0" kern="1200" dirty="0">
-              <a:latin typeface="Big Caslon Medium" panose="02000603090000020003" pitchFamily="2" charset="-79"/>
-              <a:ea typeface="Apple Color Emoji" pitchFamily="2" charset="0"/>
-              <a:cs typeface="Big Caslon Medium" panose="02000603090000020003" pitchFamily="2" charset="-79"/>
-            </a:rPr>
-            <a:t>gère le déroulement des différentes partie du jeux</a:t>
-          </a:r>
-          <a:endParaRPr lang="en-US" sz="1500" b="0" kern="1200" dirty="0">
-            <a:latin typeface="Big Caslon Medium" panose="02000603090000020003" pitchFamily="2" charset="-79"/>
-            <a:ea typeface="Apple Color Emoji" pitchFamily="2" charset="0"/>
-            <a:cs typeface="Big Caslon Medium" panose="02000603090000020003" pitchFamily="2" charset="-79"/>
-          </a:endParaRPr>
+          <a:endParaRPr lang="en-US" sz="2500" kern="1200"/>
         </a:p>
       </dsp:txBody>
       <dsp:txXfrm>
-        <a:off x="0" y="410879"/>
-        <a:ext cx="10394950" cy="410428"/>
-      </dsp:txXfrm>
-    </dsp:sp>
-    <dsp:sp modelId="{ABECBDD3-8071-8B44-A9EB-7DF3FC579042}">
-      <dsp:nvSpPr>
-        <dsp:cNvPr id="0" name=""/>
-        <dsp:cNvSpPr/>
-      </dsp:nvSpPr>
-      <dsp:spPr>
-        <a:xfrm>
-          <a:off x="0" y="821307"/>
-          <a:ext cx="10394950" cy="0"/>
-        </a:xfrm>
-        <a:prstGeom prst="line">
-          <a:avLst/>
-        </a:prstGeom>
-        <a:blipFill>
-          <a:blip xmlns:r="http://schemas.openxmlformats.org/officeDocument/2006/relationships" r:embed="rId1">
-            <a:duotone>
-              <a:schemeClr val="accent5">
-                <a:hueOff val="0"/>
-                <a:satOff val="0"/>
-                <a:lumOff val="0"/>
-                <a:alphaOff val="0"/>
-                <a:shade val="88000"/>
-                <a:lumMod val="88000"/>
-              </a:schemeClr>
-              <a:schemeClr val="accent5">
-                <a:hueOff val="0"/>
-                <a:satOff val="0"/>
-                <a:lumOff val="0"/>
-                <a:alphaOff val="0"/>
-              </a:schemeClr>
-            </a:duotone>
-          </a:blip>
-          <a:tile tx="0" ty="0" sx="100000" sy="100000" flip="none" algn="tl"/>
-        </a:blipFill>
-        <a:ln w="9525" cap="flat" cmpd="sng" algn="ctr">
-          <a:solidFill>
-            <a:schemeClr val="accent5">
-              <a:hueOff val="0"/>
-              <a:satOff val="0"/>
-              <a:lumOff val="0"/>
-              <a:alphaOff val="0"/>
-            </a:schemeClr>
-          </a:solidFill>
-          <a:prstDash val="solid"/>
-        </a:ln>
-        <a:effectLst/>
-      </dsp:spPr>
-      <dsp:style>
-        <a:lnRef idx="1">
-          <a:scrgbClr r="0" g="0" b="0"/>
-        </a:lnRef>
-        <a:fillRef idx="3">
-          <a:scrgbClr r="0" g="0" b="0"/>
-        </a:fillRef>
-        <a:effectRef idx="2">
-          <a:scrgbClr r="0" g="0" b="0"/>
-        </a:effectRef>
-        <a:fontRef idx="minor">
-          <a:schemeClr val="lt1"/>
-        </a:fontRef>
-      </dsp:style>
-    </dsp:sp>
-    <dsp:sp modelId="{D2BD02F3-8F45-9F49-B485-539BA1970143}">
-      <dsp:nvSpPr>
-        <dsp:cNvPr id="0" name=""/>
-        <dsp:cNvSpPr/>
-      </dsp:nvSpPr>
-      <dsp:spPr>
-        <a:xfrm>
-          <a:off x="0" y="821307"/>
-          <a:ext cx="10394950" cy="410428"/>
-        </a:xfrm>
-        <a:prstGeom prst="rect">
-          <a:avLst/>
-        </a:prstGeom>
-        <a:noFill/>
-        <a:ln>
-          <a:noFill/>
-        </a:ln>
-        <a:effectLst/>
-      </dsp:spPr>
-      <dsp:style>
-        <a:lnRef idx="0">
-          <a:scrgbClr r="0" g="0" b="0"/>
-        </a:lnRef>
-        <a:fillRef idx="0">
-          <a:scrgbClr r="0" g="0" b="0"/>
-        </a:fillRef>
-        <a:effectRef idx="0">
-          <a:scrgbClr r="0" g="0" b="0"/>
-        </a:effectRef>
-        <a:fontRef idx="minor"/>
-      </dsp:style>
-      <dsp:txBody>
-        <a:bodyPr spcFirstLastPara="0" vert="horz" wrap="square" lIns="57150" tIns="57150" rIns="57150" bIns="57150" numCol="1" spcCol="1270" anchor="t" anchorCtr="0">
-          <a:noAutofit/>
-        </a:bodyPr>
-        <a:lstStyle/>
-        <a:p>
-          <a:pPr marL="0" lvl="0" indent="0" algn="l" defTabSz="666750">
-            <a:lnSpc>
-              <a:spcPct val="90000"/>
-            </a:lnSpc>
-            <a:spcBef>
-              <a:spcPct val="0"/>
-            </a:spcBef>
-            <a:spcAft>
-              <a:spcPct val="35000"/>
-            </a:spcAft>
-            <a:buNone/>
-          </a:pPr>
-          <a:r>
-            <a:rPr lang="fr-FR" sz="1500" kern="1200" dirty="0"/>
-            <a:t>Classe </a:t>
-          </a:r>
-          <a:r>
-            <a:rPr lang="fr-FR" sz="1500" kern="1200" dirty="0" err="1"/>
-            <a:t>weapon</a:t>
-          </a:r>
-          <a:r>
-            <a:rPr lang="fr-FR" sz="1500" kern="1200" dirty="0"/>
-            <a:t> -&gt;</a:t>
-          </a:r>
-          <a:r>
-            <a:rPr lang="fr-FR" sz="1500" b="0" kern="1200" dirty="0">
-              <a:latin typeface="Big Caslon Medium" panose="02000603090000020003" pitchFamily="2" charset="-79"/>
-              <a:ea typeface="Apple Color Emoji" pitchFamily="2" charset="0"/>
-              <a:cs typeface="Big Caslon Medium" panose="02000603090000020003" pitchFamily="2" charset="-79"/>
-            </a:rPr>
-            <a:t>fournis aux classes qui en héritent un nom et une puissance d’arme.</a:t>
-          </a:r>
-          <a:endParaRPr lang="en-US" sz="1500" b="0" kern="1200" dirty="0">
-            <a:latin typeface="Big Caslon Medium" panose="02000603090000020003" pitchFamily="2" charset="-79"/>
-            <a:ea typeface="Apple Color Emoji" pitchFamily="2" charset="0"/>
-            <a:cs typeface="Big Caslon Medium" panose="02000603090000020003" pitchFamily="2" charset="-79"/>
-          </a:endParaRPr>
-        </a:p>
-      </dsp:txBody>
-      <dsp:txXfrm>
-        <a:off x="0" y="821307"/>
-        <a:ext cx="10394950" cy="410428"/>
-      </dsp:txXfrm>
-    </dsp:sp>
-    <dsp:sp modelId="{F8C67D8C-02F0-8048-97A7-740D15C3B34E}">
-      <dsp:nvSpPr>
-        <dsp:cNvPr id="0" name=""/>
-        <dsp:cNvSpPr/>
-      </dsp:nvSpPr>
-      <dsp:spPr>
-        <a:xfrm>
-          <a:off x="0" y="1231736"/>
-          <a:ext cx="10394950" cy="0"/>
-        </a:xfrm>
-        <a:prstGeom prst="line">
-          <a:avLst/>
-        </a:prstGeom>
-        <a:blipFill>
-          <a:blip xmlns:r="http://schemas.openxmlformats.org/officeDocument/2006/relationships" r:embed="rId1">
-            <a:duotone>
-              <a:schemeClr val="accent5">
-                <a:hueOff val="0"/>
-                <a:satOff val="0"/>
-                <a:lumOff val="0"/>
-                <a:alphaOff val="0"/>
-                <a:shade val="88000"/>
-                <a:lumMod val="88000"/>
-              </a:schemeClr>
-              <a:schemeClr val="accent5">
-                <a:hueOff val="0"/>
-                <a:satOff val="0"/>
-                <a:lumOff val="0"/>
-                <a:alphaOff val="0"/>
-              </a:schemeClr>
-            </a:duotone>
-          </a:blip>
-          <a:tile tx="0" ty="0" sx="100000" sy="100000" flip="none" algn="tl"/>
-        </a:blipFill>
-        <a:ln w="9525" cap="flat" cmpd="sng" algn="ctr">
-          <a:solidFill>
-            <a:schemeClr val="accent5">
-              <a:hueOff val="0"/>
-              <a:satOff val="0"/>
-              <a:lumOff val="0"/>
-              <a:alphaOff val="0"/>
-            </a:schemeClr>
-          </a:solidFill>
-          <a:prstDash val="solid"/>
-        </a:ln>
-        <a:effectLst/>
-      </dsp:spPr>
-      <dsp:style>
-        <a:lnRef idx="1">
-          <a:scrgbClr r="0" g="0" b="0"/>
-        </a:lnRef>
-        <a:fillRef idx="3">
-          <a:scrgbClr r="0" g="0" b="0"/>
-        </a:fillRef>
-        <a:effectRef idx="2">
-          <a:scrgbClr r="0" g="0" b="0"/>
-        </a:effectRef>
-        <a:fontRef idx="minor">
-          <a:schemeClr val="lt1"/>
-        </a:fontRef>
-      </dsp:style>
-    </dsp:sp>
-    <dsp:sp modelId="{0686BB03-DDC9-664F-9986-6085F1AF7907}">
-      <dsp:nvSpPr>
-        <dsp:cNvPr id="0" name=""/>
-        <dsp:cNvSpPr/>
-      </dsp:nvSpPr>
-      <dsp:spPr>
-        <a:xfrm>
-          <a:off x="0" y="1231736"/>
-          <a:ext cx="10394950" cy="410428"/>
-        </a:xfrm>
-        <a:prstGeom prst="rect">
-          <a:avLst/>
-        </a:prstGeom>
-        <a:noFill/>
-        <a:ln>
-          <a:noFill/>
-        </a:ln>
-        <a:effectLst/>
-      </dsp:spPr>
-      <dsp:style>
-        <a:lnRef idx="0">
-          <a:scrgbClr r="0" g="0" b="0"/>
-        </a:lnRef>
-        <a:fillRef idx="0">
-          <a:scrgbClr r="0" g="0" b="0"/>
-        </a:fillRef>
-        <a:effectRef idx="0">
-          <a:scrgbClr r="0" g="0" b="0"/>
-        </a:effectRef>
-        <a:fontRef idx="minor"/>
-      </dsp:style>
-      <dsp:txBody>
-        <a:bodyPr spcFirstLastPara="0" vert="horz" wrap="square" lIns="57150" tIns="57150" rIns="57150" bIns="57150" numCol="1" spcCol="1270" anchor="t" anchorCtr="0">
-          <a:noAutofit/>
-        </a:bodyPr>
-        <a:lstStyle/>
-        <a:p>
-          <a:pPr marL="0" lvl="0" indent="0" algn="l" defTabSz="666750">
-            <a:lnSpc>
-              <a:spcPct val="90000"/>
-            </a:lnSpc>
-            <a:spcBef>
-              <a:spcPct val="0"/>
-            </a:spcBef>
-            <a:spcAft>
-              <a:spcPct val="35000"/>
-            </a:spcAft>
-            <a:buNone/>
-          </a:pPr>
-          <a:r>
-            <a:rPr lang="fr-FR" sz="1500" kern="1200" dirty="0"/>
-            <a:t>Classe </a:t>
-          </a:r>
-          <a:r>
-            <a:rPr lang="fr-FR" sz="1500" kern="1200" dirty="0" err="1"/>
-            <a:t>character</a:t>
-          </a:r>
-          <a:r>
-            <a:rPr lang="fr-FR" sz="1500" kern="1200" dirty="0"/>
-            <a:t> -&gt; </a:t>
-          </a:r>
-          <a:r>
-            <a:rPr lang="fr-FR" sz="1500" b="0" kern="1200" dirty="0">
-              <a:latin typeface="Big Caslon Medium" panose="02000603090000020003" pitchFamily="2" charset="-79"/>
-              <a:ea typeface="Apple Color Emoji" pitchFamily="2" charset="0"/>
-              <a:cs typeface="Big Caslon Medium" panose="02000603090000020003" pitchFamily="2" charset="-79"/>
-            </a:rPr>
-            <a:t>fournis les caractéristiques du personnage(nom, point de vie, point de capacité de soins ainsi qu’une arme.</a:t>
-          </a:r>
-          <a:endParaRPr lang="en-US" sz="1500" b="0" kern="1200" dirty="0">
-            <a:latin typeface="Big Caslon Medium" panose="02000603090000020003" pitchFamily="2" charset="-79"/>
-            <a:ea typeface="Apple Color Emoji" pitchFamily="2" charset="0"/>
-            <a:cs typeface="Big Caslon Medium" panose="02000603090000020003" pitchFamily="2" charset="-79"/>
-          </a:endParaRPr>
-        </a:p>
-      </dsp:txBody>
-      <dsp:txXfrm>
-        <a:off x="0" y="1231736"/>
-        <a:ext cx="10394950" cy="410428"/>
-      </dsp:txXfrm>
-    </dsp:sp>
-    <dsp:sp modelId="{9485BB66-F44E-B947-8472-EC28FAE09D4D}">
-      <dsp:nvSpPr>
-        <dsp:cNvPr id="0" name=""/>
-        <dsp:cNvSpPr/>
-      </dsp:nvSpPr>
-      <dsp:spPr>
-        <a:xfrm>
-          <a:off x="0" y="1642164"/>
-          <a:ext cx="10394950" cy="0"/>
-        </a:xfrm>
-        <a:prstGeom prst="line">
-          <a:avLst/>
-        </a:prstGeom>
-        <a:blipFill>
-          <a:blip xmlns:r="http://schemas.openxmlformats.org/officeDocument/2006/relationships" r:embed="rId1">
-            <a:duotone>
-              <a:schemeClr val="accent5">
-                <a:hueOff val="0"/>
-                <a:satOff val="0"/>
-                <a:lumOff val="0"/>
-                <a:alphaOff val="0"/>
-                <a:shade val="88000"/>
-                <a:lumMod val="88000"/>
-              </a:schemeClr>
-              <a:schemeClr val="accent5">
-                <a:hueOff val="0"/>
-                <a:satOff val="0"/>
-                <a:lumOff val="0"/>
-                <a:alphaOff val="0"/>
-              </a:schemeClr>
-            </a:duotone>
-          </a:blip>
-          <a:tile tx="0" ty="0" sx="100000" sy="100000" flip="none" algn="tl"/>
-        </a:blipFill>
-        <a:ln w="9525" cap="flat" cmpd="sng" algn="ctr">
-          <a:solidFill>
-            <a:schemeClr val="accent5">
-              <a:hueOff val="0"/>
-              <a:satOff val="0"/>
-              <a:lumOff val="0"/>
-              <a:alphaOff val="0"/>
-            </a:schemeClr>
-          </a:solidFill>
-          <a:prstDash val="solid"/>
-        </a:ln>
-        <a:effectLst/>
-      </dsp:spPr>
-      <dsp:style>
-        <a:lnRef idx="1">
-          <a:scrgbClr r="0" g="0" b="0"/>
-        </a:lnRef>
-        <a:fillRef idx="3">
-          <a:scrgbClr r="0" g="0" b="0"/>
-        </a:fillRef>
-        <a:effectRef idx="2">
-          <a:scrgbClr r="0" g="0" b="0"/>
-        </a:effectRef>
-        <a:fontRef idx="minor">
-          <a:schemeClr val="lt1"/>
-        </a:fontRef>
-      </dsp:style>
-    </dsp:sp>
-    <dsp:sp modelId="{582468B1-4684-B84D-A17E-752069012236}">
-      <dsp:nvSpPr>
-        <dsp:cNvPr id="0" name=""/>
-        <dsp:cNvSpPr/>
-      </dsp:nvSpPr>
-      <dsp:spPr>
-        <a:xfrm>
-          <a:off x="0" y="1642164"/>
-          <a:ext cx="10394950" cy="410428"/>
-        </a:xfrm>
-        <a:prstGeom prst="rect">
-          <a:avLst/>
-        </a:prstGeom>
-        <a:noFill/>
-        <a:ln>
-          <a:noFill/>
-        </a:ln>
-        <a:effectLst/>
-      </dsp:spPr>
-      <dsp:style>
-        <a:lnRef idx="0">
-          <a:scrgbClr r="0" g="0" b="0"/>
-        </a:lnRef>
-        <a:fillRef idx="0">
-          <a:scrgbClr r="0" g="0" b="0"/>
-        </a:fillRef>
-        <a:effectRef idx="0">
-          <a:scrgbClr r="0" g="0" b="0"/>
-        </a:effectRef>
-        <a:fontRef idx="minor"/>
-      </dsp:style>
-      <dsp:txBody>
-        <a:bodyPr spcFirstLastPara="0" vert="horz" wrap="square" lIns="57150" tIns="57150" rIns="57150" bIns="57150" numCol="1" spcCol="1270" anchor="t" anchorCtr="0">
-          <a:noAutofit/>
-        </a:bodyPr>
-        <a:lstStyle/>
-        <a:p>
-          <a:pPr marL="0" lvl="0" indent="0" algn="l" defTabSz="666750">
-            <a:lnSpc>
-              <a:spcPct val="90000"/>
-            </a:lnSpc>
-            <a:spcBef>
-              <a:spcPct val="0"/>
-            </a:spcBef>
-            <a:spcAft>
-              <a:spcPct val="35000"/>
-            </a:spcAft>
-            <a:buNone/>
-          </a:pPr>
-          <a:r>
-            <a:rPr lang="fr-FR" sz="1500" kern="1200" dirty="0"/>
-            <a:t>Classe </a:t>
-          </a:r>
-          <a:r>
-            <a:rPr lang="fr-FR" sz="1500" kern="1200" dirty="0" err="1"/>
-            <a:t>player</a:t>
-          </a:r>
-          <a:r>
-            <a:rPr lang="fr-FR" sz="1500" kern="1200" dirty="0"/>
-            <a:t> -&gt; </a:t>
-          </a:r>
-          <a:r>
-            <a:rPr lang="fr-FR" sz="1500" b="0" kern="1200" dirty="0">
-              <a:latin typeface="Big Caslon Medium" panose="02000603090000020003" pitchFamily="2" charset="-79"/>
-              <a:ea typeface="Apple Color Emoji" pitchFamily="2" charset="0"/>
-              <a:cs typeface="Big Caslon Medium" panose="02000603090000020003" pitchFamily="2" charset="-79"/>
-            </a:rPr>
-            <a:t>Gère le nombre de personnage dans une équipe ainsi que les actions qu’ils vont effectuer( Attaque, ou soigner)</a:t>
-          </a:r>
-        </a:p>
-      </dsp:txBody>
-      <dsp:txXfrm>
-        <a:off x="0" y="1642164"/>
-        <a:ext cx="10394950" cy="410428"/>
-      </dsp:txXfrm>
-    </dsp:sp>
-    <dsp:sp modelId="{8A5D60A4-85B5-3143-859C-8477B1CA8BB1}">
-      <dsp:nvSpPr>
-        <dsp:cNvPr id="0" name=""/>
-        <dsp:cNvSpPr/>
-      </dsp:nvSpPr>
-      <dsp:spPr>
-        <a:xfrm>
-          <a:off x="0" y="2052592"/>
-          <a:ext cx="10394950" cy="0"/>
-        </a:xfrm>
-        <a:prstGeom prst="line">
-          <a:avLst/>
-        </a:prstGeom>
-        <a:blipFill>
-          <a:blip xmlns:r="http://schemas.openxmlformats.org/officeDocument/2006/relationships" r:embed="rId1">
-            <a:duotone>
-              <a:schemeClr val="accent5">
-                <a:hueOff val="0"/>
-                <a:satOff val="0"/>
-                <a:lumOff val="0"/>
-                <a:alphaOff val="0"/>
-                <a:shade val="88000"/>
-                <a:lumMod val="88000"/>
-              </a:schemeClr>
-              <a:schemeClr val="accent5">
-                <a:hueOff val="0"/>
-                <a:satOff val="0"/>
-                <a:lumOff val="0"/>
-                <a:alphaOff val="0"/>
-              </a:schemeClr>
-            </a:duotone>
-          </a:blip>
-          <a:tile tx="0" ty="0" sx="100000" sy="100000" flip="none" algn="tl"/>
-        </a:blipFill>
-        <a:ln w="9525" cap="flat" cmpd="sng" algn="ctr">
-          <a:solidFill>
-            <a:schemeClr val="accent5">
-              <a:hueOff val="0"/>
-              <a:satOff val="0"/>
-              <a:lumOff val="0"/>
-              <a:alphaOff val="0"/>
-            </a:schemeClr>
-          </a:solidFill>
-          <a:prstDash val="solid"/>
-        </a:ln>
-        <a:effectLst/>
-      </dsp:spPr>
-      <dsp:style>
-        <a:lnRef idx="1">
-          <a:scrgbClr r="0" g="0" b="0"/>
-        </a:lnRef>
-        <a:fillRef idx="3">
-          <a:scrgbClr r="0" g="0" b="0"/>
-        </a:fillRef>
-        <a:effectRef idx="2">
-          <a:scrgbClr r="0" g="0" b="0"/>
-        </a:effectRef>
-        <a:fontRef idx="minor">
-          <a:schemeClr val="lt1"/>
-        </a:fontRef>
-      </dsp:style>
-    </dsp:sp>
-    <dsp:sp modelId="{BB3F5A56-733E-6E45-B661-8557C4DC9460}">
-      <dsp:nvSpPr>
-        <dsp:cNvPr id="0" name=""/>
-        <dsp:cNvSpPr/>
-      </dsp:nvSpPr>
-      <dsp:spPr>
-        <a:xfrm>
-          <a:off x="0" y="2052592"/>
-          <a:ext cx="10394950" cy="410428"/>
-        </a:xfrm>
-        <a:prstGeom prst="rect">
-          <a:avLst/>
-        </a:prstGeom>
-        <a:noFill/>
-        <a:ln>
-          <a:noFill/>
-        </a:ln>
-        <a:effectLst/>
-      </dsp:spPr>
-      <dsp:style>
-        <a:lnRef idx="0">
-          <a:scrgbClr r="0" g="0" b="0"/>
-        </a:lnRef>
-        <a:fillRef idx="0">
-          <a:scrgbClr r="0" g="0" b="0"/>
-        </a:fillRef>
-        <a:effectRef idx="0">
-          <a:scrgbClr r="0" g="0" b="0"/>
-        </a:effectRef>
-        <a:fontRef idx="minor"/>
-      </dsp:style>
-      <dsp:txBody>
-        <a:bodyPr spcFirstLastPara="0" vert="horz" wrap="square" lIns="57150" tIns="57150" rIns="57150" bIns="57150" numCol="1" spcCol="1270" anchor="t" anchorCtr="0">
-          <a:noAutofit/>
-        </a:bodyPr>
-        <a:lstStyle/>
-        <a:p>
-          <a:pPr marL="0" lvl="0" indent="0" algn="l" defTabSz="666750">
-            <a:lnSpc>
-              <a:spcPct val="90000"/>
-            </a:lnSpc>
-            <a:spcBef>
-              <a:spcPct val="0"/>
-            </a:spcBef>
-            <a:spcAft>
-              <a:spcPct val="35000"/>
-            </a:spcAft>
-            <a:buNone/>
-          </a:pPr>
-          <a:r>
-            <a:rPr lang="fr-FR" sz="1500" kern="1200" dirty="0">
-              <a:latin typeface="Impact" panose="020B0806030902050204"/>
-              <a:ea typeface="+mn-ea"/>
-              <a:cs typeface="+mn-cs"/>
-            </a:rPr>
-            <a:t>Classe bonus -&gt; </a:t>
-          </a:r>
-          <a:r>
-            <a:rPr lang="fr-FR" sz="1500" b="0" kern="1200" dirty="0">
-              <a:latin typeface="Big Caslon Medium" panose="02000603090000020003" pitchFamily="2" charset="-79"/>
-              <a:ea typeface="Apple Color Emoji" pitchFamily="2" charset="0"/>
-              <a:cs typeface="Big Caslon Medium" panose="02000603090000020003" pitchFamily="2" charset="-79"/>
-            </a:rPr>
-            <a:t>Fournis de manière aléatoire un bonus sur le tour en cours, le joueur peut l’utiliser ou non.</a:t>
-          </a:r>
-          <a:endParaRPr lang="fr-FR" sz="1500" kern="1200" dirty="0"/>
-        </a:p>
-      </dsp:txBody>
-      <dsp:txXfrm>
-        <a:off x="0" y="2052592"/>
-        <a:ext cx="10394950" cy="410428"/>
-      </dsp:txXfrm>
-    </dsp:sp>
-    <dsp:sp modelId="{10A589D3-CC0F-684B-9C3C-A92907151CBA}">
-      <dsp:nvSpPr>
-        <dsp:cNvPr id="0" name=""/>
-        <dsp:cNvSpPr/>
-      </dsp:nvSpPr>
-      <dsp:spPr>
-        <a:xfrm>
-          <a:off x="0" y="2463020"/>
-          <a:ext cx="10394950" cy="0"/>
-        </a:xfrm>
-        <a:prstGeom prst="line">
-          <a:avLst/>
-        </a:prstGeom>
-        <a:blipFill>
-          <a:blip xmlns:r="http://schemas.openxmlformats.org/officeDocument/2006/relationships" r:embed="rId1">
-            <a:duotone>
-              <a:schemeClr val="accent5">
-                <a:hueOff val="0"/>
-                <a:satOff val="0"/>
-                <a:lumOff val="0"/>
-                <a:alphaOff val="0"/>
-                <a:shade val="88000"/>
-                <a:lumMod val="88000"/>
-              </a:schemeClr>
-              <a:schemeClr val="accent5">
-                <a:hueOff val="0"/>
-                <a:satOff val="0"/>
-                <a:lumOff val="0"/>
-                <a:alphaOff val="0"/>
-              </a:schemeClr>
-            </a:duotone>
-          </a:blip>
-          <a:tile tx="0" ty="0" sx="100000" sy="100000" flip="none" algn="tl"/>
-        </a:blipFill>
-        <a:ln w="9525" cap="flat" cmpd="sng" algn="ctr">
-          <a:solidFill>
-            <a:schemeClr val="accent5">
-              <a:hueOff val="0"/>
-              <a:satOff val="0"/>
-              <a:lumOff val="0"/>
-              <a:alphaOff val="0"/>
-            </a:schemeClr>
-          </a:solidFill>
-          <a:prstDash val="solid"/>
-        </a:ln>
-        <a:effectLst/>
-      </dsp:spPr>
-      <dsp:style>
-        <a:lnRef idx="1">
-          <a:scrgbClr r="0" g="0" b="0"/>
-        </a:lnRef>
-        <a:fillRef idx="3">
-          <a:scrgbClr r="0" g="0" b="0"/>
-        </a:fillRef>
-        <a:effectRef idx="2">
-          <a:scrgbClr r="0" g="0" b="0"/>
-        </a:effectRef>
-        <a:fontRef idx="minor">
-          <a:schemeClr val="lt1"/>
-        </a:fontRef>
-      </dsp:style>
-    </dsp:sp>
-    <dsp:sp modelId="{FFE741C0-3D02-DB47-91E3-8FADDA7D2F3A}">
-      <dsp:nvSpPr>
-        <dsp:cNvPr id="0" name=""/>
-        <dsp:cNvSpPr/>
-      </dsp:nvSpPr>
-      <dsp:spPr>
-        <a:xfrm>
-          <a:off x="0" y="2463020"/>
-          <a:ext cx="10394950" cy="410428"/>
-        </a:xfrm>
-        <a:prstGeom prst="rect">
-          <a:avLst/>
-        </a:prstGeom>
-        <a:noFill/>
-        <a:ln>
-          <a:noFill/>
-        </a:ln>
-        <a:effectLst/>
-      </dsp:spPr>
-      <dsp:style>
-        <a:lnRef idx="0">
-          <a:scrgbClr r="0" g="0" b="0"/>
-        </a:lnRef>
-        <a:fillRef idx="0">
-          <a:scrgbClr r="0" g="0" b="0"/>
-        </a:fillRef>
-        <a:effectRef idx="0">
-          <a:scrgbClr r="0" g="0" b="0"/>
-        </a:effectRef>
-        <a:fontRef idx="minor"/>
-      </dsp:style>
-      <dsp:txBody>
-        <a:bodyPr spcFirstLastPara="0" vert="horz" wrap="square" lIns="57150" tIns="57150" rIns="57150" bIns="57150" numCol="1" spcCol="1270" anchor="t" anchorCtr="0">
-          <a:noAutofit/>
-        </a:bodyPr>
-        <a:lstStyle/>
-        <a:p>
-          <a:pPr marL="0" lvl="0" indent="0" algn="l" defTabSz="666750">
-            <a:lnSpc>
-              <a:spcPct val="90000"/>
-            </a:lnSpc>
-            <a:spcBef>
-              <a:spcPct val="0"/>
-            </a:spcBef>
-            <a:spcAft>
-              <a:spcPct val="35000"/>
-            </a:spcAft>
-            <a:buNone/>
-          </a:pPr>
-          <a:r>
-            <a:rPr lang="fr-FR" sz="1500" kern="1200" dirty="0"/>
-            <a:t>Classe </a:t>
-          </a:r>
-          <a:r>
-            <a:rPr lang="fr-FR" sz="1500" kern="1200" dirty="0" err="1"/>
-            <a:t>InputReadLine</a:t>
-          </a:r>
-          <a:r>
-            <a:rPr lang="fr-FR" sz="1500" kern="1200" dirty="0"/>
-            <a:t> -&gt; </a:t>
-          </a:r>
-          <a:r>
-            <a:rPr lang="fr-FR" sz="1500" b="0" kern="1200" dirty="0">
-              <a:latin typeface="Big Caslon Medium" panose="02000603090000020003" pitchFamily="2" charset="-79"/>
-              <a:ea typeface="Apple Color Emoji" pitchFamily="2" charset="0"/>
-              <a:cs typeface="Big Caslon Medium" panose="02000603090000020003" pitchFamily="2" charset="-79"/>
-            </a:rPr>
-            <a:t>Récupère les réponses de l’utilisateur</a:t>
-          </a:r>
-          <a:endParaRPr lang="fr-FR" sz="1500" kern="1200" dirty="0"/>
-        </a:p>
-      </dsp:txBody>
-      <dsp:txXfrm>
-        <a:off x="0" y="2463020"/>
-        <a:ext cx="10394950" cy="410428"/>
-      </dsp:txXfrm>
-    </dsp:sp>
-    <dsp:sp modelId="{81C2A68E-602B-3441-A9FF-25938C44CE9C}">
-      <dsp:nvSpPr>
-        <dsp:cNvPr id="0" name=""/>
-        <dsp:cNvSpPr/>
-      </dsp:nvSpPr>
-      <dsp:spPr>
-        <a:xfrm>
-          <a:off x="0" y="2873449"/>
-          <a:ext cx="10394950" cy="0"/>
-        </a:xfrm>
-        <a:prstGeom prst="line">
-          <a:avLst/>
-        </a:prstGeom>
-        <a:blipFill>
-          <a:blip xmlns:r="http://schemas.openxmlformats.org/officeDocument/2006/relationships" r:embed="rId1">
-            <a:duotone>
-              <a:schemeClr val="accent5">
-                <a:hueOff val="0"/>
-                <a:satOff val="0"/>
-                <a:lumOff val="0"/>
-                <a:alphaOff val="0"/>
-                <a:shade val="88000"/>
-                <a:lumMod val="88000"/>
-              </a:schemeClr>
-              <a:schemeClr val="accent5">
-                <a:hueOff val="0"/>
-                <a:satOff val="0"/>
-                <a:lumOff val="0"/>
-                <a:alphaOff val="0"/>
-              </a:schemeClr>
-            </a:duotone>
-          </a:blip>
-          <a:tile tx="0" ty="0" sx="100000" sy="100000" flip="none" algn="tl"/>
-        </a:blipFill>
-        <a:ln w="9525" cap="flat" cmpd="sng" algn="ctr">
-          <a:solidFill>
-            <a:schemeClr val="accent5">
-              <a:hueOff val="0"/>
-              <a:satOff val="0"/>
-              <a:lumOff val="0"/>
-              <a:alphaOff val="0"/>
-            </a:schemeClr>
-          </a:solidFill>
-          <a:prstDash val="solid"/>
-        </a:ln>
-        <a:effectLst/>
-      </dsp:spPr>
-      <dsp:style>
-        <a:lnRef idx="1">
-          <a:scrgbClr r="0" g="0" b="0"/>
-        </a:lnRef>
-        <a:fillRef idx="3">
-          <a:scrgbClr r="0" g="0" b="0"/>
-        </a:fillRef>
-        <a:effectRef idx="2">
-          <a:scrgbClr r="0" g="0" b="0"/>
-        </a:effectRef>
-        <a:fontRef idx="minor">
-          <a:schemeClr val="lt1"/>
-        </a:fontRef>
-      </dsp:style>
-    </dsp:sp>
-    <dsp:sp modelId="{9E47A910-9B07-C64C-95E4-729B89F74207}">
-      <dsp:nvSpPr>
-        <dsp:cNvPr id="0" name=""/>
-        <dsp:cNvSpPr/>
-      </dsp:nvSpPr>
-      <dsp:spPr>
-        <a:xfrm>
-          <a:off x="0" y="2873449"/>
-          <a:ext cx="10394950" cy="410428"/>
-        </a:xfrm>
-        <a:prstGeom prst="rect">
-          <a:avLst/>
-        </a:prstGeom>
-        <a:noFill/>
-        <a:ln>
-          <a:noFill/>
-        </a:ln>
-        <a:effectLst/>
-      </dsp:spPr>
-      <dsp:style>
-        <a:lnRef idx="0">
-          <a:scrgbClr r="0" g="0" b="0"/>
-        </a:lnRef>
-        <a:fillRef idx="0">
-          <a:scrgbClr r="0" g="0" b="0"/>
-        </a:fillRef>
-        <a:effectRef idx="0">
-          <a:scrgbClr r="0" g="0" b="0"/>
-        </a:effectRef>
-        <a:fontRef idx="minor"/>
-      </dsp:style>
-      <dsp:txBody>
-        <a:bodyPr spcFirstLastPara="0" vert="horz" wrap="square" lIns="57150" tIns="57150" rIns="57150" bIns="57150" numCol="1" spcCol="1270" anchor="t" anchorCtr="0">
-          <a:noAutofit/>
-        </a:bodyPr>
-        <a:lstStyle/>
-        <a:p>
-          <a:pPr marL="0" lvl="0" indent="0" algn="l" defTabSz="666750">
-            <a:lnSpc>
-              <a:spcPct val="90000"/>
-            </a:lnSpc>
-            <a:spcBef>
-              <a:spcPct val="0"/>
-            </a:spcBef>
-            <a:spcAft>
-              <a:spcPct val="35000"/>
-            </a:spcAft>
-            <a:buNone/>
-          </a:pPr>
-          <a:r>
-            <a:rPr lang="fr-FR" sz="1500" kern="1200" dirty="0" err="1"/>
-            <a:t>Enum</a:t>
-          </a:r>
-          <a:r>
-            <a:rPr lang="fr-FR" sz="1500" kern="1200" dirty="0"/>
-            <a:t> </a:t>
-          </a:r>
-          <a:r>
-            <a:rPr lang="fr-FR" sz="1500" kern="1200" dirty="0" err="1"/>
-            <a:t>ActionEnum</a:t>
-          </a:r>
-          <a:r>
-            <a:rPr lang="fr-FR" sz="1500" kern="1200" dirty="0"/>
-            <a:t> -&gt; </a:t>
-          </a:r>
-          <a:r>
-            <a:rPr lang="fr-FR" sz="1500" b="0" kern="1200" dirty="0">
-              <a:latin typeface="Big Caslon Medium" panose="02000603090000020003" pitchFamily="2" charset="-79"/>
-              <a:ea typeface="Apple Color Emoji" pitchFamily="2" charset="0"/>
-              <a:cs typeface="Big Caslon Medium" panose="02000603090000020003" pitchFamily="2" charset="-79"/>
-            </a:rPr>
-            <a:t>Enumère les actions possibles pour les personnages (attaquer ou soigner)</a:t>
-          </a:r>
-          <a:endParaRPr lang="fr-FR" sz="1500" kern="1200" dirty="0"/>
-        </a:p>
-      </dsp:txBody>
-      <dsp:txXfrm>
-        <a:off x="0" y="2873449"/>
-        <a:ext cx="10394950" cy="410428"/>
-      </dsp:txXfrm>
-    </dsp:sp>
-    <dsp:sp modelId="{573F15C0-B0A8-2B48-A282-CBD3D4D48582}">
-      <dsp:nvSpPr>
-        <dsp:cNvPr id="0" name=""/>
-        <dsp:cNvSpPr/>
-      </dsp:nvSpPr>
-      <dsp:spPr>
-        <a:xfrm>
-          <a:off x="0" y="3283877"/>
-          <a:ext cx="10394950" cy="0"/>
-        </a:xfrm>
-        <a:prstGeom prst="line">
-          <a:avLst/>
-        </a:prstGeom>
-        <a:blipFill>
-          <a:blip xmlns:r="http://schemas.openxmlformats.org/officeDocument/2006/relationships" r:embed="rId1">
-            <a:duotone>
-              <a:schemeClr val="accent5">
-                <a:hueOff val="0"/>
-                <a:satOff val="0"/>
-                <a:lumOff val="0"/>
-                <a:alphaOff val="0"/>
-                <a:shade val="88000"/>
-                <a:lumMod val="88000"/>
-              </a:schemeClr>
-              <a:schemeClr val="accent5">
-                <a:hueOff val="0"/>
-                <a:satOff val="0"/>
-                <a:lumOff val="0"/>
-                <a:alphaOff val="0"/>
-              </a:schemeClr>
-            </a:duotone>
-          </a:blip>
-          <a:tile tx="0" ty="0" sx="100000" sy="100000" flip="none" algn="tl"/>
-        </a:blipFill>
-        <a:ln w="9525" cap="flat" cmpd="sng" algn="ctr">
-          <a:solidFill>
-            <a:schemeClr val="accent5">
-              <a:hueOff val="0"/>
-              <a:satOff val="0"/>
-              <a:lumOff val="0"/>
-              <a:alphaOff val="0"/>
-            </a:schemeClr>
-          </a:solidFill>
-          <a:prstDash val="solid"/>
-        </a:ln>
-        <a:effectLst/>
-      </dsp:spPr>
-      <dsp:style>
-        <a:lnRef idx="1">
-          <a:scrgbClr r="0" g="0" b="0"/>
-        </a:lnRef>
-        <a:fillRef idx="3">
-          <a:scrgbClr r="0" g="0" b="0"/>
-        </a:fillRef>
-        <a:effectRef idx="2">
-          <a:scrgbClr r="0" g="0" b="0"/>
-        </a:effectRef>
-        <a:fontRef idx="minor">
-          <a:schemeClr val="lt1"/>
-        </a:fontRef>
-      </dsp:style>
-    </dsp:sp>
-    <dsp:sp modelId="{D9E77A5A-5790-7341-8892-6BF88E993082}">
-      <dsp:nvSpPr>
-        <dsp:cNvPr id="0" name=""/>
-        <dsp:cNvSpPr/>
-      </dsp:nvSpPr>
-      <dsp:spPr>
-        <a:xfrm>
-          <a:off x="0" y="3283877"/>
-          <a:ext cx="10394950" cy="410428"/>
-        </a:xfrm>
-        <a:prstGeom prst="rect">
-          <a:avLst/>
-        </a:prstGeom>
-        <a:noFill/>
-        <a:ln>
-          <a:noFill/>
-        </a:ln>
-        <a:effectLst/>
-      </dsp:spPr>
-      <dsp:style>
-        <a:lnRef idx="0">
-          <a:scrgbClr r="0" g="0" b="0"/>
-        </a:lnRef>
-        <a:fillRef idx="0">
-          <a:scrgbClr r="0" g="0" b="0"/>
-        </a:fillRef>
-        <a:effectRef idx="0">
-          <a:scrgbClr r="0" g="0" b="0"/>
-        </a:effectRef>
-        <a:fontRef idx="minor"/>
-      </dsp:style>
-      <dsp:txBody>
-        <a:bodyPr spcFirstLastPara="0" vert="horz" wrap="square" lIns="57150" tIns="57150" rIns="57150" bIns="57150" numCol="1" spcCol="1270" anchor="t" anchorCtr="0">
-          <a:noAutofit/>
-        </a:bodyPr>
-        <a:lstStyle/>
-        <a:p>
-          <a:pPr marL="0" lvl="0" indent="0" algn="l" defTabSz="666750">
-            <a:lnSpc>
-              <a:spcPct val="90000"/>
-            </a:lnSpc>
-            <a:spcBef>
-              <a:spcPct val="0"/>
-            </a:spcBef>
-            <a:spcAft>
-              <a:spcPct val="35000"/>
-            </a:spcAft>
-            <a:buNone/>
-          </a:pPr>
-          <a:r>
-            <a:rPr lang="fr-FR" sz="1500" kern="1200" dirty="0" err="1"/>
-            <a:t>Enum</a:t>
-          </a:r>
-          <a:r>
-            <a:rPr lang="fr-FR" sz="1500" kern="1200" dirty="0"/>
-            <a:t> </a:t>
-          </a:r>
-          <a:r>
-            <a:rPr lang="fr-FR" sz="1500" kern="1200" dirty="0" err="1"/>
-            <a:t>ActionType</a:t>
-          </a:r>
-          <a:r>
-            <a:rPr lang="fr-FR" sz="1500" kern="1200" dirty="0"/>
-            <a:t> -&gt; </a:t>
-          </a:r>
-          <a:r>
-            <a:rPr lang="fr-FR" sz="1500" b="0" kern="1200" dirty="0">
-              <a:latin typeface="Big Caslon Medium" panose="02000603090000020003" pitchFamily="2" charset="-79"/>
-              <a:ea typeface="Apple Color Emoji" pitchFamily="2" charset="0"/>
-              <a:cs typeface="Big Caslon Medium" panose="02000603090000020003" pitchFamily="2" charset="-79"/>
-            </a:rPr>
-            <a:t>Enumère le rôle du personnage (il est attaquant, soignant, soigné ou il reçoit l’attaque)</a:t>
-          </a:r>
-          <a:endParaRPr lang="fr-FR" sz="1500" kern="1200" dirty="0"/>
-        </a:p>
-      </dsp:txBody>
-      <dsp:txXfrm>
-        <a:off x="0" y="3283877"/>
-        <a:ext cx="10394950" cy="410428"/>
+        <a:off x="1354269" y="2100778"/>
+        <a:ext cx="9439143" cy="1172527"/>
       </dsp:txXfrm>
     </dsp:sp>
   </dsp:spTree>
@@ -4329,94 +3143,40 @@
 </file>
 
 <file path=ppt/diagrams/layout1.xml><?xml version="1.0" encoding="utf-8"?>
-<dgm:layoutDef xmlns:dgm="http://schemas.openxmlformats.org/drawingml/2006/diagram" xmlns:a="http://schemas.openxmlformats.org/drawingml/2006/main" uniqueId="urn:microsoft.com/office/officeart/2008/layout/LinedList">
-  <dgm:title val=""/>
-  <dgm:desc val=""/>
+<dgm:layoutDef xmlns:dgm="http://schemas.openxmlformats.org/drawingml/2006/diagram" xmlns:a="http://schemas.openxmlformats.org/drawingml/2006/main" uniqueId="urn:microsoft.com/office/officeart/2018/2/layout/IconVerticalSolidList">
+  <dgm:title val="Icon Vertical Solid List"/>
+  <dgm:desc val="Use to show a series of visuals from top to bottom with Level 1 or Level 1 and Level 2 text grouped in a shape. Works best with icons or small pictures with lengthier descriptions."/>
   <dgm:catLst>
-    <dgm:cat type="hierarchy" pri="8000"/>
-    <dgm:cat type="list" pri="2500"/>
+    <dgm:cat type="icon" pri="500"/>
   </dgm:catLst>
-  <dgm:sampData>
+  <dgm:sampData useDef="1">
     <dgm:dataModel>
-      <dgm:ptLst>
-        <dgm:pt modelId="0" type="doc"/>
-        <dgm:pt modelId="1">
-          <dgm:prSet phldr="1"/>
-        </dgm:pt>
-        <dgm:pt modelId="11">
-          <dgm:prSet phldr="1"/>
-        </dgm:pt>
-        <dgm:pt modelId="12">
-          <dgm:prSet phldr="1"/>
-        </dgm:pt>
-        <dgm:pt modelId="13">
-          <dgm:prSet phldr="1"/>
-        </dgm:pt>
-      </dgm:ptLst>
-      <dgm:cxnLst>
-        <dgm:cxn modelId="2" srcId="0" destId="1" srcOrd="0" destOrd="0"/>
-        <dgm:cxn modelId="3" srcId="1" destId="11" srcOrd="0" destOrd="0"/>
-        <dgm:cxn modelId="4" srcId="1" destId="12" srcOrd="1" destOrd="0"/>
-        <dgm:cxn modelId="5" srcId="1" destId="13" srcOrd="2" destOrd="0"/>
-      </dgm:cxnLst>
+      <dgm:ptLst/>
       <dgm:bg/>
       <dgm:whole/>
     </dgm:dataModel>
   </dgm:sampData>
-  <dgm:styleData>
+  <dgm:styleData useDef="1">
     <dgm:dataModel>
-      <dgm:ptLst>
-        <dgm:pt modelId="0" type="doc"/>
-        <dgm:pt modelId="1">
-          <dgm:prSet phldr="1"/>
-        </dgm:pt>
-        <dgm:pt modelId="11">
-          <dgm:prSet phldr="1"/>
-        </dgm:pt>
-        <dgm:pt modelId="12">
-          <dgm:prSet phldr="1"/>
-        </dgm:pt>
-      </dgm:ptLst>
-      <dgm:cxnLst>
-        <dgm:cxn modelId="2" srcId="0" destId="1" srcOrd="0" destOrd="0"/>
-        <dgm:cxn modelId="3" srcId="1" destId="11" srcOrd="0" destOrd="0"/>
-        <dgm:cxn modelId="4" srcId="1" destId="12" srcOrd="1" destOrd="0"/>
-      </dgm:cxnLst>
+      <dgm:ptLst/>
       <dgm:bg/>
       <dgm:whole/>
     </dgm:dataModel>
   </dgm:styleData>
-  <dgm:clrData>
+  <dgm:clrData useDef="1">
     <dgm:dataModel>
-      <dgm:ptLst>
-        <dgm:pt modelId="0" type="doc"/>
-        <dgm:pt modelId="1">
-          <dgm:prSet phldr="1"/>
-        </dgm:pt>
-        <dgm:pt modelId="11">
-          <dgm:prSet phldr="1"/>
-        </dgm:pt>
-        <dgm:pt modelId="12">
-          <dgm:prSet phldr="1"/>
-        </dgm:pt>
-      </dgm:ptLst>
-      <dgm:cxnLst>
-        <dgm:cxn modelId="2" srcId="0" destId="1" srcOrd="0" destOrd="0"/>
-        <dgm:cxn modelId="3" srcId="1" destId="11" srcOrd="0" destOrd="0"/>
-        <dgm:cxn modelId="4" srcId="1" destId="12" srcOrd="1" destOrd="0"/>
-      </dgm:cxnLst>
+      <dgm:ptLst/>
       <dgm:bg/>
       <dgm:whole/>
     </dgm:dataModel>
   </dgm:clrData>
-  <dgm:layoutNode name="vert0">
+  <dgm:layoutNode name="root">
     <dgm:varLst>
       <dgm:dir/>
-      <dgm:animOne val="branch"/>
-      <dgm:animLvl val="lvl"/>
+      <dgm:resizeHandles val="exact"/>
     </dgm:varLst>
     <dgm:choose name="Name0">
-      <dgm:if name="Name1" func="var" arg="dir" op="equ" val="norm">
+      <dgm:if name="Name1" axis="self" func="var" arg="dir" op="equ" val="norm">
         <dgm:alg type="lin">
           <dgm:param type="linDir" val="fromT"/>
           <dgm:param type="nodeHorzAlign" val="l"/>
@@ -4433,373 +3193,255 @@
       <dgm:adjLst/>
     </dgm:shape>
     <dgm:presOf/>
-    <dgm:constrLst>
-      <dgm:constr type="w" for="ch" forName="horz1" refType="w"/>
-      <dgm:constr type="h" for="ch" forName="horz1" refType="h"/>
-      <dgm:constr type="h" for="des" forName="vert1" refType="h"/>
-      <dgm:constr type="h" for="des" forName="tx1" refType="h"/>
-      <dgm:constr type="h" for="des" forName="horz2" refType="h"/>
-      <dgm:constr type="h" for="des" forName="vert2" refType="h"/>
-      <dgm:constr type="h" for="des" forName="horz3" refType="h"/>
-      <dgm:constr type="h" for="des" forName="vert3" refType="h"/>
-      <dgm:constr type="h" for="des" forName="horz4" refType="h"/>
-      <dgm:constr type="h" for="des" ptType="node" refType="h"/>
-      <dgm:constr type="primFontSz" for="des" forName="tx1" op="equ" val="65"/>
-      <dgm:constr type="primFontSz" for="des" forName="tx2" op="equ" val="65"/>
-      <dgm:constr type="primFontSz" for="des" forName="tx3" op="equ" val="65"/>
-      <dgm:constr type="primFontSz" for="des" forName="tx4" op="equ" val="65"/>
-      <dgm:constr type="w" for="des" forName="thickLine" refType="w"/>
-      <dgm:constr type="h" for="des" forName="thickLine"/>
-      <dgm:constr type="h" for="des" forName="thinLine1"/>
-      <dgm:constr type="h" for="des" forName="thinLine2b"/>
-      <dgm:constr type="h" for="des" forName="thinLine3"/>
-      <dgm:constr type="h" for="des" forName="vertSpace2a" refType="h" fact="0.05"/>
-      <dgm:constr type="h" for="des" forName="vertSpace2b" refType="h" refFor="des" refForName="vertSpace2a"/>
-    </dgm:constrLst>
-    <dgm:forEach name="Name3" axis="ch" ptType="node">
-      <dgm:layoutNode name="thickLine" styleLbl="alignNode1">
-        <dgm:alg type="sp"/>
-        <dgm:shape xmlns:r="http://schemas.openxmlformats.org/officeDocument/2006/relationships" type="line" r:blip="">
-          <dgm:adjLst/>
-        </dgm:shape>
-        <dgm:presOf/>
-      </dgm:layoutNode>
-      <dgm:layoutNode name="horz1">
-        <dgm:choose name="Name4">
-          <dgm:if name="Name5" func="var" arg="dir" op="equ" val="norm">
-            <dgm:alg type="lin">
-              <dgm:param type="linDir" val="fromL"/>
-              <dgm:param type="nodeVertAlign" val="t"/>
-            </dgm:alg>
-          </dgm:if>
-          <dgm:else name="Name6">
-            <dgm:alg type="lin">
-              <dgm:param type="linDir" val="fromR"/>
-              <dgm:param type="nodeVertAlign" val="t"/>
-            </dgm:alg>
-          </dgm:else>
-        </dgm:choose>
+    <dgm:choose name="Name3">
+      <dgm:if name="Name4" axis="ch" ptType="node" func="cnt" op="lte" val="3">
+        <dgm:constrLst>
+          <dgm:constr type="h" for="ch" forName="compNode" refType="h" fact="0.3"/>
+          <dgm:constr type="w" for="ch" forName="compNode" refType="w"/>
+          <dgm:constr type="h" for="ch" forName="sibTrans" refType="h" refFor="ch" refForName="compNode" fact="0.25"/>
+          <dgm:constr type="primFontSz" for="des" forName="parTx" val="25"/>
+          <dgm:constr type="primFontSz" for="des" forName="desTx" refType="primFontSz" refFor="des" refForName="parTx" op="lte" fact="0.75"/>
+          <dgm:constr type="h" for="des" forName="compNode" op="equ"/>
+          <dgm:constr type="h" for="des" forName="bgRect" op="equ"/>
+          <dgm:constr type="h" for="des" forName="iconRect" op="equ"/>
+          <dgm:constr type="w" for="des" forName="iconRect" op="equ"/>
+          <dgm:constr type="h" for="des" forName="spaceRect" op="equ"/>
+          <dgm:constr type="h" for="des" forName="parTx" op="equ"/>
+          <dgm:constr type="h" for="des" forName="desTx" op="equ"/>
+        </dgm:constrLst>
+      </dgm:if>
+      <dgm:if name="Name5" axis="ch" ptType="node" func="cnt" op="lte" val="4">
+        <dgm:constrLst>
+          <dgm:constr type="h" for="ch" forName="compNode" refType="h" fact="0.3"/>
+          <dgm:constr type="w" for="ch" forName="compNode" refType="w"/>
+          <dgm:constr type="h" for="ch" forName="sibTrans" refType="h" refFor="ch" refForName="compNode" fact="0.25"/>
+          <dgm:constr type="primFontSz" for="des" forName="parTx" val="22"/>
+          <dgm:constr type="primFontSz" for="des" forName="desTx" refType="primFontSz" refFor="des" refForName="parTx" op="lte" fact="0.75"/>
+          <dgm:constr type="h" for="des" forName="compNode" op="equ"/>
+          <dgm:constr type="h" for="des" forName="bgRect" op="equ"/>
+          <dgm:constr type="h" for="des" forName="iconRect" op="equ"/>
+          <dgm:constr type="w" for="des" forName="iconRect" op="equ"/>
+          <dgm:constr type="h" for="des" forName="spaceRect" op="equ"/>
+          <dgm:constr type="h" for="des" forName="parTx" op="equ"/>
+          <dgm:constr type="h" for="des" forName="desTx" op="equ"/>
+        </dgm:constrLst>
+      </dgm:if>
+      <dgm:if name="Name6" axis="ch" ptType="node" func="cnt" op="lte" val="6">
+        <dgm:constrLst>
+          <dgm:constr type="h" for="ch" forName="compNode" refType="h" fact="0.3"/>
+          <dgm:constr type="w" for="ch" forName="compNode" refType="w"/>
+          <dgm:constr type="h" for="ch" forName="sibTrans" refType="h" refFor="ch" refForName="compNode" fact="0.25"/>
+          <dgm:constr type="primFontSz" for="des" forName="parTx" val="19"/>
+          <dgm:constr type="primFontSz" for="des" forName="desTx" refType="primFontSz" refFor="des" refForName="parTx" op="lte" fact="0.75"/>
+          <dgm:constr type="h" for="des" forName="compNode" op="equ"/>
+          <dgm:constr type="h" for="des" forName="bgRect" op="equ"/>
+          <dgm:constr type="h" for="des" forName="iconRect" op="equ"/>
+          <dgm:constr type="w" for="des" forName="iconRect" op="equ"/>
+          <dgm:constr type="h" for="des" forName="spaceRect" op="equ"/>
+          <dgm:constr type="h" for="des" forName="parTx" op="equ"/>
+          <dgm:constr type="h" for="des" forName="desTx" op="equ"/>
+        </dgm:constrLst>
+      </dgm:if>
+      <dgm:else name="Name7">
+        <dgm:constrLst>
+          <dgm:constr type="h" for="ch" forName="compNode" refType="h" fact="0.3"/>
+          <dgm:constr type="w" for="ch" forName="compNode" refType="w"/>
+          <dgm:constr type="h" for="ch" forName="sibTrans" refType="h" refFor="ch" refForName="compNode" fact="0.25"/>
+          <dgm:constr type="primFontSz" for="des" forName="parTx" val="16"/>
+          <dgm:constr type="primFontSz" for="des" forName="desTx" refType="primFontSz" refFor="des" refForName="parTx" op="lte" fact="0.75"/>
+          <dgm:constr type="h" for="des" forName="compNode" op="equ"/>
+          <dgm:constr type="h" for="des" forName="bgRect" op="equ"/>
+          <dgm:constr type="h" for="des" forName="iconRect" op="equ"/>
+          <dgm:constr type="w" for="des" forName="iconRect" op="equ"/>
+          <dgm:constr type="h" for="des" forName="spaceRect" op="equ"/>
+          <dgm:constr type="h" for="des" forName="parTx" op="equ"/>
+          <dgm:constr type="h" for="des" forName="desTx" op="equ"/>
+        </dgm:constrLst>
+      </dgm:else>
+    </dgm:choose>
+    <dgm:ruleLst>
+      <dgm:rule type="h" for="ch" forName="compNode" val="0" fact="NaN" max="NaN"/>
+    </dgm:ruleLst>
+    <dgm:forEach name="Name8" axis="ch" ptType="node">
+      <dgm:layoutNode name="compNode">
+        <dgm:alg type="composite"/>
         <dgm:shape xmlns:r="http://schemas.openxmlformats.org/officeDocument/2006/relationships" r:blip="">
           <dgm:adjLst/>
         </dgm:shape>
-        <dgm:presOf/>
-        <dgm:choose name="Name7">
-          <dgm:if name="Name8" axis="root des" func="maxDepth" op="equ" val="1">
+        <dgm:presOf axis="self"/>
+        <dgm:choose name="Name9">
+          <dgm:if name="Name10" axis="ch" ptType="node" func="cnt" op="gte" val="1">
             <dgm:constrLst>
-              <dgm:constr type="w" for="ch" forName="tx1" refType="w"/>
+              <dgm:constr type="w" for="ch" forName="bgRect" refType="w"/>
+              <dgm:constr type="h" for="ch" forName="bgRect" refType="h"/>
+              <dgm:constr type="l" for="ch" forName="bgRect"/>
+              <dgm:constr type="t" for="ch" forName="bgRect"/>
+              <dgm:constr type="h" for="ch" forName="iconRect" refType="h" fact="0.55"/>
+              <dgm:constr type="w" for="ch" forName="iconRect" refType="h" refFor="ch" refForName="iconRect"/>
+              <dgm:constr type="l" for="ch" forName="iconRect" refType="h" refFor="ch" refForName="iconRect" fact="0.55"/>
+              <dgm:constr type="ctrY" for="ch" forName="iconRect" refType="ctrY" refFor="ch" refForName="bgRect"/>
+              <dgm:constr type="w" for="ch" forName="spaceRect" refType="l" refFor="ch" refForName="iconRect"/>
+              <dgm:constr type="h" for="ch" forName="spaceRect" refType="h"/>
+              <dgm:constr type="l" for="ch" forName="spaceRect" refType="r" refFor="ch" refForName="iconRect"/>
+              <dgm:constr type="t" for="ch" forName="spaceRect"/>
+              <dgm:constr type="w" for="ch" forName="parTx" refType="w" fact="0.45"/>
+              <dgm:constr type="h" for="ch" forName="parTx" refType="h"/>
+              <dgm:constr type="l" for="ch" forName="parTx" refType="r" refFor="ch" refForName="spaceRect"/>
+              <dgm:constr type="t" for="ch" forName="parTx"/>
+              <dgm:constr type="h" for="ch" forName="desTx" refType="h"/>
+              <dgm:constr type="l" for="ch" forName="desTx" refType="r" refFor="ch" refForName="parTx"/>
+              <dgm:constr type="t" for="ch" forName="desTx"/>
             </dgm:constrLst>
           </dgm:if>
-          <dgm:if name="Name9" axis="root des" func="maxDepth" op="equ" val="2">
+          <dgm:else name="Name11">
             <dgm:constrLst>
-              <dgm:constr type="w" for="ch" forName="tx1" refType="w" fact="0.2"/>
-              <dgm:constr type="w" for="des" forName="tx2" refType="w" fact="0.785"/>
-              <dgm:constr type="w" for="des" forName="horzSpace2" refType="w" fact="0.015"/>
-              <dgm:constr type="w" for="des" forName="thinLine2b" refType="w" fact="0.8"/>
+              <dgm:constr type="w" for="ch" forName="bgRect" refType="w"/>
+              <dgm:constr type="h" for="ch" forName="bgRect" refType="h"/>
+              <dgm:constr type="l" for="ch" forName="bgRect"/>
+              <dgm:constr type="t" for="ch" forName="bgRect"/>
+              <dgm:constr type="h" for="ch" forName="iconRect" refType="h" fact="0.55"/>
+              <dgm:constr type="w" for="ch" forName="iconRect" refType="h" refFor="ch" refForName="iconRect"/>
+              <dgm:constr type="l" for="ch" forName="iconRect" refType="h" refFor="ch" refForName="iconRect" fact="0.55"/>
+              <dgm:constr type="ctrY" for="ch" forName="iconRect" refType="ctrY" refFor="ch" refForName="bgRect"/>
+              <dgm:constr type="w" for="ch" forName="spaceRect" refType="l" refFor="ch" refForName="iconRect"/>
+              <dgm:constr type="h" for="ch" forName="spaceRect" refType="h"/>
+              <dgm:constr type="l" for="ch" forName="spaceRect" refType="r" refFor="ch" refForName="iconRect"/>
+              <dgm:constr type="t" for="ch" forName="spaceRect"/>
+              <dgm:constr type="h" for="ch" forName="parTx" refType="h"/>
+              <dgm:constr type="l" for="ch" forName="parTx" refType="r" refFor="ch" refForName="spaceRect"/>
+              <dgm:constr type="t" for="ch" forName="parTx"/>
             </dgm:constrLst>
-          </dgm:if>
-          <dgm:if name="Name10" axis="root des" func="maxDepth" op="equ" val="3">
-            <dgm:constrLst>
-              <dgm:constr type="w" for="ch" forName="tx1" refType="w" fact="0.2"/>
-              <dgm:constr type="w" for="des" forName="tx2" refType="w" fact="0.385"/>
-              <dgm:constr type="w" for="des" forName="tx3" refType="w" fact="0.385"/>
-              <dgm:constr type="w" for="des" forName="horzSpace2" refType="w" fact="0.015"/>
-              <dgm:constr type="w" for="des" forName="horzSpace3" refType="w" fact="0.015"/>
-              <dgm:constr type="w" for="des" forName="thinLine2b" refType="w" fact="0.8"/>
-              <dgm:constr type="w" for="des" forName="thinLine3" refType="w" fact="0.385"/>
-            </dgm:constrLst>
-          </dgm:if>
-          <dgm:if name="Name11" axis="root des" func="maxDepth" op="gte" val="4">
-            <dgm:constrLst>
-              <dgm:constr type="w" for="ch" forName="tx1" refType="w" fact="0.2"/>
-              <dgm:constr type="w" for="des" forName="tx2" refType="w" fact="0.2516"/>
-              <dgm:constr type="w" for="des" forName="tx3" refType="w" fact="0.2516"/>
-              <dgm:constr type="w" for="des" forName="tx4" refType="w" fact="0.2516"/>
-              <dgm:constr type="w" for="des" forName="horzSpace2" refType="w" fact="0.015"/>
-              <dgm:constr type="w" for="des" forName="horzSpace3" refType="w" fact="0.015"/>
-              <dgm:constr type="w" for="des" forName="horzSpace4" refType="w" fact="0.015"/>
-              <dgm:constr type="w" for="des" forName="thinLine2b" refType="w" fact="0.8"/>
-              <dgm:constr type="w" for="des" forName="thinLine3" refType="w" fact="0.5332"/>
-            </dgm:constrLst>
-          </dgm:if>
-          <dgm:else name="Name12"/>
+          </dgm:else>
         </dgm:choose>
-        <dgm:layoutNode name="tx1" styleLbl="revTx">
+        <dgm:ruleLst>
+          <dgm:rule type="h" val="INF" fact="NaN" max="NaN"/>
+        </dgm:ruleLst>
+        <dgm:layoutNode name="bgRect" styleLbl="bgShp">
+          <dgm:alg type="sp"/>
+          <dgm:shape xmlns:r="http://schemas.openxmlformats.org/officeDocument/2006/relationships" type="roundRect" r:blip="">
+            <dgm:adjLst>
+              <dgm:adj idx="1" val="0.1"/>
+            </dgm:adjLst>
+          </dgm:shape>
+          <dgm:presOf/>
+          <dgm:constrLst/>
+          <dgm:ruleLst/>
+        </dgm:layoutNode>
+        <dgm:layoutNode name="iconRect" styleLbl="node1">
+          <dgm:alg type="sp"/>
+          <dgm:shape xmlns:r="http://schemas.openxmlformats.org/officeDocument/2006/relationships" type="rect" r:blip="" blipPhldr="1">
+            <dgm:adjLst/>
+          </dgm:shape>
+          <dgm:presOf/>
+          <dgm:constrLst/>
+          <dgm:ruleLst/>
+        </dgm:layoutNode>
+        <dgm:layoutNode name="spaceRect">
+          <dgm:alg type="sp"/>
+          <dgm:shape xmlns:r="http://schemas.openxmlformats.org/officeDocument/2006/relationships" r:blip="">
+            <dgm:adjLst/>
+          </dgm:shape>
+          <dgm:presOf/>
+          <dgm:constrLst/>
+          <dgm:ruleLst/>
+        </dgm:layoutNode>
+        <dgm:layoutNode name="parTx" styleLbl="revTx">
+          <dgm:varLst>
+            <dgm:chMax val="0"/>
+            <dgm:chPref val="0"/>
+          </dgm:varLst>
           <dgm:alg type="tx">
+            <dgm:param type="txAnchorVert" val="mid"/>
             <dgm:param type="parTxLTRAlign" val="l"/>
+            <dgm:param type="shpTxLTRAlignCh" val="l"/>
             <dgm:param type="parTxRTLAlign" val="r"/>
-            <dgm:param type="txAnchorVert" val="t"/>
+            <dgm:param type="shpTxRTLAlignCh" val="r"/>
           </dgm:alg>
           <dgm:shape xmlns:r="http://schemas.openxmlformats.org/officeDocument/2006/relationships" type="rect" r:blip="">
             <dgm:adjLst/>
           </dgm:shape>
-          <dgm:presOf axis="self"/>
+          <dgm:presOf axis="self" ptType="node"/>
           <dgm:constrLst>
-            <dgm:constr type="tMarg" refType="primFontSz" fact="0.3"/>
-            <dgm:constr type="bMarg" refType="primFontSz" fact="0.3"/>
-            <dgm:constr type="lMarg" refType="primFontSz" fact="0.3"/>
-            <dgm:constr type="rMarg" refType="primFontSz" fact="0.3"/>
+            <dgm:constr type="lMarg" refType="h" fact="0.3"/>
+            <dgm:constr type="rMarg" refType="h" fact="0.3"/>
+            <dgm:constr type="tMarg" refType="h" fact="0.3"/>
+            <dgm:constr type="bMarg" refType="h" fact="0.3"/>
           </dgm:constrLst>
           <dgm:ruleLst>
-            <dgm:rule type="primFontSz" val="5" fact="NaN" max="NaN"/>
+            <dgm:rule type="primFontSz" val="14" fact="NaN" max="NaN"/>
+            <dgm:rule type="h" val="INF" fact="NaN" max="NaN"/>
           </dgm:ruleLst>
         </dgm:layoutNode>
-        <dgm:layoutNode name="vert1">
-          <dgm:choose name="Name13">
-            <dgm:if name="Name14" func="var" arg="dir" op="equ" val="norm">
-              <dgm:alg type="lin">
-                <dgm:param type="linDir" val="fromT"/>
-                <dgm:param type="nodeHorzAlign" val="l"/>
+        <dgm:choose name="Name12">
+          <dgm:if name="Name13" axis="ch" ptType="node" func="cnt" op="gte" val="1">
+            <dgm:layoutNode name="desTx" styleLbl="revTx">
+              <dgm:varLst/>
+              <dgm:alg type="tx">
+                <dgm:param type="txAnchorVertCh" val="mid"/>
+                <dgm:param type="parTxLTRAlign" val="l"/>
+                <dgm:param type="shpTxLTRAlignCh" val="l"/>
+                <dgm:param type="parTxRTLAlign" val="r"/>
+                <dgm:param type="shpTxRTLAlignCh" val="r"/>
+                <dgm:param type="stBulletLvl" val="0"/>
               </dgm:alg>
-            </dgm:if>
-            <dgm:else name="Name15">
-              <dgm:alg type="lin">
-                <dgm:param type="linDir" val="fromT"/>
-                <dgm:param type="nodeHorzAlign" val="r"/>
-              </dgm:alg>
-            </dgm:else>
-          </dgm:choose>
+              <dgm:shape xmlns:r="http://schemas.openxmlformats.org/officeDocument/2006/relationships" type="rect" r:blip="">
+                <dgm:adjLst/>
+              </dgm:shape>
+              <dgm:presOf axis="des" ptType="node"/>
+              <dgm:constrLst>
+                <dgm:constr type="primFontSz" val="18"/>
+                <dgm:constr type="secFontSz" refType="primFontSz"/>
+                <dgm:constr type="lMarg" refType="h" fact="0.3"/>
+                <dgm:constr type="rMarg" refType="h" fact="0.3"/>
+                <dgm:constr type="tMarg" refType="h" fact="0.3"/>
+                <dgm:constr type="bMarg" refType="h" fact="0.3"/>
+              </dgm:constrLst>
+              <dgm:ruleLst>
+                <dgm:rule type="primFontSz" val="11" fact="NaN" max="NaN"/>
+              </dgm:ruleLst>
+            </dgm:layoutNode>
+          </dgm:if>
+          <dgm:else name="Name14"/>
+        </dgm:choose>
+      </dgm:layoutNode>
+      <dgm:forEach name="Name15" axis="followSib" ptType="sibTrans" cnt="1">
+        <dgm:layoutNode name="sibTrans">
+          <dgm:alg type="sp"/>
           <dgm:shape xmlns:r="http://schemas.openxmlformats.org/officeDocument/2006/relationships" r:blip="">
             <dgm:adjLst/>
           </dgm:shape>
-          <dgm:presOf/>
-          <dgm:forEach name="Name16" axis="ch" ptType="node">
-            <dgm:choose name="Name17">
-              <dgm:if name="Name18" axis="self" ptType="node" func="pos" op="equ" val="1">
-                <dgm:layoutNode name="vertSpace2a">
-                  <dgm:alg type="sp"/>
-                  <dgm:shape xmlns:r="http://schemas.openxmlformats.org/officeDocument/2006/relationships" r:blip="">
-                    <dgm:adjLst/>
-                  </dgm:shape>
-                  <dgm:presOf/>
-                </dgm:layoutNode>
-              </dgm:if>
-              <dgm:else name="Name19"/>
-            </dgm:choose>
-            <dgm:layoutNode name="horz2">
-              <dgm:choose name="Name20">
-                <dgm:if name="Name21" func="var" arg="dir" op="equ" val="norm">
-                  <dgm:alg type="lin">
-                    <dgm:param type="linDir" val="fromL"/>
-                    <dgm:param type="nodeVertAlign" val="t"/>
-                  </dgm:alg>
-                </dgm:if>
-                <dgm:else name="Name22">
-                  <dgm:alg type="lin">
-                    <dgm:param type="linDir" val="fromR"/>
-                    <dgm:param type="nodeVertAlign" val="t"/>
-                  </dgm:alg>
-                </dgm:else>
-              </dgm:choose>
-              <dgm:shape xmlns:r="http://schemas.openxmlformats.org/officeDocument/2006/relationships" r:blip="">
-                <dgm:adjLst/>
-              </dgm:shape>
-              <dgm:presOf/>
-              <dgm:layoutNode name="horzSpace2">
-                <dgm:alg type="sp"/>
-                <dgm:shape xmlns:r="http://schemas.openxmlformats.org/officeDocument/2006/relationships" r:blip="">
-                  <dgm:adjLst/>
-                </dgm:shape>
-                <dgm:presOf/>
-              </dgm:layoutNode>
-              <dgm:layoutNode name="tx2" styleLbl="revTx">
-                <dgm:alg type="tx">
-                  <dgm:param type="parTxLTRAlign" val="l"/>
-                  <dgm:param type="parTxRTLAlign" val="r"/>
-                  <dgm:param type="txAnchorVert" val="t"/>
-                </dgm:alg>
-                <dgm:shape xmlns:r="http://schemas.openxmlformats.org/officeDocument/2006/relationships" type="rect" r:blip="">
-                  <dgm:adjLst/>
-                </dgm:shape>
-                <dgm:presOf axis="self"/>
-                <dgm:constrLst>
-                  <dgm:constr type="tMarg" refType="primFontSz" fact="0.3"/>
-                  <dgm:constr type="bMarg" refType="primFontSz" fact="0.3"/>
-                  <dgm:constr type="lMarg" refType="primFontSz" fact="0.3"/>
-                  <dgm:constr type="rMarg" refType="primFontSz" fact="0.3"/>
-                </dgm:constrLst>
-                <dgm:ruleLst>
-                  <dgm:rule type="primFontSz" val="5" fact="NaN" max="NaN"/>
-                </dgm:ruleLst>
-              </dgm:layoutNode>
-              <dgm:layoutNode name="vert2">
-                <dgm:choose name="Name23">
-                  <dgm:if name="Name24" func="var" arg="dir" op="equ" val="norm">
-                    <dgm:alg type="lin">
-                      <dgm:param type="linDir" val="fromT"/>
-                      <dgm:param type="nodeHorzAlign" val="l"/>
-                    </dgm:alg>
-                  </dgm:if>
-                  <dgm:else name="Name25">
-                    <dgm:alg type="lin">
-                      <dgm:param type="linDir" val="fromT"/>
-                      <dgm:param type="nodeHorzAlign" val="r"/>
-                    </dgm:alg>
-                  </dgm:else>
-                </dgm:choose>
-                <dgm:shape xmlns:r="http://schemas.openxmlformats.org/officeDocument/2006/relationships" r:blip="">
-                  <dgm:adjLst/>
-                </dgm:shape>
-                <dgm:presOf/>
-                <dgm:forEach name="Name26" axis="ch" ptType="node">
-                  <dgm:layoutNode name="horz3">
-                    <dgm:choose name="Name27">
-                      <dgm:if name="Name28" func="var" arg="dir" op="equ" val="norm">
-                        <dgm:alg type="lin">
-                          <dgm:param type="linDir" val="fromL"/>
-                          <dgm:param type="nodeVertAlign" val="t"/>
-                        </dgm:alg>
-                      </dgm:if>
-                      <dgm:else name="Name29">
-                        <dgm:alg type="lin">
-                          <dgm:param type="linDir" val="fromR"/>
-                          <dgm:param type="nodeVertAlign" val="t"/>
-                        </dgm:alg>
-                      </dgm:else>
-                    </dgm:choose>
-                    <dgm:shape xmlns:r="http://schemas.openxmlformats.org/officeDocument/2006/relationships" r:blip="">
-                      <dgm:adjLst/>
-                    </dgm:shape>
-                    <dgm:presOf/>
-                    <dgm:layoutNode name="horzSpace3">
-                      <dgm:alg type="sp"/>
-                      <dgm:shape xmlns:r="http://schemas.openxmlformats.org/officeDocument/2006/relationships" r:blip="">
-                        <dgm:adjLst/>
-                      </dgm:shape>
-                      <dgm:presOf/>
-                    </dgm:layoutNode>
-                    <dgm:layoutNode name="tx3" styleLbl="revTx">
-                      <dgm:alg type="tx">
-                        <dgm:param type="parTxLTRAlign" val="l"/>
-                        <dgm:param type="parTxRTLAlign" val="r"/>
-                        <dgm:param type="txAnchorVert" val="t"/>
-                      </dgm:alg>
-                      <dgm:shape xmlns:r="http://schemas.openxmlformats.org/officeDocument/2006/relationships" type="rect" r:blip="">
-                        <dgm:adjLst/>
-                      </dgm:shape>
-                      <dgm:presOf axis="self"/>
-                      <dgm:constrLst>
-                        <dgm:constr type="tMarg" refType="primFontSz" fact="0.3"/>
-                        <dgm:constr type="bMarg" refType="primFontSz" fact="0.3"/>
-                        <dgm:constr type="lMarg" refType="primFontSz" fact="0.3"/>
-                        <dgm:constr type="rMarg" refType="primFontSz" fact="0.3"/>
-                      </dgm:constrLst>
-                      <dgm:ruleLst>
-                        <dgm:rule type="primFontSz" val="5" fact="NaN" max="NaN"/>
-                      </dgm:ruleLst>
-                    </dgm:layoutNode>
-                    <dgm:layoutNode name="vert3">
-                      <dgm:choose name="Name30">
-                        <dgm:if name="Name31" func="var" arg="dir" op="equ" val="norm">
-                          <dgm:alg type="lin">
-                            <dgm:param type="linDir" val="fromT"/>
-                            <dgm:param type="nodeHorzAlign" val="l"/>
-                          </dgm:alg>
-                        </dgm:if>
-                        <dgm:else name="Name32">
-                          <dgm:alg type="lin">
-                            <dgm:param type="linDir" val="fromT"/>
-                            <dgm:param type="nodeHorzAlign" val="r"/>
-                          </dgm:alg>
-                        </dgm:else>
-                      </dgm:choose>
-                      <dgm:shape xmlns:r="http://schemas.openxmlformats.org/officeDocument/2006/relationships" r:blip="">
-                        <dgm:adjLst/>
-                      </dgm:shape>
-                      <dgm:presOf/>
-                      <dgm:forEach name="Name33" axis="ch" ptType="node">
-                        <dgm:layoutNode name="horz4">
-                          <dgm:choose name="Name34">
-                            <dgm:if name="Name35" func="var" arg="dir" op="equ" val="norm">
-                              <dgm:alg type="lin">
-                                <dgm:param type="linDir" val="fromL"/>
-                                <dgm:param type="nodeVertAlign" val="t"/>
-                              </dgm:alg>
-                            </dgm:if>
-                            <dgm:else name="Name36">
-                              <dgm:alg type="lin">
-                                <dgm:param type="linDir" val="fromR"/>
-                                <dgm:param type="nodeVertAlign" val="t"/>
-                              </dgm:alg>
-                            </dgm:else>
-                          </dgm:choose>
-                          <dgm:shape xmlns:r="http://schemas.openxmlformats.org/officeDocument/2006/relationships" r:blip="">
-                            <dgm:adjLst/>
-                          </dgm:shape>
-                          <dgm:presOf/>
-                          <dgm:layoutNode name="horzSpace4">
-                            <dgm:alg type="sp"/>
-                            <dgm:shape xmlns:r="http://schemas.openxmlformats.org/officeDocument/2006/relationships" r:blip="">
-                              <dgm:adjLst/>
-                            </dgm:shape>
-                            <dgm:presOf/>
-                          </dgm:layoutNode>
-                          <dgm:layoutNode name="tx4" styleLbl="revTx">
-                            <dgm:varLst>
-                              <dgm:bulletEnabled val="1"/>
-                            </dgm:varLst>
-                            <dgm:alg type="tx">
-                              <dgm:param type="parTxLTRAlign" val="l"/>
-                              <dgm:param type="parTxRTLAlign" val="r"/>
-                              <dgm:param type="txAnchorVert" val="t"/>
-                            </dgm:alg>
-                            <dgm:shape xmlns:r="http://schemas.openxmlformats.org/officeDocument/2006/relationships" type="rect" r:blip="">
-                              <dgm:adjLst/>
-                            </dgm:shape>
-                            <dgm:presOf axis="desOrSelf" ptType="node"/>
-                            <dgm:constrLst>
-                              <dgm:constr type="tMarg" refType="primFontSz" fact="0.3"/>
-                              <dgm:constr type="bMarg" refType="primFontSz" fact="0.3"/>
-                              <dgm:constr type="lMarg" refType="primFontSz" fact="0.3"/>
-                              <dgm:constr type="rMarg" refType="primFontSz" fact="0.3"/>
-                            </dgm:constrLst>
-                            <dgm:ruleLst>
-                              <dgm:rule type="primFontSz" val="5" fact="NaN" max="NaN"/>
-                            </dgm:ruleLst>
-                          </dgm:layoutNode>
-                        </dgm:layoutNode>
-                      </dgm:forEach>
-                    </dgm:layoutNode>
-                  </dgm:layoutNode>
-                  <dgm:forEach name="Name37" axis="followSib" ptType="sibTrans" cnt="1">
-                    <dgm:layoutNode name="thinLine3" styleLbl="callout">
-                      <dgm:alg type="sp"/>
-                      <dgm:shape xmlns:r="http://schemas.openxmlformats.org/officeDocument/2006/relationships" type="line" r:blip="">
-                        <dgm:adjLst/>
-                      </dgm:shape>
-                      <dgm:presOf/>
-                    </dgm:layoutNode>
-                  </dgm:forEach>
-                </dgm:forEach>
-              </dgm:layoutNode>
-            </dgm:layoutNode>
-            <dgm:layoutNode name="thinLine2b" styleLbl="callout">
-              <dgm:alg type="sp"/>
-              <dgm:shape xmlns:r="http://schemas.openxmlformats.org/officeDocument/2006/relationships" type="line" r:blip="">
-                <dgm:adjLst/>
-              </dgm:shape>
-              <dgm:presOf/>
-            </dgm:layoutNode>
-            <dgm:layoutNode name="vertSpace2b">
-              <dgm:alg type="sp"/>
-              <dgm:shape xmlns:r="http://schemas.openxmlformats.org/officeDocument/2006/relationships" r:blip="">
-                <dgm:adjLst/>
-              </dgm:shape>
-              <dgm:presOf/>
-            </dgm:layoutNode>
-          </dgm:forEach>
+          <dgm:presOf axis="self"/>
+          <dgm:constrLst/>
+          <dgm:ruleLst/>
         </dgm:layoutNode>
-      </dgm:layoutNode>
+      </dgm:forEach>
     </dgm:forEach>
   </dgm:layoutNode>
+  <dgm:extLst>
+    <a:ext uri="{68A01E43-0DF5-4B5B-8FA6-DAF915123BFB}">
+      <dgm1612:lstStyle xmlns:dgm1612="http://schemas.microsoft.com/office/drawing/2016/12/diagram">
+        <a:lvl1pPr>
+          <a:lnSpc>
+            <a:spcPct val="100000"/>
+          </a:lnSpc>
+        </a:lvl1pPr>
+        <a:lvl2pPr>
+          <a:lnSpc>
+            <a:spcPct val="100000"/>
+          </a:lnSpc>
+        </a:lvl2pPr>
+      </dgm1612:lstStyle>
+    </a:ext>
+  </dgm:extLst>
 </dgm:layoutDef>
 </file>
 
 <file path=ppt/diagrams/quickStyle1.xml><?xml version="1.0" encoding="utf-8"?>
-<dgm:styleDef xmlns:dgm="http://schemas.openxmlformats.org/drawingml/2006/diagram" xmlns:a="http://schemas.openxmlformats.org/drawingml/2006/main" uniqueId="urn:microsoft.com/office/officeart/2005/8/quickstyle/simple4">
+<dgm:styleDef xmlns:dgm="http://schemas.openxmlformats.org/drawingml/2006/diagram" xmlns:a="http://schemas.openxmlformats.org/drawingml/2006/main" uniqueId="urn:microsoft.com/office/officeart/2005/8/quickstyle/simple1">
   <dgm:title val=""/>
   <dgm:desc val=""/>
   <dgm:catLst>
-    <dgm:cat type="simple" pri="10400"/>
+    <dgm:cat type="simple" pri="10100"/>
   </dgm:catLst>
   <dgm:scene3d>
     <a:camera prst="orthographicFront"/>
@@ -4813,13 +3455,13 @@
     <dgm:sp3d/>
     <dgm:txPr/>
     <dgm:style>
-      <a:lnRef idx="0">
+      <a:lnRef idx="2">
         <a:scrgbClr r="0" g="0" b="0"/>
       </a:lnRef>
-      <a:fillRef idx="3">
+      <a:fillRef idx="1">
         <a:scrgbClr r="0" g="0" b="0"/>
       </a:fillRef>
-      <a:effectRef idx="2">
+      <a:effectRef idx="0">
         <a:scrgbClr r="0" g="0" b="0"/>
       </a:effectRef>
       <a:fontRef idx="minor">
@@ -4835,13 +3477,13 @@
     <dgm:sp3d/>
     <dgm:txPr/>
     <dgm:style>
-      <a:lnRef idx="1">
+      <a:lnRef idx="2">
         <a:scrgbClr r="0" g="0" b="0"/>
       </a:lnRef>
-      <a:fillRef idx="3">
+      <a:fillRef idx="1">
         <a:scrgbClr r="0" g="0" b="0"/>
       </a:fillRef>
-      <a:effectRef idx="2">
+      <a:effectRef idx="0">
         <a:scrgbClr r="0" g="0" b="0"/>
       </a:effectRef>
       <a:fontRef idx="minor">
@@ -4857,10 +3499,10 @@
     <dgm:sp3d/>
     <dgm:txPr/>
     <dgm:style>
-      <a:lnRef idx="0">
+      <a:lnRef idx="2">
         <a:scrgbClr r="0" g="0" b="0"/>
       </a:lnRef>
-      <a:fillRef idx="3">
+      <a:fillRef idx="1">
         <a:scrgbClr r="0" g="0" b="0"/>
       </a:fillRef>
       <a:effectRef idx="0">
@@ -4879,13 +3521,13 @@
     <dgm:sp3d/>
     <dgm:txPr/>
     <dgm:style>
-      <a:lnRef idx="1">
+      <a:lnRef idx="2">
         <a:scrgbClr r="0" g="0" b="0"/>
       </a:lnRef>
-      <a:fillRef idx="3">
+      <a:fillRef idx="1">
         <a:scrgbClr r="0" g="0" b="0"/>
       </a:fillRef>
-      <a:effectRef idx="2">
+      <a:effectRef idx="0">
         <a:scrgbClr r="0" g="0" b="0"/>
       </a:effectRef>
       <a:fontRef idx="minor">
@@ -4901,13 +3543,13 @@
     <dgm:sp3d/>
     <dgm:txPr/>
     <dgm:style>
-      <a:lnRef idx="0">
+      <a:lnRef idx="2">
         <a:scrgbClr r="0" g="0" b="0"/>
       </a:lnRef>
-      <a:fillRef idx="3">
+      <a:fillRef idx="1">
         <a:scrgbClr r="0" g="0" b="0"/>
       </a:fillRef>
-      <a:effectRef idx="2">
+      <a:effectRef idx="0">
         <a:scrgbClr r="0" g="0" b="0"/>
       </a:effectRef>
       <a:fontRef idx="minor">
@@ -4923,13 +3565,13 @@
     <dgm:sp3d/>
     <dgm:txPr/>
     <dgm:style>
-      <a:lnRef idx="0">
+      <a:lnRef idx="2">
         <a:scrgbClr r="0" g="0" b="0"/>
       </a:lnRef>
-      <a:fillRef idx="3">
+      <a:fillRef idx="1">
         <a:scrgbClr r="0" g="0" b="0"/>
       </a:fillRef>
-      <a:effectRef idx="2">
+      <a:effectRef idx="0">
         <a:scrgbClr r="0" g="0" b="0"/>
       </a:effectRef>
       <a:fontRef idx="minor">
@@ -4945,13 +3587,13 @@
     <dgm:sp3d/>
     <dgm:txPr/>
     <dgm:style>
-      <a:lnRef idx="0">
+      <a:lnRef idx="2">
         <a:scrgbClr r="0" g="0" b="0"/>
       </a:lnRef>
-      <a:fillRef idx="3">
+      <a:fillRef idx="1">
         <a:scrgbClr r="0" g="0" b="0"/>
       </a:fillRef>
-      <a:effectRef idx="2">
+      <a:effectRef idx="0">
         <a:scrgbClr r="0" g="0" b="0"/>
       </a:effectRef>
       <a:fontRef idx="minor">
@@ -4967,13 +3609,13 @@
     <dgm:sp3d/>
     <dgm:txPr/>
     <dgm:style>
-      <a:lnRef idx="0">
+      <a:lnRef idx="2">
         <a:scrgbClr r="0" g="0" b="0"/>
       </a:lnRef>
-      <a:fillRef idx="3">
+      <a:fillRef idx="1">
         <a:scrgbClr r="0" g="0" b="0"/>
       </a:fillRef>
-      <a:effectRef idx="2">
+      <a:effectRef idx="0">
         <a:scrgbClr r="0" g="0" b="0"/>
       </a:effectRef>
       <a:fontRef idx="minor">
@@ -4989,13 +3631,13 @@
     <dgm:sp3d/>
     <dgm:txPr/>
     <dgm:style>
-      <a:lnRef idx="0">
+      <a:lnRef idx="2">
         <a:scrgbClr r="0" g="0" b="0"/>
       </a:lnRef>
       <a:fillRef idx="1">
         <a:scrgbClr r="0" g="0" b="0"/>
       </a:fillRef>
-      <a:effectRef idx="2">
+      <a:effectRef idx="0">
         <a:scrgbClr r="0" g="0" b="0"/>
       </a:effectRef>
       <a:fontRef idx="minor"/>
@@ -5009,13 +3651,13 @@
     <dgm:sp3d/>
     <dgm:txPr/>
     <dgm:style>
-      <a:lnRef idx="0">
+      <a:lnRef idx="2">
         <a:scrgbClr r="0" g="0" b="0"/>
       </a:lnRef>
       <a:fillRef idx="1">
         <a:scrgbClr r="0" g="0" b="0"/>
       </a:fillRef>
-      <a:effectRef idx="2">
+      <a:effectRef idx="0">
         <a:scrgbClr r="0" g="0" b="0"/>
       </a:effectRef>
       <a:fontRef idx="minor"/>
@@ -5029,13 +3671,13 @@
     <dgm:sp3d/>
     <dgm:txPr/>
     <dgm:style>
-      <a:lnRef idx="0">
+      <a:lnRef idx="2">
         <a:scrgbClr r="0" g="0" b="0"/>
       </a:lnRef>
       <a:fillRef idx="1">
         <a:scrgbClr r="0" g="0" b="0"/>
       </a:fillRef>
-      <a:effectRef idx="2">
+      <a:effectRef idx="0">
         <a:scrgbClr r="0" g="0" b="0"/>
       </a:effectRef>
       <a:fontRef idx="minor"/>
@@ -5052,10 +3694,10 @@
       <a:lnRef idx="0">
         <a:scrgbClr r="0" g="0" b="0"/>
       </a:lnRef>
-      <a:fillRef idx="3">
+      <a:fillRef idx="1">
         <a:scrgbClr r="0" g="0" b="0"/>
       </a:fillRef>
-      <a:effectRef idx="2">
+      <a:effectRef idx="0">
         <a:scrgbClr r="0" g="0" b="0"/>
       </a:effectRef>
       <a:fontRef idx="minor">
@@ -5074,10 +3716,10 @@
       <a:lnRef idx="0">
         <a:scrgbClr r="0" g="0" b="0"/>
       </a:lnRef>
-      <a:fillRef idx="3">
+      <a:fillRef idx="1">
         <a:scrgbClr r="0" g="0" b="0"/>
       </a:fillRef>
-      <a:effectRef idx="2">
+      <a:effectRef idx="0">
         <a:scrgbClr r="0" g="0" b="0"/>
       </a:effectRef>
       <a:fontRef idx="minor">
@@ -5096,10 +3738,10 @@
       <a:lnRef idx="0">
         <a:scrgbClr r="0" g="0" b="0"/>
       </a:lnRef>
-      <a:fillRef idx="3">
+      <a:fillRef idx="1">
         <a:scrgbClr r="0" g="0" b="0"/>
       </a:fillRef>
-      <a:effectRef idx="2">
+      <a:effectRef idx="0">
         <a:scrgbClr r="0" g="0" b="0"/>
       </a:effectRef>
       <a:fontRef idx="minor">
@@ -5141,7 +3783,7 @@
       <a:fillRef idx="1">
         <a:scrgbClr r="0" g="0" b="0"/>
       </a:fillRef>
-      <a:effectRef idx="1">
+      <a:effectRef idx="0">
         <a:scrgbClr r="0" g="0" b="0"/>
       </a:effectRef>
       <a:fontRef idx="minor"/>
@@ -5155,13 +3797,13 @@
     <dgm:sp3d/>
     <dgm:txPr/>
     <dgm:style>
-      <a:lnRef idx="0">
+      <a:lnRef idx="2">
         <a:scrgbClr r="0" g="0" b="0"/>
       </a:lnRef>
-      <a:fillRef idx="3">
+      <a:fillRef idx="1">
         <a:scrgbClr r="0" g="0" b="0"/>
       </a:fillRef>
-      <a:effectRef idx="2">
+      <a:effectRef idx="0">
         <a:scrgbClr r="0" g="0" b="0"/>
       </a:effectRef>
       <a:fontRef idx="minor">
@@ -5177,13 +3819,13 @@
     <dgm:sp3d/>
     <dgm:txPr/>
     <dgm:style>
-      <a:lnRef idx="0">
+      <a:lnRef idx="2">
         <a:scrgbClr r="0" g="0" b="0"/>
       </a:lnRef>
-      <a:fillRef idx="3">
+      <a:fillRef idx="1">
         <a:scrgbClr r="0" g="0" b="0"/>
       </a:fillRef>
-      <a:effectRef idx="2">
+      <a:effectRef idx="0">
         <a:scrgbClr r="0" g="0" b="0"/>
       </a:effectRef>
       <a:fontRef idx="minor">
@@ -5199,13 +3841,13 @@
     <dgm:sp3d/>
     <dgm:txPr/>
     <dgm:style>
-      <a:lnRef idx="0">
+      <a:lnRef idx="2">
         <a:scrgbClr r="0" g="0" b="0"/>
       </a:lnRef>
-      <a:fillRef idx="3">
+      <a:fillRef idx="1">
         <a:scrgbClr r="0" g="0" b="0"/>
       </a:fillRef>
-      <a:effectRef idx="2">
+      <a:effectRef idx="0">
         <a:scrgbClr r="0" g="0" b="0"/>
       </a:effectRef>
       <a:fontRef idx="minor">
@@ -5221,13 +3863,13 @@
     <dgm:sp3d/>
     <dgm:txPr/>
     <dgm:style>
-      <a:lnRef idx="0">
+      <a:lnRef idx="2">
         <a:scrgbClr r="0" g="0" b="0"/>
       </a:lnRef>
-      <a:fillRef idx="3">
+      <a:fillRef idx="1">
         <a:scrgbClr r="0" g="0" b="0"/>
       </a:fillRef>
-      <a:effectRef idx="2">
+      <a:effectRef idx="0">
         <a:scrgbClr r="0" g="0" b="0"/>
       </a:effectRef>
       <a:fontRef idx="minor">
@@ -5243,13 +3885,13 @@
     <dgm:sp3d/>
     <dgm:txPr/>
     <dgm:style>
-      <a:lnRef idx="0">
+      <a:lnRef idx="2">
         <a:scrgbClr r="0" g="0" b="0"/>
       </a:lnRef>
-      <a:fillRef idx="3">
+      <a:fillRef idx="1">
         <a:scrgbClr r="0" g="0" b="0"/>
       </a:fillRef>
-      <a:effectRef idx="2">
+      <a:effectRef idx="0">
         <a:scrgbClr r="0" g="0" b="0"/>
       </a:effectRef>
       <a:fontRef idx="minor">
@@ -5265,13 +3907,13 @@
     <dgm:sp3d/>
     <dgm:txPr/>
     <dgm:style>
-      <a:lnRef idx="0">
+      <a:lnRef idx="2">
         <a:scrgbClr r="0" g="0" b="0"/>
       </a:lnRef>
-      <a:fillRef idx="3">
+      <a:fillRef idx="1">
         <a:scrgbClr r="0" g="0" b="0"/>
       </a:fillRef>
-      <a:effectRef idx="2">
+      <a:effectRef idx="0">
         <a:scrgbClr r="0" g="0" b="0"/>
       </a:effectRef>
       <a:fontRef idx="minor">
@@ -5287,13 +3929,13 @@
     <dgm:sp3d/>
     <dgm:txPr/>
     <dgm:style>
-      <a:lnRef idx="0">
+      <a:lnRef idx="2">
         <a:scrgbClr r="0" g="0" b="0"/>
       </a:lnRef>
-      <a:fillRef idx="3">
+      <a:fillRef idx="1">
         <a:scrgbClr r="0" g="0" b="0"/>
       </a:fillRef>
-      <a:effectRef idx="2">
+      <a:effectRef idx="0">
         <a:scrgbClr r="0" g="0" b="0"/>
       </a:effectRef>
       <a:fontRef idx="minor">
@@ -5309,13 +3951,13 @@
     <dgm:sp3d/>
     <dgm:txPr/>
     <dgm:style>
-      <a:lnRef idx="1">
+      <a:lnRef idx="2">
         <a:scrgbClr r="0" g="0" b="0"/>
       </a:lnRef>
-      <a:fillRef idx="3">
+      <a:fillRef idx="1">
         <a:scrgbClr r="0" g="0" b="0"/>
       </a:fillRef>
-      <a:effectRef idx="2">
+      <a:effectRef idx="0">
         <a:scrgbClr r="0" g="0" b="0"/>
       </a:effectRef>
       <a:fontRef idx="minor">
@@ -5331,13 +3973,13 @@
     <dgm:sp3d/>
     <dgm:txPr/>
     <dgm:style>
-      <a:lnRef idx="1">
+      <a:lnRef idx="2">
         <a:scrgbClr r="0" g="0" b="0"/>
       </a:lnRef>
-      <a:fillRef idx="3">
+      <a:fillRef idx="1">
         <a:scrgbClr r="0" g="0" b="0"/>
       </a:fillRef>
-      <a:effectRef idx="2">
+      <a:effectRef idx="0">
         <a:scrgbClr r="0" g="0" b="0"/>
       </a:effectRef>
       <a:fontRef idx="minor">
@@ -5353,7 +3995,7 @@
     <dgm:sp3d/>
     <dgm:txPr/>
     <dgm:style>
-      <a:lnRef idx="1">
+      <a:lnRef idx="2">
         <a:scrgbClr r="0" g="0" b="0"/>
       </a:lnRef>
       <a:fillRef idx="0">
@@ -5373,7 +4015,7 @@
     <dgm:sp3d/>
     <dgm:txPr/>
     <dgm:style>
-      <a:lnRef idx="1">
+      <a:lnRef idx="2">
         <a:scrgbClr r="0" g="0" b="0"/>
       </a:lnRef>
       <a:fillRef idx="0">
@@ -5393,7 +4035,7 @@
     <dgm:sp3d/>
     <dgm:txPr/>
     <dgm:style>
-      <a:lnRef idx="1">
+      <a:lnRef idx="2">
         <a:scrgbClr r="0" g="0" b="0"/>
       </a:lnRef>
       <a:fillRef idx="0">
@@ -5413,7 +4055,7 @@
     <dgm:sp3d/>
     <dgm:txPr/>
     <dgm:style>
-      <a:lnRef idx="1">
+      <a:lnRef idx="2">
         <a:scrgbClr r="0" g="0" b="0"/>
       </a:lnRef>
       <a:fillRef idx="0">
@@ -5433,7 +4075,7 @@
     <dgm:sp3d/>
     <dgm:txPr/>
     <dgm:style>
-      <a:lnRef idx="1">
+      <a:lnRef idx="2">
         <a:scrgbClr r="0" g="0" b="0"/>
       </a:lnRef>
       <a:fillRef idx="1">
@@ -5453,7 +4095,7 @@
     <dgm:sp3d/>
     <dgm:txPr/>
     <dgm:style>
-      <a:lnRef idx="1">
+      <a:lnRef idx="2">
         <a:scrgbClr r="0" g="0" b="0"/>
       </a:lnRef>
       <a:fillRef idx="1">
@@ -5473,7 +4115,7 @@
     <dgm:sp3d/>
     <dgm:txPr/>
     <dgm:style>
-      <a:lnRef idx="1">
+      <a:lnRef idx="2">
         <a:scrgbClr r="0" g="0" b="0"/>
       </a:lnRef>
       <a:fillRef idx="1">
@@ -5513,7 +4155,7 @@
     <dgm:sp3d/>
     <dgm:txPr/>
     <dgm:style>
-      <a:lnRef idx="1">
+      <a:lnRef idx="2">
         <a:scrgbClr r="0" g="0" b="0"/>
       </a:lnRef>
       <a:fillRef idx="1">
@@ -5533,7 +4175,7 @@
     <dgm:sp3d/>
     <dgm:txPr/>
     <dgm:style>
-      <a:lnRef idx="1">
+      <a:lnRef idx="2">
         <a:scrgbClr r="0" g="0" b="0"/>
       </a:lnRef>
       <a:fillRef idx="1">
@@ -5553,7 +4195,7 @@
     <dgm:sp3d/>
     <dgm:txPr/>
     <dgm:style>
-      <a:lnRef idx="1">
+      <a:lnRef idx="2">
         <a:scrgbClr r="0" g="0" b="0"/>
       </a:lnRef>
       <a:fillRef idx="1">
@@ -5573,7 +4215,7 @@
     <dgm:sp3d/>
     <dgm:txPr/>
     <dgm:style>
-      <a:lnRef idx="1">
+      <a:lnRef idx="2">
         <a:scrgbClr r="0" g="0" b="0"/>
       </a:lnRef>
       <a:fillRef idx="1">
@@ -5593,7 +4235,7 @@
     <dgm:sp3d/>
     <dgm:txPr/>
     <dgm:style>
-      <a:lnRef idx="1">
+      <a:lnRef idx="2">
         <a:scrgbClr r="0" g="0" b="0"/>
       </a:lnRef>
       <a:fillRef idx="1">
@@ -5613,7 +4255,7 @@
     <dgm:sp3d/>
     <dgm:txPr/>
     <dgm:style>
-      <a:lnRef idx="1">
+      <a:lnRef idx="2">
         <a:scrgbClr r="0" g="0" b="0"/>
       </a:lnRef>
       <a:fillRef idx="1">
@@ -5633,7 +4275,7 @@
     <dgm:sp3d/>
     <dgm:txPr/>
     <dgm:style>
-      <a:lnRef idx="1">
+      <a:lnRef idx="2">
         <a:scrgbClr r="0" g="0" b="0"/>
       </a:lnRef>
       <a:fillRef idx="1">
@@ -5653,7 +4295,7 @@
     <dgm:sp3d/>
     <dgm:txPr/>
     <dgm:style>
-      <a:lnRef idx="1">
+      <a:lnRef idx="2">
         <a:scrgbClr r="0" g="0" b="0"/>
       </a:lnRef>
       <a:fillRef idx="1">
@@ -5673,7 +4315,7 @@
     <dgm:sp3d/>
     <dgm:txPr/>
     <dgm:style>
-      <a:lnRef idx="1">
+      <a:lnRef idx="2">
         <a:scrgbClr r="0" g="0" b="0"/>
       </a:lnRef>
       <a:fillRef idx="1">
@@ -5693,7 +4335,7 @@
     <dgm:sp3d/>
     <dgm:txPr/>
     <dgm:style>
-      <a:lnRef idx="1">
+      <a:lnRef idx="2">
         <a:scrgbClr r="0" g="0" b="0"/>
       </a:lnRef>
       <a:fillRef idx="1">
@@ -5713,7 +4355,7 @@
     <dgm:sp3d/>
     <dgm:txPr/>
     <dgm:style>
-      <a:lnRef idx="1">
+      <a:lnRef idx="2">
         <a:scrgbClr r="0" g="0" b="0"/>
       </a:lnRef>
       <a:fillRef idx="1">
@@ -5739,7 +4381,7 @@
       <a:fillRef idx="1">
         <a:scrgbClr r="0" g="0" b="0"/>
       </a:fillRef>
-      <a:effectRef idx="2">
+      <a:effectRef idx="0">
         <a:scrgbClr r="0" g="0" b="0"/>
       </a:effectRef>
       <a:fontRef idx="minor"/>
@@ -5759,7 +4401,7 @@
       <a:fillRef idx="1">
         <a:scrgbClr r="0" g="0" b="0"/>
       </a:fillRef>
-      <a:effectRef idx="2">
+      <a:effectRef idx="0">
         <a:scrgbClr r="0" g="0" b="0"/>
       </a:effectRef>
       <a:fontRef idx="minor"/>
@@ -5793,13 +4435,13 @@
     <dgm:sp3d/>
     <dgm:txPr/>
     <dgm:style>
-      <a:lnRef idx="0">
+      <a:lnRef idx="2">
         <a:scrgbClr r="0" g="0" b="0"/>
       </a:lnRef>
-      <a:fillRef idx="3">
+      <a:fillRef idx="1">
         <a:scrgbClr r="0" g="0" b="0"/>
       </a:fillRef>
-      <a:effectRef idx="2">
+      <a:effectRef idx="0">
         <a:scrgbClr r="0" g="0" b="0"/>
       </a:effectRef>
       <a:fontRef idx="minor"/>
@@ -6281,7 +4923,7 @@
           <a:p>
             <a:fld id="{35D442AB-6860-B042-B086-2F1716AA4299}" type="datetimeFigureOut">
               <a:rPr lang="fr-FR" smtClean="0"/>
-              <a:t>21/08/2021</a:t>
+              <a:t>27/08/2021</a:t>
             </a:fld>
             <a:endParaRPr lang="fr-FR"/>
           </a:p>
@@ -6613,7 +5255,7 @@
           <a:p>
             <a:fld id="{35D442AB-6860-B042-B086-2F1716AA4299}" type="datetimeFigureOut">
               <a:rPr lang="fr-FR" smtClean="0"/>
-              <a:t>21/08/2021</a:t>
+              <a:t>27/08/2021</a:t>
             </a:fld>
             <a:endParaRPr lang="fr-FR"/>
           </a:p>
@@ -6809,7 +5451,7 @@
           <a:p>
             <a:fld id="{35D442AB-6860-B042-B086-2F1716AA4299}" type="datetimeFigureOut">
               <a:rPr lang="fr-FR" smtClean="0"/>
-              <a:t>21/08/2021</a:t>
+              <a:t>27/08/2021</a:t>
             </a:fld>
             <a:endParaRPr lang="fr-FR"/>
           </a:p>
@@ -7079,7 +5721,7 @@
           <a:p>
             <a:fld id="{35D442AB-6860-B042-B086-2F1716AA4299}" type="datetimeFigureOut">
               <a:rPr lang="fr-FR" smtClean="0"/>
-              <a:t>21/08/2021</a:t>
+              <a:t>27/08/2021</a:t>
             </a:fld>
             <a:endParaRPr lang="fr-FR"/>
           </a:p>
@@ -7507,7 +6149,7 @@
           <a:p>
             <a:fld id="{35D442AB-6860-B042-B086-2F1716AA4299}" type="datetimeFigureOut">
               <a:rPr lang="fr-FR" smtClean="0"/>
-              <a:t>21/08/2021</a:t>
+              <a:t>27/08/2021</a:t>
             </a:fld>
             <a:endParaRPr lang="fr-FR"/>
           </a:p>
@@ -8057,7 +6699,7 @@
           <a:p>
             <a:fld id="{35D442AB-6860-B042-B086-2F1716AA4299}" type="datetimeFigureOut">
               <a:rPr lang="fr-FR" smtClean="0"/>
-              <a:t>21/08/2021</a:t>
+              <a:t>27/08/2021</a:t>
             </a:fld>
             <a:endParaRPr lang="fr-FR"/>
           </a:p>
@@ -8847,7 +7489,7 @@
           <a:p>
             <a:fld id="{35D442AB-6860-B042-B086-2F1716AA4299}" type="datetimeFigureOut">
               <a:rPr lang="fr-FR" smtClean="0"/>
-              <a:t>21/08/2021</a:t>
+              <a:t>27/08/2021</a:t>
             </a:fld>
             <a:endParaRPr lang="fr-FR"/>
           </a:p>
@@ -9026,7 +7668,7 @@
           <a:p>
             <a:fld id="{35D442AB-6860-B042-B086-2F1716AA4299}" type="datetimeFigureOut">
               <a:rPr lang="fr-FR" smtClean="0"/>
-              <a:t>21/08/2021</a:t>
+              <a:t>27/08/2021</a:t>
             </a:fld>
             <a:endParaRPr lang="fr-FR"/>
           </a:p>
@@ -9210,7 +7852,7 @@
           <a:p>
             <a:fld id="{35D442AB-6860-B042-B086-2F1716AA4299}" type="datetimeFigureOut">
               <a:rPr lang="fr-FR" smtClean="0"/>
-              <a:t>21/08/2021</a:t>
+              <a:t>27/08/2021</a:t>
             </a:fld>
             <a:endParaRPr lang="fr-FR"/>
           </a:p>
@@ -9380,7 +8022,7 @@
           <a:p>
             <a:fld id="{35D442AB-6860-B042-B086-2F1716AA4299}" type="datetimeFigureOut">
               <a:rPr lang="fr-FR" smtClean="0"/>
-              <a:t>21/08/2021</a:t>
+              <a:t>27/08/2021</a:t>
             </a:fld>
             <a:endParaRPr lang="fr-FR"/>
           </a:p>
@@ -9555,7 +8197,7 @@
           <a:p>
             <a:fld id="{35D442AB-6860-B042-B086-2F1716AA4299}" type="datetimeFigureOut">
               <a:rPr lang="fr-FR" smtClean="0"/>
-              <a:t>21/08/2021</a:t>
+              <a:t>27/08/2021</a:t>
             </a:fld>
             <a:endParaRPr lang="fr-FR"/>
           </a:p>
@@ -9805,7 +8447,7 @@
           <a:p>
             <a:fld id="{35D442AB-6860-B042-B086-2F1716AA4299}" type="datetimeFigureOut">
               <a:rPr lang="fr-FR" smtClean="0"/>
-              <a:t>21/08/2021</a:t>
+              <a:t>27/08/2021</a:t>
             </a:fld>
             <a:endParaRPr lang="fr-FR"/>
           </a:p>
@@ -10042,7 +8684,7 @@
           <a:p>
             <a:fld id="{35D442AB-6860-B042-B086-2F1716AA4299}" type="datetimeFigureOut">
               <a:rPr lang="fr-FR" smtClean="0"/>
-              <a:t>21/08/2021</a:t>
+              <a:t>27/08/2021</a:t>
             </a:fld>
             <a:endParaRPr lang="fr-FR"/>
           </a:p>
@@ -10427,7 +9069,7 @@
           <a:p>
             <a:fld id="{35D442AB-6860-B042-B086-2F1716AA4299}" type="datetimeFigureOut">
               <a:rPr lang="fr-FR" smtClean="0"/>
-              <a:t>21/08/2021</a:t>
+              <a:t>27/08/2021</a:t>
             </a:fld>
             <a:endParaRPr lang="fr-FR"/>
           </a:p>
@@ -10545,7 +9187,7 @@
           <a:p>
             <a:fld id="{35D442AB-6860-B042-B086-2F1716AA4299}" type="datetimeFigureOut">
               <a:rPr lang="fr-FR" smtClean="0"/>
-              <a:t>21/08/2021</a:t>
+              <a:t>27/08/2021</a:t>
             </a:fld>
             <a:endParaRPr lang="fr-FR"/>
           </a:p>
@@ -10640,7 +9282,7 @@
           <a:p>
             <a:fld id="{35D442AB-6860-B042-B086-2F1716AA4299}" type="datetimeFigureOut">
               <a:rPr lang="fr-FR" smtClean="0"/>
-              <a:t>21/08/2021</a:t>
+              <a:t>27/08/2021</a:t>
             </a:fld>
             <a:endParaRPr lang="fr-FR"/>
           </a:p>
@@ -10893,7 +9535,7 @@
           <a:p>
             <a:fld id="{35D442AB-6860-B042-B086-2F1716AA4299}" type="datetimeFigureOut">
               <a:rPr lang="fr-FR" smtClean="0"/>
-              <a:t>21/08/2021</a:t>
+              <a:t>27/08/2021</a:t>
             </a:fld>
             <a:endParaRPr lang="fr-FR"/>
           </a:p>
@@ -11162,7 +9804,7 @@
           <a:p>
             <a:fld id="{35D442AB-6860-B042-B086-2F1716AA4299}" type="datetimeFigureOut">
               <a:rPr lang="fr-FR" smtClean="0"/>
-              <a:t>21/08/2021</a:t>
+              <a:t>27/08/2021</a:t>
             </a:fld>
             <a:endParaRPr lang="fr-FR"/>
           </a:p>
@@ -11565,7 +10207,7 @@
           <a:p>
             <a:fld id="{35D442AB-6860-B042-B086-2F1716AA4299}" type="datetimeFigureOut">
               <a:rPr lang="fr-FR" smtClean="0"/>
-              <a:t>21/08/2021</a:t>
+              <a:t>27/08/2021</a:t>
             </a:fld>
             <a:endParaRPr lang="fr-FR"/>
           </a:p>
@@ -12961,6 +11603,644 @@
   <p:cSld>
     <p:bg>
       <p:bgPr>
+        <a:blipFill>
+          <a:blip r:embed="rId2">
+            <a:duotone>
+              <a:schemeClr val="bg1">
+                <a:shade val="48000"/>
+                <a:satMod val="110000"/>
+                <a:lumMod val="40000"/>
+              </a:schemeClr>
+              <a:schemeClr val="bg1">
+                <a:tint val="90000"/>
+                <a:lumMod val="106000"/>
+              </a:schemeClr>
+            </a:duotone>
+          </a:blip>
+          <a:stretch/>
+        </a:blipFill>
+        <a:effectLst/>
+      </p:bgPr>
+    </p:bg>
+    <p:spTree>
+      <p:nvGrpSpPr>
+        <p:cNvPr id="1" name=""/>
+        <p:cNvGrpSpPr/>
+        <p:nvPr/>
+      </p:nvGrpSpPr>
+      <p:grpSpPr>
+        <a:xfrm>
+          <a:off x="0" y="0"/>
+          <a:ext cx="0" cy="0"/>
+          <a:chOff x="0" y="0"/>
+          <a:chExt cx="0" cy="0"/>
+        </a:xfrm>
+      </p:grpSpPr>
+      <p:sp useBgFill="1">
+        <p:nvSpPr>
+          <p:cNvPr id="13" name="Rectangle 8">
+            <a:extLst>
+              <a:ext uri="{FF2B5EF4-FFF2-40B4-BE49-F238E27FC236}">
+                <a16:creationId xmlns:a16="http://schemas.microsoft.com/office/drawing/2014/main" id="{1C4DAAB9-1F6E-44A6-8EBD-11AA857B20AB}"/>
+              </a:ext>
+              <a:ext uri="{C183D7F6-B498-43B3-948B-1728B52AA6E4}">
+                <adec:decorative xmlns:adec="http://schemas.microsoft.com/office/drawing/2017/decorative" val="1"/>
+              </a:ext>
+            </a:extLst>
+          </p:cNvPr>
+          <p:cNvSpPr>
+            <a:spLocks noGrp="1" noRot="1" noChangeAspect="1" noMove="1" noResize="1" noEditPoints="1" noAdjustHandles="1" noChangeArrowheads="1" noChangeShapeType="1" noTextEdit="1"/>
+          </p:cNvSpPr>
+          <p:nvPr>
+            <p:extLst>
+              <p:ext uri="{386F3935-93C4-4BCD-93E2-E3B085C9AB24}">
+                <p16:designElem xmlns:p16="http://schemas.microsoft.com/office/powerpoint/2015/main" val="1"/>
+              </p:ext>
+            </p:extLst>
+          </p:nvPr>
+        </p:nvSpPr>
+        <p:spPr>
+          <a:xfrm>
+            <a:off x="0" y="0"/>
+            <a:ext cx="12192000" cy="6858000"/>
+          </a:xfrm>
+          <a:prstGeom prst="rect">
+            <a:avLst/>
+          </a:prstGeom>
+          <a:ln>
+            <a:noFill/>
+          </a:ln>
+        </p:spPr>
+        <p:style>
+          <a:lnRef idx="2">
+            <a:schemeClr val="accent1">
+              <a:shade val="50000"/>
+            </a:schemeClr>
+          </a:lnRef>
+          <a:fillRef idx="1">
+            <a:schemeClr val="accent1"/>
+          </a:fillRef>
+          <a:effectRef idx="0">
+            <a:schemeClr val="accent1"/>
+          </a:effectRef>
+          <a:fontRef idx="minor">
+            <a:schemeClr val="lt1"/>
+          </a:fontRef>
+        </p:style>
+        <p:txBody>
+          <a:bodyPr rtlCol="0" anchor="ctr"/>
+          <a:lstStyle/>
+          <a:p>
+            <a:pPr algn="ctr"/>
+            <a:endParaRPr lang="en-US"/>
+          </a:p>
+        </p:txBody>
+      </p:sp>
+      <p:sp>
+        <p:nvSpPr>
+          <p:cNvPr id="2" name="Titre 1">
+            <a:extLst>
+              <a:ext uri="{FF2B5EF4-FFF2-40B4-BE49-F238E27FC236}">
+                <a16:creationId xmlns:a16="http://schemas.microsoft.com/office/drawing/2014/main" id="{2806B87A-C7B4-9C4E-A9A0-21E1235934FB}"/>
+              </a:ext>
+            </a:extLst>
+          </p:cNvPr>
+          <p:cNvSpPr>
+            <a:spLocks noGrp="1"/>
+          </p:cNvSpPr>
+          <p:nvPr>
+            <p:ph type="title"/>
+          </p:nvPr>
+        </p:nvSpPr>
+        <p:spPr>
+          <a:xfrm>
+            <a:off x="685800" y="685800"/>
+            <a:ext cx="10792837" cy="1151965"/>
+          </a:xfrm>
+        </p:spPr>
+        <p:txBody>
+          <a:bodyPr>
+            <a:normAutofit/>
+          </a:bodyPr>
+          <a:lstStyle/>
+          <a:p>
+            <a:r>
+              <a:rPr lang="fr-FR" dirty="0"/>
+              <a:t>Sommaire</a:t>
+            </a:r>
+          </a:p>
+        </p:txBody>
+      </p:sp>
+      <p:graphicFrame>
+        <p:nvGraphicFramePr>
+          <p:cNvPr id="14" name="Espace réservé du contenu 2">
+            <a:extLst>
+              <a:ext uri="{FF2B5EF4-FFF2-40B4-BE49-F238E27FC236}">
+                <a16:creationId xmlns:a16="http://schemas.microsoft.com/office/drawing/2014/main" id="{AF40139C-92B4-4352-BED0-A87459546C4A}"/>
+              </a:ext>
+            </a:extLst>
+          </p:cNvPr>
+          <p:cNvGraphicFramePr>
+            <a:graphicFrameLocks noGrp="1"/>
+          </p:cNvGraphicFramePr>
+          <p:nvPr>
+            <p:ph sz="quarter" idx="13"/>
+            <p:extLst>
+              <p:ext uri="{D42A27DB-BD31-4B8C-83A1-F6EECF244321}">
+                <p14:modId xmlns:p14="http://schemas.microsoft.com/office/powerpoint/2010/main" val="4261256694"/>
+              </p:ext>
+            </p:extLst>
+          </p:nvPr>
+        </p:nvGraphicFramePr>
+        <p:xfrm>
+          <a:off x="685800" y="2063750"/>
+          <a:ext cx="10793413" cy="3908425"/>
+        </p:xfrm>
+        <a:graphic>
+          <a:graphicData uri="http://schemas.openxmlformats.org/drawingml/2006/diagram">
+            <dgm:relIds xmlns:dgm="http://schemas.openxmlformats.org/drawingml/2006/diagram" xmlns:r="http://schemas.openxmlformats.org/officeDocument/2006/relationships" r:dm="rId3" r:lo="rId4" r:qs="rId5" r:cs="rId6"/>
+          </a:graphicData>
+        </a:graphic>
+      </p:graphicFrame>
+    </p:spTree>
+    <p:extLst>
+      <p:ext uri="{BB962C8B-B14F-4D97-AF65-F5344CB8AC3E}">
+        <p14:creationId xmlns:p14="http://schemas.microsoft.com/office/powerpoint/2010/main" val="2978954613"/>
+      </p:ext>
+    </p:extLst>
+  </p:cSld>
+  <p:clrMapOvr>
+    <a:masterClrMapping/>
+  </p:clrMapOvr>
+  <p:timing>
+    <p:tnLst>
+      <p:par>
+        <p:cTn id="1" dur="indefinite" restart="never" nodeType="tmRoot">
+          <p:childTnLst>
+            <p:seq concurrent="1" nextAc="seek">
+              <p:cTn id="2" dur="indefinite" nodeType="mainSeq">
+                <p:childTnLst>
+                  <p:par>
+                    <p:cTn id="3" fill="hold">
+                      <p:stCondLst>
+                        <p:cond delay="indefinite"/>
+                        <p:cond evt="onBegin" delay="0">
+                          <p:tn val="2"/>
+                        </p:cond>
+                      </p:stCondLst>
+                      <p:childTnLst>
+                        <p:par>
+                          <p:cTn id="4" fill="hold">
+                            <p:stCondLst>
+                              <p:cond delay="0"/>
+                            </p:stCondLst>
+                            <p:childTnLst>
+                              <p:par>
+                                <p:cTn id="5" presetID="56" presetClass="entr" presetSubtype="0" fill="hold" grpId="0" nodeType="afterEffect">
+                                  <p:stCondLst>
+                                    <p:cond delay="0"/>
+                                  </p:stCondLst>
+                                  <p:iterate type="lt">
+                                    <p:tmPct val="10000"/>
+                                  </p:iterate>
+                                  <p:childTnLst>
+                                    <p:set>
+                                      <p:cBhvr>
+                                        <p:cTn id="6" dur="1" fill="hold">
+                                          <p:stCondLst>
+                                            <p:cond delay="0"/>
+                                          </p:stCondLst>
+                                        </p:cTn>
+                                        <p:tgtEl>
+                                          <p:spTgt spid="2"/>
+                                        </p:tgtEl>
+                                        <p:attrNameLst>
+                                          <p:attrName>style.visibility</p:attrName>
+                                        </p:attrNameLst>
+                                      </p:cBhvr>
+                                      <p:to>
+                                        <p:strVal val="visible"/>
+                                      </p:to>
+                                    </p:set>
+                                    <p:anim by="(-#ppt_w*2)" calcmode="lin" valueType="num">
+                                      <p:cBhvr rctx="PPT">
+                                        <p:cTn id="7" dur="500" autoRev="1" fill="hold">
+                                          <p:stCondLst>
+                                            <p:cond delay="0"/>
+                                          </p:stCondLst>
+                                        </p:cTn>
+                                        <p:tgtEl>
+                                          <p:spTgt spid="2"/>
+                                        </p:tgtEl>
+                                        <p:attrNameLst>
+                                          <p:attrName>ppt_w</p:attrName>
+                                        </p:attrNameLst>
+                                      </p:cBhvr>
+                                    </p:anim>
+                                    <p:anim by="(#ppt_w*0.50)" calcmode="lin" valueType="num">
+                                      <p:cBhvr>
+                                        <p:cTn id="8" dur="500" decel="50000" autoRev="1" fill="hold">
+                                          <p:stCondLst>
+                                            <p:cond delay="0"/>
+                                          </p:stCondLst>
+                                        </p:cTn>
+                                        <p:tgtEl>
+                                          <p:spTgt spid="2"/>
+                                        </p:tgtEl>
+                                        <p:attrNameLst>
+                                          <p:attrName>ppt_x</p:attrName>
+                                        </p:attrNameLst>
+                                      </p:cBhvr>
+                                    </p:anim>
+                                    <p:anim from="(-#ppt_h/2)" to="(#ppt_y)" calcmode="lin" valueType="num">
+                                      <p:cBhvr>
+                                        <p:cTn id="9" dur="1000" fill="hold">
+                                          <p:stCondLst>
+                                            <p:cond delay="0"/>
+                                          </p:stCondLst>
+                                        </p:cTn>
+                                        <p:tgtEl>
+                                          <p:spTgt spid="2"/>
+                                        </p:tgtEl>
+                                        <p:attrNameLst>
+                                          <p:attrName>ppt_y</p:attrName>
+                                        </p:attrNameLst>
+                                      </p:cBhvr>
+                                    </p:anim>
+                                    <p:animRot by="21600000">
+                                      <p:cBhvr>
+                                        <p:cTn id="10" dur="1000" fill="hold">
+                                          <p:stCondLst>
+                                            <p:cond delay="0"/>
+                                          </p:stCondLst>
+                                        </p:cTn>
+                                        <p:tgtEl>
+                                          <p:spTgt spid="2"/>
+                                        </p:tgtEl>
+                                        <p:attrNameLst>
+                                          <p:attrName>r</p:attrName>
+                                        </p:attrNameLst>
+                                      </p:cBhvr>
+                                    </p:animRot>
+                                  </p:childTnLst>
+                                </p:cTn>
+                              </p:par>
+                            </p:childTnLst>
+                          </p:cTn>
+                        </p:par>
+                        <p:par>
+                          <p:cTn id="11" fill="hold">
+                            <p:stCondLst>
+                              <p:cond delay="1700"/>
+                            </p:stCondLst>
+                            <p:childTnLst>
+                              <p:par>
+                                <p:cTn id="12" presetID="9" presetClass="entr" presetSubtype="0" fill="hold" grpId="0" nodeType="afterEffect">
+                                  <p:stCondLst>
+                                    <p:cond delay="0"/>
+                                  </p:stCondLst>
+                                  <p:childTnLst>
+                                    <p:set>
+                                      <p:cBhvr>
+                                        <p:cTn id="13" dur="1" fill="hold">
+                                          <p:stCondLst>
+                                            <p:cond delay="0"/>
+                                          </p:stCondLst>
+                                        </p:cTn>
+                                        <p:tgtEl>
+                                          <p:spTgt spid="14">
+                                            <p:graphicEl>
+                                              <a:dgm id="{349458BB-B180-4D82-A5AC-28A685E2658F}"/>
+                                            </p:graphicEl>
+                                          </p:spTgt>
+                                        </p:tgtEl>
+                                        <p:attrNameLst>
+                                          <p:attrName>style.visibility</p:attrName>
+                                        </p:attrNameLst>
+                                      </p:cBhvr>
+                                      <p:to>
+                                        <p:strVal val="visible"/>
+                                      </p:to>
+                                    </p:set>
+                                    <p:animEffect transition="in" filter="dissolve">
+                                      <p:cBhvr>
+                                        <p:cTn id="14" dur="500"/>
+                                        <p:tgtEl>
+                                          <p:spTgt spid="14">
+                                            <p:graphicEl>
+                                              <a:dgm id="{349458BB-B180-4D82-A5AC-28A685E2658F}"/>
+                                            </p:graphicEl>
+                                          </p:spTgt>
+                                        </p:tgtEl>
+                                      </p:cBhvr>
+                                    </p:animEffect>
+                                  </p:childTnLst>
+                                </p:cTn>
+                              </p:par>
+                            </p:childTnLst>
+                          </p:cTn>
+                        </p:par>
+                        <p:par>
+                          <p:cTn id="15" fill="hold">
+                            <p:stCondLst>
+                              <p:cond delay="2200"/>
+                            </p:stCondLst>
+                            <p:childTnLst>
+                              <p:par>
+                                <p:cTn id="16" presetID="9" presetClass="entr" presetSubtype="0" fill="hold" grpId="0" nodeType="afterEffect">
+                                  <p:stCondLst>
+                                    <p:cond delay="0"/>
+                                  </p:stCondLst>
+                                  <p:childTnLst>
+                                    <p:set>
+                                      <p:cBhvr>
+                                        <p:cTn id="17" dur="1" fill="hold">
+                                          <p:stCondLst>
+                                            <p:cond delay="0"/>
+                                          </p:stCondLst>
+                                        </p:cTn>
+                                        <p:tgtEl>
+                                          <p:spTgt spid="14">
+                                            <p:graphicEl>
+                                              <a:dgm id="{6878FF3F-FE75-47A7-A709-7BC8CE063D01}"/>
+                                            </p:graphicEl>
+                                          </p:spTgt>
+                                        </p:tgtEl>
+                                        <p:attrNameLst>
+                                          <p:attrName>style.visibility</p:attrName>
+                                        </p:attrNameLst>
+                                      </p:cBhvr>
+                                      <p:to>
+                                        <p:strVal val="visible"/>
+                                      </p:to>
+                                    </p:set>
+                                    <p:animEffect transition="in" filter="dissolve">
+                                      <p:cBhvr>
+                                        <p:cTn id="18" dur="500"/>
+                                        <p:tgtEl>
+                                          <p:spTgt spid="14">
+                                            <p:graphicEl>
+                                              <a:dgm id="{6878FF3F-FE75-47A7-A709-7BC8CE063D01}"/>
+                                            </p:graphicEl>
+                                          </p:spTgt>
+                                        </p:tgtEl>
+                                      </p:cBhvr>
+                                    </p:animEffect>
+                                  </p:childTnLst>
+                                </p:cTn>
+                              </p:par>
+                            </p:childTnLst>
+                          </p:cTn>
+                        </p:par>
+                        <p:par>
+                          <p:cTn id="19" fill="hold">
+                            <p:stCondLst>
+                              <p:cond delay="2700"/>
+                            </p:stCondLst>
+                            <p:childTnLst>
+                              <p:par>
+                                <p:cTn id="20" presetID="9" presetClass="entr" presetSubtype="0" fill="hold" grpId="0" nodeType="afterEffect">
+                                  <p:stCondLst>
+                                    <p:cond delay="0"/>
+                                  </p:stCondLst>
+                                  <p:childTnLst>
+                                    <p:set>
+                                      <p:cBhvr>
+                                        <p:cTn id="21" dur="1" fill="hold">
+                                          <p:stCondLst>
+                                            <p:cond delay="0"/>
+                                          </p:stCondLst>
+                                        </p:cTn>
+                                        <p:tgtEl>
+                                          <p:spTgt spid="14">
+                                            <p:graphicEl>
+                                              <a:dgm id="{B9053332-044F-45AB-A6E3-408A2E6D5EED}"/>
+                                            </p:graphicEl>
+                                          </p:spTgt>
+                                        </p:tgtEl>
+                                        <p:attrNameLst>
+                                          <p:attrName>style.visibility</p:attrName>
+                                        </p:attrNameLst>
+                                      </p:cBhvr>
+                                      <p:to>
+                                        <p:strVal val="visible"/>
+                                      </p:to>
+                                    </p:set>
+                                    <p:animEffect transition="in" filter="dissolve">
+                                      <p:cBhvr>
+                                        <p:cTn id="22" dur="500"/>
+                                        <p:tgtEl>
+                                          <p:spTgt spid="14">
+                                            <p:graphicEl>
+                                              <a:dgm id="{B9053332-044F-45AB-A6E3-408A2E6D5EED}"/>
+                                            </p:graphicEl>
+                                          </p:spTgt>
+                                        </p:tgtEl>
+                                      </p:cBhvr>
+                                    </p:animEffect>
+                                  </p:childTnLst>
+                                </p:cTn>
+                              </p:par>
+                            </p:childTnLst>
+                          </p:cTn>
+                        </p:par>
+                        <p:par>
+                          <p:cTn id="23" fill="hold">
+                            <p:stCondLst>
+                              <p:cond delay="3200"/>
+                            </p:stCondLst>
+                            <p:childTnLst>
+                              <p:par>
+                                <p:cTn id="24" presetID="9" presetClass="entr" presetSubtype="0" fill="hold" grpId="0" nodeType="afterEffect">
+                                  <p:stCondLst>
+                                    <p:cond delay="0"/>
+                                  </p:stCondLst>
+                                  <p:childTnLst>
+                                    <p:set>
+                                      <p:cBhvr>
+                                        <p:cTn id="25" dur="1" fill="hold">
+                                          <p:stCondLst>
+                                            <p:cond delay="0"/>
+                                          </p:stCondLst>
+                                        </p:cTn>
+                                        <p:tgtEl>
+                                          <p:spTgt spid="14">
+                                            <p:graphicEl>
+                                              <a:dgm id="{79E7664F-E53B-48DE-B2BD-F706B4296306}"/>
+                                            </p:graphicEl>
+                                          </p:spTgt>
+                                        </p:tgtEl>
+                                        <p:attrNameLst>
+                                          <p:attrName>style.visibility</p:attrName>
+                                        </p:attrNameLst>
+                                      </p:cBhvr>
+                                      <p:to>
+                                        <p:strVal val="visible"/>
+                                      </p:to>
+                                    </p:set>
+                                    <p:animEffect transition="in" filter="dissolve">
+                                      <p:cBhvr>
+                                        <p:cTn id="26" dur="500"/>
+                                        <p:tgtEl>
+                                          <p:spTgt spid="14">
+                                            <p:graphicEl>
+                                              <a:dgm id="{79E7664F-E53B-48DE-B2BD-F706B4296306}"/>
+                                            </p:graphicEl>
+                                          </p:spTgt>
+                                        </p:tgtEl>
+                                      </p:cBhvr>
+                                    </p:animEffect>
+                                  </p:childTnLst>
+                                </p:cTn>
+                              </p:par>
+                            </p:childTnLst>
+                          </p:cTn>
+                        </p:par>
+                        <p:par>
+                          <p:cTn id="27" fill="hold">
+                            <p:stCondLst>
+                              <p:cond delay="3700"/>
+                            </p:stCondLst>
+                            <p:childTnLst>
+                              <p:par>
+                                <p:cTn id="28" presetID="9" presetClass="entr" presetSubtype="0" fill="hold" grpId="0" nodeType="afterEffect">
+                                  <p:stCondLst>
+                                    <p:cond delay="0"/>
+                                  </p:stCondLst>
+                                  <p:childTnLst>
+                                    <p:set>
+                                      <p:cBhvr>
+                                        <p:cTn id="29" dur="1" fill="hold">
+                                          <p:stCondLst>
+                                            <p:cond delay="0"/>
+                                          </p:stCondLst>
+                                        </p:cTn>
+                                        <p:tgtEl>
+                                          <p:spTgt spid="14">
+                                            <p:graphicEl>
+                                              <a:dgm id="{E83312BC-9EB8-4BE4-A43C-B8CCA981C26E}"/>
+                                            </p:graphicEl>
+                                          </p:spTgt>
+                                        </p:tgtEl>
+                                        <p:attrNameLst>
+                                          <p:attrName>style.visibility</p:attrName>
+                                        </p:attrNameLst>
+                                      </p:cBhvr>
+                                      <p:to>
+                                        <p:strVal val="visible"/>
+                                      </p:to>
+                                    </p:set>
+                                    <p:animEffect transition="in" filter="dissolve">
+                                      <p:cBhvr>
+                                        <p:cTn id="30" dur="500"/>
+                                        <p:tgtEl>
+                                          <p:spTgt spid="14">
+                                            <p:graphicEl>
+                                              <a:dgm id="{E83312BC-9EB8-4BE4-A43C-B8CCA981C26E}"/>
+                                            </p:graphicEl>
+                                          </p:spTgt>
+                                        </p:tgtEl>
+                                      </p:cBhvr>
+                                    </p:animEffect>
+                                  </p:childTnLst>
+                                </p:cTn>
+                              </p:par>
+                            </p:childTnLst>
+                          </p:cTn>
+                        </p:par>
+                        <p:par>
+                          <p:cTn id="31" fill="hold">
+                            <p:stCondLst>
+                              <p:cond delay="4200"/>
+                            </p:stCondLst>
+                            <p:childTnLst>
+                              <p:par>
+                                <p:cTn id="32" presetID="9" presetClass="entr" presetSubtype="0" fill="hold" grpId="0" nodeType="afterEffect">
+                                  <p:stCondLst>
+                                    <p:cond delay="0"/>
+                                  </p:stCondLst>
+                                  <p:childTnLst>
+                                    <p:set>
+                                      <p:cBhvr>
+                                        <p:cTn id="33" dur="1" fill="hold">
+                                          <p:stCondLst>
+                                            <p:cond delay="0"/>
+                                          </p:stCondLst>
+                                        </p:cTn>
+                                        <p:tgtEl>
+                                          <p:spTgt spid="14">
+                                            <p:graphicEl>
+                                              <a:dgm id="{A5EBF69B-F9DE-4562-8AA0-3CA7CA179336}"/>
+                                            </p:graphicEl>
+                                          </p:spTgt>
+                                        </p:tgtEl>
+                                        <p:attrNameLst>
+                                          <p:attrName>style.visibility</p:attrName>
+                                        </p:attrNameLst>
+                                      </p:cBhvr>
+                                      <p:to>
+                                        <p:strVal val="visible"/>
+                                      </p:to>
+                                    </p:set>
+                                    <p:animEffect transition="in" filter="dissolve">
+                                      <p:cBhvr>
+                                        <p:cTn id="34" dur="500"/>
+                                        <p:tgtEl>
+                                          <p:spTgt spid="14">
+                                            <p:graphicEl>
+                                              <a:dgm id="{A5EBF69B-F9DE-4562-8AA0-3CA7CA179336}"/>
+                                            </p:graphicEl>
+                                          </p:spTgt>
+                                        </p:tgtEl>
+                                      </p:cBhvr>
+                                    </p:animEffect>
+                                  </p:childTnLst>
+                                </p:cTn>
+                              </p:par>
+                            </p:childTnLst>
+                          </p:cTn>
+                        </p:par>
+                      </p:childTnLst>
+                    </p:cTn>
+                  </p:par>
+                </p:childTnLst>
+              </p:cTn>
+              <p:prevCondLst>
+                <p:cond evt="onPrev" delay="0">
+                  <p:tgtEl>
+                    <p:sldTgt/>
+                  </p:tgtEl>
+                </p:cond>
+              </p:prevCondLst>
+              <p:nextCondLst>
+                <p:cond evt="onNext" delay="0">
+                  <p:tgtEl>
+                    <p:sldTgt/>
+                  </p:tgtEl>
+                </p:cond>
+              </p:nextCondLst>
+            </p:seq>
+          </p:childTnLst>
+        </p:cTn>
+      </p:par>
+    </p:tnLst>
+    <p:bldLst>
+      <p:bldP spid="2" grpId="0"/>
+      <p:bldGraphic spid="14" grpId="0">
+        <p:bldSub>
+          <a:bldDgm bld="one"/>
+        </p:bldSub>
+      </p:bldGraphic>
+    </p:bldLst>
+  </p:timing>
+</p:sld>
+</file>
+
+<file path=ppt/slides/slide3.xml><?xml version="1.0" encoding="utf-8"?>
+<p:sld xmlns:a="http://schemas.openxmlformats.org/drawingml/2006/main" xmlns:r="http://schemas.openxmlformats.org/officeDocument/2006/relationships" xmlns:p="http://schemas.openxmlformats.org/presentationml/2006/main">
+  <p:cSld>
+    <p:bg>
+      <p:bgPr>
         <a:solidFill>
           <a:schemeClr val="bg1"/>
         </a:solidFill>
@@ -13318,30 +12598,9 @@
 </p:sld>
 </file>
 
-<file path=ppt/slides/slide3.xml><?xml version="1.0" encoding="utf-8"?>
+<file path=ppt/slides/slide4.xml><?xml version="1.0" encoding="utf-8"?>
 <p:sld xmlns:a="http://schemas.openxmlformats.org/drawingml/2006/main" xmlns:r="http://schemas.openxmlformats.org/officeDocument/2006/relationships" xmlns:p="http://schemas.openxmlformats.org/presentationml/2006/main">
   <p:cSld>
-    <p:bg>
-      <p:bgPr>
-        <a:blipFill>
-          <a:blip r:embed="rId2">
-            <a:duotone>
-              <a:schemeClr val="bg1">
-                <a:shade val="48000"/>
-                <a:satMod val="110000"/>
-                <a:lumMod val="40000"/>
-              </a:schemeClr>
-              <a:schemeClr val="bg1">
-                <a:tint val="90000"/>
-                <a:lumMod val="106000"/>
-              </a:schemeClr>
-            </a:duotone>
-          </a:blip>
-          <a:stretch/>
-        </a:blipFill>
-        <a:effectLst/>
-      </p:bgPr>
-    </p:bg>
     <p:spTree>
       <p:nvGrpSpPr>
         <p:cNvPr id="1" name=""/>
@@ -13361,7 +12620,7 @@
           <p:cNvPr id="4" name="ZoneTexte 3">
             <a:extLst>
               <a:ext uri="{FF2B5EF4-FFF2-40B4-BE49-F238E27FC236}">
-                <a16:creationId xmlns:a16="http://schemas.microsoft.com/office/drawing/2014/main" id="{27631B3A-07BD-E545-932F-7FD862ABD4A0}"/>
+                <a16:creationId xmlns:a16="http://schemas.microsoft.com/office/drawing/2014/main" id="{94E2BD59-EA94-4F46-B3AB-6AA5F83D6225}"/>
               </a:ext>
             </a:extLst>
           </p:cNvPr>
@@ -13370,16 +12629,16 @@
         </p:nvSpPr>
         <p:spPr>
           <a:xfrm>
-            <a:off x="685801" y="685800"/>
-            <a:ext cx="10396882" cy="1151965"/>
+            <a:off x="284206" y="295332"/>
+            <a:ext cx="815546" cy="4749943"/>
           </a:xfrm>
           <a:prstGeom prst="rect">
             <a:avLst/>
           </a:prstGeom>
         </p:spPr>
         <p:txBody>
-          <a:bodyPr vert="horz" lIns="91440" tIns="45720" rIns="91440" bIns="45720" rtlCol="0" anchor="ctr">
-            <a:normAutofit/>
+          <a:bodyPr vert="vert270" lIns="91440" tIns="45720" rIns="91440" bIns="45720" rtlCol="0" anchor="ctr">
+            <a:noAutofit/>
           </a:bodyPr>
           <a:lstStyle/>
           <a:p>
@@ -13395,7 +12654,7 @@
               </a:spcAft>
             </a:pPr>
             <a:r>
-              <a:rPr lang="en-US" sz="5400" b="1" cap="all">
+              <a:rPr lang="en-US" sz="4000" b="1" cap="all" dirty="0" err="1">
                 <a:solidFill>
                   <a:schemeClr val="accent1"/>
                 </a:solidFill>
@@ -13403,78 +12662,47 @@
                 <a:ea typeface="+mj-ea"/>
                 <a:cs typeface="+mj-cs"/>
               </a:rPr>
-              <a:t>Identification des classes</a:t>
+              <a:t>Diagramme</a:t>
             </a:r>
+            <a:r>
+              <a:rPr lang="en-US" sz="4000" b="1" cap="all" dirty="0">
+                <a:solidFill>
+                  <a:schemeClr val="accent1"/>
+                </a:solidFill>
+                <a:latin typeface="+mj-lt"/>
+                <a:ea typeface="+mj-ea"/>
+                <a:cs typeface="+mj-cs"/>
+              </a:rPr>
+              <a:t> de </a:t>
+            </a:r>
+            <a:r>
+              <a:rPr lang="en-US" sz="4000" b="1" cap="all" dirty="0" err="1">
+                <a:solidFill>
+                  <a:schemeClr val="accent1"/>
+                </a:solidFill>
+                <a:latin typeface="+mj-lt"/>
+                <a:ea typeface="+mj-ea"/>
+                <a:cs typeface="+mj-cs"/>
+              </a:rPr>
+              <a:t>classe</a:t>
+            </a:r>
+            <a:endParaRPr lang="en-US" sz="4000" b="1" cap="all" dirty="0">
+              <a:solidFill>
+                <a:schemeClr val="accent1"/>
+              </a:solidFill>
+              <a:latin typeface="+mj-lt"/>
+              <a:ea typeface="+mj-ea"/>
+              <a:cs typeface="+mj-cs"/>
+            </a:endParaRPr>
           </a:p>
         </p:txBody>
       </p:sp>
-      <p:graphicFrame>
-        <p:nvGraphicFramePr>
-          <p:cNvPr id="48" name="Espace réservé du contenu 2">
+      <p:pic>
+        <p:nvPicPr>
+          <p:cNvPr id="3" name="Image 2">
             <a:extLst>
               <a:ext uri="{FF2B5EF4-FFF2-40B4-BE49-F238E27FC236}">
-                <a16:creationId xmlns:a16="http://schemas.microsoft.com/office/drawing/2014/main" id="{32CAED11-95A3-44D4-95DB-F60988D00265}"/>
-              </a:ext>
-            </a:extLst>
-          </p:cNvPr>
-          <p:cNvGraphicFramePr>
-            <a:graphicFrameLocks noGrp="1"/>
-          </p:cNvGraphicFramePr>
-          <p:nvPr>
-            <p:ph idx="1"/>
-            <p:extLst>
-              <p:ext uri="{D42A27DB-BD31-4B8C-83A1-F6EECF244321}">
-                <p14:modId xmlns:p14="http://schemas.microsoft.com/office/powerpoint/2010/main" val="3986512606"/>
-              </p:ext>
-            </p:extLst>
-          </p:nvPr>
-        </p:nvGraphicFramePr>
-        <p:xfrm>
-          <a:off x="685800" y="1680519"/>
-          <a:ext cx="10394950" cy="3694757"/>
-        </p:xfrm>
-        <a:graphic>
-          <a:graphicData uri="http://schemas.openxmlformats.org/drawingml/2006/diagram">
-            <dgm:relIds xmlns:dgm="http://schemas.openxmlformats.org/drawingml/2006/diagram" xmlns:r="http://schemas.openxmlformats.org/officeDocument/2006/relationships" r:dm="rId3" r:lo="rId4" r:qs="rId5" r:cs="rId6"/>
-          </a:graphicData>
-        </a:graphic>
-      </p:graphicFrame>
-    </p:spTree>
-    <p:extLst>
-      <p:ext uri="{BB962C8B-B14F-4D97-AF65-F5344CB8AC3E}">
-        <p14:creationId xmlns:p14="http://schemas.microsoft.com/office/powerpoint/2010/main" val="891734803"/>
-      </p:ext>
-    </p:extLst>
-  </p:cSld>
-  <p:clrMapOvr>
-    <a:masterClrMapping/>
-  </p:clrMapOvr>
-</p:sld>
-</file>
-
-<file path=ppt/slides/slide4.xml><?xml version="1.0" encoding="utf-8"?>
-<p:sld xmlns:a="http://schemas.openxmlformats.org/drawingml/2006/main" xmlns:r="http://schemas.openxmlformats.org/officeDocument/2006/relationships" xmlns:p="http://schemas.openxmlformats.org/presentationml/2006/main">
-  <p:cSld>
-    <p:spTree>
-      <p:nvGrpSpPr>
-        <p:cNvPr id="1" name=""/>
-        <p:cNvGrpSpPr/>
-        <p:nvPr/>
-      </p:nvGrpSpPr>
-      <p:grpSpPr>
-        <a:xfrm>
-          <a:off x="0" y="0"/>
-          <a:ext cx="0" cy="0"/>
-          <a:chOff x="0" y="0"/>
-          <a:chExt cx="0" cy="0"/>
-        </a:xfrm>
-      </p:grpSpPr>
-      <p:pic>
-        <p:nvPicPr>
-          <p:cNvPr id="6" name="Image 5">
-            <a:extLst>
-              <a:ext uri="{FF2B5EF4-FFF2-40B4-BE49-F238E27FC236}">
-                <a16:creationId xmlns:a16="http://schemas.microsoft.com/office/drawing/2014/main" id="{654F1C65-47B2-6E42-B8A0-E0DA75EC229B}"/>
+                <a16:creationId xmlns:a16="http://schemas.microsoft.com/office/drawing/2014/main" id="{E5B24F37-C011-1742-9586-974A093EFD78}"/>
               </a:ext>
             </a:extLst>
           </p:cNvPr>
@@ -13491,15 +12719,12 @@
         </p:blipFill>
         <p:spPr>
           <a:xfrm>
-            <a:off x="1362161" y="30892"/>
-            <a:ext cx="9467678" cy="6267336"/>
+            <a:off x="1581150" y="-1"/>
+            <a:ext cx="9212974" cy="6349307"/>
           </a:xfrm>
           <a:prstGeom prst="rect">
             <a:avLst/>
           </a:prstGeom>
-          <a:effectLst>
-            <a:softEdge rad="63500"/>
-          </a:effectLst>
         </p:spPr>
       </p:pic>
     </p:spTree>
@@ -13512,6 +12737,228 @@
   <p:clrMapOvr>
     <a:masterClrMapping/>
   </p:clrMapOvr>
+  <p:timing>
+    <p:tnLst>
+      <p:par>
+        <p:cTn id="1" dur="indefinite" restart="never" nodeType="tmRoot">
+          <p:childTnLst>
+            <p:seq concurrent="1" nextAc="seek">
+              <p:cTn id="2" dur="indefinite" nodeType="mainSeq">
+                <p:childTnLst>
+                  <p:par>
+                    <p:cTn id="3" fill="hold">
+                      <p:stCondLst>
+                        <p:cond delay="indefinite"/>
+                        <p:cond evt="onBegin" delay="0">
+                          <p:tn val="2"/>
+                        </p:cond>
+                      </p:stCondLst>
+                      <p:childTnLst>
+                        <p:par>
+                          <p:cTn id="4" fill="hold">
+                            <p:stCondLst>
+                              <p:cond delay="0"/>
+                            </p:stCondLst>
+                            <p:childTnLst>
+                              <p:par>
+                                <p:cTn id="5" presetID="49" presetClass="entr" presetSubtype="0" decel="100000" fill="hold" grpId="0" nodeType="afterEffect">
+                                  <p:stCondLst>
+                                    <p:cond delay="0"/>
+                                  </p:stCondLst>
+                                  <p:childTnLst>
+                                    <p:set>
+                                      <p:cBhvr>
+                                        <p:cTn id="6" dur="1" fill="hold">
+                                          <p:stCondLst>
+                                            <p:cond delay="0"/>
+                                          </p:stCondLst>
+                                        </p:cTn>
+                                        <p:tgtEl>
+                                          <p:spTgt spid="4">
+                                            <p:txEl>
+                                              <p:pRg st="0" end="0"/>
+                                            </p:txEl>
+                                          </p:spTgt>
+                                        </p:tgtEl>
+                                        <p:attrNameLst>
+                                          <p:attrName>style.visibility</p:attrName>
+                                        </p:attrNameLst>
+                                      </p:cBhvr>
+                                      <p:to>
+                                        <p:strVal val="visible"/>
+                                      </p:to>
+                                    </p:set>
+                                    <p:anim calcmode="lin" valueType="num">
+                                      <p:cBhvr>
+                                        <p:cTn id="7" dur="2000" fill="hold"/>
+                                        <p:tgtEl>
+                                          <p:spTgt spid="4">
+                                            <p:txEl>
+                                              <p:pRg st="0" end="0"/>
+                                            </p:txEl>
+                                          </p:spTgt>
+                                        </p:tgtEl>
+                                        <p:attrNameLst>
+                                          <p:attrName>ppt_w</p:attrName>
+                                        </p:attrNameLst>
+                                      </p:cBhvr>
+                                      <p:tavLst>
+                                        <p:tav tm="0">
+                                          <p:val>
+                                            <p:fltVal val="0"/>
+                                          </p:val>
+                                        </p:tav>
+                                        <p:tav tm="100000">
+                                          <p:val>
+                                            <p:strVal val="#ppt_w"/>
+                                          </p:val>
+                                        </p:tav>
+                                      </p:tavLst>
+                                    </p:anim>
+                                    <p:anim calcmode="lin" valueType="num">
+                                      <p:cBhvr>
+                                        <p:cTn id="8" dur="2000" fill="hold"/>
+                                        <p:tgtEl>
+                                          <p:spTgt spid="4">
+                                            <p:txEl>
+                                              <p:pRg st="0" end="0"/>
+                                            </p:txEl>
+                                          </p:spTgt>
+                                        </p:tgtEl>
+                                        <p:attrNameLst>
+                                          <p:attrName>ppt_h</p:attrName>
+                                        </p:attrNameLst>
+                                      </p:cBhvr>
+                                      <p:tavLst>
+                                        <p:tav tm="0">
+                                          <p:val>
+                                            <p:fltVal val="0"/>
+                                          </p:val>
+                                        </p:tav>
+                                        <p:tav tm="100000">
+                                          <p:val>
+                                            <p:strVal val="#ppt_h"/>
+                                          </p:val>
+                                        </p:tav>
+                                      </p:tavLst>
+                                    </p:anim>
+                                    <p:anim calcmode="lin" valueType="num">
+                                      <p:cBhvr>
+                                        <p:cTn id="9" dur="2000" fill="hold"/>
+                                        <p:tgtEl>
+                                          <p:spTgt spid="4">
+                                            <p:txEl>
+                                              <p:pRg st="0" end="0"/>
+                                            </p:txEl>
+                                          </p:spTgt>
+                                        </p:tgtEl>
+                                        <p:attrNameLst>
+                                          <p:attrName>style.rotation</p:attrName>
+                                        </p:attrNameLst>
+                                      </p:cBhvr>
+                                      <p:tavLst>
+                                        <p:tav tm="0">
+                                          <p:val>
+                                            <p:fltVal val="360"/>
+                                          </p:val>
+                                        </p:tav>
+                                        <p:tav tm="100000">
+                                          <p:val>
+                                            <p:fltVal val="0"/>
+                                          </p:val>
+                                        </p:tav>
+                                      </p:tavLst>
+                                    </p:anim>
+                                    <p:animEffect transition="in" filter="fade">
+                                      <p:cBhvr>
+                                        <p:cTn id="10" dur="2000"/>
+                                        <p:tgtEl>
+                                          <p:spTgt spid="4">
+                                            <p:txEl>
+                                              <p:pRg st="0" end="0"/>
+                                            </p:txEl>
+                                          </p:spTgt>
+                                        </p:tgtEl>
+                                      </p:cBhvr>
+                                    </p:animEffect>
+                                  </p:childTnLst>
+                                </p:cTn>
+                              </p:par>
+                            </p:childTnLst>
+                          </p:cTn>
+                        </p:par>
+                        <p:par>
+                          <p:cTn id="11" fill="hold">
+                            <p:stCondLst>
+                              <p:cond delay="2000"/>
+                            </p:stCondLst>
+                            <p:childTnLst>
+                              <p:par>
+                                <p:cTn id="12" presetID="18" presetClass="entr" presetSubtype="12" fill="hold" nodeType="afterEffect">
+                                  <p:stCondLst>
+                                    <p:cond delay="0"/>
+                                  </p:stCondLst>
+                                  <p:childTnLst>
+                                    <p:set>
+                                      <p:cBhvr>
+                                        <p:cTn id="13" dur="1" fill="hold">
+                                          <p:stCondLst>
+                                            <p:cond delay="0"/>
+                                          </p:stCondLst>
+                                        </p:cTn>
+                                        <p:tgtEl>
+                                          <p:spTgt spid="3"/>
+                                        </p:tgtEl>
+                                        <p:attrNameLst>
+                                          <p:attrName>style.visibility</p:attrName>
+                                        </p:attrNameLst>
+                                      </p:cBhvr>
+                                      <p:to>
+                                        <p:strVal val="visible"/>
+                                      </p:to>
+                                    </p:set>
+                                    <p:animEffect transition="in" filter="strips(downLeft)">
+                                      <p:cBhvr>
+                                        <p:cTn id="14" dur="1000"/>
+                                        <p:tgtEl>
+                                          <p:spTgt spid="3"/>
+                                        </p:tgtEl>
+                                      </p:cBhvr>
+                                    </p:animEffect>
+                                  </p:childTnLst>
+                                </p:cTn>
+                              </p:par>
+                            </p:childTnLst>
+                          </p:cTn>
+                        </p:par>
+                      </p:childTnLst>
+                    </p:cTn>
+                  </p:par>
+                </p:childTnLst>
+              </p:cTn>
+              <p:prevCondLst>
+                <p:cond evt="onPrev" delay="0">
+                  <p:tgtEl>
+                    <p:sldTgt/>
+                  </p:tgtEl>
+                </p:cond>
+              </p:prevCondLst>
+              <p:nextCondLst>
+                <p:cond evt="onNext" delay="0">
+                  <p:tgtEl>
+                    <p:sldTgt/>
+                  </p:tgtEl>
+                </p:cond>
+              </p:nextCondLst>
+            </p:seq>
+          </p:childTnLst>
+        </p:cTn>
+      </p:par>
+    </p:tnLst>
+    <p:bldLst>
+      <p:bldP spid="4" grpId="0" build="p"/>
+    </p:bldLst>
+  </p:timing>
 </p:sld>
 </file>
 

--- a/P3_soussand_yoan/P3_02_architecture/P3_02_architecture.pptx
+++ b/P3_soussand_yoan/P3_02_architecture/P3_02_architecture.pptx
@@ -4923,7 +4923,7 @@
           <a:p>
             <a:fld id="{35D442AB-6860-B042-B086-2F1716AA4299}" type="datetimeFigureOut">
               <a:rPr lang="fr-FR" smtClean="0"/>
-              <a:t>27/08/2021</a:t>
+              <a:t>31/08/2021</a:t>
             </a:fld>
             <a:endParaRPr lang="fr-FR"/>
           </a:p>
@@ -5255,7 +5255,7 @@
           <a:p>
             <a:fld id="{35D442AB-6860-B042-B086-2F1716AA4299}" type="datetimeFigureOut">
               <a:rPr lang="fr-FR" smtClean="0"/>
-              <a:t>27/08/2021</a:t>
+              <a:t>31/08/2021</a:t>
             </a:fld>
             <a:endParaRPr lang="fr-FR"/>
           </a:p>
@@ -5451,7 +5451,7 @@
           <a:p>
             <a:fld id="{35D442AB-6860-B042-B086-2F1716AA4299}" type="datetimeFigureOut">
               <a:rPr lang="fr-FR" smtClean="0"/>
-              <a:t>27/08/2021</a:t>
+              <a:t>31/08/2021</a:t>
             </a:fld>
             <a:endParaRPr lang="fr-FR"/>
           </a:p>
@@ -5721,7 +5721,7 @@
           <a:p>
             <a:fld id="{35D442AB-6860-B042-B086-2F1716AA4299}" type="datetimeFigureOut">
               <a:rPr lang="fr-FR" smtClean="0"/>
-              <a:t>27/08/2021</a:t>
+              <a:t>31/08/2021</a:t>
             </a:fld>
             <a:endParaRPr lang="fr-FR"/>
           </a:p>
@@ -6149,7 +6149,7 @@
           <a:p>
             <a:fld id="{35D442AB-6860-B042-B086-2F1716AA4299}" type="datetimeFigureOut">
               <a:rPr lang="fr-FR" smtClean="0"/>
-              <a:t>27/08/2021</a:t>
+              <a:t>31/08/2021</a:t>
             </a:fld>
             <a:endParaRPr lang="fr-FR"/>
           </a:p>
@@ -6699,7 +6699,7 @@
           <a:p>
             <a:fld id="{35D442AB-6860-B042-B086-2F1716AA4299}" type="datetimeFigureOut">
               <a:rPr lang="fr-FR" smtClean="0"/>
-              <a:t>27/08/2021</a:t>
+              <a:t>31/08/2021</a:t>
             </a:fld>
             <a:endParaRPr lang="fr-FR"/>
           </a:p>
@@ -7489,7 +7489,7 @@
           <a:p>
             <a:fld id="{35D442AB-6860-B042-B086-2F1716AA4299}" type="datetimeFigureOut">
               <a:rPr lang="fr-FR" smtClean="0"/>
-              <a:t>27/08/2021</a:t>
+              <a:t>31/08/2021</a:t>
             </a:fld>
             <a:endParaRPr lang="fr-FR"/>
           </a:p>
@@ -7668,7 +7668,7 @@
           <a:p>
             <a:fld id="{35D442AB-6860-B042-B086-2F1716AA4299}" type="datetimeFigureOut">
               <a:rPr lang="fr-FR" smtClean="0"/>
-              <a:t>27/08/2021</a:t>
+              <a:t>31/08/2021</a:t>
             </a:fld>
             <a:endParaRPr lang="fr-FR"/>
           </a:p>
@@ -7852,7 +7852,7 @@
           <a:p>
             <a:fld id="{35D442AB-6860-B042-B086-2F1716AA4299}" type="datetimeFigureOut">
               <a:rPr lang="fr-FR" smtClean="0"/>
-              <a:t>27/08/2021</a:t>
+              <a:t>31/08/2021</a:t>
             </a:fld>
             <a:endParaRPr lang="fr-FR"/>
           </a:p>
@@ -8022,7 +8022,7 @@
           <a:p>
             <a:fld id="{35D442AB-6860-B042-B086-2F1716AA4299}" type="datetimeFigureOut">
               <a:rPr lang="fr-FR" smtClean="0"/>
-              <a:t>27/08/2021</a:t>
+              <a:t>31/08/2021</a:t>
             </a:fld>
             <a:endParaRPr lang="fr-FR"/>
           </a:p>
@@ -8197,7 +8197,7 @@
           <a:p>
             <a:fld id="{35D442AB-6860-B042-B086-2F1716AA4299}" type="datetimeFigureOut">
               <a:rPr lang="fr-FR" smtClean="0"/>
-              <a:t>27/08/2021</a:t>
+              <a:t>31/08/2021</a:t>
             </a:fld>
             <a:endParaRPr lang="fr-FR"/>
           </a:p>
@@ -8447,7 +8447,7 @@
           <a:p>
             <a:fld id="{35D442AB-6860-B042-B086-2F1716AA4299}" type="datetimeFigureOut">
               <a:rPr lang="fr-FR" smtClean="0"/>
-              <a:t>27/08/2021</a:t>
+              <a:t>31/08/2021</a:t>
             </a:fld>
             <a:endParaRPr lang="fr-FR"/>
           </a:p>
@@ -8684,7 +8684,7 @@
           <a:p>
             <a:fld id="{35D442AB-6860-B042-B086-2F1716AA4299}" type="datetimeFigureOut">
               <a:rPr lang="fr-FR" smtClean="0"/>
-              <a:t>27/08/2021</a:t>
+              <a:t>31/08/2021</a:t>
             </a:fld>
             <a:endParaRPr lang="fr-FR"/>
           </a:p>
@@ -9069,7 +9069,7 @@
           <a:p>
             <a:fld id="{35D442AB-6860-B042-B086-2F1716AA4299}" type="datetimeFigureOut">
               <a:rPr lang="fr-FR" smtClean="0"/>
-              <a:t>27/08/2021</a:t>
+              <a:t>31/08/2021</a:t>
             </a:fld>
             <a:endParaRPr lang="fr-FR"/>
           </a:p>
@@ -9187,7 +9187,7 @@
           <a:p>
             <a:fld id="{35D442AB-6860-B042-B086-2F1716AA4299}" type="datetimeFigureOut">
               <a:rPr lang="fr-FR" smtClean="0"/>
-              <a:t>27/08/2021</a:t>
+              <a:t>31/08/2021</a:t>
             </a:fld>
             <a:endParaRPr lang="fr-FR"/>
           </a:p>
@@ -9282,7 +9282,7 @@
           <a:p>
             <a:fld id="{35D442AB-6860-B042-B086-2F1716AA4299}" type="datetimeFigureOut">
               <a:rPr lang="fr-FR" smtClean="0"/>
-              <a:t>27/08/2021</a:t>
+              <a:t>31/08/2021</a:t>
             </a:fld>
             <a:endParaRPr lang="fr-FR"/>
           </a:p>
@@ -9535,7 +9535,7 @@
           <a:p>
             <a:fld id="{35D442AB-6860-B042-B086-2F1716AA4299}" type="datetimeFigureOut">
               <a:rPr lang="fr-FR" smtClean="0"/>
-              <a:t>27/08/2021</a:t>
+              <a:t>31/08/2021</a:t>
             </a:fld>
             <a:endParaRPr lang="fr-FR"/>
           </a:p>
@@ -9804,7 +9804,7 @@
           <a:p>
             <a:fld id="{35D442AB-6860-B042-B086-2F1716AA4299}" type="datetimeFigureOut">
               <a:rPr lang="fr-FR" smtClean="0"/>
-              <a:t>27/08/2021</a:t>
+              <a:t>31/08/2021</a:t>
             </a:fld>
             <a:endParaRPr lang="fr-FR"/>
           </a:p>
@@ -10207,7 +10207,7 @@
           <a:p>
             <a:fld id="{35D442AB-6860-B042-B086-2F1716AA4299}" type="datetimeFigureOut">
               <a:rPr lang="fr-FR" smtClean="0"/>
-              <a:t>27/08/2021</a:t>
+              <a:t>31/08/2021</a:t>
             </a:fld>
             <a:endParaRPr lang="fr-FR"/>
           </a:p>
@@ -12699,10 +12699,10 @@
       </p:sp>
       <p:pic>
         <p:nvPicPr>
-          <p:cNvPr id="3" name="Image 2">
+          <p:cNvPr id="5" name="Image 4">
             <a:extLst>
               <a:ext uri="{FF2B5EF4-FFF2-40B4-BE49-F238E27FC236}">
-                <a16:creationId xmlns:a16="http://schemas.microsoft.com/office/drawing/2014/main" id="{E5B24F37-C011-1742-9586-974A093EFD78}"/>
+                <a16:creationId xmlns:a16="http://schemas.microsoft.com/office/drawing/2014/main" id="{979A0A55-2131-1F43-B9D0-FF444E8A9548}"/>
               </a:ext>
             </a:extLst>
           </p:cNvPr>
@@ -12719,8 +12719,8 @@
         </p:blipFill>
         <p:spPr>
           <a:xfrm>
-            <a:off x="1581150" y="-1"/>
-            <a:ext cx="9212974" cy="6349307"/>
+            <a:off x="1395379" y="155234"/>
+            <a:ext cx="9401241" cy="6547531"/>
           </a:xfrm>
           <a:prstGeom prst="rect">
             <a:avLst/>
@@ -12894,7 +12894,7 @@
                             </p:stCondLst>
                             <p:childTnLst>
                               <p:par>
-                                <p:cTn id="12" presetID="18" presetClass="entr" presetSubtype="12" fill="hold" nodeType="afterEffect">
+                                <p:cTn id="12" presetID="53" presetClass="entr" presetSubtype="528" fill="hold" nodeType="afterEffect">
                                   <p:stCondLst>
                                     <p:cond delay="0"/>
                                   </p:stCondLst>
@@ -12907,7 +12907,7 @@
                                           </p:stCondLst>
                                         </p:cTn>
                                         <p:tgtEl>
-                                          <p:spTgt spid="3"/>
+                                          <p:spTgt spid="5"/>
                                         </p:tgtEl>
                                         <p:attrNameLst>
                                           <p:attrName>style.visibility</p:attrName>
@@ -12917,14 +12917,106 @@
                                         <p:strVal val="visible"/>
                                       </p:to>
                                     </p:set>
-                                    <p:animEffect transition="in" filter="strips(downLeft)">
+                                    <p:anim calcmode="lin" valueType="num">
                                       <p:cBhvr>
-                                        <p:cTn id="14" dur="1000"/>
+                                        <p:cTn id="14" dur="1250" fill="hold"/>
                                         <p:tgtEl>
-                                          <p:spTgt spid="3"/>
+                                          <p:spTgt spid="5"/>
+                                        </p:tgtEl>
+                                        <p:attrNameLst>
+                                          <p:attrName>ppt_w</p:attrName>
+                                        </p:attrNameLst>
+                                      </p:cBhvr>
+                                      <p:tavLst>
+                                        <p:tav tm="0">
+                                          <p:val>
+                                            <p:fltVal val="0"/>
+                                          </p:val>
+                                        </p:tav>
+                                        <p:tav tm="100000">
+                                          <p:val>
+                                            <p:strVal val="#ppt_w"/>
+                                          </p:val>
+                                        </p:tav>
+                                      </p:tavLst>
+                                    </p:anim>
+                                    <p:anim calcmode="lin" valueType="num">
+                                      <p:cBhvr>
+                                        <p:cTn id="15" dur="1250" fill="hold"/>
+                                        <p:tgtEl>
+                                          <p:spTgt spid="5"/>
+                                        </p:tgtEl>
+                                        <p:attrNameLst>
+                                          <p:attrName>ppt_h</p:attrName>
+                                        </p:attrNameLst>
+                                      </p:cBhvr>
+                                      <p:tavLst>
+                                        <p:tav tm="0">
+                                          <p:val>
+                                            <p:fltVal val="0"/>
+                                          </p:val>
+                                        </p:tav>
+                                        <p:tav tm="100000">
+                                          <p:val>
+                                            <p:strVal val="#ppt_h"/>
+                                          </p:val>
+                                        </p:tav>
+                                      </p:tavLst>
+                                    </p:anim>
+                                    <p:animEffect transition="in" filter="fade">
+                                      <p:cBhvr>
+                                        <p:cTn id="16" dur="1250"/>
+                                        <p:tgtEl>
+                                          <p:spTgt spid="5"/>
                                         </p:tgtEl>
                                       </p:cBhvr>
                                     </p:animEffect>
+                                    <p:anim calcmode="lin" valueType="num">
+                                      <p:cBhvr>
+                                        <p:cTn id="17" dur="1250" fill="hold"/>
+                                        <p:tgtEl>
+                                          <p:spTgt spid="5"/>
+                                        </p:tgtEl>
+                                        <p:attrNameLst>
+                                          <p:attrName>ppt_x</p:attrName>
+                                        </p:attrNameLst>
+                                      </p:cBhvr>
+                                      <p:tavLst>
+                                        <p:tav tm="0">
+                                          <p:val>
+                                            <p:fltVal val="0.5"/>
+                                          </p:val>
+                                        </p:tav>
+                                        <p:tav tm="100000">
+                                          <p:val>
+                                            <p:strVal val="#ppt_x"/>
+                                          </p:val>
+                                        </p:tav>
+                                      </p:tavLst>
+                                    </p:anim>
+                                    <p:anim calcmode="lin" valueType="num">
+                                      <p:cBhvr>
+                                        <p:cTn id="18" dur="1250" fill="hold"/>
+                                        <p:tgtEl>
+                                          <p:spTgt spid="5"/>
+                                        </p:tgtEl>
+                                        <p:attrNameLst>
+                                          <p:attrName>ppt_y</p:attrName>
+                                        </p:attrNameLst>
+                                      </p:cBhvr>
+                                      <p:tavLst>
+                                        <p:tav tm="0">
+                                          <p:val>
+                                            <p:fltVal val="0.5"/>
+                                          </p:val>
+                                        </p:tav>
+                                        <p:tav tm="100000">
+                                          <p:val>
+                                            <p:strVal val="#ppt_y"/>
+                                          </p:val>
+                                        </p:tav>
+                                      </p:tavLst>
+                                    </p:anim>
                                   </p:childTnLst>
                                 </p:cTn>
                               </p:par>
